--- a/PPT.pptx
+++ b/PPT.pptx
@@ -6,41 +6,40 @@
   </p:sldMasterIdLst>
   <p:sldIdLst>
     <p:sldId id="256" r:id="rId2"/>
-    <p:sldId id="257" r:id="rId3"/>
-    <p:sldId id="258" r:id="rId4"/>
-    <p:sldId id="259" r:id="rId5"/>
-    <p:sldId id="260" r:id="rId6"/>
-    <p:sldId id="261" r:id="rId7"/>
-    <p:sldId id="262" r:id="rId8"/>
-    <p:sldId id="263" r:id="rId9"/>
-    <p:sldId id="264" r:id="rId10"/>
-    <p:sldId id="265" r:id="rId11"/>
-    <p:sldId id="266" r:id="rId12"/>
-    <p:sldId id="267" r:id="rId13"/>
-    <p:sldId id="268" r:id="rId14"/>
-    <p:sldId id="269" r:id="rId15"/>
-    <p:sldId id="270" r:id="rId16"/>
-    <p:sldId id="271" r:id="rId17"/>
-    <p:sldId id="272" r:id="rId18"/>
-    <p:sldId id="273" r:id="rId19"/>
-    <p:sldId id="274" r:id="rId20"/>
-    <p:sldId id="275" r:id="rId21"/>
-    <p:sldId id="276" r:id="rId22"/>
-    <p:sldId id="277" r:id="rId23"/>
-    <p:sldId id="278" r:id="rId24"/>
-    <p:sldId id="280" r:id="rId25"/>
-    <p:sldId id="281" r:id="rId26"/>
-    <p:sldId id="282" r:id="rId27"/>
-    <p:sldId id="283" r:id="rId28"/>
-    <p:sldId id="284" r:id="rId29"/>
-    <p:sldId id="285" r:id="rId30"/>
-    <p:sldId id="286" r:id="rId31"/>
-    <p:sldId id="287" r:id="rId32"/>
-    <p:sldId id="288" r:id="rId33"/>
-    <p:sldId id="289" r:id="rId34"/>
-    <p:sldId id="290" r:id="rId35"/>
-    <p:sldId id="291" r:id="rId36"/>
-    <p:sldId id="292" r:id="rId37"/>
+    <p:sldId id="294" r:id="rId3"/>
+    <p:sldId id="257" r:id="rId4"/>
+    <p:sldId id="293" r:id="rId5"/>
+    <p:sldId id="261" r:id="rId6"/>
+    <p:sldId id="262" r:id="rId7"/>
+    <p:sldId id="263" r:id="rId8"/>
+    <p:sldId id="264" r:id="rId9"/>
+    <p:sldId id="265" r:id="rId10"/>
+    <p:sldId id="266" r:id="rId11"/>
+    <p:sldId id="295" r:id="rId12"/>
+    <p:sldId id="268" r:id="rId13"/>
+    <p:sldId id="269" r:id="rId14"/>
+    <p:sldId id="270" r:id="rId15"/>
+    <p:sldId id="271" r:id="rId16"/>
+    <p:sldId id="272" r:id="rId17"/>
+    <p:sldId id="273" r:id="rId18"/>
+    <p:sldId id="274" r:id="rId19"/>
+    <p:sldId id="275" r:id="rId20"/>
+    <p:sldId id="276" r:id="rId21"/>
+    <p:sldId id="277" r:id="rId22"/>
+    <p:sldId id="278" r:id="rId23"/>
+    <p:sldId id="280" r:id="rId24"/>
+    <p:sldId id="281" r:id="rId25"/>
+    <p:sldId id="282" r:id="rId26"/>
+    <p:sldId id="283" r:id="rId27"/>
+    <p:sldId id="284" r:id="rId28"/>
+    <p:sldId id="285" r:id="rId29"/>
+    <p:sldId id="286" r:id="rId30"/>
+    <p:sldId id="287" r:id="rId31"/>
+    <p:sldId id="288" r:id="rId32"/>
+    <p:sldId id="289" r:id="rId33"/>
+    <p:sldId id="290" r:id="rId34"/>
+    <p:sldId id="291" r:id="rId35"/>
+    <p:sldId id="292" r:id="rId36"/>
   </p:sldIdLst>
   <p:sldSz cx="12192000" cy="6858000"/>
   <p:notesSz cx="6858000" cy="9144000"/>
@@ -145,17 +144,16 @@
         <p14:section name="Default Section" id="{EB2EBBAC-AA81-4B49-8000-43D7C8FFBAE9}">
           <p14:sldIdLst>
             <p14:sldId id="256"/>
+            <p14:sldId id="294"/>
             <p14:sldId id="257"/>
-            <p14:sldId id="258"/>
-            <p14:sldId id="259"/>
-            <p14:sldId id="260"/>
+            <p14:sldId id="293"/>
             <p14:sldId id="261"/>
             <p14:sldId id="262"/>
             <p14:sldId id="263"/>
             <p14:sldId id="264"/>
             <p14:sldId id="265"/>
             <p14:sldId id="266"/>
-            <p14:sldId id="267"/>
+            <p14:sldId id="295"/>
             <p14:sldId id="268"/>
             <p14:sldId id="269"/>
             <p14:sldId id="270"/>
@@ -186,6 +184,9 @@
           <p14:sldIdLst/>
         </p14:section>
       </p14:sectionLst>
+    </p:ext>
+    <p:ext uri="{EFAFB233-063F-42B5-8137-9DF3F51BA10A}">
+      <p15:sldGuideLst xmlns:p15="http://schemas.microsoft.com/office/powerpoint/2012/main"/>
     </p:ext>
   </p:extLst>
 </p:presentation>
@@ -8984,7 +8985,7 @@
           <a:p>
             <a:fld id="{02731B77-74DD-435B-A53C-CA736FF2054E}" type="datetimeFigureOut">
               <a:rPr lang="en-US" smtClean="0"/>
-              <a:t>4/25/2018</a:t>
+              <a:t>4/26/2018</a:t>
             </a:fld>
             <a:endParaRPr lang="en-US"/>
           </a:p>
@@ -9191,7 +9192,7 @@
           <a:p>
             <a:fld id="{02731B77-74DD-435B-A53C-CA736FF2054E}" type="datetimeFigureOut">
               <a:rPr lang="en-US" smtClean="0"/>
-              <a:t>4/25/2018</a:t>
+              <a:t>4/26/2018</a:t>
             </a:fld>
             <a:endParaRPr lang="en-US"/>
           </a:p>
@@ -9371,7 +9372,7 @@
           <a:p>
             <a:fld id="{02731B77-74DD-435B-A53C-CA736FF2054E}" type="datetimeFigureOut">
               <a:rPr lang="en-US" smtClean="0"/>
-              <a:t>4/25/2018</a:t>
+              <a:t>4/26/2018</a:t>
             </a:fld>
             <a:endParaRPr lang="en-US"/>
           </a:p>
@@ -9576,7 +9577,7 @@
           <a:p>
             <a:fld id="{02731B77-74DD-435B-A53C-CA736FF2054E}" type="datetimeFigureOut">
               <a:rPr lang="en-US" smtClean="0"/>
-              <a:t>4/25/2018</a:t>
+              <a:t>4/26/2018</a:t>
             </a:fld>
             <a:endParaRPr lang="en-US"/>
           </a:p>
@@ -18474,7 +18475,7 @@
           <a:p>
             <a:fld id="{02731B77-74DD-435B-A53C-CA736FF2054E}" type="datetimeFigureOut">
               <a:rPr lang="en-US" smtClean="0"/>
-              <a:t>4/25/2018</a:t>
+              <a:t>4/26/2018</a:t>
             </a:fld>
             <a:endParaRPr lang="en-US"/>
           </a:p>
@@ -18748,7 +18749,7 @@
           <a:p>
             <a:fld id="{02731B77-74DD-435B-A53C-CA736FF2054E}" type="datetimeFigureOut">
               <a:rPr lang="en-US" smtClean="0"/>
-              <a:t>4/25/2018</a:t>
+              <a:t>4/26/2018</a:t>
             </a:fld>
             <a:endParaRPr lang="en-US"/>
           </a:p>
@@ -19146,7 +19147,7 @@
           <a:p>
             <a:fld id="{02731B77-74DD-435B-A53C-CA736FF2054E}" type="datetimeFigureOut">
               <a:rPr lang="en-US" smtClean="0"/>
-              <a:t>4/25/2018</a:t>
+              <a:t>4/26/2018</a:t>
             </a:fld>
             <a:endParaRPr lang="en-US"/>
           </a:p>
@@ -19264,7 +19265,7 @@
           <a:p>
             <a:fld id="{02731B77-74DD-435B-A53C-CA736FF2054E}" type="datetimeFigureOut">
               <a:rPr lang="en-US" smtClean="0"/>
-              <a:t>4/25/2018</a:t>
+              <a:t>4/26/2018</a:t>
             </a:fld>
             <a:endParaRPr lang="en-US"/>
           </a:p>
@@ -19359,7 +19360,7 @@
           <a:p>
             <a:fld id="{02731B77-74DD-435B-A53C-CA736FF2054E}" type="datetimeFigureOut">
               <a:rPr lang="en-US" smtClean="0"/>
-              <a:t>4/25/2018</a:t>
+              <a:t>4/26/2018</a:t>
             </a:fld>
             <a:endParaRPr lang="en-US"/>
           </a:p>
@@ -19649,7 +19650,7 @@
           <a:p>
             <a:fld id="{02731B77-74DD-435B-A53C-CA736FF2054E}" type="datetimeFigureOut">
               <a:rPr lang="en-US" smtClean="0"/>
-              <a:t>4/25/2018</a:t>
+              <a:t>4/26/2018</a:t>
             </a:fld>
             <a:endParaRPr lang="en-US"/>
           </a:p>
@@ -19929,7 +19930,7 @@
           <a:p>
             <a:fld id="{02731B77-74DD-435B-A53C-CA736FF2054E}" type="datetimeFigureOut">
               <a:rPr lang="en-US" smtClean="0"/>
-              <a:t>4/25/2018</a:t>
+              <a:t>4/26/2018</a:t>
             </a:fld>
             <a:endParaRPr lang="en-US"/>
           </a:p>
@@ -20179,7 +20180,7 @@
           <a:p>
             <a:fld id="{02731B77-74DD-435B-A53C-CA736FF2054E}" type="datetimeFigureOut">
               <a:rPr lang="en-US" smtClean="0"/>
-              <a:t>4/25/2018</a:t>
+              <a:t>4/26/2018</a:t>
             </a:fld>
             <a:endParaRPr lang="en-US"/>
           </a:p>
@@ -20691,7 +20692,12 @@
             <p:ph type="ctrTitle"/>
           </p:nvPr>
         </p:nvSpPr>
-        <p:spPr/>
+        <p:spPr>
+          <a:xfrm>
+            <a:off x="429904" y="4646239"/>
+            <a:ext cx="7772400" cy="1463040"/>
+          </a:xfrm>
+        </p:spPr>
         <p:txBody>
           <a:bodyPr>
             <a:normAutofit fontScale="90000"/>
@@ -20699,64 +20705,8 @@
           <a:lstStyle/>
           <a:p>
             <a:r>
-              <a:rPr lang="en-US" dirty="0" err="1" smtClean="0"/>
-              <a:t>penerapan</a:t>
-            </a:r>
-            <a:r>
-              <a:rPr lang="en-US" dirty="0" smtClean="0"/>
-              <a:t> </a:t>
-            </a:r>
-            <a:r>
-              <a:rPr lang="en-US" dirty="0" err="1" smtClean="0"/>
-              <a:t>dan</a:t>
-            </a:r>
-            <a:r>
-              <a:rPr lang="en-US" dirty="0" smtClean="0"/>
-              <a:t> </a:t>
-            </a:r>
-            <a:r>
-              <a:rPr lang="en-US" dirty="0" err="1" smtClean="0"/>
-              <a:t>perbandingan</a:t>
-            </a:r>
-            <a:r>
-              <a:rPr lang="en-US" dirty="0" smtClean="0"/>
-              <a:t> </a:t>
-            </a:r>
-            <a:r>
-              <a:rPr lang="en-US" dirty="0" err="1" smtClean="0"/>
-              <a:t>microservice</a:t>
-            </a:r>
-            <a:r>
-              <a:rPr lang="en-US" dirty="0" smtClean="0"/>
-              <a:t> </a:t>
-            </a:r>
-            <a:r>
-              <a:rPr lang="en-US" dirty="0" err="1" smtClean="0"/>
-              <a:t>untuk</a:t>
-            </a:r>
-            <a:r>
-              <a:rPr lang="en-US" dirty="0" smtClean="0"/>
-              <a:t> </a:t>
-            </a:r>
-            <a:r>
-              <a:rPr lang="en-US" dirty="0" err="1" smtClean="0"/>
-              <a:t>arsitektur</a:t>
-            </a:r>
-            <a:r>
-              <a:rPr lang="en-US" dirty="0" smtClean="0"/>
-              <a:t> </a:t>
-            </a:r>
-            <a:r>
-              <a:rPr lang="en-US" dirty="0" err="1" smtClean="0"/>
-              <a:t>perangkat</a:t>
-            </a:r>
-            <a:r>
-              <a:rPr lang="en-US" dirty="0" smtClean="0"/>
-              <a:t> </a:t>
-            </a:r>
-            <a:r>
-              <a:rPr lang="en-US" dirty="0" err="1" smtClean="0"/>
-              <a:t>lunak</a:t>
+              <a:rPr lang="en-US" dirty="0"/>
+              <a:t>PENERAPAN DAN PERBANDINGAN ARSITEKTUR MICROSERVICE TERHADAP ARSITEKTUR MONOLITIK PADA PERANGKAT LUNAK SISTEM INFORMASI MENEJEMEN RUMAH SAKIT</a:t>
             </a:r>
             <a:endParaRPr lang="en-US" dirty="0"/>
           </a:p>
@@ -20799,6 +20749,13 @@
   <p:clrMapOvr>
     <a:masterClrMapping/>
   </p:clrMapOvr>
+  <p:timing>
+    <p:tnLst>
+      <p:par>
+        <p:cTn id="1" dur="indefinite" restart="never" nodeType="tmRoot"/>
+      </p:par>
+    </p:tnLst>
+  </p:timing>
 </p:sld>
 </file>
 
@@ -20836,50 +20793,222 @@
           <a:p>
             <a:r>
               <a:rPr lang="en-US" dirty="0" err="1" smtClean="0"/>
-              <a:t>Contoh</a:t>
-            </a:r>
-            <a:r>
-              <a:rPr lang="en-US" dirty="0" smtClean="0"/>
-              <a:t> </a:t>
-            </a:r>
-            <a:r>
-              <a:rPr lang="en-US" dirty="0" err="1" smtClean="0"/>
-              <a:t>penjelasan</a:t>
+              <a:t>Tahapan</a:t>
+            </a:r>
+            <a:r>
+              <a:rPr lang="en-US" dirty="0" smtClean="0"/>
+              <a:t> </a:t>
+            </a:r>
+            <a:r>
+              <a:rPr lang="en-US" dirty="0" err="1" smtClean="0"/>
+              <a:t>migrasi</a:t>
             </a:r>
             <a:endParaRPr lang="en-US" dirty="0"/>
           </a:p>
         </p:txBody>
       </p:sp>
-      <p:pic>
-        <p:nvPicPr>
-          <p:cNvPr id="4" name="Content Placeholder 3"/>
-          <p:cNvPicPr>
-            <a:picLocks noGrp="1"/>
-          </p:cNvPicPr>
+      <p:sp>
+        <p:nvSpPr>
+          <p:cNvPr id="3" name="Content Placeholder 2"/>
+          <p:cNvSpPr>
+            <a:spLocks noGrp="1"/>
+          </p:cNvSpPr>
           <p:nvPr>
             <p:ph idx="1"/>
           </p:nvPr>
-        </p:nvPicPr>
-        <p:blipFill>
-          <a:blip r:embed="rId2"/>
-          <a:stretch>
-            <a:fillRect/>
-          </a:stretch>
-        </p:blipFill>
-        <p:spPr>
-          <a:xfrm>
-            <a:off x="2453973" y="2084832"/>
-            <a:ext cx="6860381" cy="3779245"/>
-          </a:xfrm>
-          <a:prstGeom prst="rect">
-            <a:avLst/>
-          </a:prstGeom>
-        </p:spPr>
-      </p:pic>
+        </p:nvSpPr>
+        <p:spPr/>
+        <p:txBody>
+          <a:bodyPr/>
+          <a:lstStyle/>
+          <a:p>
+            <a:r>
+              <a:rPr lang="en-US" dirty="0" smtClean="0"/>
+              <a:t>Point yang </a:t>
+            </a:r>
+            <a:r>
+              <a:rPr lang="en-US" dirty="0" err="1" smtClean="0"/>
+              <a:t>perlu</a:t>
+            </a:r>
+            <a:r>
+              <a:rPr lang="en-US" dirty="0" smtClean="0"/>
+              <a:t> </a:t>
+            </a:r>
+            <a:r>
+              <a:rPr lang="en-US" dirty="0" err="1" smtClean="0"/>
+              <a:t>diingat</a:t>
+            </a:r>
+            <a:r>
+              <a:rPr lang="en-US" dirty="0"/>
+              <a:t> </a:t>
+            </a:r>
+            <a:r>
+              <a:rPr lang="en-US" dirty="0" smtClean="0"/>
+              <a:t>:</a:t>
+            </a:r>
+          </a:p>
+          <a:p>
+            <a:pPr marL="457200" indent="-457200">
+              <a:buFont typeface="+mj-lt"/>
+              <a:buAutoNum type="arabicPeriod"/>
+            </a:pPr>
+            <a:r>
+              <a:rPr lang="en-US" dirty="0" err="1" smtClean="0"/>
+              <a:t>Menjaga</a:t>
+            </a:r>
+            <a:r>
+              <a:rPr lang="en-US" dirty="0" smtClean="0"/>
+              <a:t> </a:t>
+            </a:r>
+            <a:r>
+              <a:rPr lang="en-US" dirty="0" err="1" smtClean="0"/>
+              <a:t>teknologi</a:t>
+            </a:r>
+            <a:r>
+              <a:rPr lang="en-US" dirty="0" smtClean="0"/>
+              <a:t> agar </a:t>
+            </a:r>
+            <a:r>
+              <a:rPr lang="en-US" dirty="0" err="1" smtClean="0"/>
+              <a:t>tetap</a:t>
+            </a:r>
+            <a:r>
+              <a:rPr lang="en-US" dirty="0" smtClean="0"/>
+              <a:t> agnostic (</a:t>
+            </a:r>
+            <a:r>
+              <a:rPr lang="en-US" dirty="0" err="1" smtClean="0"/>
+              <a:t>harus</a:t>
+            </a:r>
+            <a:r>
+              <a:rPr lang="en-US" dirty="0" smtClean="0"/>
+              <a:t> </a:t>
+            </a:r>
+            <a:r>
+              <a:rPr lang="en-US" dirty="0" err="1" smtClean="0"/>
+              <a:t>langgeng</a:t>
+            </a:r>
+            <a:r>
+              <a:rPr lang="en-US" dirty="0" smtClean="0"/>
+              <a:t> </a:t>
+            </a:r>
+            <a:r>
+              <a:rPr lang="en-US" dirty="0" err="1" smtClean="0"/>
+              <a:t>dengan</a:t>
+            </a:r>
+            <a:r>
+              <a:rPr lang="en-US" dirty="0" smtClean="0"/>
+              <a:t> </a:t>
+            </a:r>
+            <a:r>
+              <a:rPr lang="en-US" dirty="0" err="1" smtClean="0"/>
+              <a:t>perkembangan</a:t>
+            </a:r>
+            <a:r>
+              <a:rPr lang="en-US" dirty="0" smtClean="0"/>
+              <a:t> </a:t>
+            </a:r>
+            <a:r>
+              <a:rPr lang="en-US" dirty="0" err="1" smtClean="0"/>
+              <a:t>teknologi</a:t>
+            </a:r>
+            <a:r>
+              <a:rPr lang="en-US" dirty="0" smtClean="0"/>
+              <a:t>).</a:t>
+            </a:r>
+          </a:p>
+          <a:p>
+            <a:pPr marL="457200" indent="-457200">
+              <a:buFont typeface="+mj-lt"/>
+              <a:buAutoNum type="arabicPeriod"/>
+            </a:pPr>
+            <a:r>
+              <a:rPr lang="en-US" dirty="0" err="1" smtClean="0"/>
+              <a:t>Hindari</a:t>
+            </a:r>
+            <a:r>
+              <a:rPr lang="en-US" dirty="0" smtClean="0"/>
+              <a:t> </a:t>
+            </a:r>
+            <a:r>
+              <a:rPr lang="en-US" dirty="0" err="1" smtClean="0"/>
+              <a:t>perubahan</a:t>
+            </a:r>
+            <a:r>
+              <a:rPr lang="en-US" dirty="0" smtClean="0"/>
+              <a:t> major </a:t>
+            </a:r>
+            <a:r>
+              <a:rPr lang="en-US" dirty="0" err="1" smtClean="0"/>
+              <a:t>pada</a:t>
+            </a:r>
+            <a:r>
+              <a:rPr lang="en-US" dirty="0" smtClean="0"/>
+              <a:t> </a:t>
+            </a:r>
+            <a:r>
+              <a:rPr lang="en-US" dirty="0" err="1" smtClean="0"/>
+              <a:t>aplikasi</a:t>
+            </a:r>
+            <a:endParaRPr lang="en-US" dirty="0" smtClean="0"/>
+          </a:p>
+          <a:p>
+            <a:pPr marL="457200" indent="-457200">
+              <a:buFont typeface="+mj-lt"/>
+              <a:buAutoNum type="arabicPeriod"/>
+            </a:pPr>
+            <a:r>
+              <a:rPr lang="en-US" dirty="0" err="1" smtClean="0"/>
+              <a:t>Buat</a:t>
+            </a:r>
+            <a:r>
+              <a:rPr lang="en-US" dirty="0" smtClean="0"/>
+              <a:t> agar </a:t>
+            </a:r>
+            <a:r>
+              <a:rPr lang="en-US" dirty="0" err="1" smtClean="0"/>
+              <a:t>teknologi</a:t>
+            </a:r>
+            <a:r>
+              <a:rPr lang="en-US" dirty="0" smtClean="0"/>
+              <a:t> </a:t>
+            </a:r>
+            <a:r>
+              <a:rPr lang="en-US" dirty="0" err="1" smtClean="0"/>
+              <a:t>tetap</a:t>
+            </a:r>
+            <a:r>
+              <a:rPr lang="en-US" dirty="0" smtClean="0"/>
+              <a:t> </a:t>
+            </a:r>
+            <a:r>
+              <a:rPr lang="en-US" dirty="0" err="1" smtClean="0"/>
+              <a:t>sederhana</a:t>
+            </a:r>
+            <a:r>
+              <a:rPr lang="en-US" dirty="0" smtClean="0"/>
+              <a:t> </a:t>
+            </a:r>
+            <a:r>
+              <a:rPr lang="en-US" dirty="0" err="1" smtClean="0"/>
+              <a:t>untuk</a:t>
+            </a:r>
+            <a:r>
+              <a:rPr lang="en-US" dirty="0" smtClean="0"/>
+              <a:t> </a:t>
+            </a:r>
+            <a:r>
+              <a:rPr lang="en-US" i="1" dirty="0" smtClean="0"/>
+              <a:t>client</a:t>
+            </a:r>
+            <a:endParaRPr lang="en-US" dirty="0" smtClean="0"/>
+          </a:p>
+        </p:txBody>
+      </p:sp>
     </p:spTree>
     <p:extLst>
       <p:ext uri="{BB962C8B-B14F-4D97-AF65-F5344CB8AC3E}">
-        <p14:creationId xmlns:p14="http://schemas.microsoft.com/office/powerpoint/2010/main" val="2856533075"/>
+        <p14:creationId xmlns:p14="http://schemas.microsoft.com/office/powerpoint/2010/main" val="4089121088"/>
       </p:ext>
     </p:extLst>
   </p:cSld>
@@ -20922,16 +21051,16 @@
           <a:lstStyle/>
           <a:p>
             <a:r>
-              <a:rPr lang="en-US" dirty="0" err="1" smtClean="0"/>
-              <a:t>Tahapan</a:t>
-            </a:r>
-            <a:r>
-              <a:rPr lang="en-US" dirty="0" smtClean="0"/>
-              <a:t> </a:t>
-            </a:r>
-            <a:r>
-              <a:rPr lang="en-US" dirty="0" err="1" smtClean="0"/>
-              <a:t>migrasi</a:t>
+              <a:rPr lang="en-US" dirty="0" smtClean="0"/>
+              <a:t>1. </a:t>
+            </a:r>
+            <a:r>
+              <a:rPr lang="en-US" dirty="0" err="1" smtClean="0"/>
+              <a:t>Manajemen</a:t>
+            </a:r>
+            <a:r>
+              <a:rPr lang="en-US" dirty="0" smtClean="0"/>
+              <a:t> data</a:t>
             </a:r>
             <a:endParaRPr lang="en-US" dirty="0"/>
           </a:p>
@@ -20939,12 +21068,12 @@
       </p:sp>
       <p:sp>
         <p:nvSpPr>
-          <p:cNvPr id="3" name="Content Placeholder 2"/>
+          <p:cNvPr id="8" name="Text Placeholder 7"/>
           <p:cNvSpPr>
             <a:spLocks noGrp="1"/>
           </p:cNvSpPr>
           <p:nvPr>
-            <p:ph idx="1"/>
+            <p:ph type="body" idx="1"/>
           </p:nvPr>
         </p:nvSpPr>
         <p:spPr/>
@@ -20954,191 +21083,364 @@
           <a:p>
             <a:r>
               <a:rPr lang="en-US" dirty="0" smtClean="0"/>
-              <a:t>Point yang </a:t>
-            </a:r>
-            <a:r>
-              <a:rPr lang="en-US" dirty="0" err="1" smtClean="0"/>
-              <a:t>perlu</a:t>
-            </a:r>
-            <a:r>
-              <a:rPr lang="en-US" dirty="0" smtClean="0"/>
-              <a:t> </a:t>
-            </a:r>
-            <a:r>
-              <a:rPr lang="en-US" dirty="0" err="1" smtClean="0"/>
-              <a:t>diingat</a:t>
-            </a:r>
-            <a:r>
-              <a:rPr lang="en-US" dirty="0"/>
-              <a:t> </a:t>
-            </a:r>
-            <a:r>
-              <a:rPr lang="en-US" dirty="0" smtClean="0"/>
-              <a:t>:</a:t>
-            </a:r>
-          </a:p>
-          <a:p>
-            <a:pPr marL="457200" indent="-457200">
-              <a:buFont typeface="+mj-lt"/>
-              <a:buAutoNum type="arabicPeriod"/>
-            </a:pPr>
-            <a:r>
-              <a:rPr lang="en-US" dirty="0" err="1" smtClean="0"/>
-              <a:t>Menjaga</a:t>
-            </a:r>
-            <a:r>
-              <a:rPr lang="en-US" dirty="0" smtClean="0"/>
-              <a:t> </a:t>
-            </a:r>
-            <a:r>
-              <a:rPr lang="en-US" dirty="0" err="1" smtClean="0"/>
-              <a:t>teknologi</a:t>
-            </a:r>
-            <a:r>
-              <a:rPr lang="en-US" dirty="0" smtClean="0"/>
-              <a:t> agar </a:t>
-            </a:r>
-            <a:r>
-              <a:rPr lang="en-US" dirty="0" err="1" smtClean="0"/>
-              <a:t>tetap</a:t>
-            </a:r>
-            <a:r>
-              <a:rPr lang="en-US" dirty="0" smtClean="0"/>
-              <a:t> agnostic (</a:t>
-            </a:r>
-            <a:r>
-              <a:rPr lang="en-US" dirty="0" err="1" smtClean="0"/>
-              <a:t>harus</a:t>
-            </a:r>
-            <a:r>
-              <a:rPr lang="en-US" dirty="0" smtClean="0"/>
-              <a:t> </a:t>
-            </a:r>
-            <a:r>
-              <a:rPr lang="en-US" dirty="0" err="1" smtClean="0"/>
-              <a:t>langgeng</a:t>
-            </a:r>
-            <a:r>
-              <a:rPr lang="en-US" dirty="0" smtClean="0"/>
-              <a:t> </a:t>
-            </a:r>
-            <a:r>
-              <a:rPr lang="en-US" dirty="0" err="1" smtClean="0"/>
-              <a:t>dengan</a:t>
-            </a:r>
-            <a:r>
-              <a:rPr lang="en-US" dirty="0" smtClean="0"/>
-              <a:t> </a:t>
-            </a:r>
-            <a:r>
-              <a:rPr lang="en-US" dirty="0" err="1" smtClean="0"/>
-              <a:t>perkembangan</a:t>
-            </a:r>
-            <a:r>
-              <a:rPr lang="en-US" dirty="0" smtClean="0"/>
-              <a:t> </a:t>
-            </a:r>
-            <a:r>
-              <a:rPr lang="en-US" dirty="0" err="1" smtClean="0"/>
-              <a:t>teknologi</a:t>
-            </a:r>
-            <a:r>
-              <a:rPr lang="en-US" dirty="0" smtClean="0"/>
-              <a:t>).</a:t>
-            </a:r>
-          </a:p>
-          <a:p>
-            <a:pPr marL="457200" indent="-457200">
-              <a:buFont typeface="+mj-lt"/>
-              <a:buAutoNum type="arabicPeriod"/>
-            </a:pPr>
-            <a:r>
-              <a:rPr lang="en-US" dirty="0" err="1" smtClean="0"/>
-              <a:t>Hindari</a:t>
-            </a:r>
-            <a:r>
-              <a:rPr lang="en-US" dirty="0" smtClean="0"/>
-              <a:t> </a:t>
-            </a:r>
-            <a:r>
-              <a:rPr lang="en-US" dirty="0" err="1" smtClean="0"/>
-              <a:t>perubahan</a:t>
-            </a:r>
-            <a:r>
-              <a:rPr lang="en-US" dirty="0" smtClean="0"/>
-              <a:t> major </a:t>
-            </a:r>
-            <a:r>
-              <a:rPr lang="en-US" dirty="0" err="1" smtClean="0"/>
-              <a:t>pada</a:t>
-            </a:r>
-            <a:r>
-              <a:rPr lang="en-US" dirty="0" smtClean="0"/>
-              <a:t> </a:t>
-            </a:r>
-            <a:r>
-              <a:rPr lang="en-US" dirty="0" err="1" smtClean="0"/>
-              <a:t>aplikasi</a:t>
-            </a:r>
-            <a:endParaRPr lang="en-US" dirty="0" smtClean="0"/>
-          </a:p>
-          <a:p>
-            <a:pPr marL="457200" indent="-457200">
-              <a:buFont typeface="+mj-lt"/>
-              <a:buAutoNum type="arabicPeriod"/>
-            </a:pPr>
-            <a:r>
-              <a:rPr lang="en-US" dirty="0" err="1" smtClean="0"/>
-              <a:t>Buat</a:t>
-            </a:r>
-            <a:r>
-              <a:rPr lang="en-US" dirty="0" smtClean="0"/>
-              <a:t> agar </a:t>
-            </a:r>
-            <a:r>
-              <a:rPr lang="en-US" dirty="0" err="1" smtClean="0"/>
-              <a:t>teknologi</a:t>
-            </a:r>
-            <a:r>
-              <a:rPr lang="en-US" dirty="0" smtClean="0"/>
-              <a:t> </a:t>
-            </a:r>
-            <a:r>
-              <a:rPr lang="en-US" dirty="0" err="1" smtClean="0"/>
-              <a:t>tetap</a:t>
-            </a:r>
-            <a:r>
-              <a:rPr lang="en-US" dirty="0" smtClean="0"/>
-              <a:t> </a:t>
-            </a:r>
-            <a:r>
-              <a:rPr lang="en-US" dirty="0" err="1" smtClean="0"/>
-              <a:t>sederhana</a:t>
-            </a:r>
-            <a:r>
-              <a:rPr lang="en-US" dirty="0" smtClean="0"/>
-              <a:t> </a:t>
-            </a:r>
-            <a:r>
-              <a:rPr lang="en-US" dirty="0" err="1" smtClean="0"/>
-              <a:t>untuk</a:t>
-            </a:r>
-            <a:r>
-              <a:rPr lang="en-US" dirty="0" smtClean="0"/>
-              <a:t> </a:t>
-            </a:r>
-            <a:r>
-              <a:rPr lang="en-US" i="1" dirty="0" smtClean="0"/>
-              <a:t>client</a:t>
-            </a:r>
-            <a:endParaRPr lang="en-US" dirty="0" smtClean="0"/>
+              <a:t>Model </a:t>
+            </a:r>
+            <a:r>
+              <a:rPr lang="en-US" dirty="0" err="1" smtClean="0"/>
+              <a:t>Manajemen</a:t>
+            </a:r>
+            <a:r>
+              <a:rPr lang="en-US" dirty="0" smtClean="0"/>
+              <a:t> Data </a:t>
+            </a:r>
+            <a:r>
+              <a:rPr lang="en-US" dirty="0" err="1" smtClean="0"/>
+              <a:t>Monolitik</a:t>
+            </a:r>
+            <a:endParaRPr lang="en-US" dirty="0"/>
           </a:p>
         </p:txBody>
       </p:sp>
+      <p:graphicFrame>
+        <p:nvGraphicFramePr>
+          <p:cNvPr id="13" name="Content Placeholder 12"/>
+          <p:cNvGraphicFramePr>
+            <a:graphicFrameLocks noGrp="1"/>
+          </p:cNvGraphicFramePr>
+          <p:nvPr>
+            <p:ph sz="quarter" idx="4"/>
+            <p:extLst>
+              <p:ext uri="{D42A27DB-BD31-4B8C-83A1-F6EECF244321}">
+                <p14:modId xmlns:p14="http://schemas.microsoft.com/office/powerpoint/2010/main" val="1779262820"/>
+              </p:ext>
+            </p:extLst>
+          </p:nvPr>
+        </p:nvGraphicFramePr>
+        <p:xfrm>
+          <a:off x="5989636" y="2323964"/>
+          <a:ext cx="4754564" cy="2656840"/>
+        </p:xfrm>
+        <a:graphic>
+          <a:graphicData uri="http://schemas.openxmlformats.org/drawingml/2006/table">
+            <a:tbl>
+              <a:tblPr firstRow="1" bandRow="1">
+                <a:tableStyleId>{5C22544A-7EE6-4342-B048-85BDC9FD1C3A}</a:tableStyleId>
+              </a:tblPr>
+              <a:tblGrid>
+                <a:gridCol w="2377282">
+                  <a:extLst>
+                    <a:ext uri="{9D8B030D-6E8A-4147-A177-3AD203B41FA5}">
+                      <a16:colId xmlns:a16="http://schemas.microsoft.com/office/drawing/2014/main" val="2905065532"/>
+                    </a:ext>
+                  </a:extLst>
+                </a:gridCol>
+                <a:gridCol w="2377282">
+                  <a:extLst>
+                    <a:ext uri="{9D8B030D-6E8A-4147-A177-3AD203B41FA5}">
+                      <a16:colId xmlns:a16="http://schemas.microsoft.com/office/drawing/2014/main" val="3802736106"/>
+                    </a:ext>
+                  </a:extLst>
+                </a:gridCol>
+              </a:tblGrid>
+              <a:tr h="370840">
+                <a:tc>
+                  <a:txBody>
+                    <a:bodyPr/>
+                    <a:lstStyle/>
+                    <a:p>
+                      <a:r>
+                        <a:rPr lang="en-US" dirty="0" err="1" smtClean="0"/>
+                        <a:t>Kelebihan</a:t>
+                      </a:r>
+                      <a:endParaRPr lang="en-US" dirty="0"/>
+                    </a:p>
+                  </a:txBody>
+                  <a:tcPr/>
+                </a:tc>
+                <a:tc>
+                  <a:txBody>
+                    <a:bodyPr/>
+                    <a:lstStyle/>
+                    <a:p>
+                      <a:r>
+                        <a:rPr lang="en-US" dirty="0" err="1" smtClean="0"/>
+                        <a:t>Kekurangan</a:t>
+                      </a:r>
+                      <a:endParaRPr lang="en-US" dirty="0"/>
+                    </a:p>
+                  </a:txBody>
+                  <a:tcPr/>
+                </a:tc>
+                <a:extLst>
+                  <a:ext uri="{0D108BD9-81ED-4DB2-BD59-A6C34878D82A}">
+                    <a16:rowId xmlns:a16="http://schemas.microsoft.com/office/drawing/2014/main" val="3168152095"/>
+                  </a:ext>
+                </a:extLst>
+              </a:tr>
+              <a:tr h="370840">
+                <a:tc>
+                  <a:txBody>
+                    <a:bodyPr/>
+                    <a:lstStyle/>
+                    <a:p>
+                      <a:pPr marL="285750" indent="-285750">
+                        <a:buFont typeface="Arial" panose="020B0604020202020204" pitchFamily="34" charset="0"/>
+                        <a:buChar char="•"/>
+                      </a:pPr>
+                      <a:r>
+                        <a:rPr lang="en-US" dirty="0" err="1" smtClean="0"/>
+                        <a:t>Mudah</a:t>
+                      </a:r>
+                      <a:r>
+                        <a:rPr lang="en-US" baseline="0" dirty="0" smtClean="0"/>
+                        <a:t> </a:t>
+                      </a:r>
+                      <a:r>
+                        <a:rPr lang="en-US" baseline="0" dirty="0" err="1" smtClean="0"/>
+                        <a:t>diimplementasikan</a:t>
+                      </a:r>
+                      <a:r>
+                        <a:rPr lang="en-US" baseline="0" dirty="0" smtClean="0"/>
+                        <a:t>.</a:t>
+                      </a:r>
+                    </a:p>
+                    <a:p>
+                      <a:pPr marL="285750" indent="-285750">
+                        <a:buFont typeface="Arial" panose="020B0604020202020204" pitchFamily="34" charset="0"/>
+                        <a:buChar char="•"/>
+                      </a:pPr>
+                      <a:r>
+                        <a:rPr lang="en-US" baseline="0" dirty="0" err="1" smtClean="0"/>
+                        <a:t>Mudah</a:t>
+                      </a:r>
+                      <a:r>
+                        <a:rPr lang="en-US" baseline="0" dirty="0" smtClean="0"/>
+                        <a:t> </a:t>
+                      </a:r>
+                      <a:r>
+                        <a:rPr lang="en-US" baseline="0" dirty="0" err="1" smtClean="0"/>
+                        <a:t>untuk</a:t>
+                      </a:r>
+                      <a:r>
+                        <a:rPr lang="en-US" baseline="0" dirty="0" smtClean="0"/>
+                        <a:t> </a:t>
+                      </a:r>
+                      <a:r>
+                        <a:rPr lang="en-US" baseline="0" dirty="0" err="1" smtClean="0"/>
+                        <a:t>dirawat</a:t>
+                      </a:r>
+                      <a:r>
+                        <a:rPr lang="en-US" baseline="0" dirty="0" smtClean="0"/>
+                        <a:t>.</a:t>
+                      </a:r>
+                    </a:p>
+                    <a:p>
+                      <a:pPr marL="285750" indent="-285750">
+                        <a:buFont typeface="Arial" panose="020B0604020202020204" pitchFamily="34" charset="0"/>
+                        <a:buChar char="•"/>
+                      </a:pPr>
+                      <a:r>
+                        <a:rPr lang="en-US" baseline="0" dirty="0" smtClean="0"/>
+                        <a:t>Model yang paling </a:t>
+                      </a:r>
+                      <a:r>
+                        <a:rPr lang="en-US" baseline="0" dirty="0" err="1" smtClean="0"/>
+                        <a:t>umum</a:t>
+                      </a:r>
+                      <a:r>
+                        <a:rPr lang="en-US" baseline="0" dirty="0" smtClean="0"/>
+                        <a:t> </a:t>
+                      </a:r>
+                      <a:r>
+                        <a:rPr lang="en-US" baseline="0" dirty="0" err="1" smtClean="0"/>
+                        <a:t>digunakan</a:t>
+                      </a:r>
+                      <a:r>
+                        <a:rPr lang="en-US" baseline="0" dirty="0" smtClean="0"/>
+                        <a:t>.</a:t>
+                      </a:r>
+                    </a:p>
+                  </a:txBody>
+                  <a:tcPr/>
+                </a:tc>
+                <a:tc>
+                  <a:txBody>
+                    <a:bodyPr/>
+                    <a:lstStyle/>
+                    <a:p>
+                      <a:pPr marL="285750" indent="-285750">
+                        <a:buFont typeface="Arial" panose="020B0604020202020204" pitchFamily="34" charset="0"/>
+                        <a:buChar char="•"/>
+                      </a:pPr>
+                      <a:r>
+                        <a:rPr lang="en-US" dirty="0" err="1" smtClean="0"/>
+                        <a:t>Sulit</a:t>
+                      </a:r>
+                      <a:r>
+                        <a:rPr lang="en-US" baseline="0" dirty="0" smtClean="0"/>
+                        <a:t> </a:t>
+                      </a:r>
+                      <a:r>
+                        <a:rPr lang="en-US" baseline="0" dirty="0" err="1" smtClean="0"/>
+                        <a:t>untuk</a:t>
+                      </a:r>
+                      <a:r>
+                        <a:rPr lang="en-US" baseline="0" dirty="0" smtClean="0"/>
+                        <a:t> </a:t>
+                      </a:r>
+                      <a:r>
+                        <a:rPr lang="en-US" baseline="0" dirty="0" err="1" smtClean="0"/>
+                        <a:t>berubah</a:t>
+                      </a:r>
+                      <a:r>
+                        <a:rPr lang="en-US" baseline="0" dirty="0" smtClean="0"/>
+                        <a:t>.</a:t>
+                      </a:r>
+                    </a:p>
+                    <a:p>
+                      <a:pPr marL="285750" indent="-285750">
+                        <a:buFont typeface="Arial" panose="020B0604020202020204" pitchFamily="34" charset="0"/>
+                        <a:buChar char="•"/>
+                      </a:pPr>
+                      <a:r>
+                        <a:rPr lang="en-US" baseline="0" dirty="0" err="1" smtClean="0"/>
+                        <a:t>Tidak</a:t>
+                      </a:r>
+                      <a:r>
+                        <a:rPr lang="en-US" baseline="0" dirty="0" smtClean="0"/>
+                        <a:t> </a:t>
+                      </a:r>
+                      <a:r>
+                        <a:rPr lang="en-US" baseline="0" dirty="0" err="1" smtClean="0"/>
+                        <a:t>baik</a:t>
+                      </a:r>
+                      <a:r>
+                        <a:rPr lang="en-US" baseline="0" dirty="0" smtClean="0"/>
+                        <a:t> </a:t>
+                      </a:r>
+                      <a:r>
+                        <a:rPr lang="en-US" baseline="0" dirty="0" err="1" smtClean="0"/>
+                        <a:t>untuk</a:t>
+                      </a:r>
+                      <a:r>
+                        <a:rPr lang="en-US" baseline="0" dirty="0" smtClean="0"/>
+                        <a:t> </a:t>
+                      </a:r>
+                      <a:r>
+                        <a:rPr lang="en-US" baseline="0" dirty="0" err="1" smtClean="0"/>
+                        <a:t>mensentralisasi</a:t>
+                      </a:r>
+                      <a:r>
+                        <a:rPr lang="en-US" baseline="0" dirty="0" smtClean="0"/>
+                        <a:t> </a:t>
+                      </a:r>
+                      <a:r>
+                        <a:rPr lang="en-US" baseline="0" dirty="0" err="1" smtClean="0"/>
+                        <a:t>penyimpanan</a:t>
+                      </a:r>
+                      <a:r>
+                        <a:rPr lang="en-US" baseline="0" dirty="0" smtClean="0"/>
+                        <a:t> data di 1 </a:t>
+                      </a:r>
+                      <a:r>
+                        <a:rPr lang="en-US" baseline="0" dirty="0" err="1" smtClean="0"/>
+                        <a:t>tempat</a:t>
+                      </a:r>
+                      <a:r>
+                        <a:rPr lang="en-US" baseline="0" dirty="0" smtClean="0"/>
+                        <a:t>.</a:t>
+                      </a:r>
+                    </a:p>
+                    <a:p>
+                      <a:pPr marL="285750" indent="-285750">
+                        <a:buFont typeface="Arial" panose="020B0604020202020204" pitchFamily="34" charset="0"/>
+                        <a:buChar char="•"/>
+                      </a:pPr>
+                      <a:r>
+                        <a:rPr lang="en-US" baseline="0" dirty="0" err="1" smtClean="0"/>
+                        <a:t>Resiko</a:t>
+                      </a:r>
+                      <a:r>
+                        <a:rPr lang="en-US" baseline="0" dirty="0" smtClean="0"/>
+                        <a:t> </a:t>
+                      </a:r>
+                      <a:r>
+                        <a:rPr lang="en-US" baseline="0" dirty="0" err="1" smtClean="0"/>
+                        <a:t>ditanggung</a:t>
+                      </a:r>
+                      <a:r>
+                        <a:rPr lang="en-US" baseline="0" dirty="0" smtClean="0"/>
+                        <a:t> </a:t>
+                      </a:r>
+                      <a:r>
+                        <a:rPr lang="en-US" baseline="0" dirty="0" err="1" smtClean="0"/>
+                        <a:t>oleh</a:t>
+                      </a:r>
+                      <a:r>
+                        <a:rPr lang="en-US" baseline="0" dirty="0" smtClean="0"/>
+                        <a:t> </a:t>
+                      </a:r>
+                      <a:r>
+                        <a:rPr lang="en-US" baseline="0" dirty="0" err="1" smtClean="0"/>
+                        <a:t>semua</a:t>
+                      </a:r>
+                      <a:r>
+                        <a:rPr lang="en-US" baseline="0" dirty="0" smtClean="0"/>
+                        <a:t> </a:t>
+                      </a:r>
+                      <a:r>
+                        <a:rPr lang="en-US" baseline="0" dirty="0" err="1" smtClean="0"/>
+                        <a:t>pengguna</a:t>
+                      </a:r>
+                      <a:r>
+                        <a:rPr lang="en-US" baseline="0" dirty="0" smtClean="0"/>
+                        <a:t>.</a:t>
+                      </a:r>
+                      <a:endParaRPr lang="en-US" dirty="0"/>
+                    </a:p>
+                  </a:txBody>
+                  <a:tcPr/>
+                </a:tc>
+                <a:extLst>
+                  <a:ext uri="{0D108BD9-81ED-4DB2-BD59-A6C34878D82A}">
+                    <a16:rowId xmlns:a16="http://schemas.microsoft.com/office/drawing/2014/main" val="2919232402"/>
+                  </a:ext>
+                </a:extLst>
+              </a:tr>
+            </a:tbl>
+          </a:graphicData>
+        </a:graphic>
+      </p:graphicFrame>
+      <p:pic>
+        <p:nvPicPr>
+          <p:cNvPr id="12" name="Content Placeholder 11"/>
+          <p:cNvPicPr>
+            <a:picLocks noGrp="1"/>
+          </p:cNvPicPr>
+          <p:nvPr>
+            <p:ph sz="half" idx="2"/>
+          </p:nvPr>
+        </p:nvPicPr>
+        <p:blipFill>
+          <a:blip r:embed="rId2"/>
+          <a:stretch>
+            <a:fillRect/>
+          </a:stretch>
+        </p:blipFill>
+        <p:spPr>
+          <a:xfrm>
+            <a:off x="1023938" y="3668843"/>
+            <a:ext cx="4754562" cy="1938076"/>
+          </a:xfrm>
+          <a:prstGeom prst="rect">
+            <a:avLst/>
+          </a:prstGeom>
+        </p:spPr>
+      </p:pic>
     </p:spTree>
     <p:extLst>
       <p:ext uri="{BB962C8B-B14F-4D97-AF65-F5344CB8AC3E}">
-        <p14:creationId xmlns:p14="http://schemas.microsoft.com/office/powerpoint/2010/main" val="4089121088"/>
+        <p14:creationId xmlns:p14="http://schemas.microsoft.com/office/powerpoint/2010/main" val="178702857"/>
       </p:ext>
     </p:extLst>
   </p:cSld>
@@ -21149,127 +21451,6 @@
 </file>
 
 <file path=ppt/slides/slide12.xml><?xml version="1.0" encoding="utf-8"?>
-<p:sld xmlns:a="http://schemas.openxmlformats.org/drawingml/2006/main" xmlns:r="http://schemas.openxmlformats.org/officeDocument/2006/relationships" xmlns:p="http://schemas.openxmlformats.org/presentationml/2006/main">
-  <p:cSld>
-    <p:spTree>
-      <p:nvGrpSpPr>
-        <p:cNvPr id="1" name=""/>
-        <p:cNvGrpSpPr/>
-        <p:nvPr/>
-      </p:nvGrpSpPr>
-      <p:grpSpPr>
-        <a:xfrm>
-          <a:off x="0" y="0"/>
-          <a:ext cx="0" cy="0"/>
-          <a:chOff x="0" y="0"/>
-          <a:chExt cx="0" cy="0"/>
-        </a:xfrm>
-      </p:grpSpPr>
-      <p:sp>
-        <p:nvSpPr>
-          <p:cNvPr id="2" name="Title 1"/>
-          <p:cNvSpPr>
-            <a:spLocks noGrp="1"/>
-          </p:cNvSpPr>
-          <p:nvPr>
-            <p:ph type="title"/>
-          </p:nvPr>
-        </p:nvSpPr>
-        <p:spPr/>
-        <p:txBody>
-          <a:bodyPr/>
-          <a:lstStyle/>
-          <a:p>
-            <a:r>
-              <a:rPr lang="en-US" dirty="0" smtClean="0"/>
-              <a:t>1. </a:t>
-            </a:r>
-            <a:r>
-              <a:rPr lang="en-US" dirty="0" err="1" smtClean="0"/>
-              <a:t>Manajemen</a:t>
-            </a:r>
-            <a:r>
-              <a:rPr lang="en-US" dirty="0" smtClean="0"/>
-              <a:t> data</a:t>
-            </a:r>
-            <a:endParaRPr lang="en-US" dirty="0"/>
-          </a:p>
-        </p:txBody>
-      </p:sp>
-      <p:sp>
-        <p:nvSpPr>
-          <p:cNvPr id="3" name="Content Placeholder 2"/>
-          <p:cNvSpPr>
-            <a:spLocks noGrp="1"/>
-          </p:cNvSpPr>
-          <p:nvPr>
-            <p:ph idx="1"/>
-          </p:nvPr>
-        </p:nvSpPr>
-        <p:spPr/>
-        <p:txBody>
-          <a:bodyPr/>
-          <a:lstStyle/>
-          <a:p>
-            <a:r>
-              <a:rPr lang="en-US" dirty="0" smtClean="0"/>
-              <a:t>Model </a:t>
-            </a:r>
-            <a:r>
-              <a:rPr lang="en-US" dirty="0" err="1" smtClean="0"/>
-              <a:t>manajemen</a:t>
-            </a:r>
-            <a:r>
-              <a:rPr lang="en-US" dirty="0" smtClean="0"/>
-              <a:t> data </a:t>
-            </a:r>
-            <a:r>
-              <a:rPr lang="en-US" dirty="0" err="1" smtClean="0"/>
-              <a:t>monolitik</a:t>
-            </a:r>
-            <a:endParaRPr lang="en-US" dirty="0" smtClean="0"/>
-          </a:p>
-          <a:p>
-            <a:endParaRPr lang="en-US" dirty="0"/>
-          </a:p>
-        </p:txBody>
-      </p:sp>
-      <p:pic>
-        <p:nvPicPr>
-          <p:cNvPr id="5" name="Picture 4"/>
-          <p:cNvPicPr/>
-          <p:nvPr/>
-        </p:nvPicPr>
-        <p:blipFill>
-          <a:blip r:embed="rId2"/>
-          <a:stretch>
-            <a:fillRect/>
-          </a:stretch>
-        </p:blipFill>
-        <p:spPr>
-          <a:xfrm>
-            <a:off x="2868251" y="2881272"/>
-            <a:ext cx="6031825" cy="2832816"/>
-          </a:xfrm>
-          <a:prstGeom prst="rect">
-            <a:avLst/>
-          </a:prstGeom>
-        </p:spPr>
-      </p:pic>
-    </p:spTree>
-    <p:extLst>
-      <p:ext uri="{BB962C8B-B14F-4D97-AF65-F5344CB8AC3E}">
-        <p14:creationId xmlns:p14="http://schemas.microsoft.com/office/powerpoint/2010/main" val="443363424"/>
-      </p:ext>
-    </p:extLst>
-  </p:cSld>
-  <p:clrMapOvr>
-    <a:masterClrMapping/>
-  </p:clrMapOvr>
-</p:sld>
-</file>
-
-<file path=ppt/slides/slide13.xml><?xml version="1.0" encoding="utf-8"?>
 <p:sld xmlns:a="http://schemas.openxmlformats.org/drawingml/2006/main" xmlns:r="http://schemas.openxmlformats.org/officeDocument/2006/relationships" xmlns:p="http://schemas.openxmlformats.org/presentationml/2006/main">
   <p:cSld>
     <p:spTree>
@@ -21370,6 +21551,436 @@
 </p:sld>
 </file>
 
+<file path=ppt/slides/slide13.xml><?xml version="1.0" encoding="utf-8"?>
+<p:sld xmlns:a="http://schemas.openxmlformats.org/drawingml/2006/main" xmlns:r="http://schemas.openxmlformats.org/officeDocument/2006/relationships" xmlns:p="http://schemas.openxmlformats.org/presentationml/2006/main">
+  <p:cSld>
+    <p:spTree>
+      <p:nvGrpSpPr>
+        <p:cNvPr id="1" name=""/>
+        <p:cNvGrpSpPr/>
+        <p:nvPr/>
+      </p:nvGrpSpPr>
+      <p:grpSpPr>
+        <a:xfrm>
+          <a:off x="0" y="0"/>
+          <a:ext cx="0" cy="0"/>
+          <a:chOff x="0" y="0"/>
+          <a:chExt cx="0" cy="0"/>
+        </a:xfrm>
+      </p:grpSpPr>
+      <p:sp>
+        <p:nvSpPr>
+          <p:cNvPr id="2" name="Title 1"/>
+          <p:cNvSpPr>
+            <a:spLocks noGrp="1"/>
+          </p:cNvSpPr>
+          <p:nvPr>
+            <p:ph type="title"/>
+          </p:nvPr>
+        </p:nvSpPr>
+        <p:spPr/>
+        <p:txBody>
+          <a:bodyPr/>
+          <a:lstStyle/>
+          <a:p>
+            <a:r>
+              <a:rPr lang="en-US" dirty="0" err="1" smtClean="0"/>
+              <a:t>Manajemen</a:t>
+            </a:r>
+            <a:r>
+              <a:rPr lang="en-US" dirty="0" smtClean="0"/>
+              <a:t> </a:t>
+            </a:r>
+            <a:r>
+              <a:rPr lang="en-US" dirty="0" smtClean="0"/>
+              <a:t>data </a:t>
+            </a:r>
+            <a:endParaRPr lang="en-US" dirty="0"/>
+          </a:p>
+        </p:txBody>
+      </p:sp>
+      <p:sp>
+        <p:nvSpPr>
+          <p:cNvPr id="5" name="Content Placeholder 4"/>
+          <p:cNvSpPr>
+            <a:spLocks noGrp="1"/>
+          </p:cNvSpPr>
+          <p:nvPr>
+            <p:ph sz="half" idx="1"/>
+          </p:nvPr>
+        </p:nvSpPr>
+        <p:spPr/>
+        <p:txBody>
+          <a:bodyPr/>
+          <a:lstStyle/>
+          <a:p>
+            <a:r>
+              <a:rPr lang="en-US" b="1" dirty="0" smtClean="0"/>
+              <a:t>Shared Database :</a:t>
+            </a:r>
+          </a:p>
+          <a:p>
+            <a:pPr>
+              <a:buFont typeface="Arial" panose="020B0604020202020204" pitchFamily="34" charset="0"/>
+              <a:buChar char="•"/>
+            </a:pPr>
+            <a:r>
+              <a:rPr lang="en-US" b="1" dirty="0"/>
+              <a:t> </a:t>
+            </a:r>
+            <a:r>
+              <a:rPr lang="en-US" i="1" dirty="0"/>
+              <a:t>Development time </a:t>
+            </a:r>
+            <a:r>
+              <a:rPr lang="en-US" i="1" dirty="0" smtClean="0"/>
+              <a:t>coupling : </a:t>
+            </a:r>
+            <a:r>
+              <a:rPr lang="en-US" dirty="0" err="1" smtClean="0"/>
+              <a:t>Dengan</a:t>
+            </a:r>
+            <a:r>
+              <a:rPr lang="en-US" dirty="0" smtClean="0"/>
+              <a:t> </a:t>
+            </a:r>
+            <a:r>
+              <a:rPr lang="en-US" dirty="0" err="1" smtClean="0"/>
+              <a:t>dipakai</a:t>
+            </a:r>
+            <a:r>
+              <a:rPr lang="en-US" dirty="0" smtClean="0"/>
+              <a:t> </a:t>
+            </a:r>
+            <a:r>
+              <a:rPr lang="en-US" dirty="0" err="1" smtClean="0"/>
+              <a:t>secara</a:t>
+            </a:r>
+            <a:r>
+              <a:rPr lang="en-US" dirty="0" smtClean="0"/>
+              <a:t> </a:t>
+            </a:r>
+            <a:r>
+              <a:rPr lang="en-US" dirty="0" err="1" smtClean="0"/>
+              <a:t>bersama-sama</a:t>
+            </a:r>
+            <a:r>
+              <a:rPr lang="en-US" dirty="0" smtClean="0"/>
+              <a:t>, </a:t>
+            </a:r>
+            <a:r>
+              <a:rPr lang="en-US" dirty="0" err="1" smtClean="0"/>
+              <a:t>maka</a:t>
+            </a:r>
+            <a:r>
+              <a:rPr lang="en-US" dirty="0" smtClean="0"/>
+              <a:t> </a:t>
+            </a:r>
+            <a:r>
+              <a:rPr lang="en-US" dirty="0" err="1" smtClean="0"/>
+              <a:t>perubahan</a:t>
+            </a:r>
+            <a:r>
+              <a:rPr lang="en-US" dirty="0" smtClean="0"/>
+              <a:t> </a:t>
+            </a:r>
+            <a:r>
+              <a:rPr lang="en-US" dirty="0" err="1" smtClean="0"/>
+              <a:t>akan</a:t>
+            </a:r>
+            <a:r>
+              <a:rPr lang="en-US" dirty="0" smtClean="0"/>
+              <a:t> </a:t>
+            </a:r>
+            <a:r>
+              <a:rPr lang="en-US" dirty="0" err="1" smtClean="0"/>
+              <a:t>dirasakan</a:t>
+            </a:r>
+            <a:r>
+              <a:rPr lang="en-US" dirty="0" smtClean="0"/>
+              <a:t> </a:t>
+            </a:r>
+            <a:r>
+              <a:rPr lang="en-US" dirty="0" err="1" smtClean="0"/>
+              <a:t>dan</a:t>
+            </a:r>
+            <a:r>
+              <a:rPr lang="en-US" dirty="0" smtClean="0"/>
+              <a:t> </a:t>
+            </a:r>
+            <a:r>
+              <a:rPr lang="en-US" dirty="0" err="1" smtClean="0"/>
+              <a:t>harus</a:t>
+            </a:r>
+            <a:r>
+              <a:rPr lang="en-US" dirty="0" smtClean="0"/>
+              <a:t> </a:t>
+            </a:r>
+            <a:r>
+              <a:rPr lang="en-US" dirty="0" err="1" smtClean="0"/>
+              <a:t>diintegrasikan</a:t>
+            </a:r>
+            <a:r>
+              <a:rPr lang="en-US" dirty="0" smtClean="0"/>
+              <a:t> </a:t>
+            </a:r>
+            <a:r>
+              <a:rPr lang="en-US" dirty="0" err="1" smtClean="0"/>
+              <a:t>kepada</a:t>
+            </a:r>
+            <a:r>
+              <a:rPr lang="en-US" dirty="0" smtClean="0"/>
+              <a:t> </a:t>
+            </a:r>
+            <a:r>
+              <a:rPr lang="en-US" dirty="0" err="1" smtClean="0"/>
+              <a:t>semua</a:t>
+            </a:r>
+            <a:r>
+              <a:rPr lang="en-US" dirty="0" smtClean="0"/>
+              <a:t> </a:t>
+            </a:r>
+            <a:r>
+              <a:rPr lang="en-US" dirty="0" err="1" smtClean="0"/>
+              <a:t>pengguna</a:t>
+            </a:r>
+            <a:r>
+              <a:rPr lang="en-US" dirty="0" smtClean="0"/>
+              <a:t>.</a:t>
+            </a:r>
+          </a:p>
+          <a:p>
+            <a:pPr>
+              <a:buFont typeface="Arial" panose="020B0604020202020204" pitchFamily="34" charset="0"/>
+              <a:buChar char="•"/>
+            </a:pPr>
+            <a:r>
+              <a:rPr lang="en-US" b="1" dirty="0"/>
+              <a:t> </a:t>
+            </a:r>
+            <a:r>
+              <a:rPr lang="en-US" i="1" dirty="0"/>
+              <a:t>Runtime </a:t>
+            </a:r>
+            <a:r>
+              <a:rPr lang="en-US" i="1" dirty="0" smtClean="0"/>
+              <a:t>coupling : </a:t>
+            </a:r>
+            <a:r>
+              <a:rPr lang="en-US" dirty="0" err="1" smtClean="0"/>
+              <a:t>Adanya</a:t>
+            </a:r>
+            <a:r>
+              <a:rPr lang="en-US" dirty="0" smtClean="0"/>
+              <a:t> </a:t>
+            </a:r>
+            <a:r>
+              <a:rPr lang="en-US" dirty="0" err="1" smtClean="0"/>
+              <a:t>sistem</a:t>
+            </a:r>
+            <a:r>
+              <a:rPr lang="en-US" dirty="0" smtClean="0"/>
+              <a:t> </a:t>
+            </a:r>
+            <a:r>
+              <a:rPr lang="en-US" dirty="0" err="1" smtClean="0"/>
+              <a:t>antrian</a:t>
+            </a:r>
+            <a:r>
+              <a:rPr lang="en-US" dirty="0" smtClean="0"/>
+              <a:t> </a:t>
+            </a:r>
+            <a:r>
+              <a:rPr lang="en-US" dirty="0" err="1" smtClean="0"/>
+              <a:t>ketika</a:t>
+            </a:r>
+            <a:r>
+              <a:rPr lang="en-US" dirty="0" smtClean="0"/>
+              <a:t> </a:t>
+            </a:r>
+            <a:r>
+              <a:rPr lang="en-US" dirty="0" err="1" smtClean="0"/>
+              <a:t>mengakses</a:t>
+            </a:r>
+            <a:r>
+              <a:rPr lang="en-US" dirty="0" smtClean="0"/>
+              <a:t>/</a:t>
+            </a:r>
+            <a:r>
+              <a:rPr lang="en-US" dirty="0" err="1" smtClean="0"/>
+              <a:t>menggunakan</a:t>
+            </a:r>
+            <a:r>
+              <a:rPr lang="en-US" dirty="0" smtClean="0"/>
+              <a:t> 1 data yang </a:t>
+            </a:r>
+            <a:r>
+              <a:rPr lang="en-US" dirty="0" err="1" smtClean="0"/>
+              <a:t>sama</a:t>
+            </a:r>
+            <a:r>
+              <a:rPr lang="en-US" dirty="0" smtClean="0"/>
+              <a:t>.</a:t>
+            </a:r>
+            <a:endParaRPr lang="en-US" b="1" dirty="0" smtClean="0"/>
+          </a:p>
+          <a:p>
+            <a:endParaRPr lang="en-US" b="1" dirty="0"/>
+          </a:p>
+        </p:txBody>
+      </p:sp>
+      <p:sp>
+        <p:nvSpPr>
+          <p:cNvPr id="6" name="Content Placeholder 5"/>
+          <p:cNvSpPr>
+            <a:spLocks noGrp="1"/>
+          </p:cNvSpPr>
+          <p:nvPr>
+            <p:ph sz="half" idx="2"/>
+          </p:nvPr>
+        </p:nvSpPr>
+        <p:spPr/>
+        <p:txBody>
+          <a:bodyPr/>
+          <a:lstStyle/>
+          <a:p>
+            <a:r>
+              <a:rPr lang="en-US" dirty="0" smtClean="0"/>
+              <a:t>Database per Service :</a:t>
+            </a:r>
+          </a:p>
+          <a:p>
+            <a:pPr>
+              <a:buFont typeface="Arial" panose="020B0604020202020204" pitchFamily="34" charset="0"/>
+              <a:buChar char="•"/>
+            </a:pPr>
+            <a:r>
+              <a:rPr lang="en-US" dirty="0"/>
+              <a:t> </a:t>
+            </a:r>
+            <a:r>
+              <a:rPr lang="en-US" dirty="0" err="1" smtClean="0"/>
+              <a:t>Sulit</a:t>
+            </a:r>
+            <a:r>
+              <a:rPr lang="en-US" dirty="0" smtClean="0"/>
+              <a:t> </a:t>
+            </a:r>
+            <a:r>
+              <a:rPr lang="en-US" dirty="0" err="1" smtClean="0"/>
+              <a:t>diimplementasikan</a:t>
+            </a:r>
+            <a:r>
+              <a:rPr lang="en-US" dirty="0" smtClean="0"/>
+              <a:t> </a:t>
+            </a:r>
+            <a:r>
+              <a:rPr lang="en-US" dirty="0" err="1" smtClean="0"/>
+              <a:t>terhadap</a:t>
+            </a:r>
+            <a:r>
+              <a:rPr lang="en-US" dirty="0" smtClean="0"/>
+              <a:t> proses </a:t>
+            </a:r>
+            <a:r>
+              <a:rPr lang="en-US" dirty="0" err="1" smtClean="0"/>
+              <a:t>bisnis</a:t>
+            </a:r>
+            <a:r>
+              <a:rPr lang="en-US" dirty="0" smtClean="0"/>
+              <a:t> yang </a:t>
+            </a:r>
+            <a:r>
+              <a:rPr lang="en-US" dirty="0" err="1" smtClean="0"/>
+              <a:t>menggunakan</a:t>
+            </a:r>
+            <a:r>
+              <a:rPr lang="en-US" dirty="0" smtClean="0"/>
+              <a:t> </a:t>
+            </a:r>
+            <a:r>
+              <a:rPr lang="en-US" dirty="0" err="1" smtClean="0"/>
+              <a:t>banyak</a:t>
+            </a:r>
+            <a:r>
+              <a:rPr lang="en-US" dirty="0" smtClean="0"/>
+              <a:t> service.</a:t>
+            </a:r>
+          </a:p>
+          <a:p>
+            <a:pPr>
+              <a:buFont typeface="Arial" panose="020B0604020202020204" pitchFamily="34" charset="0"/>
+              <a:buChar char="•"/>
+            </a:pPr>
+            <a:r>
+              <a:rPr lang="en-US" dirty="0"/>
+              <a:t> </a:t>
+            </a:r>
+            <a:r>
+              <a:rPr lang="en-US" dirty="0" err="1" smtClean="0"/>
+              <a:t>Mengimplementasi</a:t>
+            </a:r>
+            <a:r>
+              <a:rPr lang="en-US" dirty="0" smtClean="0"/>
+              <a:t> query </a:t>
+            </a:r>
+            <a:r>
+              <a:rPr lang="en-US" dirty="0" err="1" smtClean="0"/>
+              <a:t>dari</a:t>
+            </a:r>
+            <a:r>
+              <a:rPr lang="en-US" dirty="0" smtClean="0"/>
+              <a:t> </a:t>
+            </a:r>
+            <a:r>
+              <a:rPr lang="en-US" dirty="0" err="1" smtClean="0"/>
+              <a:t>banyak</a:t>
+            </a:r>
+            <a:r>
+              <a:rPr lang="en-US" dirty="0" smtClean="0"/>
+              <a:t> database </a:t>
+            </a:r>
+            <a:r>
+              <a:rPr lang="en-US" dirty="0" err="1" smtClean="0"/>
+              <a:t>akan</a:t>
+            </a:r>
+            <a:r>
+              <a:rPr lang="en-US" dirty="0" smtClean="0"/>
+              <a:t> </a:t>
+            </a:r>
+            <a:r>
+              <a:rPr lang="en-US" dirty="0" err="1" smtClean="0"/>
+              <a:t>lebih</a:t>
+            </a:r>
+            <a:r>
+              <a:rPr lang="en-US" dirty="0" smtClean="0"/>
+              <a:t> </a:t>
+            </a:r>
+            <a:r>
+              <a:rPr lang="en-US" dirty="0" err="1" smtClean="0"/>
+              <a:t>sulit</a:t>
+            </a:r>
+            <a:r>
+              <a:rPr lang="en-US" dirty="0" smtClean="0"/>
+              <a:t>.</a:t>
+            </a:r>
+            <a:endParaRPr lang="en-US" dirty="0"/>
+          </a:p>
+        </p:txBody>
+      </p:sp>
+    </p:spTree>
+    <p:extLst>
+      <p:ext uri="{BB962C8B-B14F-4D97-AF65-F5344CB8AC3E}">
+        <p14:creationId xmlns:p14="http://schemas.microsoft.com/office/powerpoint/2010/main" val="1197184334"/>
+      </p:ext>
+    </p:extLst>
+  </p:cSld>
+  <p:clrMapOvr>
+    <a:masterClrMapping/>
+  </p:clrMapOvr>
+</p:sld>
+</file>
+
 <file path=ppt/slides/slide14.xml><?xml version="1.0" encoding="utf-8"?>
 <p:sld xmlns:a="http://schemas.openxmlformats.org/drawingml/2006/main" xmlns:r="http://schemas.openxmlformats.org/officeDocument/2006/relationships" xmlns:p="http://schemas.openxmlformats.org/presentationml/2006/main">
   <p:cSld>
@@ -21403,12 +22014,20 @@
           <a:lstStyle/>
           <a:p>
             <a:r>
-              <a:rPr lang="en-US" dirty="0" err="1" smtClean="0"/>
-              <a:t>Manajemen</a:t>
-            </a:r>
-            <a:r>
-              <a:rPr lang="en-US" dirty="0" smtClean="0"/>
-              <a:t> data</a:t>
+              <a:rPr lang="en-US" dirty="0" smtClean="0"/>
+              <a:t>2. </a:t>
+            </a:r>
+            <a:r>
+              <a:rPr lang="en-US" dirty="0" err="1" smtClean="0"/>
+              <a:t>Dekomposisi</a:t>
+            </a:r>
+            <a:r>
+              <a:rPr lang="en-US" dirty="0" smtClean="0"/>
+              <a:t> </a:t>
+            </a:r>
+            <a:r>
+              <a:rPr lang="en-US" dirty="0" err="1" smtClean="0"/>
+              <a:t>modul</a:t>
             </a:r>
             <a:endParaRPr lang="en-US" dirty="0"/>
           </a:p>
@@ -21429,117 +22048,236 @@
           <a:bodyPr/>
           <a:lstStyle/>
           <a:p>
-            <a:pPr marL="457200" indent="-457200">
-              <a:buFont typeface="+mj-lt"/>
-              <a:buAutoNum type="arabicPeriod"/>
+            <a:pPr>
+              <a:buFont typeface="Arial" panose="020B0604020202020204" pitchFamily="34" charset="0"/>
+              <a:buChar char="•"/>
             </a:pPr>
             <a:r>
               <a:rPr lang="en-US" dirty="0" smtClean="0"/>
-              <a:t>Shared Database : (-) Development &amp; runtime coupling</a:t>
-            </a:r>
-            <a:endParaRPr lang="en-US" dirty="0"/>
+              <a:t> </a:t>
+            </a:r>
+            <a:r>
+              <a:rPr lang="en-US" dirty="0" err="1" smtClean="0"/>
+              <a:t>Tujuan</a:t>
+            </a:r>
+            <a:r>
+              <a:rPr lang="en-US" dirty="0" smtClean="0"/>
+              <a:t> </a:t>
+            </a:r>
+            <a:r>
+              <a:rPr lang="en-US" dirty="0" err="1" smtClean="0"/>
+              <a:t>dari</a:t>
+            </a:r>
+            <a:r>
+              <a:rPr lang="en-US" dirty="0" smtClean="0"/>
+              <a:t> proses </a:t>
+            </a:r>
+            <a:r>
+              <a:rPr lang="en-US" dirty="0" err="1" smtClean="0"/>
+              <a:t>ini</a:t>
+            </a:r>
+            <a:r>
+              <a:rPr lang="en-US" dirty="0" smtClean="0"/>
+              <a:t> </a:t>
+            </a:r>
+            <a:r>
+              <a:rPr lang="en-US" dirty="0" err="1" smtClean="0"/>
+              <a:t>adalah</a:t>
+            </a:r>
+            <a:r>
+              <a:rPr lang="en-US" dirty="0" smtClean="0"/>
+              <a:t> </a:t>
+            </a:r>
+            <a:r>
+              <a:rPr lang="en-US" dirty="0" err="1" smtClean="0"/>
+              <a:t>menemukan</a:t>
+            </a:r>
+            <a:r>
+              <a:rPr lang="en-US" dirty="0" smtClean="0"/>
+              <a:t> service </a:t>
+            </a:r>
+            <a:r>
+              <a:rPr lang="en-US" dirty="0" err="1" smtClean="0"/>
+              <a:t>terkecil</a:t>
+            </a:r>
+            <a:r>
+              <a:rPr lang="en-US" dirty="0" smtClean="0"/>
+              <a:t> </a:t>
+            </a:r>
+            <a:r>
+              <a:rPr lang="en-US" dirty="0" err="1" smtClean="0"/>
+              <a:t>penyusun</a:t>
+            </a:r>
+            <a:r>
+              <a:rPr lang="en-US" dirty="0" smtClean="0"/>
+              <a:t> </a:t>
+            </a:r>
+            <a:r>
+              <a:rPr lang="en-US" dirty="0" err="1" smtClean="0"/>
+              <a:t>aplikasi</a:t>
+            </a:r>
+            <a:r>
+              <a:rPr lang="en-US" dirty="0" smtClean="0"/>
+              <a:t>. </a:t>
+            </a:r>
+            <a:r>
+              <a:rPr lang="en-US" dirty="0" err="1" smtClean="0"/>
+              <a:t>Dengan</a:t>
+            </a:r>
+            <a:r>
+              <a:rPr lang="en-US" dirty="0" smtClean="0"/>
+              <a:t> </a:t>
+            </a:r>
+            <a:r>
+              <a:rPr lang="en-US" dirty="0" err="1" smtClean="0"/>
+              <a:t>memisahkan</a:t>
+            </a:r>
+            <a:r>
+              <a:rPr lang="en-US" dirty="0" smtClean="0"/>
+              <a:t> </a:t>
+            </a:r>
+            <a:r>
+              <a:rPr lang="en-US" dirty="0" err="1" smtClean="0"/>
+              <a:t>modul</a:t>
+            </a:r>
+            <a:r>
+              <a:rPr lang="en-US" dirty="0" smtClean="0"/>
+              <a:t> </a:t>
+            </a:r>
+            <a:r>
+              <a:rPr lang="en-US" dirty="0" err="1" smtClean="0"/>
+              <a:t>menjadi</a:t>
+            </a:r>
+            <a:r>
+              <a:rPr lang="en-US" dirty="0" smtClean="0"/>
+              <a:t> </a:t>
+            </a:r>
+            <a:r>
+              <a:rPr lang="en-US" dirty="0" err="1" smtClean="0"/>
+              <a:t>sebuah</a:t>
+            </a:r>
+            <a:r>
+              <a:rPr lang="en-US" dirty="0" smtClean="0"/>
+              <a:t> service </a:t>
+            </a:r>
+            <a:r>
+              <a:rPr lang="en-US" dirty="0" err="1" smtClean="0"/>
+              <a:t>tunggal</a:t>
+            </a:r>
+            <a:r>
+              <a:rPr lang="en-US" dirty="0" smtClean="0"/>
+              <a:t>, </a:t>
+            </a:r>
+            <a:r>
+              <a:rPr lang="en-US" dirty="0" err="1" smtClean="0"/>
+              <a:t>menjadikan</a:t>
+            </a:r>
+            <a:r>
+              <a:rPr lang="en-US" dirty="0" smtClean="0"/>
+              <a:t> </a:t>
+            </a:r>
+            <a:r>
+              <a:rPr lang="en-US" dirty="0" err="1" smtClean="0"/>
+              <a:t>aplikasi</a:t>
+            </a:r>
+            <a:r>
+              <a:rPr lang="en-US" dirty="0" smtClean="0"/>
+              <a:t> </a:t>
+            </a:r>
+            <a:r>
+              <a:rPr lang="en-US" dirty="0" err="1" smtClean="0"/>
+              <a:t>lebih</a:t>
+            </a:r>
+            <a:r>
+              <a:rPr lang="en-US" dirty="0" smtClean="0"/>
+              <a:t> </a:t>
+            </a:r>
+            <a:r>
+              <a:rPr lang="en-US" dirty="0" err="1" smtClean="0"/>
+              <a:t>mandiri</a:t>
+            </a:r>
+            <a:r>
+              <a:rPr lang="en-US" dirty="0" smtClean="0"/>
+              <a:t> </a:t>
+            </a:r>
+            <a:r>
+              <a:rPr lang="en-US" dirty="0" err="1" smtClean="0"/>
+              <a:t>sehingga</a:t>
+            </a:r>
+            <a:r>
+              <a:rPr lang="en-US" dirty="0" smtClean="0"/>
+              <a:t> </a:t>
+            </a:r>
+            <a:r>
+              <a:rPr lang="en-US" dirty="0" err="1" smtClean="0"/>
+              <a:t>lebih</a:t>
+            </a:r>
+            <a:r>
+              <a:rPr lang="en-US" dirty="0" smtClean="0"/>
+              <a:t> </a:t>
+            </a:r>
+            <a:r>
+              <a:rPr lang="en-US" dirty="0" err="1" smtClean="0"/>
+              <a:t>mudah</a:t>
+            </a:r>
+            <a:r>
+              <a:rPr lang="en-US" dirty="0" smtClean="0"/>
+              <a:t> </a:t>
+            </a:r>
+            <a:r>
+              <a:rPr lang="en-US" dirty="0" err="1" smtClean="0"/>
+              <a:t>dikordinasikan</a:t>
+            </a:r>
+            <a:r>
+              <a:rPr lang="en-US" dirty="0" smtClean="0"/>
+              <a:t> </a:t>
+            </a:r>
+            <a:r>
+              <a:rPr lang="en-US" dirty="0" err="1" smtClean="0"/>
+              <a:t>dengan</a:t>
+            </a:r>
+            <a:r>
+              <a:rPr lang="en-US" dirty="0" smtClean="0"/>
+              <a:t> </a:t>
+            </a:r>
+            <a:r>
+              <a:rPr lang="en-US" dirty="0" err="1" smtClean="0"/>
+              <a:t>tim</a:t>
+            </a:r>
+            <a:r>
+              <a:rPr lang="en-US" dirty="0" smtClean="0"/>
+              <a:t> </a:t>
+            </a:r>
+            <a:r>
+              <a:rPr lang="en-US" dirty="0" err="1" smtClean="0"/>
+              <a:t>serta</a:t>
+            </a:r>
+            <a:r>
+              <a:rPr lang="en-US" dirty="0" smtClean="0"/>
+              <a:t> </a:t>
+            </a:r>
+            <a:r>
+              <a:rPr lang="en-US" dirty="0" err="1" smtClean="0"/>
+              <a:t>mempercepat</a:t>
+            </a:r>
+            <a:r>
+              <a:rPr lang="en-US" dirty="0" smtClean="0"/>
+              <a:t> proses </a:t>
+            </a:r>
+            <a:r>
+              <a:rPr lang="en-US" i="1" dirty="0" smtClean="0"/>
+              <a:t>development.</a:t>
+            </a:r>
           </a:p>
           <a:p>
-            <a:pPr marL="457200" indent="-457200">
-              <a:buFont typeface="+mj-lt"/>
-              <a:buAutoNum type="arabicPeriod"/>
+            <a:pPr>
+              <a:buFont typeface="Arial" panose="020B0604020202020204" pitchFamily="34" charset="0"/>
+              <a:buChar char="•"/>
             </a:pPr>
             <a:r>
-              <a:rPr lang="en-US" dirty="0" smtClean="0"/>
-              <a:t>Database per Service : (-) </a:t>
-            </a:r>
-            <a:r>
-              <a:rPr lang="en-US" dirty="0" err="1" smtClean="0"/>
-              <a:t>Komunikasi</a:t>
-            </a:r>
-            <a:r>
-              <a:rPr lang="en-US" dirty="0" smtClean="0"/>
-              <a:t> &amp; query</a:t>
-            </a:r>
-            <a:endParaRPr lang="en-US" dirty="0"/>
-          </a:p>
-        </p:txBody>
-      </p:sp>
-    </p:spTree>
-    <p:extLst>
-      <p:ext uri="{BB962C8B-B14F-4D97-AF65-F5344CB8AC3E}">
-        <p14:creationId xmlns:p14="http://schemas.microsoft.com/office/powerpoint/2010/main" val="1197184334"/>
-      </p:ext>
-    </p:extLst>
-  </p:cSld>
-  <p:clrMapOvr>
-    <a:masterClrMapping/>
-  </p:clrMapOvr>
-</p:sld>
-</file>
-
-<file path=ppt/slides/slide15.xml><?xml version="1.0" encoding="utf-8"?>
-<p:sld xmlns:a="http://schemas.openxmlformats.org/drawingml/2006/main" xmlns:r="http://schemas.openxmlformats.org/officeDocument/2006/relationships" xmlns:p="http://schemas.openxmlformats.org/presentationml/2006/main">
-  <p:cSld>
-    <p:spTree>
-      <p:nvGrpSpPr>
-        <p:cNvPr id="1" name=""/>
-        <p:cNvGrpSpPr/>
-        <p:nvPr/>
-      </p:nvGrpSpPr>
-      <p:grpSpPr>
-        <a:xfrm>
-          <a:off x="0" y="0"/>
-          <a:ext cx="0" cy="0"/>
-          <a:chOff x="0" y="0"/>
-          <a:chExt cx="0" cy="0"/>
-        </a:xfrm>
-      </p:grpSpPr>
-      <p:sp>
-        <p:nvSpPr>
-          <p:cNvPr id="2" name="Title 1"/>
-          <p:cNvSpPr>
-            <a:spLocks noGrp="1"/>
-          </p:cNvSpPr>
-          <p:nvPr>
-            <p:ph type="title"/>
-          </p:nvPr>
-        </p:nvSpPr>
-        <p:spPr/>
-        <p:txBody>
-          <a:bodyPr/>
-          <a:lstStyle/>
-          <a:p>
-            <a:r>
-              <a:rPr lang="en-US" dirty="0" smtClean="0"/>
-              <a:t>2. </a:t>
-            </a:r>
-            <a:r>
-              <a:rPr lang="en-US" dirty="0" err="1" smtClean="0"/>
-              <a:t>Dekomposisi</a:t>
-            </a:r>
-            <a:r>
-              <a:rPr lang="en-US" dirty="0" smtClean="0"/>
-              <a:t> </a:t>
-            </a:r>
-            <a:r>
-              <a:rPr lang="en-US" dirty="0" err="1" smtClean="0"/>
-              <a:t>modul</a:t>
-            </a:r>
-            <a:endParaRPr lang="en-US" dirty="0"/>
-          </a:p>
-        </p:txBody>
-      </p:sp>
-      <p:sp>
-        <p:nvSpPr>
-          <p:cNvPr id="3" name="Content Placeholder 2"/>
-          <p:cNvSpPr>
-            <a:spLocks noGrp="1"/>
-          </p:cNvSpPr>
-          <p:nvPr>
-            <p:ph idx="1"/>
-          </p:nvPr>
-        </p:nvSpPr>
-        <p:spPr/>
-        <p:txBody>
-          <a:bodyPr/>
-          <a:lstStyle/>
-          <a:p>
+              <a:rPr lang="en-US" i="1" dirty="0"/>
+              <a:t> </a:t>
+            </a:r>
             <a:endParaRPr lang="en-US" dirty="0"/>
           </a:p>
         </p:txBody>
@@ -21557,7 +22295,7 @@
 </p:sld>
 </file>
 
-<file path=ppt/slides/slide16.xml><?xml version="1.0" encoding="utf-8"?>
+<file path=ppt/slides/slide15.xml><?xml version="1.0" encoding="utf-8"?>
 <p:sld xmlns:a="http://schemas.openxmlformats.org/drawingml/2006/main" xmlns:r="http://schemas.openxmlformats.org/officeDocument/2006/relationships" xmlns:p="http://schemas.openxmlformats.org/presentationml/2006/main">
   <p:cSld>
     <p:spTree>
@@ -21829,7 +22567,7 @@
 </p:sld>
 </file>
 
-<file path=ppt/slides/slide17.xml><?xml version="1.0" encoding="utf-8"?>
+<file path=ppt/slides/slide16.xml><?xml version="1.0" encoding="utf-8"?>
 <p:sld xmlns:a="http://schemas.openxmlformats.org/drawingml/2006/main" xmlns:r="http://schemas.openxmlformats.org/officeDocument/2006/relationships" xmlns:p="http://schemas.openxmlformats.org/presentationml/2006/main">
   <p:cSld>
     <p:spTree>
@@ -21901,7 +22639,7 @@
 </p:sld>
 </file>
 
-<file path=ppt/slides/slide18.xml><?xml version="1.0" encoding="utf-8"?>
+<file path=ppt/slides/slide17.xml><?xml version="1.0" encoding="utf-8"?>
 <p:sld xmlns:a="http://schemas.openxmlformats.org/drawingml/2006/main" xmlns:r="http://schemas.openxmlformats.org/officeDocument/2006/relationships" xmlns:p="http://schemas.openxmlformats.org/presentationml/2006/main">
   <p:cSld>
     <p:spTree>
@@ -22134,7 +22872,7 @@
 </p:sld>
 </file>
 
-<file path=ppt/slides/slide19.xml><?xml version="1.0" encoding="utf-8"?>
+<file path=ppt/slides/slide18.xml><?xml version="1.0" encoding="utf-8"?>
 <p:sld xmlns:a="http://schemas.openxmlformats.org/drawingml/2006/main" xmlns:r="http://schemas.openxmlformats.org/officeDocument/2006/relationships" xmlns:p="http://schemas.openxmlformats.org/presentationml/2006/main">
   <p:cSld>
     <p:spTree>
@@ -22287,86 +23025,7 @@
 </p:sld>
 </file>
 
-<file path=ppt/slides/slide2.xml><?xml version="1.0" encoding="utf-8"?>
-<p:sld xmlns:a="http://schemas.openxmlformats.org/drawingml/2006/main" xmlns:r="http://schemas.openxmlformats.org/officeDocument/2006/relationships" xmlns:p="http://schemas.openxmlformats.org/presentationml/2006/main">
-  <p:cSld>
-    <p:spTree>
-      <p:nvGrpSpPr>
-        <p:cNvPr id="1" name=""/>
-        <p:cNvGrpSpPr/>
-        <p:nvPr/>
-      </p:nvGrpSpPr>
-      <p:grpSpPr>
-        <a:xfrm>
-          <a:off x="0" y="0"/>
-          <a:ext cx="0" cy="0"/>
-          <a:chOff x="0" y="0"/>
-          <a:chExt cx="0" cy="0"/>
-        </a:xfrm>
-      </p:grpSpPr>
-      <p:sp>
-        <p:nvSpPr>
-          <p:cNvPr id="2" name="Title 1"/>
-          <p:cNvSpPr>
-            <a:spLocks noGrp="1"/>
-          </p:cNvSpPr>
-          <p:nvPr>
-            <p:ph type="title"/>
-          </p:nvPr>
-        </p:nvSpPr>
-        <p:spPr/>
-        <p:txBody>
-          <a:bodyPr/>
-          <a:lstStyle/>
-          <a:p>
-            <a:r>
-              <a:rPr lang="en-US" dirty="0" smtClean="0"/>
-              <a:t>1. </a:t>
-            </a:r>
-            <a:r>
-              <a:rPr lang="en-US" dirty="0" err="1" smtClean="0"/>
-              <a:t>Pendahuluan</a:t>
-            </a:r>
-            <a:endParaRPr lang="en-US" dirty="0"/>
-          </a:p>
-        </p:txBody>
-      </p:sp>
-      <p:sp>
-        <p:nvSpPr>
-          <p:cNvPr id="3" name="Content Placeholder 2"/>
-          <p:cNvSpPr>
-            <a:spLocks noGrp="1"/>
-          </p:cNvSpPr>
-          <p:nvPr>
-            <p:ph idx="1"/>
-          </p:nvPr>
-        </p:nvSpPr>
-        <p:spPr/>
-        <p:txBody>
-          <a:bodyPr/>
-          <a:lstStyle/>
-          <a:p>
-            <a:pPr marL="0" indent="0">
-              <a:buNone/>
-            </a:pPr>
-            <a:endParaRPr lang="en-US" dirty="0"/>
-          </a:p>
-        </p:txBody>
-      </p:sp>
-    </p:spTree>
-    <p:extLst>
-      <p:ext uri="{BB962C8B-B14F-4D97-AF65-F5344CB8AC3E}">
-        <p14:creationId xmlns:p14="http://schemas.microsoft.com/office/powerpoint/2010/main" val="113910958"/>
-      </p:ext>
-    </p:extLst>
-  </p:cSld>
-  <p:clrMapOvr>
-    <a:masterClrMapping/>
-  </p:clrMapOvr>
-</p:sld>
-</file>
-
-<file path=ppt/slides/slide20.xml><?xml version="1.0" encoding="utf-8"?>
+<file path=ppt/slides/slide19.xml><?xml version="1.0" encoding="utf-8"?>
 <p:sld xmlns:a="http://schemas.openxmlformats.org/drawingml/2006/main" xmlns:r="http://schemas.openxmlformats.org/officeDocument/2006/relationships" xmlns:p="http://schemas.openxmlformats.org/presentationml/2006/main">
   <p:cSld>
     <p:spTree>
@@ -22594,6 +23253,757 @@
 </p:sld>
 </file>
 
+<file path=ppt/slides/slide2.xml><?xml version="1.0" encoding="utf-8"?>
+<p:sld xmlns:a="http://schemas.openxmlformats.org/drawingml/2006/main" xmlns:r="http://schemas.openxmlformats.org/officeDocument/2006/relationships" xmlns:p="http://schemas.openxmlformats.org/presentationml/2006/main">
+  <p:cSld>
+    <p:spTree>
+      <p:nvGrpSpPr>
+        <p:cNvPr id="1" name=""/>
+        <p:cNvGrpSpPr/>
+        <p:nvPr/>
+      </p:nvGrpSpPr>
+      <p:grpSpPr>
+        <a:xfrm>
+          <a:off x="0" y="0"/>
+          <a:ext cx="0" cy="0"/>
+          <a:chOff x="0" y="0"/>
+          <a:chExt cx="0" cy="0"/>
+        </a:xfrm>
+      </p:grpSpPr>
+      <p:sp>
+        <p:nvSpPr>
+          <p:cNvPr id="2" name="Title 1"/>
+          <p:cNvSpPr>
+            <a:spLocks noGrp="1"/>
+          </p:cNvSpPr>
+          <p:nvPr>
+            <p:ph type="title"/>
+          </p:nvPr>
+        </p:nvSpPr>
+        <p:spPr/>
+        <p:txBody>
+          <a:bodyPr/>
+          <a:lstStyle/>
+          <a:p>
+            <a:r>
+              <a:rPr lang="en-US" dirty="0" err="1" smtClean="0"/>
+              <a:t>pendahuluan</a:t>
+            </a:r>
+            <a:endParaRPr lang="en-US" dirty="0"/>
+          </a:p>
+        </p:txBody>
+      </p:sp>
+      <p:sp>
+        <p:nvSpPr>
+          <p:cNvPr id="8" name="Text Placeholder 7"/>
+          <p:cNvSpPr>
+            <a:spLocks noGrp="1"/>
+          </p:cNvSpPr>
+          <p:nvPr>
+            <p:ph type="body" idx="1"/>
+          </p:nvPr>
+        </p:nvSpPr>
+        <p:spPr>
+          <a:xfrm>
+            <a:off x="1024128" y="2084832"/>
+            <a:ext cx="8447418" cy="822960"/>
+          </a:xfrm>
+        </p:spPr>
+        <p:txBody>
+          <a:bodyPr/>
+          <a:lstStyle/>
+          <a:p>
+            <a:r>
+              <a:rPr lang="en-US" dirty="0" err="1" smtClean="0"/>
+              <a:t>Latar</a:t>
+            </a:r>
+            <a:r>
+              <a:rPr lang="en-US" dirty="0" smtClean="0"/>
+              <a:t> </a:t>
+            </a:r>
+            <a:r>
+              <a:rPr lang="en-US" dirty="0" err="1" smtClean="0"/>
+              <a:t>Belakang</a:t>
+            </a:r>
+            <a:endParaRPr lang="en-US" dirty="0"/>
+          </a:p>
+        </p:txBody>
+      </p:sp>
+      <p:sp>
+        <p:nvSpPr>
+          <p:cNvPr id="9" name="Content Placeholder 8"/>
+          <p:cNvSpPr>
+            <a:spLocks noGrp="1"/>
+          </p:cNvSpPr>
+          <p:nvPr>
+            <p:ph sz="half" idx="2"/>
+          </p:nvPr>
+        </p:nvSpPr>
+        <p:spPr>
+          <a:xfrm>
+            <a:off x="1024128" y="2907792"/>
+            <a:ext cx="9720072" cy="3341572"/>
+          </a:xfrm>
+        </p:spPr>
+        <p:txBody>
+          <a:bodyPr/>
+          <a:lstStyle/>
+          <a:p>
+            <a:pPr marL="0" indent="0">
+              <a:buNone/>
+            </a:pPr>
+            <a:r>
+              <a:rPr lang="en-US" dirty="0" err="1" smtClean="0"/>
+              <a:t>Seiring</a:t>
+            </a:r>
+            <a:r>
+              <a:rPr lang="en-US" dirty="0" smtClean="0"/>
+              <a:t> </a:t>
+            </a:r>
+            <a:r>
+              <a:rPr lang="en-US" dirty="0" err="1" smtClean="0"/>
+              <a:t>bertambah</a:t>
+            </a:r>
+            <a:r>
+              <a:rPr lang="en-US" dirty="0" smtClean="0"/>
+              <a:t> </a:t>
+            </a:r>
+            <a:r>
+              <a:rPr lang="en-US" dirty="0" err="1" smtClean="0"/>
+              <a:t>besarnya</a:t>
+            </a:r>
+            <a:r>
+              <a:rPr lang="en-US" dirty="0" smtClean="0"/>
+              <a:t> software </a:t>
+            </a:r>
+            <a:r>
+              <a:rPr lang="en-US" dirty="0" err="1" smtClean="0"/>
+              <a:t>monolitik</a:t>
+            </a:r>
+            <a:r>
+              <a:rPr lang="en-US" dirty="0" smtClean="0"/>
+              <a:t>, </a:t>
+            </a:r>
+            <a:r>
+              <a:rPr lang="en-US" dirty="0" err="1" smtClean="0"/>
+              <a:t>maka</a:t>
+            </a:r>
+            <a:r>
+              <a:rPr lang="en-US" dirty="0" smtClean="0"/>
+              <a:t> </a:t>
+            </a:r>
+            <a:r>
+              <a:rPr lang="en-US" dirty="0" err="1" smtClean="0"/>
+              <a:t>kelemahan</a:t>
+            </a:r>
+            <a:r>
+              <a:rPr lang="en-US" dirty="0" smtClean="0"/>
+              <a:t> </a:t>
+            </a:r>
+            <a:r>
+              <a:rPr lang="en-US" dirty="0" err="1" smtClean="0"/>
+              <a:t>dari</a:t>
+            </a:r>
+            <a:r>
+              <a:rPr lang="en-US" dirty="0" smtClean="0"/>
+              <a:t> </a:t>
+            </a:r>
+            <a:r>
+              <a:rPr lang="en-US" dirty="0" err="1" smtClean="0"/>
+              <a:t>arsitektur</a:t>
+            </a:r>
+            <a:r>
+              <a:rPr lang="en-US" dirty="0" smtClean="0"/>
+              <a:t> </a:t>
+            </a:r>
+            <a:r>
+              <a:rPr lang="en-US" dirty="0" err="1" smtClean="0"/>
+              <a:t>tersebut</a:t>
+            </a:r>
+            <a:r>
+              <a:rPr lang="en-US" dirty="0" smtClean="0"/>
+              <a:t> </a:t>
+            </a:r>
+            <a:r>
+              <a:rPr lang="en-US" dirty="0" err="1" smtClean="0"/>
+              <a:t>semakin</a:t>
+            </a:r>
+            <a:r>
+              <a:rPr lang="en-US" dirty="0" smtClean="0"/>
+              <a:t> </a:t>
+            </a:r>
+            <a:r>
+              <a:rPr lang="en-US" dirty="0" err="1" smtClean="0"/>
+              <a:t>dirasakan</a:t>
+            </a:r>
+            <a:r>
+              <a:rPr lang="en-US" dirty="0" smtClean="0"/>
+              <a:t>, </a:t>
+            </a:r>
+            <a:r>
+              <a:rPr lang="en-US" dirty="0" err="1" smtClean="0"/>
+              <a:t>diantaranya</a:t>
+            </a:r>
+            <a:r>
+              <a:rPr lang="en-US" dirty="0" smtClean="0"/>
+              <a:t> </a:t>
+            </a:r>
+            <a:r>
+              <a:rPr lang="en-US" dirty="0" err="1" smtClean="0"/>
+              <a:t>yaitu</a:t>
+            </a:r>
+            <a:r>
+              <a:rPr lang="en-US" dirty="0" smtClean="0"/>
+              <a:t> :</a:t>
+            </a:r>
+          </a:p>
+          <a:p>
+            <a:pPr>
+              <a:buFont typeface="Arial" panose="020B0604020202020204" pitchFamily="34" charset="0"/>
+              <a:buChar char="•"/>
+            </a:pPr>
+            <a:r>
+              <a:rPr lang="en-US" dirty="0" smtClean="0"/>
+              <a:t> </a:t>
+            </a:r>
+            <a:r>
+              <a:rPr lang="en-US" dirty="0" err="1" smtClean="0"/>
+              <a:t>Semakin</a:t>
+            </a:r>
+            <a:r>
+              <a:rPr lang="en-US" dirty="0" smtClean="0"/>
+              <a:t> </a:t>
+            </a:r>
+            <a:r>
+              <a:rPr lang="en-US" dirty="0" err="1"/>
+              <a:t>t</a:t>
+            </a:r>
+            <a:r>
+              <a:rPr lang="en-US" dirty="0" err="1" smtClean="0"/>
+              <a:t>idak</a:t>
+            </a:r>
+            <a:r>
+              <a:rPr lang="en-US" dirty="0" smtClean="0"/>
+              <a:t> </a:t>
+            </a:r>
+            <a:r>
+              <a:rPr lang="en-US" dirty="0" err="1"/>
+              <a:t>efisien</a:t>
+            </a:r>
+            <a:endParaRPr lang="en-US" dirty="0"/>
+          </a:p>
+          <a:p>
+            <a:pPr>
+              <a:buFont typeface="Arial" panose="020B0604020202020204" pitchFamily="34" charset="0"/>
+              <a:buChar char="•"/>
+            </a:pPr>
+            <a:r>
+              <a:rPr lang="en-US" dirty="0" smtClean="0"/>
+              <a:t> </a:t>
+            </a:r>
+            <a:r>
+              <a:rPr lang="en-US" dirty="0" err="1" smtClean="0"/>
+              <a:t>Menjadi</a:t>
+            </a:r>
+            <a:r>
+              <a:rPr lang="en-US" dirty="0" smtClean="0"/>
+              <a:t> </a:t>
+            </a:r>
+            <a:r>
+              <a:rPr lang="en-US" dirty="0" err="1"/>
+              <a:t>t</a:t>
+            </a:r>
+            <a:r>
+              <a:rPr lang="en-US" dirty="0" err="1" smtClean="0"/>
+              <a:t>idak</a:t>
+            </a:r>
+            <a:r>
+              <a:rPr lang="en-US" dirty="0" smtClean="0"/>
+              <a:t> </a:t>
+            </a:r>
+            <a:r>
+              <a:rPr lang="en-US" i="1" dirty="0"/>
+              <a:t>agile</a:t>
+            </a:r>
+          </a:p>
+          <a:p>
+            <a:pPr>
+              <a:buFont typeface="Arial" panose="020B0604020202020204" pitchFamily="34" charset="0"/>
+              <a:buChar char="•"/>
+            </a:pPr>
+            <a:r>
+              <a:rPr lang="en-US" dirty="0" smtClean="0"/>
+              <a:t> </a:t>
+            </a:r>
+            <a:r>
+              <a:rPr lang="en-US" dirty="0" err="1" smtClean="0"/>
+              <a:t>Menjadi</a:t>
+            </a:r>
+            <a:r>
+              <a:rPr lang="en-US" i="1" dirty="0" smtClean="0"/>
+              <a:t> </a:t>
+            </a:r>
+            <a:r>
+              <a:rPr lang="en-US" dirty="0" err="1"/>
+              <a:t>t</a:t>
+            </a:r>
+            <a:r>
+              <a:rPr lang="en-US" dirty="0" err="1" smtClean="0"/>
+              <a:t>idak</a:t>
+            </a:r>
+            <a:r>
+              <a:rPr lang="en-US" i="1" dirty="0" smtClean="0"/>
+              <a:t> </a:t>
+            </a:r>
+            <a:r>
+              <a:rPr lang="en-US" i="1" dirty="0"/>
+              <a:t>high availability</a:t>
+            </a:r>
+          </a:p>
+          <a:p>
+            <a:pPr>
+              <a:buFont typeface="Arial" panose="020B0604020202020204" pitchFamily="34" charset="0"/>
+              <a:buChar char="•"/>
+            </a:pPr>
+            <a:r>
+              <a:rPr lang="en-US" dirty="0" smtClean="0"/>
+              <a:t> </a:t>
+            </a:r>
+            <a:r>
+              <a:rPr lang="en-US" dirty="0" err="1" smtClean="0"/>
+              <a:t>Keuntungan</a:t>
+            </a:r>
+            <a:r>
+              <a:rPr lang="en-US" dirty="0" smtClean="0"/>
+              <a:t> </a:t>
+            </a:r>
+            <a:r>
+              <a:rPr lang="en-US" dirty="0"/>
+              <a:t>(</a:t>
+            </a:r>
+            <a:r>
+              <a:rPr lang="en-US" dirty="0" err="1"/>
+              <a:t>dari</a:t>
+            </a:r>
+            <a:r>
+              <a:rPr lang="en-US" dirty="0"/>
+              <a:t> </a:t>
+            </a:r>
+            <a:r>
+              <a:rPr lang="en-US" dirty="0" err="1"/>
+              <a:t>beragam</a:t>
+            </a:r>
+            <a:r>
+              <a:rPr lang="en-US" dirty="0"/>
+              <a:t> </a:t>
+            </a:r>
+            <a:r>
+              <a:rPr lang="en-US" dirty="0" err="1"/>
+              <a:t>aspek</a:t>
+            </a:r>
+            <a:r>
+              <a:rPr lang="en-US" dirty="0"/>
+              <a:t>) </a:t>
+            </a:r>
+            <a:r>
+              <a:rPr lang="en-US" dirty="0" err="1"/>
+              <a:t>semakin</a:t>
+            </a:r>
+            <a:r>
+              <a:rPr lang="en-US" dirty="0"/>
+              <a:t> </a:t>
+            </a:r>
+            <a:r>
+              <a:rPr lang="en-US" dirty="0" err="1" smtClean="0"/>
+              <a:t>berkurang</a:t>
+            </a:r>
+            <a:r>
+              <a:rPr lang="en-US" dirty="0" smtClean="0"/>
+              <a:t>.</a:t>
+            </a:r>
+            <a:endParaRPr lang="en-US" dirty="0"/>
+          </a:p>
+          <a:p>
+            <a:pPr marL="0" indent="0">
+              <a:buNone/>
+            </a:pPr>
+            <a:endParaRPr lang="en-US" dirty="0"/>
+          </a:p>
+          <a:p>
+            <a:endParaRPr lang="en-US" dirty="0"/>
+          </a:p>
+        </p:txBody>
+      </p:sp>
+    </p:spTree>
+    <p:extLst>
+      <p:ext uri="{BB962C8B-B14F-4D97-AF65-F5344CB8AC3E}">
+        <p14:creationId xmlns:p14="http://schemas.microsoft.com/office/powerpoint/2010/main" val="3475365388"/>
+      </p:ext>
+    </p:extLst>
+  </p:cSld>
+  <p:clrMapOvr>
+    <a:masterClrMapping/>
+  </p:clrMapOvr>
+  <p:timing>
+    <p:tnLst>
+      <p:par>
+        <p:cTn id="1" dur="indefinite" restart="never" nodeType="tmRoot"/>
+      </p:par>
+    </p:tnLst>
+  </p:timing>
+</p:sld>
+</file>
+
+<file path=ppt/slides/slide20.xml><?xml version="1.0" encoding="utf-8"?>
+<p:sld xmlns:a="http://schemas.openxmlformats.org/drawingml/2006/main" xmlns:r="http://schemas.openxmlformats.org/officeDocument/2006/relationships" xmlns:p="http://schemas.openxmlformats.org/presentationml/2006/main">
+  <p:cSld>
+    <p:spTree>
+      <p:nvGrpSpPr>
+        <p:cNvPr id="1" name=""/>
+        <p:cNvGrpSpPr/>
+        <p:nvPr/>
+      </p:nvGrpSpPr>
+      <p:grpSpPr>
+        <a:xfrm>
+          <a:off x="0" y="0"/>
+          <a:ext cx="0" cy="0"/>
+          <a:chOff x="0" y="0"/>
+          <a:chExt cx="0" cy="0"/>
+        </a:xfrm>
+      </p:grpSpPr>
+      <p:sp>
+        <p:nvSpPr>
+          <p:cNvPr id="2" name="Title 1"/>
+          <p:cNvSpPr>
+            <a:spLocks noGrp="1"/>
+          </p:cNvSpPr>
+          <p:nvPr>
+            <p:ph type="title"/>
+          </p:nvPr>
+        </p:nvSpPr>
+        <p:spPr/>
+        <p:txBody>
+          <a:bodyPr/>
+          <a:lstStyle/>
+          <a:p>
+            <a:r>
+              <a:rPr lang="en-US" dirty="0" smtClean="0"/>
+              <a:t>Service deployment</a:t>
+            </a:r>
+            <a:endParaRPr lang="en-US" dirty="0"/>
+          </a:p>
+        </p:txBody>
+      </p:sp>
+      <p:sp>
+        <p:nvSpPr>
+          <p:cNvPr id="3" name="Content Placeholder 2"/>
+          <p:cNvSpPr>
+            <a:spLocks noGrp="1"/>
+          </p:cNvSpPr>
+          <p:nvPr>
+            <p:ph idx="1"/>
+          </p:nvPr>
+        </p:nvSpPr>
+        <p:spPr/>
+        <p:txBody>
+          <a:bodyPr/>
+          <a:lstStyle/>
+          <a:p>
+            <a:pPr marL="0" indent="0">
+              <a:buNone/>
+            </a:pPr>
+            <a:r>
+              <a:rPr lang="en-US" dirty="0" err="1" smtClean="0"/>
+              <a:t>Kelebihan</a:t>
+            </a:r>
+            <a:r>
+              <a:rPr lang="en-US" dirty="0" smtClean="0"/>
+              <a:t> :</a:t>
+            </a:r>
+          </a:p>
+          <a:p>
+            <a:r>
+              <a:rPr lang="en-US" dirty="0" err="1" smtClean="0"/>
+              <a:t>Tidak</a:t>
+            </a:r>
+            <a:r>
+              <a:rPr lang="en-US" dirty="0" smtClean="0"/>
+              <a:t> </a:t>
+            </a:r>
+            <a:r>
+              <a:rPr lang="en-US" dirty="0" err="1" smtClean="0"/>
+              <a:t>perlu</a:t>
+            </a:r>
+            <a:r>
+              <a:rPr lang="en-US" dirty="0" smtClean="0"/>
+              <a:t> </a:t>
+            </a:r>
+            <a:r>
+              <a:rPr lang="en-US" dirty="0" err="1" smtClean="0"/>
+              <a:t>membuang</a:t>
+            </a:r>
+            <a:r>
+              <a:rPr lang="en-US" dirty="0" smtClean="0"/>
+              <a:t> </a:t>
+            </a:r>
+            <a:r>
+              <a:rPr lang="en-US" dirty="0" err="1" smtClean="0"/>
+              <a:t>waktu</a:t>
+            </a:r>
+            <a:r>
+              <a:rPr lang="en-US" dirty="0" smtClean="0"/>
+              <a:t> </a:t>
+            </a:r>
+            <a:r>
+              <a:rPr lang="en-US" dirty="0" err="1" smtClean="0"/>
+              <a:t>untuk</a:t>
+            </a:r>
+            <a:r>
+              <a:rPr lang="en-US" dirty="0" smtClean="0"/>
+              <a:t> setting </a:t>
+            </a:r>
+            <a:r>
+              <a:rPr lang="en-US" dirty="0" err="1" smtClean="0"/>
+              <a:t>infrastruktur</a:t>
+            </a:r>
+            <a:r>
+              <a:rPr lang="en-US" dirty="0" smtClean="0"/>
+              <a:t> </a:t>
+            </a:r>
+            <a:r>
+              <a:rPr lang="en-US" i="1" dirty="0" smtClean="0"/>
+              <a:t>low-level. </a:t>
+            </a:r>
+            <a:r>
+              <a:rPr lang="en-US" dirty="0" smtClean="0"/>
+              <a:t>User </a:t>
+            </a:r>
+            <a:r>
+              <a:rPr lang="en-US" dirty="0" err="1" smtClean="0"/>
+              <a:t>dapat</a:t>
+            </a:r>
+            <a:r>
+              <a:rPr lang="en-US" dirty="0" smtClean="0"/>
+              <a:t> </a:t>
+            </a:r>
+            <a:r>
+              <a:rPr lang="en-US" dirty="0" err="1" smtClean="0"/>
+              <a:t>fokus</a:t>
+            </a:r>
+            <a:r>
+              <a:rPr lang="en-US" dirty="0" smtClean="0"/>
+              <a:t> </a:t>
+            </a:r>
+            <a:r>
+              <a:rPr lang="en-US" dirty="0" err="1" smtClean="0"/>
+              <a:t>kepada</a:t>
+            </a:r>
+            <a:r>
+              <a:rPr lang="en-US" dirty="0" smtClean="0"/>
+              <a:t> </a:t>
+            </a:r>
+            <a:r>
+              <a:rPr lang="en-US" dirty="0" err="1" smtClean="0"/>
+              <a:t>aplikasinya</a:t>
+            </a:r>
+            <a:r>
+              <a:rPr lang="en-US" dirty="0" smtClean="0"/>
+              <a:t> </a:t>
+            </a:r>
+            <a:r>
+              <a:rPr lang="en-US" dirty="0" err="1" smtClean="0"/>
+              <a:t>saja</a:t>
+            </a:r>
+            <a:r>
+              <a:rPr lang="en-US" dirty="0" smtClean="0"/>
+              <a:t>.</a:t>
+            </a:r>
+          </a:p>
+          <a:p>
+            <a:r>
+              <a:rPr lang="en-US" dirty="0" err="1" smtClean="0"/>
+              <a:t>Sangat</a:t>
+            </a:r>
+            <a:r>
+              <a:rPr lang="en-US" dirty="0" smtClean="0"/>
+              <a:t> </a:t>
+            </a:r>
+            <a:r>
+              <a:rPr lang="en-US" dirty="0" err="1" smtClean="0"/>
+              <a:t>elastis</a:t>
+            </a:r>
+            <a:r>
+              <a:rPr lang="en-US" dirty="0" smtClean="0"/>
+              <a:t> </a:t>
+            </a:r>
+            <a:r>
+              <a:rPr lang="en-US" dirty="0" err="1" smtClean="0"/>
+              <a:t>dan</a:t>
+            </a:r>
+            <a:r>
+              <a:rPr lang="en-US" dirty="0" smtClean="0"/>
+              <a:t> </a:t>
+            </a:r>
+            <a:r>
+              <a:rPr lang="en-US" dirty="0" err="1" smtClean="0"/>
+              <a:t>dapat</a:t>
+            </a:r>
+            <a:r>
+              <a:rPr lang="en-US" dirty="0" smtClean="0"/>
+              <a:t> </a:t>
+            </a:r>
+            <a:r>
+              <a:rPr lang="en-US" dirty="0" err="1" smtClean="0"/>
+              <a:t>menghitung</a:t>
+            </a:r>
+            <a:r>
+              <a:rPr lang="en-US" dirty="0" smtClean="0"/>
+              <a:t> resource yang </a:t>
+            </a:r>
+            <a:r>
+              <a:rPr lang="en-US" dirty="0" err="1" smtClean="0"/>
+              <a:t>digunakan</a:t>
+            </a:r>
+            <a:r>
+              <a:rPr lang="en-US" dirty="0" smtClean="0"/>
+              <a:t> </a:t>
+            </a:r>
+            <a:r>
+              <a:rPr lang="en-US" dirty="0" err="1" smtClean="0"/>
+              <a:t>aplikasi</a:t>
+            </a:r>
+            <a:r>
+              <a:rPr lang="en-US" dirty="0" smtClean="0"/>
+              <a:t>. </a:t>
+            </a:r>
+            <a:r>
+              <a:rPr lang="en-US" dirty="0" err="1" smtClean="0"/>
+              <a:t>Dengan</a:t>
+            </a:r>
+            <a:r>
+              <a:rPr lang="en-US" dirty="0" smtClean="0"/>
+              <a:t> </a:t>
+            </a:r>
+            <a:r>
+              <a:rPr lang="en-US" dirty="0" err="1" smtClean="0"/>
+              <a:t>begitu</a:t>
+            </a:r>
+            <a:r>
+              <a:rPr lang="en-US" dirty="0" smtClean="0"/>
+              <a:t> </a:t>
+            </a:r>
+            <a:r>
+              <a:rPr lang="en-US" dirty="0" err="1" smtClean="0"/>
+              <a:t>tidak</a:t>
+            </a:r>
+            <a:r>
+              <a:rPr lang="en-US" dirty="0" smtClean="0"/>
+              <a:t> </a:t>
+            </a:r>
+            <a:r>
+              <a:rPr lang="en-US" dirty="0" err="1" smtClean="0"/>
+              <a:t>ada</a:t>
+            </a:r>
+            <a:r>
+              <a:rPr lang="en-US" dirty="0" smtClean="0"/>
+              <a:t> resource yang </a:t>
+            </a:r>
+            <a:r>
+              <a:rPr lang="en-US" dirty="0" err="1" smtClean="0"/>
+              <a:t>terbuang</a:t>
+            </a:r>
+            <a:r>
+              <a:rPr lang="en-US" dirty="0" smtClean="0"/>
+              <a:t> pula.</a:t>
+            </a:r>
+          </a:p>
+          <a:p>
+            <a:pPr marL="0" indent="0">
+              <a:buNone/>
+            </a:pPr>
+            <a:r>
+              <a:rPr lang="en-US" dirty="0" err="1" smtClean="0"/>
+              <a:t>Kekurangan</a:t>
+            </a:r>
+            <a:r>
+              <a:rPr lang="en-US" dirty="0" smtClean="0"/>
+              <a:t> :</a:t>
+            </a:r>
+          </a:p>
+          <a:p>
+            <a:r>
+              <a:rPr lang="en-US" dirty="0" err="1" smtClean="0"/>
+              <a:t>Adanya</a:t>
+            </a:r>
+            <a:r>
+              <a:rPr lang="en-US" dirty="0" smtClean="0"/>
+              <a:t> </a:t>
+            </a:r>
+            <a:r>
+              <a:rPr lang="en-US" dirty="0" err="1" smtClean="0"/>
+              <a:t>batasan</a:t>
+            </a:r>
+            <a:r>
+              <a:rPr lang="en-US" dirty="0" smtClean="0"/>
+              <a:t> </a:t>
+            </a:r>
+            <a:r>
+              <a:rPr lang="en-US" dirty="0" err="1" smtClean="0"/>
+              <a:t>lingkungan</a:t>
+            </a:r>
+            <a:r>
+              <a:rPr lang="en-US" dirty="0" smtClean="0"/>
+              <a:t>, missal server </a:t>
+            </a:r>
+            <a:r>
+              <a:rPr lang="en-US" dirty="0" err="1" smtClean="0"/>
+              <a:t>hanya</a:t>
+            </a:r>
+            <a:r>
+              <a:rPr lang="en-US" dirty="0" smtClean="0"/>
+              <a:t> support </a:t>
+            </a:r>
+            <a:r>
+              <a:rPr lang="en-US" dirty="0" err="1" smtClean="0"/>
+              <a:t>beberapa</a:t>
+            </a:r>
+            <a:r>
+              <a:rPr lang="en-US" dirty="0" smtClean="0"/>
+              <a:t> </a:t>
+            </a:r>
+            <a:r>
+              <a:rPr lang="en-US" dirty="0" err="1" smtClean="0"/>
+              <a:t>bahasa</a:t>
+            </a:r>
+            <a:r>
+              <a:rPr lang="en-US" dirty="0" smtClean="0"/>
+              <a:t> </a:t>
+            </a:r>
+            <a:r>
+              <a:rPr lang="en-US" dirty="0" err="1" smtClean="0"/>
+              <a:t>saja</a:t>
+            </a:r>
+            <a:r>
+              <a:rPr lang="en-US" dirty="0" smtClean="0"/>
+              <a:t>.</a:t>
+            </a:r>
+            <a:endParaRPr lang="en-US" dirty="0"/>
+          </a:p>
+        </p:txBody>
+      </p:sp>
+    </p:spTree>
+    <p:extLst>
+      <p:ext uri="{BB962C8B-B14F-4D97-AF65-F5344CB8AC3E}">
+        <p14:creationId xmlns:p14="http://schemas.microsoft.com/office/powerpoint/2010/main" val="1510101403"/>
+      </p:ext>
+    </p:extLst>
+  </p:cSld>
+  <p:clrMapOvr>
+    <a:masterClrMapping/>
+  </p:clrMapOvr>
+</p:sld>
+</file>
+
 <file path=ppt/slides/slide21.xml><?xml version="1.0" encoding="utf-8"?>
 <p:sld xmlns:a="http://schemas.openxmlformats.org/drawingml/2006/main" xmlns:r="http://schemas.openxmlformats.org/officeDocument/2006/relationships" xmlns:p="http://schemas.openxmlformats.org/presentationml/2006/main">
   <p:cSld>
@@ -22627,8 +24037,20 @@
           <a:lstStyle/>
           <a:p>
             <a:r>
-              <a:rPr lang="en-US" dirty="0" smtClean="0"/>
-              <a:t>Service deployment</a:t>
+              <a:rPr lang="en-US" dirty="0" err="1" smtClean="0"/>
+              <a:t>Komunikasi</a:t>
+            </a:r>
+            <a:r>
+              <a:rPr lang="en-US" dirty="0" smtClean="0"/>
+              <a:t> </a:t>
+            </a:r>
+            <a:r>
+              <a:rPr lang="en-US" dirty="0" err="1" smtClean="0"/>
+              <a:t>antar</a:t>
+            </a:r>
+            <a:r>
+              <a:rPr lang="en-US" dirty="0" smtClean="0"/>
+              <a:t> service</a:t>
             </a:r>
             <a:endParaRPr lang="en-US" dirty="0"/>
           </a:p>
@@ -22653,368 +24075,6 @@
               <a:buNone/>
             </a:pPr>
             <a:r>
-              <a:rPr lang="en-US" dirty="0" err="1" smtClean="0"/>
-              <a:t>Kelebihan</a:t>
-            </a:r>
-            <a:r>
-              <a:rPr lang="en-US" dirty="0" smtClean="0"/>
-              <a:t> :</a:t>
-            </a:r>
-          </a:p>
-          <a:p>
-            <a:r>
-              <a:rPr lang="en-US" dirty="0" err="1" smtClean="0"/>
-              <a:t>Tidak</a:t>
-            </a:r>
-            <a:r>
-              <a:rPr lang="en-US" dirty="0" smtClean="0"/>
-              <a:t> </a:t>
-            </a:r>
-            <a:r>
-              <a:rPr lang="en-US" dirty="0" err="1" smtClean="0"/>
-              <a:t>perlu</a:t>
-            </a:r>
-            <a:r>
-              <a:rPr lang="en-US" dirty="0" smtClean="0"/>
-              <a:t> </a:t>
-            </a:r>
-            <a:r>
-              <a:rPr lang="en-US" dirty="0" err="1" smtClean="0"/>
-              <a:t>membuang</a:t>
-            </a:r>
-            <a:r>
-              <a:rPr lang="en-US" dirty="0" smtClean="0"/>
-              <a:t> </a:t>
-            </a:r>
-            <a:r>
-              <a:rPr lang="en-US" dirty="0" err="1" smtClean="0"/>
-              <a:t>waktu</a:t>
-            </a:r>
-            <a:r>
-              <a:rPr lang="en-US" dirty="0" smtClean="0"/>
-              <a:t> </a:t>
-            </a:r>
-            <a:r>
-              <a:rPr lang="en-US" dirty="0" err="1" smtClean="0"/>
-              <a:t>untuk</a:t>
-            </a:r>
-            <a:r>
-              <a:rPr lang="en-US" dirty="0" smtClean="0"/>
-              <a:t> setting </a:t>
-            </a:r>
-            <a:r>
-              <a:rPr lang="en-US" dirty="0" err="1" smtClean="0"/>
-              <a:t>infrastruktur</a:t>
-            </a:r>
-            <a:r>
-              <a:rPr lang="en-US" dirty="0" smtClean="0"/>
-              <a:t> </a:t>
-            </a:r>
-            <a:r>
-              <a:rPr lang="en-US" i="1" dirty="0" smtClean="0"/>
-              <a:t>low-level. </a:t>
-            </a:r>
-            <a:r>
-              <a:rPr lang="en-US" dirty="0" smtClean="0"/>
-              <a:t>User </a:t>
-            </a:r>
-            <a:r>
-              <a:rPr lang="en-US" dirty="0" err="1" smtClean="0"/>
-              <a:t>dapat</a:t>
-            </a:r>
-            <a:r>
-              <a:rPr lang="en-US" dirty="0" smtClean="0"/>
-              <a:t> </a:t>
-            </a:r>
-            <a:r>
-              <a:rPr lang="en-US" dirty="0" err="1" smtClean="0"/>
-              <a:t>fokus</a:t>
-            </a:r>
-            <a:r>
-              <a:rPr lang="en-US" dirty="0" smtClean="0"/>
-              <a:t> </a:t>
-            </a:r>
-            <a:r>
-              <a:rPr lang="en-US" dirty="0" err="1" smtClean="0"/>
-              <a:t>kepada</a:t>
-            </a:r>
-            <a:r>
-              <a:rPr lang="en-US" dirty="0" smtClean="0"/>
-              <a:t> </a:t>
-            </a:r>
-            <a:r>
-              <a:rPr lang="en-US" dirty="0" err="1" smtClean="0"/>
-              <a:t>aplikasinya</a:t>
-            </a:r>
-            <a:r>
-              <a:rPr lang="en-US" dirty="0" smtClean="0"/>
-              <a:t> </a:t>
-            </a:r>
-            <a:r>
-              <a:rPr lang="en-US" dirty="0" err="1" smtClean="0"/>
-              <a:t>saja</a:t>
-            </a:r>
-            <a:r>
-              <a:rPr lang="en-US" dirty="0" smtClean="0"/>
-              <a:t>.</a:t>
-            </a:r>
-          </a:p>
-          <a:p>
-            <a:r>
-              <a:rPr lang="en-US" dirty="0" err="1" smtClean="0"/>
-              <a:t>Sangat</a:t>
-            </a:r>
-            <a:r>
-              <a:rPr lang="en-US" dirty="0" smtClean="0"/>
-              <a:t> </a:t>
-            </a:r>
-            <a:r>
-              <a:rPr lang="en-US" dirty="0" err="1" smtClean="0"/>
-              <a:t>elastis</a:t>
-            </a:r>
-            <a:r>
-              <a:rPr lang="en-US" dirty="0" smtClean="0"/>
-              <a:t> </a:t>
-            </a:r>
-            <a:r>
-              <a:rPr lang="en-US" dirty="0" err="1" smtClean="0"/>
-              <a:t>dan</a:t>
-            </a:r>
-            <a:r>
-              <a:rPr lang="en-US" dirty="0" smtClean="0"/>
-              <a:t> </a:t>
-            </a:r>
-            <a:r>
-              <a:rPr lang="en-US" dirty="0" err="1" smtClean="0"/>
-              <a:t>dapat</a:t>
-            </a:r>
-            <a:r>
-              <a:rPr lang="en-US" dirty="0" smtClean="0"/>
-              <a:t> </a:t>
-            </a:r>
-            <a:r>
-              <a:rPr lang="en-US" dirty="0" err="1" smtClean="0"/>
-              <a:t>menghitung</a:t>
-            </a:r>
-            <a:r>
-              <a:rPr lang="en-US" dirty="0" smtClean="0"/>
-              <a:t> resource yang </a:t>
-            </a:r>
-            <a:r>
-              <a:rPr lang="en-US" dirty="0" err="1" smtClean="0"/>
-              <a:t>digunakan</a:t>
-            </a:r>
-            <a:r>
-              <a:rPr lang="en-US" dirty="0" smtClean="0"/>
-              <a:t> </a:t>
-            </a:r>
-            <a:r>
-              <a:rPr lang="en-US" dirty="0" err="1" smtClean="0"/>
-              <a:t>aplikasi</a:t>
-            </a:r>
-            <a:r>
-              <a:rPr lang="en-US" dirty="0" smtClean="0"/>
-              <a:t>. </a:t>
-            </a:r>
-            <a:r>
-              <a:rPr lang="en-US" dirty="0" err="1" smtClean="0"/>
-              <a:t>Dengan</a:t>
-            </a:r>
-            <a:r>
-              <a:rPr lang="en-US" dirty="0" smtClean="0"/>
-              <a:t> </a:t>
-            </a:r>
-            <a:r>
-              <a:rPr lang="en-US" dirty="0" err="1" smtClean="0"/>
-              <a:t>begitu</a:t>
-            </a:r>
-            <a:r>
-              <a:rPr lang="en-US" dirty="0" smtClean="0"/>
-              <a:t> </a:t>
-            </a:r>
-            <a:r>
-              <a:rPr lang="en-US" dirty="0" err="1" smtClean="0"/>
-              <a:t>tidak</a:t>
-            </a:r>
-            <a:r>
-              <a:rPr lang="en-US" dirty="0" smtClean="0"/>
-              <a:t> </a:t>
-            </a:r>
-            <a:r>
-              <a:rPr lang="en-US" dirty="0" err="1" smtClean="0"/>
-              <a:t>ada</a:t>
-            </a:r>
-            <a:r>
-              <a:rPr lang="en-US" dirty="0" smtClean="0"/>
-              <a:t> resource yang </a:t>
-            </a:r>
-            <a:r>
-              <a:rPr lang="en-US" dirty="0" err="1" smtClean="0"/>
-              <a:t>terbuang</a:t>
-            </a:r>
-            <a:r>
-              <a:rPr lang="en-US" dirty="0" smtClean="0"/>
-              <a:t> pula.</a:t>
-            </a:r>
-          </a:p>
-          <a:p>
-            <a:pPr marL="0" indent="0">
-              <a:buNone/>
-            </a:pPr>
-            <a:r>
-              <a:rPr lang="en-US" dirty="0" err="1" smtClean="0"/>
-              <a:t>Kekurangan</a:t>
-            </a:r>
-            <a:r>
-              <a:rPr lang="en-US" dirty="0" smtClean="0"/>
-              <a:t> :</a:t>
-            </a:r>
-          </a:p>
-          <a:p>
-            <a:r>
-              <a:rPr lang="en-US" dirty="0" err="1" smtClean="0"/>
-              <a:t>Adanya</a:t>
-            </a:r>
-            <a:r>
-              <a:rPr lang="en-US" dirty="0" smtClean="0"/>
-              <a:t> </a:t>
-            </a:r>
-            <a:r>
-              <a:rPr lang="en-US" dirty="0" err="1" smtClean="0"/>
-              <a:t>batasan</a:t>
-            </a:r>
-            <a:r>
-              <a:rPr lang="en-US" dirty="0" smtClean="0"/>
-              <a:t> </a:t>
-            </a:r>
-            <a:r>
-              <a:rPr lang="en-US" dirty="0" err="1" smtClean="0"/>
-              <a:t>lingkungan</a:t>
-            </a:r>
-            <a:r>
-              <a:rPr lang="en-US" dirty="0" smtClean="0"/>
-              <a:t>, missal server </a:t>
-            </a:r>
-            <a:r>
-              <a:rPr lang="en-US" dirty="0" err="1" smtClean="0"/>
-              <a:t>hanya</a:t>
-            </a:r>
-            <a:r>
-              <a:rPr lang="en-US" dirty="0" smtClean="0"/>
-              <a:t> support </a:t>
-            </a:r>
-            <a:r>
-              <a:rPr lang="en-US" dirty="0" err="1" smtClean="0"/>
-              <a:t>beberapa</a:t>
-            </a:r>
-            <a:r>
-              <a:rPr lang="en-US" dirty="0" smtClean="0"/>
-              <a:t> </a:t>
-            </a:r>
-            <a:r>
-              <a:rPr lang="en-US" dirty="0" err="1" smtClean="0"/>
-              <a:t>bahasa</a:t>
-            </a:r>
-            <a:r>
-              <a:rPr lang="en-US" dirty="0" smtClean="0"/>
-              <a:t> </a:t>
-            </a:r>
-            <a:r>
-              <a:rPr lang="en-US" dirty="0" err="1" smtClean="0"/>
-              <a:t>saja</a:t>
-            </a:r>
-            <a:r>
-              <a:rPr lang="en-US" dirty="0" smtClean="0"/>
-              <a:t>.</a:t>
-            </a:r>
-            <a:endParaRPr lang="en-US" dirty="0"/>
-          </a:p>
-        </p:txBody>
-      </p:sp>
-    </p:spTree>
-    <p:extLst>
-      <p:ext uri="{BB962C8B-B14F-4D97-AF65-F5344CB8AC3E}">
-        <p14:creationId xmlns:p14="http://schemas.microsoft.com/office/powerpoint/2010/main" val="1510101403"/>
-      </p:ext>
-    </p:extLst>
-  </p:cSld>
-  <p:clrMapOvr>
-    <a:masterClrMapping/>
-  </p:clrMapOvr>
-</p:sld>
-</file>
-
-<file path=ppt/slides/slide22.xml><?xml version="1.0" encoding="utf-8"?>
-<p:sld xmlns:a="http://schemas.openxmlformats.org/drawingml/2006/main" xmlns:r="http://schemas.openxmlformats.org/officeDocument/2006/relationships" xmlns:p="http://schemas.openxmlformats.org/presentationml/2006/main">
-  <p:cSld>
-    <p:spTree>
-      <p:nvGrpSpPr>
-        <p:cNvPr id="1" name=""/>
-        <p:cNvGrpSpPr/>
-        <p:nvPr/>
-      </p:nvGrpSpPr>
-      <p:grpSpPr>
-        <a:xfrm>
-          <a:off x="0" y="0"/>
-          <a:ext cx="0" cy="0"/>
-          <a:chOff x="0" y="0"/>
-          <a:chExt cx="0" cy="0"/>
-        </a:xfrm>
-      </p:grpSpPr>
-      <p:sp>
-        <p:nvSpPr>
-          <p:cNvPr id="2" name="Title 1"/>
-          <p:cNvSpPr>
-            <a:spLocks noGrp="1"/>
-          </p:cNvSpPr>
-          <p:nvPr>
-            <p:ph type="title"/>
-          </p:nvPr>
-        </p:nvSpPr>
-        <p:spPr/>
-        <p:txBody>
-          <a:bodyPr/>
-          <a:lstStyle/>
-          <a:p>
-            <a:r>
-              <a:rPr lang="en-US" dirty="0" err="1" smtClean="0"/>
-              <a:t>Komunikasi</a:t>
-            </a:r>
-            <a:r>
-              <a:rPr lang="en-US" dirty="0" smtClean="0"/>
-              <a:t> </a:t>
-            </a:r>
-            <a:r>
-              <a:rPr lang="en-US" dirty="0" err="1" smtClean="0"/>
-              <a:t>antar</a:t>
-            </a:r>
-            <a:r>
-              <a:rPr lang="en-US" dirty="0" smtClean="0"/>
-              <a:t> service</a:t>
-            </a:r>
-            <a:endParaRPr lang="en-US" dirty="0"/>
-          </a:p>
-        </p:txBody>
-      </p:sp>
-      <p:sp>
-        <p:nvSpPr>
-          <p:cNvPr id="3" name="Content Placeholder 2"/>
-          <p:cNvSpPr>
-            <a:spLocks noGrp="1"/>
-          </p:cNvSpPr>
-          <p:nvPr>
-            <p:ph idx="1"/>
-          </p:nvPr>
-        </p:nvSpPr>
-        <p:spPr/>
-        <p:txBody>
-          <a:bodyPr/>
-          <a:lstStyle/>
-          <a:p>
-            <a:pPr marL="0" indent="0">
-              <a:buNone/>
-            </a:pPr>
-            <a:r>
               <a:rPr lang="en-US" dirty="0"/>
               <a:t>Representational State Transfer (REST</a:t>
             </a:r>
@@ -23182,7 +24242,7 @@
 </p:sld>
 </file>
 
-<file path=ppt/slides/slide23.xml><?xml version="1.0" encoding="utf-8"?>
+<file path=ppt/slides/slide22.xml><?xml version="1.0" encoding="utf-8"?>
 <p:sld xmlns:a="http://schemas.openxmlformats.org/drawingml/2006/main" xmlns:r="http://schemas.openxmlformats.org/officeDocument/2006/relationships" xmlns:p="http://schemas.openxmlformats.org/presentationml/2006/main">
   <p:cSld>
     <p:spTree>
@@ -23271,6 +24331,222 @@
 </p:sld>
 </file>
 
+<file path=ppt/slides/slide23.xml><?xml version="1.0" encoding="utf-8"?>
+<p:sld xmlns:a="http://schemas.openxmlformats.org/drawingml/2006/main" xmlns:r="http://schemas.openxmlformats.org/officeDocument/2006/relationships" xmlns:p="http://schemas.openxmlformats.org/presentationml/2006/main">
+  <p:cSld>
+    <p:spTree>
+      <p:nvGrpSpPr>
+        <p:cNvPr id="1" name=""/>
+        <p:cNvGrpSpPr/>
+        <p:nvPr/>
+      </p:nvGrpSpPr>
+      <p:grpSpPr>
+        <a:xfrm>
+          <a:off x="0" y="0"/>
+          <a:ext cx="0" cy="0"/>
+          <a:chOff x="0" y="0"/>
+          <a:chExt cx="0" cy="0"/>
+        </a:xfrm>
+      </p:grpSpPr>
+      <p:sp>
+        <p:nvSpPr>
+          <p:cNvPr id="2" name="Title 1"/>
+          <p:cNvSpPr>
+            <a:spLocks noGrp="1"/>
+          </p:cNvSpPr>
+          <p:nvPr>
+            <p:ph type="title"/>
+          </p:nvPr>
+        </p:nvSpPr>
+        <p:spPr/>
+        <p:txBody>
+          <a:bodyPr/>
+          <a:lstStyle/>
+          <a:p>
+            <a:r>
+              <a:rPr lang="en-US" dirty="0" err="1" smtClean="0"/>
+              <a:t>Pengujian</a:t>
+            </a:r>
+            <a:endParaRPr lang="en-US" dirty="0"/>
+          </a:p>
+        </p:txBody>
+      </p:sp>
+      <p:sp>
+        <p:nvSpPr>
+          <p:cNvPr id="3" name="Content Placeholder 2"/>
+          <p:cNvSpPr>
+            <a:spLocks noGrp="1"/>
+          </p:cNvSpPr>
+          <p:nvPr>
+            <p:ph idx="1"/>
+          </p:nvPr>
+        </p:nvSpPr>
+        <p:spPr/>
+        <p:txBody>
+          <a:bodyPr/>
+          <a:lstStyle/>
+          <a:p>
+            <a:pPr marL="0" indent="0">
+              <a:buNone/>
+            </a:pPr>
+            <a:r>
+              <a:rPr lang="en-US" dirty="0" err="1" smtClean="0"/>
+              <a:t>Uji</a:t>
+            </a:r>
+            <a:r>
+              <a:rPr lang="en-US" dirty="0" smtClean="0"/>
+              <a:t> banding </a:t>
+            </a:r>
+            <a:r>
+              <a:rPr lang="en-US" dirty="0" err="1" smtClean="0"/>
+              <a:t>performa</a:t>
+            </a:r>
+            <a:r>
+              <a:rPr lang="en-US" dirty="0" smtClean="0"/>
+              <a:t> </a:t>
+            </a:r>
+            <a:r>
+              <a:rPr lang="en-US" dirty="0" err="1" smtClean="0"/>
+              <a:t>dilakukan</a:t>
+            </a:r>
+            <a:r>
+              <a:rPr lang="en-US" dirty="0" smtClean="0"/>
+              <a:t> </a:t>
+            </a:r>
+            <a:r>
+              <a:rPr lang="en-US" dirty="0" err="1" smtClean="0"/>
+              <a:t>untuk</a:t>
+            </a:r>
+            <a:r>
+              <a:rPr lang="en-US" dirty="0" smtClean="0"/>
+              <a:t> 5 </a:t>
+            </a:r>
+            <a:r>
+              <a:rPr lang="en-US" dirty="0" err="1" smtClean="0"/>
+              <a:t>aspek</a:t>
+            </a:r>
+            <a:r>
+              <a:rPr lang="en-US" dirty="0" smtClean="0"/>
+              <a:t> </a:t>
+            </a:r>
+            <a:r>
+              <a:rPr lang="en-US" dirty="0" err="1" smtClean="0"/>
+              <a:t>dalam</a:t>
+            </a:r>
+            <a:r>
+              <a:rPr lang="en-US" dirty="0" smtClean="0"/>
+              <a:t> </a:t>
+            </a:r>
+            <a:r>
+              <a:rPr lang="en-US" dirty="0" err="1" smtClean="0"/>
+              <a:t>menilai</a:t>
+            </a:r>
+            <a:r>
+              <a:rPr lang="en-US" dirty="0" smtClean="0"/>
+              <a:t> </a:t>
+            </a:r>
+            <a:r>
+              <a:rPr lang="en-US" dirty="0" err="1" smtClean="0"/>
+              <a:t>sebuah</a:t>
+            </a:r>
+            <a:r>
+              <a:rPr lang="en-US" dirty="0" smtClean="0"/>
+              <a:t> software :</a:t>
+            </a:r>
+          </a:p>
+          <a:p>
+            <a:pPr marL="457200" indent="-457200">
+              <a:buFont typeface="+mj-lt"/>
+              <a:buAutoNum type="arabicPeriod"/>
+            </a:pPr>
+            <a:r>
+              <a:rPr lang="en-US" dirty="0" err="1" smtClean="0"/>
+              <a:t>Deployability</a:t>
+            </a:r>
+            <a:endParaRPr lang="en-US" dirty="0" smtClean="0"/>
+          </a:p>
+          <a:p>
+            <a:pPr marL="457200" indent="-457200">
+              <a:buFont typeface="+mj-lt"/>
+              <a:buAutoNum type="arabicPeriod"/>
+            </a:pPr>
+            <a:r>
+              <a:rPr lang="en-US" dirty="0" smtClean="0"/>
+              <a:t>Reliability</a:t>
+            </a:r>
+          </a:p>
+          <a:p>
+            <a:pPr marL="457200" indent="-457200">
+              <a:buFont typeface="+mj-lt"/>
+              <a:buAutoNum type="arabicPeriod"/>
+            </a:pPr>
+            <a:r>
+              <a:rPr lang="en-US" dirty="0" smtClean="0"/>
+              <a:t>Availability</a:t>
+            </a:r>
+          </a:p>
+          <a:p>
+            <a:pPr marL="457200" indent="-457200">
+              <a:buFont typeface="+mj-lt"/>
+              <a:buAutoNum type="arabicPeriod"/>
+            </a:pPr>
+            <a:r>
+              <a:rPr lang="en-US" dirty="0" err="1" smtClean="0"/>
+              <a:t>Scalibility</a:t>
+            </a:r>
+            <a:endParaRPr lang="en-US" dirty="0" smtClean="0"/>
+          </a:p>
+          <a:p>
+            <a:pPr marL="457200" indent="-457200">
+              <a:buFont typeface="+mj-lt"/>
+              <a:buAutoNum type="arabicPeriod"/>
+            </a:pPr>
+            <a:r>
+              <a:rPr lang="en-US" dirty="0" err="1" smtClean="0"/>
+              <a:t>Modifability</a:t>
+            </a:r>
+            <a:endParaRPr lang="en-US" dirty="0" smtClean="0"/>
+          </a:p>
+          <a:p>
+            <a:pPr marL="457200" indent="-457200">
+              <a:buFont typeface="+mj-lt"/>
+              <a:buAutoNum type="arabicPeriod"/>
+            </a:pPr>
+            <a:endParaRPr lang="en-US" dirty="0" smtClean="0"/>
+          </a:p>
+          <a:p>
+            <a:pPr marL="0" indent="0">
+              <a:buNone/>
+            </a:pPr>
+            <a:r>
+              <a:rPr lang="en-US" dirty="0" err="1"/>
+              <a:t>Faktor</a:t>
+            </a:r>
+            <a:r>
+              <a:rPr lang="en-US" dirty="0"/>
+              <a:t> -&gt; Test Plan -&gt; Test Result -&gt; Traceability </a:t>
+            </a:r>
+            <a:r>
+              <a:rPr lang="en-US" dirty="0" smtClean="0"/>
+              <a:t>Matrix</a:t>
+            </a:r>
+            <a:endParaRPr lang="en-US" dirty="0"/>
+          </a:p>
+        </p:txBody>
+      </p:sp>
+    </p:spTree>
+    <p:extLst>
+      <p:ext uri="{BB962C8B-B14F-4D97-AF65-F5344CB8AC3E}">
+        <p14:creationId xmlns:p14="http://schemas.microsoft.com/office/powerpoint/2010/main" val="3675099920"/>
+      </p:ext>
+    </p:extLst>
+  </p:cSld>
+  <p:clrMapOvr>
+    <a:masterClrMapping/>
+  </p:clrMapOvr>
+</p:sld>
+</file>
+
 <file path=ppt/slides/slide24.xml><?xml version="1.0" encoding="utf-8"?>
 <p:sld xmlns:a="http://schemas.openxmlformats.org/drawingml/2006/main" xmlns:r="http://schemas.openxmlformats.org/officeDocument/2006/relationships" xmlns:p="http://schemas.openxmlformats.org/presentationml/2006/main">
   <p:cSld>
@@ -23304,8 +24580,28 @@
           <a:lstStyle/>
           <a:p>
             <a:r>
-              <a:rPr lang="en-US" dirty="0" err="1" smtClean="0"/>
-              <a:t>Pengujian</a:t>
+              <a:rPr lang="en-US" dirty="0" smtClean="0"/>
+              <a:t>3. </a:t>
+            </a:r>
+            <a:r>
+              <a:rPr lang="en-US" dirty="0" err="1" smtClean="0"/>
+              <a:t>Analisa</a:t>
+            </a:r>
+            <a:r>
+              <a:rPr lang="en-US" dirty="0" smtClean="0"/>
+              <a:t> </a:t>
+            </a:r>
+            <a:r>
+              <a:rPr lang="en-US" dirty="0" err="1" smtClean="0"/>
+              <a:t>dan</a:t>
+            </a:r>
+            <a:r>
+              <a:rPr lang="en-US" dirty="0" smtClean="0"/>
+              <a:t> </a:t>
+            </a:r>
+            <a:r>
+              <a:rPr lang="en-US" dirty="0" err="1" smtClean="0"/>
+              <a:t>perancangan</a:t>
             </a:r>
             <a:endParaRPr lang="en-US" dirty="0"/>
           </a:p>
@@ -23326,158 +24622,14 @@
           <a:bodyPr/>
           <a:lstStyle/>
           <a:p>
-            <a:pPr marL="0" indent="0">
-              <a:buNone/>
-            </a:pPr>
-            <a:r>
-              <a:rPr lang="en-US" dirty="0" err="1" smtClean="0"/>
-              <a:t>Uji</a:t>
-            </a:r>
-            <a:r>
-              <a:rPr lang="en-US" dirty="0" smtClean="0"/>
-              <a:t> banding </a:t>
-            </a:r>
-            <a:r>
-              <a:rPr lang="en-US" dirty="0" err="1" smtClean="0"/>
-              <a:t>performa</a:t>
-            </a:r>
-            <a:r>
-              <a:rPr lang="en-US" dirty="0" smtClean="0"/>
-              <a:t> </a:t>
-            </a:r>
-            <a:r>
-              <a:rPr lang="en-US" dirty="0" err="1" smtClean="0"/>
-              <a:t>dilakukan</a:t>
-            </a:r>
-            <a:r>
-              <a:rPr lang="en-US" dirty="0" smtClean="0"/>
-              <a:t> </a:t>
-            </a:r>
-            <a:r>
-              <a:rPr lang="en-US" dirty="0" err="1" smtClean="0"/>
-              <a:t>untuk</a:t>
-            </a:r>
-            <a:r>
-              <a:rPr lang="en-US" dirty="0" smtClean="0"/>
-              <a:t> 5 </a:t>
-            </a:r>
-            <a:r>
-              <a:rPr lang="en-US" dirty="0" err="1" smtClean="0"/>
-              <a:t>aspek</a:t>
-            </a:r>
-            <a:r>
-              <a:rPr lang="en-US" dirty="0" smtClean="0"/>
-              <a:t> </a:t>
-            </a:r>
-            <a:r>
-              <a:rPr lang="en-US" dirty="0" err="1" smtClean="0"/>
-              <a:t>dalam</a:t>
-            </a:r>
-            <a:r>
-              <a:rPr lang="en-US" dirty="0" smtClean="0"/>
-              <a:t> </a:t>
-            </a:r>
-            <a:r>
-              <a:rPr lang="en-US" dirty="0" err="1" smtClean="0"/>
-              <a:t>menilai</a:t>
-            </a:r>
-            <a:r>
-              <a:rPr lang="en-US" dirty="0" smtClean="0"/>
-              <a:t> </a:t>
-            </a:r>
-            <a:r>
-              <a:rPr lang="en-US" dirty="0" err="1" smtClean="0"/>
-              <a:t>sebuah</a:t>
-            </a:r>
-            <a:r>
-              <a:rPr lang="en-US" dirty="0" smtClean="0"/>
-              <a:t> software :</a:t>
-            </a:r>
-          </a:p>
-          <a:p>
-            <a:pPr marL="457200" indent="-457200">
-              <a:buFont typeface="+mj-lt"/>
-              <a:buAutoNum type="arabicPeriod"/>
-            </a:pPr>
-            <a:r>
-              <a:rPr lang="en-US" dirty="0" err="1" smtClean="0"/>
-              <a:t>Deployability</a:t>
-            </a:r>
-            <a:endParaRPr lang="en-US" dirty="0" smtClean="0"/>
-          </a:p>
-          <a:p>
-            <a:pPr marL="457200" indent="-457200">
-              <a:buFont typeface="+mj-lt"/>
-              <a:buAutoNum type="arabicPeriod"/>
-            </a:pPr>
-            <a:r>
-              <a:rPr lang="en-US" dirty="0" smtClean="0"/>
-              <a:t>Reliability</a:t>
-            </a:r>
-          </a:p>
-          <a:p>
-            <a:pPr marL="457200" indent="-457200">
-              <a:buFont typeface="+mj-lt"/>
-              <a:buAutoNum type="arabicPeriod"/>
-            </a:pPr>
-            <a:r>
-              <a:rPr lang="en-US" dirty="0" smtClean="0"/>
-              <a:t>Availability</a:t>
-            </a:r>
-          </a:p>
-          <a:p>
-            <a:pPr marL="457200" indent="-457200">
-              <a:buFont typeface="+mj-lt"/>
-              <a:buAutoNum type="arabicPeriod"/>
-            </a:pPr>
-            <a:r>
-              <a:rPr lang="en-US" dirty="0" err="1" smtClean="0"/>
-              <a:t>Scalibility</a:t>
-            </a:r>
-            <a:endParaRPr lang="en-US" dirty="0" smtClean="0"/>
-          </a:p>
-          <a:p>
-            <a:pPr marL="457200" indent="-457200">
-              <a:buFont typeface="+mj-lt"/>
-              <a:buAutoNum type="arabicPeriod"/>
-            </a:pPr>
-            <a:r>
-              <a:rPr lang="en-US" dirty="0" err="1" smtClean="0"/>
-              <a:t>Modifability</a:t>
-            </a:r>
-            <a:endParaRPr lang="en-US" dirty="0" smtClean="0"/>
-          </a:p>
-          <a:p>
-            <a:pPr marL="457200" indent="-457200">
-              <a:buFont typeface="+mj-lt"/>
-              <a:buAutoNum type="arabicPeriod"/>
-            </a:pPr>
-            <a:endParaRPr lang="en-US" dirty="0" smtClean="0"/>
-          </a:p>
-          <a:p>
-            <a:pPr marL="0" indent="0">
-              <a:buNone/>
-            </a:pPr>
-            <a:r>
-              <a:rPr lang="en-US" dirty="0" err="1"/>
-              <a:t>Faktor</a:t>
-            </a:r>
-            <a:r>
-              <a:rPr lang="en-US" dirty="0"/>
-              <a:t> -&gt; Test Plan -&gt; Test Result -&gt; Traceability </a:t>
-            </a:r>
-            <a:r>
-              <a:rPr lang="en-US" dirty="0" smtClean="0"/>
-              <a:t>Matrix</a:t>
-            </a:r>
-            <a:endParaRPr lang="en-US" dirty="0"/>
+            <a:endParaRPr lang="en-US"/>
           </a:p>
         </p:txBody>
       </p:sp>
     </p:spTree>
     <p:extLst>
       <p:ext uri="{BB962C8B-B14F-4D97-AF65-F5344CB8AC3E}">
-        <p14:creationId xmlns:p14="http://schemas.microsoft.com/office/powerpoint/2010/main" val="3675099920"/>
+        <p14:creationId xmlns:p14="http://schemas.microsoft.com/office/powerpoint/2010/main" val="3551185533"/>
       </p:ext>
     </p:extLst>
   </p:cSld>
@@ -23520,98 +24672,6 @@
           <a:lstStyle/>
           <a:p>
             <a:r>
-              <a:rPr lang="en-US" dirty="0" smtClean="0"/>
-              <a:t>3. </a:t>
-            </a:r>
-            <a:r>
-              <a:rPr lang="en-US" dirty="0" err="1" smtClean="0"/>
-              <a:t>Analisa</a:t>
-            </a:r>
-            <a:r>
-              <a:rPr lang="en-US" dirty="0" smtClean="0"/>
-              <a:t> </a:t>
-            </a:r>
-            <a:r>
-              <a:rPr lang="en-US" dirty="0" err="1" smtClean="0"/>
-              <a:t>dan</a:t>
-            </a:r>
-            <a:r>
-              <a:rPr lang="en-US" dirty="0" smtClean="0"/>
-              <a:t> </a:t>
-            </a:r>
-            <a:r>
-              <a:rPr lang="en-US" dirty="0" err="1" smtClean="0"/>
-              <a:t>perancangan</a:t>
-            </a:r>
-            <a:endParaRPr lang="en-US" dirty="0"/>
-          </a:p>
-        </p:txBody>
-      </p:sp>
-      <p:sp>
-        <p:nvSpPr>
-          <p:cNvPr id="3" name="Content Placeholder 2"/>
-          <p:cNvSpPr>
-            <a:spLocks noGrp="1"/>
-          </p:cNvSpPr>
-          <p:nvPr>
-            <p:ph idx="1"/>
-          </p:nvPr>
-        </p:nvSpPr>
-        <p:spPr/>
-        <p:txBody>
-          <a:bodyPr/>
-          <a:lstStyle/>
-          <a:p>
-            <a:endParaRPr lang="en-US"/>
-          </a:p>
-        </p:txBody>
-      </p:sp>
-    </p:spTree>
-    <p:extLst>
-      <p:ext uri="{BB962C8B-B14F-4D97-AF65-F5344CB8AC3E}">
-        <p14:creationId xmlns:p14="http://schemas.microsoft.com/office/powerpoint/2010/main" val="3551185533"/>
-      </p:ext>
-    </p:extLst>
-  </p:cSld>
-  <p:clrMapOvr>
-    <a:masterClrMapping/>
-  </p:clrMapOvr>
-</p:sld>
-</file>
-
-<file path=ppt/slides/slide26.xml><?xml version="1.0" encoding="utf-8"?>
-<p:sld xmlns:a="http://schemas.openxmlformats.org/drawingml/2006/main" xmlns:r="http://schemas.openxmlformats.org/officeDocument/2006/relationships" xmlns:p="http://schemas.openxmlformats.org/presentationml/2006/main">
-  <p:cSld>
-    <p:spTree>
-      <p:nvGrpSpPr>
-        <p:cNvPr id="1" name=""/>
-        <p:cNvGrpSpPr/>
-        <p:nvPr/>
-      </p:nvGrpSpPr>
-      <p:grpSpPr>
-        <a:xfrm>
-          <a:off x="0" y="0"/>
-          <a:ext cx="0" cy="0"/>
-          <a:chOff x="0" y="0"/>
-          <a:chExt cx="0" cy="0"/>
-        </a:xfrm>
-      </p:grpSpPr>
-      <p:sp>
-        <p:nvSpPr>
-          <p:cNvPr id="2" name="Title 1"/>
-          <p:cNvSpPr>
-            <a:spLocks noGrp="1"/>
-          </p:cNvSpPr>
-          <p:nvPr>
-            <p:ph type="title"/>
-          </p:nvPr>
-        </p:nvSpPr>
-        <p:spPr/>
-        <p:txBody>
-          <a:bodyPr/>
-          <a:lstStyle/>
-          <a:p>
-            <a:r>
               <a:rPr lang="en-US" dirty="0" err="1" smtClean="0"/>
               <a:t>Analisa</a:t>
             </a:r>
@@ -23891,7 +24951,7 @@
 </p:sld>
 </file>
 
-<file path=ppt/slides/slide27.xml><?xml version="1.0" encoding="utf-8"?>
+<file path=ppt/slides/slide26.xml><?xml version="1.0" encoding="utf-8"?>
 <p:sld xmlns:a="http://schemas.openxmlformats.org/drawingml/2006/main" xmlns:r="http://schemas.openxmlformats.org/officeDocument/2006/relationships" xmlns:p="http://schemas.openxmlformats.org/presentationml/2006/main">
   <p:cSld>
     <p:spTree>
@@ -23984,7 +25044,7 @@
 </p:sld>
 </file>
 
-<file path=ppt/slides/slide28.xml><?xml version="1.0" encoding="utf-8"?>
+<file path=ppt/slides/slide27.xml><?xml version="1.0" encoding="utf-8"?>
 <p:sld xmlns:a="http://schemas.openxmlformats.org/drawingml/2006/main" xmlns:r="http://schemas.openxmlformats.org/officeDocument/2006/relationships" xmlns:p="http://schemas.openxmlformats.org/presentationml/2006/main">
   <p:cSld>
     <p:spTree>
@@ -24093,7 +25153,7 @@
 </p:sld>
 </file>
 
-<file path=ppt/slides/slide29.xml><?xml version="1.0" encoding="utf-8"?>
+<file path=ppt/slides/slide28.xml><?xml version="1.0" encoding="utf-8"?>
 <p:sld xmlns:a="http://schemas.openxmlformats.org/drawingml/2006/main" xmlns:r="http://schemas.openxmlformats.org/officeDocument/2006/relationships" xmlns:p="http://schemas.openxmlformats.org/presentationml/2006/main">
   <p:cSld>
     <p:spTree>
@@ -24202,6 +25262,210 @@
 </p:sld>
 </file>
 
+<file path=ppt/slides/slide29.xml><?xml version="1.0" encoding="utf-8"?>
+<p:sld xmlns:a="http://schemas.openxmlformats.org/drawingml/2006/main" xmlns:r="http://schemas.openxmlformats.org/officeDocument/2006/relationships" xmlns:p="http://schemas.openxmlformats.org/presentationml/2006/main">
+  <p:cSld>
+    <p:spTree>
+      <p:nvGrpSpPr>
+        <p:cNvPr id="1" name=""/>
+        <p:cNvGrpSpPr/>
+        <p:nvPr/>
+      </p:nvGrpSpPr>
+      <p:grpSpPr>
+        <a:xfrm>
+          <a:off x="0" y="0"/>
+          <a:ext cx="0" cy="0"/>
+          <a:chOff x="0" y="0"/>
+          <a:chExt cx="0" cy="0"/>
+        </a:xfrm>
+      </p:grpSpPr>
+      <p:sp>
+        <p:nvSpPr>
+          <p:cNvPr id="2" name="Title 1"/>
+          <p:cNvSpPr>
+            <a:spLocks noGrp="1"/>
+          </p:cNvSpPr>
+          <p:nvPr>
+            <p:ph type="title"/>
+          </p:nvPr>
+        </p:nvSpPr>
+        <p:spPr/>
+        <p:txBody>
+          <a:bodyPr/>
+          <a:lstStyle/>
+          <a:p>
+            <a:r>
+              <a:rPr lang="en-US" dirty="0" err="1" smtClean="0"/>
+              <a:t>Identifikasi</a:t>
+            </a:r>
+            <a:r>
+              <a:rPr lang="en-US" dirty="0" smtClean="0"/>
+              <a:t> </a:t>
+            </a:r>
+            <a:r>
+              <a:rPr lang="en-US" dirty="0" err="1" smtClean="0"/>
+              <a:t>teknologi</a:t>
+            </a:r>
+            <a:r>
+              <a:rPr lang="en-US" dirty="0" smtClean="0"/>
+              <a:t> software </a:t>
+            </a:r>
+            <a:r>
+              <a:rPr lang="en-US" dirty="0" err="1" smtClean="0"/>
+              <a:t>apertura</a:t>
+            </a:r>
+            <a:endParaRPr lang="en-US" dirty="0"/>
+          </a:p>
+        </p:txBody>
+      </p:sp>
+      <p:sp>
+        <p:nvSpPr>
+          <p:cNvPr id="3" name="Content Placeholder 2"/>
+          <p:cNvSpPr>
+            <a:spLocks noGrp="1"/>
+          </p:cNvSpPr>
+          <p:nvPr>
+            <p:ph idx="1"/>
+          </p:nvPr>
+        </p:nvSpPr>
+        <p:spPr/>
+        <p:txBody>
+          <a:bodyPr/>
+          <a:lstStyle/>
+          <a:p>
+            <a:pPr marL="457200" indent="-457200">
+              <a:buFont typeface="+mj-lt"/>
+              <a:buAutoNum type="arabicPeriod"/>
+            </a:pPr>
+            <a:r>
+              <a:rPr lang="en-US" dirty="0" err="1" smtClean="0"/>
+              <a:t>Tersentralisasi</a:t>
+            </a:r>
+            <a:r>
+              <a:rPr lang="en-US" dirty="0" smtClean="0"/>
+              <a:t> </a:t>
+            </a:r>
+            <a:r>
+              <a:rPr lang="en-US" dirty="0" err="1" smtClean="0"/>
+              <a:t>dalam</a:t>
+            </a:r>
+            <a:r>
+              <a:rPr lang="en-US" dirty="0" smtClean="0"/>
+              <a:t> 1 </a:t>
+            </a:r>
+            <a:r>
+              <a:rPr lang="en-US" dirty="0" err="1" smtClean="0"/>
+              <a:t>buah</a:t>
+            </a:r>
+            <a:r>
+              <a:rPr lang="en-US" dirty="0" smtClean="0"/>
+              <a:t> server</a:t>
+            </a:r>
+          </a:p>
+          <a:p>
+            <a:pPr marL="457200" indent="-457200">
+              <a:buFont typeface="+mj-lt"/>
+              <a:buAutoNum type="arabicPeriod"/>
+            </a:pPr>
+            <a:r>
+              <a:rPr lang="en-US" dirty="0" err="1" smtClean="0"/>
+              <a:t>Memiliki</a:t>
+            </a:r>
+            <a:r>
+              <a:rPr lang="en-US" dirty="0" smtClean="0"/>
+              <a:t> </a:t>
+            </a:r>
+            <a:r>
+              <a:rPr lang="en-US" dirty="0" err="1" smtClean="0"/>
+              <a:t>kurang</a:t>
+            </a:r>
+            <a:r>
+              <a:rPr lang="en-US" dirty="0" smtClean="0"/>
+              <a:t> </a:t>
+            </a:r>
+            <a:r>
+              <a:rPr lang="en-US" dirty="0" err="1" smtClean="0"/>
+              <a:t>lebih</a:t>
+            </a:r>
+            <a:r>
+              <a:rPr lang="en-US" dirty="0" smtClean="0"/>
+              <a:t> 120 table </a:t>
+            </a:r>
+            <a:r>
+              <a:rPr lang="en-US" dirty="0" err="1" smtClean="0"/>
+              <a:t>dalam</a:t>
+            </a:r>
+            <a:r>
+              <a:rPr lang="en-US" dirty="0" smtClean="0"/>
+              <a:t> 1 </a:t>
+            </a:r>
+            <a:r>
+              <a:rPr lang="en-US" dirty="0" err="1" smtClean="0"/>
+              <a:t>buah</a:t>
+            </a:r>
+            <a:r>
+              <a:rPr lang="en-US" dirty="0" smtClean="0"/>
+              <a:t> database (PostgreSQL)</a:t>
+            </a:r>
+          </a:p>
+          <a:p>
+            <a:pPr marL="457200" indent="-457200">
+              <a:buFont typeface="+mj-lt"/>
+              <a:buAutoNum type="arabicPeriod"/>
+            </a:pPr>
+            <a:r>
+              <a:rPr lang="en-US" dirty="0" err="1" smtClean="0"/>
+              <a:t>Dikembangkan</a:t>
+            </a:r>
+            <a:r>
+              <a:rPr lang="en-US" dirty="0" smtClean="0"/>
+              <a:t> </a:t>
+            </a:r>
+            <a:r>
+              <a:rPr lang="en-US" dirty="0" err="1" smtClean="0"/>
+              <a:t>hanya</a:t>
+            </a:r>
+            <a:r>
+              <a:rPr lang="en-US" dirty="0" smtClean="0"/>
+              <a:t> </a:t>
+            </a:r>
+            <a:r>
+              <a:rPr lang="en-US" dirty="0" err="1" smtClean="0"/>
+              <a:t>dalam</a:t>
+            </a:r>
+            <a:r>
+              <a:rPr lang="en-US" dirty="0" smtClean="0"/>
+              <a:t> </a:t>
+            </a:r>
+            <a:r>
+              <a:rPr lang="en-US" dirty="0" err="1" smtClean="0"/>
+              <a:t>bentuk</a:t>
+            </a:r>
+            <a:r>
+              <a:rPr lang="en-US" dirty="0" smtClean="0"/>
+              <a:t> </a:t>
+            </a:r>
+            <a:r>
+              <a:rPr lang="en-US" i="1" dirty="0" smtClean="0"/>
+              <a:t>desktop.</a:t>
+            </a:r>
+            <a:endParaRPr lang="en-US" dirty="0"/>
+          </a:p>
+        </p:txBody>
+      </p:sp>
+    </p:spTree>
+    <p:extLst>
+      <p:ext uri="{BB962C8B-B14F-4D97-AF65-F5344CB8AC3E}">
+        <p14:creationId xmlns:p14="http://schemas.microsoft.com/office/powerpoint/2010/main" val="2816860820"/>
+      </p:ext>
+    </p:extLst>
+  </p:cSld>
+  <p:clrMapOvr>
+    <a:masterClrMapping/>
+  </p:clrMapOvr>
+</p:sld>
+</file>
+
 <file path=ppt/slides/slide3.xml><?xml version="1.0" encoding="utf-8"?>
 <p:sld xmlns:a="http://schemas.openxmlformats.org/drawingml/2006/main" xmlns:r="http://schemas.openxmlformats.org/officeDocument/2006/relationships" xmlns:p="http://schemas.openxmlformats.org/presentationml/2006/main">
   <p:cSld>
@@ -24236,15 +25500,7 @@
           <a:p>
             <a:r>
               <a:rPr lang="en-US" dirty="0" err="1" smtClean="0"/>
-              <a:t>Latar</a:t>
-            </a:r>
-            <a:r>
-              <a:rPr lang="en-US" dirty="0" smtClean="0"/>
-              <a:t> </a:t>
-            </a:r>
-            <a:r>
-              <a:rPr lang="en-US" dirty="0" err="1" smtClean="0"/>
-              <a:t>Belakang</a:t>
+              <a:t>Pendahuluan</a:t>
             </a:r>
             <a:endParaRPr lang="en-US" dirty="0"/>
           </a:p>
@@ -24252,12 +25508,12 @@
       </p:sp>
       <p:sp>
         <p:nvSpPr>
-          <p:cNvPr id="3" name="Content Placeholder 2"/>
+          <p:cNvPr id="6" name="Text Placeholder 5"/>
           <p:cNvSpPr>
             <a:spLocks noGrp="1"/>
           </p:cNvSpPr>
           <p:nvPr>
-            <p:ph idx="1"/>
+            <p:ph type="body" idx="1"/>
           </p:nvPr>
         </p:nvSpPr>
         <p:spPr/>
@@ -24267,39 +25523,56 @@
           <a:p>
             <a:r>
               <a:rPr lang="en-US" dirty="0" err="1" smtClean="0"/>
-              <a:t>Mulai</a:t>
-            </a:r>
-            <a:r>
-              <a:rPr lang="en-US" dirty="0" smtClean="0"/>
-              <a:t> </a:t>
-            </a:r>
-            <a:r>
-              <a:rPr lang="en-US" dirty="0" err="1" smtClean="0"/>
-              <a:t>dirasakan</a:t>
-            </a:r>
-            <a:r>
-              <a:rPr lang="en-US" dirty="0" smtClean="0"/>
-              <a:t> </a:t>
-            </a:r>
-            <a:r>
-              <a:rPr lang="en-US" dirty="0" err="1" smtClean="0"/>
-              <a:t>titik</a:t>
-            </a:r>
-            <a:r>
-              <a:rPr lang="en-US" dirty="0" smtClean="0"/>
-              <a:t> </a:t>
-            </a:r>
-            <a:r>
-              <a:rPr lang="en-US" dirty="0" err="1" smtClean="0"/>
-              <a:t>lemah</a:t>
-            </a:r>
-            <a:r>
-              <a:rPr lang="en-US" dirty="0" smtClean="0"/>
-              <a:t> </a:t>
-            </a:r>
-            <a:r>
-              <a:rPr lang="en-US" dirty="0" err="1" smtClean="0"/>
-              <a:t>dari</a:t>
+              <a:t>Rumusan</a:t>
+            </a:r>
+            <a:r>
+              <a:rPr lang="en-US" dirty="0" smtClean="0"/>
+              <a:t> </a:t>
+            </a:r>
+            <a:r>
+              <a:rPr lang="en-US" dirty="0" err="1" smtClean="0"/>
+              <a:t>Masalah</a:t>
+            </a:r>
+            <a:endParaRPr lang="en-US" dirty="0"/>
+          </a:p>
+        </p:txBody>
+      </p:sp>
+      <p:sp>
+        <p:nvSpPr>
+          <p:cNvPr id="7" name="Content Placeholder 6"/>
+          <p:cNvSpPr>
+            <a:spLocks noGrp="1"/>
+          </p:cNvSpPr>
+          <p:nvPr>
+            <p:ph sz="half" idx="2"/>
+          </p:nvPr>
+        </p:nvSpPr>
+        <p:spPr/>
+        <p:txBody>
+          <a:bodyPr>
+            <a:normAutofit lnSpcReduction="10000"/>
+          </a:bodyPr>
+          <a:lstStyle/>
+          <a:p>
+            <a:pPr>
+              <a:buFont typeface="Arial" panose="020B0604020202020204" pitchFamily="34" charset="0"/>
+              <a:buChar char="•"/>
+            </a:pPr>
+            <a:r>
+              <a:rPr lang="en-US" dirty="0" smtClean="0"/>
+              <a:t> </a:t>
+            </a:r>
+            <a:r>
+              <a:rPr lang="en-US" dirty="0" err="1" smtClean="0"/>
+              <a:t>Bagaimana</a:t>
+            </a:r>
+            <a:r>
+              <a:rPr lang="en-US" dirty="0" smtClean="0"/>
+              <a:t> </a:t>
+            </a:r>
+            <a:r>
+              <a:rPr lang="en-US" dirty="0" err="1" smtClean="0"/>
+              <a:t>mendesain</a:t>
             </a:r>
             <a:r>
               <a:rPr lang="en-US" dirty="0" smtClean="0"/>
@@ -24315,135 +25588,624 @@
             </a:r>
             <a:r>
               <a:rPr lang="en-US" dirty="0" err="1" smtClean="0"/>
-              <a:t>konvensional</a:t>
-            </a:r>
-            <a:r>
-              <a:rPr lang="en-US" dirty="0" smtClean="0"/>
-              <a:t> (</a:t>
-            </a:r>
-            <a:r>
-              <a:rPr lang="en-US" dirty="0" err="1" smtClean="0"/>
-              <a:t>monolitik</a:t>
-            </a:r>
-            <a:r>
-              <a:rPr lang="en-US" dirty="0" smtClean="0"/>
-              <a:t>)</a:t>
-            </a:r>
-          </a:p>
-          <a:p>
-            <a:r>
-              <a:rPr lang="en-US" dirty="0" smtClean="0"/>
-              <a:t>-</a:t>
-            </a:r>
-            <a:r>
-              <a:rPr lang="en-US" dirty="0" err="1" smtClean="0"/>
-              <a:t>Tidak</a:t>
-            </a:r>
-            <a:r>
-              <a:rPr lang="en-US" dirty="0" smtClean="0"/>
-              <a:t> </a:t>
-            </a:r>
-            <a:r>
-              <a:rPr lang="en-US" dirty="0" err="1" smtClean="0"/>
-              <a:t>efisien</a:t>
+              <a:t>microservice</a:t>
+            </a:r>
+            <a:r>
+              <a:rPr lang="en-US" dirty="0" smtClean="0"/>
+              <a:t> yang paling </a:t>
+            </a:r>
+            <a:r>
+              <a:rPr lang="en-US" dirty="0" err="1" smtClean="0"/>
+              <a:t>tepat</a:t>
+            </a:r>
+            <a:r>
+              <a:rPr lang="en-US" dirty="0" smtClean="0"/>
+              <a:t>/</a:t>
+            </a:r>
+            <a:r>
+              <a:rPr lang="en-US" dirty="0" err="1" smtClean="0"/>
+              <a:t>sesuai</a:t>
+            </a:r>
+            <a:r>
+              <a:rPr lang="en-US" dirty="0" smtClean="0"/>
+              <a:t> </a:t>
+            </a:r>
+            <a:r>
+              <a:rPr lang="en-US" dirty="0" err="1" smtClean="0"/>
+              <a:t>untuk</a:t>
+            </a:r>
+            <a:r>
+              <a:rPr lang="en-US" dirty="0" smtClean="0"/>
+              <a:t> </a:t>
+            </a:r>
+            <a:r>
+              <a:rPr lang="en-US" dirty="0" err="1" smtClean="0"/>
+              <a:t>aplikasi</a:t>
+            </a:r>
+            <a:r>
+              <a:rPr lang="en-US" dirty="0" smtClean="0"/>
+              <a:t> </a:t>
+            </a:r>
+            <a:r>
+              <a:rPr lang="en-US" dirty="0" err="1" smtClean="0"/>
+              <a:t>perangkat</a:t>
+            </a:r>
+            <a:r>
+              <a:rPr lang="en-US" dirty="0" smtClean="0"/>
+              <a:t> </a:t>
+            </a:r>
+            <a:r>
+              <a:rPr lang="en-US" dirty="0" err="1" smtClean="0"/>
+              <a:t>lunak</a:t>
+            </a:r>
+            <a:r>
+              <a:rPr lang="en-US" dirty="0" smtClean="0"/>
+              <a:t> </a:t>
+            </a:r>
+            <a:r>
+              <a:rPr lang="en-US" dirty="0" err="1" smtClean="0"/>
+              <a:t>Apertura</a:t>
             </a:r>
             <a:endParaRPr lang="en-US" dirty="0" smtClean="0"/>
           </a:p>
           <a:p>
-            <a:r>
-              <a:rPr lang="en-US" dirty="0" smtClean="0"/>
-              <a:t>-</a:t>
-            </a:r>
-            <a:r>
-              <a:rPr lang="en-US" dirty="0" err="1" smtClean="0"/>
-              <a:t>Tidak</a:t>
-            </a:r>
-            <a:r>
-              <a:rPr lang="en-US" dirty="0" smtClean="0"/>
-              <a:t> </a:t>
-            </a:r>
-            <a:r>
-              <a:rPr lang="en-US" i="1" dirty="0" smtClean="0"/>
-              <a:t>agile</a:t>
-            </a:r>
+            <a:pPr>
+              <a:buFont typeface="Arial" panose="020B0604020202020204" pitchFamily="34" charset="0"/>
+              <a:buChar char="•"/>
+            </a:pPr>
+            <a:r>
+              <a:rPr lang="en-US" dirty="0" smtClean="0"/>
+              <a:t> </a:t>
+            </a:r>
+            <a:r>
+              <a:rPr lang="en-US" dirty="0" err="1" smtClean="0"/>
+              <a:t>Bagaimana</a:t>
+            </a:r>
+            <a:r>
+              <a:rPr lang="en-US" dirty="0" smtClean="0"/>
+              <a:t> </a:t>
+            </a:r>
+            <a:r>
+              <a:rPr lang="en-US" dirty="0" err="1" smtClean="0"/>
+              <a:t>melakukan</a:t>
+            </a:r>
+            <a:r>
+              <a:rPr lang="en-US" dirty="0" smtClean="0"/>
+              <a:t> </a:t>
+            </a:r>
+            <a:r>
+              <a:rPr lang="en-US" dirty="0" err="1" smtClean="0"/>
+              <a:t>migrasi</a:t>
+            </a:r>
+            <a:r>
+              <a:rPr lang="en-US" dirty="0" smtClean="0"/>
+              <a:t> </a:t>
+            </a:r>
+            <a:r>
+              <a:rPr lang="en-US" dirty="0" err="1" smtClean="0"/>
+              <a:t>dari</a:t>
+            </a:r>
+            <a:r>
+              <a:rPr lang="en-US" dirty="0" smtClean="0"/>
+              <a:t> model </a:t>
+            </a:r>
+            <a:r>
+              <a:rPr lang="en-US" dirty="0" err="1" smtClean="0"/>
+              <a:t>arsitektur</a:t>
+            </a:r>
+            <a:r>
+              <a:rPr lang="en-US" dirty="0" smtClean="0"/>
+              <a:t> </a:t>
+            </a:r>
+            <a:r>
+              <a:rPr lang="en-US" dirty="0" err="1" smtClean="0"/>
+              <a:t>monolitik</a:t>
+            </a:r>
+            <a:r>
+              <a:rPr lang="en-US" dirty="0" smtClean="0"/>
+              <a:t> </a:t>
+            </a:r>
+            <a:r>
+              <a:rPr lang="en-US" dirty="0" err="1" smtClean="0"/>
+              <a:t>menjadi</a:t>
+            </a:r>
+            <a:r>
+              <a:rPr lang="en-US" dirty="0" smtClean="0"/>
+              <a:t> </a:t>
+            </a:r>
+            <a:r>
+              <a:rPr lang="en-US" dirty="0" err="1" smtClean="0"/>
+              <a:t>microservice</a:t>
+            </a:r>
+            <a:endParaRPr lang="en-US" dirty="0" smtClean="0"/>
           </a:p>
           <a:p>
-            <a:r>
-              <a:rPr lang="en-US" i="1" dirty="0" smtClean="0"/>
-              <a:t>-</a:t>
-            </a:r>
-            <a:r>
-              <a:rPr lang="en-US" i="1" dirty="0" err="1" smtClean="0"/>
-              <a:t>Tidak</a:t>
-            </a:r>
-            <a:r>
-              <a:rPr lang="en-US" i="1" dirty="0" smtClean="0"/>
-              <a:t> high availability</a:t>
-            </a:r>
+            <a:pPr>
+              <a:buFont typeface="Arial" panose="020B0604020202020204" pitchFamily="34" charset="0"/>
+              <a:buChar char="•"/>
+            </a:pPr>
+            <a:r>
+              <a:rPr lang="en-US" dirty="0" smtClean="0"/>
+              <a:t> </a:t>
+            </a:r>
+            <a:r>
+              <a:rPr lang="en-US" dirty="0" err="1" smtClean="0"/>
+              <a:t>Bagaimana</a:t>
+            </a:r>
+            <a:r>
+              <a:rPr lang="en-US" dirty="0" smtClean="0"/>
+              <a:t> </a:t>
+            </a:r>
+            <a:r>
+              <a:rPr lang="en-US" dirty="0" err="1" smtClean="0"/>
+              <a:t>melakukan</a:t>
+            </a:r>
+            <a:r>
+              <a:rPr lang="en-US" dirty="0" smtClean="0"/>
+              <a:t> </a:t>
+            </a:r>
+            <a:r>
+              <a:rPr lang="en-US" dirty="0" err="1" smtClean="0"/>
+              <a:t>perbandingan</a:t>
+            </a:r>
+            <a:r>
+              <a:rPr lang="en-US" dirty="0" smtClean="0"/>
+              <a:t> </a:t>
+            </a:r>
+            <a:r>
+              <a:rPr lang="en-US" dirty="0" err="1" smtClean="0"/>
+              <a:t>performa</a:t>
+            </a:r>
+            <a:r>
+              <a:rPr lang="en-US" dirty="0" smtClean="0"/>
+              <a:t> yang </a:t>
+            </a:r>
+            <a:r>
+              <a:rPr lang="en-US" dirty="0" err="1" smtClean="0"/>
+              <a:t>dihasilkan</a:t>
+            </a:r>
+            <a:r>
+              <a:rPr lang="en-US" dirty="0" smtClean="0"/>
+              <a:t> </a:t>
+            </a:r>
+            <a:r>
+              <a:rPr lang="en-US" dirty="0" err="1" smtClean="0"/>
+              <a:t>dari</a:t>
+            </a:r>
+            <a:r>
+              <a:rPr lang="en-US" dirty="0" smtClean="0"/>
+              <a:t> </a:t>
+            </a:r>
+            <a:r>
+              <a:rPr lang="en-US" dirty="0" err="1" smtClean="0"/>
+              <a:t>arsitektur</a:t>
+            </a:r>
+            <a:r>
+              <a:rPr lang="en-US" dirty="0" smtClean="0"/>
+              <a:t> </a:t>
+            </a:r>
+            <a:r>
+              <a:rPr lang="en-US" dirty="0" err="1" smtClean="0"/>
+              <a:t>microservice</a:t>
+            </a:r>
+            <a:r>
+              <a:rPr lang="en-US" dirty="0" smtClean="0"/>
+              <a:t> </a:t>
+            </a:r>
+            <a:r>
+              <a:rPr lang="en-US" dirty="0" err="1" smtClean="0"/>
+              <a:t>terhadap</a:t>
+            </a:r>
+            <a:r>
+              <a:rPr lang="en-US" dirty="0" smtClean="0"/>
+              <a:t> </a:t>
+            </a:r>
+            <a:r>
+              <a:rPr lang="en-US" dirty="0" err="1" smtClean="0"/>
+              <a:t>arsitektur</a:t>
+            </a:r>
+            <a:r>
+              <a:rPr lang="en-US" dirty="0" smtClean="0"/>
+              <a:t> </a:t>
+            </a:r>
+            <a:r>
+              <a:rPr lang="en-US" dirty="0" err="1" smtClean="0"/>
+              <a:t>monolitik</a:t>
+            </a:r>
+            <a:endParaRPr lang="en-US" dirty="0"/>
+          </a:p>
+        </p:txBody>
+      </p:sp>
+      <p:sp>
+        <p:nvSpPr>
+          <p:cNvPr id="8" name="Text Placeholder 7"/>
+          <p:cNvSpPr>
+            <a:spLocks noGrp="1"/>
+          </p:cNvSpPr>
+          <p:nvPr>
+            <p:ph type="body" sz="quarter" idx="3"/>
+          </p:nvPr>
+        </p:nvSpPr>
+        <p:spPr/>
+        <p:txBody>
+          <a:bodyPr/>
+          <a:lstStyle/>
+          <a:p>
+            <a:r>
+              <a:rPr lang="en-US" dirty="0" err="1" smtClean="0"/>
+              <a:t>Batasan</a:t>
+            </a:r>
+            <a:r>
+              <a:rPr lang="en-US" dirty="0" smtClean="0"/>
+              <a:t> </a:t>
+            </a:r>
+            <a:r>
+              <a:rPr lang="en-US" dirty="0" err="1" smtClean="0"/>
+              <a:t>Masalah</a:t>
+            </a:r>
+            <a:endParaRPr lang="en-US" dirty="0"/>
+          </a:p>
+        </p:txBody>
+      </p:sp>
+      <p:sp>
+        <p:nvSpPr>
+          <p:cNvPr id="9" name="Content Placeholder 8"/>
+          <p:cNvSpPr>
+            <a:spLocks noGrp="1"/>
+          </p:cNvSpPr>
+          <p:nvPr>
+            <p:ph sz="quarter" idx="4"/>
+          </p:nvPr>
+        </p:nvSpPr>
+        <p:spPr/>
+        <p:txBody>
+          <a:bodyPr>
+            <a:normAutofit lnSpcReduction="10000"/>
+          </a:bodyPr>
+          <a:lstStyle/>
+          <a:p>
+            <a:pPr>
+              <a:buFont typeface="Arial" panose="020B0604020202020204" pitchFamily="34" charset="0"/>
+              <a:buChar char="•"/>
+            </a:pPr>
+            <a:r>
+              <a:rPr lang="en-US" dirty="0" smtClean="0"/>
+              <a:t> </a:t>
+            </a:r>
+            <a:r>
+              <a:rPr lang="en-US" dirty="0" err="1" smtClean="0"/>
+              <a:t>Penelitian</a:t>
+            </a:r>
+            <a:r>
+              <a:rPr lang="en-US" dirty="0" smtClean="0"/>
+              <a:t> </a:t>
+            </a:r>
+            <a:r>
+              <a:rPr lang="en-US" dirty="0" err="1" smtClean="0"/>
+              <a:t>berfokus</a:t>
+            </a:r>
+            <a:r>
+              <a:rPr lang="en-US" dirty="0" smtClean="0"/>
+              <a:t> </a:t>
+            </a:r>
+            <a:r>
+              <a:rPr lang="en-US" dirty="0" err="1" smtClean="0"/>
+              <a:t>pada</a:t>
+            </a:r>
+            <a:r>
+              <a:rPr lang="en-US" dirty="0" smtClean="0"/>
+              <a:t> proses </a:t>
+            </a:r>
+            <a:r>
+              <a:rPr lang="en-US" dirty="0" err="1" smtClean="0"/>
+              <a:t>rawat</a:t>
+            </a:r>
+            <a:r>
+              <a:rPr lang="en-US" dirty="0" smtClean="0"/>
+              <a:t> </a:t>
+            </a:r>
+            <a:r>
+              <a:rPr lang="en-US" dirty="0" err="1" smtClean="0"/>
+              <a:t>jalan</a:t>
+            </a:r>
+            <a:r>
+              <a:rPr lang="en-US" dirty="0" smtClean="0"/>
+              <a:t> </a:t>
+            </a:r>
+            <a:r>
+              <a:rPr lang="en-US" dirty="0" err="1" smtClean="0"/>
+              <a:t>dan</a:t>
+            </a:r>
+            <a:r>
+              <a:rPr lang="en-US" dirty="0" smtClean="0"/>
+              <a:t> </a:t>
+            </a:r>
+            <a:r>
+              <a:rPr lang="en-US" dirty="0" err="1" smtClean="0"/>
+              <a:t>tidak</a:t>
+            </a:r>
+            <a:r>
+              <a:rPr lang="en-US" dirty="0" smtClean="0"/>
+              <a:t> </a:t>
+            </a:r>
+            <a:r>
+              <a:rPr lang="en-US" dirty="0" err="1" smtClean="0"/>
+              <a:t>melibatkan</a:t>
+            </a:r>
+            <a:r>
+              <a:rPr lang="en-US" dirty="0" smtClean="0"/>
+              <a:t> proses </a:t>
+            </a:r>
+            <a:r>
+              <a:rPr lang="en-US" dirty="0" err="1" smtClean="0"/>
+              <a:t>bisnis</a:t>
+            </a:r>
+            <a:r>
+              <a:rPr lang="en-US" dirty="0" smtClean="0"/>
+              <a:t> yang </a:t>
+            </a:r>
+            <a:r>
+              <a:rPr lang="en-US" dirty="0" err="1" smtClean="0"/>
+              <a:t>lainnya</a:t>
+            </a:r>
+            <a:endParaRPr lang="en-US" dirty="0" smtClean="0"/>
           </a:p>
           <a:p>
-            <a:r>
-              <a:rPr lang="en-US" i="1" dirty="0" smtClean="0"/>
-              <a:t>-</a:t>
-            </a:r>
-            <a:r>
-              <a:rPr lang="en-US" dirty="0" err="1" smtClean="0"/>
-              <a:t>Keuntungan</a:t>
-            </a:r>
-            <a:r>
-              <a:rPr lang="en-US" dirty="0" smtClean="0"/>
-              <a:t> (</a:t>
-            </a:r>
-            <a:r>
-              <a:rPr lang="en-US" dirty="0" err="1" smtClean="0"/>
-              <a:t>dari</a:t>
-            </a:r>
-            <a:r>
-              <a:rPr lang="en-US" dirty="0" smtClean="0"/>
-              <a:t> </a:t>
-            </a:r>
-            <a:r>
-              <a:rPr lang="en-US" dirty="0" err="1" smtClean="0"/>
-              <a:t>beragam</a:t>
-            </a:r>
-            <a:r>
-              <a:rPr lang="en-US" dirty="0" smtClean="0"/>
-              <a:t> </a:t>
-            </a:r>
-            <a:r>
-              <a:rPr lang="en-US" dirty="0" err="1" smtClean="0"/>
-              <a:t>aspek</a:t>
-            </a:r>
-            <a:r>
-              <a:rPr lang="en-US" dirty="0" smtClean="0"/>
-              <a:t>) </a:t>
-            </a:r>
-            <a:r>
-              <a:rPr lang="en-US" dirty="0" err="1" smtClean="0"/>
-              <a:t>semakin</a:t>
-            </a:r>
-            <a:r>
-              <a:rPr lang="en-US" dirty="0" smtClean="0"/>
-              <a:t> </a:t>
-            </a:r>
-            <a:r>
-              <a:rPr lang="en-US" dirty="0" err="1" smtClean="0"/>
-              <a:t>berkurang</a:t>
-            </a:r>
-            <a:endParaRPr lang="en-US" dirty="0" smtClean="0"/>
+            <a:pPr>
+              <a:buFont typeface="Arial" panose="020B0604020202020204" pitchFamily="34" charset="0"/>
+              <a:buChar char="•"/>
+            </a:pPr>
+            <a:r>
+              <a:rPr lang="en-US" dirty="0" smtClean="0"/>
+              <a:t> </a:t>
+            </a:r>
+            <a:r>
+              <a:rPr lang="en-US" dirty="0" err="1" smtClean="0"/>
+              <a:t>Sebagian</a:t>
+            </a:r>
+            <a:r>
+              <a:rPr lang="en-US" dirty="0" smtClean="0"/>
+              <a:t> data yang </a:t>
+            </a:r>
+            <a:r>
+              <a:rPr lang="en-US" dirty="0" err="1" smtClean="0"/>
+              <a:t>digunakan</a:t>
+            </a:r>
+            <a:r>
+              <a:rPr lang="en-US" dirty="0" smtClean="0"/>
+              <a:t> </a:t>
+            </a:r>
+            <a:r>
+              <a:rPr lang="en-US" dirty="0" err="1" smtClean="0"/>
+              <a:t>dalam</a:t>
+            </a:r>
+            <a:r>
+              <a:rPr lang="en-US" dirty="0" smtClean="0"/>
+              <a:t> </a:t>
+            </a:r>
+            <a:r>
+              <a:rPr lang="en-US" dirty="0" err="1" smtClean="0"/>
+              <a:t>penelitian</a:t>
+            </a:r>
+            <a:r>
+              <a:rPr lang="en-US" dirty="0" smtClean="0"/>
+              <a:t> </a:t>
+            </a:r>
+            <a:r>
+              <a:rPr lang="en-US" dirty="0" err="1" smtClean="0"/>
+              <a:t>bersifat</a:t>
+            </a:r>
+            <a:r>
+              <a:rPr lang="en-US" dirty="0" smtClean="0"/>
+              <a:t> </a:t>
+            </a:r>
+            <a:r>
+              <a:rPr lang="en-US" dirty="0" err="1" smtClean="0"/>
+              <a:t>tertutup</a:t>
+            </a:r>
+            <a:r>
+              <a:rPr lang="en-US" dirty="0" smtClean="0"/>
+              <a:t> </a:t>
+            </a:r>
+            <a:r>
+              <a:rPr lang="en-US" dirty="0" err="1" smtClean="0"/>
+              <a:t>karena</a:t>
+            </a:r>
+            <a:r>
+              <a:rPr lang="en-US" dirty="0" smtClean="0"/>
+              <a:t> </a:t>
+            </a:r>
+            <a:r>
+              <a:rPr lang="en-US" dirty="0" err="1" smtClean="0"/>
+              <a:t>menyangkut</a:t>
+            </a:r>
+            <a:r>
+              <a:rPr lang="en-US" dirty="0" smtClean="0"/>
+              <a:t> </a:t>
+            </a:r>
+            <a:r>
+              <a:rPr lang="en-US" dirty="0" err="1" smtClean="0"/>
+              <a:t>hal</a:t>
+            </a:r>
+            <a:r>
+              <a:rPr lang="en-US" dirty="0" smtClean="0"/>
+              <a:t> </a:t>
+            </a:r>
+            <a:r>
+              <a:rPr lang="en-US" dirty="0" err="1" smtClean="0"/>
+              <a:t>privasi</a:t>
+            </a:r>
+            <a:r>
+              <a:rPr lang="en-US" dirty="0" smtClean="0"/>
+              <a:t> </a:t>
+            </a:r>
+            <a:r>
+              <a:rPr lang="en-US" dirty="0" err="1" smtClean="0"/>
+              <a:t>rumah</a:t>
+            </a:r>
+            <a:r>
+              <a:rPr lang="en-US" dirty="0" smtClean="0"/>
+              <a:t> </a:t>
+            </a:r>
+            <a:r>
+              <a:rPr lang="en-US" dirty="0" err="1" smtClean="0"/>
+              <a:t>sakit</a:t>
+            </a:r>
+            <a:r>
+              <a:rPr lang="en-US" dirty="0" smtClean="0"/>
+              <a:t>.</a:t>
+            </a:r>
+          </a:p>
+          <a:p>
+            <a:pPr>
+              <a:buFont typeface="Arial" panose="020B0604020202020204" pitchFamily="34" charset="0"/>
+              <a:buChar char="•"/>
+            </a:pPr>
+            <a:r>
+              <a:rPr lang="en-US" dirty="0" smtClean="0"/>
+              <a:t> </a:t>
+            </a:r>
+            <a:r>
+              <a:rPr lang="en-US" dirty="0" err="1" smtClean="0"/>
+              <a:t>Fokus</a:t>
+            </a:r>
+            <a:r>
+              <a:rPr lang="en-US" dirty="0" smtClean="0"/>
+              <a:t> </a:t>
+            </a:r>
+            <a:r>
+              <a:rPr lang="en-US" dirty="0" err="1" smtClean="0"/>
+              <a:t>utama</a:t>
+            </a:r>
+            <a:r>
+              <a:rPr lang="en-US" dirty="0" smtClean="0"/>
+              <a:t> </a:t>
+            </a:r>
+            <a:r>
+              <a:rPr lang="en-US" dirty="0" err="1" smtClean="0"/>
+              <a:t>penelitian</a:t>
+            </a:r>
+            <a:r>
+              <a:rPr lang="en-US" dirty="0" smtClean="0"/>
+              <a:t> </a:t>
+            </a:r>
+            <a:r>
+              <a:rPr lang="en-US" dirty="0" err="1" smtClean="0"/>
+              <a:t>berupa</a:t>
+            </a:r>
+            <a:r>
+              <a:rPr lang="en-US" dirty="0" smtClean="0"/>
+              <a:t> </a:t>
+            </a:r>
+            <a:r>
+              <a:rPr lang="en-US" dirty="0" err="1" smtClean="0"/>
+              <a:t>analisis</a:t>
+            </a:r>
+            <a:r>
+              <a:rPr lang="en-US" dirty="0"/>
+              <a:t> </a:t>
+            </a:r>
+            <a:r>
+              <a:rPr lang="en-US" dirty="0" err="1" smtClean="0"/>
+              <a:t>perancangan</a:t>
+            </a:r>
+            <a:r>
+              <a:rPr lang="en-US" dirty="0" smtClean="0"/>
+              <a:t> </a:t>
+            </a:r>
+            <a:r>
+              <a:rPr lang="en-US" dirty="0" err="1" smtClean="0"/>
+              <a:t>arsitektur</a:t>
+            </a:r>
+            <a:r>
+              <a:rPr lang="en-US" dirty="0" smtClean="0"/>
+              <a:t> </a:t>
+            </a:r>
+            <a:r>
+              <a:rPr lang="en-US" dirty="0" err="1" smtClean="0"/>
+              <a:t>dan</a:t>
+            </a:r>
+            <a:r>
+              <a:rPr lang="en-US" dirty="0" smtClean="0"/>
+              <a:t> </a:t>
+            </a:r>
+            <a:r>
+              <a:rPr lang="en-US" dirty="0" err="1" smtClean="0"/>
+              <a:t>uji</a:t>
+            </a:r>
+            <a:r>
+              <a:rPr lang="en-US" dirty="0" smtClean="0"/>
+              <a:t> </a:t>
+            </a:r>
+            <a:r>
+              <a:rPr lang="en-US" dirty="0" err="1" smtClean="0"/>
+              <a:t>coba</a:t>
+            </a:r>
+            <a:r>
+              <a:rPr lang="en-US" dirty="0" smtClean="0"/>
+              <a:t> </a:t>
+            </a:r>
+            <a:r>
+              <a:rPr lang="en-US" dirty="0" err="1" smtClean="0"/>
+              <a:t>perbandingan</a:t>
+            </a:r>
+            <a:r>
+              <a:rPr lang="en-US" dirty="0" smtClean="0"/>
+              <a:t> </a:t>
+            </a:r>
+            <a:r>
+              <a:rPr lang="en-US" dirty="0" err="1" smtClean="0"/>
+              <a:t>performa</a:t>
+            </a:r>
+            <a:r>
+              <a:rPr lang="en-US" dirty="0" smtClean="0"/>
+              <a:t> yang </a:t>
+            </a:r>
+            <a:r>
+              <a:rPr lang="en-US" dirty="0" err="1" smtClean="0"/>
+              <a:t>dibuat</a:t>
+            </a:r>
+            <a:r>
+              <a:rPr lang="en-US" dirty="0" smtClean="0"/>
+              <a:t> </a:t>
+            </a:r>
+            <a:r>
+              <a:rPr lang="en-US" dirty="0" err="1" smtClean="0"/>
+              <a:t>dalam</a:t>
+            </a:r>
+            <a:r>
+              <a:rPr lang="en-US" dirty="0" smtClean="0"/>
+              <a:t> </a:t>
+            </a:r>
+            <a:r>
+              <a:rPr lang="en-US" dirty="0" err="1" smtClean="0"/>
+              <a:t>bentuk</a:t>
+            </a:r>
+            <a:r>
+              <a:rPr lang="en-US" dirty="0" smtClean="0"/>
+              <a:t> prototype</a:t>
+            </a:r>
+            <a:endParaRPr lang="en-US" dirty="0"/>
           </a:p>
         </p:txBody>
       </p:sp>
     </p:spTree>
     <p:extLst>
       <p:ext uri="{BB962C8B-B14F-4D97-AF65-F5344CB8AC3E}">
-        <p14:creationId xmlns:p14="http://schemas.microsoft.com/office/powerpoint/2010/main" val="3415981498"/>
+        <p14:creationId xmlns:p14="http://schemas.microsoft.com/office/powerpoint/2010/main" val="113910958"/>
       </p:ext>
     </p:extLst>
   </p:cSld>
   <p:clrMapOvr>
     <a:masterClrMapping/>
   </p:clrMapOvr>
+  <p:timing>
+    <p:tnLst>
+      <p:par>
+        <p:cTn id="1" dur="indefinite" restart="never" nodeType="tmRoot"/>
+      </p:par>
+    </p:tnLst>
+  </p:timing>
 </p:sld>
 </file>
 
@@ -24481,23 +26243,23 @@
           <a:p>
             <a:r>
               <a:rPr lang="en-US" dirty="0" err="1" smtClean="0"/>
-              <a:t>Identifikasi</a:t>
-            </a:r>
-            <a:r>
-              <a:rPr lang="en-US" dirty="0" smtClean="0"/>
-              <a:t> </a:t>
-            </a:r>
-            <a:r>
-              <a:rPr lang="en-US" dirty="0" err="1" smtClean="0"/>
-              <a:t>teknologi</a:t>
-            </a:r>
-            <a:r>
-              <a:rPr lang="en-US" dirty="0" smtClean="0"/>
-              <a:t> software </a:t>
-            </a:r>
-            <a:r>
-              <a:rPr lang="en-US" dirty="0" err="1" smtClean="0"/>
-              <a:t>apertura</a:t>
+              <a:t>Kekurangan</a:t>
+            </a:r>
+            <a:r>
+              <a:rPr lang="en-US" dirty="0" smtClean="0"/>
+              <a:t> </a:t>
+            </a:r>
+            <a:r>
+              <a:rPr lang="en-US" dirty="0" err="1" smtClean="0"/>
+              <a:t>arsitektur</a:t>
+            </a:r>
+            <a:r>
+              <a:rPr lang="en-US" dirty="0" smtClean="0"/>
+              <a:t> </a:t>
+            </a:r>
+            <a:r>
+              <a:rPr lang="en-US" dirty="0" err="1" smtClean="0"/>
+              <a:t>monolitik</a:t>
             </a:r>
             <a:endParaRPr lang="en-US" dirty="0"/>
           </a:p>
@@ -24523,29 +26285,14 @@
               <a:buAutoNum type="arabicPeriod"/>
             </a:pPr>
             <a:r>
-              <a:rPr lang="en-US" dirty="0" err="1" smtClean="0"/>
-              <a:t>Tersentralisasi</a:t>
-            </a:r>
-            <a:r>
-              <a:rPr lang="en-US" dirty="0" smtClean="0"/>
-              <a:t> </a:t>
-            </a:r>
-            <a:r>
-              <a:rPr lang="en-US" dirty="0" err="1" smtClean="0"/>
-              <a:t>dalam</a:t>
-            </a:r>
-            <a:r>
-              <a:rPr lang="en-US" dirty="0" smtClean="0"/>
-              <a:t> 1 </a:t>
-            </a:r>
-            <a:r>
-              <a:rPr lang="en-US" dirty="0" err="1" smtClean="0"/>
-              <a:t>buah</a:t>
-            </a:r>
-            <a:r>
-              <a:rPr lang="en-US" dirty="0" smtClean="0"/>
-              <a:t> server</a:t>
-            </a:r>
+              <a:rPr lang="en-US" dirty="0" smtClean="0"/>
+              <a:t>Tingkat coupling yang </a:t>
+            </a:r>
+            <a:r>
+              <a:rPr lang="en-US" dirty="0" err="1" smtClean="0"/>
+              <a:t>tinggi</a:t>
+            </a:r>
+            <a:endParaRPr lang="en-US" dirty="0" smtClean="0"/>
           </a:p>
           <a:p>
             <a:pPr marL="457200" indent="-457200">
@@ -24553,45 +26300,30 @@
               <a:buAutoNum type="arabicPeriod"/>
             </a:pPr>
             <a:r>
-              <a:rPr lang="en-US" dirty="0" err="1" smtClean="0"/>
-              <a:t>Memiliki</a:t>
-            </a:r>
-            <a:r>
-              <a:rPr lang="en-US" dirty="0" smtClean="0"/>
-              <a:t> </a:t>
-            </a:r>
-            <a:r>
-              <a:rPr lang="en-US" dirty="0" err="1" smtClean="0"/>
-              <a:t>kurang</a:t>
-            </a:r>
-            <a:r>
-              <a:rPr lang="en-US" dirty="0" smtClean="0"/>
-              <a:t> </a:t>
-            </a:r>
-            <a:r>
-              <a:rPr lang="en-US" dirty="0" err="1" smtClean="0"/>
-              <a:t>lebih</a:t>
-            </a:r>
-            <a:r>
-              <a:rPr lang="en-US" dirty="0" smtClean="0"/>
-              <a:t> 120 table </a:t>
-            </a:r>
-            <a:r>
-              <a:rPr lang="en-US" dirty="0" err="1" smtClean="0"/>
-              <a:t>dalam</a:t>
-            </a:r>
-            <a:r>
-              <a:rPr lang="en-US" dirty="0" smtClean="0"/>
-              <a:t> 1 </a:t>
-            </a:r>
-            <a:r>
-              <a:rPr lang="en-US" dirty="0" err="1" smtClean="0"/>
-              <a:t>buah</a:t>
-            </a:r>
-            <a:r>
-              <a:rPr lang="en-US" dirty="0" smtClean="0"/>
-              <a:t> database (PostgreSQL)</a:t>
-            </a:r>
+              <a:rPr lang="en-US" dirty="0" smtClean="0"/>
+              <a:t>Model </a:t>
+            </a:r>
+            <a:r>
+              <a:rPr lang="en-US" dirty="0" err="1" smtClean="0"/>
+              <a:t>penyimpanan</a:t>
+            </a:r>
+            <a:r>
+              <a:rPr lang="en-US" dirty="0" smtClean="0"/>
+              <a:t> data yang </a:t>
+            </a:r>
+            <a:r>
+              <a:rPr lang="en-US" dirty="0" err="1" smtClean="0"/>
+              <a:t>tidak</a:t>
+            </a:r>
+            <a:r>
+              <a:rPr lang="en-US" dirty="0" smtClean="0"/>
+              <a:t> </a:t>
+            </a:r>
+            <a:r>
+              <a:rPr lang="en-US" dirty="0" err="1" smtClean="0"/>
+              <a:t>baik</a:t>
+            </a:r>
+            <a:endParaRPr lang="en-US" dirty="0" smtClean="0"/>
           </a:p>
           <a:p>
             <a:pPr marL="457200" indent="-457200">
@@ -24600,39 +26332,102 @@
             </a:pPr>
             <a:r>
               <a:rPr lang="en-US" dirty="0" err="1" smtClean="0"/>
-              <a:t>Dikembangkan</a:t>
-            </a:r>
-            <a:r>
-              <a:rPr lang="en-US" dirty="0" smtClean="0"/>
-              <a:t> </a:t>
-            </a:r>
-            <a:r>
-              <a:rPr lang="en-US" dirty="0" err="1" smtClean="0"/>
-              <a:t>hanya</a:t>
-            </a:r>
-            <a:r>
-              <a:rPr lang="en-US" dirty="0" smtClean="0"/>
-              <a:t> </a:t>
-            </a:r>
-            <a:r>
-              <a:rPr lang="en-US" dirty="0" err="1" smtClean="0"/>
-              <a:t>dalam</a:t>
-            </a:r>
-            <a:r>
-              <a:rPr lang="en-US" dirty="0" smtClean="0"/>
-              <a:t> </a:t>
-            </a:r>
-            <a:r>
-              <a:rPr lang="en-US" dirty="0" err="1" smtClean="0"/>
-              <a:t>bentuk</a:t>
-            </a:r>
-            <a:r>
-              <a:rPr lang="en-US" dirty="0" smtClean="0"/>
-              <a:t> </a:t>
-            </a:r>
-            <a:r>
-              <a:rPr lang="en-US" i="1" dirty="0" smtClean="0"/>
-              <a:t>desktop.</a:t>
+              <a:t>Isu</a:t>
+            </a:r>
+            <a:r>
+              <a:rPr lang="en-US" dirty="0" smtClean="0"/>
+              <a:t> </a:t>
+            </a:r>
+            <a:r>
+              <a:rPr lang="en-US" dirty="0" err="1" smtClean="0"/>
+              <a:t>keamanan</a:t>
+            </a:r>
+            <a:r>
+              <a:rPr lang="en-US" dirty="0" smtClean="0"/>
+              <a:t> yang </a:t>
+            </a:r>
+            <a:r>
+              <a:rPr lang="en-US" dirty="0" err="1" smtClean="0"/>
+              <a:t>tinggi</a:t>
+            </a:r>
+            <a:endParaRPr lang="en-US" dirty="0" smtClean="0"/>
+          </a:p>
+          <a:p>
+            <a:pPr marL="457200" indent="-457200">
+              <a:buFont typeface="+mj-lt"/>
+              <a:buAutoNum type="arabicPeriod"/>
+            </a:pPr>
+            <a:r>
+              <a:rPr lang="en-US" dirty="0" err="1" smtClean="0"/>
+              <a:t>Sistem</a:t>
+            </a:r>
+            <a:r>
+              <a:rPr lang="en-US" dirty="0" smtClean="0"/>
+              <a:t> </a:t>
+            </a:r>
+            <a:r>
+              <a:rPr lang="en-US" dirty="0" err="1" smtClean="0"/>
+              <a:t>tidak</a:t>
+            </a:r>
+            <a:r>
+              <a:rPr lang="en-US" dirty="0" smtClean="0"/>
+              <a:t> </a:t>
+            </a:r>
+            <a:r>
+              <a:rPr lang="en-US" dirty="0" err="1" smtClean="0"/>
+              <a:t>memberikan</a:t>
+            </a:r>
+            <a:r>
+              <a:rPr lang="en-US" dirty="0" smtClean="0"/>
+              <a:t> </a:t>
+            </a:r>
+            <a:r>
+              <a:rPr lang="en-US" dirty="0" err="1" smtClean="0"/>
+              <a:t>performa</a:t>
+            </a:r>
+            <a:r>
+              <a:rPr lang="en-US" dirty="0" smtClean="0"/>
+              <a:t> yang </a:t>
+            </a:r>
+            <a:r>
+              <a:rPr lang="en-US" dirty="0" err="1" smtClean="0"/>
+              <a:t>cukup</a:t>
+            </a:r>
+            <a:r>
+              <a:rPr lang="en-US" dirty="0" smtClean="0"/>
+              <a:t> </a:t>
+            </a:r>
+            <a:r>
+              <a:rPr lang="en-US" dirty="0" err="1" smtClean="0"/>
+              <a:t>baik</a:t>
+            </a:r>
+            <a:r>
+              <a:rPr lang="en-US" dirty="0" smtClean="0"/>
+              <a:t> </a:t>
+            </a:r>
+            <a:r>
+              <a:rPr lang="en-US" dirty="0" err="1" smtClean="0"/>
+              <a:t>ketika</a:t>
+            </a:r>
+            <a:r>
+              <a:rPr lang="en-US" dirty="0" smtClean="0"/>
+              <a:t> </a:t>
+            </a:r>
+            <a:r>
+              <a:rPr lang="en-US" dirty="0" err="1" smtClean="0"/>
+              <a:t>menangani</a:t>
+            </a:r>
+            <a:r>
+              <a:rPr lang="en-US" dirty="0" smtClean="0"/>
+              <a:t> </a:t>
+            </a:r>
+            <a:r>
+              <a:rPr lang="en-US" dirty="0" err="1" smtClean="0"/>
+              <a:t>banyak</a:t>
+            </a:r>
+            <a:r>
+              <a:rPr lang="en-US" dirty="0" smtClean="0"/>
+              <a:t> user</a:t>
             </a:r>
             <a:endParaRPr lang="en-US" dirty="0"/>
           </a:p>
@@ -24641,7 +26436,7 @@
     </p:spTree>
     <p:extLst>
       <p:ext uri="{BB962C8B-B14F-4D97-AF65-F5344CB8AC3E}">
-        <p14:creationId xmlns:p14="http://schemas.microsoft.com/office/powerpoint/2010/main" val="2816860820"/>
+        <p14:creationId xmlns:p14="http://schemas.microsoft.com/office/powerpoint/2010/main" val="3299405687"/>
       </p:ext>
     </p:extLst>
   </p:cSld>
@@ -24685,243 +26480,6 @@
           <a:p>
             <a:r>
               <a:rPr lang="en-US" dirty="0" err="1" smtClean="0"/>
-              <a:t>Kekurangan</a:t>
-            </a:r>
-            <a:r>
-              <a:rPr lang="en-US" dirty="0" smtClean="0"/>
-              <a:t> </a:t>
-            </a:r>
-            <a:r>
-              <a:rPr lang="en-US" dirty="0" err="1" smtClean="0"/>
-              <a:t>arsitektur</a:t>
-            </a:r>
-            <a:r>
-              <a:rPr lang="en-US" dirty="0" smtClean="0"/>
-              <a:t> </a:t>
-            </a:r>
-            <a:r>
-              <a:rPr lang="en-US" dirty="0" err="1" smtClean="0"/>
-              <a:t>monolitik</a:t>
-            </a:r>
-            <a:endParaRPr lang="en-US" dirty="0"/>
-          </a:p>
-        </p:txBody>
-      </p:sp>
-      <p:sp>
-        <p:nvSpPr>
-          <p:cNvPr id="3" name="Content Placeholder 2"/>
-          <p:cNvSpPr>
-            <a:spLocks noGrp="1"/>
-          </p:cNvSpPr>
-          <p:nvPr>
-            <p:ph idx="1"/>
-          </p:nvPr>
-        </p:nvSpPr>
-        <p:spPr/>
-        <p:txBody>
-          <a:bodyPr/>
-          <a:lstStyle/>
-          <a:p>
-            <a:pPr marL="457200" indent="-457200">
-              <a:buFont typeface="+mj-lt"/>
-              <a:buAutoNum type="arabicPeriod"/>
-            </a:pPr>
-            <a:r>
-              <a:rPr lang="en-US" dirty="0" smtClean="0"/>
-              <a:t>Tingkat coupling yang </a:t>
-            </a:r>
-            <a:r>
-              <a:rPr lang="en-US" dirty="0" err="1" smtClean="0"/>
-              <a:t>tinggi</a:t>
-            </a:r>
-            <a:endParaRPr lang="en-US" dirty="0" smtClean="0"/>
-          </a:p>
-          <a:p>
-            <a:pPr marL="457200" indent="-457200">
-              <a:buFont typeface="+mj-lt"/>
-              <a:buAutoNum type="arabicPeriod"/>
-            </a:pPr>
-            <a:r>
-              <a:rPr lang="en-US" dirty="0" smtClean="0"/>
-              <a:t>Model </a:t>
-            </a:r>
-            <a:r>
-              <a:rPr lang="en-US" dirty="0" err="1" smtClean="0"/>
-              <a:t>penyimpanan</a:t>
-            </a:r>
-            <a:r>
-              <a:rPr lang="en-US" dirty="0" smtClean="0"/>
-              <a:t> data yang </a:t>
-            </a:r>
-            <a:r>
-              <a:rPr lang="en-US" dirty="0" err="1" smtClean="0"/>
-              <a:t>tidak</a:t>
-            </a:r>
-            <a:r>
-              <a:rPr lang="en-US" dirty="0" smtClean="0"/>
-              <a:t> </a:t>
-            </a:r>
-            <a:r>
-              <a:rPr lang="en-US" dirty="0" err="1" smtClean="0"/>
-              <a:t>baik</a:t>
-            </a:r>
-            <a:endParaRPr lang="en-US" dirty="0" smtClean="0"/>
-          </a:p>
-          <a:p>
-            <a:pPr marL="457200" indent="-457200">
-              <a:buFont typeface="+mj-lt"/>
-              <a:buAutoNum type="arabicPeriod"/>
-            </a:pPr>
-            <a:r>
-              <a:rPr lang="en-US" dirty="0" err="1" smtClean="0"/>
-              <a:t>Isu</a:t>
-            </a:r>
-            <a:r>
-              <a:rPr lang="en-US" dirty="0" smtClean="0"/>
-              <a:t> </a:t>
-            </a:r>
-            <a:r>
-              <a:rPr lang="en-US" dirty="0" err="1" smtClean="0"/>
-              <a:t>keamanan</a:t>
-            </a:r>
-            <a:r>
-              <a:rPr lang="en-US" dirty="0" smtClean="0"/>
-              <a:t> yang </a:t>
-            </a:r>
-            <a:r>
-              <a:rPr lang="en-US" dirty="0" err="1" smtClean="0"/>
-              <a:t>tinggi</a:t>
-            </a:r>
-            <a:endParaRPr lang="en-US" dirty="0" smtClean="0"/>
-          </a:p>
-          <a:p>
-            <a:pPr marL="457200" indent="-457200">
-              <a:buFont typeface="+mj-lt"/>
-              <a:buAutoNum type="arabicPeriod"/>
-            </a:pPr>
-            <a:r>
-              <a:rPr lang="en-US" dirty="0" err="1" smtClean="0"/>
-              <a:t>Sistem</a:t>
-            </a:r>
-            <a:r>
-              <a:rPr lang="en-US" dirty="0" smtClean="0"/>
-              <a:t> </a:t>
-            </a:r>
-            <a:r>
-              <a:rPr lang="en-US" dirty="0" err="1" smtClean="0"/>
-              <a:t>tidak</a:t>
-            </a:r>
-            <a:r>
-              <a:rPr lang="en-US" dirty="0" smtClean="0"/>
-              <a:t> </a:t>
-            </a:r>
-            <a:r>
-              <a:rPr lang="en-US" dirty="0" err="1" smtClean="0"/>
-              <a:t>memberikan</a:t>
-            </a:r>
-            <a:r>
-              <a:rPr lang="en-US" dirty="0" smtClean="0"/>
-              <a:t> </a:t>
-            </a:r>
-            <a:r>
-              <a:rPr lang="en-US" dirty="0" err="1" smtClean="0"/>
-              <a:t>performa</a:t>
-            </a:r>
-            <a:r>
-              <a:rPr lang="en-US" dirty="0" smtClean="0"/>
-              <a:t> yang </a:t>
-            </a:r>
-            <a:r>
-              <a:rPr lang="en-US" dirty="0" err="1" smtClean="0"/>
-              <a:t>cukup</a:t>
-            </a:r>
-            <a:r>
-              <a:rPr lang="en-US" dirty="0" smtClean="0"/>
-              <a:t> </a:t>
-            </a:r>
-            <a:r>
-              <a:rPr lang="en-US" dirty="0" err="1" smtClean="0"/>
-              <a:t>baik</a:t>
-            </a:r>
-            <a:r>
-              <a:rPr lang="en-US" dirty="0" smtClean="0"/>
-              <a:t> </a:t>
-            </a:r>
-            <a:r>
-              <a:rPr lang="en-US" dirty="0" err="1" smtClean="0"/>
-              <a:t>ketika</a:t>
-            </a:r>
-            <a:r>
-              <a:rPr lang="en-US" dirty="0" smtClean="0"/>
-              <a:t> </a:t>
-            </a:r>
-            <a:r>
-              <a:rPr lang="en-US" dirty="0" err="1" smtClean="0"/>
-              <a:t>menangani</a:t>
-            </a:r>
-            <a:r>
-              <a:rPr lang="en-US" dirty="0" smtClean="0"/>
-              <a:t> </a:t>
-            </a:r>
-            <a:r>
-              <a:rPr lang="en-US" dirty="0" err="1" smtClean="0"/>
-              <a:t>banyak</a:t>
-            </a:r>
-            <a:r>
-              <a:rPr lang="en-US" dirty="0" smtClean="0"/>
-              <a:t> user</a:t>
-            </a:r>
-            <a:endParaRPr lang="en-US" dirty="0"/>
-          </a:p>
-        </p:txBody>
-      </p:sp>
-    </p:spTree>
-    <p:extLst>
-      <p:ext uri="{BB962C8B-B14F-4D97-AF65-F5344CB8AC3E}">
-        <p14:creationId xmlns:p14="http://schemas.microsoft.com/office/powerpoint/2010/main" val="3299405687"/>
-      </p:ext>
-    </p:extLst>
-  </p:cSld>
-  <p:clrMapOvr>
-    <a:masterClrMapping/>
-  </p:clrMapOvr>
-</p:sld>
-</file>
-
-<file path=ppt/slides/slide32.xml><?xml version="1.0" encoding="utf-8"?>
-<p:sld xmlns:a="http://schemas.openxmlformats.org/drawingml/2006/main" xmlns:r="http://schemas.openxmlformats.org/officeDocument/2006/relationships" xmlns:p="http://schemas.openxmlformats.org/presentationml/2006/main">
-  <p:cSld>
-    <p:spTree>
-      <p:nvGrpSpPr>
-        <p:cNvPr id="1" name=""/>
-        <p:cNvGrpSpPr/>
-        <p:nvPr/>
-      </p:nvGrpSpPr>
-      <p:grpSpPr>
-        <a:xfrm>
-          <a:off x="0" y="0"/>
-          <a:ext cx="0" cy="0"/>
-          <a:chOff x="0" y="0"/>
-          <a:chExt cx="0" cy="0"/>
-        </a:xfrm>
-      </p:grpSpPr>
-      <p:sp>
-        <p:nvSpPr>
-          <p:cNvPr id="2" name="Title 1"/>
-          <p:cNvSpPr>
-            <a:spLocks noGrp="1"/>
-          </p:cNvSpPr>
-          <p:nvPr>
-            <p:ph type="title"/>
-          </p:nvPr>
-        </p:nvSpPr>
-        <p:spPr/>
-        <p:txBody>
-          <a:bodyPr/>
-          <a:lstStyle/>
-          <a:p>
-            <a:r>
-              <a:rPr lang="en-US" dirty="0" err="1" smtClean="0"/>
               <a:t>Perancangan</a:t>
             </a:r>
             <a:endParaRPr lang="en-US" dirty="0"/>
@@ -24960,7 +26518,7 @@
 </p:sld>
 </file>
 
-<file path=ppt/slides/slide33.xml><?xml version="1.0" encoding="utf-8"?>
+<file path=ppt/slides/slide32.xml><?xml version="1.0" encoding="utf-8"?>
 <p:sld xmlns:a="http://schemas.openxmlformats.org/drawingml/2006/main" xmlns:r="http://schemas.openxmlformats.org/officeDocument/2006/relationships" xmlns:p="http://schemas.openxmlformats.org/presentationml/2006/main">
   <p:cSld>
     <p:spTree>
@@ -25053,6 +26611,299 @@
 </p:sld>
 </file>
 
+<file path=ppt/slides/slide33.xml><?xml version="1.0" encoding="utf-8"?>
+<p:sld xmlns:a="http://schemas.openxmlformats.org/drawingml/2006/main" xmlns:r="http://schemas.openxmlformats.org/officeDocument/2006/relationships" xmlns:p="http://schemas.openxmlformats.org/presentationml/2006/main">
+  <p:cSld>
+    <p:spTree>
+      <p:nvGrpSpPr>
+        <p:cNvPr id="1" name=""/>
+        <p:cNvGrpSpPr/>
+        <p:nvPr/>
+      </p:nvGrpSpPr>
+      <p:grpSpPr>
+        <a:xfrm>
+          <a:off x="0" y="0"/>
+          <a:ext cx="0" cy="0"/>
+          <a:chOff x="0" y="0"/>
+          <a:chExt cx="0" cy="0"/>
+        </a:xfrm>
+      </p:grpSpPr>
+      <p:sp>
+        <p:nvSpPr>
+          <p:cNvPr id="2" name="Title 1"/>
+          <p:cNvSpPr>
+            <a:spLocks noGrp="1"/>
+          </p:cNvSpPr>
+          <p:nvPr>
+            <p:ph type="title"/>
+          </p:nvPr>
+        </p:nvSpPr>
+        <p:spPr/>
+        <p:txBody>
+          <a:bodyPr/>
+          <a:lstStyle/>
+          <a:p>
+            <a:r>
+              <a:rPr lang="en-US" dirty="0" err="1" smtClean="0"/>
+              <a:t>perancangan</a:t>
+            </a:r>
+            <a:endParaRPr lang="en-US" dirty="0"/>
+          </a:p>
+        </p:txBody>
+      </p:sp>
+      <p:sp>
+        <p:nvSpPr>
+          <p:cNvPr id="3" name="Content Placeholder 2"/>
+          <p:cNvSpPr>
+            <a:spLocks noGrp="1"/>
+          </p:cNvSpPr>
+          <p:nvPr>
+            <p:ph idx="1"/>
+          </p:nvPr>
+        </p:nvSpPr>
+        <p:spPr/>
+        <p:txBody>
+          <a:bodyPr/>
+          <a:lstStyle/>
+          <a:p>
+            <a:pPr marL="457200" indent="-457200">
+              <a:buFont typeface="+mj-lt"/>
+              <a:buAutoNum type="arabicPeriod"/>
+            </a:pPr>
+            <a:r>
+              <a:rPr lang="en-US" dirty="0" smtClean="0"/>
+              <a:t>Model </a:t>
+            </a:r>
+            <a:r>
+              <a:rPr lang="en-US" dirty="0" err="1" smtClean="0"/>
+              <a:t>penyimpanan</a:t>
+            </a:r>
+            <a:r>
+              <a:rPr lang="en-US" dirty="0" smtClean="0"/>
+              <a:t> data : Database per service.</a:t>
+            </a:r>
+          </a:p>
+          <a:p>
+            <a:pPr marL="457200" indent="-457200">
+              <a:buFont typeface="+mj-lt"/>
+              <a:buAutoNum type="arabicPeriod"/>
+            </a:pPr>
+            <a:r>
+              <a:rPr lang="en-US" dirty="0" err="1" smtClean="0"/>
+              <a:t>Pemilihan</a:t>
+            </a:r>
+            <a:r>
+              <a:rPr lang="en-US" dirty="0" smtClean="0"/>
+              <a:t> server basis data : PostgreSQL &amp; MongoDB (</a:t>
+            </a:r>
+            <a:r>
+              <a:rPr lang="en-US" dirty="0" err="1" smtClean="0"/>
+              <a:t>untuk</a:t>
+            </a:r>
+            <a:r>
+              <a:rPr lang="en-US" dirty="0" smtClean="0"/>
+              <a:t> </a:t>
+            </a:r>
+            <a:r>
+              <a:rPr lang="en-US" dirty="0" err="1" smtClean="0"/>
+              <a:t>kasus</a:t>
+            </a:r>
+            <a:r>
+              <a:rPr lang="en-US" dirty="0" smtClean="0"/>
+              <a:t> </a:t>
+            </a:r>
+            <a:r>
+              <a:rPr lang="en-US" dirty="0" err="1" smtClean="0"/>
+              <a:t>penyimpanan</a:t>
+            </a:r>
+            <a:r>
+              <a:rPr lang="en-US" dirty="0" smtClean="0"/>
+              <a:t> multimedia, </a:t>
+            </a:r>
+            <a:r>
+              <a:rPr lang="en-US" dirty="0" err="1" smtClean="0"/>
+              <a:t>karena</a:t>
+            </a:r>
+            <a:r>
+              <a:rPr lang="en-US" dirty="0" smtClean="0"/>
+              <a:t> </a:t>
+            </a:r>
+            <a:r>
+              <a:rPr lang="en-US" dirty="0" err="1" smtClean="0"/>
+              <a:t>dinilai</a:t>
+            </a:r>
+            <a:r>
+              <a:rPr lang="en-US" dirty="0" smtClean="0"/>
+              <a:t> </a:t>
+            </a:r>
+            <a:r>
+              <a:rPr lang="en-US" dirty="0" err="1" smtClean="0"/>
+              <a:t>mudah</a:t>
+            </a:r>
+            <a:r>
+              <a:rPr lang="en-US" dirty="0" smtClean="0"/>
+              <a:t>, </a:t>
+            </a:r>
+            <a:r>
+              <a:rPr lang="en-US" dirty="0" err="1" smtClean="0"/>
+              <a:t>cepat</a:t>
+            </a:r>
+            <a:r>
+              <a:rPr lang="en-US" dirty="0" smtClean="0"/>
+              <a:t>, </a:t>
+            </a:r>
+            <a:r>
+              <a:rPr lang="en-US" dirty="0" err="1" smtClean="0"/>
+              <a:t>dan</a:t>
+            </a:r>
+            <a:r>
+              <a:rPr lang="en-US" dirty="0" smtClean="0"/>
+              <a:t> </a:t>
+            </a:r>
+            <a:r>
+              <a:rPr lang="en-US" i="1" dirty="0" smtClean="0"/>
+              <a:t>open source).</a:t>
+            </a:r>
+          </a:p>
+          <a:p>
+            <a:pPr marL="457200" indent="-457200">
+              <a:buFont typeface="+mj-lt"/>
+              <a:buAutoNum type="arabicPeriod"/>
+            </a:pPr>
+            <a:r>
+              <a:rPr lang="en-US" dirty="0" err="1" smtClean="0"/>
+              <a:t>Komunikasi</a:t>
+            </a:r>
+            <a:r>
+              <a:rPr lang="en-US" dirty="0" smtClean="0"/>
+              <a:t> </a:t>
+            </a:r>
+            <a:r>
+              <a:rPr lang="en-US" dirty="0" err="1" smtClean="0"/>
+              <a:t>antar</a:t>
+            </a:r>
+            <a:r>
+              <a:rPr lang="en-US" dirty="0" smtClean="0"/>
+              <a:t> service : </a:t>
+            </a:r>
+            <a:r>
+              <a:rPr lang="en-US" i="1" dirty="0" smtClean="0"/>
+              <a:t>Web-service REST API </a:t>
+            </a:r>
+            <a:r>
+              <a:rPr lang="en-US" dirty="0" err="1" smtClean="0"/>
+              <a:t>dengan</a:t>
+            </a:r>
+            <a:r>
+              <a:rPr lang="en-US" dirty="0" smtClean="0"/>
+              <a:t> </a:t>
+            </a:r>
+            <a:r>
+              <a:rPr lang="en-US" dirty="0" err="1" smtClean="0"/>
+              <a:t>fomat</a:t>
+            </a:r>
+            <a:r>
+              <a:rPr lang="en-US" dirty="0" smtClean="0"/>
+              <a:t> data JSON</a:t>
+            </a:r>
+            <a:r>
+              <a:rPr lang="en-US" i="1" dirty="0" smtClean="0"/>
+              <a:t>.</a:t>
+            </a:r>
+            <a:endParaRPr lang="en-US" dirty="0" smtClean="0"/>
+          </a:p>
+          <a:p>
+            <a:pPr marL="457200" indent="-457200">
+              <a:buFont typeface="+mj-lt"/>
+              <a:buAutoNum type="arabicPeriod"/>
+            </a:pPr>
+            <a:r>
+              <a:rPr lang="en-US" dirty="0" err="1" smtClean="0"/>
+              <a:t>Rancangan</a:t>
+            </a:r>
+            <a:r>
+              <a:rPr lang="en-US" dirty="0" smtClean="0"/>
+              <a:t> deployment : </a:t>
+            </a:r>
+            <a:r>
+              <a:rPr lang="en-US" dirty="0" err="1" smtClean="0"/>
+              <a:t>Mulitple</a:t>
+            </a:r>
+            <a:r>
+              <a:rPr lang="en-US" dirty="0" smtClean="0"/>
+              <a:t> service per host </a:t>
+            </a:r>
+            <a:r>
+              <a:rPr lang="en-US" dirty="0" err="1" smtClean="0"/>
+              <a:t>dalam</a:t>
+            </a:r>
+            <a:r>
+              <a:rPr lang="en-US" dirty="0" smtClean="0"/>
+              <a:t> </a:t>
+            </a:r>
+            <a:r>
+              <a:rPr lang="en-US" dirty="0" err="1" smtClean="0"/>
+              <a:t>beberapa</a:t>
+            </a:r>
+            <a:r>
+              <a:rPr lang="en-US" dirty="0" smtClean="0"/>
+              <a:t> host (server).</a:t>
+            </a:r>
+          </a:p>
+          <a:p>
+            <a:pPr marL="457200" indent="-457200">
+              <a:buFont typeface="+mj-lt"/>
+              <a:buAutoNum type="arabicPeriod"/>
+            </a:pPr>
+            <a:r>
+              <a:rPr lang="en-US" dirty="0" err="1" smtClean="0"/>
+              <a:t>Pengujian</a:t>
+            </a:r>
+            <a:r>
+              <a:rPr lang="en-US" dirty="0" smtClean="0"/>
+              <a:t> : Test-plan </a:t>
+            </a:r>
+            <a:r>
+              <a:rPr lang="en-US" dirty="0" err="1" smtClean="0"/>
+              <a:t>dan</a:t>
+            </a:r>
+            <a:r>
+              <a:rPr lang="en-US" dirty="0" smtClean="0"/>
+              <a:t> </a:t>
+            </a:r>
+            <a:r>
+              <a:rPr lang="en-US" dirty="0" err="1" smtClean="0"/>
+              <a:t>didokumentasikan</a:t>
+            </a:r>
+            <a:r>
+              <a:rPr lang="en-US" dirty="0" smtClean="0"/>
+              <a:t> </a:t>
+            </a:r>
+            <a:r>
+              <a:rPr lang="en-US" dirty="0" err="1" smtClean="0"/>
+              <a:t>dalam</a:t>
+            </a:r>
+            <a:r>
+              <a:rPr lang="en-US" dirty="0" smtClean="0"/>
+              <a:t> traceability matrix.</a:t>
+            </a:r>
+            <a:endParaRPr lang="en-US" dirty="0"/>
+          </a:p>
+        </p:txBody>
+      </p:sp>
+    </p:spTree>
+    <p:extLst>
+      <p:ext uri="{BB962C8B-B14F-4D97-AF65-F5344CB8AC3E}">
+        <p14:creationId xmlns:p14="http://schemas.microsoft.com/office/powerpoint/2010/main" val="886435063"/>
+      </p:ext>
+    </p:extLst>
+  </p:cSld>
+  <p:clrMapOvr>
+    <a:masterClrMapping/>
+  </p:clrMapOvr>
+</p:sld>
+</file>
+
 <file path=ppt/slides/slide34.xml><?xml version="1.0" encoding="utf-8"?>
 <p:sld xmlns:a="http://schemas.openxmlformats.org/drawingml/2006/main" xmlns:r="http://schemas.openxmlformats.org/officeDocument/2006/relationships" xmlns:p="http://schemas.openxmlformats.org/presentationml/2006/main">
   <p:cSld>
@@ -25087,7 +26938,15 @@
           <a:p>
             <a:r>
               <a:rPr lang="en-US" dirty="0" err="1" smtClean="0"/>
-              <a:t>perancangan</a:t>
+              <a:t>Batasan</a:t>
+            </a:r>
+            <a:r>
+              <a:rPr lang="en-US" dirty="0" smtClean="0"/>
+              <a:t> </a:t>
+            </a:r>
+            <a:r>
+              <a:rPr lang="en-US" dirty="0" err="1" smtClean="0"/>
+              <a:t>implementasi</a:t>
             </a:r>
             <a:endParaRPr lang="en-US" dirty="0"/>
           </a:p>
@@ -25114,307 +26973,6 @@
             </a:pPr>
             <a:r>
               <a:rPr lang="en-US" dirty="0" smtClean="0"/>
-              <a:t>Model </a:t>
-            </a:r>
-            <a:r>
-              <a:rPr lang="en-US" dirty="0" err="1" smtClean="0"/>
-              <a:t>penyimpanan</a:t>
-            </a:r>
-            <a:r>
-              <a:rPr lang="en-US" dirty="0" smtClean="0"/>
-              <a:t> data : Database per service.</a:t>
-            </a:r>
-          </a:p>
-          <a:p>
-            <a:pPr marL="457200" indent="-457200">
-              <a:buFont typeface="+mj-lt"/>
-              <a:buAutoNum type="arabicPeriod"/>
-            </a:pPr>
-            <a:r>
-              <a:rPr lang="en-US" dirty="0" err="1" smtClean="0"/>
-              <a:t>Pemilihan</a:t>
-            </a:r>
-            <a:r>
-              <a:rPr lang="en-US" dirty="0" smtClean="0"/>
-              <a:t> server basis data : PostgreSQL &amp; MongoDB (</a:t>
-            </a:r>
-            <a:r>
-              <a:rPr lang="en-US" dirty="0" err="1" smtClean="0"/>
-              <a:t>untuk</a:t>
-            </a:r>
-            <a:r>
-              <a:rPr lang="en-US" dirty="0" smtClean="0"/>
-              <a:t> </a:t>
-            </a:r>
-            <a:r>
-              <a:rPr lang="en-US" dirty="0" err="1" smtClean="0"/>
-              <a:t>kasus</a:t>
-            </a:r>
-            <a:r>
-              <a:rPr lang="en-US" dirty="0" smtClean="0"/>
-              <a:t> </a:t>
-            </a:r>
-            <a:r>
-              <a:rPr lang="en-US" dirty="0" err="1" smtClean="0"/>
-              <a:t>penyimpanan</a:t>
-            </a:r>
-            <a:r>
-              <a:rPr lang="en-US" dirty="0" smtClean="0"/>
-              <a:t> multimedia, </a:t>
-            </a:r>
-            <a:r>
-              <a:rPr lang="en-US" dirty="0" err="1" smtClean="0"/>
-              <a:t>karena</a:t>
-            </a:r>
-            <a:r>
-              <a:rPr lang="en-US" dirty="0" smtClean="0"/>
-              <a:t> </a:t>
-            </a:r>
-            <a:r>
-              <a:rPr lang="en-US" dirty="0" err="1" smtClean="0"/>
-              <a:t>dinilai</a:t>
-            </a:r>
-            <a:r>
-              <a:rPr lang="en-US" dirty="0" smtClean="0"/>
-              <a:t> </a:t>
-            </a:r>
-            <a:r>
-              <a:rPr lang="en-US" dirty="0" err="1" smtClean="0"/>
-              <a:t>mudah</a:t>
-            </a:r>
-            <a:r>
-              <a:rPr lang="en-US" dirty="0" smtClean="0"/>
-              <a:t>, </a:t>
-            </a:r>
-            <a:r>
-              <a:rPr lang="en-US" dirty="0" err="1" smtClean="0"/>
-              <a:t>cepat</a:t>
-            </a:r>
-            <a:r>
-              <a:rPr lang="en-US" dirty="0" smtClean="0"/>
-              <a:t>, </a:t>
-            </a:r>
-            <a:r>
-              <a:rPr lang="en-US" dirty="0" err="1" smtClean="0"/>
-              <a:t>dan</a:t>
-            </a:r>
-            <a:r>
-              <a:rPr lang="en-US" dirty="0" smtClean="0"/>
-              <a:t> </a:t>
-            </a:r>
-            <a:r>
-              <a:rPr lang="en-US" i="1" dirty="0" smtClean="0"/>
-              <a:t>open source).</a:t>
-            </a:r>
-          </a:p>
-          <a:p>
-            <a:pPr marL="457200" indent="-457200">
-              <a:buFont typeface="+mj-lt"/>
-              <a:buAutoNum type="arabicPeriod"/>
-            </a:pPr>
-            <a:r>
-              <a:rPr lang="en-US" dirty="0" err="1" smtClean="0"/>
-              <a:t>Komunikasi</a:t>
-            </a:r>
-            <a:r>
-              <a:rPr lang="en-US" dirty="0" smtClean="0"/>
-              <a:t> </a:t>
-            </a:r>
-            <a:r>
-              <a:rPr lang="en-US" dirty="0" err="1" smtClean="0"/>
-              <a:t>antar</a:t>
-            </a:r>
-            <a:r>
-              <a:rPr lang="en-US" dirty="0" smtClean="0"/>
-              <a:t> service : </a:t>
-            </a:r>
-            <a:r>
-              <a:rPr lang="en-US" i="1" dirty="0" smtClean="0"/>
-              <a:t>Web-service REST API </a:t>
-            </a:r>
-            <a:r>
-              <a:rPr lang="en-US" dirty="0" err="1" smtClean="0"/>
-              <a:t>dengan</a:t>
-            </a:r>
-            <a:r>
-              <a:rPr lang="en-US" dirty="0" smtClean="0"/>
-              <a:t> </a:t>
-            </a:r>
-            <a:r>
-              <a:rPr lang="en-US" dirty="0" err="1" smtClean="0"/>
-              <a:t>fomat</a:t>
-            </a:r>
-            <a:r>
-              <a:rPr lang="en-US" dirty="0" smtClean="0"/>
-              <a:t> data JSON</a:t>
-            </a:r>
-            <a:r>
-              <a:rPr lang="en-US" i="1" dirty="0" smtClean="0"/>
-              <a:t>.</a:t>
-            </a:r>
-            <a:endParaRPr lang="en-US" dirty="0" smtClean="0"/>
-          </a:p>
-          <a:p>
-            <a:pPr marL="457200" indent="-457200">
-              <a:buFont typeface="+mj-lt"/>
-              <a:buAutoNum type="arabicPeriod"/>
-            </a:pPr>
-            <a:r>
-              <a:rPr lang="en-US" dirty="0" err="1" smtClean="0"/>
-              <a:t>Rancangan</a:t>
-            </a:r>
-            <a:r>
-              <a:rPr lang="en-US" dirty="0" smtClean="0"/>
-              <a:t> deployment : </a:t>
-            </a:r>
-            <a:r>
-              <a:rPr lang="en-US" dirty="0" err="1" smtClean="0"/>
-              <a:t>Mulitple</a:t>
-            </a:r>
-            <a:r>
-              <a:rPr lang="en-US" dirty="0" smtClean="0"/>
-              <a:t> service per host </a:t>
-            </a:r>
-            <a:r>
-              <a:rPr lang="en-US" dirty="0" err="1" smtClean="0"/>
-              <a:t>dalam</a:t>
-            </a:r>
-            <a:r>
-              <a:rPr lang="en-US" dirty="0" smtClean="0"/>
-              <a:t> </a:t>
-            </a:r>
-            <a:r>
-              <a:rPr lang="en-US" dirty="0" err="1" smtClean="0"/>
-              <a:t>beberapa</a:t>
-            </a:r>
-            <a:r>
-              <a:rPr lang="en-US" dirty="0" smtClean="0"/>
-              <a:t> host (server).</a:t>
-            </a:r>
-          </a:p>
-          <a:p>
-            <a:pPr marL="457200" indent="-457200">
-              <a:buFont typeface="+mj-lt"/>
-              <a:buAutoNum type="arabicPeriod"/>
-            </a:pPr>
-            <a:r>
-              <a:rPr lang="en-US" dirty="0" err="1" smtClean="0"/>
-              <a:t>Pengujian</a:t>
-            </a:r>
-            <a:r>
-              <a:rPr lang="en-US" dirty="0" smtClean="0"/>
-              <a:t> : Test-plan </a:t>
-            </a:r>
-            <a:r>
-              <a:rPr lang="en-US" dirty="0" err="1" smtClean="0"/>
-              <a:t>dan</a:t>
-            </a:r>
-            <a:r>
-              <a:rPr lang="en-US" dirty="0" smtClean="0"/>
-              <a:t> </a:t>
-            </a:r>
-            <a:r>
-              <a:rPr lang="en-US" dirty="0" err="1" smtClean="0"/>
-              <a:t>didokumentasikan</a:t>
-            </a:r>
-            <a:r>
-              <a:rPr lang="en-US" dirty="0" smtClean="0"/>
-              <a:t> </a:t>
-            </a:r>
-            <a:r>
-              <a:rPr lang="en-US" dirty="0" err="1" smtClean="0"/>
-              <a:t>dalam</a:t>
-            </a:r>
-            <a:r>
-              <a:rPr lang="en-US" dirty="0" smtClean="0"/>
-              <a:t> traceability matrix.</a:t>
-            </a:r>
-            <a:endParaRPr lang="en-US" dirty="0"/>
-          </a:p>
-        </p:txBody>
-      </p:sp>
-    </p:spTree>
-    <p:extLst>
-      <p:ext uri="{BB962C8B-B14F-4D97-AF65-F5344CB8AC3E}">
-        <p14:creationId xmlns:p14="http://schemas.microsoft.com/office/powerpoint/2010/main" val="886435063"/>
-      </p:ext>
-    </p:extLst>
-  </p:cSld>
-  <p:clrMapOvr>
-    <a:masterClrMapping/>
-  </p:clrMapOvr>
-</p:sld>
-</file>
-
-<file path=ppt/slides/slide35.xml><?xml version="1.0" encoding="utf-8"?>
-<p:sld xmlns:a="http://schemas.openxmlformats.org/drawingml/2006/main" xmlns:r="http://schemas.openxmlformats.org/officeDocument/2006/relationships" xmlns:p="http://schemas.openxmlformats.org/presentationml/2006/main">
-  <p:cSld>
-    <p:spTree>
-      <p:nvGrpSpPr>
-        <p:cNvPr id="1" name=""/>
-        <p:cNvGrpSpPr/>
-        <p:nvPr/>
-      </p:nvGrpSpPr>
-      <p:grpSpPr>
-        <a:xfrm>
-          <a:off x="0" y="0"/>
-          <a:ext cx="0" cy="0"/>
-          <a:chOff x="0" y="0"/>
-          <a:chExt cx="0" cy="0"/>
-        </a:xfrm>
-      </p:grpSpPr>
-      <p:sp>
-        <p:nvSpPr>
-          <p:cNvPr id="2" name="Title 1"/>
-          <p:cNvSpPr>
-            <a:spLocks noGrp="1"/>
-          </p:cNvSpPr>
-          <p:nvPr>
-            <p:ph type="title"/>
-          </p:nvPr>
-        </p:nvSpPr>
-        <p:spPr/>
-        <p:txBody>
-          <a:bodyPr/>
-          <a:lstStyle/>
-          <a:p>
-            <a:r>
-              <a:rPr lang="en-US" dirty="0" err="1" smtClean="0"/>
-              <a:t>Batasan</a:t>
-            </a:r>
-            <a:r>
-              <a:rPr lang="en-US" dirty="0" smtClean="0"/>
-              <a:t> </a:t>
-            </a:r>
-            <a:r>
-              <a:rPr lang="en-US" dirty="0" err="1" smtClean="0"/>
-              <a:t>implementasi</a:t>
-            </a:r>
-            <a:endParaRPr lang="en-US" dirty="0"/>
-          </a:p>
-        </p:txBody>
-      </p:sp>
-      <p:sp>
-        <p:nvSpPr>
-          <p:cNvPr id="3" name="Content Placeholder 2"/>
-          <p:cNvSpPr>
-            <a:spLocks noGrp="1"/>
-          </p:cNvSpPr>
-          <p:nvPr>
-            <p:ph idx="1"/>
-          </p:nvPr>
-        </p:nvSpPr>
-        <p:spPr/>
-        <p:txBody>
-          <a:bodyPr/>
-          <a:lstStyle/>
-          <a:p>
-            <a:pPr marL="457200" indent="-457200">
-              <a:buFont typeface="+mj-lt"/>
-              <a:buAutoNum type="arabicPeriod"/>
-            </a:pPr>
-            <a:r>
-              <a:rPr lang="en-US" dirty="0" smtClean="0"/>
               <a:t>Server yang </a:t>
             </a:r>
             <a:r>
@@ -25550,7 +27108,7 @@
 </p:sld>
 </file>
 
-<file path=ppt/slides/slide36.xml><?xml version="1.0" encoding="utf-8"?>
+<file path=ppt/slides/slide35.xml><?xml version="1.0" encoding="utf-8"?>
 <p:sld xmlns:a="http://schemas.openxmlformats.org/drawingml/2006/main" xmlns:r="http://schemas.openxmlformats.org/officeDocument/2006/relationships" xmlns:p="http://schemas.openxmlformats.org/presentationml/2006/main">
   <p:cSld>
     <p:spTree>
@@ -25853,15 +27411,7 @@
           <a:p>
             <a:r>
               <a:rPr lang="en-US" dirty="0" err="1" smtClean="0"/>
-              <a:t>Tujuan</a:t>
-            </a:r>
-            <a:r>
-              <a:rPr lang="en-US" dirty="0" smtClean="0"/>
-              <a:t> </a:t>
-            </a:r>
-            <a:r>
-              <a:rPr lang="en-US" dirty="0" err="1" smtClean="0"/>
-              <a:t>penelitian</a:t>
+              <a:t>pendahuluan</a:t>
             </a:r>
             <a:endParaRPr lang="en-US" dirty="0"/>
           </a:p>
@@ -25869,12 +27419,12 @@
       </p:sp>
       <p:sp>
         <p:nvSpPr>
-          <p:cNvPr id="3" name="Content Placeholder 2"/>
+          <p:cNvPr id="3" name="Text Placeholder 2"/>
           <p:cNvSpPr>
             <a:spLocks noGrp="1"/>
           </p:cNvSpPr>
           <p:nvPr>
-            <p:ph idx="1"/>
+            <p:ph type="body" idx="1"/>
           </p:nvPr>
         </p:nvSpPr>
         <p:spPr/>
@@ -25883,8 +27433,43 @@
           <a:lstStyle/>
           <a:p>
             <a:r>
-              <a:rPr lang="en-US" dirty="0" smtClean="0"/>
-              <a:t>-</a:t>
+              <a:rPr lang="en-US" dirty="0" err="1" smtClean="0"/>
+              <a:t>Tujuan</a:t>
+            </a:r>
+            <a:r>
+              <a:rPr lang="en-US" dirty="0" smtClean="0"/>
+              <a:t> </a:t>
+            </a:r>
+            <a:r>
+              <a:rPr lang="en-US" dirty="0" err="1" smtClean="0"/>
+              <a:t>Penelitian</a:t>
+            </a:r>
+            <a:endParaRPr lang="en-US" dirty="0"/>
+          </a:p>
+        </p:txBody>
+      </p:sp>
+      <p:sp>
+        <p:nvSpPr>
+          <p:cNvPr id="4" name="Content Placeholder 3"/>
+          <p:cNvSpPr>
+            <a:spLocks noGrp="1"/>
+          </p:cNvSpPr>
+          <p:nvPr>
+            <p:ph sz="half" idx="2"/>
+          </p:nvPr>
+        </p:nvSpPr>
+        <p:spPr/>
+        <p:txBody>
+          <a:bodyPr/>
+          <a:lstStyle/>
+          <a:p>
+            <a:pPr>
+              <a:buFont typeface="Arial" panose="020B0604020202020204" pitchFamily="34" charset="0"/>
+              <a:buChar char="•"/>
+            </a:pPr>
+            <a:r>
+              <a:rPr lang="en-US" dirty="0" smtClean="0"/>
+              <a:t> </a:t>
             </a:r>
             <a:r>
               <a:rPr lang="en-US" dirty="0" err="1" smtClean="0"/>
@@ -25895,63 +27480,70 @@
               <a:t> </a:t>
             </a:r>
             <a:r>
-              <a:rPr lang="en-US" dirty="0" err="1" smtClean="0"/>
+              <a:rPr lang="en-US" dirty="0" err="1"/>
               <a:t>tahapan</a:t>
             </a:r>
             <a:r>
-              <a:rPr lang="en-US" dirty="0" smtClean="0"/>
-              <a:t> </a:t>
-            </a:r>
-            <a:r>
-              <a:rPr lang="en-US" dirty="0" err="1" smtClean="0"/>
+              <a:rPr lang="en-US" dirty="0"/>
+              <a:t> </a:t>
+            </a:r>
+            <a:r>
+              <a:rPr lang="en-US" dirty="0" err="1"/>
               <a:t>migrasi</a:t>
             </a:r>
             <a:r>
-              <a:rPr lang="en-US" dirty="0" smtClean="0"/>
-              <a:t> </a:t>
-            </a:r>
-            <a:r>
-              <a:rPr lang="en-US" dirty="0" err="1" smtClean="0"/>
+              <a:rPr lang="en-US" dirty="0"/>
+              <a:t> </a:t>
+            </a:r>
+            <a:r>
+              <a:rPr lang="en-US" dirty="0" err="1"/>
               <a:t>dari</a:t>
             </a:r>
             <a:r>
-              <a:rPr lang="en-US" dirty="0" smtClean="0"/>
-              <a:t> </a:t>
-            </a:r>
-            <a:r>
-              <a:rPr lang="en-US" dirty="0" err="1" smtClean="0"/>
+              <a:rPr lang="en-US" dirty="0"/>
+              <a:t> </a:t>
+            </a:r>
+            <a:r>
+              <a:rPr lang="en-US" dirty="0" err="1"/>
               <a:t>arsitektur</a:t>
             </a:r>
             <a:r>
-              <a:rPr lang="en-US" dirty="0" smtClean="0"/>
-              <a:t> </a:t>
-            </a:r>
-            <a:r>
-              <a:rPr lang="en-US" dirty="0" err="1" smtClean="0"/>
+              <a:rPr lang="en-US" dirty="0"/>
+              <a:t> </a:t>
+            </a:r>
+            <a:r>
+              <a:rPr lang="en-US" dirty="0" err="1"/>
               <a:t>monolitik</a:t>
             </a:r>
             <a:r>
-              <a:rPr lang="en-US" dirty="0" smtClean="0"/>
-              <a:t> </a:t>
-            </a:r>
-            <a:r>
-              <a:rPr lang="en-US" dirty="0" err="1" smtClean="0"/>
+              <a:rPr lang="en-US" dirty="0"/>
+              <a:t> </a:t>
+            </a:r>
+            <a:r>
+              <a:rPr lang="en-US" dirty="0" err="1"/>
               <a:t>menjadi</a:t>
             </a:r>
             <a:r>
-              <a:rPr lang="en-US" dirty="0" smtClean="0"/>
-              <a:t> </a:t>
-            </a:r>
-            <a:r>
-              <a:rPr lang="en-US" dirty="0" err="1" smtClean="0"/>
+              <a:rPr lang="en-US" dirty="0"/>
+              <a:t> </a:t>
+            </a:r>
+            <a:r>
+              <a:rPr lang="en-US" dirty="0" err="1"/>
               <a:t>microservice</a:t>
             </a:r>
-            <a:endParaRPr lang="en-US" dirty="0" smtClean="0"/>
+            <a:r>
+              <a:rPr lang="en-US" dirty="0"/>
+              <a:t>.</a:t>
+            </a:r>
           </a:p>
           <a:p>
-            <a:r>
-              <a:rPr lang="en-US" dirty="0" smtClean="0"/>
-              <a:t>-</a:t>
+            <a:pPr>
+              <a:buFont typeface="Arial" panose="020B0604020202020204" pitchFamily="34" charset="0"/>
+              <a:buChar char="•"/>
+            </a:pPr>
+            <a:r>
+              <a:rPr lang="en-US" dirty="0" smtClean="0"/>
+              <a:t> </a:t>
             </a:r>
             <a:r>
               <a:rPr lang="en-US" dirty="0" err="1" smtClean="0"/>
@@ -25962,90 +27554,94 @@
               <a:t> </a:t>
             </a:r>
             <a:r>
-              <a:rPr lang="en-US" dirty="0" err="1" smtClean="0"/>
+              <a:rPr lang="en-US" dirty="0" err="1"/>
               <a:t>bahwa</a:t>
             </a:r>
             <a:r>
-              <a:rPr lang="en-US" dirty="0" smtClean="0"/>
-              <a:t> </a:t>
-            </a:r>
-            <a:r>
-              <a:rPr lang="en-US" dirty="0" err="1" smtClean="0"/>
+              <a:rPr lang="en-US" dirty="0"/>
+              <a:t> </a:t>
+            </a:r>
+            <a:r>
+              <a:rPr lang="en-US" dirty="0" err="1"/>
               <a:t>performa</a:t>
             </a:r>
             <a:r>
-              <a:rPr lang="en-US" dirty="0" smtClean="0"/>
+              <a:rPr lang="en-US" dirty="0"/>
               <a:t> yang </a:t>
             </a:r>
             <a:r>
-              <a:rPr lang="en-US" dirty="0" err="1" smtClean="0"/>
+              <a:rPr lang="en-US" dirty="0" err="1"/>
               <a:t>dihasilkan</a:t>
             </a:r>
             <a:r>
-              <a:rPr lang="en-US" dirty="0" smtClean="0"/>
-              <a:t> </a:t>
-            </a:r>
-            <a:r>
-              <a:rPr lang="en-US" dirty="0" err="1" smtClean="0"/>
+              <a:rPr lang="en-US" dirty="0"/>
+              <a:t> </a:t>
+            </a:r>
+            <a:r>
+              <a:rPr lang="en-US" dirty="0" err="1"/>
               <a:t>arsitektur</a:t>
             </a:r>
             <a:r>
-              <a:rPr lang="en-US" dirty="0" smtClean="0"/>
-              <a:t> </a:t>
-            </a:r>
-            <a:r>
-              <a:rPr lang="en-US" dirty="0" err="1" smtClean="0"/>
+              <a:rPr lang="en-US" dirty="0"/>
+              <a:t> </a:t>
+            </a:r>
+            <a:r>
+              <a:rPr lang="en-US" dirty="0" err="1"/>
               <a:t>baru</a:t>
             </a:r>
             <a:r>
-              <a:rPr lang="en-US" dirty="0" smtClean="0"/>
-              <a:t> </a:t>
-            </a:r>
-            <a:r>
-              <a:rPr lang="en-US" dirty="0" err="1" smtClean="0"/>
+              <a:rPr lang="en-US" dirty="0"/>
+              <a:t> </a:t>
+            </a:r>
+            <a:r>
+              <a:rPr lang="en-US" dirty="0" err="1"/>
               <a:t>akan</a:t>
             </a:r>
             <a:r>
-              <a:rPr lang="en-US" dirty="0" smtClean="0"/>
-              <a:t> </a:t>
-            </a:r>
-            <a:r>
-              <a:rPr lang="en-US" dirty="0" err="1" smtClean="0"/>
+              <a:rPr lang="en-US" dirty="0"/>
+              <a:t> </a:t>
+            </a:r>
+            <a:r>
+              <a:rPr lang="en-US" dirty="0" err="1"/>
               <a:t>jauh</a:t>
             </a:r>
             <a:r>
-              <a:rPr lang="en-US" dirty="0" smtClean="0"/>
-              <a:t> </a:t>
-            </a:r>
-            <a:r>
-              <a:rPr lang="en-US" dirty="0" err="1" smtClean="0"/>
+              <a:rPr lang="en-US" dirty="0"/>
+              <a:t> </a:t>
+            </a:r>
+            <a:r>
+              <a:rPr lang="en-US" dirty="0" err="1"/>
               <a:t>melebihi</a:t>
             </a:r>
             <a:r>
-              <a:rPr lang="en-US" dirty="0" smtClean="0"/>
-              <a:t> </a:t>
-            </a:r>
-            <a:r>
-              <a:rPr lang="en-US" dirty="0" err="1" smtClean="0"/>
+              <a:rPr lang="en-US" dirty="0"/>
+              <a:t> </a:t>
+            </a:r>
+            <a:r>
+              <a:rPr lang="en-US" dirty="0" err="1"/>
               <a:t>arsitektur</a:t>
             </a:r>
             <a:r>
-              <a:rPr lang="en-US" dirty="0" smtClean="0"/>
-              <a:t> </a:t>
-            </a:r>
-            <a:r>
-              <a:rPr lang="en-US" dirty="0" err="1" smtClean="0"/>
+              <a:rPr lang="en-US" dirty="0"/>
+              <a:t> </a:t>
+            </a:r>
+            <a:r>
+              <a:rPr lang="en-US" dirty="0" err="1"/>
               <a:t>konvensional</a:t>
             </a:r>
-            <a:endParaRPr lang="en-US" dirty="0" smtClean="0"/>
+            <a:r>
+              <a:rPr lang="en-US" dirty="0"/>
+              <a:t>.</a:t>
+            </a:r>
           </a:p>
           <a:p>
-            <a:pPr marL="0" indent="0">
-              <a:buNone/>
+            <a:pPr>
+              <a:buFont typeface="Arial" panose="020B0604020202020204" pitchFamily="34" charset="0"/>
+              <a:buChar char="•"/>
             </a:pPr>
             <a:r>
               <a:rPr lang="en-US" dirty="0" smtClean="0"/>
-              <a:t>-</a:t>
+              <a:t> </a:t>
             </a:r>
             <a:r>
               <a:rPr lang="en-US" dirty="0" err="1" smtClean="0"/>
@@ -26056,65 +27652,271 @@
               <a:t> </a:t>
             </a:r>
             <a:r>
-              <a:rPr lang="en-US" dirty="0" err="1" smtClean="0"/>
+              <a:rPr lang="en-US" dirty="0" err="1"/>
               <a:t>cara</a:t>
             </a:r>
             <a:r>
-              <a:rPr lang="en-US" dirty="0" smtClean="0"/>
-              <a:t> </a:t>
-            </a:r>
-            <a:r>
-              <a:rPr lang="en-US" dirty="0" err="1" smtClean="0"/>
+              <a:rPr lang="en-US" dirty="0"/>
+              <a:t> </a:t>
+            </a:r>
+            <a:r>
+              <a:rPr lang="en-US" dirty="0" err="1"/>
               <a:t>menerapkan</a:t>
             </a:r>
             <a:r>
-              <a:rPr lang="en-US" dirty="0" smtClean="0"/>
+              <a:rPr lang="en-US" dirty="0"/>
               <a:t>, </a:t>
             </a:r>
             <a:r>
-              <a:rPr lang="en-US" dirty="0" err="1" smtClean="0"/>
+              <a:rPr lang="en-US" dirty="0" err="1"/>
               <a:t>melakukan</a:t>
             </a:r>
             <a:r>
-              <a:rPr lang="en-US" dirty="0" smtClean="0"/>
-              <a:t> </a:t>
-            </a:r>
-            <a:r>
-              <a:rPr lang="en-US" i="1" dirty="0" smtClean="0"/>
+              <a:rPr lang="en-US" dirty="0"/>
+              <a:t> </a:t>
+            </a:r>
+            <a:r>
+              <a:rPr lang="en-US" i="1" dirty="0"/>
               <a:t>deployment</a:t>
             </a:r>
             <a:r>
-              <a:rPr lang="en-US" dirty="0" smtClean="0"/>
+              <a:rPr lang="en-US" dirty="0"/>
               <a:t>, </a:t>
             </a:r>
             <a:r>
-              <a:rPr lang="en-US" dirty="0" err="1" smtClean="0"/>
+              <a:rPr lang="en-US" dirty="0" err="1"/>
               <a:t>dan</a:t>
             </a:r>
             <a:r>
-              <a:rPr lang="en-US" dirty="0" smtClean="0"/>
-              <a:t> </a:t>
-            </a:r>
-            <a:r>
-              <a:rPr lang="en-US" dirty="0" err="1" smtClean="0"/>
+              <a:rPr lang="en-US" dirty="0"/>
+              <a:t> </a:t>
+            </a:r>
+            <a:r>
+              <a:rPr lang="en-US" dirty="0" err="1"/>
               <a:t>mengkonsumsi</a:t>
             </a:r>
             <a:r>
-              <a:rPr lang="en-US" dirty="0" smtClean="0"/>
+              <a:rPr lang="en-US" dirty="0"/>
               <a:t> web service yang </a:t>
             </a:r>
             <a:r>
-              <a:rPr lang="en-US" dirty="0" err="1" smtClean="0"/>
+              <a:rPr lang="en-US" dirty="0" err="1"/>
               <a:t>telah</a:t>
             </a:r>
             <a:r>
-              <a:rPr lang="en-US" dirty="0" smtClean="0"/>
-              <a:t> </a:t>
-            </a:r>
-            <a:r>
-              <a:rPr lang="en-US" dirty="0" err="1" smtClean="0"/>
+              <a:rPr lang="en-US" dirty="0"/>
+              <a:t> </a:t>
+            </a:r>
+            <a:r>
+              <a:rPr lang="en-US" dirty="0" err="1"/>
               <a:t>dirancang</a:t>
             </a:r>
+            <a:r>
+              <a:rPr lang="en-US" dirty="0"/>
+              <a:t>.</a:t>
+            </a:r>
+          </a:p>
+          <a:p>
+            <a:pPr>
+              <a:buFont typeface="Arial" panose="020B0604020202020204" pitchFamily="34" charset="0"/>
+              <a:buChar char="•"/>
+            </a:pPr>
+            <a:endParaRPr lang="en-US" dirty="0"/>
+          </a:p>
+        </p:txBody>
+      </p:sp>
+      <p:sp>
+        <p:nvSpPr>
+          <p:cNvPr id="5" name="Text Placeholder 4"/>
+          <p:cNvSpPr>
+            <a:spLocks noGrp="1"/>
+          </p:cNvSpPr>
+          <p:nvPr>
+            <p:ph type="body" sz="quarter" idx="3"/>
+          </p:nvPr>
+        </p:nvSpPr>
+        <p:spPr/>
+        <p:txBody>
+          <a:bodyPr/>
+          <a:lstStyle/>
+          <a:p>
+            <a:r>
+              <a:rPr lang="en-US" dirty="0" err="1" smtClean="0"/>
+              <a:t>Manfaat</a:t>
+            </a:r>
+            <a:r>
+              <a:rPr lang="en-US" dirty="0" smtClean="0"/>
+              <a:t> </a:t>
+            </a:r>
+            <a:r>
+              <a:rPr lang="en-US" dirty="0" err="1" smtClean="0"/>
+              <a:t>Penelitian</a:t>
+            </a:r>
+            <a:endParaRPr lang="en-US" dirty="0"/>
+          </a:p>
+        </p:txBody>
+      </p:sp>
+      <p:sp>
+        <p:nvSpPr>
+          <p:cNvPr id="6" name="Content Placeholder 5"/>
+          <p:cNvSpPr>
+            <a:spLocks noGrp="1"/>
+          </p:cNvSpPr>
+          <p:nvPr>
+            <p:ph sz="quarter" idx="4"/>
+          </p:nvPr>
+        </p:nvSpPr>
+        <p:spPr/>
+        <p:txBody>
+          <a:bodyPr/>
+          <a:lstStyle/>
+          <a:p>
+            <a:pPr>
+              <a:buFont typeface="Arial" panose="020B0604020202020204" pitchFamily="34" charset="0"/>
+              <a:buChar char="•"/>
+            </a:pPr>
+            <a:r>
+              <a:rPr lang="en-US" dirty="0" smtClean="0"/>
+              <a:t> </a:t>
+            </a:r>
+            <a:r>
+              <a:rPr lang="en-US" dirty="0" err="1" smtClean="0"/>
+              <a:t>Memberikan</a:t>
+            </a:r>
+            <a:r>
+              <a:rPr lang="en-US" dirty="0" smtClean="0"/>
+              <a:t> </a:t>
+            </a:r>
+            <a:r>
+              <a:rPr lang="en-US" dirty="0" err="1"/>
+              <a:t>panduan</a:t>
+            </a:r>
+            <a:r>
+              <a:rPr lang="en-US" dirty="0"/>
+              <a:t> </a:t>
+            </a:r>
+            <a:r>
+              <a:rPr lang="en-US" dirty="0" err="1"/>
+              <a:t>migrasi</a:t>
+            </a:r>
+            <a:r>
+              <a:rPr lang="en-US" dirty="0"/>
+              <a:t> </a:t>
+            </a:r>
+            <a:r>
+              <a:rPr lang="en-US" dirty="0" err="1"/>
+              <a:t>dari</a:t>
+            </a:r>
+            <a:r>
+              <a:rPr lang="en-US" dirty="0"/>
+              <a:t> </a:t>
+            </a:r>
+            <a:r>
+              <a:rPr lang="en-US" dirty="0" err="1"/>
+              <a:t>arsitektur</a:t>
+            </a:r>
+            <a:r>
+              <a:rPr lang="en-US" dirty="0"/>
+              <a:t> </a:t>
+            </a:r>
+            <a:r>
+              <a:rPr lang="en-US" dirty="0" err="1"/>
+              <a:t>konvensional</a:t>
+            </a:r>
+            <a:r>
+              <a:rPr lang="en-US" dirty="0"/>
+              <a:t> </a:t>
+            </a:r>
+            <a:r>
+              <a:rPr lang="en-US" dirty="0" err="1"/>
+              <a:t>menjadi</a:t>
+            </a:r>
+            <a:r>
+              <a:rPr lang="en-US" dirty="0"/>
+              <a:t> </a:t>
+            </a:r>
+            <a:r>
+              <a:rPr lang="en-US" dirty="0" err="1"/>
+              <a:t>arsitektur</a:t>
+            </a:r>
+            <a:r>
+              <a:rPr lang="en-US" dirty="0"/>
+              <a:t> </a:t>
+            </a:r>
+            <a:r>
+              <a:rPr lang="en-US" dirty="0" err="1"/>
+              <a:t>microservice</a:t>
+            </a:r>
+            <a:endParaRPr lang="en-US" dirty="0"/>
+          </a:p>
+          <a:p>
+            <a:pPr>
+              <a:buFont typeface="Arial" panose="020B0604020202020204" pitchFamily="34" charset="0"/>
+              <a:buChar char="•"/>
+            </a:pPr>
+            <a:r>
+              <a:rPr lang="en-US" dirty="0" smtClean="0"/>
+              <a:t> </a:t>
+            </a:r>
+            <a:r>
+              <a:rPr lang="en-US" dirty="0" err="1" smtClean="0"/>
+              <a:t>Memberikan</a:t>
+            </a:r>
+            <a:r>
+              <a:rPr lang="en-US" dirty="0" smtClean="0"/>
+              <a:t> </a:t>
+            </a:r>
+            <a:r>
+              <a:rPr lang="en-US" dirty="0" err="1"/>
+              <a:t>hasil</a:t>
+            </a:r>
+            <a:r>
+              <a:rPr lang="en-US" dirty="0"/>
+              <a:t> </a:t>
+            </a:r>
+            <a:r>
+              <a:rPr lang="en-US" dirty="0" err="1"/>
+              <a:t>perbandingan</a:t>
+            </a:r>
+            <a:r>
+              <a:rPr lang="en-US" dirty="0"/>
+              <a:t> </a:t>
+            </a:r>
+            <a:r>
+              <a:rPr lang="en-US" dirty="0" err="1"/>
+              <a:t>performa</a:t>
+            </a:r>
+            <a:r>
+              <a:rPr lang="en-US" dirty="0"/>
+              <a:t> </a:t>
+            </a:r>
+            <a:r>
+              <a:rPr lang="en-US" dirty="0" err="1"/>
+              <a:t>dari</a:t>
+            </a:r>
+            <a:r>
+              <a:rPr lang="en-US" dirty="0"/>
+              <a:t> </a:t>
+            </a:r>
+            <a:r>
+              <a:rPr lang="en-US" dirty="0" err="1"/>
+              <a:t>kedua</a:t>
+            </a:r>
+            <a:r>
+              <a:rPr lang="en-US" dirty="0"/>
+              <a:t> </a:t>
+            </a:r>
+            <a:r>
+              <a:rPr lang="en-US" dirty="0" err="1"/>
+              <a:t>arsitektur</a:t>
+            </a:r>
+            <a:endParaRPr lang="en-US" dirty="0"/>
+          </a:p>
+          <a:p>
+            <a:pPr>
+              <a:buFont typeface="Arial" panose="020B0604020202020204" pitchFamily="34" charset="0"/>
+              <a:buChar char="•"/>
+            </a:pPr>
             <a:endParaRPr lang="en-US" dirty="0"/>
           </a:p>
         </p:txBody>
@@ -26122,13 +27924,20 @@
     </p:spTree>
     <p:extLst>
       <p:ext uri="{BB962C8B-B14F-4D97-AF65-F5344CB8AC3E}">
-        <p14:creationId xmlns:p14="http://schemas.microsoft.com/office/powerpoint/2010/main" val="1238423808"/>
+        <p14:creationId xmlns:p14="http://schemas.microsoft.com/office/powerpoint/2010/main" val="2898124563"/>
       </p:ext>
     </p:extLst>
   </p:cSld>
   <p:clrMapOvr>
     <a:masterClrMapping/>
   </p:clrMapOvr>
+  <p:timing>
+    <p:tnLst>
+      <p:par>
+        <p:cTn id="1" dur="indefinite" restart="never" nodeType="tmRoot"/>
+      </p:par>
+    </p:tnLst>
+  </p:timing>
 </p:sld>
 </file>
 
@@ -26166,7 +27975,15 @@
           <a:p>
             <a:r>
               <a:rPr lang="en-US" dirty="0" err="1" smtClean="0"/>
-              <a:t>Manfaat</a:t>
+              <a:t>Landasan</a:t>
+            </a:r>
+            <a:r>
+              <a:rPr lang="en-US" dirty="0" smtClean="0"/>
+              <a:t> </a:t>
+            </a:r>
+            <a:r>
+              <a:rPr lang="en-US" dirty="0" err="1" smtClean="0"/>
+              <a:t>teori</a:t>
             </a:r>
             <a:endParaRPr lang="en-US" dirty="0"/>
           </a:p>
@@ -26187,137 +28004,6 @@
           <a:bodyPr/>
           <a:lstStyle/>
           <a:p>
-            <a:r>
-              <a:rPr lang="en-US" dirty="0" smtClean="0"/>
-              <a:t>-</a:t>
-            </a:r>
-            <a:r>
-              <a:rPr lang="en-US" dirty="0" err="1" smtClean="0"/>
-              <a:t>Memberikan</a:t>
-            </a:r>
-            <a:r>
-              <a:rPr lang="en-US" dirty="0" smtClean="0"/>
-              <a:t> </a:t>
-            </a:r>
-            <a:r>
-              <a:rPr lang="en-US" dirty="0" err="1" smtClean="0"/>
-              <a:t>panduan</a:t>
-            </a:r>
-            <a:r>
-              <a:rPr lang="en-US" dirty="0" smtClean="0"/>
-              <a:t> </a:t>
-            </a:r>
-            <a:r>
-              <a:rPr lang="en-US" dirty="0" err="1" smtClean="0"/>
-              <a:t>migrasi</a:t>
-            </a:r>
-            <a:r>
-              <a:rPr lang="en-US" dirty="0" smtClean="0"/>
-              <a:t> </a:t>
-            </a:r>
-            <a:r>
-              <a:rPr lang="en-US" dirty="0" err="1" smtClean="0"/>
-              <a:t>dari</a:t>
-            </a:r>
-            <a:r>
-              <a:rPr lang="en-US" dirty="0" smtClean="0"/>
-              <a:t> </a:t>
-            </a:r>
-            <a:r>
-              <a:rPr lang="en-US" dirty="0" err="1" smtClean="0"/>
-              <a:t>arsitektur</a:t>
-            </a:r>
-            <a:r>
-              <a:rPr lang="en-US" dirty="0" smtClean="0"/>
-              <a:t> </a:t>
-            </a:r>
-            <a:r>
-              <a:rPr lang="en-US" dirty="0" err="1" smtClean="0"/>
-              <a:t>konvensional</a:t>
-            </a:r>
-            <a:r>
-              <a:rPr lang="en-US" dirty="0" smtClean="0"/>
-              <a:t> </a:t>
-            </a:r>
-            <a:r>
-              <a:rPr lang="en-US" dirty="0" err="1" smtClean="0"/>
-              <a:t>menjadi</a:t>
-            </a:r>
-            <a:r>
-              <a:rPr lang="en-US" dirty="0" smtClean="0"/>
-              <a:t> </a:t>
-            </a:r>
-            <a:r>
-              <a:rPr lang="en-US" dirty="0" err="1" smtClean="0"/>
-              <a:t>arsitektur</a:t>
-            </a:r>
-            <a:r>
-              <a:rPr lang="en-US" dirty="0" smtClean="0"/>
-              <a:t> </a:t>
-            </a:r>
-            <a:r>
-              <a:rPr lang="en-US" dirty="0" err="1" smtClean="0"/>
-              <a:t>microservice</a:t>
-            </a:r>
-            <a:endParaRPr lang="en-US" dirty="0" smtClean="0"/>
-          </a:p>
-          <a:p>
-            <a:r>
-              <a:rPr lang="en-US" dirty="0" smtClean="0"/>
-              <a:t>-</a:t>
-            </a:r>
-            <a:r>
-              <a:rPr lang="en-US" dirty="0" err="1" smtClean="0"/>
-              <a:t>Memberikan</a:t>
-            </a:r>
-            <a:r>
-              <a:rPr lang="en-US" dirty="0" smtClean="0"/>
-              <a:t> </a:t>
-            </a:r>
-            <a:r>
-              <a:rPr lang="en-US" dirty="0" err="1" smtClean="0"/>
-              <a:t>hasil</a:t>
-            </a:r>
-            <a:r>
-              <a:rPr lang="en-US" dirty="0" smtClean="0"/>
-              <a:t> </a:t>
-            </a:r>
-            <a:r>
-              <a:rPr lang="en-US" dirty="0" err="1" smtClean="0"/>
-              <a:t>perbandingan</a:t>
-            </a:r>
-            <a:r>
-              <a:rPr lang="en-US" dirty="0" smtClean="0"/>
-              <a:t> </a:t>
-            </a:r>
-            <a:r>
-              <a:rPr lang="en-US" dirty="0" err="1" smtClean="0"/>
-              <a:t>performa</a:t>
-            </a:r>
-            <a:r>
-              <a:rPr lang="en-US" dirty="0" smtClean="0"/>
-              <a:t> </a:t>
-            </a:r>
-            <a:r>
-              <a:rPr lang="en-US" dirty="0" err="1" smtClean="0"/>
-              <a:t>dari</a:t>
-            </a:r>
-            <a:r>
-              <a:rPr lang="en-US" dirty="0" smtClean="0"/>
-              <a:t> </a:t>
-            </a:r>
-            <a:r>
-              <a:rPr lang="en-US" dirty="0" err="1" smtClean="0"/>
-              <a:t>kedua</a:t>
-            </a:r>
-            <a:r>
-              <a:rPr lang="en-US" dirty="0" smtClean="0"/>
-              <a:t> </a:t>
-            </a:r>
-            <a:r>
-              <a:rPr lang="en-US" dirty="0" err="1" smtClean="0"/>
-              <a:t>arsitektur</a:t>
-            </a:r>
             <a:endParaRPr lang="en-US" dirty="0"/>
           </a:p>
         </p:txBody>
@@ -26325,13 +28011,20 @@
     </p:spTree>
     <p:extLst>
       <p:ext uri="{BB962C8B-B14F-4D97-AF65-F5344CB8AC3E}">
-        <p14:creationId xmlns:p14="http://schemas.microsoft.com/office/powerpoint/2010/main" val="2266666359"/>
+        <p14:creationId xmlns:p14="http://schemas.microsoft.com/office/powerpoint/2010/main" val="353347680"/>
       </p:ext>
     </p:extLst>
   </p:cSld>
   <p:clrMapOvr>
     <a:masterClrMapping/>
   </p:clrMapOvr>
+  <p:timing>
+    <p:tnLst>
+      <p:par>
+        <p:cTn id="1" dur="indefinite" restart="never" nodeType="tmRoot"/>
+      </p:par>
+    </p:tnLst>
+  </p:timing>
 </p:sld>
 </file>
 
@@ -26368,20 +28061,8 @@
           <a:lstStyle/>
           <a:p>
             <a:r>
-              <a:rPr lang="en-US" dirty="0" smtClean="0"/>
-              <a:t>2. </a:t>
-            </a:r>
-            <a:r>
-              <a:rPr lang="en-US" dirty="0" err="1" smtClean="0"/>
-              <a:t>Landasan</a:t>
-            </a:r>
-            <a:r>
-              <a:rPr lang="en-US" dirty="0" smtClean="0"/>
-              <a:t> </a:t>
-            </a:r>
-            <a:r>
-              <a:rPr lang="en-US" dirty="0" err="1" smtClean="0"/>
-              <a:t>teori</a:t>
+              <a:rPr lang="en-US" dirty="0" err="1" smtClean="0"/>
+              <a:t>microservice</a:t>
             </a:r>
             <a:endParaRPr lang="en-US" dirty="0"/>
           </a:p>
@@ -26402,6 +28083,410 @@
           <a:bodyPr/>
           <a:lstStyle/>
           <a:p>
+            <a:pPr>
+              <a:buFont typeface="Arial" panose="020B0604020202020204" pitchFamily="34" charset="0"/>
+              <a:buChar char="•"/>
+            </a:pPr>
+            <a:r>
+              <a:rPr lang="en-US" dirty="0" err="1" smtClean="0"/>
+              <a:t>Arsitektur</a:t>
+            </a:r>
+            <a:r>
+              <a:rPr lang="en-US" dirty="0" smtClean="0"/>
+              <a:t> </a:t>
+            </a:r>
+            <a:r>
+              <a:rPr lang="en-US" dirty="0" err="1" smtClean="0"/>
+              <a:t>aplikasi</a:t>
+            </a:r>
+            <a:r>
+              <a:rPr lang="en-US" dirty="0" smtClean="0"/>
+              <a:t> yang </a:t>
+            </a:r>
+            <a:r>
+              <a:rPr lang="en-US" dirty="0" err="1" smtClean="0"/>
+              <a:t>memiliki</a:t>
+            </a:r>
+            <a:r>
+              <a:rPr lang="en-US" dirty="0" smtClean="0"/>
+              <a:t> </a:t>
+            </a:r>
+            <a:r>
+              <a:rPr lang="en-US" dirty="0" err="1" smtClean="0"/>
+              <a:t>struktur</a:t>
+            </a:r>
+            <a:r>
+              <a:rPr lang="en-US" dirty="0" smtClean="0"/>
+              <a:t> </a:t>
+            </a:r>
+            <a:r>
+              <a:rPr lang="en-US" dirty="0" err="1" smtClean="0"/>
+              <a:t>hubungan</a:t>
+            </a:r>
+            <a:r>
+              <a:rPr lang="en-US" dirty="0" smtClean="0"/>
+              <a:t> yang </a:t>
+            </a:r>
+            <a:r>
+              <a:rPr lang="en-US" dirty="0" err="1" smtClean="0"/>
+              <a:t>renggang</a:t>
+            </a:r>
+            <a:r>
+              <a:rPr lang="en-US" dirty="0" smtClean="0"/>
+              <a:t> </a:t>
+            </a:r>
+            <a:r>
+              <a:rPr lang="en-US" dirty="0" err="1" smtClean="0"/>
+              <a:t>namun</a:t>
+            </a:r>
+            <a:r>
+              <a:rPr lang="en-US" dirty="0" smtClean="0"/>
+              <a:t> </a:t>
+            </a:r>
+            <a:r>
+              <a:rPr lang="en-US" dirty="0" err="1" smtClean="0"/>
+              <a:t>kolaboratif</a:t>
+            </a:r>
+            <a:r>
+              <a:rPr lang="en-US" dirty="0" smtClean="0"/>
+              <a:t>.</a:t>
+            </a:r>
+          </a:p>
+          <a:p>
+            <a:pPr>
+              <a:buFont typeface="Arial" panose="020B0604020202020204" pitchFamily="34" charset="0"/>
+              <a:buChar char="•"/>
+            </a:pPr>
+            <a:r>
+              <a:rPr lang="en-US" dirty="0" smtClean="0"/>
+              <a:t> </a:t>
+            </a:r>
+            <a:r>
+              <a:rPr lang="en-US" dirty="0" err="1" smtClean="0"/>
+              <a:t>Mulai</a:t>
+            </a:r>
+            <a:r>
+              <a:rPr lang="en-US" dirty="0" smtClean="0"/>
+              <a:t> </a:t>
+            </a:r>
+            <a:r>
+              <a:rPr lang="en-US" dirty="0" err="1" smtClean="0"/>
+              <a:t>menjadi</a:t>
+            </a:r>
+            <a:r>
+              <a:rPr lang="en-US" dirty="0" smtClean="0"/>
+              <a:t> </a:t>
+            </a:r>
+            <a:r>
+              <a:rPr lang="en-US" dirty="0" err="1" smtClean="0"/>
+              <a:t>perbincangan</a:t>
+            </a:r>
+            <a:r>
+              <a:rPr lang="en-US" dirty="0" smtClean="0"/>
+              <a:t> </a:t>
+            </a:r>
+            <a:r>
+              <a:rPr lang="en-US" dirty="0" err="1" smtClean="0"/>
+              <a:t>pada</a:t>
+            </a:r>
+            <a:r>
+              <a:rPr lang="en-US" dirty="0" smtClean="0"/>
+              <a:t> </a:t>
+            </a:r>
+            <a:r>
+              <a:rPr lang="en-US" dirty="0" err="1" smtClean="0"/>
+              <a:t>tahun</a:t>
+            </a:r>
+            <a:r>
+              <a:rPr lang="en-US" dirty="0" smtClean="0"/>
+              <a:t> 2015.</a:t>
+            </a:r>
+          </a:p>
+          <a:p>
+            <a:pPr>
+              <a:buFont typeface="Arial" panose="020B0604020202020204" pitchFamily="34" charset="0"/>
+              <a:buChar char="•"/>
+            </a:pPr>
+            <a:r>
+              <a:rPr lang="en-US" dirty="0" smtClean="0"/>
+              <a:t> </a:t>
+            </a:r>
+            <a:r>
+              <a:rPr lang="en-US" dirty="0" err="1" smtClean="0"/>
+              <a:t>Ingin</a:t>
+            </a:r>
+            <a:r>
+              <a:rPr lang="en-US" dirty="0" smtClean="0"/>
+              <a:t> </a:t>
+            </a:r>
+            <a:r>
+              <a:rPr lang="en-US" dirty="0" err="1" smtClean="0"/>
+              <a:t>menunjukan</a:t>
+            </a:r>
+            <a:r>
+              <a:rPr lang="en-US" dirty="0" smtClean="0"/>
+              <a:t> </a:t>
+            </a:r>
+            <a:r>
+              <a:rPr lang="en-US" dirty="0" err="1" smtClean="0"/>
+              <a:t>bahwa</a:t>
+            </a:r>
+            <a:r>
+              <a:rPr lang="en-US" dirty="0" smtClean="0"/>
+              <a:t> </a:t>
+            </a:r>
+            <a:r>
+              <a:rPr lang="en-US" dirty="0" err="1" smtClean="0"/>
+              <a:t>sebuah</a:t>
+            </a:r>
+            <a:r>
+              <a:rPr lang="en-US" dirty="0" smtClean="0"/>
+              <a:t> </a:t>
+            </a:r>
+            <a:r>
+              <a:rPr lang="en-US" dirty="0" err="1" smtClean="0"/>
+              <a:t>aplikasi</a:t>
+            </a:r>
+            <a:r>
+              <a:rPr lang="en-US" dirty="0" smtClean="0"/>
+              <a:t> </a:t>
+            </a:r>
+            <a:r>
+              <a:rPr lang="en-US" dirty="0" err="1" smtClean="0"/>
+              <a:t>dapat</a:t>
+            </a:r>
+            <a:r>
+              <a:rPr lang="en-US" dirty="0" smtClean="0"/>
+              <a:t> </a:t>
+            </a:r>
+            <a:r>
+              <a:rPr lang="en-US" dirty="0" err="1" smtClean="0"/>
+              <a:t>menjadi</a:t>
+            </a:r>
+            <a:r>
+              <a:rPr lang="en-US" dirty="0" smtClean="0"/>
+              <a:t> </a:t>
+            </a:r>
+            <a:r>
+              <a:rPr lang="en-US" dirty="0" err="1" smtClean="0"/>
+              <a:t>lebih</a:t>
+            </a:r>
+            <a:r>
+              <a:rPr lang="en-US" dirty="0" smtClean="0"/>
+              <a:t> </a:t>
+            </a:r>
+            <a:r>
+              <a:rPr lang="en-US" dirty="0" err="1" smtClean="0"/>
+              <a:t>efektif</a:t>
+            </a:r>
+            <a:r>
+              <a:rPr lang="en-US" dirty="0" smtClean="0"/>
+              <a:t> </a:t>
+            </a:r>
+            <a:r>
+              <a:rPr lang="en-US" dirty="0" err="1" smtClean="0"/>
+              <a:t>dalam</a:t>
+            </a:r>
+            <a:r>
+              <a:rPr lang="en-US" dirty="0" smtClean="0"/>
+              <a:t> </a:t>
+            </a:r>
+            <a:r>
+              <a:rPr lang="en-US" dirty="0" err="1" smtClean="0"/>
+              <a:t>tahap</a:t>
+            </a:r>
+            <a:r>
+              <a:rPr lang="en-US" dirty="0" smtClean="0"/>
+              <a:t> </a:t>
+            </a:r>
+            <a:r>
+              <a:rPr lang="en-US" i="1" dirty="0" smtClean="0"/>
+              <a:t>production.</a:t>
+            </a:r>
+          </a:p>
+          <a:p>
+            <a:pPr>
+              <a:buFont typeface="Arial" panose="020B0604020202020204" pitchFamily="34" charset="0"/>
+              <a:buChar char="•"/>
+            </a:pPr>
+            <a:r>
+              <a:rPr lang="en-US" dirty="0" smtClean="0"/>
+              <a:t> </a:t>
+            </a:r>
+            <a:r>
+              <a:rPr lang="en-US" dirty="0" err="1" smtClean="0"/>
+              <a:t>Ingin</a:t>
+            </a:r>
+            <a:r>
+              <a:rPr lang="en-US" dirty="0" smtClean="0"/>
+              <a:t> </a:t>
+            </a:r>
+            <a:r>
+              <a:rPr lang="en-US" dirty="0" err="1" smtClean="0"/>
+              <a:t>menunjukan</a:t>
+            </a:r>
+            <a:r>
+              <a:rPr lang="en-US" dirty="0" smtClean="0"/>
+              <a:t> </a:t>
+            </a:r>
+            <a:r>
+              <a:rPr lang="en-US" dirty="0" err="1" smtClean="0"/>
+              <a:t>bagaimana</a:t>
+            </a:r>
+            <a:r>
+              <a:rPr lang="en-US" dirty="0" smtClean="0"/>
+              <a:t> </a:t>
+            </a:r>
+            <a:r>
+              <a:rPr lang="en-US" dirty="0" err="1" smtClean="0"/>
+              <a:t>cara</a:t>
+            </a:r>
+            <a:r>
+              <a:rPr lang="en-US" dirty="0" smtClean="0"/>
+              <a:t> </a:t>
+            </a:r>
+            <a:r>
+              <a:rPr lang="en-US" i="1" dirty="0" smtClean="0"/>
+              <a:t>deployment </a:t>
+            </a:r>
+            <a:r>
+              <a:rPr lang="en-US" dirty="0" smtClean="0"/>
+              <a:t>yang </a:t>
+            </a:r>
+            <a:r>
+              <a:rPr lang="en-US" dirty="0" err="1" smtClean="0"/>
+              <a:t>baik</a:t>
+            </a:r>
+            <a:r>
+              <a:rPr lang="en-US" dirty="0"/>
+              <a:t> </a:t>
+            </a:r>
+            <a:r>
+              <a:rPr lang="en-US" dirty="0" smtClean="0"/>
+              <a:t>yang </a:t>
+            </a:r>
+            <a:r>
+              <a:rPr lang="en-US" dirty="0" err="1" smtClean="0"/>
+              <a:t>memberikan</a:t>
+            </a:r>
+            <a:r>
+              <a:rPr lang="en-US" dirty="0" smtClean="0"/>
+              <a:t> </a:t>
+            </a:r>
+            <a:r>
+              <a:rPr lang="en-US" dirty="0" err="1" smtClean="0"/>
+              <a:t>kemampuan</a:t>
+            </a:r>
+            <a:r>
+              <a:rPr lang="en-US" dirty="0" smtClean="0"/>
+              <a:t> </a:t>
+            </a:r>
+            <a:r>
+              <a:rPr lang="en-US" dirty="0" err="1" smtClean="0"/>
+              <a:t>mesin</a:t>
+            </a:r>
+            <a:r>
+              <a:rPr lang="en-US" dirty="0" smtClean="0"/>
+              <a:t> </a:t>
+            </a:r>
+            <a:r>
+              <a:rPr lang="en-US" dirty="0" err="1" smtClean="0"/>
+              <a:t>untuk</a:t>
+            </a:r>
+            <a:r>
+              <a:rPr lang="en-US" dirty="0" smtClean="0"/>
+              <a:t> </a:t>
+            </a:r>
+            <a:r>
+              <a:rPr lang="en-US" dirty="0" err="1" smtClean="0"/>
+              <a:t>saling</a:t>
+            </a:r>
+            <a:r>
+              <a:rPr lang="en-US" dirty="0" smtClean="0"/>
+              <a:t> </a:t>
+            </a:r>
+            <a:r>
+              <a:rPr lang="en-US" dirty="0" err="1" smtClean="0"/>
+              <a:t>berkomunikasi</a:t>
+            </a:r>
+            <a:r>
+              <a:rPr lang="en-US" dirty="0" smtClean="0"/>
+              <a:t>.</a:t>
+            </a:r>
+          </a:p>
+          <a:p>
+            <a:pPr>
+              <a:buFont typeface="Arial" panose="020B0604020202020204" pitchFamily="34" charset="0"/>
+              <a:buChar char="•"/>
+            </a:pPr>
+            <a:r>
+              <a:rPr lang="en-US" dirty="0" smtClean="0"/>
+              <a:t> </a:t>
+            </a:r>
+            <a:r>
+              <a:rPr lang="en-US" dirty="0" err="1" smtClean="0"/>
+              <a:t>Memberikan</a:t>
+            </a:r>
+            <a:r>
+              <a:rPr lang="en-US" dirty="0" smtClean="0"/>
+              <a:t> developer </a:t>
+            </a:r>
+            <a:r>
+              <a:rPr lang="en-US" dirty="0" err="1" smtClean="0"/>
+              <a:t>kebebasan</a:t>
+            </a:r>
+            <a:r>
+              <a:rPr lang="en-US" dirty="0" smtClean="0"/>
+              <a:t> </a:t>
+            </a:r>
+            <a:r>
+              <a:rPr lang="en-US" dirty="0" err="1" smtClean="0"/>
+              <a:t>untuk</a:t>
+            </a:r>
+            <a:r>
+              <a:rPr lang="en-US" dirty="0" smtClean="0"/>
+              <a:t> </a:t>
+            </a:r>
+            <a:r>
+              <a:rPr lang="en-US" dirty="0" err="1" smtClean="0"/>
+              <a:t>berkreasi</a:t>
+            </a:r>
+            <a:r>
+              <a:rPr lang="en-US" dirty="0" smtClean="0"/>
+              <a:t> </a:t>
+            </a:r>
+            <a:r>
+              <a:rPr lang="en-US" dirty="0" err="1" smtClean="0"/>
+              <a:t>dan</a:t>
+            </a:r>
+            <a:r>
+              <a:rPr lang="en-US" dirty="0" smtClean="0"/>
+              <a:t> </a:t>
+            </a:r>
+            <a:r>
+              <a:rPr lang="en-US" dirty="0" err="1" smtClean="0"/>
+              <a:t>mengambil</a:t>
+            </a:r>
+            <a:r>
+              <a:rPr lang="en-US" dirty="0" smtClean="0"/>
+              <a:t> </a:t>
+            </a:r>
+            <a:r>
+              <a:rPr lang="en-US" dirty="0" err="1" smtClean="0"/>
+              <a:t>keputusan</a:t>
+            </a:r>
+            <a:r>
+              <a:rPr lang="en-US" dirty="0" smtClean="0"/>
+              <a:t> yang </a:t>
+            </a:r>
+            <a:r>
+              <a:rPr lang="en-US" dirty="0" err="1" smtClean="0"/>
+              <a:t>berbeda</a:t>
+            </a:r>
+            <a:r>
+              <a:rPr lang="en-US" dirty="0" smtClean="0"/>
+              <a:t>.</a:t>
+            </a:r>
             <a:endParaRPr lang="en-US" dirty="0"/>
           </a:p>
         </p:txBody>
@@ -26409,13 +28494,20 @@
     </p:spTree>
     <p:extLst>
       <p:ext uri="{BB962C8B-B14F-4D97-AF65-F5344CB8AC3E}">
-        <p14:creationId xmlns:p14="http://schemas.microsoft.com/office/powerpoint/2010/main" val="353347680"/>
+        <p14:creationId xmlns:p14="http://schemas.microsoft.com/office/powerpoint/2010/main" val="1845653518"/>
       </p:ext>
     </p:extLst>
   </p:cSld>
   <p:clrMapOvr>
     <a:masterClrMapping/>
   </p:clrMapOvr>
+  <p:timing>
+    <p:tnLst>
+      <p:par>
+        <p:cTn id="1" dur="indefinite" restart="never" nodeType="tmRoot"/>
+      </p:par>
+    </p:tnLst>
+  </p:timing>
 </p:sld>
 </file>
 
@@ -26453,7 +28545,15 @@
           <a:p>
             <a:r>
               <a:rPr lang="en-US" dirty="0" err="1" smtClean="0"/>
-              <a:t>microservice</a:t>
+              <a:t>Prinsip</a:t>
+            </a:r>
+            <a:r>
+              <a:rPr lang="en-US" dirty="0" smtClean="0"/>
+              <a:t> </a:t>
+            </a:r>
+            <a:r>
+              <a:rPr lang="en-US" dirty="0" err="1" smtClean="0"/>
+              <a:t>pendekatan</a:t>
             </a:r>
             <a:endParaRPr lang="en-US" dirty="0"/>
           </a:p>
@@ -26474,252 +28574,273 @@
           <a:bodyPr/>
           <a:lstStyle/>
           <a:p>
-            <a:r>
-              <a:rPr lang="en-US" dirty="0" err="1" smtClean="0"/>
-              <a:t>Mulai</a:t>
-            </a:r>
-            <a:r>
-              <a:rPr lang="en-US" dirty="0" smtClean="0"/>
-              <a:t> </a:t>
-            </a:r>
-            <a:r>
-              <a:rPr lang="en-US" dirty="0" err="1" smtClean="0"/>
-              <a:t>menjadi</a:t>
-            </a:r>
-            <a:r>
-              <a:rPr lang="en-US" dirty="0" smtClean="0"/>
-              <a:t> </a:t>
-            </a:r>
-            <a:r>
-              <a:rPr lang="en-US" dirty="0" err="1" smtClean="0"/>
-              <a:t>perbincangan</a:t>
-            </a:r>
-            <a:r>
-              <a:rPr lang="en-US" dirty="0" smtClean="0"/>
-              <a:t> </a:t>
-            </a:r>
-            <a:r>
-              <a:rPr lang="en-US" dirty="0" err="1" smtClean="0"/>
-              <a:t>pada</a:t>
-            </a:r>
-            <a:r>
-              <a:rPr lang="en-US" dirty="0" smtClean="0"/>
-              <a:t> </a:t>
-            </a:r>
-            <a:r>
-              <a:rPr lang="en-US" dirty="0" err="1" smtClean="0"/>
-              <a:t>tahun</a:t>
-            </a:r>
-            <a:r>
-              <a:rPr lang="en-US" dirty="0" smtClean="0"/>
-              <a:t> 2015.</a:t>
+            <a:pPr marL="457200" indent="-457200">
+              <a:buFont typeface="+mj-lt"/>
+              <a:buAutoNum type="arabicPeriod"/>
+            </a:pPr>
+            <a:r>
+              <a:rPr lang="en-US" i="1" dirty="0" smtClean="0"/>
+              <a:t>Strategic Goals</a:t>
+            </a:r>
+            <a:r>
+              <a:rPr lang="en-US" dirty="0" smtClean="0"/>
+              <a:t> : </a:t>
+            </a:r>
+            <a:r>
+              <a:rPr lang="en-US" dirty="0" err="1" smtClean="0"/>
+              <a:t>Membantu</a:t>
+            </a:r>
+            <a:r>
+              <a:rPr lang="en-US" dirty="0" smtClean="0"/>
+              <a:t> </a:t>
+            </a:r>
+            <a:r>
+              <a:rPr lang="en-US" dirty="0" err="1" smtClean="0"/>
+              <a:t>mewujudkan</a:t>
+            </a:r>
+            <a:r>
+              <a:rPr lang="en-US" dirty="0" smtClean="0"/>
+              <a:t> </a:t>
+            </a:r>
+            <a:r>
+              <a:rPr lang="en-US" dirty="0" err="1"/>
+              <a:t>t</a:t>
+            </a:r>
+            <a:r>
+              <a:rPr lang="en-US" dirty="0" err="1" smtClean="0"/>
+              <a:t>ujuan</a:t>
+            </a:r>
+            <a:r>
+              <a:rPr lang="en-US" dirty="0" smtClean="0"/>
+              <a:t> </a:t>
+            </a:r>
+            <a:r>
+              <a:rPr lang="en-US" dirty="0" err="1" smtClean="0"/>
+              <a:t>dari</a:t>
+            </a:r>
+            <a:r>
+              <a:rPr lang="en-US" dirty="0" smtClean="0"/>
+              <a:t> </a:t>
+            </a:r>
+            <a:r>
+              <a:rPr lang="en-US" dirty="0" err="1" smtClean="0"/>
+              <a:t>perusahaan</a:t>
+            </a:r>
+            <a:r>
+              <a:rPr lang="en-US" dirty="0" smtClean="0"/>
+              <a:t> yang </a:t>
+            </a:r>
+            <a:r>
+              <a:rPr lang="en-US" dirty="0" err="1" smtClean="0"/>
+              <a:t>ingin</a:t>
+            </a:r>
+            <a:r>
+              <a:rPr lang="en-US" dirty="0" smtClean="0"/>
+              <a:t> </a:t>
+            </a:r>
+            <a:r>
+              <a:rPr lang="en-US" dirty="0" err="1" smtClean="0"/>
+              <a:t>menerapkan</a:t>
+            </a:r>
+            <a:r>
+              <a:rPr lang="en-US" dirty="0" smtClean="0"/>
+              <a:t> </a:t>
+            </a:r>
+            <a:r>
+              <a:rPr lang="en-US" dirty="0" err="1" smtClean="0"/>
+              <a:t>arsitektur</a:t>
+            </a:r>
+            <a:r>
+              <a:rPr lang="en-US" dirty="0" smtClean="0"/>
+              <a:t> </a:t>
+            </a:r>
+            <a:r>
+              <a:rPr lang="en-US" dirty="0" err="1" smtClean="0"/>
+              <a:t>microservice</a:t>
+            </a:r>
+            <a:r>
+              <a:rPr lang="en-US" dirty="0" smtClean="0"/>
+              <a:t>.</a:t>
             </a:r>
           </a:p>
           <a:p>
-            <a:r>
-              <a:rPr lang="en-US" dirty="0" err="1" smtClean="0"/>
-              <a:t>Ingin</a:t>
-            </a:r>
-            <a:r>
-              <a:rPr lang="en-US" dirty="0" smtClean="0"/>
-              <a:t> </a:t>
-            </a:r>
-            <a:r>
-              <a:rPr lang="en-US" dirty="0" err="1" smtClean="0"/>
-              <a:t>menunjukan</a:t>
-            </a:r>
-            <a:r>
-              <a:rPr lang="en-US" dirty="0" smtClean="0"/>
-              <a:t> </a:t>
-            </a:r>
-            <a:r>
-              <a:rPr lang="en-US" dirty="0" err="1" smtClean="0"/>
-              <a:t>bahwa</a:t>
-            </a:r>
-            <a:r>
-              <a:rPr lang="en-US" dirty="0" smtClean="0"/>
-              <a:t> </a:t>
-            </a:r>
-            <a:r>
-              <a:rPr lang="en-US" dirty="0" err="1" smtClean="0"/>
-              <a:t>sebuah</a:t>
-            </a:r>
-            <a:r>
-              <a:rPr lang="en-US" dirty="0" smtClean="0"/>
-              <a:t> </a:t>
-            </a:r>
-            <a:r>
-              <a:rPr lang="en-US" dirty="0" err="1" smtClean="0"/>
-              <a:t>aplikasi</a:t>
-            </a:r>
-            <a:r>
-              <a:rPr lang="en-US" dirty="0" smtClean="0"/>
-              <a:t> </a:t>
-            </a:r>
-            <a:r>
-              <a:rPr lang="en-US" dirty="0" err="1" smtClean="0"/>
-              <a:t>dapat</a:t>
-            </a:r>
-            <a:r>
-              <a:rPr lang="en-US" dirty="0" smtClean="0"/>
-              <a:t> </a:t>
-            </a:r>
-            <a:r>
-              <a:rPr lang="en-US" dirty="0" err="1" smtClean="0"/>
-              <a:t>menjadi</a:t>
-            </a:r>
-            <a:r>
-              <a:rPr lang="en-US" dirty="0" smtClean="0"/>
-              <a:t> </a:t>
-            </a:r>
-            <a:r>
-              <a:rPr lang="en-US" dirty="0" err="1" smtClean="0"/>
-              <a:t>lebih</a:t>
-            </a:r>
-            <a:r>
-              <a:rPr lang="en-US" dirty="0" smtClean="0"/>
-              <a:t> </a:t>
-            </a:r>
-            <a:r>
-              <a:rPr lang="en-US" dirty="0" err="1" smtClean="0"/>
-              <a:t>efektif</a:t>
-            </a:r>
-            <a:r>
-              <a:rPr lang="en-US" dirty="0" smtClean="0"/>
-              <a:t> </a:t>
-            </a:r>
-            <a:r>
-              <a:rPr lang="en-US" dirty="0" err="1" smtClean="0"/>
-              <a:t>dalam</a:t>
-            </a:r>
-            <a:r>
-              <a:rPr lang="en-US" dirty="0" smtClean="0"/>
-              <a:t> </a:t>
-            </a:r>
-            <a:r>
-              <a:rPr lang="en-US" dirty="0" err="1" smtClean="0"/>
-              <a:t>tahap</a:t>
-            </a:r>
-            <a:r>
-              <a:rPr lang="en-US" dirty="0" smtClean="0"/>
-              <a:t> </a:t>
-            </a:r>
+            <a:pPr marL="457200" indent="-457200">
+              <a:buFont typeface="+mj-lt"/>
+              <a:buAutoNum type="arabicPeriod"/>
+            </a:pPr>
             <a:r>
               <a:rPr lang="en-US" i="1" dirty="0" smtClean="0"/>
-              <a:t>production.</a:t>
+              <a:t>Principles : </a:t>
+            </a:r>
+            <a:r>
+              <a:rPr lang="en-US" dirty="0" err="1" smtClean="0"/>
+              <a:t>Aturan</a:t>
+            </a:r>
+            <a:r>
+              <a:rPr lang="en-US" dirty="0" smtClean="0"/>
+              <a:t> yang </a:t>
+            </a:r>
+            <a:r>
+              <a:rPr lang="en-US" dirty="0" err="1" smtClean="0"/>
+              <a:t>dibuat</a:t>
+            </a:r>
+            <a:r>
+              <a:rPr lang="en-US" dirty="0" smtClean="0"/>
+              <a:t> agar goal </a:t>
+            </a:r>
+            <a:r>
+              <a:rPr lang="en-US" dirty="0" err="1" smtClean="0"/>
+              <a:t>tercapai</a:t>
+            </a:r>
+            <a:r>
+              <a:rPr lang="en-US" dirty="0" smtClean="0"/>
+              <a:t>.</a:t>
             </a:r>
           </a:p>
           <a:p>
-            <a:r>
-              <a:rPr lang="en-US" dirty="0" err="1" smtClean="0"/>
-              <a:t>Ingin</a:t>
-            </a:r>
-            <a:r>
-              <a:rPr lang="en-US" dirty="0" smtClean="0"/>
-              <a:t> </a:t>
-            </a:r>
-            <a:r>
-              <a:rPr lang="en-US" dirty="0" err="1" smtClean="0"/>
-              <a:t>menunjukan</a:t>
-            </a:r>
-            <a:r>
-              <a:rPr lang="en-US" dirty="0" smtClean="0"/>
-              <a:t> </a:t>
-            </a:r>
-            <a:r>
-              <a:rPr lang="en-US" dirty="0" err="1" smtClean="0"/>
-              <a:t>bagaimana</a:t>
-            </a:r>
-            <a:r>
-              <a:rPr lang="en-US" dirty="0" smtClean="0"/>
-              <a:t> </a:t>
-            </a:r>
-            <a:r>
-              <a:rPr lang="en-US" dirty="0" err="1" smtClean="0"/>
-              <a:t>cara</a:t>
-            </a:r>
-            <a:r>
-              <a:rPr lang="en-US" dirty="0" smtClean="0"/>
-              <a:t> </a:t>
-            </a:r>
+            <a:pPr marL="457200" indent="-457200">
+              <a:buFont typeface="+mj-lt"/>
+              <a:buAutoNum type="arabicPeriod"/>
+            </a:pPr>
             <a:r>
               <a:rPr lang="en-US" i="1" dirty="0" smtClean="0"/>
-              <a:t>deployment </a:t>
-            </a:r>
-            <a:r>
-              <a:rPr lang="en-US" dirty="0" smtClean="0"/>
-              <a:t>yang </a:t>
-            </a:r>
-            <a:r>
-              <a:rPr lang="en-US" dirty="0" err="1" smtClean="0"/>
-              <a:t>baik</a:t>
+              <a:t>Practices : </a:t>
+            </a:r>
+            <a:r>
+              <a:rPr lang="en-US" dirty="0" err="1" smtClean="0"/>
+              <a:t>Praktikal</a:t>
+            </a:r>
+            <a:r>
+              <a:rPr lang="en-US" dirty="0" smtClean="0"/>
+              <a:t> yang </a:t>
+            </a:r>
+            <a:r>
+              <a:rPr lang="en-US" dirty="0" err="1" smtClean="0"/>
+              <a:t>akan</a:t>
+            </a:r>
+            <a:r>
+              <a:rPr lang="en-US" dirty="0" smtClean="0"/>
+              <a:t> </a:t>
+            </a:r>
+            <a:r>
+              <a:rPr lang="en-US" dirty="0" err="1" smtClean="0"/>
+              <a:t>dilakukan</a:t>
+            </a:r>
+            <a:r>
+              <a:rPr lang="en-US" dirty="0" smtClean="0"/>
+              <a:t> agar goal </a:t>
+            </a:r>
+            <a:r>
+              <a:rPr lang="en-US" dirty="0" err="1" smtClean="0"/>
+              <a:t>dapat</a:t>
+            </a:r>
+            <a:r>
+              <a:rPr lang="en-US" dirty="0" smtClean="0"/>
+              <a:t> </a:t>
+            </a:r>
+            <a:r>
+              <a:rPr lang="en-US" dirty="0" err="1" smtClean="0"/>
+              <a:t>tercapai</a:t>
             </a:r>
             <a:r>
               <a:rPr lang="en-US" dirty="0"/>
               <a:t> </a:t>
             </a:r>
             <a:r>
-              <a:rPr lang="en-US" dirty="0" smtClean="0"/>
-              <a:t>yang </a:t>
-            </a:r>
-            <a:r>
-              <a:rPr lang="en-US" dirty="0" err="1" smtClean="0"/>
-              <a:t>memberikan</a:t>
-            </a:r>
-            <a:r>
-              <a:rPr lang="en-US" dirty="0" smtClean="0"/>
-              <a:t> </a:t>
-            </a:r>
-            <a:r>
-              <a:rPr lang="en-US" dirty="0" err="1" smtClean="0"/>
-              <a:t>kemampuan</a:t>
-            </a:r>
-            <a:r>
-              <a:rPr lang="en-US" dirty="0" smtClean="0"/>
-              <a:t> </a:t>
-            </a:r>
-            <a:r>
-              <a:rPr lang="en-US" dirty="0" err="1" smtClean="0"/>
-              <a:t>mesin</a:t>
-            </a:r>
-            <a:r>
-              <a:rPr lang="en-US" dirty="0" smtClean="0"/>
-              <a:t> </a:t>
-            </a:r>
-            <a:r>
-              <a:rPr lang="en-US" dirty="0" err="1" smtClean="0"/>
-              <a:t>untuk</a:t>
-            </a:r>
-            <a:r>
-              <a:rPr lang="en-US" dirty="0" smtClean="0"/>
-              <a:t> </a:t>
-            </a:r>
-            <a:r>
-              <a:rPr lang="en-US" dirty="0" err="1" smtClean="0"/>
-              <a:t>saling</a:t>
-            </a:r>
-            <a:r>
-              <a:rPr lang="en-US" dirty="0" smtClean="0"/>
-              <a:t> </a:t>
-            </a:r>
-            <a:r>
-              <a:rPr lang="en-US" dirty="0" err="1" smtClean="0"/>
-              <a:t>berkomunikasi</a:t>
-            </a:r>
-            <a:endParaRPr lang="en-US" dirty="0"/>
+              <a:rPr lang="en-US" dirty="0" err="1" smtClean="0"/>
+              <a:t>namun</a:t>
+            </a:r>
+            <a:r>
+              <a:rPr lang="en-US" dirty="0" smtClean="0"/>
+              <a:t> </a:t>
+            </a:r>
+            <a:r>
+              <a:rPr lang="en-US" dirty="0" err="1" smtClean="0"/>
+              <a:t>tetap</a:t>
+            </a:r>
+            <a:r>
+              <a:rPr lang="en-US" dirty="0" smtClean="0"/>
+              <a:t> </a:t>
+            </a:r>
+            <a:r>
+              <a:rPr lang="en-US" dirty="0" err="1" smtClean="0"/>
+              <a:t>dalam</a:t>
+            </a:r>
+            <a:r>
+              <a:rPr lang="en-US" dirty="0" smtClean="0"/>
+              <a:t> </a:t>
+            </a:r>
+            <a:r>
+              <a:rPr lang="en-US" dirty="0" err="1" smtClean="0"/>
+              <a:t>lingkup</a:t>
+            </a:r>
+            <a:r>
+              <a:rPr lang="en-US" dirty="0" smtClean="0"/>
+              <a:t> </a:t>
+            </a:r>
+            <a:r>
+              <a:rPr lang="en-US" dirty="0" err="1" smtClean="0"/>
+              <a:t>aturan</a:t>
+            </a:r>
+            <a:r>
+              <a:rPr lang="en-US" dirty="0" smtClean="0"/>
+              <a:t> yang </a:t>
+            </a:r>
+            <a:r>
+              <a:rPr lang="en-US" dirty="0" err="1" smtClean="0"/>
+              <a:t>telah</a:t>
+            </a:r>
+            <a:r>
+              <a:rPr lang="en-US" dirty="0" smtClean="0"/>
+              <a:t> </a:t>
+            </a:r>
+            <a:r>
+              <a:rPr lang="en-US" dirty="0" err="1" smtClean="0"/>
+              <a:t>ditetapkan</a:t>
+            </a:r>
+            <a:r>
+              <a:rPr lang="en-US" dirty="0" smtClean="0"/>
+              <a:t>.</a:t>
+            </a:r>
+          </a:p>
+          <a:p>
+            <a:pPr marL="457200" indent="-457200">
+              <a:buFont typeface="+mj-lt"/>
+              <a:buAutoNum type="arabicPeriod"/>
+            </a:pPr>
+            <a:r>
+              <a:rPr lang="en-US" i="1" dirty="0" smtClean="0"/>
+              <a:t>Combining </a:t>
+            </a:r>
+            <a:r>
+              <a:rPr lang="en-US" i="1" dirty="0"/>
+              <a:t>Principles and </a:t>
+            </a:r>
+            <a:r>
+              <a:rPr lang="en-US" i="1" dirty="0" smtClean="0"/>
+              <a:t>Practices</a:t>
+            </a:r>
+            <a:endParaRPr lang="en-US" i="1" dirty="0"/>
           </a:p>
         </p:txBody>
       </p:sp>
     </p:spTree>
     <p:extLst>
       <p:ext uri="{BB962C8B-B14F-4D97-AF65-F5344CB8AC3E}">
-        <p14:creationId xmlns:p14="http://schemas.microsoft.com/office/powerpoint/2010/main" val="1845653518"/>
+        <p14:creationId xmlns:p14="http://schemas.microsoft.com/office/powerpoint/2010/main" val="1219579354"/>
       </p:ext>
     </p:extLst>
   </p:cSld>
   <p:clrMapOvr>
     <a:masterClrMapping/>
   </p:clrMapOvr>
+  <p:timing>
+    <p:tnLst>
+      <p:par>
+        <p:cTn id="1" dur="indefinite" restart="never" nodeType="tmRoot"/>
+      </p:par>
+    </p:tnLst>
+  </p:timing>
 </p:sld>
 </file>
 
@@ -26757,15 +28878,23 @@
           <a:p>
             <a:r>
               <a:rPr lang="en-US" dirty="0" err="1" smtClean="0"/>
-              <a:t>Prinsip</a:t>
-            </a:r>
-            <a:r>
-              <a:rPr lang="en-US" dirty="0" smtClean="0"/>
-              <a:t> </a:t>
-            </a:r>
-            <a:r>
-              <a:rPr lang="en-US" dirty="0" err="1" smtClean="0"/>
-              <a:t>pendekatan</a:t>
+              <a:t>Konsep</a:t>
+            </a:r>
+            <a:r>
+              <a:rPr lang="en-US" dirty="0" smtClean="0"/>
+              <a:t> </a:t>
+            </a:r>
+            <a:r>
+              <a:rPr lang="en-US" dirty="0" err="1" smtClean="0"/>
+              <a:t>dasar</a:t>
+            </a:r>
+            <a:r>
+              <a:rPr lang="en-US" dirty="0" smtClean="0"/>
+              <a:t> </a:t>
+            </a:r>
+            <a:r>
+              <a:rPr lang="en-US" dirty="0" err="1" smtClean="0"/>
+              <a:t>microservice</a:t>
             </a:r>
             <a:endParaRPr lang="en-US" dirty="0"/>
           </a:p>
@@ -26792,51 +28921,47 @@
             </a:pPr>
             <a:r>
               <a:rPr lang="en-US" i="1" dirty="0" smtClean="0"/>
-              <a:t>Strategic Goals</a:t>
-            </a:r>
-            <a:r>
-              <a:rPr lang="en-US" dirty="0" smtClean="0"/>
-              <a:t> : </a:t>
-            </a:r>
-            <a:r>
-              <a:rPr lang="en-US" dirty="0" err="1" smtClean="0"/>
-              <a:t>Membantu</a:t>
-            </a:r>
-            <a:r>
-              <a:rPr lang="en-US" dirty="0" smtClean="0"/>
-              <a:t> </a:t>
-            </a:r>
-            <a:r>
-              <a:rPr lang="en-US" dirty="0" err="1" smtClean="0"/>
-              <a:t>mewujudkan</a:t>
-            </a:r>
-            <a:r>
-              <a:rPr lang="en-US" dirty="0" smtClean="0"/>
-              <a:t> </a:t>
-            </a:r>
-            <a:r>
-              <a:rPr lang="en-US" dirty="0" err="1"/>
-              <a:t>t</a:t>
-            </a:r>
-            <a:r>
-              <a:rPr lang="en-US" dirty="0" err="1" smtClean="0"/>
-              <a:t>ujuan</a:t>
-            </a:r>
-            <a:r>
-              <a:rPr lang="en-US" dirty="0" smtClean="0"/>
-              <a:t> </a:t>
-            </a:r>
-            <a:r>
-              <a:rPr lang="en-US" dirty="0" err="1" smtClean="0"/>
-              <a:t>dari</a:t>
-            </a:r>
-            <a:r>
-              <a:rPr lang="en-US" dirty="0" smtClean="0"/>
-              <a:t> </a:t>
-            </a:r>
-            <a:r>
-              <a:rPr lang="en-US" dirty="0" err="1" smtClean="0"/>
-              <a:t>perusahaan</a:t>
+              <a:t>Loosely coupling : </a:t>
+            </a:r>
+            <a:r>
+              <a:rPr lang="en-US" dirty="0" smtClean="0"/>
+              <a:t>Tingkat </a:t>
+            </a:r>
+            <a:r>
+              <a:rPr lang="en-US" dirty="0" err="1" smtClean="0"/>
+              <a:t>saling</a:t>
+            </a:r>
+            <a:r>
+              <a:rPr lang="en-US" dirty="0" smtClean="0"/>
+              <a:t> </a:t>
+            </a:r>
+            <a:r>
+              <a:rPr lang="en-US" dirty="0" err="1" smtClean="0"/>
+              <a:t>ketergantungan</a:t>
+            </a:r>
+            <a:r>
+              <a:rPr lang="en-US" dirty="0" smtClean="0"/>
+              <a:t> </a:t>
+            </a:r>
+            <a:r>
+              <a:rPr lang="en-US" dirty="0" err="1" smtClean="0"/>
+              <a:t>serendah</a:t>
+            </a:r>
+            <a:r>
+              <a:rPr lang="en-US" dirty="0" smtClean="0"/>
+              <a:t> </a:t>
+            </a:r>
+            <a:r>
+              <a:rPr lang="en-US" dirty="0" err="1" smtClean="0"/>
+              <a:t>mungkin</a:t>
+            </a:r>
+            <a:r>
+              <a:rPr lang="en-US" dirty="0" smtClean="0"/>
+              <a:t>. </a:t>
+            </a:r>
+            <a:r>
+              <a:rPr lang="en-US" dirty="0" err="1" smtClean="0"/>
+              <a:t>Perubahan</a:t>
             </a:r>
             <a:r>
               <a:rPr lang="en-US" dirty="0" smtClean="0"/>
@@ -26844,36 +28969,69 @@
             </a:r>
             <a:r>
               <a:rPr lang="en-US" dirty="0" err="1" smtClean="0"/>
-              <a:t>ingin</a:t>
-            </a:r>
-            <a:r>
-              <a:rPr lang="en-US" dirty="0" smtClean="0"/>
-              <a:t> </a:t>
-            </a:r>
-            <a:r>
-              <a:rPr lang="en-US" dirty="0" err="1" smtClean="0"/>
-              <a:t>menerapkan</a:t>
-            </a:r>
-            <a:r>
-              <a:rPr lang="en-US" dirty="0" smtClean="0"/>
-              <a:t> </a:t>
-            </a:r>
-            <a:r>
-              <a:rPr lang="en-US" dirty="0" err="1" smtClean="0"/>
-              <a:t>arsitektur</a:t>
-            </a:r>
-            <a:r>
-              <a:rPr lang="en-US" dirty="0" smtClean="0"/>
-              <a:t> </a:t>
-            </a:r>
-            <a:r>
-              <a:rPr lang="en-US" dirty="0" err="1" smtClean="0"/>
-              <a:t>microservice</a:t>
-            </a:r>
-            <a:r>
-              <a:rPr lang="en-US" dirty="0" smtClean="0"/>
-              <a:t>.</a:t>
-            </a:r>
+              <a:t>terjadi</a:t>
+            </a:r>
+            <a:r>
+              <a:rPr lang="en-US" dirty="0" smtClean="0"/>
+              <a:t> </a:t>
+            </a:r>
+            <a:r>
+              <a:rPr lang="en-US" dirty="0" err="1" smtClean="0"/>
+              <a:t>pada</a:t>
+            </a:r>
+            <a:r>
+              <a:rPr lang="en-US" dirty="0" smtClean="0"/>
+              <a:t> </a:t>
+            </a:r>
+            <a:r>
+              <a:rPr lang="en-US" dirty="0" err="1" smtClean="0"/>
+              <a:t>satu</a:t>
+            </a:r>
+            <a:r>
+              <a:rPr lang="en-US" dirty="0" smtClean="0"/>
+              <a:t> service </a:t>
+            </a:r>
+            <a:r>
+              <a:rPr lang="en-US" dirty="0" err="1" smtClean="0"/>
+              <a:t>tidak</a:t>
+            </a:r>
+            <a:r>
+              <a:rPr lang="en-US" dirty="0" smtClean="0"/>
+              <a:t> </a:t>
+            </a:r>
+            <a:r>
+              <a:rPr lang="en-US" dirty="0" err="1" smtClean="0"/>
+              <a:t>akan</a:t>
+            </a:r>
+            <a:r>
+              <a:rPr lang="en-US" dirty="0" smtClean="0"/>
+              <a:t> </a:t>
+            </a:r>
+            <a:r>
+              <a:rPr lang="en-US" dirty="0" err="1" smtClean="0"/>
+              <a:t>mengakibatkan</a:t>
+            </a:r>
+            <a:r>
+              <a:rPr lang="en-US" dirty="0" smtClean="0"/>
+              <a:t> </a:t>
+            </a:r>
+            <a:r>
+              <a:rPr lang="en-US" dirty="0" err="1" smtClean="0"/>
+              <a:t>perubahan</a:t>
+            </a:r>
+            <a:r>
+              <a:rPr lang="en-US" dirty="0" smtClean="0"/>
+              <a:t> </a:t>
+            </a:r>
+            <a:r>
+              <a:rPr lang="en-US" dirty="0" err="1" smtClean="0"/>
+              <a:t>pada</a:t>
+            </a:r>
+            <a:r>
+              <a:rPr lang="en-US" dirty="0" smtClean="0"/>
+              <a:t> service lain.</a:t>
+            </a:r>
+            <a:endParaRPr lang="en-US" i="1" dirty="0" smtClean="0"/>
           </a:p>
           <a:p>
             <a:pPr marL="457200" indent="-457200">
@@ -26882,11 +29040,15 @@
             </a:pPr>
             <a:r>
               <a:rPr lang="en-US" i="1" dirty="0" smtClean="0"/>
-              <a:t>Principles : </a:t>
-            </a:r>
-            <a:r>
-              <a:rPr lang="en-US" dirty="0" err="1" smtClean="0"/>
-              <a:t>Aturan</a:t>
+              <a:t>High cohesion : </a:t>
+            </a:r>
+            <a:r>
+              <a:rPr lang="en-US" dirty="0" smtClean="0"/>
+              <a:t>Tingkat </a:t>
+            </a:r>
+            <a:r>
+              <a:rPr lang="en-US" dirty="0" err="1" smtClean="0"/>
+              <a:t>kepadatan</a:t>
             </a:r>
             <a:r>
               <a:rPr lang="en-US" dirty="0" smtClean="0"/>
@@ -26894,143 +29056,75 @@
             </a:r>
             <a:r>
               <a:rPr lang="en-US" dirty="0" err="1" smtClean="0"/>
-              <a:t>dibuat</a:t>
-            </a:r>
-            <a:r>
-              <a:rPr lang="en-US" dirty="0" smtClean="0"/>
-              <a:t> agar goal </a:t>
-            </a:r>
-            <a:r>
-              <a:rPr lang="en-US" dirty="0" err="1" smtClean="0"/>
-              <a:t>tercapai</a:t>
+              <a:t>tinggi</a:t>
+            </a:r>
+            <a:r>
+              <a:rPr lang="en-US" dirty="0" smtClean="0"/>
+              <a:t>. </a:t>
+            </a:r>
+            <a:r>
+              <a:rPr lang="en-US" dirty="0" err="1" smtClean="0"/>
+              <a:t>Microservice</a:t>
+            </a:r>
+            <a:r>
+              <a:rPr lang="en-US" dirty="0" smtClean="0"/>
+              <a:t> </a:t>
+            </a:r>
+            <a:r>
+              <a:rPr lang="en-US" dirty="0" err="1" smtClean="0"/>
+              <a:t>menginginkan</a:t>
+            </a:r>
+            <a:r>
+              <a:rPr lang="en-US" dirty="0" smtClean="0"/>
+              <a:t> </a:t>
+            </a:r>
+            <a:r>
+              <a:rPr lang="en-US" dirty="0" err="1" smtClean="0"/>
+              <a:t>sifat-sifat</a:t>
+            </a:r>
+            <a:r>
+              <a:rPr lang="en-US" dirty="0" smtClean="0"/>
+              <a:t> yang </a:t>
+            </a:r>
+            <a:r>
+              <a:rPr lang="en-US" dirty="0" err="1" smtClean="0"/>
+              <a:t>berkaitan</a:t>
+            </a:r>
+            <a:r>
+              <a:rPr lang="en-US" dirty="0" smtClean="0"/>
+              <a:t> </a:t>
+            </a:r>
+            <a:r>
+              <a:rPr lang="en-US" dirty="0" err="1" smtClean="0"/>
+              <a:t>berada</a:t>
+            </a:r>
+            <a:r>
+              <a:rPr lang="en-US" dirty="0" smtClean="0"/>
+              <a:t> </a:t>
+            </a:r>
+            <a:r>
+              <a:rPr lang="en-US" dirty="0" err="1" smtClean="0"/>
+              <a:t>dalam</a:t>
+            </a:r>
+            <a:r>
+              <a:rPr lang="en-US" dirty="0" smtClean="0"/>
+              <a:t> 1 </a:t>
+            </a:r>
+            <a:r>
+              <a:rPr lang="en-US" dirty="0" err="1" smtClean="0"/>
+              <a:t>wadah</a:t>
+            </a:r>
+            <a:r>
+              <a:rPr lang="en-US" dirty="0" smtClean="0"/>
+              <a:t> yang </a:t>
+            </a:r>
+            <a:r>
+              <a:rPr lang="en-US" dirty="0" err="1" smtClean="0"/>
+              <a:t>sama</a:t>
             </a:r>
             <a:r>
               <a:rPr lang="en-US" dirty="0" smtClean="0"/>
               <a:t>.</a:t>
-            </a:r>
-          </a:p>
-          <a:p>
-            <a:pPr marL="457200" indent="-457200">
-              <a:buFont typeface="+mj-lt"/>
-              <a:buAutoNum type="arabicPeriod"/>
-            </a:pPr>
-            <a:r>
-              <a:rPr lang="en-US" i="1" dirty="0" smtClean="0"/>
-              <a:t>Practices : </a:t>
-            </a:r>
-            <a:r>
-              <a:rPr lang="en-US" dirty="0" err="1" smtClean="0"/>
-              <a:t>Praktikal</a:t>
-            </a:r>
-            <a:r>
-              <a:rPr lang="en-US" dirty="0" smtClean="0"/>
-              <a:t> yang </a:t>
-            </a:r>
-            <a:r>
-              <a:rPr lang="en-US" dirty="0" err="1" smtClean="0"/>
-              <a:t>akan</a:t>
-            </a:r>
-            <a:r>
-              <a:rPr lang="en-US" dirty="0" smtClean="0"/>
-              <a:t> </a:t>
-            </a:r>
-            <a:r>
-              <a:rPr lang="en-US" dirty="0" err="1" smtClean="0"/>
-              <a:t>dilakukan</a:t>
-            </a:r>
-            <a:r>
-              <a:rPr lang="en-US" dirty="0" smtClean="0"/>
-              <a:t> agar goal </a:t>
-            </a:r>
-            <a:r>
-              <a:rPr lang="en-US" dirty="0" err="1" smtClean="0"/>
-              <a:t>dapat</a:t>
-            </a:r>
-            <a:r>
-              <a:rPr lang="en-US" dirty="0" smtClean="0"/>
-              <a:t> </a:t>
-            </a:r>
-            <a:r>
-              <a:rPr lang="en-US" dirty="0" err="1" smtClean="0"/>
-              <a:t>tercapai</a:t>
-            </a:r>
-            <a:r>
-              <a:rPr lang="en-US" dirty="0"/>
-              <a:t> </a:t>
-            </a:r>
-            <a:r>
-              <a:rPr lang="en-US" dirty="0" err="1" smtClean="0"/>
-              <a:t>namun</a:t>
-            </a:r>
-            <a:r>
-              <a:rPr lang="en-US" dirty="0" smtClean="0"/>
-              <a:t> </a:t>
-            </a:r>
-            <a:r>
-              <a:rPr lang="en-US" dirty="0" err="1" smtClean="0"/>
-              <a:t>tetap</a:t>
-            </a:r>
-            <a:r>
-              <a:rPr lang="en-US" dirty="0" smtClean="0"/>
-              <a:t> </a:t>
-            </a:r>
-            <a:r>
-              <a:rPr lang="en-US" dirty="0" err="1" smtClean="0"/>
-              <a:t>dalam</a:t>
-            </a:r>
-            <a:r>
-              <a:rPr lang="en-US" dirty="0" smtClean="0"/>
-              <a:t> </a:t>
-            </a:r>
-            <a:r>
-              <a:rPr lang="en-US" dirty="0" err="1" smtClean="0"/>
-              <a:t>lingkup</a:t>
-            </a:r>
-            <a:r>
-              <a:rPr lang="en-US" dirty="0" smtClean="0"/>
-              <a:t> </a:t>
-            </a:r>
-            <a:r>
-              <a:rPr lang="en-US" dirty="0" err="1" smtClean="0"/>
-              <a:t>aturan</a:t>
-            </a:r>
-            <a:r>
-              <a:rPr lang="en-US" dirty="0" smtClean="0"/>
-              <a:t> yang </a:t>
-            </a:r>
-            <a:r>
-              <a:rPr lang="en-US" dirty="0" err="1" smtClean="0"/>
-              <a:t>telah</a:t>
-            </a:r>
-            <a:r>
-              <a:rPr lang="en-US" dirty="0" smtClean="0"/>
-              <a:t> </a:t>
-            </a:r>
-            <a:r>
-              <a:rPr lang="en-US" dirty="0" err="1" smtClean="0"/>
-              <a:t>ditetapkan</a:t>
-            </a:r>
-            <a:r>
-              <a:rPr lang="en-US" dirty="0" smtClean="0"/>
-              <a:t>.</a:t>
-            </a:r>
-          </a:p>
-          <a:p>
-            <a:pPr marL="457200" indent="-457200">
-              <a:buFont typeface="+mj-lt"/>
-              <a:buAutoNum type="arabicPeriod"/>
-            </a:pPr>
-            <a:r>
-              <a:rPr lang="en-US" i="1" dirty="0" smtClean="0"/>
-              <a:t>Combining </a:t>
-            </a:r>
-            <a:r>
-              <a:rPr lang="en-US" i="1" dirty="0"/>
-              <a:t>Principles and </a:t>
-            </a:r>
-            <a:r>
-              <a:rPr lang="en-US" i="1" dirty="0" smtClean="0"/>
-              <a:t>Practices</a:t>
             </a:r>
             <a:endParaRPr lang="en-US" i="1" dirty="0"/>
           </a:p>
@@ -27039,7 +29133,7 @@
     </p:spTree>
     <p:extLst>
       <p:ext uri="{BB962C8B-B14F-4D97-AF65-F5344CB8AC3E}">
-        <p14:creationId xmlns:p14="http://schemas.microsoft.com/office/powerpoint/2010/main" val="1219579354"/>
+        <p14:creationId xmlns:p14="http://schemas.microsoft.com/office/powerpoint/2010/main" val="746654038"/>
       </p:ext>
     </p:extLst>
   </p:cSld>
@@ -27083,118 +29177,50 @@
           <a:p>
             <a:r>
               <a:rPr lang="en-US" dirty="0" err="1" smtClean="0"/>
-              <a:t>Konsep</a:t>
-            </a:r>
-            <a:r>
-              <a:rPr lang="en-US" dirty="0" smtClean="0"/>
-              <a:t> </a:t>
-            </a:r>
-            <a:r>
-              <a:rPr lang="en-US" dirty="0" err="1" smtClean="0"/>
-              <a:t>dasar</a:t>
-            </a:r>
-            <a:r>
-              <a:rPr lang="en-US" dirty="0" smtClean="0"/>
-              <a:t> </a:t>
-            </a:r>
-            <a:r>
-              <a:rPr lang="en-US" dirty="0" err="1" smtClean="0"/>
-              <a:t>microservice</a:t>
+              <a:t>Contoh</a:t>
+            </a:r>
+            <a:r>
+              <a:rPr lang="en-US" dirty="0" smtClean="0"/>
+              <a:t> </a:t>
+            </a:r>
+            <a:r>
+              <a:rPr lang="en-US" dirty="0" err="1" smtClean="0"/>
+              <a:t>penjelasan</a:t>
             </a:r>
             <a:endParaRPr lang="en-US" dirty="0"/>
           </a:p>
         </p:txBody>
       </p:sp>
-      <p:sp>
-        <p:nvSpPr>
-          <p:cNvPr id="3" name="Content Placeholder 2"/>
-          <p:cNvSpPr>
-            <a:spLocks noGrp="1"/>
-          </p:cNvSpPr>
+      <p:pic>
+        <p:nvPicPr>
+          <p:cNvPr id="4" name="Content Placeholder 3"/>
+          <p:cNvPicPr>
+            <a:picLocks noGrp="1"/>
+          </p:cNvPicPr>
           <p:nvPr>
             <p:ph idx="1"/>
           </p:nvPr>
-        </p:nvSpPr>
-        <p:spPr/>
-        <p:txBody>
-          <a:bodyPr/>
-          <a:lstStyle/>
-          <a:p>
-            <a:pPr marL="457200" indent="-457200">
-              <a:buFont typeface="+mj-lt"/>
-              <a:buAutoNum type="arabicPeriod"/>
-            </a:pPr>
-            <a:r>
-              <a:rPr lang="en-US" i="1" dirty="0" smtClean="0"/>
-              <a:t>Loosely coupling : </a:t>
-            </a:r>
-            <a:r>
-              <a:rPr lang="en-US" dirty="0" smtClean="0"/>
-              <a:t>Tingkat </a:t>
-            </a:r>
-            <a:r>
-              <a:rPr lang="en-US" dirty="0" err="1" smtClean="0"/>
-              <a:t>saling</a:t>
-            </a:r>
-            <a:r>
-              <a:rPr lang="en-US" dirty="0" smtClean="0"/>
-              <a:t> </a:t>
-            </a:r>
-            <a:r>
-              <a:rPr lang="en-US" dirty="0" err="1" smtClean="0"/>
-              <a:t>ketergantungan</a:t>
-            </a:r>
-            <a:r>
-              <a:rPr lang="en-US" dirty="0" smtClean="0"/>
-              <a:t> </a:t>
-            </a:r>
-            <a:r>
-              <a:rPr lang="en-US" dirty="0" err="1" smtClean="0"/>
-              <a:t>serendah</a:t>
-            </a:r>
-            <a:r>
-              <a:rPr lang="en-US" dirty="0" smtClean="0"/>
-              <a:t> </a:t>
-            </a:r>
-            <a:r>
-              <a:rPr lang="en-US" dirty="0" err="1" smtClean="0"/>
-              <a:t>mungkin</a:t>
-            </a:r>
-            <a:endParaRPr lang="en-US" i="1" dirty="0" smtClean="0"/>
-          </a:p>
-          <a:p>
-            <a:pPr marL="457200" indent="-457200">
-              <a:buFont typeface="+mj-lt"/>
-              <a:buAutoNum type="arabicPeriod"/>
-            </a:pPr>
-            <a:r>
-              <a:rPr lang="en-US" i="1" dirty="0" smtClean="0"/>
-              <a:t>High cohesion : </a:t>
-            </a:r>
-            <a:r>
-              <a:rPr lang="en-US" dirty="0" smtClean="0"/>
-              <a:t>Tingkat </a:t>
-            </a:r>
-            <a:r>
-              <a:rPr lang="en-US" dirty="0" err="1" smtClean="0"/>
-              <a:t>kepadatan</a:t>
-            </a:r>
-            <a:r>
-              <a:rPr lang="en-US" dirty="0" smtClean="0"/>
-              <a:t> yang </a:t>
-            </a:r>
-            <a:r>
-              <a:rPr lang="en-US" dirty="0" err="1" smtClean="0"/>
-              <a:t>tinggi</a:t>
-            </a:r>
-            <a:endParaRPr lang="en-US" i="1" dirty="0"/>
-          </a:p>
-        </p:txBody>
-      </p:sp>
+        </p:nvPicPr>
+        <p:blipFill>
+          <a:blip r:embed="rId2"/>
+          <a:stretch>
+            <a:fillRect/>
+          </a:stretch>
+        </p:blipFill>
+        <p:spPr>
+          <a:xfrm>
+            <a:off x="2453973" y="2084832"/>
+            <a:ext cx="6860381" cy="3779245"/>
+          </a:xfrm>
+          <a:prstGeom prst="rect">
+            <a:avLst/>
+          </a:prstGeom>
+        </p:spPr>
+      </p:pic>
     </p:spTree>
     <p:extLst>
       <p:ext uri="{BB962C8B-B14F-4D97-AF65-F5344CB8AC3E}">
-        <p14:creationId xmlns:p14="http://schemas.microsoft.com/office/powerpoint/2010/main" val="746654038"/>
+        <p14:creationId xmlns:p14="http://schemas.microsoft.com/office/powerpoint/2010/main" val="2856533075"/>
       </p:ext>
     </p:extLst>
   </p:cSld>

--- a/PPT.pptx
+++ b/PPT.pptx
@@ -31,15 +31,17 @@
     <p:sldId id="281" r:id="rId25"/>
     <p:sldId id="282" r:id="rId26"/>
     <p:sldId id="283" r:id="rId27"/>
-    <p:sldId id="284" r:id="rId28"/>
-    <p:sldId id="285" r:id="rId29"/>
-    <p:sldId id="286" r:id="rId30"/>
-    <p:sldId id="287" r:id="rId31"/>
-    <p:sldId id="288" r:id="rId32"/>
-    <p:sldId id="289" r:id="rId33"/>
-    <p:sldId id="290" r:id="rId34"/>
-    <p:sldId id="291" r:id="rId35"/>
-    <p:sldId id="292" r:id="rId36"/>
+    <p:sldId id="296" r:id="rId28"/>
+    <p:sldId id="284" r:id="rId29"/>
+    <p:sldId id="285" r:id="rId30"/>
+    <p:sldId id="286" r:id="rId31"/>
+    <p:sldId id="287" r:id="rId32"/>
+    <p:sldId id="288" r:id="rId33"/>
+    <p:sldId id="289" r:id="rId34"/>
+    <p:sldId id="290" r:id="rId35"/>
+    <p:sldId id="291" r:id="rId36"/>
+    <p:sldId id="292" r:id="rId37"/>
+    <p:sldId id="297" r:id="rId38"/>
   </p:sldIdLst>
   <p:sldSz cx="12192000" cy="6858000"/>
   <p:notesSz cx="6858000" cy="9144000"/>
@@ -169,6 +171,7 @@
             <p14:sldId id="281"/>
             <p14:sldId id="282"/>
             <p14:sldId id="283"/>
+            <p14:sldId id="296"/>
             <p14:sldId id="284"/>
             <p14:sldId id="285"/>
             <p14:sldId id="286"/>
@@ -178,6 +181,7 @@
             <p14:sldId id="290"/>
             <p14:sldId id="291"/>
             <p14:sldId id="292"/>
+            <p14:sldId id="297"/>
           </p14:sldIdLst>
         </p14:section>
         <p14:section name="Untitled Section" id="{B21C94AB-48B2-4224-A014-AB177703A17D}">
@@ -8985,7 +8989,7 @@
           <a:p>
             <a:fld id="{02731B77-74DD-435B-A53C-CA736FF2054E}" type="datetimeFigureOut">
               <a:rPr lang="en-US" smtClean="0"/>
-              <a:t>4/26/2018</a:t>
+              <a:t>4/29/2018</a:t>
             </a:fld>
             <a:endParaRPr lang="en-US"/>
           </a:p>
@@ -9192,7 +9196,7 @@
           <a:p>
             <a:fld id="{02731B77-74DD-435B-A53C-CA736FF2054E}" type="datetimeFigureOut">
               <a:rPr lang="en-US" smtClean="0"/>
-              <a:t>4/26/2018</a:t>
+              <a:t>4/29/2018</a:t>
             </a:fld>
             <a:endParaRPr lang="en-US"/>
           </a:p>
@@ -9372,7 +9376,7 @@
           <a:p>
             <a:fld id="{02731B77-74DD-435B-A53C-CA736FF2054E}" type="datetimeFigureOut">
               <a:rPr lang="en-US" smtClean="0"/>
-              <a:t>4/26/2018</a:t>
+              <a:t>4/29/2018</a:t>
             </a:fld>
             <a:endParaRPr lang="en-US"/>
           </a:p>
@@ -9577,7 +9581,7 @@
           <a:p>
             <a:fld id="{02731B77-74DD-435B-A53C-CA736FF2054E}" type="datetimeFigureOut">
               <a:rPr lang="en-US" smtClean="0"/>
-              <a:t>4/26/2018</a:t>
+              <a:t>4/29/2018</a:t>
             </a:fld>
             <a:endParaRPr lang="en-US"/>
           </a:p>
@@ -18475,7 +18479,7 @@
           <a:p>
             <a:fld id="{02731B77-74DD-435B-A53C-CA736FF2054E}" type="datetimeFigureOut">
               <a:rPr lang="en-US" smtClean="0"/>
-              <a:t>4/26/2018</a:t>
+              <a:t>4/29/2018</a:t>
             </a:fld>
             <a:endParaRPr lang="en-US"/>
           </a:p>
@@ -18749,7 +18753,7 @@
           <a:p>
             <a:fld id="{02731B77-74DD-435B-A53C-CA736FF2054E}" type="datetimeFigureOut">
               <a:rPr lang="en-US" smtClean="0"/>
-              <a:t>4/26/2018</a:t>
+              <a:t>4/29/2018</a:t>
             </a:fld>
             <a:endParaRPr lang="en-US"/>
           </a:p>
@@ -19147,7 +19151,7 @@
           <a:p>
             <a:fld id="{02731B77-74DD-435B-A53C-CA736FF2054E}" type="datetimeFigureOut">
               <a:rPr lang="en-US" smtClean="0"/>
-              <a:t>4/26/2018</a:t>
+              <a:t>4/29/2018</a:t>
             </a:fld>
             <a:endParaRPr lang="en-US"/>
           </a:p>
@@ -19265,7 +19269,7 @@
           <a:p>
             <a:fld id="{02731B77-74DD-435B-A53C-CA736FF2054E}" type="datetimeFigureOut">
               <a:rPr lang="en-US" smtClean="0"/>
-              <a:t>4/26/2018</a:t>
+              <a:t>4/29/2018</a:t>
             </a:fld>
             <a:endParaRPr lang="en-US"/>
           </a:p>
@@ -19360,7 +19364,7 @@
           <a:p>
             <a:fld id="{02731B77-74DD-435B-A53C-CA736FF2054E}" type="datetimeFigureOut">
               <a:rPr lang="en-US" smtClean="0"/>
-              <a:t>4/26/2018</a:t>
+              <a:t>4/29/2018</a:t>
             </a:fld>
             <a:endParaRPr lang="en-US"/>
           </a:p>
@@ -19650,7 +19654,7 @@
           <a:p>
             <a:fld id="{02731B77-74DD-435B-A53C-CA736FF2054E}" type="datetimeFigureOut">
               <a:rPr lang="en-US" smtClean="0"/>
-              <a:t>4/26/2018</a:t>
+              <a:t>4/29/2018</a:t>
             </a:fld>
             <a:endParaRPr lang="en-US"/>
           </a:p>
@@ -19930,7 +19934,7 @@
           <a:p>
             <a:fld id="{02731B77-74DD-435B-A53C-CA736FF2054E}" type="datetimeFigureOut">
               <a:rPr lang="en-US" smtClean="0"/>
-              <a:t>4/26/2018</a:t>
+              <a:t>4/29/2018</a:t>
             </a:fld>
             <a:endParaRPr lang="en-US"/>
           </a:p>
@@ -20180,7 +20184,7 @@
           <a:p>
             <a:fld id="{02731B77-74DD-435B-A53C-CA736FF2054E}" type="datetimeFigureOut">
               <a:rPr lang="en-US" smtClean="0"/>
-              <a:t>4/26/2018</a:t>
+              <a:t>4/29/2018</a:t>
             </a:fld>
             <a:endParaRPr lang="en-US"/>
           </a:p>
@@ -20700,15 +20704,15 @@
         </p:spPr>
         <p:txBody>
           <a:bodyPr>
-            <a:normAutofit fontScale="90000"/>
+            <a:noAutofit/>
           </a:bodyPr>
           <a:lstStyle/>
           <a:p>
             <a:r>
-              <a:rPr lang="en-US" dirty="0"/>
+              <a:rPr lang="en-US" sz="3200" dirty="0" smtClean="0"/>
               <a:t>PENERAPAN DAN PERBANDINGAN ARSITEKTUR MICROSERVICE TERHADAP ARSITEKTUR MONOLITIK PADA PERANGKAT LUNAK SISTEM INFORMASI MENEJEMEN RUMAH SAKIT</a:t>
             </a:r>
-            <a:endParaRPr lang="en-US" dirty="0"/>
+            <a:endParaRPr lang="en-US" sz="3200" dirty="0"/>
           </a:p>
         </p:txBody>
       </p:sp>
@@ -21130,14 +21134,14 @@
                 <a:gridCol w="2377282">
                   <a:extLst>
                     <a:ext uri="{9D8B030D-6E8A-4147-A177-3AD203B41FA5}">
-                      <a16:colId xmlns:a16="http://schemas.microsoft.com/office/drawing/2014/main" val="2905065532"/>
+                      <a16:colId xmlns="" xmlns:a16="http://schemas.microsoft.com/office/drawing/2014/main" val="2905065532"/>
                     </a:ext>
                   </a:extLst>
                 </a:gridCol>
                 <a:gridCol w="2377282">
                   <a:extLst>
                     <a:ext uri="{9D8B030D-6E8A-4147-A177-3AD203B41FA5}">
-                      <a16:colId xmlns:a16="http://schemas.microsoft.com/office/drawing/2014/main" val="3802736106"/>
+                      <a16:colId xmlns="" xmlns:a16="http://schemas.microsoft.com/office/drawing/2014/main" val="3802736106"/>
                     </a:ext>
                   </a:extLst>
                 </a:gridCol>
@@ -21173,7 +21177,7 @@
                 </a:tc>
                 <a:extLst>
                   <a:ext uri="{0D108BD9-81ED-4DB2-BD59-A6C34878D82A}">
-                    <a16:rowId xmlns:a16="http://schemas.microsoft.com/office/drawing/2014/main" val="3168152095"/>
+                    <a16:rowId xmlns="" xmlns:a16="http://schemas.microsoft.com/office/drawing/2014/main" val="3168152095"/>
                   </a:ext>
                 </a:extLst>
               </a:tr>
@@ -21403,7 +21407,7 @@
                 </a:tc>
                 <a:extLst>
                   <a:ext uri="{0D108BD9-81ED-4DB2-BD59-A6C34878D82A}">
-                    <a16:rowId xmlns:a16="http://schemas.microsoft.com/office/drawing/2014/main" val="2919232402"/>
+                    <a16:rowId xmlns="" xmlns:a16="http://schemas.microsoft.com/office/drawing/2014/main" val="2919232402"/>
                   </a:ext>
                 </a:extLst>
               </a:tr>
@@ -21589,11 +21593,7 @@
             </a:r>
             <a:r>
               <a:rPr lang="en-US" dirty="0" smtClean="0"/>
-              <a:t> </a:t>
-            </a:r>
-            <a:r>
-              <a:rPr lang="en-US" dirty="0" smtClean="0"/>
-              <a:t>data </a:t>
+              <a:t> data </a:t>
             </a:r>
             <a:endParaRPr lang="en-US" dirty="0"/>
           </a:p>
@@ -22275,8 +22275,64 @@
               <a:buChar char="•"/>
             </a:pPr>
             <a:r>
-              <a:rPr lang="en-US" i="1" dirty="0"/>
-              <a:t> </a:t>
+              <a:rPr lang="en-US" dirty="0"/>
+              <a:t> </a:t>
+            </a:r>
+            <a:r>
+              <a:rPr lang="en-US" dirty="0" err="1" smtClean="0"/>
+              <a:t>Terdapat</a:t>
+            </a:r>
+            <a:r>
+              <a:rPr lang="en-US" dirty="0" smtClean="0"/>
+              <a:t> 2 </a:t>
+            </a:r>
+            <a:r>
+              <a:rPr lang="en-US" dirty="0" err="1" smtClean="0"/>
+              <a:t>metode</a:t>
+            </a:r>
+            <a:r>
+              <a:rPr lang="en-US" dirty="0" smtClean="0"/>
+              <a:t> : </a:t>
+            </a:r>
+            <a:r>
+              <a:rPr lang="en-US" dirty="0" err="1" smtClean="0"/>
+              <a:t>Dekomposisi</a:t>
+            </a:r>
+            <a:r>
+              <a:rPr lang="en-US" dirty="0" smtClean="0"/>
+              <a:t> </a:t>
+            </a:r>
+            <a:r>
+              <a:rPr lang="en-US" dirty="0" err="1" smtClean="0"/>
+              <a:t>berdasarkan</a:t>
+            </a:r>
+            <a:r>
+              <a:rPr lang="en-US" dirty="0" smtClean="0"/>
+              <a:t> subdomain &amp; </a:t>
+            </a:r>
+            <a:r>
+              <a:rPr lang="en-US" dirty="0" err="1" smtClean="0"/>
+              <a:t>dekomposisi</a:t>
+            </a:r>
+            <a:r>
+              <a:rPr lang="en-US" dirty="0" smtClean="0"/>
+              <a:t> </a:t>
+            </a:r>
+            <a:r>
+              <a:rPr lang="en-US" dirty="0" err="1" smtClean="0"/>
+              <a:t>berdasarkan</a:t>
+            </a:r>
+            <a:r>
+              <a:rPr lang="en-US" dirty="0" smtClean="0"/>
+              <a:t> proses </a:t>
+            </a:r>
+            <a:r>
+              <a:rPr lang="en-US" dirty="0" err="1" smtClean="0"/>
+              <a:t>bisnis</a:t>
+            </a:r>
+            <a:r>
+              <a:rPr lang="en-US" dirty="0" smtClean="0"/>
+              <a:t>.</a:t>
             </a:r>
             <a:endParaRPr lang="en-US" dirty="0"/>
           </a:p>
@@ -22353,7 +22409,7 @@
             <p:ph idx="1"/>
             <p:extLst>
               <p:ext uri="{D42A27DB-BD31-4B8C-83A1-F6EECF244321}">
-                <p14:modId xmlns:p14="http://schemas.microsoft.com/office/powerpoint/2010/main" val="2604744258"/>
+                <p14:modId xmlns:p14="http://schemas.microsoft.com/office/powerpoint/2010/main" val="2569069173"/>
               </p:ext>
             </p:extLst>
           </p:nvPr>
@@ -22372,14 +22428,14 @@
                 <a:gridCol w="4860131">
                   <a:extLst>
                     <a:ext uri="{9D8B030D-6E8A-4147-A177-3AD203B41FA5}">
-                      <a16:colId xmlns:a16="http://schemas.microsoft.com/office/drawing/2014/main" val="239280373"/>
+                      <a16:colId xmlns="" xmlns:a16="http://schemas.microsoft.com/office/drawing/2014/main" val="239280373"/>
                     </a:ext>
                   </a:extLst>
                 </a:gridCol>
                 <a:gridCol w="4860131">
                   <a:extLst>
                     <a:ext uri="{9D8B030D-6E8A-4147-A177-3AD203B41FA5}">
-                      <a16:colId xmlns:a16="http://schemas.microsoft.com/office/drawing/2014/main" val="3475585816"/>
+                      <a16:colId xmlns="" xmlns:a16="http://schemas.microsoft.com/office/drawing/2014/main" val="3475585816"/>
                     </a:ext>
                   </a:extLst>
                 </a:gridCol>
@@ -22431,7 +22487,7 @@
                 </a:tc>
                 <a:extLst>
                   <a:ext uri="{0D108BD9-81ED-4DB2-BD59-A6C34878D82A}">
-                    <a16:rowId xmlns:a16="http://schemas.microsoft.com/office/drawing/2014/main" val="923669991"/>
+                    <a16:rowId xmlns="" xmlns:a16="http://schemas.microsoft.com/office/drawing/2014/main" val="923669991"/>
                   </a:ext>
                 </a:extLst>
               </a:tr>
@@ -22475,7 +22531,7 @@
                       </a:r>
                       <a:r>
                         <a:rPr lang="en-US" i="1" baseline="0" dirty="0" smtClean="0"/>
-                        <a:t>domain-driven-design</a:t>
+                        <a:t>domain-driven-design / subdomain.</a:t>
                       </a:r>
                       <a:endParaRPr lang="en-US" dirty="0"/>
                     </a:p>
@@ -22489,7 +22545,15 @@
                     <a:p>
                       <a:r>
                         <a:rPr lang="en-US" dirty="0" err="1" smtClean="0"/>
-                        <a:t>Cocokapabila</a:t>
+                        <a:t>Cocok</a:t>
+                      </a:r>
+                      <a:r>
+                        <a:rPr lang="en-US" dirty="0" smtClean="0"/>
+                        <a:t> </a:t>
+                      </a:r>
+                      <a:r>
+                        <a:rPr lang="en-US" dirty="0" err="1" smtClean="0"/>
+                        <a:t>apabila</a:t>
                       </a:r>
                       <a:r>
                         <a:rPr lang="en-US" dirty="0" smtClean="0"/>
@@ -22546,7 +22610,7 @@
                 </a:tc>
                 <a:extLst>
                   <a:ext uri="{0D108BD9-81ED-4DB2-BD59-A6C34878D82A}">
-                    <a16:rowId xmlns:a16="http://schemas.microsoft.com/office/drawing/2014/main" val="1000297399"/>
+                    <a16:rowId xmlns="" xmlns:a16="http://schemas.microsoft.com/office/drawing/2014/main" val="1000297399"/>
                   </a:ext>
                 </a:extLst>
               </a:tr>
@@ -22622,6 +22686,180 @@
           <a:bodyPr/>
           <a:lstStyle/>
           <a:p>
+            <a:pPr>
+              <a:buFont typeface="Arial" panose="020B0604020202020204" pitchFamily="34" charset="0"/>
+              <a:buChar char="•"/>
+            </a:pPr>
+            <a:r>
+              <a:rPr lang="en-US" dirty="0"/>
+              <a:t> </a:t>
+            </a:r>
+            <a:r>
+              <a:rPr lang="en-US" dirty="0" err="1" smtClean="0"/>
+              <a:t>Setelah</a:t>
+            </a:r>
+            <a:r>
+              <a:rPr lang="en-US" dirty="0" smtClean="0"/>
+              <a:t> </a:t>
+            </a:r>
+            <a:r>
+              <a:rPr lang="en-US" dirty="0" err="1" smtClean="0"/>
+              <a:t>mengidentifikasi</a:t>
+            </a:r>
+            <a:r>
+              <a:rPr lang="en-US" dirty="0" smtClean="0"/>
+              <a:t> </a:t>
+            </a:r>
+            <a:r>
+              <a:rPr lang="en-US" dirty="0" err="1" smtClean="0"/>
+              <a:t>dan</a:t>
+            </a:r>
+            <a:r>
+              <a:rPr lang="en-US" dirty="0" smtClean="0"/>
+              <a:t> </a:t>
+            </a:r>
+            <a:r>
+              <a:rPr lang="en-US" dirty="0" err="1" smtClean="0"/>
+              <a:t>membentuk</a:t>
+            </a:r>
+            <a:r>
+              <a:rPr lang="en-US" dirty="0" smtClean="0"/>
+              <a:t> service, </a:t>
+            </a:r>
+            <a:r>
+              <a:rPr lang="en-US" dirty="0" err="1" smtClean="0"/>
+              <a:t>tahap</a:t>
+            </a:r>
+            <a:r>
+              <a:rPr lang="en-US" dirty="0" smtClean="0"/>
+              <a:t> </a:t>
+            </a:r>
+            <a:r>
+              <a:rPr lang="en-US" dirty="0" err="1" smtClean="0"/>
+              <a:t>selanjutnya</a:t>
+            </a:r>
+            <a:r>
+              <a:rPr lang="en-US" dirty="0" smtClean="0"/>
+              <a:t> </a:t>
+            </a:r>
+            <a:r>
+              <a:rPr lang="en-US" dirty="0" err="1" smtClean="0"/>
+              <a:t>adalah</a:t>
+            </a:r>
+            <a:r>
+              <a:rPr lang="en-US" dirty="0" smtClean="0"/>
+              <a:t> </a:t>
+            </a:r>
+            <a:r>
+              <a:rPr lang="en-US" dirty="0" err="1" smtClean="0"/>
+              <a:t>melakukan</a:t>
+            </a:r>
+            <a:r>
+              <a:rPr lang="en-US" dirty="0" smtClean="0"/>
+              <a:t> </a:t>
+            </a:r>
+            <a:r>
+              <a:rPr lang="en-US" i="1" dirty="0" smtClean="0"/>
+              <a:t>deployment </a:t>
+            </a:r>
+            <a:r>
+              <a:rPr lang="en-US" dirty="0" err="1" smtClean="0"/>
+              <a:t>dari</a:t>
+            </a:r>
+            <a:r>
+              <a:rPr lang="en-US" dirty="0" smtClean="0"/>
+              <a:t> service.</a:t>
+            </a:r>
+          </a:p>
+          <a:p>
+            <a:pPr>
+              <a:buFont typeface="Arial" panose="020B0604020202020204" pitchFamily="34" charset="0"/>
+              <a:buChar char="•"/>
+            </a:pPr>
+            <a:r>
+              <a:rPr lang="en-US" dirty="0" smtClean="0"/>
+              <a:t> </a:t>
+            </a:r>
+            <a:r>
+              <a:rPr lang="en-US" dirty="0" err="1" smtClean="0"/>
+              <a:t>Terdapat</a:t>
+            </a:r>
+            <a:r>
+              <a:rPr lang="en-US" dirty="0" smtClean="0"/>
+              <a:t> </a:t>
+            </a:r>
+            <a:r>
+              <a:rPr lang="en-US" dirty="0" err="1" smtClean="0"/>
+              <a:t>bebrapa</a:t>
+            </a:r>
+            <a:r>
+              <a:rPr lang="en-US" dirty="0" smtClean="0"/>
+              <a:t> </a:t>
+            </a:r>
+            <a:r>
+              <a:rPr lang="en-US" dirty="0" err="1" smtClean="0"/>
+              <a:t>metode</a:t>
+            </a:r>
+            <a:r>
+              <a:rPr lang="en-US" dirty="0" smtClean="0"/>
+              <a:t> deployment yang </a:t>
+            </a:r>
+            <a:r>
+              <a:rPr lang="en-US" dirty="0" err="1" smtClean="0"/>
+              <a:t>dapat</a:t>
+            </a:r>
+            <a:r>
+              <a:rPr lang="en-US" dirty="0" smtClean="0"/>
+              <a:t> </a:t>
+            </a:r>
+            <a:r>
+              <a:rPr lang="en-US" dirty="0" err="1" smtClean="0"/>
+              <a:t>digunakan</a:t>
+            </a:r>
+            <a:r>
+              <a:rPr lang="en-US" dirty="0"/>
+              <a:t> </a:t>
+            </a:r>
+            <a:r>
+              <a:rPr lang="en-US" dirty="0" err="1" smtClean="0"/>
+              <a:t>sesuai</a:t>
+            </a:r>
+            <a:r>
+              <a:rPr lang="en-US" dirty="0" smtClean="0"/>
+              <a:t> </a:t>
+            </a:r>
+            <a:r>
+              <a:rPr lang="en-US" dirty="0" err="1" smtClean="0"/>
+              <a:t>dengan</a:t>
+            </a:r>
+            <a:r>
+              <a:rPr lang="en-US" dirty="0" smtClean="0"/>
+              <a:t> </a:t>
+            </a:r>
+            <a:r>
+              <a:rPr lang="en-US" dirty="0" err="1" smtClean="0"/>
+              <a:t>kebutuhan</a:t>
+            </a:r>
+            <a:r>
+              <a:rPr lang="en-US" dirty="0" smtClean="0"/>
+              <a:t> </a:t>
+            </a:r>
+            <a:r>
+              <a:rPr lang="en-US" dirty="0" err="1" smtClean="0"/>
+              <a:t>dari</a:t>
+            </a:r>
+            <a:r>
+              <a:rPr lang="en-US" dirty="0"/>
+              <a:t> </a:t>
+            </a:r>
+            <a:r>
+              <a:rPr lang="en-US" dirty="0" err="1" smtClean="0"/>
+              <a:t>pengguna</a:t>
+            </a:r>
+            <a:r>
+              <a:rPr lang="en-US" dirty="0" smtClean="0"/>
+              <a:t>.</a:t>
+            </a:r>
             <a:endParaRPr lang="en-US" dirty="0"/>
           </a:p>
         </p:txBody>
@@ -22703,6 +22941,14 @@
             </a:r>
           </a:p>
           <a:p>
+            <a:pPr>
+              <a:buFont typeface="Arial" panose="020B0604020202020204" pitchFamily="34" charset="0"/>
+              <a:buChar char="•"/>
+            </a:pPr>
+            <a:r>
+              <a:rPr lang="en-US" dirty="0" smtClean="0"/>
+              <a:t> </a:t>
+            </a:r>
             <a:r>
               <a:rPr lang="en-US" dirty="0" err="1" smtClean="0"/>
               <a:t>Beresiko</a:t>
@@ -22742,6 +22988,14 @@
             <a:endParaRPr lang="en-US" dirty="0" smtClean="0"/>
           </a:p>
           <a:p>
+            <a:pPr>
+              <a:buFont typeface="Arial" panose="020B0604020202020204" pitchFamily="34" charset="0"/>
+              <a:buChar char="•"/>
+            </a:pPr>
+            <a:r>
+              <a:rPr lang="en-US" dirty="0" smtClean="0"/>
+              <a:t> </a:t>
+            </a:r>
             <a:r>
               <a:rPr lang="en-US" dirty="0" err="1" smtClean="0"/>
               <a:t>Beresiko</a:t>
@@ -22764,6 +23018,14 @@
             </a:r>
           </a:p>
           <a:p>
+            <a:pPr>
+              <a:buFont typeface="Arial" panose="020B0604020202020204" pitchFamily="34" charset="0"/>
+              <a:buChar char="•"/>
+            </a:pPr>
+            <a:r>
+              <a:rPr lang="en-US" dirty="0" smtClean="0"/>
+              <a:t> </a:t>
+            </a:r>
             <a:r>
               <a:rPr lang="en-US" dirty="0" err="1" smtClean="0"/>
               <a:t>Sulit</a:t>
@@ -22828,6 +23090,117 @@
               <a:rPr lang="en-US" dirty="0" smtClean="0"/>
               <a:t> service.</a:t>
             </a:r>
+          </a:p>
+          <a:p>
+            <a:pPr>
+              <a:buFont typeface="Arial" panose="020B0604020202020204" pitchFamily="34" charset="0"/>
+              <a:buChar char="•"/>
+            </a:pPr>
+            <a:r>
+              <a:rPr lang="en-US" dirty="0"/>
+              <a:t> </a:t>
+            </a:r>
+            <a:r>
+              <a:rPr lang="en-US" dirty="0" err="1" smtClean="0"/>
+              <a:t>Cocok</a:t>
+            </a:r>
+            <a:r>
+              <a:rPr lang="en-US" dirty="0" smtClean="0"/>
+              <a:t> </a:t>
+            </a:r>
+            <a:r>
+              <a:rPr lang="en-US" dirty="0" err="1" smtClean="0"/>
+              <a:t>apabila</a:t>
+            </a:r>
+            <a:r>
+              <a:rPr lang="en-US" dirty="0" smtClean="0"/>
+              <a:t> service </a:t>
+            </a:r>
+            <a:r>
+              <a:rPr lang="en-US" dirty="0" err="1" smtClean="0"/>
+              <a:t>tidak</a:t>
+            </a:r>
+            <a:r>
+              <a:rPr lang="en-US" dirty="0" smtClean="0"/>
+              <a:t> </a:t>
+            </a:r>
+            <a:r>
+              <a:rPr lang="en-US" dirty="0" err="1" smtClean="0"/>
+              <a:t>banyak</a:t>
+            </a:r>
+            <a:r>
+              <a:rPr lang="en-US" dirty="0" smtClean="0"/>
+              <a:t> </a:t>
+            </a:r>
+            <a:r>
+              <a:rPr lang="en-US" dirty="0" err="1" smtClean="0"/>
+              <a:t>dan</a:t>
+            </a:r>
+            <a:r>
+              <a:rPr lang="en-US" dirty="0" smtClean="0"/>
+              <a:t> </a:t>
+            </a:r>
+            <a:r>
+              <a:rPr lang="en-US" dirty="0" err="1" smtClean="0"/>
+              <a:t>adanya</a:t>
+            </a:r>
+            <a:r>
+              <a:rPr lang="en-US" dirty="0" smtClean="0"/>
+              <a:t> </a:t>
+            </a:r>
+            <a:r>
+              <a:rPr lang="en-US" dirty="0" err="1" smtClean="0"/>
+              <a:t>kebutuhan</a:t>
+            </a:r>
+            <a:r>
+              <a:rPr lang="en-US" dirty="0" smtClean="0"/>
+              <a:t> </a:t>
+            </a:r>
+            <a:r>
+              <a:rPr lang="en-US" dirty="0" err="1" smtClean="0"/>
+              <a:t>untuk</a:t>
+            </a:r>
+            <a:r>
+              <a:rPr lang="en-US" dirty="0" smtClean="0"/>
+              <a:t> </a:t>
+            </a:r>
+            <a:r>
+              <a:rPr lang="en-US" dirty="0" err="1" smtClean="0"/>
+              <a:t>menghemat</a:t>
+            </a:r>
+            <a:r>
+              <a:rPr lang="en-US" dirty="0" smtClean="0"/>
+              <a:t> </a:t>
+            </a:r>
+            <a:r>
+              <a:rPr lang="en-US" dirty="0" err="1" smtClean="0"/>
+              <a:t>penggunaan</a:t>
+            </a:r>
+            <a:r>
+              <a:rPr lang="en-US" dirty="0" smtClean="0"/>
+              <a:t> </a:t>
+            </a:r>
+            <a:r>
+              <a:rPr lang="en-US" dirty="0" err="1" smtClean="0"/>
+              <a:t>sumber</a:t>
+            </a:r>
+            <a:r>
+              <a:rPr lang="en-US" dirty="0" smtClean="0"/>
+              <a:t> </a:t>
+            </a:r>
+            <a:r>
+              <a:rPr lang="en-US" dirty="0" err="1" smtClean="0"/>
+              <a:t>daya</a:t>
+            </a:r>
+            <a:r>
+              <a:rPr lang="en-US" dirty="0" smtClean="0"/>
+              <a:t> (</a:t>
+            </a:r>
+            <a:r>
+              <a:rPr lang="en-US" i="1" dirty="0" smtClean="0"/>
+              <a:t>cost).</a:t>
+            </a:r>
+            <a:endParaRPr lang="en-US" dirty="0" smtClean="0"/>
           </a:p>
         </p:txBody>
       </p:sp>
@@ -22940,45 +23313,91 @@
             </a:r>
           </a:p>
           <a:p>
+            <a:pPr>
+              <a:buFont typeface="Arial" panose="020B0604020202020204" pitchFamily="34" charset="0"/>
+              <a:buChar char="•"/>
+            </a:pPr>
             <a:r>
               <a:rPr lang="en-US" i="1" dirty="0" smtClean="0"/>
+              <a:t> </a:t>
+            </a:r>
+            <a:r>
+              <a:rPr lang="en-US" dirty="0" err="1" smtClean="0"/>
+              <a:t>Mengatasi</a:t>
+            </a:r>
+            <a:r>
+              <a:rPr lang="en-US" dirty="0" smtClean="0"/>
+              <a:t> </a:t>
+            </a:r>
+            <a:r>
+              <a:rPr lang="en-US" dirty="0" err="1" smtClean="0"/>
+              <a:t>kelemahan</a:t>
+            </a:r>
+            <a:r>
+              <a:rPr lang="en-US" dirty="0" smtClean="0"/>
+              <a:t> </a:t>
+            </a:r>
+            <a:r>
+              <a:rPr lang="en-US" dirty="0" err="1" smtClean="0"/>
+              <a:t>dari</a:t>
+            </a:r>
+            <a:r>
+              <a:rPr lang="en-US" dirty="0" smtClean="0"/>
+              <a:t> multiple service per host.</a:t>
+            </a:r>
+          </a:p>
+          <a:p>
+            <a:pPr>
+              <a:buFont typeface="Arial" panose="020B0604020202020204" pitchFamily="34" charset="0"/>
+              <a:buChar char="•"/>
+            </a:pPr>
+            <a:r>
+              <a:rPr lang="en-US" dirty="0"/>
+              <a:t> </a:t>
+            </a:r>
+            <a:r>
+              <a:rPr lang="en-US" i="1" dirty="0"/>
               <a:t>Resource </a:t>
             </a:r>
             <a:r>
-              <a:rPr lang="en-US" dirty="0" err="1" smtClean="0"/>
+              <a:rPr lang="en-US" dirty="0" err="1"/>
               <a:t>dan</a:t>
             </a:r>
             <a:r>
-              <a:rPr lang="en-US" dirty="0" smtClean="0"/>
-              <a:t> </a:t>
-            </a:r>
-            <a:r>
-              <a:rPr lang="en-US" dirty="0" err="1" smtClean="0"/>
+              <a:rPr lang="en-US" dirty="0"/>
+              <a:t> </a:t>
+            </a:r>
+            <a:r>
+              <a:rPr lang="en-US" dirty="0" err="1"/>
               <a:t>biaya</a:t>
             </a:r>
             <a:r>
-              <a:rPr lang="en-US" dirty="0" smtClean="0"/>
+              <a:rPr lang="en-US" dirty="0"/>
               <a:t> yang </a:t>
             </a:r>
             <a:r>
-              <a:rPr lang="en-US" dirty="0" err="1" smtClean="0"/>
+              <a:rPr lang="en-US" dirty="0" err="1"/>
               <a:t>dikeluarkan</a:t>
             </a:r>
             <a:r>
-              <a:rPr lang="en-US" dirty="0" smtClean="0"/>
-              <a:t> </a:t>
-            </a:r>
-            <a:r>
-              <a:rPr lang="en-US" dirty="0" err="1" smtClean="0"/>
+              <a:rPr lang="en-US" dirty="0"/>
+              <a:t> </a:t>
+            </a:r>
+            <a:r>
+              <a:rPr lang="en-US" dirty="0" err="1"/>
               <a:t>lebih</a:t>
             </a:r>
             <a:r>
-              <a:rPr lang="en-US" dirty="0" smtClean="0"/>
-              <a:t> </a:t>
-            </a:r>
-            <a:r>
-              <a:rPr lang="en-US" dirty="0" err="1" smtClean="0"/>
+              <a:rPr lang="en-US" dirty="0"/>
+              <a:t> </a:t>
+            </a:r>
+            <a:r>
+              <a:rPr lang="en-US" dirty="0" err="1"/>
               <a:t>besar</a:t>
+            </a:r>
+            <a:r>
+              <a:rPr lang="en-US" dirty="0" smtClean="0"/>
+              <a:t>.</a:t>
             </a:r>
             <a:endParaRPr lang="en-US" dirty="0"/>
           </a:p>
@@ -23093,6 +23512,14 @@
             </a:r>
           </a:p>
           <a:p>
+            <a:pPr>
+              <a:buFont typeface="Arial" panose="020B0604020202020204" pitchFamily="34" charset="0"/>
+              <a:buChar char="•"/>
+            </a:pPr>
+            <a:r>
+              <a:rPr lang="en-US" dirty="0" smtClean="0"/>
+              <a:t> </a:t>
+            </a:r>
             <a:r>
               <a:rPr lang="en-US" dirty="0" err="1" smtClean="0"/>
               <a:t>Apabila</a:t>
@@ -23127,9 +23554,13 @@
             </a:r>
           </a:p>
           <a:p>
-            <a:r>
-              <a:rPr lang="en-US" dirty="0" smtClean="0"/>
-              <a:t>Container </a:t>
+            <a:pPr>
+              <a:buFont typeface="Arial" panose="020B0604020202020204" pitchFamily="34" charset="0"/>
+              <a:buChar char="•"/>
+            </a:pPr>
+            <a:r>
+              <a:rPr lang="en-US" dirty="0" smtClean="0"/>
+              <a:t> Container </a:t>
             </a:r>
             <a:r>
               <a:rPr lang="en-US" dirty="0" err="1" smtClean="0"/>
@@ -23157,9 +23588,13 @@
             </a:r>
           </a:p>
           <a:p>
-            <a:r>
-              <a:rPr lang="en-US" dirty="0" smtClean="0"/>
-              <a:t>User </a:t>
+            <a:pPr>
+              <a:buFont typeface="Arial" panose="020B0604020202020204" pitchFamily="34" charset="0"/>
+              <a:buChar char="•"/>
+            </a:pPr>
+            <a:r>
+              <a:rPr lang="en-US" dirty="0" smtClean="0"/>
+              <a:t> User </a:t>
             </a:r>
             <a:r>
               <a:rPr lang="en-US" dirty="0" err="1" smtClean="0"/>
@@ -23232,8 +23667,8 @@
         </p:blipFill>
         <p:spPr>
           <a:xfrm>
-            <a:off x="7962900" y="529654"/>
-            <a:ext cx="2781300" cy="3311525"/>
+            <a:off x="8117304" y="529655"/>
+            <a:ext cx="2626895" cy="3192114"/>
           </a:xfrm>
           <a:prstGeom prst="rect">
             <a:avLst/>
@@ -23713,15 +24148,23 @@
               <a:buNone/>
             </a:pPr>
             <a:r>
-              <a:rPr lang="en-US" dirty="0" err="1" smtClean="0"/>
-              <a:t>Kelebihan</a:t>
-            </a:r>
-            <a:r>
-              <a:rPr lang="en-US" dirty="0" smtClean="0"/>
-              <a:t> :</a:t>
+              <a:rPr lang="en-US" i="1" dirty="0" err="1" smtClean="0"/>
+              <a:t>Serverless</a:t>
+            </a:r>
+            <a:r>
+              <a:rPr lang="en-US" i="1" dirty="0" smtClean="0"/>
+              <a:t> deployment</a:t>
             </a:r>
           </a:p>
           <a:p>
+            <a:pPr>
+              <a:buFont typeface="Arial" panose="020B0604020202020204" pitchFamily="34" charset="0"/>
+              <a:buChar char="•"/>
+            </a:pPr>
+            <a:r>
+              <a:rPr lang="en-US" dirty="0" smtClean="0"/>
+              <a:t> </a:t>
+            </a:r>
             <a:r>
               <a:rPr lang="en-US" dirty="0" err="1" smtClean="0"/>
               <a:t>Tidak</a:t>
@@ -23820,6 +24263,14 @@
             </a:r>
           </a:p>
           <a:p>
+            <a:pPr>
+              <a:buFont typeface="Arial" panose="020B0604020202020204" pitchFamily="34" charset="0"/>
+              <a:buChar char="•"/>
+            </a:pPr>
+            <a:r>
+              <a:rPr lang="en-US" dirty="0" smtClean="0"/>
+              <a:t> </a:t>
+            </a:r>
             <a:r>
               <a:rPr lang="en-US" dirty="0" err="1" smtClean="0"/>
               <a:t>Sangat</a:t>
@@ -23931,6 +24382,14 @@
             </a:r>
           </a:p>
           <a:p>
+            <a:pPr>
+              <a:buFont typeface="Arial" panose="020B0604020202020204" pitchFamily="34" charset="0"/>
+              <a:buChar char="•"/>
+            </a:pPr>
+            <a:r>
+              <a:rPr lang="en-US" dirty="0" smtClean="0"/>
+              <a:t> </a:t>
+            </a:r>
             <a:r>
               <a:rPr lang="en-US" dirty="0" err="1" smtClean="0"/>
               <a:t>Adanya</a:t>
@@ -24084,6 +24543,14 @@
             </a:r>
           </a:p>
           <a:p>
+            <a:pPr>
+              <a:buFont typeface="Arial" panose="020B0604020202020204" pitchFamily="34" charset="0"/>
+              <a:buChar char="•"/>
+            </a:pPr>
+            <a:r>
+              <a:rPr lang="en-US" dirty="0" smtClean="0"/>
+              <a:t> </a:t>
+            </a:r>
             <a:r>
               <a:rPr lang="en-US" dirty="0" err="1" smtClean="0"/>
               <a:t>Komunikasi</a:t>
@@ -24118,6 +24585,14 @@
             </a:r>
           </a:p>
           <a:p>
+            <a:pPr>
+              <a:buFont typeface="Arial" panose="020B0604020202020204" pitchFamily="34" charset="0"/>
+              <a:buChar char="•"/>
+            </a:pPr>
+            <a:r>
+              <a:rPr lang="en-US" dirty="0" smtClean="0"/>
+              <a:t> </a:t>
+            </a:r>
             <a:r>
               <a:rPr lang="en-US" dirty="0" err="1" smtClean="0"/>
               <a:t>Faham</a:t>
@@ -24128,7 +24603,7 @@
             </a:r>
             <a:r>
               <a:rPr lang="en-US" dirty="0" err="1" smtClean="0"/>
-              <a:t>langsung</a:t>
+              <a:t>perintah</a:t>
             </a:r>
             <a:r>
               <a:rPr lang="en-US" dirty="0" smtClean="0"/>
@@ -24144,14 +24619,31 @@
             </a:r>
             <a:r>
               <a:rPr lang="en-US" dirty="0" err="1" smtClean="0"/>
-              <a:t>perintah</a:t>
-            </a:r>
-            <a:r>
-              <a:rPr lang="en-US" dirty="0" smtClean="0"/>
-              <a:t> GET, POST, PUT </a:t>
-            </a:r>
+              <a:t>verba</a:t>
+            </a:r>
+            <a:r>
+              <a:rPr lang="en-US" dirty="0" smtClean="0"/>
+              <a:t> GET</a:t>
+            </a:r>
+            <a:r>
+              <a:rPr lang="en-US" dirty="0" smtClean="0"/>
+              <a:t>, POST, </a:t>
+            </a:r>
+            <a:r>
+              <a:rPr lang="en-US" dirty="0" smtClean="0"/>
+              <a:t>PUT, &amp; DELETE.</a:t>
+            </a:r>
+            <a:endParaRPr lang="en-US" dirty="0" smtClean="0"/>
           </a:p>
           <a:p>
+            <a:pPr>
+              <a:buFont typeface="Arial" panose="020B0604020202020204" pitchFamily="34" charset="0"/>
+              <a:buChar char="•"/>
+            </a:pPr>
+            <a:r>
+              <a:rPr lang="en-US" dirty="0" smtClean="0"/>
+              <a:t> </a:t>
+            </a:r>
             <a:r>
               <a:rPr lang="en-US" dirty="0" err="1" smtClean="0"/>
               <a:t>Hasil</a:t>
@@ -24170,11 +24662,23 @@
             </a:r>
             <a:r>
               <a:rPr lang="en-US" dirty="0" err="1" smtClean="0"/>
+              <a:t>dapat</a:t>
+            </a:r>
+            <a:r>
+              <a:rPr lang="en-US" dirty="0" smtClean="0"/>
+              <a:t> </a:t>
+            </a:r>
+            <a:r>
+              <a:rPr lang="en-US" dirty="0" err="1" smtClean="0"/>
               <a:t>berupa</a:t>
             </a:r>
             <a:r>
               <a:rPr lang="en-US" dirty="0" smtClean="0"/>
-              <a:t> JSON yang </a:t>
+              <a:t> </a:t>
+            </a:r>
+            <a:r>
+              <a:rPr lang="en-US" dirty="0" smtClean="0"/>
+              <a:t>JSON yang </a:t>
             </a:r>
             <a:r>
               <a:rPr lang="en-US" dirty="0" err="1" smtClean="0"/>
@@ -24190,10 +24694,43 @@
             </a:r>
             <a:r>
               <a:rPr lang="en-US" dirty="0" smtClean="0"/>
+              <a:t> </a:t>
+            </a:r>
+            <a:r>
+              <a:rPr lang="en-US" dirty="0" err="1" smtClean="0"/>
+              <a:t>dan</a:t>
+            </a:r>
+            <a:r>
+              <a:rPr lang="en-US" dirty="0" smtClean="0"/>
+              <a:t> </a:t>
+            </a:r>
+            <a:r>
+              <a:rPr lang="en-US" dirty="0" err="1" smtClean="0"/>
+              <a:t>hemat</a:t>
+            </a:r>
+            <a:r>
+              <a:rPr lang="en-US" dirty="0" smtClean="0"/>
+              <a:t> </a:t>
+            </a:r>
+            <a:r>
+              <a:rPr lang="en-US" i="1" dirty="0" smtClean="0"/>
+              <a:t>bandwidth</a:t>
+            </a:r>
+            <a:r>
+              <a:rPr lang="en-US" dirty="0" smtClean="0"/>
               <a:t>.</a:t>
             </a:r>
+            <a:endParaRPr lang="en-US" dirty="0" smtClean="0"/>
           </a:p>
           <a:p>
+            <a:pPr>
+              <a:buFont typeface="Arial" panose="020B0604020202020204" pitchFamily="34" charset="0"/>
+              <a:buChar char="•"/>
+            </a:pPr>
+            <a:r>
+              <a:rPr lang="en-US" dirty="0" smtClean="0"/>
+              <a:t> </a:t>
+            </a:r>
             <a:r>
               <a:rPr lang="en-US" dirty="0" err="1" smtClean="0"/>
               <a:t>Menghindari</a:t>
@@ -24224,7 +24761,7 @@
             </a:r>
             <a:r>
               <a:rPr lang="en-US" dirty="0" smtClean="0"/>
-              <a:t> user</a:t>
+              <a:t> user.</a:t>
             </a:r>
           </a:p>
         </p:txBody>
@@ -24818,123 +25355,7 @@
               <a:rPr lang="en-US" dirty="0" err="1" smtClean="0"/>
               <a:t>sama</a:t>
             </a:r>
-            <a:r>
-              <a:rPr lang="en-US" dirty="0" smtClean="0"/>
-              <a:t>.</a:t>
-            </a:r>
-          </a:p>
-          <a:p>
-            <a:pPr marL="457200" indent="-457200">
-              <a:buFont typeface="+mj-lt"/>
-              <a:buAutoNum type="arabicPeriod"/>
-            </a:pPr>
-            <a:endParaRPr lang="en-US" dirty="0"/>
-          </a:p>
-          <a:p>
-            <a:pPr marL="0" indent="0">
-              <a:buNone/>
-            </a:pPr>
-            <a:r>
-              <a:rPr lang="en-US" dirty="0" err="1" smtClean="0"/>
-              <a:t>Berdasarkan</a:t>
-            </a:r>
-            <a:r>
-              <a:rPr lang="en-US" dirty="0" smtClean="0"/>
-              <a:t> </a:t>
-            </a:r>
-            <a:r>
-              <a:rPr lang="en-US" dirty="0" err="1" smtClean="0"/>
-              <a:t>analisa</a:t>
-            </a:r>
-            <a:r>
-              <a:rPr lang="en-US" dirty="0" smtClean="0"/>
-              <a:t> </a:t>
-            </a:r>
-            <a:r>
-              <a:rPr lang="en-US" dirty="0" err="1" smtClean="0"/>
-              <a:t>ketiga</a:t>
-            </a:r>
-            <a:r>
-              <a:rPr lang="en-US" dirty="0" smtClean="0"/>
-              <a:t> </a:t>
-            </a:r>
-            <a:r>
-              <a:rPr lang="en-US" dirty="0" err="1" smtClean="0"/>
-              <a:t>faktor</a:t>
-            </a:r>
-            <a:r>
-              <a:rPr lang="en-US" dirty="0" smtClean="0"/>
-              <a:t> </a:t>
-            </a:r>
-            <a:r>
-              <a:rPr lang="en-US" dirty="0" err="1" smtClean="0"/>
-              <a:t>diatas</a:t>
-            </a:r>
-            <a:r>
-              <a:rPr lang="en-US" dirty="0" smtClean="0"/>
-              <a:t>, </a:t>
-            </a:r>
-            <a:r>
-              <a:rPr lang="en-US" dirty="0" err="1" smtClean="0"/>
-              <a:t>dapat</a:t>
-            </a:r>
-            <a:r>
-              <a:rPr lang="en-US" dirty="0" smtClean="0"/>
-              <a:t> </a:t>
-            </a:r>
-            <a:r>
-              <a:rPr lang="en-US" dirty="0" err="1" smtClean="0"/>
-              <a:t>disimpulkan</a:t>
-            </a:r>
-            <a:r>
-              <a:rPr lang="en-US" dirty="0" smtClean="0"/>
-              <a:t> </a:t>
-            </a:r>
-            <a:r>
-              <a:rPr lang="en-US" dirty="0" err="1" smtClean="0"/>
-              <a:t>bahwa</a:t>
-            </a:r>
-            <a:r>
-              <a:rPr lang="en-US" dirty="0" smtClean="0"/>
-              <a:t> </a:t>
-            </a:r>
-            <a:r>
-              <a:rPr lang="en-US" dirty="0" err="1" smtClean="0"/>
-              <a:t>arsitektur</a:t>
-            </a:r>
-            <a:r>
-              <a:rPr lang="en-US" dirty="0"/>
-              <a:t> </a:t>
-            </a:r>
-            <a:r>
-              <a:rPr lang="en-US" dirty="0" err="1" smtClean="0"/>
-              <a:t>dari</a:t>
-            </a:r>
-            <a:r>
-              <a:rPr lang="en-US" dirty="0" smtClean="0"/>
-              <a:t> </a:t>
-            </a:r>
-            <a:r>
-              <a:rPr lang="en-US" dirty="0" err="1" smtClean="0"/>
-              <a:t>Apertura</a:t>
-            </a:r>
-            <a:r>
-              <a:rPr lang="en-US" dirty="0" smtClean="0"/>
-              <a:t> </a:t>
-            </a:r>
-            <a:r>
-              <a:rPr lang="en-US" dirty="0" err="1" smtClean="0"/>
-              <a:t>adalah</a:t>
-            </a:r>
-            <a:r>
-              <a:rPr lang="en-US" dirty="0" smtClean="0"/>
-              <a:t> </a:t>
-            </a:r>
-            <a:r>
-              <a:rPr lang="en-US" dirty="0" err="1" smtClean="0"/>
-              <a:t>monolitik</a:t>
-            </a:r>
-            <a:endParaRPr lang="en-US" dirty="0"/>
+            <a:endParaRPr lang="en-US" dirty="0" smtClean="0"/>
           </a:p>
         </p:txBody>
       </p:sp>
@@ -25063,6 +25484,328 @@
       </p:grpSpPr>
       <p:sp>
         <p:nvSpPr>
+          <p:cNvPr id="6" name="Title 1"/>
+          <p:cNvSpPr>
+            <a:spLocks noGrp="1"/>
+          </p:cNvSpPr>
+          <p:nvPr>
+            <p:ph type="title"/>
+          </p:nvPr>
+        </p:nvSpPr>
+        <p:spPr>
+          <a:xfrm>
+            <a:off x="1024128" y="585216"/>
+            <a:ext cx="9720072" cy="1499616"/>
+          </a:xfrm>
+        </p:spPr>
+        <p:txBody>
+          <a:bodyPr/>
+          <a:lstStyle/>
+          <a:p>
+            <a:r>
+              <a:rPr lang="en-US" dirty="0" err="1" smtClean="0"/>
+              <a:t>Analisa</a:t>
+            </a:r>
+            <a:r>
+              <a:rPr lang="en-US" dirty="0" smtClean="0"/>
+              <a:t> software </a:t>
+            </a:r>
+            <a:r>
+              <a:rPr lang="en-US" dirty="0" err="1" smtClean="0"/>
+              <a:t>apertura</a:t>
+            </a:r>
+            <a:endParaRPr lang="en-US" dirty="0"/>
+          </a:p>
+        </p:txBody>
+      </p:sp>
+      <p:sp>
+        <p:nvSpPr>
+          <p:cNvPr id="7" name="Content Placeholder 2"/>
+          <p:cNvSpPr>
+            <a:spLocks noGrp="1"/>
+          </p:cNvSpPr>
+          <p:nvPr>
+            <p:ph idx="1"/>
+          </p:nvPr>
+        </p:nvSpPr>
+        <p:spPr>
+          <a:xfrm>
+            <a:off x="1024128" y="2286000"/>
+            <a:ext cx="9720073" cy="4023360"/>
+          </a:xfrm>
+        </p:spPr>
+        <p:txBody>
+          <a:bodyPr/>
+          <a:lstStyle/>
+          <a:p>
+            <a:pPr marL="457200" indent="-457200">
+              <a:buFont typeface="+mj-lt"/>
+              <a:buAutoNum type="arabicPeriod"/>
+            </a:pPr>
+            <a:r>
+              <a:rPr lang="en-US" dirty="0" smtClean="0"/>
+              <a:t>Data </a:t>
+            </a:r>
+            <a:r>
+              <a:rPr lang="en-US" dirty="0" err="1" smtClean="0"/>
+              <a:t>menejemen</a:t>
+            </a:r>
+            <a:r>
+              <a:rPr lang="en-US" dirty="0" smtClean="0"/>
+              <a:t> : </a:t>
+            </a:r>
+            <a:r>
+              <a:rPr lang="en-US" dirty="0" err="1" smtClean="0"/>
+              <a:t>Banyak</a:t>
+            </a:r>
+            <a:r>
+              <a:rPr lang="en-US" dirty="0" smtClean="0"/>
+              <a:t> table </a:t>
+            </a:r>
+            <a:r>
+              <a:rPr lang="en-US" dirty="0" err="1" smtClean="0"/>
+              <a:t>dalam</a:t>
+            </a:r>
+            <a:r>
+              <a:rPr lang="en-US" dirty="0" smtClean="0"/>
+              <a:t> 1 </a:t>
+            </a:r>
+            <a:r>
+              <a:rPr lang="en-US" dirty="0" err="1" smtClean="0"/>
+              <a:t>buah</a:t>
+            </a:r>
+            <a:r>
+              <a:rPr lang="en-US" dirty="0" smtClean="0"/>
+              <a:t> database.</a:t>
+            </a:r>
+          </a:p>
+          <a:p>
+            <a:pPr marL="457200" indent="-457200">
+              <a:buFont typeface="+mj-lt"/>
+              <a:buAutoNum type="arabicPeriod"/>
+            </a:pPr>
+            <a:r>
+              <a:rPr lang="en-US" dirty="0" smtClean="0"/>
+              <a:t>Cara </a:t>
+            </a:r>
+            <a:r>
+              <a:rPr lang="en-US" dirty="0" err="1" smtClean="0"/>
+              <a:t>berkomunikasi</a:t>
+            </a:r>
+            <a:r>
+              <a:rPr lang="en-US" dirty="0" smtClean="0"/>
+              <a:t> : Query </a:t>
+            </a:r>
+            <a:r>
+              <a:rPr lang="en-US" dirty="0" err="1" smtClean="0"/>
+              <a:t>langsung</a:t>
+            </a:r>
+            <a:r>
+              <a:rPr lang="en-US" dirty="0" smtClean="0"/>
+              <a:t> </a:t>
+            </a:r>
+            <a:r>
+              <a:rPr lang="en-US" dirty="0" err="1" smtClean="0"/>
+              <a:t>terhadap</a:t>
+            </a:r>
+            <a:r>
+              <a:rPr lang="en-US" dirty="0" smtClean="0"/>
+              <a:t> database.</a:t>
+            </a:r>
+          </a:p>
+          <a:p>
+            <a:pPr marL="457200" indent="-457200">
+              <a:buFont typeface="+mj-lt"/>
+              <a:buAutoNum type="arabicPeriod"/>
+            </a:pPr>
+            <a:r>
+              <a:rPr lang="en-US" dirty="0" err="1" smtClean="0"/>
+              <a:t>Bentuk</a:t>
+            </a:r>
+            <a:r>
+              <a:rPr lang="en-US" dirty="0" smtClean="0"/>
+              <a:t> deployment : </a:t>
+            </a:r>
+            <a:r>
+              <a:rPr lang="en-US" dirty="0" err="1" smtClean="0"/>
+              <a:t>Terpusat</a:t>
+            </a:r>
+            <a:r>
+              <a:rPr lang="en-US" dirty="0" smtClean="0"/>
+              <a:t> </a:t>
+            </a:r>
+            <a:r>
+              <a:rPr lang="en-US" dirty="0" err="1" smtClean="0"/>
+              <a:t>pada</a:t>
+            </a:r>
+            <a:r>
+              <a:rPr lang="en-US" dirty="0" smtClean="0"/>
+              <a:t> 1 </a:t>
+            </a:r>
+            <a:r>
+              <a:rPr lang="en-US" dirty="0" err="1" smtClean="0"/>
+              <a:t>buah</a:t>
+            </a:r>
+            <a:r>
+              <a:rPr lang="en-US" dirty="0" smtClean="0"/>
+              <a:t> server yang </a:t>
+            </a:r>
+            <a:r>
+              <a:rPr lang="en-US" dirty="0" err="1" smtClean="0"/>
+              <a:t>sama</a:t>
+            </a:r>
+            <a:r>
+              <a:rPr lang="en-US" dirty="0" smtClean="0"/>
+              <a:t>.</a:t>
+            </a:r>
+          </a:p>
+          <a:p>
+            <a:pPr marL="457200" indent="-457200">
+              <a:buFont typeface="+mj-lt"/>
+              <a:buAutoNum type="arabicPeriod"/>
+            </a:pPr>
+            <a:endParaRPr lang="en-US" dirty="0"/>
+          </a:p>
+          <a:p>
+            <a:pPr marL="0" indent="0">
+              <a:buNone/>
+            </a:pPr>
+            <a:r>
+              <a:rPr lang="en-US" dirty="0" err="1" smtClean="0"/>
+              <a:t>Berdasarkan</a:t>
+            </a:r>
+            <a:r>
+              <a:rPr lang="en-US" dirty="0" smtClean="0"/>
+              <a:t> </a:t>
+            </a:r>
+            <a:r>
+              <a:rPr lang="en-US" dirty="0" err="1" smtClean="0"/>
+              <a:t>analisa</a:t>
+            </a:r>
+            <a:r>
+              <a:rPr lang="en-US" dirty="0" smtClean="0"/>
+              <a:t> </a:t>
+            </a:r>
+            <a:r>
+              <a:rPr lang="en-US" dirty="0" err="1" smtClean="0"/>
+              <a:t>ketiga</a:t>
+            </a:r>
+            <a:r>
+              <a:rPr lang="en-US" dirty="0" smtClean="0"/>
+              <a:t> </a:t>
+            </a:r>
+            <a:r>
+              <a:rPr lang="en-US" dirty="0" err="1" smtClean="0"/>
+              <a:t>faktor</a:t>
+            </a:r>
+            <a:r>
+              <a:rPr lang="en-US" dirty="0" smtClean="0"/>
+              <a:t> </a:t>
+            </a:r>
+            <a:r>
+              <a:rPr lang="en-US" dirty="0" err="1" smtClean="0"/>
+              <a:t>diatas</a:t>
+            </a:r>
+            <a:r>
+              <a:rPr lang="en-US" dirty="0" smtClean="0"/>
+              <a:t>, </a:t>
+            </a:r>
+            <a:r>
+              <a:rPr lang="en-US" dirty="0" err="1" smtClean="0"/>
+              <a:t>dapat</a:t>
+            </a:r>
+            <a:r>
+              <a:rPr lang="en-US" dirty="0" smtClean="0"/>
+              <a:t> </a:t>
+            </a:r>
+            <a:r>
+              <a:rPr lang="en-US" dirty="0" err="1" smtClean="0"/>
+              <a:t>disimpulkan</a:t>
+            </a:r>
+            <a:r>
+              <a:rPr lang="en-US" dirty="0" smtClean="0"/>
+              <a:t> </a:t>
+            </a:r>
+            <a:r>
+              <a:rPr lang="en-US" dirty="0" err="1" smtClean="0"/>
+              <a:t>bahwa</a:t>
+            </a:r>
+            <a:r>
+              <a:rPr lang="en-US" dirty="0" smtClean="0"/>
+              <a:t> </a:t>
+            </a:r>
+            <a:r>
+              <a:rPr lang="en-US" dirty="0" err="1" smtClean="0"/>
+              <a:t>arsitektur</a:t>
+            </a:r>
+            <a:r>
+              <a:rPr lang="en-US" dirty="0"/>
+              <a:t> </a:t>
+            </a:r>
+            <a:r>
+              <a:rPr lang="en-US" dirty="0" err="1" smtClean="0"/>
+              <a:t>dari</a:t>
+            </a:r>
+            <a:r>
+              <a:rPr lang="en-US" dirty="0" smtClean="0"/>
+              <a:t> </a:t>
+            </a:r>
+            <a:r>
+              <a:rPr lang="en-US" dirty="0" err="1" smtClean="0"/>
+              <a:t>Apertura</a:t>
+            </a:r>
+            <a:r>
+              <a:rPr lang="en-US" dirty="0" smtClean="0"/>
+              <a:t> </a:t>
+            </a:r>
+            <a:r>
+              <a:rPr lang="en-US" dirty="0" err="1" smtClean="0"/>
+              <a:t>adalah</a:t>
+            </a:r>
+            <a:r>
+              <a:rPr lang="en-US" dirty="0" smtClean="0"/>
+              <a:t> </a:t>
+            </a:r>
+            <a:r>
+              <a:rPr lang="en-US" dirty="0" err="1" smtClean="0"/>
+              <a:t>monolitik</a:t>
+            </a:r>
+            <a:endParaRPr lang="en-US" dirty="0"/>
+          </a:p>
+        </p:txBody>
+      </p:sp>
+    </p:spTree>
+    <p:extLst>
+      <p:ext uri="{BB962C8B-B14F-4D97-AF65-F5344CB8AC3E}">
+        <p14:creationId xmlns:p14="http://schemas.microsoft.com/office/powerpoint/2010/main" val="1987591819"/>
+      </p:ext>
+    </p:extLst>
+  </p:cSld>
+  <p:clrMapOvr>
+    <a:masterClrMapping/>
+  </p:clrMapOvr>
+</p:sld>
+</file>
+
+<file path=ppt/slides/slide28.xml><?xml version="1.0" encoding="utf-8"?>
+<p:sld xmlns:a="http://schemas.openxmlformats.org/drawingml/2006/main" xmlns:r="http://schemas.openxmlformats.org/officeDocument/2006/relationships" xmlns:p="http://schemas.openxmlformats.org/presentationml/2006/main">
+  <p:cSld>
+    <p:spTree>
+      <p:nvGrpSpPr>
+        <p:cNvPr id="1" name=""/>
+        <p:cNvGrpSpPr/>
+        <p:nvPr/>
+      </p:nvGrpSpPr>
+      <p:grpSpPr>
+        <a:xfrm>
+          <a:off x="0" y="0"/>
+          <a:ext cx="0" cy="0"/>
+          <a:chOff x="0" y="0"/>
+          <a:chExt cx="0" cy="0"/>
+        </a:xfrm>
+      </p:grpSpPr>
+      <p:sp>
+        <p:nvSpPr>
           <p:cNvPr id="2" name="Title 1"/>
           <p:cNvSpPr>
             <a:spLocks noGrp="1"/>
@@ -25153,7 +25896,7 @@
 </p:sld>
 </file>
 
-<file path=ppt/slides/slide28.xml><?xml version="1.0" encoding="utf-8"?>
+<file path=ppt/slides/slide29.xml><?xml version="1.0" encoding="utf-8"?>
 <p:sld xmlns:a="http://schemas.openxmlformats.org/drawingml/2006/main" xmlns:r="http://schemas.openxmlformats.org/officeDocument/2006/relationships" xmlns:p="http://schemas.openxmlformats.org/presentationml/2006/main">
   <p:cSld>
     <p:spTree>
@@ -25253,210 +25996,6 @@
     <p:extLst>
       <p:ext uri="{BB962C8B-B14F-4D97-AF65-F5344CB8AC3E}">
         <p14:creationId xmlns:p14="http://schemas.microsoft.com/office/powerpoint/2010/main" val="800253119"/>
-      </p:ext>
-    </p:extLst>
-  </p:cSld>
-  <p:clrMapOvr>
-    <a:masterClrMapping/>
-  </p:clrMapOvr>
-</p:sld>
-</file>
-
-<file path=ppt/slides/slide29.xml><?xml version="1.0" encoding="utf-8"?>
-<p:sld xmlns:a="http://schemas.openxmlformats.org/drawingml/2006/main" xmlns:r="http://schemas.openxmlformats.org/officeDocument/2006/relationships" xmlns:p="http://schemas.openxmlformats.org/presentationml/2006/main">
-  <p:cSld>
-    <p:spTree>
-      <p:nvGrpSpPr>
-        <p:cNvPr id="1" name=""/>
-        <p:cNvGrpSpPr/>
-        <p:nvPr/>
-      </p:nvGrpSpPr>
-      <p:grpSpPr>
-        <a:xfrm>
-          <a:off x="0" y="0"/>
-          <a:ext cx="0" cy="0"/>
-          <a:chOff x="0" y="0"/>
-          <a:chExt cx="0" cy="0"/>
-        </a:xfrm>
-      </p:grpSpPr>
-      <p:sp>
-        <p:nvSpPr>
-          <p:cNvPr id="2" name="Title 1"/>
-          <p:cNvSpPr>
-            <a:spLocks noGrp="1"/>
-          </p:cNvSpPr>
-          <p:nvPr>
-            <p:ph type="title"/>
-          </p:nvPr>
-        </p:nvSpPr>
-        <p:spPr/>
-        <p:txBody>
-          <a:bodyPr/>
-          <a:lstStyle/>
-          <a:p>
-            <a:r>
-              <a:rPr lang="en-US" dirty="0" err="1" smtClean="0"/>
-              <a:t>Identifikasi</a:t>
-            </a:r>
-            <a:r>
-              <a:rPr lang="en-US" dirty="0" smtClean="0"/>
-              <a:t> </a:t>
-            </a:r>
-            <a:r>
-              <a:rPr lang="en-US" dirty="0" err="1" smtClean="0"/>
-              <a:t>teknologi</a:t>
-            </a:r>
-            <a:r>
-              <a:rPr lang="en-US" dirty="0" smtClean="0"/>
-              <a:t> software </a:t>
-            </a:r>
-            <a:r>
-              <a:rPr lang="en-US" dirty="0" err="1" smtClean="0"/>
-              <a:t>apertura</a:t>
-            </a:r>
-            <a:endParaRPr lang="en-US" dirty="0"/>
-          </a:p>
-        </p:txBody>
-      </p:sp>
-      <p:sp>
-        <p:nvSpPr>
-          <p:cNvPr id="3" name="Content Placeholder 2"/>
-          <p:cNvSpPr>
-            <a:spLocks noGrp="1"/>
-          </p:cNvSpPr>
-          <p:nvPr>
-            <p:ph idx="1"/>
-          </p:nvPr>
-        </p:nvSpPr>
-        <p:spPr/>
-        <p:txBody>
-          <a:bodyPr/>
-          <a:lstStyle/>
-          <a:p>
-            <a:pPr marL="457200" indent="-457200">
-              <a:buFont typeface="+mj-lt"/>
-              <a:buAutoNum type="arabicPeriod"/>
-            </a:pPr>
-            <a:r>
-              <a:rPr lang="en-US" dirty="0" err="1" smtClean="0"/>
-              <a:t>Tersentralisasi</a:t>
-            </a:r>
-            <a:r>
-              <a:rPr lang="en-US" dirty="0" smtClean="0"/>
-              <a:t> </a:t>
-            </a:r>
-            <a:r>
-              <a:rPr lang="en-US" dirty="0" err="1" smtClean="0"/>
-              <a:t>dalam</a:t>
-            </a:r>
-            <a:r>
-              <a:rPr lang="en-US" dirty="0" smtClean="0"/>
-              <a:t> 1 </a:t>
-            </a:r>
-            <a:r>
-              <a:rPr lang="en-US" dirty="0" err="1" smtClean="0"/>
-              <a:t>buah</a:t>
-            </a:r>
-            <a:r>
-              <a:rPr lang="en-US" dirty="0" smtClean="0"/>
-              <a:t> server</a:t>
-            </a:r>
-          </a:p>
-          <a:p>
-            <a:pPr marL="457200" indent="-457200">
-              <a:buFont typeface="+mj-lt"/>
-              <a:buAutoNum type="arabicPeriod"/>
-            </a:pPr>
-            <a:r>
-              <a:rPr lang="en-US" dirty="0" err="1" smtClean="0"/>
-              <a:t>Memiliki</a:t>
-            </a:r>
-            <a:r>
-              <a:rPr lang="en-US" dirty="0" smtClean="0"/>
-              <a:t> </a:t>
-            </a:r>
-            <a:r>
-              <a:rPr lang="en-US" dirty="0" err="1" smtClean="0"/>
-              <a:t>kurang</a:t>
-            </a:r>
-            <a:r>
-              <a:rPr lang="en-US" dirty="0" smtClean="0"/>
-              <a:t> </a:t>
-            </a:r>
-            <a:r>
-              <a:rPr lang="en-US" dirty="0" err="1" smtClean="0"/>
-              <a:t>lebih</a:t>
-            </a:r>
-            <a:r>
-              <a:rPr lang="en-US" dirty="0" smtClean="0"/>
-              <a:t> 120 table </a:t>
-            </a:r>
-            <a:r>
-              <a:rPr lang="en-US" dirty="0" err="1" smtClean="0"/>
-              <a:t>dalam</a:t>
-            </a:r>
-            <a:r>
-              <a:rPr lang="en-US" dirty="0" smtClean="0"/>
-              <a:t> 1 </a:t>
-            </a:r>
-            <a:r>
-              <a:rPr lang="en-US" dirty="0" err="1" smtClean="0"/>
-              <a:t>buah</a:t>
-            </a:r>
-            <a:r>
-              <a:rPr lang="en-US" dirty="0" smtClean="0"/>
-              <a:t> database (PostgreSQL)</a:t>
-            </a:r>
-          </a:p>
-          <a:p>
-            <a:pPr marL="457200" indent="-457200">
-              <a:buFont typeface="+mj-lt"/>
-              <a:buAutoNum type="arabicPeriod"/>
-            </a:pPr>
-            <a:r>
-              <a:rPr lang="en-US" dirty="0" err="1" smtClean="0"/>
-              <a:t>Dikembangkan</a:t>
-            </a:r>
-            <a:r>
-              <a:rPr lang="en-US" dirty="0" smtClean="0"/>
-              <a:t> </a:t>
-            </a:r>
-            <a:r>
-              <a:rPr lang="en-US" dirty="0" err="1" smtClean="0"/>
-              <a:t>hanya</a:t>
-            </a:r>
-            <a:r>
-              <a:rPr lang="en-US" dirty="0" smtClean="0"/>
-              <a:t> </a:t>
-            </a:r>
-            <a:r>
-              <a:rPr lang="en-US" dirty="0" err="1" smtClean="0"/>
-              <a:t>dalam</a:t>
-            </a:r>
-            <a:r>
-              <a:rPr lang="en-US" dirty="0" smtClean="0"/>
-              <a:t> </a:t>
-            </a:r>
-            <a:r>
-              <a:rPr lang="en-US" dirty="0" err="1" smtClean="0"/>
-              <a:t>bentuk</a:t>
-            </a:r>
-            <a:r>
-              <a:rPr lang="en-US" dirty="0" smtClean="0"/>
-              <a:t> </a:t>
-            </a:r>
-            <a:r>
-              <a:rPr lang="en-US" i="1" dirty="0" smtClean="0"/>
-              <a:t>desktop.</a:t>
-            </a:r>
-            <a:endParaRPr lang="en-US" dirty="0"/>
-          </a:p>
-        </p:txBody>
-      </p:sp>
-    </p:spTree>
-    <p:extLst>
-      <p:ext uri="{BB962C8B-B14F-4D97-AF65-F5344CB8AC3E}">
-        <p14:creationId xmlns:p14="http://schemas.microsoft.com/office/powerpoint/2010/main" val="2816860820"/>
       </p:ext>
     </p:extLst>
   </p:cSld>
@@ -26243,23 +26782,23 @@
           <a:p>
             <a:r>
               <a:rPr lang="en-US" dirty="0" err="1" smtClean="0"/>
-              <a:t>Kekurangan</a:t>
-            </a:r>
-            <a:r>
-              <a:rPr lang="en-US" dirty="0" smtClean="0"/>
-              <a:t> </a:t>
-            </a:r>
-            <a:r>
-              <a:rPr lang="en-US" dirty="0" err="1" smtClean="0"/>
-              <a:t>arsitektur</a:t>
-            </a:r>
-            <a:r>
-              <a:rPr lang="en-US" dirty="0" smtClean="0"/>
-              <a:t> </a:t>
-            </a:r>
-            <a:r>
-              <a:rPr lang="en-US" dirty="0" err="1" smtClean="0"/>
-              <a:t>monolitik</a:t>
+              <a:t>Identifikasi</a:t>
+            </a:r>
+            <a:r>
+              <a:rPr lang="en-US" dirty="0" smtClean="0"/>
+              <a:t> </a:t>
+            </a:r>
+            <a:r>
+              <a:rPr lang="en-US" dirty="0" err="1" smtClean="0"/>
+              <a:t>teknologi</a:t>
+            </a:r>
+            <a:r>
+              <a:rPr lang="en-US" dirty="0" smtClean="0"/>
+              <a:t> software </a:t>
+            </a:r>
+            <a:r>
+              <a:rPr lang="en-US" dirty="0" err="1" smtClean="0"/>
+              <a:t>apertura</a:t>
             </a:r>
             <a:endParaRPr lang="en-US" dirty="0"/>
           </a:p>
@@ -26285,14 +26824,29 @@
               <a:buAutoNum type="arabicPeriod"/>
             </a:pPr>
             <a:r>
-              <a:rPr lang="en-US" dirty="0" smtClean="0"/>
-              <a:t>Tingkat coupling yang </a:t>
-            </a:r>
-            <a:r>
-              <a:rPr lang="en-US" dirty="0" err="1" smtClean="0"/>
-              <a:t>tinggi</a:t>
-            </a:r>
-            <a:endParaRPr lang="en-US" dirty="0" smtClean="0"/>
+              <a:rPr lang="en-US" dirty="0" err="1" smtClean="0"/>
+              <a:t>Tersentralisasi</a:t>
+            </a:r>
+            <a:r>
+              <a:rPr lang="en-US" dirty="0" smtClean="0"/>
+              <a:t> </a:t>
+            </a:r>
+            <a:r>
+              <a:rPr lang="en-US" dirty="0" err="1" smtClean="0"/>
+              <a:t>dalam</a:t>
+            </a:r>
+            <a:r>
+              <a:rPr lang="en-US" dirty="0" smtClean="0"/>
+              <a:t> 1 </a:t>
+            </a:r>
+            <a:r>
+              <a:rPr lang="en-US" dirty="0" err="1" smtClean="0"/>
+              <a:t>buah</a:t>
+            </a:r>
+            <a:r>
+              <a:rPr lang="en-US" dirty="0" smtClean="0"/>
+              <a:t> server</a:t>
+            </a:r>
           </a:p>
           <a:p>
             <a:pPr marL="457200" indent="-457200">
@@ -26300,30 +26854,45 @@
               <a:buAutoNum type="arabicPeriod"/>
             </a:pPr>
             <a:r>
-              <a:rPr lang="en-US" dirty="0" smtClean="0"/>
-              <a:t>Model </a:t>
-            </a:r>
-            <a:r>
-              <a:rPr lang="en-US" dirty="0" err="1" smtClean="0"/>
-              <a:t>penyimpanan</a:t>
-            </a:r>
-            <a:r>
-              <a:rPr lang="en-US" dirty="0" smtClean="0"/>
-              <a:t> data yang </a:t>
-            </a:r>
-            <a:r>
-              <a:rPr lang="en-US" dirty="0" err="1" smtClean="0"/>
-              <a:t>tidak</a:t>
-            </a:r>
-            <a:r>
-              <a:rPr lang="en-US" dirty="0" smtClean="0"/>
-              <a:t> </a:t>
-            </a:r>
-            <a:r>
-              <a:rPr lang="en-US" dirty="0" err="1" smtClean="0"/>
-              <a:t>baik</a:t>
-            </a:r>
-            <a:endParaRPr lang="en-US" dirty="0" smtClean="0"/>
+              <a:rPr lang="en-US" dirty="0" err="1" smtClean="0"/>
+              <a:t>Memiliki</a:t>
+            </a:r>
+            <a:r>
+              <a:rPr lang="en-US" dirty="0" smtClean="0"/>
+              <a:t> </a:t>
+            </a:r>
+            <a:r>
+              <a:rPr lang="en-US" dirty="0" err="1" smtClean="0"/>
+              <a:t>kurang</a:t>
+            </a:r>
+            <a:r>
+              <a:rPr lang="en-US" dirty="0" smtClean="0"/>
+              <a:t> </a:t>
+            </a:r>
+            <a:r>
+              <a:rPr lang="en-US" dirty="0" err="1" smtClean="0"/>
+              <a:t>lebih</a:t>
+            </a:r>
+            <a:r>
+              <a:rPr lang="en-US" dirty="0" smtClean="0"/>
+              <a:t> 120 table </a:t>
+            </a:r>
+            <a:r>
+              <a:rPr lang="en-US" dirty="0" err="1" smtClean="0"/>
+              <a:t>dalam</a:t>
+            </a:r>
+            <a:r>
+              <a:rPr lang="en-US" dirty="0" smtClean="0"/>
+              <a:t> 1 </a:t>
+            </a:r>
+            <a:r>
+              <a:rPr lang="en-US" dirty="0" err="1" smtClean="0"/>
+              <a:t>buah</a:t>
+            </a:r>
+            <a:r>
+              <a:rPr lang="en-US" dirty="0" smtClean="0"/>
+              <a:t> database (PostgreSQL)</a:t>
+            </a:r>
           </a:p>
           <a:p>
             <a:pPr marL="457200" indent="-457200">
@@ -26332,102 +26901,31 @@
             </a:pPr>
             <a:r>
               <a:rPr lang="en-US" dirty="0" err="1" smtClean="0"/>
-              <a:t>Isu</a:t>
-            </a:r>
-            <a:r>
-              <a:rPr lang="en-US" dirty="0" smtClean="0"/>
-              <a:t> </a:t>
-            </a:r>
-            <a:r>
-              <a:rPr lang="en-US" dirty="0" err="1" smtClean="0"/>
-              <a:t>keamanan</a:t>
-            </a:r>
-            <a:r>
-              <a:rPr lang="en-US" dirty="0" smtClean="0"/>
-              <a:t> yang </a:t>
-            </a:r>
-            <a:r>
-              <a:rPr lang="en-US" dirty="0" err="1" smtClean="0"/>
-              <a:t>tinggi</a:t>
-            </a:r>
-            <a:endParaRPr lang="en-US" dirty="0" smtClean="0"/>
-          </a:p>
-          <a:p>
-            <a:pPr marL="457200" indent="-457200">
-              <a:buFont typeface="+mj-lt"/>
-              <a:buAutoNum type="arabicPeriod"/>
-            </a:pPr>
-            <a:r>
-              <a:rPr lang="en-US" dirty="0" err="1" smtClean="0"/>
-              <a:t>Sistem</a:t>
-            </a:r>
-            <a:r>
-              <a:rPr lang="en-US" dirty="0" smtClean="0"/>
-              <a:t> </a:t>
-            </a:r>
-            <a:r>
-              <a:rPr lang="en-US" dirty="0" err="1" smtClean="0"/>
-              <a:t>tidak</a:t>
-            </a:r>
-            <a:r>
-              <a:rPr lang="en-US" dirty="0" smtClean="0"/>
-              <a:t> </a:t>
-            </a:r>
-            <a:r>
-              <a:rPr lang="en-US" dirty="0" err="1" smtClean="0"/>
-              <a:t>memberikan</a:t>
-            </a:r>
-            <a:r>
-              <a:rPr lang="en-US" dirty="0" smtClean="0"/>
-              <a:t> </a:t>
-            </a:r>
-            <a:r>
-              <a:rPr lang="en-US" dirty="0" err="1" smtClean="0"/>
-              <a:t>performa</a:t>
-            </a:r>
-            <a:r>
-              <a:rPr lang="en-US" dirty="0" smtClean="0"/>
-              <a:t> yang </a:t>
-            </a:r>
-            <a:r>
-              <a:rPr lang="en-US" dirty="0" err="1" smtClean="0"/>
-              <a:t>cukup</a:t>
-            </a:r>
-            <a:r>
-              <a:rPr lang="en-US" dirty="0" smtClean="0"/>
-              <a:t> </a:t>
-            </a:r>
-            <a:r>
-              <a:rPr lang="en-US" dirty="0" err="1" smtClean="0"/>
-              <a:t>baik</a:t>
-            </a:r>
-            <a:r>
-              <a:rPr lang="en-US" dirty="0" smtClean="0"/>
-              <a:t> </a:t>
-            </a:r>
-            <a:r>
-              <a:rPr lang="en-US" dirty="0" err="1" smtClean="0"/>
-              <a:t>ketika</a:t>
-            </a:r>
-            <a:r>
-              <a:rPr lang="en-US" dirty="0" smtClean="0"/>
-              <a:t> </a:t>
-            </a:r>
-            <a:r>
-              <a:rPr lang="en-US" dirty="0" err="1" smtClean="0"/>
-              <a:t>menangani</a:t>
-            </a:r>
-            <a:r>
-              <a:rPr lang="en-US" dirty="0" smtClean="0"/>
-              <a:t> </a:t>
-            </a:r>
-            <a:r>
-              <a:rPr lang="en-US" dirty="0" err="1" smtClean="0"/>
-              <a:t>banyak</a:t>
-            </a:r>
-            <a:r>
-              <a:rPr lang="en-US" dirty="0" smtClean="0"/>
-              <a:t> user</a:t>
+              <a:t>Dikembangkan</a:t>
+            </a:r>
+            <a:r>
+              <a:rPr lang="en-US" dirty="0" smtClean="0"/>
+              <a:t> </a:t>
+            </a:r>
+            <a:r>
+              <a:rPr lang="en-US" dirty="0" err="1" smtClean="0"/>
+              <a:t>dalam</a:t>
+            </a:r>
+            <a:r>
+              <a:rPr lang="en-US" dirty="0" smtClean="0"/>
+              <a:t> </a:t>
+            </a:r>
+            <a:r>
+              <a:rPr lang="en-US" dirty="0" err="1" smtClean="0"/>
+              <a:t>bentuk</a:t>
+            </a:r>
+            <a:r>
+              <a:rPr lang="en-US" dirty="0" smtClean="0"/>
+              <a:t> </a:t>
+            </a:r>
+            <a:r>
+              <a:rPr lang="en-US" i="1" dirty="0" smtClean="0"/>
+              <a:t>desktop.</a:t>
             </a:r>
             <a:endParaRPr lang="en-US" dirty="0"/>
           </a:p>
@@ -26436,7 +26934,7 @@
     </p:spTree>
     <p:extLst>
       <p:ext uri="{BB962C8B-B14F-4D97-AF65-F5344CB8AC3E}">
-        <p14:creationId xmlns:p14="http://schemas.microsoft.com/office/powerpoint/2010/main" val="3299405687"/>
+        <p14:creationId xmlns:p14="http://schemas.microsoft.com/office/powerpoint/2010/main" val="2816860820"/>
       </p:ext>
     </p:extLst>
   </p:cSld>
@@ -26480,7 +26978,23 @@
           <a:p>
             <a:r>
               <a:rPr lang="en-US" dirty="0" err="1" smtClean="0"/>
-              <a:t>Perancangan</a:t>
+              <a:t>Kekurangan</a:t>
+            </a:r>
+            <a:r>
+              <a:rPr lang="en-US" dirty="0" smtClean="0"/>
+              <a:t> </a:t>
+            </a:r>
+            <a:r>
+              <a:rPr lang="en-US" dirty="0" err="1" smtClean="0"/>
+              <a:t>arsitektur</a:t>
+            </a:r>
+            <a:r>
+              <a:rPr lang="en-US" dirty="0" smtClean="0"/>
+              <a:t> </a:t>
+            </a:r>
+            <a:r>
+              <a:rPr lang="en-US" dirty="0" err="1" smtClean="0"/>
+              <a:t>monolitik</a:t>
             </a:r>
             <a:endParaRPr lang="en-US" dirty="0"/>
           </a:p>
@@ -26501,6 +27015,155 @@
           <a:bodyPr/>
           <a:lstStyle/>
           <a:p>
+            <a:pPr marL="457200" indent="-457200">
+              <a:buFont typeface="+mj-lt"/>
+              <a:buAutoNum type="arabicPeriod"/>
+            </a:pPr>
+            <a:r>
+              <a:rPr lang="en-US" dirty="0" smtClean="0"/>
+              <a:t>Tingkat coupling yang </a:t>
+            </a:r>
+            <a:r>
+              <a:rPr lang="en-US" dirty="0" err="1" smtClean="0"/>
+              <a:t>tinggi</a:t>
+            </a:r>
+            <a:endParaRPr lang="en-US" dirty="0" smtClean="0"/>
+          </a:p>
+          <a:p>
+            <a:pPr marL="457200" indent="-457200">
+              <a:buFont typeface="+mj-lt"/>
+              <a:buAutoNum type="arabicPeriod"/>
+            </a:pPr>
+            <a:r>
+              <a:rPr lang="en-US" dirty="0" smtClean="0"/>
+              <a:t>Model </a:t>
+            </a:r>
+            <a:r>
+              <a:rPr lang="en-US" dirty="0" err="1" smtClean="0"/>
+              <a:t>penyimpanan</a:t>
+            </a:r>
+            <a:r>
+              <a:rPr lang="en-US" dirty="0" smtClean="0"/>
+              <a:t> data yang </a:t>
+            </a:r>
+            <a:r>
+              <a:rPr lang="en-US" dirty="0" err="1" smtClean="0"/>
+              <a:t>tidak</a:t>
+            </a:r>
+            <a:r>
+              <a:rPr lang="en-US" dirty="0" smtClean="0"/>
+              <a:t> </a:t>
+            </a:r>
+            <a:r>
+              <a:rPr lang="en-US" dirty="0" err="1" smtClean="0"/>
+              <a:t>baik</a:t>
+            </a:r>
+            <a:endParaRPr lang="en-US" dirty="0" smtClean="0"/>
+          </a:p>
+          <a:p>
+            <a:pPr marL="457200" indent="-457200">
+              <a:buFont typeface="+mj-lt"/>
+              <a:buAutoNum type="arabicPeriod"/>
+            </a:pPr>
+            <a:r>
+              <a:rPr lang="en-US" dirty="0" err="1" smtClean="0"/>
+              <a:t>Isu</a:t>
+            </a:r>
+            <a:r>
+              <a:rPr lang="en-US" dirty="0" smtClean="0"/>
+              <a:t> </a:t>
+            </a:r>
+            <a:r>
+              <a:rPr lang="en-US" dirty="0" err="1" smtClean="0"/>
+              <a:t>keamanan</a:t>
+            </a:r>
+            <a:r>
+              <a:rPr lang="en-US" dirty="0" smtClean="0"/>
+              <a:t> yang </a:t>
+            </a:r>
+            <a:r>
+              <a:rPr lang="en-US" dirty="0" err="1" smtClean="0"/>
+              <a:t>tinggi</a:t>
+            </a:r>
+            <a:endParaRPr lang="en-US" dirty="0" smtClean="0"/>
+          </a:p>
+          <a:p>
+            <a:pPr marL="457200" indent="-457200">
+              <a:buFont typeface="+mj-lt"/>
+              <a:buAutoNum type="arabicPeriod"/>
+            </a:pPr>
+            <a:r>
+              <a:rPr lang="en-US" dirty="0" err="1" smtClean="0"/>
+              <a:t>Sistem</a:t>
+            </a:r>
+            <a:r>
+              <a:rPr lang="en-US" dirty="0" smtClean="0"/>
+              <a:t> </a:t>
+            </a:r>
+            <a:r>
+              <a:rPr lang="en-US" dirty="0" err="1" smtClean="0"/>
+              <a:t>tidak</a:t>
+            </a:r>
+            <a:r>
+              <a:rPr lang="en-US" dirty="0" smtClean="0"/>
+              <a:t> </a:t>
+            </a:r>
+            <a:r>
+              <a:rPr lang="en-US" dirty="0" err="1" smtClean="0"/>
+              <a:t>memberikan</a:t>
+            </a:r>
+            <a:r>
+              <a:rPr lang="en-US" dirty="0" smtClean="0"/>
+              <a:t> </a:t>
+            </a:r>
+            <a:r>
+              <a:rPr lang="en-US" dirty="0" err="1" smtClean="0"/>
+              <a:t>performa</a:t>
+            </a:r>
+            <a:r>
+              <a:rPr lang="en-US" dirty="0" smtClean="0"/>
+              <a:t> yang </a:t>
+            </a:r>
+            <a:r>
+              <a:rPr lang="en-US" dirty="0" err="1" smtClean="0"/>
+              <a:t>cukup</a:t>
+            </a:r>
+            <a:r>
+              <a:rPr lang="en-US" dirty="0" smtClean="0"/>
+              <a:t> </a:t>
+            </a:r>
+            <a:r>
+              <a:rPr lang="en-US" dirty="0" err="1" smtClean="0"/>
+              <a:t>baik</a:t>
+            </a:r>
+            <a:r>
+              <a:rPr lang="en-US" dirty="0" smtClean="0"/>
+              <a:t> </a:t>
+            </a:r>
+            <a:r>
+              <a:rPr lang="en-US" dirty="0" err="1" smtClean="0"/>
+              <a:t>ketika</a:t>
+            </a:r>
+            <a:r>
+              <a:rPr lang="en-US" dirty="0" smtClean="0"/>
+              <a:t> </a:t>
+            </a:r>
+            <a:r>
+              <a:rPr lang="en-US" dirty="0" err="1" smtClean="0"/>
+              <a:t>menangani</a:t>
+            </a:r>
+            <a:r>
+              <a:rPr lang="en-US" dirty="0" smtClean="0"/>
+              <a:t> </a:t>
+            </a:r>
+            <a:r>
+              <a:rPr lang="en-US" dirty="0" err="1" smtClean="0"/>
+              <a:t>banyak</a:t>
+            </a:r>
+            <a:r>
+              <a:rPr lang="en-US" dirty="0" smtClean="0"/>
+              <a:t> user</a:t>
+            </a:r>
             <a:endParaRPr lang="en-US" dirty="0"/>
           </a:p>
         </p:txBody>
@@ -26508,7 +27171,7 @@
     </p:spTree>
     <p:extLst>
       <p:ext uri="{BB962C8B-B14F-4D97-AF65-F5344CB8AC3E}">
-        <p14:creationId xmlns:p14="http://schemas.microsoft.com/office/powerpoint/2010/main" val="3123530275"/>
+        <p14:creationId xmlns:p14="http://schemas.microsoft.com/office/powerpoint/2010/main" val="3299405687"/>
       </p:ext>
     </p:extLst>
   </p:cSld>
@@ -26554,54 +27217,296 @@
               <a:rPr lang="en-US" dirty="0" err="1" smtClean="0"/>
               <a:t>Perancangan</a:t>
             </a:r>
-            <a:r>
-              <a:rPr lang="en-US" dirty="0" smtClean="0"/>
-              <a:t> </a:t>
-            </a:r>
-            <a:r>
-              <a:rPr lang="en-US" dirty="0" err="1" smtClean="0"/>
-              <a:t>modul</a:t>
-            </a:r>
             <a:endParaRPr lang="en-US" dirty="0"/>
           </a:p>
         </p:txBody>
       </p:sp>
-      <p:pic>
-        <p:nvPicPr>
-          <p:cNvPr id="4" name="Content Placeholder 3"/>
-          <p:cNvPicPr>
-            <a:picLocks noGrp="1"/>
-          </p:cNvPicPr>
+      <p:sp>
+        <p:nvSpPr>
+          <p:cNvPr id="3" name="Content Placeholder 2"/>
+          <p:cNvSpPr>
+            <a:spLocks noGrp="1"/>
+          </p:cNvSpPr>
           <p:nvPr>
             <p:ph idx="1"/>
           </p:nvPr>
-        </p:nvPicPr>
-        <p:blipFill>
-          <a:blip r:embed="rId2">
-            <a:extLst>
-              <a:ext uri="{28A0092B-C50C-407E-A947-70E740481C1C}">
-                <a14:useLocalDpi xmlns:a14="http://schemas.microsoft.com/office/drawing/2010/main" val="0"/>
-              </a:ext>
-            </a:extLst>
-          </a:blip>
-          <a:stretch>
-            <a:fillRect/>
-          </a:stretch>
-        </p:blipFill>
-        <p:spPr>
-          <a:xfrm>
-            <a:off x="3777022" y="1671850"/>
-            <a:ext cx="4397987" cy="4838132"/>
-          </a:xfrm>
-          <a:prstGeom prst="rect">
-            <a:avLst/>
-          </a:prstGeom>
-        </p:spPr>
-      </p:pic>
+        </p:nvSpPr>
+        <p:spPr/>
+        <p:txBody>
+          <a:bodyPr/>
+          <a:lstStyle/>
+          <a:p>
+            <a:pPr marL="0" indent="0">
+              <a:buNone/>
+            </a:pPr>
+            <a:r>
+              <a:rPr lang="en-US" dirty="0" err="1" smtClean="0"/>
+              <a:t>Perancangan</a:t>
+            </a:r>
+            <a:r>
+              <a:rPr lang="en-US" dirty="0" smtClean="0"/>
+              <a:t> </a:t>
+            </a:r>
+            <a:r>
+              <a:rPr lang="en-US" dirty="0" err="1" smtClean="0"/>
+              <a:t>arsitektur</a:t>
+            </a:r>
+            <a:r>
+              <a:rPr lang="en-US" dirty="0" smtClean="0"/>
+              <a:t> yang </a:t>
+            </a:r>
+            <a:r>
+              <a:rPr lang="en-US" dirty="0" err="1" smtClean="0"/>
+              <a:t>baru</a:t>
+            </a:r>
+            <a:r>
+              <a:rPr lang="en-US" dirty="0" smtClean="0"/>
+              <a:t> </a:t>
+            </a:r>
+            <a:r>
+              <a:rPr lang="en-US" dirty="0" err="1" smtClean="0"/>
+              <a:t>tidak</a:t>
+            </a:r>
+            <a:r>
+              <a:rPr lang="en-US" dirty="0" smtClean="0"/>
+              <a:t> </a:t>
+            </a:r>
+            <a:r>
+              <a:rPr lang="en-US" dirty="0" err="1" smtClean="0"/>
+              <a:t>sepenuhnya</a:t>
+            </a:r>
+            <a:r>
+              <a:rPr lang="en-US" dirty="0" smtClean="0"/>
+              <a:t> </a:t>
+            </a:r>
+            <a:r>
+              <a:rPr lang="en-US" dirty="0" err="1" smtClean="0"/>
+              <a:t>dibentuk</a:t>
+            </a:r>
+            <a:r>
+              <a:rPr lang="en-US" dirty="0" smtClean="0"/>
+              <a:t> </a:t>
+            </a:r>
+            <a:r>
+              <a:rPr lang="en-US" dirty="0" err="1" smtClean="0"/>
+              <a:t>kembali</a:t>
+            </a:r>
+            <a:r>
+              <a:rPr lang="en-US" dirty="0" smtClean="0"/>
+              <a:t> </a:t>
+            </a:r>
+            <a:r>
+              <a:rPr lang="en-US" dirty="0" err="1" smtClean="0"/>
+              <a:t>dari</a:t>
+            </a:r>
+            <a:r>
+              <a:rPr lang="en-US" dirty="0" smtClean="0"/>
+              <a:t> </a:t>
+            </a:r>
+            <a:r>
+              <a:rPr lang="en-US" dirty="0" err="1" smtClean="0"/>
+              <a:t>awal</a:t>
+            </a:r>
+            <a:r>
+              <a:rPr lang="en-US" dirty="0" smtClean="0"/>
+              <a:t>. Proses </a:t>
+            </a:r>
+            <a:r>
+              <a:rPr lang="en-US" dirty="0" err="1" smtClean="0"/>
+              <a:t>bisnis</a:t>
+            </a:r>
+            <a:r>
+              <a:rPr lang="en-US" dirty="0" smtClean="0"/>
+              <a:t> </a:t>
+            </a:r>
+            <a:r>
+              <a:rPr lang="en-US" dirty="0" err="1" smtClean="0"/>
+              <a:t>dan</a:t>
+            </a:r>
+            <a:r>
+              <a:rPr lang="en-US" dirty="0" smtClean="0"/>
+              <a:t> method yang </a:t>
+            </a:r>
+            <a:r>
+              <a:rPr lang="en-US" dirty="0" err="1" smtClean="0"/>
+              <a:t>digunakan</a:t>
+            </a:r>
+            <a:r>
+              <a:rPr lang="en-US" dirty="0" smtClean="0"/>
+              <a:t> </a:t>
+            </a:r>
+            <a:r>
+              <a:rPr lang="en-US" dirty="0" err="1" smtClean="0"/>
+              <a:t>adalah</a:t>
+            </a:r>
+            <a:r>
+              <a:rPr lang="en-US" dirty="0" smtClean="0"/>
+              <a:t> </a:t>
+            </a:r>
+            <a:r>
+              <a:rPr lang="en-US" dirty="0" err="1" smtClean="0"/>
+              <a:t>sama</a:t>
+            </a:r>
+            <a:r>
+              <a:rPr lang="en-US" dirty="0" smtClean="0"/>
+              <a:t> </a:t>
+            </a:r>
+            <a:r>
+              <a:rPr lang="en-US" dirty="0" err="1" smtClean="0"/>
+              <a:t>seperti</a:t>
+            </a:r>
+            <a:r>
+              <a:rPr lang="en-US" dirty="0" smtClean="0"/>
+              <a:t> yang </a:t>
+            </a:r>
+            <a:r>
+              <a:rPr lang="en-US" dirty="0" err="1" smtClean="0"/>
+              <a:t>ada</a:t>
+            </a:r>
+            <a:r>
+              <a:rPr lang="en-US" dirty="0" smtClean="0"/>
+              <a:t> </a:t>
+            </a:r>
+            <a:r>
+              <a:rPr lang="en-US" dirty="0" err="1" smtClean="0"/>
+              <a:t>pada</a:t>
+            </a:r>
+            <a:r>
+              <a:rPr lang="en-US" dirty="0" smtClean="0"/>
+              <a:t> </a:t>
+            </a:r>
+            <a:r>
+              <a:rPr lang="en-US" dirty="0" err="1" smtClean="0"/>
+              <a:t>arsitektur</a:t>
+            </a:r>
+            <a:r>
+              <a:rPr lang="en-US" dirty="0" smtClean="0"/>
+              <a:t> </a:t>
+            </a:r>
+            <a:r>
+              <a:rPr lang="en-US" dirty="0" err="1" smtClean="0"/>
+              <a:t>sebelumnya</a:t>
+            </a:r>
+            <a:r>
+              <a:rPr lang="en-US" dirty="0" smtClean="0"/>
+              <a:t>.</a:t>
+            </a:r>
+          </a:p>
+          <a:p>
+            <a:pPr marL="0" indent="0">
+              <a:buNone/>
+            </a:pPr>
+            <a:r>
+              <a:rPr lang="en-US" dirty="0" err="1" smtClean="0"/>
+              <a:t>Pada</a:t>
+            </a:r>
+            <a:r>
+              <a:rPr lang="en-US" dirty="0" smtClean="0"/>
+              <a:t> </a:t>
+            </a:r>
+            <a:r>
+              <a:rPr lang="en-US" dirty="0" err="1" smtClean="0"/>
+              <a:t>dekomposisi</a:t>
+            </a:r>
+            <a:r>
+              <a:rPr lang="en-US" dirty="0" smtClean="0"/>
+              <a:t> service, </a:t>
+            </a:r>
+            <a:r>
+              <a:rPr lang="en-US" dirty="0" err="1" smtClean="0"/>
+              <a:t>penyusunan</a:t>
+            </a:r>
+            <a:r>
+              <a:rPr lang="en-US" dirty="0" smtClean="0"/>
+              <a:t> service </a:t>
+            </a:r>
+            <a:r>
+              <a:rPr lang="en-US" dirty="0" err="1" smtClean="0"/>
+              <a:t>dapat</a:t>
+            </a:r>
+            <a:r>
+              <a:rPr lang="en-US" dirty="0" smtClean="0"/>
+              <a:t> </a:t>
+            </a:r>
+            <a:r>
+              <a:rPr lang="en-US" dirty="0" err="1" smtClean="0"/>
+              <a:t>dibentuk</a:t>
+            </a:r>
+            <a:r>
+              <a:rPr lang="en-US" dirty="0" smtClean="0"/>
+              <a:t> </a:t>
+            </a:r>
+            <a:r>
+              <a:rPr lang="en-US" dirty="0" err="1" smtClean="0"/>
+              <a:t>berdasarkan</a:t>
+            </a:r>
+            <a:r>
+              <a:rPr lang="en-US" dirty="0" smtClean="0"/>
+              <a:t> </a:t>
+            </a:r>
+            <a:r>
+              <a:rPr lang="en-US" dirty="0" err="1" smtClean="0"/>
+              <a:t>modul</a:t>
+            </a:r>
+            <a:r>
+              <a:rPr lang="en-US" dirty="0" smtClean="0"/>
+              <a:t> </a:t>
+            </a:r>
+            <a:r>
+              <a:rPr lang="en-US" dirty="0" err="1" smtClean="0"/>
+              <a:t>bisnis</a:t>
+            </a:r>
+            <a:r>
+              <a:rPr lang="en-US" dirty="0" smtClean="0"/>
+              <a:t> yang </a:t>
+            </a:r>
+            <a:r>
+              <a:rPr lang="en-US" dirty="0" err="1" smtClean="0"/>
+              <a:t>sudah</a:t>
+            </a:r>
+            <a:r>
+              <a:rPr lang="en-US" dirty="0" smtClean="0"/>
+              <a:t> </a:t>
+            </a:r>
+            <a:r>
+              <a:rPr lang="en-US" dirty="0" err="1" smtClean="0"/>
+              <a:t>ada</a:t>
+            </a:r>
+            <a:r>
+              <a:rPr lang="en-US" dirty="0" smtClean="0"/>
+              <a:t> </a:t>
+            </a:r>
+            <a:r>
+              <a:rPr lang="en-US" dirty="0" err="1" smtClean="0"/>
+              <a:t>pada</a:t>
+            </a:r>
+            <a:r>
+              <a:rPr lang="en-US" dirty="0" smtClean="0"/>
+              <a:t> </a:t>
+            </a:r>
+            <a:r>
+              <a:rPr lang="en-US" dirty="0" err="1" smtClean="0"/>
+              <a:t>arsitektur</a:t>
+            </a:r>
+            <a:r>
+              <a:rPr lang="en-US" dirty="0" smtClean="0"/>
+              <a:t> </a:t>
+            </a:r>
+            <a:r>
+              <a:rPr lang="en-US" dirty="0" err="1" smtClean="0"/>
+              <a:t>sebelumnya</a:t>
+            </a:r>
+            <a:r>
+              <a:rPr lang="en-US" dirty="0" smtClean="0"/>
+              <a:t>.</a:t>
+            </a:r>
+          </a:p>
+        </p:txBody>
+      </p:sp>
     </p:spTree>
     <p:extLst>
       <p:ext uri="{BB962C8B-B14F-4D97-AF65-F5344CB8AC3E}">
-        <p14:creationId xmlns:p14="http://schemas.microsoft.com/office/powerpoint/2010/main" val="1833181741"/>
+        <p14:creationId xmlns:p14="http://schemas.microsoft.com/office/powerpoint/2010/main" val="3123530275"/>
       </p:ext>
     </p:extLst>
   </p:cSld>
@@ -26645,256 +27550,56 @@
           <a:p>
             <a:r>
               <a:rPr lang="en-US" dirty="0" err="1" smtClean="0"/>
-              <a:t>perancangan</a:t>
+              <a:t>Perancangan</a:t>
+            </a:r>
+            <a:r>
+              <a:rPr lang="en-US" dirty="0" smtClean="0"/>
+              <a:t> </a:t>
+            </a:r>
+            <a:r>
+              <a:rPr lang="en-US" dirty="0" err="1" smtClean="0"/>
+              <a:t>modul</a:t>
             </a:r>
             <a:endParaRPr lang="en-US" dirty="0"/>
           </a:p>
         </p:txBody>
       </p:sp>
-      <p:sp>
-        <p:nvSpPr>
-          <p:cNvPr id="3" name="Content Placeholder 2"/>
-          <p:cNvSpPr>
-            <a:spLocks noGrp="1"/>
-          </p:cNvSpPr>
+      <p:pic>
+        <p:nvPicPr>
+          <p:cNvPr id="5" name="Content Placeholder 4"/>
+          <p:cNvPicPr>
+            <a:picLocks noGrp="1"/>
+          </p:cNvPicPr>
           <p:nvPr>
             <p:ph idx="1"/>
           </p:nvPr>
-        </p:nvSpPr>
-        <p:spPr/>
-        <p:txBody>
-          <a:bodyPr/>
-          <a:lstStyle/>
-          <a:p>
-            <a:pPr marL="457200" indent="-457200">
-              <a:buFont typeface="+mj-lt"/>
-              <a:buAutoNum type="arabicPeriod"/>
-            </a:pPr>
-            <a:r>
-              <a:rPr lang="en-US" dirty="0" smtClean="0"/>
-              <a:t>Model </a:t>
-            </a:r>
-            <a:r>
-              <a:rPr lang="en-US" dirty="0" err="1" smtClean="0"/>
-              <a:t>penyimpanan</a:t>
-            </a:r>
-            <a:r>
-              <a:rPr lang="en-US" dirty="0" smtClean="0"/>
-              <a:t> data : Database per service.</a:t>
-            </a:r>
-          </a:p>
-          <a:p>
-            <a:pPr marL="457200" indent="-457200">
-              <a:buFont typeface="+mj-lt"/>
-              <a:buAutoNum type="arabicPeriod"/>
-            </a:pPr>
-            <a:r>
-              <a:rPr lang="en-US" dirty="0" err="1" smtClean="0"/>
-              <a:t>Pemilihan</a:t>
-            </a:r>
-            <a:r>
-              <a:rPr lang="en-US" dirty="0" smtClean="0"/>
-              <a:t> server basis data : PostgreSQL &amp; MongoDB (</a:t>
-            </a:r>
-            <a:r>
-              <a:rPr lang="en-US" dirty="0" err="1" smtClean="0"/>
-              <a:t>untuk</a:t>
-            </a:r>
-            <a:r>
-              <a:rPr lang="en-US" dirty="0" smtClean="0"/>
-              <a:t> </a:t>
-            </a:r>
-            <a:r>
-              <a:rPr lang="en-US" dirty="0" err="1" smtClean="0"/>
-              <a:t>kasus</a:t>
-            </a:r>
-            <a:r>
-              <a:rPr lang="en-US" dirty="0" smtClean="0"/>
-              <a:t> </a:t>
-            </a:r>
-            <a:r>
-              <a:rPr lang="en-US" dirty="0" err="1" smtClean="0"/>
-              <a:t>penyimpanan</a:t>
-            </a:r>
-            <a:r>
-              <a:rPr lang="en-US" dirty="0" smtClean="0"/>
-              <a:t> multimedia, </a:t>
-            </a:r>
-            <a:r>
-              <a:rPr lang="en-US" dirty="0" err="1" smtClean="0"/>
-              <a:t>karena</a:t>
-            </a:r>
-            <a:r>
-              <a:rPr lang="en-US" dirty="0" smtClean="0"/>
-              <a:t> </a:t>
-            </a:r>
-            <a:r>
-              <a:rPr lang="en-US" dirty="0" err="1" smtClean="0"/>
-              <a:t>dinilai</a:t>
-            </a:r>
-            <a:r>
-              <a:rPr lang="en-US" dirty="0" smtClean="0"/>
-              <a:t> </a:t>
-            </a:r>
-            <a:r>
-              <a:rPr lang="en-US" dirty="0" err="1" smtClean="0"/>
-              <a:t>mudah</a:t>
-            </a:r>
-            <a:r>
-              <a:rPr lang="en-US" dirty="0" smtClean="0"/>
-              <a:t>, </a:t>
-            </a:r>
-            <a:r>
-              <a:rPr lang="en-US" dirty="0" err="1" smtClean="0"/>
-              <a:t>cepat</a:t>
-            </a:r>
-            <a:r>
-              <a:rPr lang="en-US" dirty="0" smtClean="0"/>
-              <a:t>, </a:t>
-            </a:r>
-            <a:r>
-              <a:rPr lang="en-US" dirty="0" err="1" smtClean="0"/>
-              <a:t>dan</a:t>
-            </a:r>
-            <a:r>
-              <a:rPr lang="en-US" dirty="0" smtClean="0"/>
-              <a:t> </a:t>
-            </a:r>
-            <a:r>
-              <a:rPr lang="en-US" i="1" dirty="0" smtClean="0"/>
-              <a:t>open source).</a:t>
-            </a:r>
-          </a:p>
-          <a:p>
-            <a:pPr marL="457200" indent="-457200">
-              <a:buFont typeface="+mj-lt"/>
-              <a:buAutoNum type="arabicPeriod"/>
-            </a:pPr>
-            <a:r>
-              <a:rPr lang="en-US" dirty="0" err="1" smtClean="0"/>
-              <a:t>Komunikasi</a:t>
-            </a:r>
-            <a:r>
-              <a:rPr lang="en-US" dirty="0" smtClean="0"/>
-              <a:t> </a:t>
-            </a:r>
-            <a:r>
-              <a:rPr lang="en-US" dirty="0" err="1" smtClean="0"/>
-              <a:t>antar</a:t>
-            </a:r>
-            <a:r>
-              <a:rPr lang="en-US" dirty="0" smtClean="0"/>
-              <a:t> service : </a:t>
-            </a:r>
-            <a:r>
-              <a:rPr lang="en-US" i="1" dirty="0" smtClean="0"/>
-              <a:t>Web-service REST API </a:t>
-            </a:r>
-            <a:r>
-              <a:rPr lang="en-US" dirty="0" err="1" smtClean="0"/>
-              <a:t>dengan</a:t>
-            </a:r>
-            <a:r>
-              <a:rPr lang="en-US" dirty="0" smtClean="0"/>
-              <a:t> </a:t>
-            </a:r>
-            <a:r>
-              <a:rPr lang="en-US" dirty="0" err="1" smtClean="0"/>
-              <a:t>fomat</a:t>
-            </a:r>
-            <a:r>
-              <a:rPr lang="en-US" dirty="0" smtClean="0"/>
-              <a:t> data JSON</a:t>
-            </a:r>
-            <a:r>
-              <a:rPr lang="en-US" i="1" dirty="0" smtClean="0"/>
-              <a:t>.</a:t>
-            </a:r>
-            <a:endParaRPr lang="en-US" dirty="0" smtClean="0"/>
-          </a:p>
-          <a:p>
-            <a:pPr marL="457200" indent="-457200">
-              <a:buFont typeface="+mj-lt"/>
-              <a:buAutoNum type="arabicPeriod"/>
-            </a:pPr>
-            <a:r>
-              <a:rPr lang="en-US" dirty="0" err="1" smtClean="0"/>
-              <a:t>Rancangan</a:t>
-            </a:r>
-            <a:r>
-              <a:rPr lang="en-US" dirty="0" smtClean="0"/>
-              <a:t> deployment : </a:t>
-            </a:r>
-            <a:r>
-              <a:rPr lang="en-US" dirty="0" err="1" smtClean="0"/>
-              <a:t>Mulitple</a:t>
-            </a:r>
-            <a:r>
-              <a:rPr lang="en-US" dirty="0" smtClean="0"/>
-              <a:t> service per host </a:t>
-            </a:r>
-            <a:r>
-              <a:rPr lang="en-US" dirty="0" err="1" smtClean="0"/>
-              <a:t>dalam</a:t>
-            </a:r>
-            <a:r>
-              <a:rPr lang="en-US" dirty="0" smtClean="0"/>
-              <a:t> </a:t>
-            </a:r>
-            <a:r>
-              <a:rPr lang="en-US" dirty="0" err="1" smtClean="0"/>
-              <a:t>beberapa</a:t>
-            </a:r>
-            <a:r>
-              <a:rPr lang="en-US" dirty="0" smtClean="0"/>
-              <a:t> host (server).</a:t>
-            </a:r>
-          </a:p>
-          <a:p>
-            <a:pPr marL="457200" indent="-457200">
-              <a:buFont typeface="+mj-lt"/>
-              <a:buAutoNum type="arabicPeriod"/>
-            </a:pPr>
-            <a:r>
-              <a:rPr lang="en-US" dirty="0" err="1" smtClean="0"/>
-              <a:t>Pengujian</a:t>
-            </a:r>
-            <a:r>
-              <a:rPr lang="en-US" dirty="0" smtClean="0"/>
-              <a:t> : Test-plan </a:t>
-            </a:r>
-            <a:r>
-              <a:rPr lang="en-US" dirty="0" err="1" smtClean="0"/>
-              <a:t>dan</a:t>
-            </a:r>
-            <a:r>
-              <a:rPr lang="en-US" dirty="0" smtClean="0"/>
-              <a:t> </a:t>
-            </a:r>
-            <a:r>
-              <a:rPr lang="en-US" dirty="0" err="1" smtClean="0"/>
-              <a:t>didokumentasikan</a:t>
-            </a:r>
-            <a:r>
-              <a:rPr lang="en-US" dirty="0" smtClean="0"/>
-              <a:t> </a:t>
-            </a:r>
-            <a:r>
-              <a:rPr lang="en-US" dirty="0" err="1" smtClean="0"/>
-              <a:t>dalam</a:t>
-            </a:r>
-            <a:r>
-              <a:rPr lang="en-US" dirty="0" smtClean="0"/>
-              <a:t> traceability matrix.</a:t>
-            </a:r>
-            <a:endParaRPr lang="en-US" dirty="0"/>
-          </a:p>
-        </p:txBody>
-      </p:sp>
+        </p:nvPicPr>
+        <p:blipFill>
+          <a:blip r:embed="rId2">
+            <a:extLst>
+              <a:ext uri="{28A0092B-C50C-407E-A947-70E740481C1C}">
+                <a14:useLocalDpi xmlns:a14="http://schemas.microsoft.com/office/drawing/2010/main" val="0"/>
+              </a:ext>
+            </a:extLst>
+          </a:blip>
+          <a:stretch>
+            <a:fillRect/>
+          </a:stretch>
+        </p:blipFill>
+        <p:spPr>
+          <a:xfrm>
+            <a:off x="3274220" y="1676400"/>
+            <a:ext cx="5388517" cy="5029200"/>
+          </a:xfrm>
+          <a:prstGeom prst="rect">
+            <a:avLst/>
+          </a:prstGeom>
+        </p:spPr>
+      </p:pic>
     </p:spTree>
     <p:extLst>
       <p:ext uri="{BB962C8B-B14F-4D97-AF65-F5344CB8AC3E}">
-        <p14:creationId xmlns:p14="http://schemas.microsoft.com/office/powerpoint/2010/main" val="886435063"/>
+        <p14:creationId xmlns:p14="http://schemas.microsoft.com/office/powerpoint/2010/main" val="1833181741"/>
       </p:ext>
     </p:extLst>
   </p:cSld>
@@ -26938,15 +27643,7 @@
           <a:p>
             <a:r>
               <a:rPr lang="en-US" dirty="0" err="1" smtClean="0"/>
-              <a:t>Batasan</a:t>
-            </a:r>
-            <a:r>
-              <a:rPr lang="en-US" dirty="0" smtClean="0"/>
-              <a:t> </a:t>
-            </a:r>
-            <a:r>
-              <a:rPr lang="en-US" dirty="0" err="1" smtClean="0"/>
-              <a:t>implementasi</a:t>
+              <a:t>perancangan</a:t>
             </a:r>
             <a:endParaRPr lang="en-US" dirty="0"/>
           </a:p>
@@ -26973,35 +27670,143 @@
             </a:pPr>
             <a:r>
               <a:rPr lang="en-US" dirty="0" smtClean="0"/>
-              <a:t>Server yang </a:t>
-            </a:r>
-            <a:r>
-              <a:rPr lang="en-US" dirty="0" err="1" smtClean="0"/>
-              <a:t>tersedia</a:t>
-            </a:r>
-            <a:r>
-              <a:rPr lang="en-US" dirty="0" smtClean="0"/>
-              <a:t> </a:t>
-            </a:r>
-            <a:r>
-              <a:rPr lang="en-US" dirty="0" err="1" smtClean="0"/>
-              <a:t>hanya</a:t>
-            </a:r>
-            <a:r>
-              <a:rPr lang="en-US" dirty="0" smtClean="0"/>
-              <a:t> </a:t>
-            </a:r>
-            <a:r>
-              <a:rPr lang="en-US" dirty="0" err="1" smtClean="0"/>
-              <a:t>terdapat</a:t>
-            </a:r>
-            <a:r>
-              <a:rPr lang="en-US" dirty="0" smtClean="0"/>
-              <a:t> 2 </a:t>
-            </a:r>
-            <a:r>
-              <a:rPr lang="en-US" dirty="0" err="1" smtClean="0"/>
-              <a:t>buah</a:t>
+              <a:t>Model </a:t>
+            </a:r>
+            <a:r>
+              <a:rPr lang="en-US" dirty="0" err="1" smtClean="0"/>
+              <a:t>penyimpanan</a:t>
+            </a:r>
+            <a:r>
+              <a:rPr lang="en-US" dirty="0" smtClean="0"/>
+              <a:t> data : Database per service.</a:t>
+            </a:r>
+          </a:p>
+          <a:p>
+            <a:pPr marL="457200" indent="-457200">
+              <a:buFont typeface="+mj-lt"/>
+              <a:buAutoNum type="arabicPeriod"/>
+            </a:pPr>
+            <a:r>
+              <a:rPr lang="en-US" dirty="0" err="1" smtClean="0"/>
+              <a:t>Pemilihan</a:t>
+            </a:r>
+            <a:r>
+              <a:rPr lang="en-US" dirty="0" smtClean="0"/>
+              <a:t> server basis data : PostgreSQL &amp; MongoDB (</a:t>
+            </a:r>
+            <a:r>
+              <a:rPr lang="en-US" dirty="0" err="1" smtClean="0"/>
+              <a:t>untuk</a:t>
+            </a:r>
+            <a:r>
+              <a:rPr lang="en-US" dirty="0" smtClean="0"/>
+              <a:t> </a:t>
+            </a:r>
+            <a:r>
+              <a:rPr lang="en-US" dirty="0" err="1" smtClean="0"/>
+              <a:t>kasus</a:t>
+            </a:r>
+            <a:r>
+              <a:rPr lang="en-US" dirty="0" smtClean="0"/>
+              <a:t> </a:t>
+            </a:r>
+            <a:r>
+              <a:rPr lang="en-US" dirty="0" err="1" smtClean="0"/>
+              <a:t>penyimpanan</a:t>
+            </a:r>
+            <a:r>
+              <a:rPr lang="en-US" dirty="0" smtClean="0"/>
+              <a:t> multimedia, </a:t>
+            </a:r>
+            <a:r>
+              <a:rPr lang="en-US" dirty="0" err="1" smtClean="0"/>
+              <a:t>karena</a:t>
+            </a:r>
+            <a:r>
+              <a:rPr lang="en-US" dirty="0" smtClean="0"/>
+              <a:t> </a:t>
+            </a:r>
+            <a:r>
+              <a:rPr lang="en-US" dirty="0" err="1" smtClean="0"/>
+              <a:t>dinilai</a:t>
+            </a:r>
+            <a:r>
+              <a:rPr lang="en-US" dirty="0" smtClean="0"/>
+              <a:t> </a:t>
+            </a:r>
+            <a:r>
+              <a:rPr lang="en-US" dirty="0" err="1" smtClean="0"/>
+              <a:t>mudah</a:t>
+            </a:r>
+            <a:r>
+              <a:rPr lang="en-US" dirty="0" smtClean="0"/>
+              <a:t>, </a:t>
+            </a:r>
+            <a:r>
+              <a:rPr lang="en-US" dirty="0" err="1" smtClean="0"/>
+              <a:t>cepat</a:t>
+            </a:r>
+            <a:r>
+              <a:rPr lang="en-US" dirty="0" smtClean="0"/>
+              <a:t>, </a:t>
+            </a:r>
+            <a:r>
+              <a:rPr lang="en-US" dirty="0" err="1" smtClean="0"/>
+              <a:t>dan</a:t>
+            </a:r>
+            <a:r>
+              <a:rPr lang="en-US" dirty="0" smtClean="0"/>
+              <a:t> </a:t>
+            </a:r>
+            <a:r>
+              <a:rPr lang="en-US" i="1" dirty="0" smtClean="0"/>
+              <a:t>open source).</a:t>
+            </a:r>
+          </a:p>
+          <a:p>
+            <a:pPr marL="457200" indent="-457200">
+              <a:buFont typeface="+mj-lt"/>
+              <a:buAutoNum type="arabicPeriod"/>
+            </a:pPr>
+            <a:r>
+              <a:rPr lang="en-US" dirty="0" err="1" smtClean="0"/>
+              <a:t>Komunikasi</a:t>
+            </a:r>
+            <a:r>
+              <a:rPr lang="en-US" dirty="0" smtClean="0"/>
+              <a:t> </a:t>
+            </a:r>
+            <a:r>
+              <a:rPr lang="en-US" dirty="0" err="1" smtClean="0"/>
+              <a:t>antar</a:t>
+            </a:r>
+            <a:r>
+              <a:rPr lang="en-US" dirty="0" smtClean="0"/>
+              <a:t> service : </a:t>
+            </a:r>
+            <a:r>
+              <a:rPr lang="en-US" i="1" dirty="0" smtClean="0"/>
+              <a:t>RESTful Web-service </a:t>
+            </a:r>
+            <a:r>
+              <a:rPr lang="en-US" dirty="0" err="1" smtClean="0"/>
+              <a:t>dengan</a:t>
+            </a:r>
+            <a:r>
+              <a:rPr lang="en-US" dirty="0" smtClean="0"/>
+              <a:t> </a:t>
+            </a:r>
+            <a:r>
+              <a:rPr lang="en-US" dirty="0" err="1" smtClean="0"/>
+              <a:t>fomat</a:t>
+            </a:r>
+            <a:r>
+              <a:rPr lang="en-US" dirty="0" smtClean="0"/>
+              <a:t> data JSON</a:t>
+            </a:r>
+            <a:r>
+              <a:rPr lang="en-US" i="1" dirty="0" smtClean="0"/>
+              <a:t>.</a:t>
             </a:r>
             <a:endParaRPr lang="en-US" dirty="0" smtClean="0"/>
           </a:p>
@@ -27011,16 +27816,20 @@
               <a:buAutoNum type="arabicPeriod"/>
             </a:pPr>
             <a:r>
-              <a:rPr lang="en-US" dirty="0" smtClean="0"/>
-              <a:t>Deployment yang </a:t>
-            </a:r>
-            <a:r>
-              <a:rPr lang="en-US" dirty="0" err="1" smtClean="0"/>
-              <a:t>dilakukan</a:t>
-            </a:r>
-            <a:r>
-              <a:rPr lang="en-US" dirty="0" smtClean="0"/>
-              <a:t> </a:t>
+              <a:rPr lang="en-US" dirty="0" err="1" smtClean="0"/>
+              <a:t>Rancangan</a:t>
+            </a:r>
+            <a:r>
+              <a:rPr lang="en-US" dirty="0" smtClean="0"/>
+              <a:t> deployment : </a:t>
+            </a:r>
+            <a:r>
+              <a:rPr lang="en-US" dirty="0" err="1" smtClean="0"/>
+              <a:t>Mulitple</a:t>
+            </a:r>
+            <a:r>
+              <a:rPr lang="en-US" dirty="0" smtClean="0"/>
+              <a:t> service per host </a:t>
             </a:r>
             <a:r>
               <a:rPr lang="en-US" dirty="0" err="1" smtClean="0"/>
@@ -27028,69 +27837,54 @@
             </a:r>
             <a:r>
               <a:rPr lang="en-US" dirty="0" smtClean="0"/>
-              <a:t> server local (</a:t>
-            </a:r>
-            <a:r>
-              <a:rPr lang="en-US" dirty="0" err="1" smtClean="0"/>
-              <a:t>komputer</a:t>
-            </a:r>
-            <a:r>
-              <a:rPr lang="en-US" dirty="0" smtClean="0"/>
-              <a:t> </a:t>
-            </a:r>
-            <a:r>
-              <a:rPr lang="en-US" dirty="0" err="1" smtClean="0"/>
-              <a:t>pribadi</a:t>
-            </a:r>
-            <a:r>
-              <a:rPr lang="en-US" dirty="0" smtClean="0"/>
-              <a:t>), </a:t>
-            </a:r>
-            <a:r>
-              <a:rPr lang="en-US" dirty="0" err="1" smtClean="0"/>
-              <a:t>harus</a:t>
-            </a:r>
-            <a:r>
-              <a:rPr lang="en-US" dirty="0" smtClean="0"/>
-              <a:t> </a:t>
-            </a:r>
-            <a:r>
-              <a:rPr lang="en-US" dirty="0" err="1" smtClean="0"/>
-              <a:t>dilakukan</a:t>
-            </a:r>
-            <a:r>
-              <a:rPr lang="en-US" dirty="0" smtClean="0"/>
-              <a:t> </a:t>
-            </a:r>
-            <a:r>
-              <a:rPr lang="en-US" dirty="0" err="1" smtClean="0"/>
-              <a:t>dibawah</a:t>
-            </a:r>
-            <a:r>
-              <a:rPr lang="en-US" dirty="0" smtClean="0"/>
-              <a:t> 1 </a:t>
-            </a:r>
-            <a:r>
-              <a:rPr lang="en-US" dirty="0" err="1" smtClean="0"/>
-              <a:t>jaringan</a:t>
-            </a:r>
-            <a:r>
-              <a:rPr lang="en-US" dirty="0" smtClean="0"/>
-              <a:t> yang </a:t>
-            </a:r>
-            <a:r>
-              <a:rPr lang="en-US" dirty="0" err="1" smtClean="0"/>
-              <a:t>sama</a:t>
-            </a:r>
-            <a:r>
-              <a:rPr lang="en-US" dirty="0" smtClean="0"/>
-              <a:t>.</a:t>
+              <a:t> </a:t>
+            </a:r>
+            <a:r>
+              <a:rPr lang="en-US" dirty="0" err="1" smtClean="0"/>
+              <a:t>beberapa</a:t>
+            </a:r>
+            <a:r>
+              <a:rPr lang="en-US" dirty="0" smtClean="0"/>
+              <a:t> host (server).</a:t>
             </a:r>
           </a:p>
           <a:p>
-            <a:pPr marL="0" indent="0">
-              <a:buNone/>
+            <a:pPr marL="457200" indent="-457200">
+              <a:buFont typeface="+mj-lt"/>
+              <a:buAutoNum type="arabicPeriod"/>
             </a:pPr>
+            <a:r>
+              <a:rPr lang="en-US" dirty="0" err="1" smtClean="0"/>
+              <a:t>Pengujian</a:t>
+            </a:r>
+            <a:r>
+              <a:rPr lang="en-US" dirty="0" smtClean="0"/>
+              <a:t> : Test-plan </a:t>
+            </a:r>
+            <a:r>
+              <a:rPr lang="en-US" dirty="0" err="1" smtClean="0"/>
+              <a:t>dan</a:t>
+            </a:r>
+            <a:r>
+              <a:rPr lang="en-US" dirty="0" smtClean="0"/>
+              <a:t> </a:t>
+            </a:r>
+            <a:r>
+              <a:rPr lang="en-US" dirty="0" err="1" smtClean="0"/>
+              <a:t>didokumentasikan</a:t>
+            </a:r>
+            <a:r>
+              <a:rPr lang="en-US" dirty="0" smtClean="0"/>
+              <a:t> </a:t>
+            </a:r>
+            <a:r>
+              <a:rPr lang="en-US" dirty="0" err="1" smtClean="0"/>
+              <a:t>dalam</a:t>
+            </a:r>
+            <a:r>
+              <a:rPr lang="en-US" dirty="0" smtClean="0"/>
+              <a:t> traceability matrix.</a:t>
+            </a:r>
             <a:endParaRPr lang="en-US" dirty="0"/>
           </a:p>
         </p:txBody>
@@ -27098,7 +27892,7 @@
     </p:spTree>
     <p:extLst>
       <p:ext uri="{BB962C8B-B14F-4D97-AF65-F5344CB8AC3E}">
-        <p14:creationId xmlns:p14="http://schemas.microsoft.com/office/powerpoint/2010/main" val="1721983042"/>
+        <p14:creationId xmlns:p14="http://schemas.microsoft.com/office/powerpoint/2010/main" val="886435063"/>
       </p:ext>
     </p:extLst>
   </p:cSld>
@@ -27142,6 +27936,204 @@
           <a:p>
             <a:r>
               <a:rPr lang="en-US" dirty="0" err="1" smtClean="0"/>
+              <a:t>Batasan</a:t>
+            </a:r>
+            <a:r>
+              <a:rPr lang="en-US" dirty="0" smtClean="0"/>
+              <a:t> </a:t>
+            </a:r>
+            <a:r>
+              <a:rPr lang="en-US" dirty="0" err="1" smtClean="0"/>
+              <a:t>implementasi</a:t>
+            </a:r>
+            <a:endParaRPr lang="en-US" dirty="0"/>
+          </a:p>
+        </p:txBody>
+      </p:sp>
+      <p:sp>
+        <p:nvSpPr>
+          <p:cNvPr id="3" name="Content Placeholder 2"/>
+          <p:cNvSpPr>
+            <a:spLocks noGrp="1"/>
+          </p:cNvSpPr>
+          <p:nvPr>
+            <p:ph idx="1"/>
+          </p:nvPr>
+        </p:nvSpPr>
+        <p:spPr/>
+        <p:txBody>
+          <a:bodyPr/>
+          <a:lstStyle/>
+          <a:p>
+            <a:pPr marL="457200" indent="-457200">
+              <a:buFont typeface="+mj-lt"/>
+              <a:buAutoNum type="arabicPeriod"/>
+            </a:pPr>
+            <a:r>
+              <a:rPr lang="en-US" dirty="0" smtClean="0"/>
+              <a:t>Server yang </a:t>
+            </a:r>
+            <a:r>
+              <a:rPr lang="en-US" dirty="0" err="1" smtClean="0"/>
+              <a:t>tersedia</a:t>
+            </a:r>
+            <a:r>
+              <a:rPr lang="en-US" dirty="0" smtClean="0"/>
+              <a:t> </a:t>
+            </a:r>
+            <a:r>
+              <a:rPr lang="en-US" dirty="0" err="1" smtClean="0"/>
+              <a:t>hanya</a:t>
+            </a:r>
+            <a:r>
+              <a:rPr lang="en-US" dirty="0" smtClean="0"/>
+              <a:t> </a:t>
+            </a:r>
+            <a:r>
+              <a:rPr lang="en-US" dirty="0" err="1" smtClean="0"/>
+              <a:t>terdapat</a:t>
+            </a:r>
+            <a:r>
+              <a:rPr lang="en-US" dirty="0" smtClean="0"/>
+              <a:t> 2 </a:t>
+            </a:r>
+            <a:r>
+              <a:rPr lang="en-US" dirty="0" err="1" smtClean="0"/>
+              <a:t>buah</a:t>
+            </a:r>
+            <a:endParaRPr lang="en-US" dirty="0" smtClean="0"/>
+          </a:p>
+          <a:p>
+            <a:pPr marL="457200" indent="-457200">
+              <a:buFont typeface="+mj-lt"/>
+              <a:buAutoNum type="arabicPeriod"/>
+            </a:pPr>
+            <a:r>
+              <a:rPr lang="en-US" dirty="0" smtClean="0"/>
+              <a:t>Deployment yang </a:t>
+            </a:r>
+            <a:r>
+              <a:rPr lang="en-US" dirty="0" err="1" smtClean="0"/>
+              <a:t>dilakukan</a:t>
+            </a:r>
+            <a:r>
+              <a:rPr lang="en-US" dirty="0" smtClean="0"/>
+              <a:t> </a:t>
+            </a:r>
+            <a:r>
+              <a:rPr lang="en-US" dirty="0" err="1" smtClean="0"/>
+              <a:t>dalam</a:t>
+            </a:r>
+            <a:r>
+              <a:rPr lang="en-US" dirty="0" smtClean="0"/>
+              <a:t> server local (</a:t>
+            </a:r>
+            <a:r>
+              <a:rPr lang="en-US" dirty="0" err="1" smtClean="0"/>
+              <a:t>komputer</a:t>
+            </a:r>
+            <a:r>
+              <a:rPr lang="en-US" dirty="0" smtClean="0"/>
+              <a:t> </a:t>
+            </a:r>
+            <a:r>
+              <a:rPr lang="en-US" dirty="0" err="1" smtClean="0"/>
+              <a:t>pribadi</a:t>
+            </a:r>
+            <a:r>
+              <a:rPr lang="en-US" dirty="0" smtClean="0"/>
+              <a:t>), </a:t>
+            </a:r>
+            <a:r>
+              <a:rPr lang="en-US" dirty="0" err="1" smtClean="0"/>
+              <a:t>harus</a:t>
+            </a:r>
+            <a:r>
+              <a:rPr lang="en-US" dirty="0" smtClean="0"/>
+              <a:t> </a:t>
+            </a:r>
+            <a:r>
+              <a:rPr lang="en-US" dirty="0" err="1" smtClean="0"/>
+              <a:t>dilakukan</a:t>
+            </a:r>
+            <a:r>
+              <a:rPr lang="en-US" dirty="0" smtClean="0"/>
+              <a:t> </a:t>
+            </a:r>
+            <a:r>
+              <a:rPr lang="en-US" dirty="0" err="1" smtClean="0"/>
+              <a:t>dibawah</a:t>
+            </a:r>
+            <a:r>
+              <a:rPr lang="en-US" dirty="0" smtClean="0"/>
+              <a:t> 1 </a:t>
+            </a:r>
+            <a:r>
+              <a:rPr lang="en-US" dirty="0" err="1" smtClean="0"/>
+              <a:t>jaringan</a:t>
+            </a:r>
+            <a:r>
+              <a:rPr lang="en-US" dirty="0" smtClean="0"/>
+              <a:t> yang </a:t>
+            </a:r>
+            <a:r>
+              <a:rPr lang="en-US" dirty="0" err="1" smtClean="0"/>
+              <a:t>sama</a:t>
+            </a:r>
+            <a:r>
+              <a:rPr lang="en-US" dirty="0" smtClean="0"/>
+              <a:t>.</a:t>
+            </a:r>
+          </a:p>
+        </p:txBody>
+      </p:sp>
+    </p:spTree>
+    <p:extLst>
+      <p:ext uri="{BB962C8B-B14F-4D97-AF65-F5344CB8AC3E}">
+        <p14:creationId xmlns:p14="http://schemas.microsoft.com/office/powerpoint/2010/main" val="1721983042"/>
+      </p:ext>
+    </p:extLst>
+  </p:cSld>
+  <p:clrMapOvr>
+    <a:masterClrMapping/>
+  </p:clrMapOvr>
+</p:sld>
+</file>
+
+<file path=ppt/slides/slide36.xml><?xml version="1.0" encoding="utf-8"?>
+<p:sld xmlns:a="http://schemas.openxmlformats.org/drawingml/2006/main" xmlns:r="http://schemas.openxmlformats.org/officeDocument/2006/relationships" xmlns:p="http://schemas.openxmlformats.org/presentationml/2006/main">
+  <p:cSld>
+    <p:spTree>
+      <p:nvGrpSpPr>
+        <p:cNvPr id="1" name=""/>
+        <p:cNvGrpSpPr/>
+        <p:nvPr/>
+      </p:nvGrpSpPr>
+      <p:grpSpPr>
+        <a:xfrm>
+          <a:off x="0" y="0"/>
+          <a:ext cx="0" cy="0"/>
+          <a:chOff x="0" y="0"/>
+          <a:chExt cx="0" cy="0"/>
+        </a:xfrm>
+      </p:grpSpPr>
+      <p:sp>
+        <p:nvSpPr>
+          <p:cNvPr id="2" name="Title 1"/>
+          <p:cNvSpPr>
+            <a:spLocks noGrp="1"/>
+          </p:cNvSpPr>
+          <p:nvPr>
+            <p:ph type="title"/>
+          </p:nvPr>
+        </p:nvSpPr>
+        <p:spPr/>
+        <p:txBody>
+          <a:bodyPr/>
+          <a:lstStyle/>
+          <a:p>
+            <a:r>
+              <a:rPr lang="en-US" dirty="0" err="1" smtClean="0"/>
               <a:t>Lingkunan</a:t>
             </a:r>
             <a:r>
@@ -27368,6 +28360,98 @@
     <p:extLst>
       <p:ext uri="{BB962C8B-B14F-4D97-AF65-F5344CB8AC3E}">
         <p14:creationId xmlns:p14="http://schemas.microsoft.com/office/powerpoint/2010/main" val="1013552250"/>
+      </p:ext>
+    </p:extLst>
+  </p:cSld>
+  <p:clrMapOvr>
+    <a:masterClrMapping/>
+  </p:clrMapOvr>
+</p:sld>
+</file>
+
+<file path=ppt/slides/slide37.xml><?xml version="1.0" encoding="utf-8"?>
+<p:sld xmlns:a="http://schemas.openxmlformats.org/drawingml/2006/main" xmlns:r="http://schemas.openxmlformats.org/officeDocument/2006/relationships" xmlns:p="http://schemas.openxmlformats.org/presentationml/2006/main">
+  <p:cSld>
+    <p:spTree>
+      <p:nvGrpSpPr>
+        <p:cNvPr id="1" name=""/>
+        <p:cNvGrpSpPr/>
+        <p:nvPr/>
+      </p:nvGrpSpPr>
+      <p:grpSpPr>
+        <a:xfrm>
+          <a:off x="0" y="0"/>
+          <a:ext cx="0" cy="0"/>
+          <a:chOff x="0" y="0"/>
+          <a:chExt cx="0" cy="0"/>
+        </a:xfrm>
+      </p:grpSpPr>
+      <p:sp>
+        <p:nvSpPr>
+          <p:cNvPr id="2" name="Title 1"/>
+          <p:cNvSpPr>
+            <a:spLocks noGrp="1"/>
+          </p:cNvSpPr>
+          <p:nvPr>
+            <p:ph type="title"/>
+          </p:nvPr>
+        </p:nvSpPr>
+        <p:spPr/>
+        <p:txBody>
+          <a:bodyPr/>
+          <a:lstStyle/>
+          <a:p>
+            <a:r>
+              <a:rPr lang="en-US" dirty="0" smtClean="0"/>
+              <a:t>4. </a:t>
+            </a:r>
+            <a:r>
+              <a:rPr lang="en-US" dirty="0" err="1" smtClean="0"/>
+              <a:t>Implementasi</a:t>
+            </a:r>
+            <a:r>
+              <a:rPr lang="en-US" dirty="0" smtClean="0"/>
+              <a:t> </a:t>
+            </a:r>
+            <a:r>
+              <a:rPr lang="en-US" dirty="0" err="1" smtClean="0"/>
+              <a:t>dan</a:t>
+            </a:r>
+            <a:r>
+              <a:rPr lang="en-US" dirty="0" smtClean="0"/>
+              <a:t> </a:t>
+            </a:r>
+            <a:r>
+              <a:rPr lang="en-US" dirty="0" err="1" smtClean="0"/>
+              <a:t>pengujian</a:t>
+            </a:r>
+            <a:endParaRPr lang="en-US" dirty="0"/>
+          </a:p>
+        </p:txBody>
+      </p:sp>
+      <p:sp>
+        <p:nvSpPr>
+          <p:cNvPr id="3" name="Content Placeholder 2"/>
+          <p:cNvSpPr>
+            <a:spLocks noGrp="1"/>
+          </p:cNvSpPr>
+          <p:nvPr>
+            <p:ph idx="1"/>
+          </p:nvPr>
+        </p:nvSpPr>
+        <p:spPr/>
+        <p:txBody>
+          <a:bodyPr/>
+          <a:lstStyle/>
+          <a:p>
+            <a:endParaRPr lang="en-US"/>
+          </a:p>
+        </p:txBody>
+      </p:sp>
+    </p:spTree>
+    <p:extLst>
+      <p:ext uri="{BB962C8B-B14F-4D97-AF65-F5344CB8AC3E}">
+        <p14:creationId xmlns:p14="http://schemas.microsoft.com/office/powerpoint/2010/main" val="1148575744"/>
       </p:ext>
     </p:extLst>
   </p:cSld>
@@ -27460,7 +28544,9 @@
         </p:nvSpPr>
         <p:spPr/>
         <p:txBody>
-          <a:bodyPr/>
+          <a:bodyPr>
+            <a:normAutofit/>
+          </a:bodyPr>
           <a:lstStyle/>
           <a:p>
             <a:pPr>
@@ -27480,27 +28566,35 @@
               <a:t> </a:t>
             </a:r>
             <a:r>
-              <a:rPr lang="en-US" dirty="0" err="1"/>
-              <a:t>tahapan</a:t>
-            </a:r>
-            <a:r>
-              <a:rPr lang="en-US" dirty="0"/>
-              <a:t> </a:t>
-            </a:r>
-            <a:r>
-              <a:rPr lang="en-US" dirty="0" err="1"/>
+              <a:rPr lang="en-US" dirty="0" err="1" smtClean="0"/>
+              <a:t>tahap</a:t>
+            </a:r>
+            <a:r>
+              <a:rPr lang="en-US" dirty="0" smtClean="0"/>
+              <a:t> </a:t>
+            </a:r>
+            <a:r>
+              <a:rPr lang="en-US" dirty="0" err="1" smtClean="0"/>
               <a:t>migrasi</a:t>
             </a:r>
             <a:r>
-              <a:rPr lang="en-US" dirty="0"/>
-              <a:t> </a:t>
-            </a:r>
-            <a:r>
-              <a:rPr lang="en-US" dirty="0" err="1"/>
+              <a:rPr lang="en-US" dirty="0" smtClean="0"/>
+              <a:t> yang </a:t>
+            </a:r>
+            <a:r>
+              <a:rPr lang="en-US" dirty="0" err="1" smtClean="0"/>
+              <a:t>benar</a:t>
+            </a:r>
+            <a:r>
+              <a:rPr lang="en-US" dirty="0" smtClean="0"/>
+              <a:t> </a:t>
+            </a:r>
+            <a:r>
+              <a:rPr lang="en-US" dirty="0" err="1" smtClean="0"/>
               <a:t>dari</a:t>
             </a:r>
             <a:r>
-              <a:rPr lang="en-US" dirty="0"/>
+              <a:rPr lang="en-US" dirty="0" smtClean="0"/>
               <a:t> </a:t>
             </a:r>
             <a:r>
@@ -27532,7 +28626,7 @@
               <a:t>microservice</a:t>
             </a:r>
             <a:r>
-              <a:rPr lang="en-US" dirty="0"/>
+              <a:rPr lang="en-US" dirty="0" smtClean="0"/>
               <a:t>.</a:t>
             </a:r>
           </a:p>
@@ -27542,97 +28636,66 @@
               <a:buChar char="•"/>
             </a:pPr>
             <a:r>
-              <a:rPr lang="en-US" dirty="0" smtClean="0"/>
-              <a:t> </a:t>
-            </a:r>
-            <a:r>
-              <a:rPr lang="en-US" dirty="0" err="1" smtClean="0"/>
-              <a:t>Menunjukan</a:t>
-            </a:r>
-            <a:r>
-              <a:rPr lang="en-US" dirty="0" smtClean="0"/>
-              <a:t> </a:t>
-            </a:r>
-            <a:r>
-              <a:rPr lang="en-US" dirty="0" err="1"/>
-              <a:t>bahwa</a:t>
-            </a:r>
-            <a:r>
               <a:rPr lang="en-US" dirty="0"/>
               <a:t> </a:t>
             </a:r>
             <a:r>
-              <a:rPr lang="en-US" dirty="0" err="1"/>
+              <a:rPr lang="en-US" dirty="0" err="1" smtClean="0"/>
+              <a:t>Membandingkan</a:t>
+            </a:r>
+            <a:r>
+              <a:rPr lang="en-US" dirty="0" smtClean="0"/>
+              <a:t> </a:t>
+            </a:r>
+            <a:r>
+              <a:rPr lang="en-US" dirty="0" err="1" smtClean="0"/>
               <a:t>performa</a:t>
             </a:r>
             <a:r>
-              <a:rPr lang="en-US" dirty="0"/>
-              <a:t> yang </a:t>
-            </a:r>
-            <a:r>
-              <a:rPr lang="en-US" dirty="0" err="1"/>
-              <a:t>dihasilkan</a:t>
-            </a:r>
-            <a:r>
-              <a:rPr lang="en-US" dirty="0"/>
-              <a:t> </a:t>
-            </a:r>
-            <a:r>
-              <a:rPr lang="en-US" dirty="0" err="1"/>
+              <a:rPr lang="en-US" dirty="0" smtClean="0"/>
+              <a:t> </a:t>
+            </a:r>
+            <a:r>
+              <a:rPr lang="en-US" dirty="0" err="1" smtClean="0"/>
+              <a:t>antara</a:t>
+            </a:r>
+            <a:r>
+              <a:rPr lang="en-US" dirty="0" smtClean="0"/>
+              <a:t> </a:t>
+            </a:r>
+            <a:r>
+              <a:rPr lang="en-US" dirty="0" err="1" smtClean="0"/>
               <a:t>arsitektur</a:t>
             </a:r>
             <a:r>
-              <a:rPr lang="en-US" dirty="0"/>
-              <a:t> </a:t>
-            </a:r>
-            <a:r>
-              <a:rPr lang="en-US" dirty="0" err="1"/>
-              <a:t>baru</a:t>
-            </a:r>
-            <a:r>
-              <a:rPr lang="en-US" dirty="0"/>
-              <a:t> </a:t>
-            </a:r>
-            <a:r>
-              <a:rPr lang="en-US" dirty="0" err="1"/>
-              <a:t>akan</a:t>
-            </a:r>
-            <a:r>
-              <a:rPr lang="en-US" dirty="0"/>
-              <a:t> </a:t>
-            </a:r>
-            <a:r>
-              <a:rPr lang="en-US" dirty="0" err="1"/>
-              <a:t>jauh</a:t>
-            </a:r>
-            <a:r>
-              <a:rPr lang="en-US" dirty="0"/>
-              <a:t> </a:t>
-            </a:r>
-            <a:r>
-              <a:rPr lang="en-US" dirty="0" err="1"/>
-              <a:t>melebihi</a:t>
-            </a:r>
-            <a:r>
-              <a:rPr lang="en-US" dirty="0"/>
-              <a:t> </a:t>
-            </a:r>
-            <a:r>
-              <a:rPr lang="en-US" dirty="0" err="1"/>
-              <a:t>arsitektur</a:t>
-            </a:r>
-            <a:r>
-              <a:rPr lang="en-US" dirty="0"/>
-              <a:t> </a:t>
-            </a:r>
-            <a:r>
-              <a:rPr lang="en-US" dirty="0" err="1"/>
-              <a:t>konvensional</a:t>
-            </a:r>
-            <a:r>
-              <a:rPr lang="en-US" dirty="0"/>
+              <a:rPr lang="en-US" dirty="0" smtClean="0"/>
+              <a:t> </a:t>
+            </a:r>
+            <a:r>
+              <a:rPr lang="en-US" dirty="0" err="1" smtClean="0"/>
+              <a:t>microservice</a:t>
+            </a:r>
+            <a:r>
+              <a:rPr lang="en-US" dirty="0" smtClean="0"/>
+              <a:t> </a:t>
+            </a:r>
+            <a:r>
+              <a:rPr lang="en-US" dirty="0" err="1" smtClean="0"/>
+              <a:t>dan</a:t>
+            </a:r>
+            <a:r>
+              <a:rPr lang="en-US" dirty="0" smtClean="0"/>
+              <a:t> </a:t>
+            </a:r>
+            <a:r>
+              <a:rPr lang="en-US" dirty="0" err="1" smtClean="0"/>
+              <a:t>monolitik</a:t>
+            </a:r>
+            <a:r>
+              <a:rPr lang="en-US" dirty="0" smtClean="0"/>
               <a:t>.</a:t>
             </a:r>
+            <a:endParaRPr lang="en-US" dirty="0"/>
           </a:p>
           <a:p>
             <a:pPr>
@@ -28087,6 +29150,10 @@
               <a:buFont typeface="Arial" panose="020B0604020202020204" pitchFamily="34" charset="0"/>
               <a:buChar char="•"/>
             </a:pPr>
+            <a:r>
+              <a:rPr lang="en-US" dirty="0" smtClean="0"/>
+              <a:t> </a:t>
+            </a:r>
             <a:r>
               <a:rPr lang="en-US" dirty="0" err="1" smtClean="0"/>
               <a:t>Arsitektur</a:t>

--- a/PPT.pptx
+++ b/PPT.pptx
@@ -29,19 +29,18 @@
     <p:sldId id="278" r:id="rId23"/>
     <p:sldId id="280" r:id="rId24"/>
     <p:sldId id="281" r:id="rId25"/>
-    <p:sldId id="282" r:id="rId26"/>
-    <p:sldId id="283" r:id="rId27"/>
-    <p:sldId id="296" r:id="rId28"/>
-    <p:sldId id="284" r:id="rId29"/>
-    <p:sldId id="285" r:id="rId30"/>
-    <p:sldId id="286" r:id="rId31"/>
-    <p:sldId id="287" r:id="rId32"/>
-    <p:sldId id="288" r:id="rId33"/>
-    <p:sldId id="289" r:id="rId34"/>
-    <p:sldId id="290" r:id="rId35"/>
-    <p:sldId id="291" r:id="rId36"/>
-    <p:sldId id="292" r:id="rId37"/>
-    <p:sldId id="297" r:id="rId38"/>
+    <p:sldId id="283" r:id="rId26"/>
+    <p:sldId id="296" r:id="rId27"/>
+    <p:sldId id="284" r:id="rId28"/>
+    <p:sldId id="285" r:id="rId29"/>
+    <p:sldId id="286" r:id="rId30"/>
+    <p:sldId id="287" r:id="rId31"/>
+    <p:sldId id="288" r:id="rId32"/>
+    <p:sldId id="289" r:id="rId33"/>
+    <p:sldId id="290" r:id="rId34"/>
+    <p:sldId id="291" r:id="rId35"/>
+    <p:sldId id="292" r:id="rId36"/>
+    <p:sldId id="297" r:id="rId37"/>
   </p:sldIdLst>
   <p:sldSz cx="12192000" cy="6858000"/>
   <p:notesSz cx="6858000" cy="9144000"/>
@@ -169,7 +168,6 @@
             <p14:sldId id="278"/>
             <p14:sldId id="280"/>
             <p14:sldId id="281"/>
-            <p14:sldId id="282"/>
             <p14:sldId id="283"/>
             <p14:sldId id="296"/>
             <p14:sldId id="284"/>
@@ -8989,7 +8987,7 @@
           <a:p>
             <a:fld id="{02731B77-74DD-435B-A53C-CA736FF2054E}" type="datetimeFigureOut">
               <a:rPr lang="en-US" smtClean="0"/>
-              <a:t>4/29/2018</a:t>
+              <a:t>4/30/2018</a:t>
             </a:fld>
             <a:endParaRPr lang="en-US"/>
           </a:p>
@@ -9196,7 +9194,7 @@
           <a:p>
             <a:fld id="{02731B77-74DD-435B-A53C-CA736FF2054E}" type="datetimeFigureOut">
               <a:rPr lang="en-US" smtClean="0"/>
-              <a:t>4/29/2018</a:t>
+              <a:t>4/30/2018</a:t>
             </a:fld>
             <a:endParaRPr lang="en-US"/>
           </a:p>
@@ -9376,7 +9374,7 @@
           <a:p>
             <a:fld id="{02731B77-74DD-435B-A53C-CA736FF2054E}" type="datetimeFigureOut">
               <a:rPr lang="en-US" smtClean="0"/>
-              <a:t>4/29/2018</a:t>
+              <a:t>4/30/2018</a:t>
             </a:fld>
             <a:endParaRPr lang="en-US"/>
           </a:p>
@@ -9581,7 +9579,7 @@
           <a:p>
             <a:fld id="{02731B77-74DD-435B-A53C-CA736FF2054E}" type="datetimeFigureOut">
               <a:rPr lang="en-US" smtClean="0"/>
-              <a:t>4/29/2018</a:t>
+              <a:t>4/30/2018</a:t>
             </a:fld>
             <a:endParaRPr lang="en-US"/>
           </a:p>
@@ -18479,7 +18477,7 @@
           <a:p>
             <a:fld id="{02731B77-74DD-435B-A53C-CA736FF2054E}" type="datetimeFigureOut">
               <a:rPr lang="en-US" smtClean="0"/>
-              <a:t>4/29/2018</a:t>
+              <a:t>4/30/2018</a:t>
             </a:fld>
             <a:endParaRPr lang="en-US"/>
           </a:p>
@@ -18753,7 +18751,7 @@
           <a:p>
             <a:fld id="{02731B77-74DD-435B-A53C-CA736FF2054E}" type="datetimeFigureOut">
               <a:rPr lang="en-US" smtClean="0"/>
-              <a:t>4/29/2018</a:t>
+              <a:t>4/30/2018</a:t>
             </a:fld>
             <a:endParaRPr lang="en-US"/>
           </a:p>
@@ -19151,7 +19149,7 @@
           <a:p>
             <a:fld id="{02731B77-74DD-435B-A53C-CA736FF2054E}" type="datetimeFigureOut">
               <a:rPr lang="en-US" smtClean="0"/>
-              <a:t>4/29/2018</a:t>
+              <a:t>4/30/2018</a:t>
             </a:fld>
             <a:endParaRPr lang="en-US"/>
           </a:p>
@@ -19269,7 +19267,7 @@
           <a:p>
             <a:fld id="{02731B77-74DD-435B-A53C-CA736FF2054E}" type="datetimeFigureOut">
               <a:rPr lang="en-US" smtClean="0"/>
-              <a:t>4/29/2018</a:t>
+              <a:t>4/30/2018</a:t>
             </a:fld>
             <a:endParaRPr lang="en-US"/>
           </a:p>
@@ -19364,7 +19362,7 @@
           <a:p>
             <a:fld id="{02731B77-74DD-435B-A53C-CA736FF2054E}" type="datetimeFigureOut">
               <a:rPr lang="en-US" smtClean="0"/>
-              <a:t>4/29/2018</a:t>
+              <a:t>4/30/2018</a:t>
             </a:fld>
             <a:endParaRPr lang="en-US"/>
           </a:p>
@@ -19654,7 +19652,7 @@
           <a:p>
             <a:fld id="{02731B77-74DD-435B-A53C-CA736FF2054E}" type="datetimeFigureOut">
               <a:rPr lang="en-US" smtClean="0"/>
-              <a:t>4/29/2018</a:t>
+              <a:t>4/30/2018</a:t>
             </a:fld>
             <a:endParaRPr lang="en-US"/>
           </a:p>
@@ -19934,7 +19932,7 @@
           <a:p>
             <a:fld id="{02731B77-74DD-435B-A53C-CA736FF2054E}" type="datetimeFigureOut">
               <a:rPr lang="en-US" smtClean="0"/>
-              <a:t>4/29/2018</a:t>
+              <a:t>4/30/2018</a:t>
             </a:fld>
             <a:endParaRPr lang="en-US"/>
           </a:p>
@@ -20184,7 +20182,7 @@
           <a:p>
             <a:fld id="{02731B77-74DD-435B-A53C-CA736FF2054E}" type="datetimeFigureOut">
               <a:rPr lang="en-US" smtClean="0"/>
-              <a:t>4/29/2018</a:t>
+              <a:t>4/30/2018</a:t>
             </a:fld>
             <a:endParaRPr lang="en-US"/>
           </a:p>
@@ -21019,6 +21017,13 @@
   <p:clrMapOvr>
     <a:masterClrMapping/>
   </p:clrMapOvr>
+  <p:timing>
+    <p:tnLst>
+      <p:par>
+        <p:cTn id="1" dur="indefinite" restart="never" nodeType="tmRoot"/>
+      </p:par>
+    </p:tnLst>
+  </p:timing>
 </p:sld>
 </file>
 
@@ -21134,14 +21139,14 @@
                 <a:gridCol w="2377282">
                   <a:extLst>
                     <a:ext uri="{9D8B030D-6E8A-4147-A177-3AD203B41FA5}">
-                      <a16:colId xmlns="" xmlns:a16="http://schemas.microsoft.com/office/drawing/2014/main" val="2905065532"/>
+                      <a16:colId xmlns:a16="http://schemas.microsoft.com/office/drawing/2014/main" val="2905065532"/>
                     </a:ext>
                   </a:extLst>
                 </a:gridCol>
                 <a:gridCol w="2377282">
                   <a:extLst>
                     <a:ext uri="{9D8B030D-6E8A-4147-A177-3AD203B41FA5}">
-                      <a16:colId xmlns="" xmlns:a16="http://schemas.microsoft.com/office/drawing/2014/main" val="3802736106"/>
+                      <a16:colId xmlns:a16="http://schemas.microsoft.com/office/drawing/2014/main" val="3802736106"/>
                     </a:ext>
                   </a:extLst>
                 </a:gridCol>
@@ -21177,7 +21182,7 @@
                 </a:tc>
                 <a:extLst>
                   <a:ext uri="{0D108BD9-81ED-4DB2-BD59-A6C34878D82A}">
-                    <a16:rowId xmlns="" xmlns:a16="http://schemas.microsoft.com/office/drawing/2014/main" val="3168152095"/>
+                    <a16:rowId xmlns:a16="http://schemas.microsoft.com/office/drawing/2014/main" val="3168152095"/>
                   </a:ext>
                 </a:extLst>
               </a:tr>
@@ -21407,7 +21412,7 @@
                 </a:tc>
                 <a:extLst>
                   <a:ext uri="{0D108BD9-81ED-4DB2-BD59-A6C34878D82A}">
-                    <a16:rowId xmlns="" xmlns:a16="http://schemas.microsoft.com/office/drawing/2014/main" val="2919232402"/>
+                    <a16:rowId xmlns:a16="http://schemas.microsoft.com/office/drawing/2014/main" val="2919232402"/>
                   </a:ext>
                 </a:extLst>
               </a:tr>
@@ -21451,6 +21456,13 @@
   <p:clrMapOvr>
     <a:masterClrMapping/>
   </p:clrMapOvr>
+  <p:timing>
+    <p:tnLst>
+      <p:par>
+        <p:cTn id="1" dur="indefinite" restart="never" nodeType="tmRoot"/>
+      </p:par>
+    </p:tnLst>
+  </p:timing>
 </p:sld>
 </file>
 
@@ -21552,6 +21564,13 @@
   <p:clrMapOvr>
     <a:masterClrMapping/>
   </p:clrMapOvr>
+  <p:timing>
+    <p:tnLst>
+      <p:par>
+        <p:cTn id="1" dur="indefinite" restart="never" nodeType="tmRoot"/>
+      </p:par>
+    </p:tnLst>
+  </p:timing>
 </p:sld>
 </file>
 
@@ -21978,6 +21997,13 @@
   <p:clrMapOvr>
     <a:masterClrMapping/>
   </p:clrMapOvr>
+  <p:timing>
+    <p:tnLst>
+      <p:par>
+        <p:cTn id="1" dur="indefinite" restart="never" nodeType="tmRoot"/>
+      </p:par>
+    </p:tnLst>
+  </p:timing>
 </p:sld>
 </file>
 
@@ -22348,6 +22374,13 @@
   <p:clrMapOvr>
     <a:masterClrMapping/>
   </p:clrMapOvr>
+  <p:timing>
+    <p:tnLst>
+      <p:par>
+        <p:cTn id="1" dur="indefinite" restart="never" nodeType="tmRoot"/>
+      </p:par>
+    </p:tnLst>
+  </p:timing>
 </p:sld>
 </file>
 
@@ -22428,14 +22461,14 @@
                 <a:gridCol w="4860131">
                   <a:extLst>
                     <a:ext uri="{9D8B030D-6E8A-4147-A177-3AD203B41FA5}">
-                      <a16:colId xmlns="" xmlns:a16="http://schemas.microsoft.com/office/drawing/2014/main" val="239280373"/>
+                      <a16:colId xmlns:a16="http://schemas.microsoft.com/office/drawing/2014/main" val="239280373"/>
                     </a:ext>
                   </a:extLst>
                 </a:gridCol>
                 <a:gridCol w="4860131">
                   <a:extLst>
                     <a:ext uri="{9D8B030D-6E8A-4147-A177-3AD203B41FA5}">
-                      <a16:colId xmlns="" xmlns:a16="http://schemas.microsoft.com/office/drawing/2014/main" val="3475585816"/>
+                      <a16:colId xmlns:a16="http://schemas.microsoft.com/office/drawing/2014/main" val="3475585816"/>
                     </a:ext>
                   </a:extLst>
                 </a:gridCol>
@@ -22487,7 +22520,7 @@
                 </a:tc>
                 <a:extLst>
                   <a:ext uri="{0D108BD9-81ED-4DB2-BD59-A6C34878D82A}">
-                    <a16:rowId xmlns="" xmlns:a16="http://schemas.microsoft.com/office/drawing/2014/main" val="923669991"/>
+                    <a16:rowId xmlns:a16="http://schemas.microsoft.com/office/drawing/2014/main" val="923669991"/>
                   </a:ext>
                 </a:extLst>
               </a:tr>
@@ -22610,7 +22643,7 @@
                 </a:tc>
                 <a:extLst>
                   <a:ext uri="{0D108BD9-81ED-4DB2-BD59-A6C34878D82A}">
-                    <a16:rowId xmlns="" xmlns:a16="http://schemas.microsoft.com/office/drawing/2014/main" val="1000297399"/>
+                    <a16:rowId xmlns:a16="http://schemas.microsoft.com/office/drawing/2014/main" val="1000297399"/>
                   </a:ext>
                 </a:extLst>
               </a:tr>
@@ -24623,17 +24656,8 @@
             </a:r>
             <a:r>
               <a:rPr lang="en-US" dirty="0" smtClean="0"/>
-              <a:t> GET</a:t>
-            </a:r>
-            <a:r>
-              <a:rPr lang="en-US" dirty="0" smtClean="0"/>
-              <a:t>, POST, </a:t>
-            </a:r>
-            <a:r>
-              <a:rPr lang="en-US" dirty="0" smtClean="0"/>
-              <a:t>PUT, &amp; DELETE.</a:t>
-            </a:r>
-            <a:endParaRPr lang="en-US" dirty="0" smtClean="0"/>
+              <a:t> GET, POST, PUT, &amp; DELETE.</a:t>
+            </a:r>
           </a:p>
           <a:p>
             <a:pPr>
@@ -24674,11 +24698,7 @@
             </a:r>
             <a:r>
               <a:rPr lang="en-US" dirty="0" smtClean="0"/>
-              <a:t> </a:t>
-            </a:r>
-            <a:r>
-              <a:rPr lang="en-US" dirty="0" smtClean="0"/>
-              <a:t>JSON yang </a:t>
+              <a:t> JSON yang </a:t>
             </a:r>
             <a:r>
               <a:rPr lang="en-US" dirty="0" err="1" smtClean="0"/>
@@ -24720,7 +24740,6 @@
               <a:rPr lang="en-US" dirty="0" smtClean="0"/>
               <a:t>.</a:t>
             </a:r>
-            <a:endParaRPr lang="en-US" dirty="0" smtClean="0"/>
           </a:p>
           <a:p>
             <a:pPr>
@@ -24776,6 +24795,13 @@
   <p:clrMapOvr>
     <a:masterClrMapping/>
   </p:clrMapOvr>
+  <p:timing>
+    <p:tnLst>
+      <p:par>
+        <p:cTn id="1" dur="indefinite" restart="never" nodeType="tmRoot"/>
+      </p:par>
+    </p:tnLst>
+  </p:timing>
 </p:sld>
 </file>
 
@@ -24865,6 +24891,13 @@
   <p:clrMapOvr>
     <a:masterClrMapping/>
   </p:clrMapOvr>
+  <p:timing>
+    <p:tnLst>
+      <p:par>
+        <p:cTn id="1" dur="indefinite" restart="never" nodeType="tmRoot"/>
+      </p:par>
+    </p:tnLst>
+  </p:timing>
 </p:sld>
 </file>
 
@@ -25081,6 +25114,13 @@
   <p:clrMapOvr>
     <a:masterClrMapping/>
   </p:clrMapOvr>
+  <p:timing>
+    <p:tnLst>
+      <p:par>
+        <p:cTn id="1" dur="indefinite" restart="never" nodeType="tmRoot"/>
+      </p:par>
+    </p:tnLst>
+  </p:timing>
 </p:sld>
 </file>
 
@@ -25173,6 +25213,13 @@
   <p:clrMapOvr>
     <a:masterClrMapping/>
   </p:clrMapOvr>
+  <p:timing>
+    <p:tnLst>
+      <p:par>
+        <p:cTn id="1" dur="indefinite" restart="never" nodeType="tmRoot"/>
+      </p:par>
+    </p:tnLst>
+  </p:timing>
 </p:sld>
 </file>
 
@@ -25210,207 +25257,15 @@
           <a:p>
             <a:r>
               <a:rPr lang="en-US" dirty="0" err="1" smtClean="0"/>
-              <a:t>Analisa</a:t>
-            </a:r>
-            <a:r>
-              <a:rPr lang="en-US" dirty="0" smtClean="0"/>
-              <a:t> software </a:t>
-            </a:r>
-            <a:r>
-              <a:rPr lang="en-US" dirty="0" err="1" smtClean="0"/>
-              <a:t>apertura</a:t>
-            </a:r>
-            <a:endParaRPr lang="en-US" dirty="0"/>
-          </a:p>
-        </p:txBody>
-      </p:sp>
-      <p:sp>
-        <p:nvSpPr>
-          <p:cNvPr id="3" name="Content Placeholder 2"/>
-          <p:cNvSpPr>
-            <a:spLocks noGrp="1"/>
-          </p:cNvSpPr>
-          <p:nvPr>
-            <p:ph idx="1"/>
-          </p:nvPr>
-        </p:nvSpPr>
-        <p:spPr/>
-        <p:txBody>
-          <a:bodyPr/>
-          <a:lstStyle/>
-          <a:p>
-            <a:pPr marL="457200" indent="-457200">
-              <a:buFont typeface="+mj-lt"/>
-              <a:buAutoNum type="arabicPeriod"/>
-            </a:pPr>
-            <a:r>
-              <a:rPr lang="en-US" dirty="0" smtClean="0"/>
-              <a:t>Data </a:t>
-            </a:r>
-            <a:r>
-              <a:rPr lang="en-US" dirty="0" err="1" smtClean="0"/>
-              <a:t>menejemen</a:t>
-            </a:r>
-            <a:r>
-              <a:rPr lang="en-US" dirty="0" smtClean="0"/>
-              <a:t> : </a:t>
-            </a:r>
-            <a:r>
-              <a:rPr lang="en-US" dirty="0" err="1" smtClean="0"/>
-              <a:t>Banyak</a:t>
-            </a:r>
-            <a:r>
-              <a:rPr lang="en-US" dirty="0" smtClean="0"/>
-              <a:t> table </a:t>
-            </a:r>
-            <a:r>
-              <a:rPr lang="en-US" dirty="0" err="1" smtClean="0"/>
-              <a:t>dalam</a:t>
-            </a:r>
-            <a:r>
-              <a:rPr lang="en-US" dirty="0" smtClean="0"/>
-              <a:t> 1 </a:t>
-            </a:r>
-            <a:r>
-              <a:rPr lang="en-US" dirty="0" err="1" smtClean="0"/>
-              <a:t>buah</a:t>
-            </a:r>
-            <a:r>
-              <a:rPr lang="en-US" dirty="0" smtClean="0"/>
-              <a:t> database.</a:t>
-            </a:r>
-          </a:p>
-          <a:p>
-            <a:pPr marL="457200" indent="-457200">
-              <a:buFont typeface="+mj-lt"/>
-              <a:buAutoNum type="arabicPeriod"/>
-            </a:pPr>
-            <a:r>
-              <a:rPr lang="en-US" dirty="0" smtClean="0"/>
-              <a:t>Cara </a:t>
-            </a:r>
-            <a:r>
-              <a:rPr lang="en-US" dirty="0" err="1" smtClean="0"/>
-              <a:t>berkomunikasi</a:t>
-            </a:r>
-            <a:r>
-              <a:rPr lang="en-US" dirty="0" smtClean="0"/>
-              <a:t> : Query </a:t>
-            </a:r>
-            <a:r>
-              <a:rPr lang="en-US" dirty="0" err="1" smtClean="0"/>
-              <a:t>langsung</a:t>
-            </a:r>
-            <a:r>
-              <a:rPr lang="en-US" dirty="0" smtClean="0"/>
-              <a:t> </a:t>
-            </a:r>
-            <a:r>
-              <a:rPr lang="en-US" dirty="0" err="1" smtClean="0"/>
-              <a:t>terhadap</a:t>
-            </a:r>
-            <a:r>
-              <a:rPr lang="en-US" dirty="0" smtClean="0"/>
-              <a:t> database.</a:t>
-            </a:r>
-          </a:p>
-          <a:p>
-            <a:pPr marL="457200" indent="-457200">
-              <a:buFont typeface="+mj-lt"/>
-              <a:buAutoNum type="arabicPeriod"/>
-            </a:pPr>
-            <a:r>
-              <a:rPr lang="en-US" dirty="0" err="1" smtClean="0"/>
-              <a:t>Bentuk</a:t>
-            </a:r>
-            <a:r>
-              <a:rPr lang="en-US" dirty="0" smtClean="0"/>
-              <a:t> deployment : </a:t>
-            </a:r>
-            <a:r>
-              <a:rPr lang="en-US" dirty="0" err="1" smtClean="0"/>
-              <a:t>Terpusat</a:t>
-            </a:r>
-            <a:r>
-              <a:rPr lang="en-US" dirty="0" smtClean="0"/>
-              <a:t> </a:t>
-            </a:r>
-            <a:r>
-              <a:rPr lang="en-US" dirty="0" err="1" smtClean="0"/>
-              <a:t>pada</a:t>
-            </a:r>
-            <a:r>
-              <a:rPr lang="en-US" dirty="0" smtClean="0"/>
-              <a:t> 1 </a:t>
-            </a:r>
-            <a:r>
-              <a:rPr lang="en-US" dirty="0" err="1" smtClean="0"/>
-              <a:t>buah</a:t>
-            </a:r>
-            <a:r>
-              <a:rPr lang="en-US" dirty="0" smtClean="0"/>
-              <a:t> server yang </a:t>
-            </a:r>
-            <a:r>
-              <a:rPr lang="en-US" dirty="0" err="1" smtClean="0"/>
-              <a:t>sama</a:t>
-            </a:r>
-            <a:endParaRPr lang="en-US" dirty="0" smtClean="0"/>
-          </a:p>
-        </p:txBody>
-      </p:sp>
-    </p:spTree>
-    <p:extLst>
-      <p:ext uri="{BB962C8B-B14F-4D97-AF65-F5344CB8AC3E}">
-        <p14:creationId xmlns:p14="http://schemas.microsoft.com/office/powerpoint/2010/main" val="2983361041"/>
-      </p:ext>
-    </p:extLst>
-  </p:cSld>
-  <p:clrMapOvr>
-    <a:masterClrMapping/>
-  </p:clrMapOvr>
-</p:sld>
-</file>
-
-<file path=ppt/slides/slide26.xml><?xml version="1.0" encoding="utf-8"?>
-<p:sld xmlns:a="http://schemas.openxmlformats.org/drawingml/2006/main" xmlns:r="http://schemas.openxmlformats.org/officeDocument/2006/relationships" xmlns:p="http://schemas.openxmlformats.org/presentationml/2006/main">
-  <p:cSld>
-    <p:spTree>
-      <p:nvGrpSpPr>
-        <p:cNvPr id="1" name=""/>
-        <p:cNvGrpSpPr/>
-        <p:nvPr/>
-      </p:nvGrpSpPr>
-      <p:grpSpPr>
-        <a:xfrm>
-          <a:off x="0" y="0"/>
-          <a:ext cx="0" cy="0"/>
-          <a:chOff x="0" y="0"/>
-          <a:chExt cx="0" cy="0"/>
-        </a:xfrm>
-      </p:grpSpPr>
-      <p:sp>
-        <p:nvSpPr>
-          <p:cNvPr id="2" name="Title 1"/>
-          <p:cNvSpPr>
-            <a:spLocks noGrp="1"/>
-          </p:cNvSpPr>
-          <p:nvPr>
-            <p:ph type="title"/>
-          </p:nvPr>
-        </p:nvSpPr>
-        <p:spPr/>
-        <p:txBody>
-          <a:bodyPr/>
-          <a:lstStyle/>
-          <a:p>
-            <a:r>
-              <a:rPr lang="en-US" dirty="0" err="1" smtClean="0"/>
               <a:t>Ilustrasi</a:t>
             </a:r>
             <a:r>
               <a:rPr lang="en-US" dirty="0" smtClean="0"/>
-              <a:t> deployment software </a:t>
+              <a:t> </a:t>
+            </a:r>
+            <a:r>
+              <a:rPr lang="en-US" dirty="0" smtClean="0"/>
+              <a:t>software </a:t>
             </a:r>
             <a:r>
               <a:rPr lang="en-US" dirty="0" err="1" smtClean="0"/>
@@ -25444,7 +25299,7 @@
         </p:blipFill>
         <p:spPr>
           <a:xfrm>
-            <a:off x="3481023" y="2084832"/>
+            <a:off x="5107827" y="2084832"/>
             <a:ext cx="4806282" cy="4022725"/>
           </a:xfrm>
           <a:prstGeom prst="rect">
@@ -25452,6 +25307,39 @@
           </a:prstGeom>
         </p:spPr>
       </p:pic>
+      <p:sp>
+        <p:nvSpPr>
+          <p:cNvPr id="3" name="TextBox 2"/>
+          <p:cNvSpPr txBox="1"/>
+          <p:nvPr/>
+        </p:nvSpPr>
+        <p:spPr>
+          <a:xfrm>
+            <a:off x="1024128" y="2251881"/>
+            <a:ext cx="3483198" cy="369332"/>
+          </a:xfrm>
+          <a:prstGeom prst="rect">
+            <a:avLst/>
+          </a:prstGeom>
+          <a:noFill/>
+        </p:spPr>
+        <p:txBody>
+          <a:bodyPr wrap="none" rtlCol="0">
+            <a:spAutoFit/>
+          </a:bodyPr>
+          <a:lstStyle/>
+          <a:p>
+            <a:r>
+              <a:rPr lang="en-US" dirty="0" err="1" smtClean="0"/>
+              <a:t>Menggunakan</a:t>
+            </a:r>
+            <a:r>
+              <a:rPr lang="en-US" dirty="0" smtClean="0"/>
+              <a:t> deployment diagram</a:t>
+            </a:r>
+          </a:p>
+        </p:txBody>
+      </p:sp>
     </p:spTree>
     <p:extLst>
       <p:ext uri="{BB962C8B-B14F-4D97-AF65-F5344CB8AC3E}">
@@ -25462,10 +25350,17 @@
   <p:clrMapOvr>
     <a:masterClrMapping/>
   </p:clrMapOvr>
+  <p:timing>
+    <p:tnLst>
+      <p:par>
+        <p:cTn id="1" dur="indefinite" restart="never" nodeType="tmRoot"/>
+      </p:par>
+    </p:tnLst>
+  </p:timing>
 </p:sld>
 </file>
 
-<file path=ppt/slides/slide27.xml><?xml version="1.0" encoding="utf-8"?>
+<file path=ppt/slides/slide26.xml><?xml version="1.0" encoding="utf-8"?>
 <p:sld xmlns:a="http://schemas.openxmlformats.org/drawingml/2006/main" xmlns:r="http://schemas.openxmlformats.org/officeDocument/2006/relationships" xmlns:p="http://schemas.openxmlformats.org/presentationml/2006/main">
   <p:cSld>
     <p:spTree>
@@ -25784,10 +25679,17 @@
   <p:clrMapOvr>
     <a:masterClrMapping/>
   </p:clrMapOvr>
+  <p:timing>
+    <p:tnLst>
+      <p:par>
+        <p:cTn id="1" dur="indefinite" restart="never" nodeType="tmRoot"/>
+      </p:par>
+    </p:tnLst>
+  </p:timing>
 </p:sld>
 </file>
 
-<file path=ppt/slides/slide28.xml><?xml version="1.0" encoding="utf-8"?>
+<file path=ppt/slides/slide27.xml><?xml version="1.0" encoding="utf-8"?>
 <p:sld xmlns:a="http://schemas.openxmlformats.org/drawingml/2006/main" xmlns:r="http://schemas.openxmlformats.org/officeDocument/2006/relationships" xmlns:p="http://schemas.openxmlformats.org/presentationml/2006/main">
   <p:cSld>
     <p:spTree>
@@ -25893,10 +25795,17 @@
   <p:clrMapOvr>
     <a:masterClrMapping/>
   </p:clrMapOvr>
+  <p:timing>
+    <p:tnLst>
+      <p:par>
+        <p:cTn id="1" dur="indefinite" restart="never" nodeType="tmRoot"/>
+      </p:par>
+    </p:tnLst>
+  </p:timing>
 </p:sld>
 </file>
 
-<file path=ppt/slides/slide29.xml><?xml version="1.0" encoding="utf-8"?>
+<file path=ppt/slides/slide28.xml><?xml version="1.0" encoding="utf-8"?>
 <p:sld xmlns:a="http://schemas.openxmlformats.org/drawingml/2006/main" xmlns:r="http://schemas.openxmlformats.org/officeDocument/2006/relationships" xmlns:p="http://schemas.openxmlformats.org/presentationml/2006/main">
   <p:cSld>
     <p:spTree>
@@ -26002,6 +25911,209 @@
   <p:clrMapOvr>
     <a:masterClrMapping/>
   </p:clrMapOvr>
+  <p:timing>
+    <p:tnLst>
+      <p:par>
+        <p:cTn id="1" dur="indefinite" restart="never" nodeType="tmRoot"/>
+      </p:par>
+    </p:tnLst>
+  </p:timing>
+</p:sld>
+</file>
+
+<file path=ppt/slides/slide29.xml><?xml version="1.0" encoding="utf-8"?>
+<p:sld xmlns:a="http://schemas.openxmlformats.org/drawingml/2006/main" xmlns:r="http://schemas.openxmlformats.org/officeDocument/2006/relationships" xmlns:p="http://schemas.openxmlformats.org/presentationml/2006/main">
+  <p:cSld>
+    <p:spTree>
+      <p:nvGrpSpPr>
+        <p:cNvPr id="1" name=""/>
+        <p:cNvGrpSpPr/>
+        <p:nvPr/>
+      </p:nvGrpSpPr>
+      <p:grpSpPr>
+        <a:xfrm>
+          <a:off x="0" y="0"/>
+          <a:ext cx="0" cy="0"/>
+          <a:chOff x="0" y="0"/>
+          <a:chExt cx="0" cy="0"/>
+        </a:xfrm>
+      </p:grpSpPr>
+      <p:sp>
+        <p:nvSpPr>
+          <p:cNvPr id="2" name="Title 1"/>
+          <p:cNvSpPr>
+            <a:spLocks noGrp="1"/>
+          </p:cNvSpPr>
+          <p:nvPr>
+            <p:ph type="title"/>
+          </p:nvPr>
+        </p:nvSpPr>
+        <p:spPr/>
+        <p:txBody>
+          <a:bodyPr/>
+          <a:lstStyle/>
+          <a:p>
+            <a:r>
+              <a:rPr lang="en-US" dirty="0" err="1" smtClean="0"/>
+              <a:t>Identifikasi</a:t>
+            </a:r>
+            <a:r>
+              <a:rPr lang="en-US" dirty="0" smtClean="0"/>
+              <a:t> </a:t>
+            </a:r>
+            <a:r>
+              <a:rPr lang="en-US" dirty="0" err="1" smtClean="0"/>
+              <a:t>teknologi</a:t>
+            </a:r>
+            <a:r>
+              <a:rPr lang="en-US" dirty="0" smtClean="0"/>
+              <a:t> software </a:t>
+            </a:r>
+            <a:r>
+              <a:rPr lang="en-US" dirty="0" err="1" smtClean="0"/>
+              <a:t>apertura</a:t>
+            </a:r>
+            <a:endParaRPr lang="en-US" dirty="0"/>
+          </a:p>
+        </p:txBody>
+      </p:sp>
+      <p:sp>
+        <p:nvSpPr>
+          <p:cNvPr id="3" name="Content Placeholder 2"/>
+          <p:cNvSpPr>
+            <a:spLocks noGrp="1"/>
+          </p:cNvSpPr>
+          <p:nvPr>
+            <p:ph idx="1"/>
+          </p:nvPr>
+        </p:nvSpPr>
+        <p:spPr/>
+        <p:txBody>
+          <a:bodyPr/>
+          <a:lstStyle/>
+          <a:p>
+            <a:pPr marL="457200" indent="-457200">
+              <a:buFont typeface="+mj-lt"/>
+              <a:buAutoNum type="arabicPeriod"/>
+            </a:pPr>
+            <a:r>
+              <a:rPr lang="en-US" dirty="0" err="1" smtClean="0"/>
+              <a:t>Tersentralisasi</a:t>
+            </a:r>
+            <a:r>
+              <a:rPr lang="en-US" dirty="0" smtClean="0"/>
+              <a:t> </a:t>
+            </a:r>
+            <a:r>
+              <a:rPr lang="en-US" dirty="0" err="1" smtClean="0"/>
+              <a:t>dalam</a:t>
+            </a:r>
+            <a:r>
+              <a:rPr lang="en-US" dirty="0" smtClean="0"/>
+              <a:t> 1 </a:t>
+            </a:r>
+            <a:r>
+              <a:rPr lang="en-US" dirty="0" err="1" smtClean="0"/>
+              <a:t>buah</a:t>
+            </a:r>
+            <a:r>
+              <a:rPr lang="en-US" dirty="0" smtClean="0"/>
+              <a:t> server</a:t>
+            </a:r>
+          </a:p>
+          <a:p>
+            <a:pPr marL="457200" indent="-457200">
+              <a:buFont typeface="+mj-lt"/>
+              <a:buAutoNum type="arabicPeriod"/>
+            </a:pPr>
+            <a:r>
+              <a:rPr lang="en-US" dirty="0" err="1" smtClean="0"/>
+              <a:t>Memiliki</a:t>
+            </a:r>
+            <a:r>
+              <a:rPr lang="en-US" dirty="0" smtClean="0"/>
+              <a:t> </a:t>
+            </a:r>
+            <a:r>
+              <a:rPr lang="en-US" dirty="0" err="1" smtClean="0"/>
+              <a:t>kurang</a:t>
+            </a:r>
+            <a:r>
+              <a:rPr lang="en-US" dirty="0" smtClean="0"/>
+              <a:t> </a:t>
+            </a:r>
+            <a:r>
+              <a:rPr lang="en-US" dirty="0" err="1" smtClean="0"/>
+              <a:t>lebih</a:t>
+            </a:r>
+            <a:r>
+              <a:rPr lang="en-US" dirty="0" smtClean="0"/>
+              <a:t> 120 table </a:t>
+            </a:r>
+            <a:r>
+              <a:rPr lang="en-US" dirty="0" err="1" smtClean="0"/>
+              <a:t>dalam</a:t>
+            </a:r>
+            <a:r>
+              <a:rPr lang="en-US" dirty="0" smtClean="0"/>
+              <a:t> 1 </a:t>
+            </a:r>
+            <a:r>
+              <a:rPr lang="en-US" dirty="0" err="1" smtClean="0"/>
+              <a:t>buah</a:t>
+            </a:r>
+            <a:r>
+              <a:rPr lang="en-US" dirty="0" smtClean="0"/>
+              <a:t> database (PostgreSQL)</a:t>
+            </a:r>
+          </a:p>
+          <a:p>
+            <a:pPr marL="457200" indent="-457200">
+              <a:buFont typeface="+mj-lt"/>
+              <a:buAutoNum type="arabicPeriod"/>
+            </a:pPr>
+            <a:r>
+              <a:rPr lang="en-US" dirty="0" err="1" smtClean="0"/>
+              <a:t>Dikembangkan</a:t>
+            </a:r>
+            <a:r>
+              <a:rPr lang="en-US" dirty="0" smtClean="0"/>
+              <a:t> </a:t>
+            </a:r>
+            <a:r>
+              <a:rPr lang="en-US" dirty="0" err="1" smtClean="0"/>
+              <a:t>dalam</a:t>
+            </a:r>
+            <a:r>
+              <a:rPr lang="en-US" dirty="0" smtClean="0"/>
+              <a:t> </a:t>
+            </a:r>
+            <a:r>
+              <a:rPr lang="en-US" dirty="0" err="1" smtClean="0"/>
+              <a:t>bentuk</a:t>
+            </a:r>
+            <a:r>
+              <a:rPr lang="en-US" dirty="0" smtClean="0"/>
+              <a:t> </a:t>
+            </a:r>
+            <a:r>
+              <a:rPr lang="en-US" i="1" dirty="0" smtClean="0"/>
+              <a:t>desktop.</a:t>
+            </a:r>
+            <a:endParaRPr lang="en-US" dirty="0"/>
+          </a:p>
+        </p:txBody>
+      </p:sp>
+    </p:spTree>
+    <p:extLst>
+      <p:ext uri="{BB962C8B-B14F-4D97-AF65-F5344CB8AC3E}">
+        <p14:creationId xmlns:p14="http://schemas.microsoft.com/office/powerpoint/2010/main" val="2816860820"/>
+      </p:ext>
+    </p:extLst>
+  </p:cSld>
+  <p:clrMapOvr>
+    <a:masterClrMapping/>
+  </p:clrMapOvr>
 </p:sld>
 </file>
 
@@ -26089,7 +26201,7 @@
         <p:spPr/>
         <p:txBody>
           <a:bodyPr>
-            <a:normAutofit lnSpcReduction="10000"/>
+            <a:normAutofit/>
           </a:bodyPr>
           <a:lstStyle/>
           <a:p>
@@ -26206,7 +26318,7 @@
             </a:r>
             <a:r>
               <a:rPr lang="en-US" dirty="0" err="1" smtClean="0"/>
-              <a:t>melakukan</a:t>
+              <a:t>langkah</a:t>
             </a:r>
             <a:r>
               <a:rPr lang="en-US" dirty="0" smtClean="0"/>
@@ -26782,23 +26894,23 @@
           <a:p>
             <a:r>
               <a:rPr lang="en-US" dirty="0" err="1" smtClean="0"/>
-              <a:t>Identifikasi</a:t>
-            </a:r>
-            <a:r>
-              <a:rPr lang="en-US" dirty="0" smtClean="0"/>
-              <a:t> </a:t>
-            </a:r>
-            <a:r>
-              <a:rPr lang="en-US" dirty="0" err="1" smtClean="0"/>
-              <a:t>teknologi</a:t>
-            </a:r>
-            <a:r>
-              <a:rPr lang="en-US" dirty="0" smtClean="0"/>
-              <a:t> software </a:t>
-            </a:r>
-            <a:r>
-              <a:rPr lang="en-US" dirty="0" err="1" smtClean="0"/>
-              <a:t>apertura</a:t>
+              <a:t>Kekurangan</a:t>
+            </a:r>
+            <a:r>
+              <a:rPr lang="en-US" dirty="0" smtClean="0"/>
+              <a:t> </a:t>
+            </a:r>
+            <a:r>
+              <a:rPr lang="en-US" dirty="0" err="1" smtClean="0"/>
+              <a:t>arsitektur</a:t>
+            </a:r>
+            <a:r>
+              <a:rPr lang="en-US" dirty="0" smtClean="0"/>
+              <a:t> </a:t>
+            </a:r>
+            <a:r>
+              <a:rPr lang="en-US" dirty="0" err="1" smtClean="0"/>
+              <a:t>monolitik</a:t>
             </a:r>
             <a:endParaRPr lang="en-US" dirty="0"/>
           </a:p>
@@ -26824,29 +26936,14 @@
               <a:buAutoNum type="arabicPeriod"/>
             </a:pPr>
             <a:r>
-              <a:rPr lang="en-US" dirty="0" err="1" smtClean="0"/>
-              <a:t>Tersentralisasi</a:t>
-            </a:r>
-            <a:r>
-              <a:rPr lang="en-US" dirty="0" smtClean="0"/>
-              <a:t> </a:t>
-            </a:r>
-            <a:r>
-              <a:rPr lang="en-US" dirty="0" err="1" smtClean="0"/>
-              <a:t>dalam</a:t>
-            </a:r>
-            <a:r>
-              <a:rPr lang="en-US" dirty="0" smtClean="0"/>
-              <a:t> 1 </a:t>
-            </a:r>
-            <a:r>
-              <a:rPr lang="en-US" dirty="0" err="1" smtClean="0"/>
-              <a:t>buah</a:t>
-            </a:r>
-            <a:r>
-              <a:rPr lang="en-US" dirty="0" smtClean="0"/>
-              <a:t> server</a:t>
-            </a:r>
+              <a:rPr lang="en-US" dirty="0" smtClean="0"/>
+              <a:t>Tingkat coupling yang </a:t>
+            </a:r>
+            <a:r>
+              <a:rPr lang="en-US" dirty="0" err="1" smtClean="0"/>
+              <a:t>tinggi</a:t>
+            </a:r>
+            <a:endParaRPr lang="en-US" dirty="0" smtClean="0"/>
           </a:p>
           <a:p>
             <a:pPr marL="457200" indent="-457200">
@@ -26854,45 +26951,30 @@
               <a:buAutoNum type="arabicPeriod"/>
             </a:pPr>
             <a:r>
-              <a:rPr lang="en-US" dirty="0" err="1" smtClean="0"/>
-              <a:t>Memiliki</a:t>
-            </a:r>
-            <a:r>
-              <a:rPr lang="en-US" dirty="0" smtClean="0"/>
-              <a:t> </a:t>
-            </a:r>
-            <a:r>
-              <a:rPr lang="en-US" dirty="0" err="1" smtClean="0"/>
-              <a:t>kurang</a:t>
-            </a:r>
-            <a:r>
-              <a:rPr lang="en-US" dirty="0" smtClean="0"/>
-              <a:t> </a:t>
-            </a:r>
-            <a:r>
-              <a:rPr lang="en-US" dirty="0" err="1" smtClean="0"/>
-              <a:t>lebih</a:t>
-            </a:r>
-            <a:r>
-              <a:rPr lang="en-US" dirty="0" smtClean="0"/>
-              <a:t> 120 table </a:t>
-            </a:r>
-            <a:r>
-              <a:rPr lang="en-US" dirty="0" err="1" smtClean="0"/>
-              <a:t>dalam</a:t>
-            </a:r>
-            <a:r>
-              <a:rPr lang="en-US" dirty="0" smtClean="0"/>
-              <a:t> 1 </a:t>
-            </a:r>
-            <a:r>
-              <a:rPr lang="en-US" dirty="0" err="1" smtClean="0"/>
-              <a:t>buah</a:t>
-            </a:r>
-            <a:r>
-              <a:rPr lang="en-US" dirty="0" smtClean="0"/>
-              <a:t> database (PostgreSQL)</a:t>
-            </a:r>
+              <a:rPr lang="en-US" dirty="0" smtClean="0"/>
+              <a:t>Model </a:t>
+            </a:r>
+            <a:r>
+              <a:rPr lang="en-US" dirty="0" err="1" smtClean="0"/>
+              <a:t>penyimpanan</a:t>
+            </a:r>
+            <a:r>
+              <a:rPr lang="en-US" dirty="0" smtClean="0"/>
+              <a:t> data yang </a:t>
+            </a:r>
+            <a:r>
+              <a:rPr lang="en-US" dirty="0" err="1" smtClean="0"/>
+              <a:t>tidak</a:t>
+            </a:r>
+            <a:r>
+              <a:rPr lang="en-US" dirty="0" smtClean="0"/>
+              <a:t> </a:t>
+            </a:r>
+            <a:r>
+              <a:rPr lang="en-US" dirty="0" err="1" smtClean="0"/>
+              <a:t>baik</a:t>
+            </a:r>
+            <a:endParaRPr lang="en-US" dirty="0" smtClean="0"/>
           </a:p>
           <a:p>
             <a:pPr marL="457200" indent="-457200">
@@ -26901,31 +26983,102 @@
             </a:pPr>
             <a:r>
               <a:rPr lang="en-US" dirty="0" err="1" smtClean="0"/>
-              <a:t>Dikembangkan</a:t>
-            </a:r>
-            <a:r>
-              <a:rPr lang="en-US" dirty="0" smtClean="0"/>
-              <a:t> </a:t>
-            </a:r>
-            <a:r>
-              <a:rPr lang="en-US" dirty="0" err="1" smtClean="0"/>
-              <a:t>dalam</a:t>
-            </a:r>
-            <a:r>
-              <a:rPr lang="en-US" dirty="0" smtClean="0"/>
-              <a:t> </a:t>
-            </a:r>
-            <a:r>
-              <a:rPr lang="en-US" dirty="0" err="1" smtClean="0"/>
-              <a:t>bentuk</a:t>
-            </a:r>
-            <a:r>
-              <a:rPr lang="en-US" dirty="0" smtClean="0"/>
-              <a:t> </a:t>
-            </a:r>
-            <a:r>
-              <a:rPr lang="en-US" i="1" dirty="0" smtClean="0"/>
-              <a:t>desktop.</a:t>
+              <a:t>Isu</a:t>
+            </a:r>
+            <a:r>
+              <a:rPr lang="en-US" dirty="0" smtClean="0"/>
+              <a:t> </a:t>
+            </a:r>
+            <a:r>
+              <a:rPr lang="en-US" dirty="0" err="1" smtClean="0"/>
+              <a:t>keamanan</a:t>
+            </a:r>
+            <a:r>
+              <a:rPr lang="en-US" dirty="0" smtClean="0"/>
+              <a:t> yang </a:t>
+            </a:r>
+            <a:r>
+              <a:rPr lang="en-US" dirty="0" err="1" smtClean="0"/>
+              <a:t>tinggi</a:t>
+            </a:r>
+            <a:endParaRPr lang="en-US" dirty="0" smtClean="0"/>
+          </a:p>
+          <a:p>
+            <a:pPr marL="457200" indent="-457200">
+              <a:buFont typeface="+mj-lt"/>
+              <a:buAutoNum type="arabicPeriod"/>
+            </a:pPr>
+            <a:r>
+              <a:rPr lang="en-US" dirty="0" err="1" smtClean="0"/>
+              <a:t>Sistem</a:t>
+            </a:r>
+            <a:r>
+              <a:rPr lang="en-US" dirty="0" smtClean="0"/>
+              <a:t> </a:t>
+            </a:r>
+            <a:r>
+              <a:rPr lang="en-US" dirty="0" err="1" smtClean="0"/>
+              <a:t>tidak</a:t>
+            </a:r>
+            <a:r>
+              <a:rPr lang="en-US" dirty="0" smtClean="0"/>
+              <a:t> </a:t>
+            </a:r>
+            <a:r>
+              <a:rPr lang="en-US" dirty="0" err="1" smtClean="0"/>
+              <a:t>memberikan</a:t>
+            </a:r>
+            <a:r>
+              <a:rPr lang="en-US" dirty="0" smtClean="0"/>
+              <a:t> </a:t>
+            </a:r>
+            <a:r>
+              <a:rPr lang="en-US" dirty="0" err="1" smtClean="0"/>
+              <a:t>performa</a:t>
+            </a:r>
+            <a:r>
+              <a:rPr lang="en-US" dirty="0" smtClean="0"/>
+              <a:t> yang </a:t>
+            </a:r>
+            <a:r>
+              <a:rPr lang="en-US" dirty="0" err="1" smtClean="0"/>
+              <a:t>cukup</a:t>
+            </a:r>
+            <a:r>
+              <a:rPr lang="en-US" dirty="0" smtClean="0"/>
+              <a:t> </a:t>
+            </a:r>
+            <a:r>
+              <a:rPr lang="en-US" dirty="0" err="1" smtClean="0"/>
+              <a:t>baik</a:t>
+            </a:r>
+            <a:r>
+              <a:rPr lang="en-US" dirty="0" smtClean="0"/>
+              <a:t> </a:t>
+            </a:r>
+            <a:r>
+              <a:rPr lang="en-US" dirty="0" err="1" smtClean="0"/>
+              <a:t>ketika</a:t>
+            </a:r>
+            <a:r>
+              <a:rPr lang="en-US" dirty="0" smtClean="0"/>
+              <a:t> </a:t>
+            </a:r>
+            <a:r>
+              <a:rPr lang="en-US" dirty="0" err="1" smtClean="0"/>
+              <a:t>menangani</a:t>
+            </a:r>
+            <a:r>
+              <a:rPr lang="en-US" dirty="0" smtClean="0"/>
+              <a:t> </a:t>
+            </a:r>
+            <a:r>
+              <a:rPr lang="en-US" dirty="0" err="1" smtClean="0"/>
+              <a:t>banyak</a:t>
+            </a:r>
+            <a:r>
+              <a:rPr lang="en-US" dirty="0" smtClean="0"/>
+              <a:t> user</a:t>
             </a:r>
             <a:endParaRPr lang="en-US" dirty="0"/>
           </a:p>
@@ -26934,7 +27087,7 @@
     </p:spTree>
     <p:extLst>
       <p:ext uri="{BB962C8B-B14F-4D97-AF65-F5344CB8AC3E}">
-        <p14:creationId xmlns:p14="http://schemas.microsoft.com/office/powerpoint/2010/main" val="2816860820"/>
+        <p14:creationId xmlns:p14="http://schemas.microsoft.com/office/powerpoint/2010/main" val="3299405687"/>
       </p:ext>
     </p:extLst>
   </p:cSld>
@@ -26978,243 +27131,6 @@
           <a:p>
             <a:r>
               <a:rPr lang="en-US" dirty="0" err="1" smtClean="0"/>
-              <a:t>Kekurangan</a:t>
-            </a:r>
-            <a:r>
-              <a:rPr lang="en-US" dirty="0" smtClean="0"/>
-              <a:t> </a:t>
-            </a:r>
-            <a:r>
-              <a:rPr lang="en-US" dirty="0" err="1" smtClean="0"/>
-              <a:t>arsitektur</a:t>
-            </a:r>
-            <a:r>
-              <a:rPr lang="en-US" dirty="0" smtClean="0"/>
-              <a:t> </a:t>
-            </a:r>
-            <a:r>
-              <a:rPr lang="en-US" dirty="0" err="1" smtClean="0"/>
-              <a:t>monolitik</a:t>
-            </a:r>
-            <a:endParaRPr lang="en-US" dirty="0"/>
-          </a:p>
-        </p:txBody>
-      </p:sp>
-      <p:sp>
-        <p:nvSpPr>
-          <p:cNvPr id="3" name="Content Placeholder 2"/>
-          <p:cNvSpPr>
-            <a:spLocks noGrp="1"/>
-          </p:cNvSpPr>
-          <p:nvPr>
-            <p:ph idx="1"/>
-          </p:nvPr>
-        </p:nvSpPr>
-        <p:spPr/>
-        <p:txBody>
-          <a:bodyPr/>
-          <a:lstStyle/>
-          <a:p>
-            <a:pPr marL="457200" indent="-457200">
-              <a:buFont typeface="+mj-lt"/>
-              <a:buAutoNum type="arabicPeriod"/>
-            </a:pPr>
-            <a:r>
-              <a:rPr lang="en-US" dirty="0" smtClean="0"/>
-              <a:t>Tingkat coupling yang </a:t>
-            </a:r>
-            <a:r>
-              <a:rPr lang="en-US" dirty="0" err="1" smtClean="0"/>
-              <a:t>tinggi</a:t>
-            </a:r>
-            <a:endParaRPr lang="en-US" dirty="0" smtClean="0"/>
-          </a:p>
-          <a:p>
-            <a:pPr marL="457200" indent="-457200">
-              <a:buFont typeface="+mj-lt"/>
-              <a:buAutoNum type="arabicPeriod"/>
-            </a:pPr>
-            <a:r>
-              <a:rPr lang="en-US" dirty="0" smtClean="0"/>
-              <a:t>Model </a:t>
-            </a:r>
-            <a:r>
-              <a:rPr lang="en-US" dirty="0" err="1" smtClean="0"/>
-              <a:t>penyimpanan</a:t>
-            </a:r>
-            <a:r>
-              <a:rPr lang="en-US" dirty="0" smtClean="0"/>
-              <a:t> data yang </a:t>
-            </a:r>
-            <a:r>
-              <a:rPr lang="en-US" dirty="0" err="1" smtClean="0"/>
-              <a:t>tidak</a:t>
-            </a:r>
-            <a:r>
-              <a:rPr lang="en-US" dirty="0" smtClean="0"/>
-              <a:t> </a:t>
-            </a:r>
-            <a:r>
-              <a:rPr lang="en-US" dirty="0" err="1" smtClean="0"/>
-              <a:t>baik</a:t>
-            </a:r>
-            <a:endParaRPr lang="en-US" dirty="0" smtClean="0"/>
-          </a:p>
-          <a:p>
-            <a:pPr marL="457200" indent="-457200">
-              <a:buFont typeface="+mj-lt"/>
-              <a:buAutoNum type="arabicPeriod"/>
-            </a:pPr>
-            <a:r>
-              <a:rPr lang="en-US" dirty="0" err="1" smtClean="0"/>
-              <a:t>Isu</a:t>
-            </a:r>
-            <a:r>
-              <a:rPr lang="en-US" dirty="0" smtClean="0"/>
-              <a:t> </a:t>
-            </a:r>
-            <a:r>
-              <a:rPr lang="en-US" dirty="0" err="1" smtClean="0"/>
-              <a:t>keamanan</a:t>
-            </a:r>
-            <a:r>
-              <a:rPr lang="en-US" dirty="0" smtClean="0"/>
-              <a:t> yang </a:t>
-            </a:r>
-            <a:r>
-              <a:rPr lang="en-US" dirty="0" err="1" smtClean="0"/>
-              <a:t>tinggi</a:t>
-            </a:r>
-            <a:endParaRPr lang="en-US" dirty="0" smtClean="0"/>
-          </a:p>
-          <a:p>
-            <a:pPr marL="457200" indent="-457200">
-              <a:buFont typeface="+mj-lt"/>
-              <a:buAutoNum type="arabicPeriod"/>
-            </a:pPr>
-            <a:r>
-              <a:rPr lang="en-US" dirty="0" err="1" smtClean="0"/>
-              <a:t>Sistem</a:t>
-            </a:r>
-            <a:r>
-              <a:rPr lang="en-US" dirty="0" smtClean="0"/>
-              <a:t> </a:t>
-            </a:r>
-            <a:r>
-              <a:rPr lang="en-US" dirty="0" err="1" smtClean="0"/>
-              <a:t>tidak</a:t>
-            </a:r>
-            <a:r>
-              <a:rPr lang="en-US" dirty="0" smtClean="0"/>
-              <a:t> </a:t>
-            </a:r>
-            <a:r>
-              <a:rPr lang="en-US" dirty="0" err="1" smtClean="0"/>
-              <a:t>memberikan</a:t>
-            </a:r>
-            <a:r>
-              <a:rPr lang="en-US" dirty="0" smtClean="0"/>
-              <a:t> </a:t>
-            </a:r>
-            <a:r>
-              <a:rPr lang="en-US" dirty="0" err="1" smtClean="0"/>
-              <a:t>performa</a:t>
-            </a:r>
-            <a:r>
-              <a:rPr lang="en-US" dirty="0" smtClean="0"/>
-              <a:t> yang </a:t>
-            </a:r>
-            <a:r>
-              <a:rPr lang="en-US" dirty="0" err="1" smtClean="0"/>
-              <a:t>cukup</a:t>
-            </a:r>
-            <a:r>
-              <a:rPr lang="en-US" dirty="0" smtClean="0"/>
-              <a:t> </a:t>
-            </a:r>
-            <a:r>
-              <a:rPr lang="en-US" dirty="0" err="1" smtClean="0"/>
-              <a:t>baik</a:t>
-            </a:r>
-            <a:r>
-              <a:rPr lang="en-US" dirty="0" smtClean="0"/>
-              <a:t> </a:t>
-            </a:r>
-            <a:r>
-              <a:rPr lang="en-US" dirty="0" err="1" smtClean="0"/>
-              <a:t>ketika</a:t>
-            </a:r>
-            <a:r>
-              <a:rPr lang="en-US" dirty="0" smtClean="0"/>
-              <a:t> </a:t>
-            </a:r>
-            <a:r>
-              <a:rPr lang="en-US" dirty="0" err="1" smtClean="0"/>
-              <a:t>menangani</a:t>
-            </a:r>
-            <a:r>
-              <a:rPr lang="en-US" dirty="0" smtClean="0"/>
-              <a:t> </a:t>
-            </a:r>
-            <a:r>
-              <a:rPr lang="en-US" dirty="0" err="1" smtClean="0"/>
-              <a:t>banyak</a:t>
-            </a:r>
-            <a:r>
-              <a:rPr lang="en-US" dirty="0" smtClean="0"/>
-              <a:t> user</a:t>
-            </a:r>
-            <a:endParaRPr lang="en-US" dirty="0"/>
-          </a:p>
-        </p:txBody>
-      </p:sp>
-    </p:spTree>
-    <p:extLst>
-      <p:ext uri="{BB962C8B-B14F-4D97-AF65-F5344CB8AC3E}">
-        <p14:creationId xmlns:p14="http://schemas.microsoft.com/office/powerpoint/2010/main" val="3299405687"/>
-      </p:ext>
-    </p:extLst>
-  </p:cSld>
-  <p:clrMapOvr>
-    <a:masterClrMapping/>
-  </p:clrMapOvr>
-</p:sld>
-</file>
-
-<file path=ppt/slides/slide32.xml><?xml version="1.0" encoding="utf-8"?>
-<p:sld xmlns:a="http://schemas.openxmlformats.org/drawingml/2006/main" xmlns:r="http://schemas.openxmlformats.org/officeDocument/2006/relationships" xmlns:p="http://schemas.openxmlformats.org/presentationml/2006/main">
-  <p:cSld>
-    <p:spTree>
-      <p:nvGrpSpPr>
-        <p:cNvPr id="1" name=""/>
-        <p:cNvGrpSpPr/>
-        <p:nvPr/>
-      </p:nvGrpSpPr>
-      <p:grpSpPr>
-        <a:xfrm>
-          <a:off x="0" y="0"/>
-          <a:ext cx="0" cy="0"/>
-          <a:chOff x="0" y="0"/>
-          <a:chExt cx="0" cy="0"/>
-        </a:xfrm>
-      </p:grpSpPr>
-      <p:sp>
-        <p:nvSpPr>
-          <p:cNvPr id="2" name="Title 1"/>
-          <p:cNvSpPr>
-            <a:spLocks noGrp="1"/>
-          </p:cNvSpPr>
-          <p:nvPr>
-            <p:ph type="title"/>
-          </p:nvPr>
-        </p:nvSpPr>
-        <p:spPr/>
-        <p:txBody>
-          <a:bodyPr/>
-          <a:lstStyle/>
-          <a:p>
-            <a:r>
-              <a:rPr lang="en-US" dirty="0" err="1" smtClean="0"/>
               <a:t>Perancangan</a:t>
             </a:r>
             <a:endParaRPr lang="en-US" dirty="0"/>
@@ -27516,7 +27432,7 @@
 </p:sld>
 </file>
 
-<file path=ppt/slides/slide33.xml><?xml version="1.0" encoding="utf-8"?>
+<file path=ppt/slides/slide32.xml><?xml version="1.0" encoding="utf-8"?>
 <p:sld xmlns:a="http://schemas.openxmlformats.org/drawingml/2006/main" xmlns:r="http://schemas.openxmlformats.org/officeDocument/2006/relationships" xmlns:p="http://schemas.openxmlformats.org/presentationml/2006/main">
   <p:cSld>
     <p:spTree>
@@ -27609,6 +27525,304 @@
 </p:sld>
 </file>
 
+<file path=ppt/slides/slide33.xml><?xml version="1.0" encoding="utf-8"?>
+<p:sld xmlns:a="http://schemas.openxmlformats.org/drawingml/2006/main" xmlns:r="http://schemas.openxmlformats.org/officeDocument/2006/relationships" xmlns:p="http://schemas.openxmlformats.org/presentationml/2006/main">
+  <p:cSld>
+    <p:spTree>
+      <p:nvGrpSpPr>
+        <p:cNvPr id="1" name=""/>
+        <p:cNvGrpSpPr/>
+        <p:nvPr/>
+      </p:nvGrpSpPr>
+      <p:grpSpPr>
+        <a:xfrm>
+          <a:off x="0" y="0"/>
+          <a:ext cx="0" cy="0"/>
+          <a:chOff x="0" y="0"/>
+          <a:chExt cx="0" cy="0"/>
+        </a:xfrm>
+      </p:grpSpPr>
+      <p:sp>
+        <p:nvSpPr>
+          <p:cNvPr id="2" name="Title 1"/>
+          <p:cNvSpPr>
+            <a:spLocks noGrp="1"/>
+          </p:cNvSpPr>
+          <p:nvPr>
+            <p:ph type="title"/>
+          </p:nvPr>
+        </p:nvSpPr>
+        <p:spPr/>
+        <p:txBody>
+          <a:bodyPr/>
+          <a:lstStyle/>
+          <a:p>
+            <a:r>
+              <a:rPr lang="en-US" dirty="0" err="1" smtClean="0"/>
+              <a:t>perancangan</a:t>
+            </a:r>
+            <a:endParaRPr lang="en-US" dirty="0"/>
+          </a:p>
+        </p:txBody>
+      </p:sp>
+      <p:sp>
+        <p:nvSpPr>
+          <p:cNvPr id="3" name="Content Placeholder 2"/>
+          <p:cNvSpPr>
+            <a:spLocks noGrp="1"/>
+          </p:cNvSpPr>
+          <p:nvPr>
+            <p:ph idx="1"/>
+          </p:nvPr>
+        </p:nvSpPr>
+        <p:spPr/>
+        <p:txBody>
+          <a:bodyPr/>
+          <a:lstStyle/>
+          <a:p>
+            <a:pPr marL="457200" indent="-457200">
+              <a:buFont typeface="+mj-lt"/>
+              <a:buAutoNum type="arabicPeriod"/>
+            </a:pPr>
+            <a:r>
+              <a:rPr lang="en-US" dirty="0" smtClean="0"/>
+              <a:t>Model </a:t>
+            </a:r>
+            <a:r>
+              <a:rPr lang="en-US" dirty="0" err="1" smtClean="0"/>
+              <a:t>penyimpanan</a:t>
+            </a:r>
+            <a:r>
+              <a:rPr lang="en-US" dirty="0" smtClean="0"/>
+              <a:t> data : Database per service.</a:t>
+            </a:r>
+          </a:p>
+          <a:p>
+            <a:pPr marL="457200" indent="-457200">
+              <a:buFont typeface="+mj-lt"/>
+              <a:buAutoNum type="arabicPeriod"/>
+            </a:pPr>
+            <a:r>
+              <a:rPr lang="en-US" dirty="0" err="1" smtClean="0"/>
+              <a:t>Pemilihan</a:t>
+            </a:r>
+            <a:r>
+              <a:rPr lang="en-US" dirty="0" smtClean="0"/>
+              <a:t> server basis data : PostgreSQL &amp; MongoDB (</a:t>
+            </a:r>
+            <a:r>
+              <a:rPr lang="en-US" dirty="0" err="1" smtClean="0"/>
+              <a:t>untuk</a:t>
+            </a:r>
+            <a:r>
+              <a:rPr lang="en-US" dirty="0" smtClean="0"/>
+              <a:t> </a:t>
+            </a:r>
+            <a:r>
+              <a:rPr lang="en-US" dirty="0" err="1" smtClean="0"/>
+              <a:t>kasus</a:t>
+            </a:r>
+            <a:r>
+              <a:rPr lang="en-US" dirty="0" smtClean="0"/>
+              <a:t> </a:t>
+            </a:r>
+            <a:r>
+              <a:rPr lang="en-US" dirty="0" err="1" smtClean="0"/>
+              <a:t>penyimpanan</a:t>
+            </a:r>
+            <a:r>
+              <a:rPr lang="en-US" dirty="0" smtClean="0"/>
+              <a:t> multimedia, </a:t>
+            </a:r>
+            <a:r>
+              <a:rPr lang="en-US" dirty="0" err="1" smtClean="0"/>
+              <a:t>karena</a:t>
+            </a:r>
+            <a:r>
+              <a:rPr lang="en-US" dirty="0" smtClean="0"/>
+              <a:t> </a:t>
+            </a:r>
+            <a:r>
+              <a:rPr lang="en-US" dirty="0" err="1" smtClean="0"/>
+              <a:t>dinilai</a:t>
+            </a:r>
+            <a:r>
+              <a:rPr lang="en-US" dirty="0" smtClean="0"/>
+              <a:t> </a:t>
+            </a:r>
+            <a:r>
+              <a:rPr lang="en-US" dirty="0" err="1" smtClean="0"/>
+              <a:t>mudah</a:t>
+            </a:r>
+            <a:r>
+              <a:rPr lang="en-US" dirty="0" smtClean="0"/>
+              <a:t>, </a:t>
+            </a:r>
+            <a:r>
+              <a:rPr lang="en-US" dirty="0" err="1" smtClean="0"/>
+              <a:t>cepat</a:t>
+            </a:r>
+            <a:r>
+              <a:rPr lang="en-US" dirty="0" smtClean="0"/>
+              <a:t>, </a:t>
+            </a:r>
+            <a:r>
+              <a:rPr lang="en-US" dirty="0" err="1" smtClean="0"/>
+              <a:t>dan</a:t>
+            </a:r>
+            <a:r>
+              <a:rPr lang="en-US" dirty="0" smtClean="0"/>
+              <a:t> </a:t>
+            </a:r>
+            <a:r>
+              <a:rPr lang="en-US" i="1" dirty="0" smtClean="0"/>
+              <a:t>open source</a:t>
+            </a:r>
+            <a:r>
+              <a:rPr lang="en-US" dirty="0" smtClean="0"/>
+              <a:t>).</a:t>
+            </a:r>
+            <a:endParaRPr lang="en-US" dirty="0" smtClean="0"/>
+          </a:p>
+          <a:p>
+            <a:pPr marL="457200" indent="-457200">
+              <a:buFont typeface="+mj-lt"/>
+              <a:buAutoNum type="arabicPeriod"/>
+            </a:pPr>
+            <a:r>
+              <a:rPr lang="en-US" dirty="0" err="1" smtClean="0"/>
+              <a:t>Komunikasi</a:t>
+            </a:r>
+            <a:r>
+              <a:rPr lang="en-US" dirty="0" smtClean="0"/>
+              <a:t> </a:t>
+            </a:r>
+            <a:r>
+              <a:rPr lang="en-US" dirty="0" err="1" smtClean="0"/>
+              <a:t>antar</a:t>
+            </a:r>
+            <a:r>
+              <a:rPr lang="en-US" dirty="0" smtClean="0"/>
+              <a:t> service : </a:t>
+            </a:r>
+            <a:r>
+              <a:rPr lang="en-US" i="1" dirty="0" smtClean="0"/>
+              <a:t>RESTful Web-service </a:t>
+            </a:r>
+            <a:r>
+              <a:rPr lang="en-US" dirty="0" err="1" smtClean="0"/>
+              <a:t>dengan</a:t>
+            </a:r>
+            <a:r>
+              <a:rPr lang="en-US" dirty="0" smtClean="0"/>
+              <a:t> </a:t>
+            </a:r>
+            <a:r>
+              <a:rPr lang="en-US" dirty="0" err="1" smtClean="0"/>
+              <a:t>fomat</a:t>
+            </a:r>
+            <a:r>
+              <a:rPr lang="en-US" dirty="0" smtClean="0"/>
+              <a:t> data JSON</a:t>
+            </a:r>
+            <a:r>
+              <a:rPr lang="en-US" i="1" dirty="0" smtClean="0"/>
+              <a:t>.</a:t>
+            </a:r>
+            <a:endParaRPr lang="en-US" dirty="0" smtClean="0"/>
+          </a:p>
+          <a:p>
+            <a:pPr marL="457200" indent="-457200">
+              <a:buFont typeface="+mj-lt"/>
+              <a:buAutoNum type="arabicPeriod"/>
+            </a:pPr>
+            <a:r>
+              <a:rPr lang="en-US" dirty="0" err="1" smtClean="0"/>
+              <a:t>Rancangan</a:t>
+            </a:r>
+            <a:r>
+              <a:rPr lang="en-US" dirty="0" smtClean="0"/>
+              <a:t> deployment : </a:t>
+            </a:r>
+            <a:r>
+              <a:rPr lang="en-US" dirty="0" err="1" smtClean="0"/>
+              <a:t>Mulitple</a:t>
+            </a:r>
+            <a:r>
+              <a:rPr lang="en-US" dirty="0" smtClean="0"/>
+              <a:t> service per host </a:t>
+            </a:r>
+            <a:r>
+              <a:rPr lang="en-US" dirty="0" err="1" smtClean="0"/>
+              <a:t>dalam</a:t>
+            </a:r>
+            <a:r>
+              <a:rPr lang="en-US" dirty="0" smtClean="0"/>
+              <a:t> </a:t>
+            </a:r>
+            <a:r>
+              <a:rPr lang="en-US" dirty="0" err="1" smtClean="0"/>
+              <a:t>beberapa</a:t>
+            </a:r>
+            <a:r>
+              <a:rPr lang="en-US" dirty="0" smtClean="0"/>
+              <a:t> host (server).</a:t>
+            </a:r>
+          </a:p>
+          <a:p>
+            <a:pPr marL="457200" indent="-457200">
+              <a:buFont typeface="+mj-lt"/>
+              <a:buAutoNum type="arabicPeriod"/>
+            </a:pPr>
+            <a:r>
+              <a:rPr lang="en-US" dirty="0" err="1" smtClean="0"/>
+              <a:t>Pengujian</a:t>
+            </a:r>
+            <a:r>
+              <a:rPr lang="en-US" dirty="0" smtClean="0"/>
+              <a:t> : Test-plan </a:t>
+            </a:r>
+            <a:r>
+              <a:rPr lang="en-US" dirty="0" err="1" smtClean="0"/>
+              <a:t>dan</a:t>
+            </a:r>
+            <a:r>
+              <a:rPr lang="en-US" dirty="0" smtClean="0"/>
+              <a:t> </a:t>
+            </a:r>
+            <a:r>
+              <a:rPr lang="en-US" dirty="0" err="1" smtClean="0"/>
+              <a:t>didokumentasikan</a:t>
+            </a:r>
+            <a:r>
+              <a:rPr lang="en-US" dirty="0" smtClean="0"/>
+              <a:t> </a:t>
+            </a:r>
+            <a:r>
+              <a:rPr lang="en-US" dirty="0" err="1" smtClean="0"/>
+              <a:t>dalam</a:t>
+            </a:r>
+            <a:r>
+              <a:rPr lang="en-US" dirty="0" smtClean="0"/>
+              <a:t> traceability matrix.</a:t>
+            </a:r>
+            <a:endParaRPr lang="en-US" dirty="0"/>
+          </a:p>
+        </p:txBody>
+      </p:sp>
+    </p:spTree>
+    <p:extLst>
+      <p:ext uri="{BB962C8B-B14F-4D97-AF65-F5344CB8AC3E}">
+        <p14:creationId xmlns:p14="http://schemas.microsoft.com/office/powerpoint/2010/main" val="886435063"/>
+      </p:ext>
+    </p:extLst>
+  </p:cSld>
+  <p:clrMapOvr>
+    <a:masterClrMapping/>
+  </p:clrMapOvr>
+</p:sld>
+</file>
+
 <file path=ppt/slides/slide34.xml><?xml version="1.0" encoding="utf-8"?>
 <p:sld xmlns:a="http://schemas.openxmlformats.org/drawingml/2006/main" xmlns:r="http://schemas.openxmlformats.org/officeDocument/2006/relationships" xmlns:p="http://schemas.openxmlformats.org/presentationml/2006/main">
   <p:cSld>
@@ -27643,7 +27857,15 @@
           <a:p>
             <a:r>
               <a:rPr lang="en-US" dirty="0" err="1" smtClean="0"/>
-              <a:t>perancangan</a:t>
+              <a:t>Batasan</a:t>
+            </a:r>
+            <a:r>
+              <a:rPr lang="en-US" dirty="0" smtClean="0"/>
+              <a:t> </a:t>
+            </a:r>
+            <a:r>
+              <a:rPr lang="en-US" dirty="0" err="1" smtClean="0"/>
+              <a:t>implementasi</a:t>
             </a:r>
             <a:endParaRPr lang="en-US" dirty="0"/>
           </a:p>
@@ -27670,143 +27892,35 @@
             </a:pPr>
             <a:r>
               <a:rPr lang="en-US" dirty="0" smtClean="0"/>
-              <a:t>Model </a:t>
-            </a:r>
-            <a:r>
-              <a:rPr lang="en-US" dirty="0" err="1" smtClean="0"/>
-              <a:t>penyimpanan</a:t>
-            </a:r>
-            <a:r>
-              <a:rPr lang="en-US" dirty="0" smtClean="0"/>
-              <a:t> data : Database per service.</a:t>
-            </a:r>
-          </a:p>
-          <a:p>
-            <a:pPr marL="457200" indent="-457200">
-              <a:buFont typeface="+mj-lt"/>
-              <a:buAutoNum type="arabicPeriod"/>
-            </a:pPr>
-            <a:r>
-              <a:rPr lang="en-US" dirty="0" err="1" smtClean="0"/>
-              <a:t>Pemilihan</a:t>
-            </a:r>
-            <a:r>
-              <a:rPr lang="en-US" dirty="0" smtClean="0"/>
-              <a:t> server basis data : PostgreSQL &amp; MongoDB (</a:t>
-            </a:r>
-            <a:r>
-              <a:rPr lang="en-US" dirty="0" err="1" smtClean="0"/>
-              <a:t>untuk</a:t>
-            </a:r>
-            <a:r>
-              <a:rPr lang="en-US" dirty="0" smtClean="0"/>
-              <a:t> </a:t>
-            </a:r>
-            <a:r>
-              <a:rPr lang="en-US" dirty="0" err="1" smtClean="0"/>
-              <a:t>kasus</a:t>
-            </a:r>
-            <a:r>
-              <a:rPr lang="en-US" dirty="0" smtClean="0"/>
-              <a:t> </a:t>
-            </a:r>
-            <a:r>
-              <a:rPr lang="en-US" dirty="0" err="1" smtClean="0"/>
-              <a:t>penyimpanan</a:t>
-            </a:r>
-            <a:r>
-              <a:rPr lang="en-US" dirty="0" smtClean="0"/>
-              <a:t> multimedia, </a:t>
-            </a:r>
-            <a:r>
-              <a:rPr lang="en-US" dirty="0" err="1" smtClean="0"/>
-              <a:t>karena</a:t>
-            </a:r>
-            <a:r>
-              <a:rPr lang="en-US" dirty="0" smtClean="0"/>
-              <a:t> </a:t>
-            </a:r>
-            <a:r>
-              <a:rPr lang="en-US" dirty="0" err="1" smtClean="0"/>
-              <a:t>dinilai</a:t>
-            </a:r>
-            <a:r>
-              <a:rPr lang="en-US" dirty="0" smtClean="0"/>
-              <a:t> </a:t>
-            </a:r>
-            <a:r>
-              <a:rPr lang="en-US" dirty="0" err="1" smtClean="0"/>
-              <a:t>mudah</a:t>
-            </a:r>
-            <a:r>
-              <a:rPr lang="en-US" dirty="0" smtClean="0"/>
-              <a:t>, </a:t>
-            </a:r>
-            <a:r>
-              <a:rPr lang="en-US" dirty="0" err="1" smtClean="0"/>
-              <a:t>cepat</a:t>
-            </a:r>
-            <a:r>
-              <a:rPr lang="en-US" dirty="0" smtClean="0"/>
-              <a:t>, </a:t>
-            </a:r>
-            <a:r>
-              <a:rPr lang="en-US" dirty="0" err="1" smtClean="0"/>
-              <a:t>dan</a:t>
-            </a:r>
-            <a:r>
-              <a:rPr lang="en-US" dirty="0" smtClean="0"/>
-              <a:t> </a:t>
-            </a:r>
-            <a:r>
-              <a:rPr lang="en-US" i="1" dirty="0" smtClean="0"/>
-              <a:t>open source).</a:t>
-            </a:r>
-          </a:p>
-          <a:p>
-            <a:pPr marL="457200" indent="-457200">
-              <a:buFont typeface="+mj-lt"/>
-              <a:buAutoNum type="arabicPeriod"/>
-            </a:pPr>
-            <a:r>
-              <a:rPr lang="en-US" dirty="0" err="1" smtClean="0"/>
-              <a:t>Komunikasi</a:t>
-            </a:r>
-            <a:r>
-              <a:rPr lang="en-US" dirty="0" smtClean="0"/>
-              <a:t> </a:t>
-            </a:r>
-            <a:r>
-              <a:rPr lang="en-US" dirty="0" err="1" smtClean="0"/>
-              <a:t>antar</a:t>
-            </a:r>
-            <a:r>
-              <a:rPr lang="en-US" dirty="0" smtClean="0"/>
-              <a:t> service : </a:t>
-            </a:r>
-            <a:r>
-              <a:rPr lang="en-US" i="1" dirty="0" smtClean="0"/>
-              <a:t>RESTful Web-service </a:t>
-            </a:r>
-            <a:r>
-              <a:rPr lang="en-US" dirty="0" err="1" smtClean="0"/>
-              <a:t>dengan</a:t>
-            </a:r>
-            <a:r>
-              <a:rPr lang="en-US" dirty="0" smtClean="0"/>
-              <a:t> </a:t>
-            </a:r>
-            <a:r>
-              <a:rPr lang="en-US" dirty="0" err="1" smtClean="0"/>
-              <a:t>fomat</a:t>
-            </a:r>
-            <a:r>
-              <a:rPr lang="en-US" dirty="0" smtClean="0"/>
-              <a:t> data JSON</a:t>
-            </a:r>
-            <a:r>
-              <a:rPr lang="en-US" i="1" dirty="0" smtClean="0"/>
-              <a:t>.</a:t>
+              <a:t>Server yang </a:t>
+            </a:r>
+            <a:r>
+              <a:rPr lang="en-US" dirty="0" err="1" smtClean="0"/>
+              <a:t>tersedia</a:t>
+            </a:r>
+            <a:r>
+              <a:rPr lang="en-US" dirty="0" smtClean="0"/>
+              <a:t> </a:t>
+            </a:r>
+            <a:r>
+              <a:rPr lang="en-US" dirty="0" err="1" smtClean="0"/>
+              <a:t>hanya</a:t>
+            </a:r>
+            <a:r>
+              <a:rPr lang="en-US" dirty="0" smtClean="0"/>
+              <a:t> </a:t>
+            </a:r>
+            <a:r>
+              <a:rPr lang="en-US" dirty="0" err="1" smtClean="0"/>
+              <a:t>terdapat</a:t>
+            </a:r>
+            <a:r>
+              <a:rPr lang="en-US" dirty="0" smtClean="0"/>
+              <a:t> 2 </a:t>
+            </a:r>
+            <a:r>
+              <a:rPr lang="en-US" dirty="0" err="1" smtClean="0"/>
+              <a:t>buah</a:t>
             </a:r>
             <a:endParaRPr lang="en-US" dirty="0" smtClean="0"/>
           </a:p>
@@ -27816,20 +27930,16 @@
               <a:buAutoNum type="arabicPeriod"/>
             </a:pPr>
             <a:r>
-              <a:rPr lang="en-US" dirty="0" err="1" smtClean="0"/>
-              <a:t>Rancangan</a:t>
-            </a:r>
-            <a:r>
-              <a:rPr lang="en-US" dirty="0" smtClean="0"/>
-              <a:t> deployment : </a:t>
-            </a:r>
-            <a:r>
-              <a:rPr lang="en-US" dirty="0" err="1" smtClean="0"/>
-              <a:t>Mulitple</a:t>
-            </a:r>
-            <a:r>
-              <a:rPr lang="en-US" dirty="0" smtClean="0"/>
-              <a:t> service per host </a:t>
+              <a:rPr lang="en-US" dirty="0" smtClean="0"/>
+              <a:t>Deployment yang </a:t>
+            </a:r>
+            <a:r>
+              <a:rPr lang="en-US" dirty="0" err="1" smtClean="0"/>
+              <a:t>dilakukan</a:t>
+            </a:r>
+            <a:r>
+              <a:rPr lang="en-US" dirty="0" smtClean="0"/>
+              <a:t> </a:t>
             </a:r>
             <a:r>
               <a:rPr lang="en-US" dirty="0" err="1" smtClean="0"/>
@@ -27837,62 +27947,71 @@
             </a:r>
             <a:r>
               <a:rPr lang="en-US" dirty="0" smtClean="0"/>
-              <a:t> </a:t>
-            </a:r>
-            <a:r>
-              <a:rPr lang="en-US" dirty="0" err="1" smtClean="0"/>
-              <a:t>beberapa</a:t>
-            </a:r>
-            <a:r>
-              <a:rPr lang="en-US" dirty="0" smtClean="0"/>
-              <a:t> host (server).</a:t>
-            </a:r>
-          </a:p>
-          <a:p>
-            <a:pPr marL="457200" indent="-457200">
-              <a:buFont typeface="+mj-lt"/>
-              <a:buAutoNum type="arabicPeriod"/>
-            </a:pPr>
-            <a:r>
-              <a:rPr lang="en-US" dirty="0" err="1" smtClean="0"/>
-              <a:t>Pengujian</a:t>
-            </a:r>
-            <a:r>
-              <a:rPr lang="en-US" dirty="0" smtClean="0"/>
-              <a:t> : Test-plan </a:t>
-            </a:r>
-            <a:r>
-              <a:rPr lang="en-US" dirty="0" err="1" smtClean="0"/>
-              <a:t>dan</a:t>
-            </a:r>
-            <a:r>
-              <a:rPr lang="en-US" dirty="0" smtClean="0"/>
-              <a:t> </a:t>
-            </a:r>
-            <a:r>
-              <a:rPr lang="en-US" dirty="0" err="1" smtClean="0"/>
-              <a:t>didokumentasikan</a:t>
-            </a:r>
-            <a:r>
-              <a:rPr lang="en-US" dirty="0" smtClean="0"/>
-              <a:t> </a:t>
-            </a:r>
-            <a:r>
-              <a:rPr lang="en-US" dirty="0" err="1" smtClean="0"/>
-              <a:t>dalam</a:t>
-            </a:r>
-            <a:r>
-              <a:rPr lang="en-US" dirty="0" smtClean="0"/>
-              <a:t> traceability matrix.</a:t>
-            </a:r>
-            <a:endParaRPr lang="en-US" dirty="0"/>
+              <a:t> server local (</a:t>
+            </a:r>
+            <a:r>
+              <a:rPr lang="en-US" dirty="0" err="1" smtClean="0"/>
+              <a:t>komputer</a:t>
+            </a:r>
+            <a:r>
+              <a:rPr lang="en-US" dirty="0" smtClean="0"/>
+              <a:t> </a:t>
+            </a:r>
+            <a:r>
+              <a:rPr lang="en-US" dirty="0" err="1" smtClean="0"/>
+              <a:t>pribadi</a:t>
+            </a:r>
+            <a:r>
+              <a:rPr lang="en-US" dirty="0" smtClean="0"/>
+              <a:t>), </a:t>
+            </a:r>
+            <a:r>
+              <a:rPr lang="en-US" dirty="0" err="1" smtClean="0"/>
+              <a:t>harus</a:t>
+            </a:r>
+            <a:r>
+              <a:rPr lang="en-US" dirty="0" smtClean="0"/>
+              <a:t> </a:t>
+            </a:r>
+            <a:r>
+              <a:rPr lang="en-US" dirty="0" err="1" smtClean="0"/>
+              <a:t>dilakukan</a:t>
+            </a:r>
+            <a:r>
+              <a:rPr lang="en-US" dirty="0" smtClean="0"/>
+              <a:t> </a:t>
+            </a:r>
+            <a:r>
+              <a:rPr lang="en-US" dirty="0" err="1" smtClean="0"/>
+              <a:t>dibawah</a:t>
+            </a:r>
+            <a:r>
+              <a:rPr lang="en-US" dirty="0" smtClean="0"/>
+              <a:t> 1 </a:t>
+            </a:r>
+            <a:r>
+              <a:rPr lang="en-US" dirty="0" err="1" smtClean="0"/>
+              <a:t>jaringan</a:t>
+            </a:r>
+            <a:r>
+              <a:rPr lang="en-US" dirty="0" smtClean="0"/>
+              <a:t> yang </a:t>
+            </a:r>
+            <a:r>
+              <a:rPr lang="en-US" dirty="0" err="1" smtClean="0"/>
+              <a:t>sama</a:t>
+            </a:r>
+            <a:r>
+              <a:rPr lang="en-US" dirty="0" smtClean="0"/>
+              <a:t>.</a:t>
+            </a:r>
           </a:p>
         </p:txBody>
       </p:sp>
     </p:spTree>
     <p:extLst>
       <p:ext uri="{BB962C8B-B14F-4D97-AF65-F5344CB8AC3E}">
-        <p14:creationId xmlns:p14="http://schemas.microsoft.com/office/powerpoint/2010/main" val="886435063"/>
+        <p14:creationId xmlns:p14="http://schemas.microsoft.com/office/powerpoint/2010/main" val="1721983042"/>
       </p:ext>
     </p:extLst>
   </p:cSld>
@@ -27936,204 +28055,6 @@
           <a:p>
             <a:r>
               <a:rPr lang="en-US" dirty="0" err="1" smtClean="0"/>
-              <a:t>Batasan</a:t>
-            </a:r>
-            <a:r>
-              <a:rPr lang="en-US" dirty="0" smtClean="0"/>
-              <a:t> </a:t>
-            </a:r>
-            <a:r>
-              <a:rPr lang="en-US" dirty="0" err="1" smtClean="0"/>
-              <a:t>implementasi</a:t>
-            </a:r>
-            <a:endParaRPr lang="en-US" dirty="0"/>
-          </a:p>
-        </p:txBody>
-      </p:sp>
-      <p:sp>
-        <p:nvSpPr>
-          <p:cNvPr id="3" name="Content Placeholder 2"/>
-          <p:cNvSpPr>
-            <a:spLocks noGrp="1"/>
-          </p:cNvSpPr>
-          <p:nvPr>
-            <p:ph idx="1"/>
-          </p:nvPr>
-        </p:nvSpPr>
-        <p:spPr/>
-        <p:txBody>
-          <a:bodyPr/>
-          <a:lstStyle/>
-          <a:p>
-            <a:pPr marL="457200" indent="-457200">
-              <a:buFont typeface="+mj-lt"/>
-              <a:buAutoNum type="arabicPeriod"/>
-            </a:pPr>
-            <a:r>
-              <a:rPr lang="en-US" dirty="0" smtClean="0"/>
-              <a:t>Server yang </a:t>
-            </a:r>
-            <a:r>
-              <a:rPr lang="en-US" dirty="0" err="1" smtClean="0"/>
-              <a:t>tersedia</a:t>
-            </a:r>
-            <a:r>
-              <a:rPr lang="en-US" dirty="0" smtClean="0"/>
-              <a:t> </a:t>
-            </a:r>
-            <a:r>
-              <a:rPr lang="en-US" dirty="0" err="1" smtClean="0"/>
-              <a:t>hanya</a:t>
-            </a:r>
-            <a:r>
-              <a:rPr lang="en-US" dirty="0" smtClean="0"/>
-              <a:t> </a:t>
-            </a:r>
-            <a:r>
-              <a:rPr lang="en-US" dirty="0" err="1" smtClean="0"/>
-              <a:t>terdapat</a:t>
-            </a:r>
-            <a:r>
-              <a:rPr lang="en-US" dirty="0" smtClean="0"/>
-              <a:t> 2 </a:t>
-            </a:r>
-            <a:r>
-              <a:rPr lang="en-US" dirty="0" err="1" smtClean="0"/>
-              <a:t>buah</a:t>
-            </a:r>
-            <a:endParaRPr lang="en-US" dirty="0" smtClean="0"/>
-          </a:p>
-          <a:p>
-            <a:pPr marL="457200" indent="-457200">
-              <a:buFont typeface="+mj-lt"/>
-              <a:buAutoNum type="arabicPeriod"/>
-            </a:pPr>
-            <a:r>
-              <a:rPr lang="en-US" dirty="0" smtClean="0"/>
-              <a:t>Deployment yang </a:t>
-            </a:r>
-            <a:r>
-              <a:rPr lang="en-US" dirty="0" err="1" smtClean="0"/>
-              <a:t>dilakukan</a:t>
-            </a:r>
-            <a:r>
-              <a:rPr lang="en-US" dirty="0" smtClean="0"/>
-              <a:t> </a:t>
-            </a:r>
-            <a:r>
-              <a:rPr lang="en-US" dirty="0" err="1" smtClean="0"/>
-              <a:t>dalam</a:t>
-            </a:r>
-            <a:r>
-              <a:rPr lang="en-US" dirty="0" smtClean="0"/>
-              <a:t> server local (</a:t>
-            </a:r>
-            <a:r>
-              <a:rPr lang="en-US" dirty="0" err="1" smtClean="0"/>
-              <a:t>komputer</a:t>
-            </a:r>
-            <a:r>
-              <a:rPr lang="en-US" dirty="0" smtClean="0"/>
-              <a:t> </a:t>
-            </a:r>
-            <a:r>
-              <a:rPr lang="en-US" dirty="0" err="1" smtClean="0"/>
-              <a:t>pribadi</a:t>
-            </a:r>
-            <a:r>
-              <a:rPr lang="en-US" dirty="0" smtClean="0"/>
-              <a:t>), </a:t>
-            </a:r>
-            <a:r>
-              <a:rPr lang="en-US" dirty="0" err="1" smtClean="0"/>
-              <a:t>harus</a:t>
-            </a:r>
-            <a:r>
-              <a:rPr lang="en-US" dirty="0" smtClean="0"/>
-              <a:t> </a:t>
-            </a:r>
-            <a:r>
-              <a:rPr lang="en-US" dirty="0" err="1" smtClean="0"/>
-              <a:t>dilakukan</a:t>
-            </a:r>
-            <a:r>
-              <a:rPr lang="en-US" dirty="0" smtClean="0"/>
-              <a:t> </a:t>
-            </a:r>
-            <a:r>
-              <a:rPr lang="en-US" dirty="0" err="1" smtClean="0"/>
-              <a:t>dibawah</a:t>
-            </a:r>
-            <a:r>
-              <a:rPr lang="en-US" dirty="0" smtClean="0"/>
-              <a:t> 1 </a:t>
-            </a:r>
-            <a:r>
-              <a:rPr lang="en-US" dirty="0" err="1" smtClean="0"/>
-              <a:t>jaringan</a:t>
-            </a:r>
-            <a:r>
-              <a:rPr lang="en-US" dirty="0" smtClean="0"/>
-              <a:t> yang </a:t>
-            </a:r>
-            <a:r>
-              <a:rPr lang="en-US" dirty="0" err="1" smtClean="0"/>
-              <a:t>sama</a:t>
-            </a:r>
-            <a:r>
-              <a:rPr lang="en-US" dirty="0" smtClean="0"/>
-              <a:t>.</a:t>
-            </a:r>
-          </a:p>
-        </p:txBody>
-      </p:sp>
-    </p:spTree>
-    <p:extLst>
-      <p:ext uri="{BB962C8B-B14F-4D97-AF65-F5344CB8AC3E}">
-        <p14:creationId xmlns:p14="http://schemas.microsoft.com/office/powerpoint/2010/main" val="1721983042"/>
-      </p:ext>
-    </p:extLst>
-  </p:cSld>
-  <p:clrMapOvr>
-    <a:masterClrMapping/>
-  </p:clrMapOvr>
-</p:sld>
-</file>
-
-<file path=ppt/slides/slide36.xml><?xml version="1.0" encoding="utf-8"?>
-<p:sld xmlns:a="http://schemas.openxmlformats.org/drawingml/2006/main" xmlns:r="http://schemas.openxmlformats.org/officeDocument/2006/relationships" xmlns:p="http://schemas.openxmlformats.org/presentationml/2006/main">
-  <p:cSld>
-    <p:spTree>
-      <p:nvGrpSpPr>
-        <p:cNvPr id="1" name=""/>
-        <p:cNvGrpSpPr/>
-        <p:nvPr/>
-      </p:nvGrpSpPr>
-      <p:grpSpPr>
-        <a:xfrm>
-          <a:off x="0" y="0"/>
-          <a:ext cx="0" cy="0"/>
-          <a:chOff x="0" y="0"/>
-          <a:chExt cx="0" cy="0"/>
-        </a:xfrm>
-      </p:grpSpPr>
-      <p:sp>
-        <p:nvSpPr>
-          <p:cNvPr id="2" name="Title 1"/>
-          <p:cNvSpPr>
-            <a:spLocks noGrp="1"/>
-          </p:cNvSpPr>
-          <p:nvPr>
-            <p:ph type="title"/>
-          </p:nvPr>
-        </p:nvSpPr>
-        <p:spPr/>
-        <p:txBody>
-          <a:bodyPr/>
-          <a:lstStyle/>
-          <a:p>
-            <a:r>
-              <a:rPr lang="en-US" dirty="0" err="1" smtClean="0"/>
               <a:t>Lingkunan</a:t>
             </a:r>
             <a:r>
@@ -28369,7 +28290,7 @@
 </p:sld>
 </file>
 
-<file path=ppt/slides/slide37.xml><?xml version="1.0" encoding="utf-8"?>
+<file path=ppt/slides/slide36.xml><?xml version="1.0" encoding="utf-8"?>
 <p:sld xmlns:a="http://schemas.openxmlformats.org/drawingml/2006/main" xmlns:r="http://schemas.openxmlformats.org/officeDocument/2006/relationships" xmlns:p="http://schemas.openxmlformats.org/presentationml/2006/main">
   <p:cSld>
     <p:spTree>
@@ -30207,6 +30128,13 @@
   <p:clrMapOvr>
     <a:masterClrMapping/>
   </p:clrMapOvr>
+  <p:timing>
+    <p:tnLst>
+      <p:par>
+        <p:cTn id="1" dur="indefinite" restart="never" nodeType="tmRoot"/>
+      </p:par>
+    </p:tnLst>
+  </p:timing>
 </p:sld>
 </file>
 
@@ -30294,6 +30222,13 @@
   <p:clrMapOvr>
     <a:masterClrMapping/>
   </p:clrMapOvr>
+  <p:timing>
+    <p:tnLst>
+      <p:par>
+        <p:cTn id="1" dur="indefinite" restart="never" nodeType="tmRoot"/>
+      </p:par>
+    </p:tnLst>
+  </p:timing>
 </p:sld>
 </file>
 

--- a/PPT.pptx
+++ b/PPT.pptx
@@ -4,6 +4,9 @@
   <p:sldMasterIdLst>
     <p:sldMasterId id="2147483660" r:id="rId1"/>
   </p:sldMasterIdLst>
+  <p:notesMasterIdLst>
+    <p:notesMasterId r:id="rId51"/>
+  </p:notesMasterIdLst>
   <p:sldIdLst>
     <p:sldId id="256" r:id="rId2"/>
     <p:sldId id="294" r:id="rId3"/>
@@ -31,16 +34,29 @@
     <p:sldId id="281" r:id="rId25"/>
     <p:sldId id="283" r:id="rId26"/>
     <p:sldId id="296" r:id="rId27"/>
-    <p:sldId id="284" r:id="rId28"/>
-    <p:sldId id="285" r:id="rId29"/>
-    <p:sldId id="286" r:id="rId30"/>
-    <p:sldId id="287" r:id="rId31"/>
-    <p:sldId id="288" r:id="rId32"/>
-    <p:sldId id="289" r:id="rId33"/>
-    <p:sldId id="290" r:id="rId34"/>
-    <p:sldId id="291" r:id="rId35"/>
-    <p:sldId id="292" r:id="rId36"/>
-    <p:sldId id="297" r:id="rId37"/>
+    <p:sldId id="287" r:id="rId28"/>
+    <p:sldId id="284" r:id="rId29"/>
+    <p:sldId id="285" r:id="rId30"/>
+    <p:sldId id="288" r:id="rId31"/>
+    <p:sldId id="298" r:id="rId32"/>
+    <p:sldId id="299" r:id="rId33"/>
+    <p:sldId id="300" r:id="rId34"/>
+    <p:sldId id="301" r:id="rId35"/>
+    <p:sldId id="302" r:id="rId36"/>
+    <p:sldId id="290" r:id="rId37"/>
+    <p:sldId id="314" r:id="rId38"/>
+    <p:sldId id="297" r:id="rId39"/>
+    <p:sldId id="304" r:id="rId40"/>
+    <p:sldId id="303" r:id="rId41"/>
+    <p:sldId id="305" r:id="rId42"/>
+    <p:sldId id="306" r:id="rId43"/>
+    <p:sldId id="307" r:id="rId44"/>
+    <p:sldId id="308" r:id="rId45"/>
+    <p:sldId id="309" r:id="rId46"/>
+    <p:sldId id="310" r:id="rId47"/>
+    <p:sldId id="311" r:id="rId48"/>
+    <p:sldId id="312" r:id="rId49"/>
+    <p:sldId id="313" r:id="rId50"/>
   </p:sldIdLst>
   <p:sldSz cx="12192000" cy="6858000"/>
   <p:notesSz cx="6858000" cy="9144000"/>
@@ -170,16 +186,29 @@
             <p14:sldId id="281"/>
             <p14:sldId id="283"/>
             <p14:sldId id="296"/>
+            <p14:sldId id="287"/>
             <p14:sldId id="284"/>
             <p14:sldId id="285"/>
-            <p14:sldId id="286"/>
-            <p14:sldId id="287"/>
             <p14:sldId id="288"/>
-            <p14:sldId id="289"/>
+            <p14:sldId id="298"/>
+            <p14:sldId id="299"/>
+            <p14:sldId id="300"/>
+            <p14:sldId id="301"/>
+            <p14:sldId id="302"/>
             <p14:sldId id="290"/>
-            <p14:sldId id="291"/>
-            <p14:sldId id="292"/>
+            <p14:sldId id="314"/>
             <p14:sldId id="297"/>
+            <p14:sldId id="304"/>
+            <p14:sldId id="303"/>
+            <p14:sldId id="305"/>
+            <p14:sldId id="306"/>
+            <p14:sldId id="307"/>
+            <p14:sldId id="308"/>
+            <p14:sldId id="309"/>
+            <p14:sldId id="310"/>
+            <p14:sldId id="311"/>
+            <p14:sldId id="312"/>
+            <p14:sldId id="313"/>
           </p14:sldIdLst>
         </p14:section>
         <p14:section name="Untitled Section" id="{B21C94AB-48B2-4224-A014-AB177703A17D}">
@@ -192,6 +221,627 @@
     </p:ext>
   </p:extLst>
 </p:presentation>
+</file>
+
+<file path=ppt/commentAuthors.xml><?xml version="1.0" encoding="utf-8"?>
+<p:cmAuthorLst xmlns:a="http://schemas.openxmlformats.org/drawingml/2006/main" xmlns:r="http://schemas.openxmlformats.org/officeDocument/2006/relationships" xmlns:p="http://schemas.openxmlformats.org/presentationml/2006/main">
+  <p:cmAuthor id="1" name="Edric Laksa Putra" initials="ELP" lastIdx="15" clrIdx="0">
+    <p:extLst>
+      <p:ext uri="{19B8F6BF-5375-455C-9EA6-DF929625EA0E}">
+        <p15:presenceInfo xmlns:p15="http://schemas.microsoft.com/office/powerpoint/2012/main" userId="ab93d0162be29c66" providerId="Windows Live"/>
+      </p:ext>
+    </p:extLst>
+  </p:cmAuthor>
+</p:cmAuthorLst>
+</file>
+
+<file path=ppt/comments/comment1.xml><?xml version="1.0" encoding="utf-8"?>
+<p:cmLst xmlns:a="http://schemas.openxmlformats.org/drawingml/2006/main" xmlns:r="http://schemas.openxmlformats.org/officeDocument/2006/relationships" xmlns:p="http://schemas.openxmlformats.org/presentationml/2006/main">
+  <p:cm authorId="1" dt="2018-06-07T22:42:07.840" idx="3">
+    <p:pos x="10" y="10"/>
+    <p:text>Dapat dilihat di halaman 1-1</p:text>
+    <p:extLst>
+      <p:ext uri="{C676402C-5697-4E1C-873F-D02D1690AC5C}">
+        <p15:threadingInfo xmlns:p15="http://schemas.microsoft.com/office/powerpoint/2012/main" timeZoneBias="-420"/>
+      </p:ext>
+    </p:extLst>
+  </p:cm>
+</p:cmLst>
+</file>
+
+<file path=ppt/comments/comment10.xml><?xml version="1.0" encoding="utf-8"?>
+<p:cmLst xmlns:a="http://schemas.openxmlformats.org/drawingml/2006/main" xmlns:r="http://schemas.openxmlformats.org/officeDocument/2006/relationships" xmlns:p="http://schemas.openxmlformats.org/presentationml/2006/main">
+  <p:cm authorId="1" dt="2018-06-07T22:50:06.423" idx="12">
+    <p:pos x="10" y="10"/>
+    <p:text>4-38</p:text>
+    <p:extLst>
+      <p:ext uri="{C676402C-5697-4E1C-873F-D02D1690AC5C}">
+        <p15:threadingInfo xmlns:p15="http://schemas.microsoft.com/office/powerpoint/2012/main" timeZoneBias="-420"/>
+      </p:ext>
+    </p:extLst>
+  </p:cm>
+</p:cmLst>
+</file>
+
+<file path=ppt/comments/comment11.xml><?xml version="1.0" encoding="utf-8"?>
+<p:cmLst xmlns:a="http://schemas.openxmlformats.org/drawingml/2006/main" xmlns:r="http://schemas.openxmlformats.org/officeDocument/2006/relationships" xmlns:p="http://schemas.openxmlformats.org/presentationml/2006/main">
+  <p:cm authorId="1" dt="2018-06-07T22:50:31.399" idx="13">
+    <p:pos x="10" y="10"/>
+    <p:text>Database per service - 2-7
+REST JSON - 2-12
+Multiple service per host - 2-9
+Uji - 2-14 sampai 2-15</p:text>
+    <p:extLst>
+      <p:ext uri="{C676402C-5697-4E1C-873F-D02D1690AC5C}">
+        <p15:threadingInfo xmlns:p15="http://schemas.microsoft.com/office/powerpoint/2012/main" timeZoneBias="-420"/>
+      </p:ext>
+    </p:extLst>
+  </p:cm>
+</p:cmLst>
+</file>
+
+<file path=ppt/comments/comment2.xml><?xml version="1.0" encoding="utf-8"?>
+<p:cmLst xmlns:a="http://schemas.openxmlformats.org/drawingml/2006/main" xmlns:r="http://schemas.openxmlformats.org/officeDocument/2006/relationships" xmlns:p="http://schemas.openxmlformats.org/presentationml/2006/main">
+  <p:cm authorId="1" dt="2018-06-08T00:40:17.508" idx="15">
+    <p:pos x="10" y="10"/>
+    <p:text>3-1</p:text>
+    <p:extLst>
+      <p:ext uri="{C676402C-5697-4E1C-873F-D02D1690AC5C}">
+        <p15:threadingInfo xmlns:p15="http://schemas.microsoft.com/office/powerpoint/2012/main" timeZoneBias="-420"/>
+      </p:ext>
+    </p:extLst>
+  </p:cm>
+</p:cmLst>
+</file>
+
+<file path=ppt/comments/comment3.xml><?xml version="1.0" encoding="utf-8"?>
+<p:cmLst xmlns:a="http://schemas.openxmlformats.org/drawingml/2006/main" xmlns:r="http://schemas.openxmlformats.org/officeDocument/2006/relationships" xmlns:p="http://schemas.openxmlformats.org/presentationml/2006/main">
+  <p:cm authorId="1" dt="2018-06-08T00:39:37.728" idx="14">
+    <p:pos x="10" y="10"/>
+    <p:text>3-6</p:text>
+    <p:extLst>
+      <p:ext uri="{C676402C-5697-4E1C-873F-D02D1690AC5C}">
+        <p15:threadingInfo xmlns:p15="http://schemas.microsoft.com/office/powerpoint/2012/main" timeZoneBias="-420"/>
+      </p:ext>
+    </p:extLst>
+  </p:cm>
+</p:cmLst>
+</file>
+
+<file path=ppt/comments/comment4.xml><?xml version="1.0" encoding="utf-8"?>
+<p:cmLst xmlns:a="http://schemas.openxmlformats.org/drawingml/2006/main" xmlns:r="http://schemas.openxmlformats.org/officeDocument/2006/relationships" xmlns:p="http://schemas.openxmlformats.org/presentationml/2006/main">
+  <p:cm authorId="1" dt="2018-06-07T22:44:55.256" idx="4">
+    <p:pos x="10" y="10"/>
+    <p:text>Ada pada halaman 3-4</p:text>
+    <p:extLst>
+      <p:ext uri="{C676402C-5697-4E1C-873F-D02D1690AC5C}">
+        <p15:threadingInfo xmlns:p15="http://schemas.microsoft.com/office/powerpoint/2012/main" timeZoneBias="-420"/>
+      </p:ext>
+    </p:extLst>
+  </p:cm>
+</p:cmLst>
+</file>
+
+<file path=ppt/comments/comment5.xml><?xml version="1.0" encoding="utf-8"?>
+<p:cmLst xmlns:a="http://schemas.openxmlformats.org/drawingml/2006/main" xmlns:r="http://schemas.openxmlformats.org/officeDocument/2006/relationships" xmlns:p="http://schemas.openxmlformats.org/presentationml/2006/main">
+  <p:cm authorId="1" dt="2018-06-07T22:45:31.272" idx="5">
+    <p:pos x="10" y="10"/>
+    <p:text>Menggunakan  deployment diagram</p:text>
+    <p:extLst>
+      <p:ext uri="{C676402C-5697-4E1C-873F-D02D1690AC5C}">
+        <p15:threadingInfo xmlns:p15="http://schemas.microsoft.com/office/powerpoint/2012/main" timeZoneBias="-420"/>
+      </p:ext>
+    </p:extLst>
+  </p:cm>
+</p:cmLst>
+</file>
+
+<file path=ppt/comments/comment6.xml><?xml version="1.0" encoding="utf-8"?>
+<p:cmLst xmlns:a="http://schemas.openxmlformats.org/drawingml/2006/main" xmlns:r="http://schemas.openxmlformats.org/officeDocument/2006/relationships" xmlns:p="http://schemas.openxmlformats.org/presentationml/2006/main">
+  <p:cm authorId="1" dt="2018-06-07T22:45:55.935" idx="6">
+    <p:pos x="10" y="10"/>
+    <p:text>Contact juga dipakai oleh modul HR . Contact menjadi kelas turunan dari kedua jenis modul. Pada arsitektur sebelumnya, contact untuk customer dan HR digabungkan menjadi 1. Kelebihan : Data tidak tercecer, menjadi lebih spesial untuk contact customer dan HR.</p:text>
+    <p:extLst>
+      <p:ext uri="{C676402C-5697-4E1C-873F-D02D1690AC5C}">
+        <p15:threadingInfo xmlns:p15="http://schemas.microsoft.com/office/powerpoint/2012/main" timeZoneBias="-420"/>
+      </p:ext>
+    </p:extLst>
+  </p:cm>
+  <p:cm authorId="1" dt="2018-06-07T22:47:27.864" idx="7">
+    <p:pos x="106" y="106"/>
+    <p:text>Tingkat availabilitas yg lebih tinggi</p:text>
+    <p:extLst>
+      <p:ext uri="{C676402C-5697-4E1C-873F-D02D1690AC5C}">
+        <p15:threadingInfo xmlns:p15="http://schemas.microsoft.com/office/powerpoint/2012/main" timeZoneBias="-420"/>
+      </p:ext>
+    </p:extLst>
+  </p:cm>
+  <p:cm authorId="1" dt="2018-06-07T22:48:26.288" idx="8">
+    <p:pos x="202" y="202"/>
+    <p:text>Dapat dilihat pada halaman 4-4</p:text>
+    <p:extLst>
+      <p:ext uri="{C676402C-5697-4E1C-873F-D02D1690AC5C}">
+        <p15:threadingInfo xmlns:p15="http://schemas.microsoft.com/office/powerpoint/2012/main" timeZoneBias="-420"/>
+      </p:ext>
+    </p:extLst>
+  </p:cm>
+</p:cmLst>
+</file>
+
+<file path=ppt/comments/comment7.xml><?xml version="1.0" encoding="utf-8"?>
+<p:cmLst xmlns:a="http://schemas.openxmlformats.org/drawingml/2006/main" xmlns:r="http://schemas.openxmlformats.org/officeDocument/2006/relationships" xmlns:p="http://schemas.openxmlformats.org/presentationml/2006/main">
+  <p:cm authorId="1" dt="2018-06-07T22:48:59.518" idx="9">
+    <p:pos x="10" y="10"/>
+    <p:text>Dapat dilihat pada halaman 4-12</p:text>
+    <p:extLst>
+      <p:ext uri="{C676402C-5697-4E1C-873F-D02D1690AC5C}">
+        <p15:threadingInfo xmlns:p15="http://schemas.microsoft.com/office/powerpoint/2012/main" timeZoneBias="-420"/>
+      </p:ext>
+    </p:extLst>
+  </p:cm>
+</p:cmLst>
+</file>
+
+<file path=ppt/comments/comment8.xml><?xml version="1.0" encoding="utf-8"?>
+<p:cmLst xmlns:a="http://schemas.openxmlformats.org/drawingml/2006/main" xmlns:r="http://schemas.openxmlformats.org/officeDocument/2006/relationships" xmlns:p="http://schemas.openxmlformats.org/presentationml/2006/main">
+  <p:cm authorId="1" dt="2018-06-07T22:49:37.193" idx="10">
+    <p:pos x="10" y="10"/>
+    <p:text>4-19</p:text>
+    <p:extLst>
+      <p:ext uri="{C676402C-5697-4E1C-873F-D02D1690AC5C}">
+        <p15:threadingInfo xmlns:p15="http://schemas.microsoft.com/office/powerpoint/2012/main" timeZoneBias="-420"/>
+      </p:ext>
+    </p:extLst>
+  </p:cm>
+</p:cmLst>
+</file>
+
+<file path=ppt/comments/comment9.xml><?xml version="1.0" encoding="utf-8"?>
+<p:cmLst xmlns:a="http://schemas.openxmlformats.org/drawingml/2006/main" xmlns:r="http://schemas.openxmlformats.org/officeDocument/2006/relationships" xmlns:p="http://schemas.openxmlformats.org/presentationml/2006/main">
+  <p:cm authorId="1" dt="2018-06-07T22:49:41.535" idx="11">
+    <p:pos x="10" y="10"/>
+    <p:text>4-27</p:text>
+    <p:extLst>
+      <p:ext uri="{C676402C-5697-4E1C-873F-D02D1690AC5C}">
+        <p15:threadingInfo xmlns:p15="http://schemas.microsoft.com/office/powerpoint/2012/main" timeZoneBias="-420"/>
+      </p:ext>
+    </p:extLst>
+  </p:cm>
+</p:cmLst>
+</file>
+
+<file path=ppt/notesMasters/notesMaster1.xml><?xml version="1.0" encoding="utf-8"?>
+<p:notesMaster xmlns:a="http://schemas.openxmlformats.org/drawingml/2006/main" xmlns:r="http://schemas.openxmlformats.org/officeDocument/2006/relationships" xmlns:p="http://schemas.openxmlformats.org/presentationml/2006/main">
+  <p:cSld>
+    <p:bg>
+      <p:bgRef idx="1001">
+        <a:schemeClr val="bg1"/>
+      </p:bgRef>
+    </p:bg>
+    <p:spTree>
+      <p:nvGrpSpPr>
+        <p:cNvPr id="1" name=""/>
+        <p:cNvGrpSpPr/>
+        <p:nvPr/>
+      </p:nvGrpSpPr>
+      <p:grpSpPr>
+        <a:xfrm>
+          <a:off x="0" y="0"/>
+          <a:ext cx="0" cy="0"/>
+          <a:chOff x="0" y="0"/>
+          <a:chExt cx="0" cy="0"/>
+        </a:xfrm>
+      </p:grpSpPr>
+      <p:sp>
+        <p:nvSpPr>
+          <p:cNvPr id="2" name="Header Placeholder 1"/>
+          <p:cNvSpPr>
+            <a:spLocks noGrp="1"/>
+          </p:cNvSpPr>
+          <p:nvPr>
+            <p:ph type="hdr" sz="quarter"/>
+          </p:nvPr>
+        </p:nvSpPr>
+        <p:spPr>
+          <a:xfrm>
+            <a:off x="0" y="0"/>
+            <a:ext cx="2971800" cy="458788"/>
+          </a:xfrm>
+          <a:prstGeom prst="rect">
+            <a:avLst/>
+          </a:prstGeom>
+        </p:spPr>
+        <p:txBody>
+          <a:bodyPr vert="horz" lIns="91440" tIns="45720" rIns="91440" bIns="45720" rtlCol="0"/>
+          <a:lstStyle>
+            <a:lvl1pPr algn="l">
+              <a:defRPr sz="1200"/>
+            </a:lvl1pPr>
+          </a:lstStyle>
+          <a:p>
+            <a:endParaRPr lang="en-US"/>
+          </a:p>
+        </p:txBody>
+      </p:sp>
+      <p:sp>
+        <p:nvSpPr>
+          <p:cNvPr id="3" name="Date Placeholder 2"/>
+          <p:cNvSpPr>
+            <a:spLocks noGrp="1"/>
+          </p:cNvSpPr>
+          <p:nvPr>
+            <p:ph type="dt" idx="1"/>
+          </p:nvPr>
+        </p:nvSpPr>
+        <p:spPr>
+          <a:xfrm>
+            <a:off x="3884613" y="0"/>
+            <a:ext cx="2971800" cy="458788"/>
+          </a:xfrm>
+          <a:prstGeom prst="rect">
+            <a:avLst/>
+          </a:prstGeom>
+        </p:spPr>
+        <p:txBody>
+          <a:bodyPr vert="horz" lIns="91440" tIns="45720" rIns="91440" bIns="45720" rtlCol="0"/>
+          <a:lstStyle>
+            <a:lvl1pPr algn="r">
+              <a:defRPr sz="1200"/>
+            </a:lvl1pPr>
+          </a:lstStyle>
+          <a:p>
+            <a:fld id="{1AD0FBD9-3832-42D2-B125-812A8E4E41F7}" type="datetimeFigureOut">
+              <a:rPr lang="en-US" smtClean="0"/>
+              <a:t>6/7/2018</a:t>
+            </a:fld>
+            <a:endParaRPr lang="en-US"/>
+          </a:p>
+        </p:txBody>
+      </p:sp>
+      <p:sp>
+        <p:nvSpPr>
+          <p:cNvPr id="4" name="Slide Image Placeholder 3"/>
+          <p:cNvSpPr>
+            <a:spLocks noGrp="1" noRot="1" noChangeAspect="1"/>
+          </p:cNvSpPr>
+          <p:nvPr>
+            <p:ph type="sldImg" idx="2"/>
+          </p:nvPr>
+        </p:nvSpPr>
+        <p:spPr>
+          <a:xfrm>
+            <a:off x="685800" y="1143000"/>
+            <a:ext cx="5486400" cy="3086100"/>
+          </a:xfrm>
+          <a:prstGeom prst="rect">
+            <a:avLst/>
+          </a:prstGeom>
+          <a:noFill/>
+          <a:ln w="12700">
+            <a:solidFill>
+              <a:prstClr val="black"/>
+            </a:solidFill>
+          </a:ln>
+        </p:spPr>
+        <p:txBody>
+          <a:bodyPr vert="horz" lIns="91440" tIns="45720" rIns="91440" bIns="45720" rtlCol="0" anchor="ctr"/>
+          <a:lstStyle/>
+          <a:p>
+            <a:endParaRPr lang="en-US"/>
+          </a:p>
+        </p:txBody>
+      </p:sp>
+      <p:sp>
+        <p:nvSpPr>
+          <p:cNvPr id="5" name="Notes Placeholder 4"/>
+          <p:cNvSpPr>
+            <a:spLocks noGrp="1"/>
+          </p:cNvSpPr>
+          <p:nvPr>
+            <p:ph type="body" sz="quarter" idx="3"/>
+          </p:nvPr>
+        </p:nvSpPr>
+        <p:spPr>
+          <a:xfrm>
+            <a:off x="685800" y="4400550"/>
+            <a:ext cx="5486400" cy="3600450"/>
+          </a:xfrm>
+          <a:prstGeom prst="rect">
+            <a:avLst/>
+          </a:prstGeom>
+        </p:spPr>
+        <p:txBody>
+          <a:bodyPr vert="horz" lIns="91440" tIns="45720" rIns="91440" bIns="45720" rtlCol="0"/>
+          <a:lstStyle/>
+          <a:p>
+            <a:pPr lvl="0"/>
+            <a:r>
+              <a:rPr lang="en-US" smtClean="0"/>
+              <a:t>Click to edit Master text styles</a:t>
+            </a:r>
+          </a:p>
+          <a:p>
+            <a:pPr lvl="1"/>
+            <a:r>
+              <a:rPr lang="en-US" smtClean="0"/>
+              <a:t>Second level</a:t>
+            </a:r>
+          </a:p>
+          <a:p>
+            <a:pPr lvl="2"/>
+            <a:r>
+              <a:rPr lang="en-US" smtClean="0"/>
+              <a:t>Third level</a:t>
+            </a:r>
+          </a:p>
+          <a:p>
+            <a:pPr lvl="3"/>
+            <a:r>
+              <a:rPr lang="en-US" smtClean="0"/>
+              <a:t>Fourth level</a:t>
+            </a:r>
+          </a:p>
+          <a:p>
+            <a:pPr lvl="4"/>
+            <a:r>
+              <a:rPr lang="en-US" smtClean="0"/>
+              <a:t>Fifth level</a:t>
+            </a:r>
+            <a:endParaRPr lang="en-US"/>
+          </a:p>
+        </p:txBody>
+      </p:sp>
+      <p:sp>
+        <p:nvSpPr>
+          <p:cNvPr id="6" name="Footer Placeholder 5"/>
+          <p:cNvSpPr>
+            <a:spLocks noGrp="1"/>
+          </p:cNvSpPr>
+          <p:nvPr>
+            <p:ph type="ftr" sz="quarter" idx="4"/>
+          </p:nvPr>
+        </p:nvSpPr>
+        <p:spPr>
+          <a:xfrm>
+            <a:off x="0" y="8685213"/>
+            <a:ext cx="2971800" cy="458787"/>
+          </a:xfrm>
+          <a:prstGeom prst="rect">
+            <a:avLst/>
+          </a:prstGeom>
+        </p:spPr>
+        <p:txBody>
+          <a:bodyPr vert="horz" lIns="91440" tIns="45720" rIns="91440" bIns="45720" rtlCol="0" anchor="b"/>
+          <a:lstStyle>
+            <a:lvl1pPr algn="l">
+              <a:defRPr sz="1200"/>
+            </a:lvl1pPr>
+          </a:lstStyle>
+          <a:p>
+            <a:endParaRPr lang="en-US"/>
+          </a:p>
+        </p:txBody>
+      </p:sp>
+      <p:sp>
+        <p:nvSpPr>
+          <p:cNvPr id="7" name="Slide Number Placeholder 6"/>
+          <p:cNvSpPr>
+            <a:spLocks noGrp="1"/>
+          </p:cNvSpPr>
+          <p:nvPr>
+            <p:ph type="sldNum" sz="quarter" idx="5"/>
+          </p:nvPr>
+        </p:nvSpPr>
+        <p:spPr>
+          <a:xfrm>
+            <a:off x="3884613" y="8685213"/>
+            <a:ext cx="2971800" cy="458787"/>
+          </a:xfrm>
+          <a:prstGeom prst="rect">
+            <a:avLst/>
+          </a:prstGeom>
+        </p:spPr>
+        <p:txBody>
+          <a:bodyPr vert="horz" lIns="91440" tIns="45720" rIns="91440" bIns="45720" rtlCol="0" anchor="b"/>
+          <a:lstStyle>
+            <a:lvl1pPr algn="r">
+              <a:defRPr sz="1200"/>
+            </a:lvl1pPr>
+          </a:lstStyle>
+          <a:p>
+            <a:fld id="{2DD38859-D812-4A73-B678-B854DCFCF772}" type="slidenum">
+              <a:rPr lang="en-US" smtClean="0"/>
+              <a:t>‹#›</a:t>
+            </a:fld>
+            <a:endParaRPr lang="en-US"/>
+          </a:p>
+        </p:txBody>
+      </p:sp>
+    </p:spTree>
+    <p:extLst>
+      <p:ext uri="{BB962C8B-B14F-4D97-AF65-F5344CB8AC3E}">
+        <p14:creationId xmlns:p14="http://schemas.microsoft.com/office/powerpoint/2010/main" val="3190450648"/>
+      </p:ext>
+    </p:extLst>
+  </p:cSld>
+  <p:clrMap bg1="lt1" tx1="dk1" bg2="lt2" tx2="dk2" accent1="accent1" accent2="accent2" accent3="accent3" accent4="accent4" accent5="accent5" accent6="accent6" hlink="hlink" folHlink="folHlink"/>
+  <p:notesStyle>
+    <a:lvl1pPr marL="0" algn="l" defTabSz="914400" rtl="0" eaLnBrk="1" latinLnBrk="0" hangingPunct="1">
+      <a:defRPr sz="1200" kern="1200">
+        <a:solidFill>
+          <a:schemeClr val="tx1"/>
+        </a:solidFill>
+        <a:latin typeface="+mn-lt"/>
+        <a:ea typeface="+mn-ea"/>
+        <a:cs typeface="+mn-cs"/>
+      </a:defRPr>
+    </a:lvl1pPr>
+    <a:lvl2pPr marL="457200" algn="l" defTabSz="914400" rtl="0" eaLnBrk="1" latinLnBrk="0" hangingPunct="1">
+      <a:defRPr sz="1200" kern="1200">
+        <a:solidFill>
+          <a:schemeClr val="tx1"/>
+        </a:solidFill>
+        <a:latin typeface="+mn-lt"/>
+        <a:ea typeface="+mn-ea"/>
+        <a:cs typeface="+mn-cs"/>
+      </a:defRPr>
+    </a:lvl2pPr>
+    <a:lvl3pPr marL="914400" algn="l" defTabSz="914400" rtl="0" eaLnBrk="1" latinLnBrk="0" hangingPunct="1">
+      <a:defRPr sz="1200" kern="1200">
+        <a:solidFill>
+          <a:schemeClr val="tx1"/>
+        </a:solidFill>
+        <a:latin typeface="+mn-lt"/>
+        <a:ea typeface="+mn-ea"/>
+        <a:cs typeface="+mn-cs"/>
+      </a:defRPr>
+    </a:lvl3pPr>
+    <a:lvl4pPr marL="1371600" algn="l" defTabSz="914400" rtl="0" eaLnBrk="1" latinLnBrk="0" hangingPunct="1">
+      <a:defRPr sz="1200" kern="1200">
+        <a:solidFill>
+          <a:schemeClr val="tx1"/>
+        </a:solidFill>
+        <a:latin typeface="+mn-lt"/>
+        <a:ea typeface="+mn-ea"/>
+        <a:cs typeface="+mn-cs"/>
+      </a:defRPr>
+    </a:lvl4pPr>
+    <a:lvl5pPr marL="1828800" algn="l" defTabSz="914400" rtl="0" eaLnBrk="1" latinLnBrk="0" hangingPunct="1">
+      <a:defRPr sz="1200" kern="1200">
+        <a:solidFill>
+          <a:schemeClr val="tx1"/>
+        </a:solidFill>
+        <a:latin typeface="+mn-lt"/>
+        <a:ea typeface="+mn-ea"/>
+        <a:cs typeface="+mn-cs"/>
+      </a:defRPr>
+    </a:lvl5pPr>
+    <a:lvl6pPr marL="2286000" algn="l" defTabSz="914400" rtl="0" eaLnBrk="1" latinLnBrk="0" hangingPunct="1">
+      <a:defRPr sz="1200" kern="1200">
+        <a:solidFill>
+          <a:schemeClr val="tx1"/>
+        </a:solidFill>
+        <a:latin typeface="+mn-lt"/>
+        <a:ea typeface="+mn-ea"/>
+        <a:cs typeface="+mn-cs"/>
+      </a:defRPr>
+    </a:lvl6pPr>
+    <a:lvl7pPr marL="2743200" algn="l" defTabSz="914400" rtl="0" eaLnBrk="1" latinLnBrk="0" hangingPunct="1">
+      <a:defRPr sz="1200" kern="1200">
+        <a:solidFill>
+          <a:schemeClr val="tx1"/>
+        </a:solidFill>
+        <a:latin typeface="+mn-lt"/>
+        <a:ea typeface="+mn-ea"/>
+        <a:cs typeface="+mn-cs"/>
+      </a:defRPr>
+    </a:lvl7pPr>
+    <a:lvl8pPr marL="3200400" algn="l" defTabSz="914400" rtl="0" eaLnBrk="1" latinLnBrk="0" hangingPunct="1">
+      <a:defRPr sz="1200" kern="1200">
+        <a:solidFill>
+          <a:schemeClr val="tx1"/>
+        </a:solidFill>
+        <a:latin typeface="+mn-lt"/>
+        <a:ea typeface="+mn-ea"/>
+        <a:cs typeface="+mn-cs"/>
+      </a:defRPr>
+    </a:lvl8pPr>
+    <a:lvl9pPr marL="3657600" algn="l" defTabSz="914400" rtl="0" eaLnBrk="1" latinLnBrk="0" hangingPunct="1">
+      <a:defRPr sz="1200" kern="1200">
+        <a:solidFill>
+          <a:schemeClr val="tx1"/>
+        </a:solidFill>
+        <a:latin typeface="+mn-lt"/>
+        <a:ea typeface="+mn-ea"/>
+        <a:cs typeface="+mn-cs"/>
+      </a:defRPr>
+    </a:lvl9pPr>
+  </p:notesStyle>
+</p:notesMaster>
+</file>
+
+<file path=ppt/notesSlides/notesSlide1.xml><?xml version="1.0" encoding="utf-8"?>
+<p:notes xmlns:a="http://schemas.openxmlformats.org/drawingml/2006/main" xmlns:r="http://schemas.openxmlformats.org/officeDocument/2006/relationships" xmlns:p="http://schemas.openxmlformats.org/presentationml/2006/main">
+  <p:cSld>
+    <p:spTree>
+      <p:nvGrpSpPr>
+        <p:cNvPr id="1" name=""/>
+        <p:cNvGrpSpPr/>
+        <p:nvPr/>
+      </p:nvGrpSpPr>
+      <p:grpSpPr>
+        <a:xfrm>
+          <a:off x="0" y="0"/>
+          <a:ext cx="0" cy="0"/>
+          <a:chOff x="0" y="0"/>
+          <a:chExt cx="0" cy="0"/>
+        </a:xfrm>
+      </p:grpSpPr>
+      <p:sp>
+        <p:nvSpPr>
+          <p:cNvPr id="2" name="Slide Image Placeholder 1"/>
+          <p:cNvSpPr>
+            <a:spLocks noGrp="1" noRot="1" noChangeAspect="1"/>
+          </p:cNvSpPr>
+          <p:nvPr>
+            <p:ph type="sldImg"/>
+          </p:nvPr>
+        </p:nvSpPr>
+        <p:spPr/>
+      </p:sp>
+      <p:sp>
+        <p:nvSpPr>
+          <p:cNvPr id="3" name="Notes Placeholder 2"/>
+          <p:cNvSpPr>
+            <a:spLocks noGrp="1"/>
+          </p:cNvSpPr>
+          <p:nvPr>
+            <p:ph type="body" idx="1"/>
+          </p:nvPr>
+        </p:nvSpPr>
+        <p:spPr/>
+        <p:txBody>
+          <a:bodyPr/>
+          <a:lstStyle/>
+          <a:p>
+            <a:endParaRPr lang="en-US"/>
+          </a:p>
+        </p:txBody>
+      </p:sp>
+      <p:sp>
+        <p:nvSpPr>
+          <p:cNvPr id="4" name="Slide Number Placeholder 3"/>
+          <p:cNvSpPr>
+            <a:spLocks noGrp="1"/>
+          </p:cNvSpPr>
+          <p:nvPr>
+            <p:ph type="sldNum" sz="quarter" idx="10"/>
+          </p:nvPr>
+        </p:nvSpPr>
+        <p:spPr/>
+        <p:txBody>
+          <a:bodyPr/>
+          <a:lstStyle/>
+          <a:p>
+            <a:fld id="{2DD38859-D812-4A73-B678-B854DCFCF772}" type="slidenum">
+              <a:rPr lang="en-US" smtClean="0"/>
+              <a:t>2</a:t>
+            </a:fld>
+            <a:endParaRPr lang="en-US"/>
+          </a:p>
+        </p:txBody>
+      </p:sp>
+    </p:spTree>
+    <p:extLst>
+      <p:ext uri="{BB962C8B-B14F-4D97-AF65-F5344CB8AC3E}">
+        <p14:creationId xmlns:p14="http://schemas.microsoft.com/office/powerpoint/2010/main" val="202524367"/>
+      </p:ext>
+    </p:extLst>
+  </p:cSld>
+  <p:clrMapOvr>
+    <a:masterClrMapping/>
+  </p:clrMapOvr>
+</p:notes>
 </file>
 
 <file path=ppt/slideLayouts/slideLayout1.xml><?xml version="1.0" encoding="utf-8"?>
@@ -8987,7 +9637,7 @@
           <a:p>
             <a:fld id="{02731B77-74DD-435B-A53C-CA736FF2054E}" type="datetimeFigureOut">
               <a:rPr lang="en-US" smtClean="0"/>
-              <a:t>4/30/2018</a:t>
+              <a:t>6/7/2018</a:t>
             </a:fld>
             <a:endParaRPr lang="en-US"/>
           </a:p>
@@ -9194,7 +9844,7 @@
           <a:p>
             <a:fld id="{02731B77-74DD-435B-A53C-CA736FF2054E}" type="datetimeFigureOut">
               <a:rPr lang="en-US" smtClean="0"/>
-              <a:t>4/30/2018</a:t>
+              <a:t>6/7/2018</a:t>
             </a:fld>
             <a:endParaRPr lang="en-US"/>
           </a:p>
@@ -9374,7 +10024,7 @@
           <a:p>
             <a:fld id="{02731B77-74DD-435B-A53C-CA736FF2054E}" type="datetimeFigureOut">
               <a:rPr lang="en-US" smtClean="0"/>
-              <a:t>4/30/2018</a:t>
+              <a:t>6/7/2018</a:t>
             </a:fld>
             <a:endParaRPr lang="en-US"/>
           </a:p>
@@ -9579,7 +10229,7 @@
           <a:p>
             <a:fld id="{02731B77-74DD-435B-A53C-CA736FF2054E}" type="datetimeFigureOut">
               <a:rPr lang="en-US" smtClean="0"/>
-              <a:t>4/30/2018</a:t>
+              <a:t>6/7/2018</a:t>
             </a:fld>
             <a:endParaRPr lang="en-US"/>
           </a:p>
@@ -18477,7 +19127,7 @@
           <a:p>
             <a:fld id="{02731B77-74DD-435B-A53C-CA736FF2054E}" type="datetimeFigureOut">
               <a:rPr lang="en-US" smtClean="0"/>
-              <a:t>4/30/2018</a:t>
+              <a:t>6/7/2018</a:t>
             </a:fld>
             <a:endParaRPr lang="en-US"/>
           </a:p>
@@ -18751,7 +19401,7 @@
           <a:p>
             <a:fld id="{02731B77-74DD-435B-A53C-CA736FF2054E}" type="datetimeFigureOut">
               <a:rPr lang="en-US" smtClean="0"/>
-              <a:t>4/30/2018</a:t>
+              <a:t>6/7/2018</a:t>
             </a:fld>
             <a:endParaRPr lang="en-US"/>
           </a:p>
@@ -19149,7 +19799,7 @@
           <a:p>
             <a:fld id="{02731B77-74DD-435B-A53C-CA736FF2054E}" type="datetimeFigureOut">
               <a:rPr lang="en-US" smtClean="0"/>
-              <a:t>4/30/2018</a:t>
+              <a:t>6/7/2018</a:t>
             </a:fld>
             <a:endParaRPr lang="en-US"/>
           </a:p>
@@ -19267,7 +19917,7 @@
           <a:p>
             <a:fld id="{02731B77-74DD-435B-A53C-CA736FF2054E}" type="datetimeFigureOut">
               <a:rPr lang="en-US" smtClean="0"/>
-              <a:t>4/30/2018</a:t>
+              <a:t>6/7/2018</a:t>
             </a:fld>
             <a:endParaRPr lang="en-US"/>
           </a:p>
@@ -19362,7 +20012,7 @@
           <a:p>
             <a:fld id="{02731B77-74DD-435B-A53C-CA736FF2054E}" type="datetimeFigureOut">
               <a:rPr lang="en-US" smtClean="0"/>
-              <a:t>4/30/2018</a:t>
+              <a:t>6/7/2018</a:t>
             </a:fld>
             <a:endParaRPr lang="en-US"/>
           </a:p>
@@ -19652,7 +20302,7 @@
           <a:p>
             <a:fld id="{02731B77-74DD-435B-A53C-CA736FF2054E}" type="datetimeFigureOut">
               <a:rPr lang="en-US" smtClean="0"/>
-              <a:t>4/30/2018</a:t>
+              <a:t>6/7/2018</a:t>
             </a:fld>
             <a:endParaRPr lang="en-US"/>
           </a:p>
@@ -19932,7 +20582,7 @@
           <a:p>
             <a:fld id="{02731B77-74DD-435B-A53C-CA736FF2054E}" type="datetimeFigureOut">
               <a:rPr lang="en-US" smtClean="0"/>
-              <a:t>4/30/2018</a:t>
+              <a:t>6/7/2018</a:t>
             </a:fld>
             <a:endParaRPr lang="en-US"/>
           </a:p>
@@ -20182,7 +20832,7 @@
           <a:p>
             <a:fld id="{02731B77-74DD-435B-A53C-CA736FF2054E}" type="datetimeFigureOut">
               <a:rPr lang="en-US" smtClean="0"/>
-              <a:t>4/30/2018</a:t>
+              <a:t>6/7/2018</a:t>
             </a:fld>
             <a:endParaRPr lang="en-US"/>
           </a:p>
@@ -20696,8 +21346,8 @@
         </p:nvSpPr>
         <p:spPr>
           <a:xfrm>
-            <a:off x="429904" y="4646239"/>
-            <a:ext cx="7772400" cy="1463040"/>
+            <a:off x="0" y="4931179"/>
+            <a:ext cx="8197516" cy="1633168"/>
           </a:xfrm>
         </p:spPr>
         <p:txBody>
@@ -20707,10 +21357,9 @@
           <a:lstStyle/>
           <a:p>
             <a:r>
-              <a:rPr lang="en-US" sz="3200" dirty="0" smtClean="0"/>
-              <a:t>PENERAPAN DAN PERBANDINGAN ARSITEKTUR MICROSERVICE TERHADAP ARSITEKTUR MONOLITIK PADA PERANGKAT LUNAK SISTEM INFORMASI MENEJEMEN RUMAH SAKIT</a:t>
-            </a:r>
-            <a:endParaRPr lang="en-US" sz="3200" dirty="0"/>
+              <a:rPr lang="en-US" sz="3200" dirty="0"/>
+              <a:t>PENERAPAN DAN PERBANDINGAN ARSITEKTUR MICROSERVICE TERHADAP ARSITEKTUR MONOLITIK UNTUK KASUS RAWAT JALAN PADA PERANGKAT LUNAK SISTEM INFORMASI MANAJEMEN RUMAH SAKIT</a:t>
+            </a:r>
           </a:p>
         </p:txBody>
       </p:sp>
@@ -21139,14 +21788,14 @@
                 <a:gridCol w="2377282">
                   <a:extLst>
                     <a:ext uri="{9D8B030D-6E8A-4147-A177-3AD203B41FA5}">
-                      <a16:colId xmlns:a16="http://schemas.microsoft.com/office/drawing/2014/main" val="2905065532"/>
+                      <a16:colId xmlns="" xmlns:a16="http://schemas.microsoft.com/office/drawing/2014/main" val="2905065532"/>
                     </a:ext>
                   </a:extLst>
                 </a:gridCol>
                 <a:gridCol w="2377282">
                   <a:extLst>
                     <a:ext uri="{9D8B030D-6E8A-4147-A177-3AD203B41FA5}">
-                      <a16:colId xmlns:a16="http://schemas.microsoft.com/office/drawing/2014/main" val="3802736106"/>
+                      <a16:colId xmlns="" xmlns:a16="http://schemas.microsoft.com/office/drawing/2014/main" val="3802736106"/>
                     </a:ext>
                   </a:extLst>
                 </a:gridCol>
@@ -21182,7 +21831,7 @@
                 </a:tc>
                 <a:extLst>
                   <a:ext uri="{0D108BD9-81ED-4DB2-BD59-A6C34878D82A}">
-                    <a16:rowId xmlns:a16="http://schemas.microsoft.com/office/drawing/2014/main" val="3168152095"/>
+                    <a16:rowId xmlns="" xmlns:a16="http://schemas.microsoft.com/office/drawing/2014/main" val="3168152095"/>
                   </a:ext>
                 </a:extLst>
               </a:tr>
@@ -21412,7 +22061,7 @@
                 </a:tc>
                 <a:extLst>
                   <a:ext uri="{0D108BD9-81ED-4DB2-BD59-A6C34878D82A}">
-                    <a16:rowId xmlns:a16="http://schemas.microsoft.com/office/drawing/2014/main" val="2919232402"/>
+                    <a16:rowId xmlns="" xmlns:a16="http://schemas.microsoft.com/office/drawing/2014/main" val="2919232402"/>
                   </a:ext>
                 </a:extLst>
               </a:tr>
@@ -22461,14 +23110,14 @@
                 <a:gridCol w="4860131">
                   <a:extLst>
                     <a:ext uri="{9D8B030D-6E8A-4147-A177-3AD203B41FA5}">
-                      <a16:colId xmlns:a16="http://schemas.microsoft.com/office/drawing/2014/main" val="239280373"/>
+                      <a16:colId xmlns="" xmlns:a16="http://schemas.microsoft.com/office/drawing/2014/main" val="239280373"/>
                     </a:ext>
                   </a:extLst>
                 </a:gridCol>
                 <a:gridCol w="4860131">
                   <a:extLst>
                     <a:ext uri="{9D8B030D-6E8A-4147-A177-3AD203B41FA5}">
-                      <a16:colId xmlns:a16="http://schemas.microsoft.com/office/drawing/2014/main" val="3475585816"/>
+                      <a16:colId xmlns="" xmlns:a16="http://schemas.microsoft.com/office/drawing/2014/main" val="3475585816"/>
                     </a:ext>
                   </a:extLst>
                 </a:gridCol>
@@ -22520,7 +23169,7 @@
                 </a:tc>
                 <a:extLst>
                   <a:ext uri="{0D108BD9-81ED-4DB2-BD59-A6C34878D82A}">
-                    <a16:rowId xmlns:a16="http://schemas.microsoft.com/office/drawing/2014/main" val="923669991"/>
+                    <a16:rowId xmlns="" xmlns:a16="http://schemas.microsoft.com/office/drawing/2014/main" val="923669991"/>
                   </a:ext>
                 </a:extLst>
               </a:tr>
@@ -22643,7 +23292,7 @@
                 </a:tc>
                 <a:extLst>
                   <a:ext uri="{0D108BD9-81ED-4DB2-BD59-A6C34878D82A}">
-                    <a16:rowId xmlns:a16="http://schemas.microsoft.com/office/drawing/2014/main" val="1000297399"/>
+                    <a16:rowId xmlns="" xmlns:a16="http://schemas.microsoft.com/office/drawing/2014/main" val="1000297399"/>
                   </a:ext>
                 </a:extLst>
               </a:tr>
@@ -25094,11 +25743,23 @@
             </a:r>
             <a:r>
               <a:rPr lang="en-US" dirty="0"/>
-              <a:t> -&gt; Test Plan -&gt; Test Result -&gt; Traceability </a:t>
-            </a:r>
-            <a:r>
-              <a:rPr lang="en-US" dirty="0" smtClean="0"/>
-              <a:t>Matrix</a:t>
+              <a:t> -&gt; Test Plan -&gt; Test Result -&gt; </a:t>
+            </a:r>
+            <a:r>
+              <a:rPr lang="en-US" dirty="0" err="1" smtClean="0"/>
+              <a:t>Tabe</a:t>
+            </a:r>
+            <a:r>
+              <a:rPr lang="en-US" dirty="0" err="1" smtClean="0"/>
+              <a:t>l</a:t>
+            </a:r>
+            <a:r>
+              <a:rPr lang="en-US" dirty="0" smtClean="0"/>
+              <a:t> </a:t>
+            </a:r>
+            <a:r>
+              <a:rPr lang="en-US" dirty="0" err="1" smtClean="0"/>
+              <a:t>Pengujian</a:t>
             </a:r>
             <a:endParaRPr lang="en-US" dirty="0"/>
           </a:p>
@@ -25157,10 +25818,6 @@
           <a:lstStyle/>
           <a:p>
             <a:r>
-              <a:rPr lang="en-US" dirty="0" smtClean="0"/>
-              <a:t>3. </a:t>
-            </a:r>
-            <a:r>
               <a:rPr lang="en-US" dirty="0" err="1" smtClean="0"/>
               <a:t>Analisa</a:t>
             </a:r>
@@ -25199,7 +25856,7 @@
           <a:bodyPr/>
           <a:lstStyle/>
           <a:p>
-            <a:endParaRPr lang="en-US"/>
+            <a:endParaRPr lang="en-US" dirty="0"/>
           </a:p>
         </p:txBody>
       </p:sp>
@@ -25261,11 +25918,7 @@
             </a:r>
             <a:r>
               <a:rPr lang="en-US" dirty="0" smtClean="0"/>
-              <a:t> </a:t>
-            </a:r>
-            <a:r>
-              <a:rPr lang="en-US" dirty="0" smtClean="0"/>
-              <a:t>software </a:t>
+              <a:t> software </a:t>
             </a:r>
             <a:r>
               <a:rPr lang="en-US" dirty="0" err="1" smtClean="0"/>
@@ -25471,8 +26124,21 @@
             </a:r>
             <a:r>
               <a:rPr lang="en-US" dirty="0" smtClean="0"/>
-              <a:t> database.</a:t>
-            </a:r>
+              <a:t> database</a:t>
+            </a:r>
+            <a:r>
+              <a:rPr lang="en-US" dirty="0" smtClean="0"/>
+              <a:t>. (+- 120 </a:t>
+            </a:r>
+            <a:r>
+              <a:rPr lang="en-US" dirty="0" err="1" smtClean="0"/>
+              <a:t>tabel</a:t>
+            </a:r>
+            <a:r>
+              <a:rPr lang="en-US" dirty="0" smtClean="0"/>
+              <a:t>)</a:t>
+            </a:r>
+            <a:endParaRPr lang="en-US" dirty="0" smtClean="0"/>
           </a:p>
           <a:p>
             <a:pPr marL="457200" indent="-457200">
@@ -25530,12 +26196,28 @@
               <a:t> </a:t>
             </a:r>
             <a:r>
+              <a:rPr lang="en-US" dirty="0" smtClean="0"/>
+              <a:t>/ </a:t>
+            </a:r>
+            <a:r>
+              <a:rPr lang="en-US" dirty="0" err="1" smtClean="0"/>
+              <a:t>tersentralisasi</a:t>
+            </a:r>
+            <a:r>
+              <a:rPr lang="en-US" dirty="0" smtClean="0"/>
+              <a:t> </a:t>
+            </a:r>
+            <a:r>
               <a:rPr lang="en-US" dirty="0" err="1" smtClean="0"/>
               <a:t>pada</a:t>
             </a:r>
             <a:r>
               <a:rPr lang="en-US" dirty="0" smtClean="0"/>
-              <a:t> 1 </a:t>
+              <a:t> </a:t>
+            </a:r>
+            <a:r>
+              <a:rPr lang="en-US" dirty="0" smtClean="0"/>
+              <a:t>1 </a:t>
             </a:r>
             <a:r>
               <a:rPr lang="en-US" dirty="0" err="1" smtClean="0"/>
@@ -25553,6 +26235,37 @@
               <a:rPr lang="en-US" dirty="0" smtClean="0"/>
               <a:t>.</a:t>
             </a:r>
+          </a:p>
+          <a:p>
+            <a:pPr marL="457200" indent="-457200">
+              <a:buFont typeface="+mj-lt"/>
+              <a:buAutoNum type="arabicPeriod"/>
+            </a:pPr>
+            <a:r>
+              <a:rPr lang="en-US" dirty="0" err="1" smtClean="0"/>
+              <a:t>Dikembangkan</a:t>
+            </a:r>
+            <a:r>
+              <a:rPr lang="en-US" dirty="0" smtClean="0"/>
+              <a:t> </a:t>
+            </a:r>
+            <a:r>
+              <a:rPr lang="en-US" dirty="0" err="1" smtClean="0"/>
+              <a:t>dalam</a:t>
+            </a:r>
+            <a:r>
+              <a:rPr lang="en-US" dirty="0" smtClean="0"/>
+              <a:t> </a:t>
+            </a:r>
+            <a:r>
+              <a:rPr lang="en-US" dirty="0" err="1" smtClean="0"/>
+              <a:t>bentuk</a:t>
+            </a:r>
+            <a:r>
+              <a:rPr lang="en-US" dirty="0" smtClean="0"/>
+              <a:t> desktop.</a:t>
+            </a:r>
+            <a:endParaRPr lang="en-US" dirty="0" smtClean="0"/>
           </a:p>
           <a:p>
             <a:pPr marL="457200" indent="-457200">
@@ -25723,6 +26436,324 @@
           <a:p>
             <a:r>
               <a:rPr lang="en-US" dirty="0" err="1" smtClean="0"/>
+              <a:t>Kekurangan</a:t>
+            </a:r>
+            <a:r>
+              <a:rPr lang="en-US" dirty="0" smtClean="0"/>
+              <a:t> </a:t>
+            </a:r>
+            <a:r>
+              <a:rPr lang="en-US" dirty="0" err="1" smtClean="0"/>
+              <a:t>arsitektur</a:t>
+            </a:r>
+            <a:r>
+              <a:rPr lang="en-US" dirty="0" smtClean="0"/>
+              <a:t> </a:t>
+            </a:r>
+            <a:r>
+              <a:rPr lang="en-US" dirty="0" err="1" smtClean="0"/>
+              <a:t>monolitik</a:t>
+            </a:r>
+            <a:endParaRPr lang="en-US" dirty="0"/>
+          </a:p>
+        </p:txBody>
+      </p:sp>
+      <p:sp>
+        <p:nvSpPr>
+          <p:cNvPr id="3" name="Content Placeholder 2"/>
+          <p:cNvSpPr>
+            <a:spLocks noGrp="1"/>
+          </p:cNvSpPr>
+          <p:nvPr>
+            <p:ph idx="1"/>
+          </p:nvPr>
+        </p:nvSpPr>
+        <p:spPr/>
+        <p:txBody>
+          <a:bodyPr/>
+          <a:lstStyle/>
+          <a:p>
+            <a:pPr marL="457200" indent="-457200">
+              <a:buFont typeface="+mj-lt"/>
+              <a:buAutoNum type="arabicPeriod"/>
+            </a:pPr>
+            <a:r>
+              <a:rPr lang="en-US" dirty="0" smtClean="0"/>
+              <a:t>Tingkat coupling yang </a:t>
+            </a:r>
+            <a:r>
+              <a:rPr lang="en-US" dirty="0" err="1" smtClean="0"/>
+              <a:t>tinggi</a:t>
+            </a:r>
+            <a:r>
+              <a:rPr lang="en-US" dirty="0" smtClean="0"/>
+              <a:t>.</a:t>
+            </a:r>
+            <a:endParaRPr lang="en-US" dirty="0" smtClean="0"/>
+          </a:p>
+          <a:p>
+            <a:pPr marL="457200" indent="-457200">
+              <a:buFont typeface="+mj-lt"/>
+              <a:buAutoNum type="arabicPeriod"/>
+            </a:pPr>
+            <a:r>
+              <a:rPr lang="en-US" dirty="0" smtClean="0"/>
+              <a:t>Model </a:t>
+            </a:r>
+            <a:r>
+              <a:rPr lang="en-US" dirty="0" err="1" smtClean="0"/>
+              <a:t>penyimpanan</a:t>
+            </a:r>
+            <a:r>
+              <a:rPr lang="en-US" dirty="0" smtClean="0"/>
+              <a:t> data yang </a:t>
+            </a:r>
+            <a:r>
+              <a:rPr lang="en-US" dirty="0" err="1" smtClean="0"/>
+              <a:t>kurang</a:t>
+            </a:r>
+            <a:r>
+              <a:rPr lang="en-US" dirty="0" smtClean="0"/>
+              <a:t> </a:t>
+            </a:r>
+            <a:r>
+              <a:rPr lang="en-US" dirty="0" err="1" smtClean="0"/>
+              <a:t>baik</a:t>
+            </a:r>
+            <a:r>
+              <a:rPr lang="en-US" dirty="0" smtClean="0"/>
+              <a:t>.</a:t>
+            </a:r>
+            <a:endParaRPr lang="en-US" dirty="0" smtClean="0"/>
+          </a:p>
+          <a:p>
+            <a:pPr marL="457200" indent="-457200">
+              <a:buFont typeface="+mj-lt"/>
+              <a:buAutoNum type="arabicPeriod"/>
+            </a:pPr>
+            <a:r>
+              <a:rPr lang="en-US" dirty="0" err="1" smtClean="0"/>
+              <a:t>Isu</a:t>
+            </a:r>
+            <a:r>
+              <a:rPr lang="en-US" dirty="0" smtClean="0"/>
+              <a:t> </a:t>
+            </a:r>
+            <a:r>
+              <a:rPr lang="en-US" dirty="0" err="1" smtClean="0"/>
+              <a:t>keamanan</a:t>
+            </a:r>
+            <a:r>
+              <a:rPr lang="en-US" dirty="0" smtClean="0"/>
+              <a:t> yang </a:t>
+            </a:r>
+            <a:r>
+              <a:rPr lang="en-US" dirty="0" err="1" smtClean="0"/>
+              <a:t>tinggi</a:t>
+            </a:r>
+            <a:r>
+              <a:rPr lang="en-US" dirty="0" smtClean="0"/>
+              <a:t>.</a:t>
+            </a:r>
+            <a:endParaRPr lang="en-US" dirty="0" smtClean="0"/>
+          </a:p>
+          <a:p>
+            <a:pPr marL="457200" indent="-457200">
+              <a:buFont typeface="+mj-lt"/>
+              <a:buAutoNum type="arabicPeriod"/>
+            </a:pPr>
+            <a:r>
+              <a:rPr lang="en-US" dirty="0" err="1" smtClean="0"/>
+              <a:t>Sistem</a:t>
+            </a:r>
+            <a:r>
+              <a:rPr lang="en-US" dirty="0" smtClean="0"/>
+              <a:t> </a:t>
+            </a:r>
+            <a:r>
+              <a:rPr lang="en-US" dirty="0" err="1" smtClean="0"/>
+              <a:t>tidak</a:t>
+            </a:r>
+            <a:r>
+              <a:rPr lang="en-US" dirty="0" smtClean="0"/>
+              <a:t> </a:t>
+            </a:r>
+            <a:r>
+              <a:rPr lang="en-US" dirty="0" err="1" smtClean="0"/>
+              <a:t>memberikan</a:t>
+            </a:r>
+            <a:r>
+              <a:rPr lang="en-US" dirty="0" smtClean="0"/>
+              <a:t> </a:t>
+            </a:r>
+            <a:r>
+              <a:rPr lang="en-US" dirty="0" err="1" smtClean="0"/>
+              <a:t>performa</a:t>
+            </a:r>
+            <a:r>
+              <a:rPr lang="en-US" dirty="0" smtClean="0"/>
+              <a:t> yang </a:t>
+            </a:r>
+            <a:r>
+              <a:rPr lang="en-US" dirty="0" err="1" smtClean="0"/>
+              <a:t>cukup</a:t>
+            </a:r>
+            <a:r>
+              <a:rPr lang="en-US" dirty="0" smtClean="0"/>
+              <a:t> </a:t>
+            </a:r>
+            <a:r>
+              <a:rPr lang="en-US" dirty="0" err="1" smtClean="0"/>
+              <a:t>baik</a:t>
+            </a:r>
+            <a:r>
+              <a:rPr lang="en-US" dirty="0" smtClean="0"/>
+              <a:t> </a:t>
+            </a:r>
+            <a:r>
+              <a:rPr lang="en-US" dirty="0" err="1" smtClean="0"/>
+              <a:t>ketika</a:t>
+            </a:r>
+            <a:r>
+              <a:rPr lang="en-US" dirty="0" smtClean="0"/>
+              <a:t> </a:t>
+            </a:r>
+            <a:r>
+              <a:rPr lang="en-US" dirty="0" err="1" smtClean="0"/>
+              <a:t>menangani</a:t>
+            </a:r>
+            <a:r>
+              <a:rPr lang="en-US" dirty="0" smtClean="0"/>
+              <a:t> </a:t>
+            </a:r>
+            <a:r>
+              <a:rPr lang="en-US" dirty="0" err="1" smtClean="0"/>
+              <a:t>banyak</a:t>
+            </a:r>
+            <a:r>
+              <a:rPr lang="en-US" dirty="0" smtClean="0"/>
+              <a:t> </a:t>
+            </a:r>
+            <a:r>
+              <a:rPr lang="en-US" dirty="0" smtClean="0"/>
+              <a:t>user.</a:t>
+            </a:r>
+          </a:p>
+          <a:p>
+            <a:pPr marL="457200" indent="-457200">
+              <a:buFont typeface="+mj-lt"/>
+              <a:buAutoNum type="arabicPeriod"/>
+            </a:pPr>
+            <a:r>
+              <a:rPr lang="en-US" dirty="0" smtClean="0"/>
+              <a:t>Tingkat </a:t>
+            </a:r>
+            <a:r>
+              <a:rPr lang="en-US" dirty="0" err="1" smtClean="0"/>
+              <a:t>efisiensi</a:t>
+            </a:r>
+            <a:r>
+              <a:rPr lang="en-US" dirty="0" smtClean="0"/>
+              <a:t> </a:t>
+            </a:r>
+            <a:r>
+              <a:rPr lang="en-US" dirty="0" err="1" smtClean="0"/>
+              <a:t>dari</a:t>
+            </a:r>
+            <a:r>
+              <a:rPr lang="en-US" dirty="0" smtClean="0"/>
+              <a:t> </a:t>
+            </a:r>
+            <a:r>
+              <a:rPr lang="en-US" dirty="0" err="1" smtClean="0"/>
+              <a:t>sisi</a:t>
+            </a:r>
+            <a:r>
+              <a:rPr lang="en-US" dirty="0" smtClean="0"/>
+              <a:t> </a:t>
+            </a:r>
+            <a:r>
+              <a:rPr lang="en-US" dirty="0" err="1" smtClean="0"/>
+              <a:t>pengembangan</a:t>
+            </a:r>
+            <a:r>
+              <a:rPr lang="en-US" dirty="0" smtClean="0"/>
+              <a:t> yang </a:t>
+            </a:r>
+            <a:r>
+              <a:rPr lang="en-US" dirty="0" err="1" smtClean="0"/>
+              <a:t>semakin</a:t>
+            </a:r>
+            <a:r>
+              <a:rPr lang="en-US" dirty="0" smtClean="0"/>
+              <a:t> </a:t>
+            </a:r>
+            <a:r>
+              <a:rPr lang="en-US" dirty="0" err="1" smtClean="0"/>
+              <a:t>menurun</a:t>
+            </a:r>
+            <a:r>
+              <a:rPr lang="en-US" dirty="0" smtClean="0"/>
+              <a:t>.</a:t>
+            </a:r>
+            <a:endParaRPr lang="en-US" dirty="0"/>
+          </a:p>
+        </p:txBody>
+      </p:sp>
+    </p:spTree>
+    <p:extLst>
+      <p:ext uri="{BB962C8B-B14F-4D97-AF65-F5344CB8AC3E}">
+        <p14:creationId xmlns:p14="http://schemas.microsoft.com/office/powerpoint/2010/main" val="3299405687"/>
+      </p:ext>
+    </p:extLst>
+  </p:cSld>
+  <p:clrMapOvr>
+    <a:masterClrMapping/>
+  </p:clrMapOvr>
+  <p:timing>
+    <p:tnLst>
+      <p:par>
+        <p:cTn id="1" dur="indefinite" restart="never" nodeType="tmRoot"/>
+      </p:par>
+    </p:tnLst>
+  </p:timing>
+</p:sld>
+</file>
+
+<file path=ppt/slides/slide28.xml><?xml version="1.0" encoding="utf-8"?>
+<p:sld xmlns:a="http://schemas.openxmlformats.org/drawingml/2006/main" xmlns:r="http://schemas.openxmlformats.org/officeDocument/2006/relationships" xmlns:p="http://schemas.openxmlformats.org/presentationml/2006/main">
+  <p:cSld>
+    <p:spTree>
+      <p:nvGrpSpPr>
+        <p:cNvPr id="1" name=""/>
+        <p:cNvGrpSpPr/>
+        <p:nvPr/>
+      </p:nvGrpSpPr>
+      <p:grpSpPr>
+        <a:xfrm>
+          <a:off x="0" y="0"/>
+          <a:ext cx="0" cy="0"/>
+          <a:chOff x="0" y="0"/>
+          <a:chExt cx="0" cy="0"/>
+        </a:xfrm>
+      </p:grpSpPr>
+      <p:sp>
+        <p:nvSpPr>
+          <p:cNvPr id="2" name="Title 1"/>
+          <p:cNvSpPr>
+            <a:spLocks noGrp="1"/>
+          </p:cNvSpPr>
+          <p:nvPr>
+            <p:ph type="title"/>
+          </p:nvPr>
+        </p:nvSpPr>
+        <p:spPr/>
+        <p:txBody>
+          <a:bodyPr/>
+          <a:lstStyle/>
+          <a:p>
+            <a:r>
+              <a:rPr lang="en-US" dirty="0" err="1" smtClean="0"/>
               <a:t>Tinjauan</a:t>
             </a:r>
             <a:r>
@@ -25805,7 +26836,7 @@
 </p:sld>
 </file>
 
-<file path=ppt/slides/slide28.xml><?xml version="1.0" encoding="utf-8"?>
+<file path=ppt/slides/slide29.xml><?xml version="1.0" encoding="utf-8"?>
 <p:sld xmlns:a="http://schemas.openxmlformats.org/drawingml/2006/main" xmlns:r="http://schemas.openxmlformats.org/officeDocument/2006/relationships" xmlns:p="http://schemas.openxmlformats.org/presentationml/2006/main">
   <p:cSld>
     <p:spTree>
@@ -25921,202 +26952,6 @@
 </p:sld>
 </file>
 
-<file path=ppt/slides/slide29.xml><?xml version="1.0" encoding="utf-8"?>
-<p:sld xmlns:a="http://schemas.openxmlformats.org/drawingml/2006/main" xmlns:r="http://schemas.openxmlformats.org/officeDocument/2006/relationships" xmlns:p="http://schemas.openxmlformats.org/presentationml/2006/main">
-  <p:cSld>
-    <p:spTree>
-      <p:nvGrpSpPr>
-        <p:cNvPr id="1" name=""/>
-        <p:cNvGrpSpPr/>
-        <p:nvPr/>
-      </p:nvGrpSpPr>
-      <p:grpSpPr>
-        <a:xfrm>
-          <a:off x="0" y="0"/>
-          <a:ext cx="0" cy="0"/>
-          <a:chOff x="0" y="0"/>
-          <a:chExt cx="0" cy="0"/>
-        </a:xfrm>
-      </p:grpSpPr>
-      <p:sp>
-        <p:nvSpPr>
-          <p:cNvPr id="2" name="Title 1"/>
-          <p:cNvSpPr>
-            <a:spLocks noGrp="1"/>
-          </p:cNvSpPr>
-          <p:nvPr>
-            <p:ph type="title"/>
-          </p:nvPr>
-        </p:nvSpPr>
-        <p:spPr/>
-        <p:txBody>
-          <a:bodyPr/>
-          <a:lstStyle/>
-          <a:p>
-            <a:r>
-              <a:rPr lang="en-US" dirty="0" err="1" smtClean="0"/>
-              <a:t>Identifikasi</a:t>
-            </a:r>
-            <a:r>
-              <a:rPr lang="en-US" dirty="0" smtClean="0"/>
-              <a:t> </a:t>
-            </a:r>
-            <a:r>
-              <a:rPr lang="en-US" dirty="0" err="1" smtClean="0"/>
-              <a:t>teknologi</a:t>
-            </a:r>
-            <a:r>
-              <a:rPr lang="en-US" dirty="0" smtClean="0"/>
-              <a:t> software </a:t>
-            </a:r>
-            <a:r>
-              <a:rPr lang="en-US" dirty="0" err="1" smtClean="0"/>
-              <a:t>apertura</a:t>
-            </a:r>
-            <a:endParaRPr lang="en-US" dirty="0"/>
-          </a:p>
-        </p:txBody>
-      </p:sp>
-      <p:sp>
-        <p:nvSpPr>
-          <p:cNvPr id="3" name="Content Placeholder 2"/>
-          <p:cNvSpPr>
-            <a:spLocks noGrp="1"/>
-          </p:cNvSpPr>
-          <p:nvPr>
-            <p:ph idx="1"/>
-          </p:nvPr>
-        </p:nvSpPr>
-        <p:spPr/>
-        <p:txBody>
-          <a:bodyPr/>
-          <a:lstStyle/>
-          <a:p>
-            <a:pPr marL="457200" indent="-457200">
-              <a:buFont typeface="+mj-lt"/>
-              <a:buAutoNum type="arabicPeriod"/>
-            </a:pPr>
-            <a:r>
-              <a:rPr lang="en-US" dirty="0" err="1" smtClean="0"/>
-              <a:t>Tersentralisasi</a:t>
-            </a:r>
-            <a:r>
-              <a:rPr lang="en-US" dirty="0" smtClean="0"/>
-              <a:t> </a:t>
-            </a:r>
-            <a:r>
-              <a:rPr lang="en-US" dirty="0" err="1" smtClean="0"/>
-              <a:t>dalam</a:t>
-            </a:r>
-            <a:r>
-              <a:rPr lang="en-US" dirty="0" smtClean="0"/>
-              <a:t> 1 </a:t>
-            </a:r>
-            <a:r>
-              <a:rPr lang="en-US" dirty="0" err="1" smtClean="0"/>
-              <a:t>buah</a:t>
-            </a:r>
-            <a:r>
-              <a:rPr lang="en-US" dirty="0" smtClean="0"/>
-              <a:t> server</a:t>
-            </a:r>
-          </a:p>
-          <a:p>
-            <a:pPr marL="457200" indent="-457200">
-              <a:buFont typeface="+mj-lt"/>
-              <a:buAutoNum type="arabicPeriod"/>
-            </a:pPr>
-            <a:r>
-              <a:rPr lang="en-US" dirty="0" err="1" smtClean="0"/>
-              <a:t>Memiliki</a:t>
-            </a:r>
-            <a:r>
-              <a:rPr lang="en-US" dirty="0" smtClean="0"/>
-              <a:t> </a:t>
-            </a:r>
-            <a:r>
-              <a:rPr lang="en-US" dirty="0" err="1" smtClean="0"/>
-              <a:t>kurang</a:t>
-            </a:r>
-            <a:r>
-              <a:rPr lang="en-US" dirty="0" smtClean="0"/>
-              <a:t> </a:t>
-            </a:r>
-            <a:r>
-              <a:rPr lang="en-US" dirty="0" err="1" smtClean="0"/>
-              <a:t>lebih</a:t>
-            </a:r>
-            <a:r>
-              <a:rPr lang="en-US" dirty="0" smtClean="0"/>
-              <a:t> 120 table </a:t>
-            </a:r>
-            <a:r>
-              <a:rPr lang="en-US" dirty="0" err="1" smtClean="0"/>
-              <a:t>dalam</a:t>
-            </a:r>
-            <a:r>
-              <a:rPr lang="en-US" dirty="0" smtClean="0"/>
-              <a:t> 1 </a:t>
-            </a:r>
-            <a:r>
-              <a:rPr lang="en-US" dirty="0" err="1" smtClean="0"/>
-              <a:t>buah</a:t>
-            </a:r>
-            <a:r>
-              <a:rPr lang="en-US" dirty="0" smtClean="0"/>
-              <a:t> database (PostgreSQL)</a:t>
-            </a:r>
-          </a:p>
-          <a:p>
-            <a:pPr marL="457200" indent="-457200">
-              <a:buFont typeface="+mj-lt"/>
-              <a:buAutoNum type="arabicPeriod"/>
-            </a:pPr>
-            <a:r>
-              <a:rPr lang="en-US" dirty="0" err="1" smtClean="0"/>
-              <a:t>Dikembangkan</a:t>
-            </a:r>
-            <a:r>
-              <a:rPr lang="en-US" dirty="0" smtClean="0"/>
-              <a:t> </a:t>
-            </a:r>
-            <a:r>
-              <a:rPr lang="en-US" dirty="0" err="1" smtClean="0"/>
-              <a:t>dalam</a:t>
-            </a:r>
-            <a:r>
-              <a:rPr lang="en-US" dirty="0" smtClean="0"/>
-              <a:t> </a:t>
-            </a:r>
-            <a:r>
-              <a:rPr lang="en-US" dirty="0" err="1" smtClean="0"/>
-              <a:t>bentuk</a:t>
-            </a:r>
-            <a:r>
-              <a:rPr lang="en-US" dirty="0" smtClean="0"/>
-              <a:t> </a:t>
-            </a:r>
-            <a:r>
-              <a:rPr lang="en-US" i="1" dirty="0" smtClean="0"/>
-              <a:t>desktop.</a:t>
-            </a:r>
-            <a:endParaRPr lang="en-US" dirty="0"/>
-          </a:p>
-        </p:txBody>
-      </p:sp>
-    </p:spTree>
-    <p:extLst>
-      <p:ext uri="{BB962C8B-B14F-4D97-AF65-F5344CB8AC3E}">
-        <p14:creationId xmlns:p14="http://schemas.microsoft.com/office/powerpoint/2010/main" val="2816860820"/>
-      </p:ext>
-    </p:extLst>
-  </p:cSld>
-  <p:clrMapOvr>
-    <a:masterClrMapping/>
-  </p:clrMapOvr>
-</p:sld>
-</file>
-
 <file path=ppt/slides/slide3.xml><?xml version="1.0" encoding="utf-8"?>
 <p:sld xmlns:a="http://schemas.openxmlformats.org/drawingml/2006/main" xmlns:r="http://schemas.openxmlformats.org/officeDocument/2006/relationships" xmlns:p="http://schemas.openxmlformats.org/presentationml/2006/main">
   <p:cSld>
@@ -26210,105 +27045,6 @@
               <a:buChar char="•"/>
             </a:pPr>
             <a:r>
-              <a:rPr lang="en-US" dirty="0" smtClean="0"/>
-              <a:t> </a:t>
-            </a:r>
-            <a:r>
-              <a:rPr lang="en-US" dirty="0" err="1" smtClean="0"/>
-              <a:t>Bagaimana</a:t>
-            </a:r>
-            <a:r>
-              <a:rPr lang="en-US" dirty="0" smtClean="0"/>
-              <a:t> </a:t>
-            </a:r>
-            <a:r>
-              <a:rPr lang="en-US" dirty="0" err="1" smtClean="0"/>
-              <a:t>mendesain</a:t>
-            </a:r>
-            <a:r>
-              <a:rPr lang="en-US" dirty="0" smtClean="0"/>
-              <a:t> </a:t>
-            </a:r>
-            <a:r>
-              <a:rPr lang="en-US" dirty="0" err="1" smtClean="0"/>
-              <a:t>arsitektur</a:t>
-            </a:r>
-            <a:r>
-              <a:rPr lang="en-US" dirty="0" smtClean="0"/>
-              <a:t> </a:t>
-            </a:r>
-            <a:r>
-              <a:rPr lang="en-US" dirty="0" err="1" smtClean="0"/>
-              <a:t>microservice</a:t>
-            </a:r>
-            <a:r>
-              <a:rPr lang="en-US" dirty="0" smtClean="0"/>
-              <a:t> yang paling </a:t>
-            </a:r>
-            <a:r>
-              <a:rPr lang="en-US" dirty="0" err="1" smtClean="0"/>
-              <a:t>tepat</a:t>
-            </a:r>
-            <a:r>
-              <a:rPr lang="en-US" dirty="0" smtClean="0"/>
-              <a:t>/</a:t>
-            </a:r>
-            <a:r>
-              <a:rPr lang="en-US" dirty="0" err="1" smtClean="0"/>
-              <a:t>sesuai</a:t>
-            </a:r>
-            <a:r>
-              <a:rPr lang="en-US" dirty="0" smtClean="0"/>
-              <a:t> </a:t>
-            </a:r>
-            <a:r>
-              <a:rPr lang="en-US" dirty="0" err="1" smtClean="0"/>
-              <a:t>untuk</a:t>
-            </a:r>
-            <a:r>
-              <a:rPr lang="en-US" dirty="0" smtClean="0"/>
-              <a:t> </a:t>
-            </a:r>
-            <a:r>
-              <a:rPr lang="en-US" dirty="0" err="1" smtClean="0"/>
-              <a:t>aplikasi</a:t>
-            </a:r>
-            <a:r>
-              <a:rPr lang="en-US" dirty="0" smtClean="0"/>
-              <a:t> </a:t>
-            </a:r>
-            <a:r>
-              <a:rPr lang="en-US" dirty="0" err="1" smtClean="0"/>
-              <a:t>perangkat</a:t>
-            </a:r>
-            <a:r>
-              <a:rPr lang="en-US" dirty="0" smtClean="0"/>
-              <a:t> </a:t>
-            </a:r>
-            <a:r>
-              <a:rPr lang="en-US" dirty="0" err="1" smtClean="0"/>
-              <a:t>lunak</a:t>
-            </a:r>
-            <a:r>
-              <a:rPr lang="en-US" dirty="0" smtClean="0"/>
-              <a:t> </a:t>
-            </a:r>
-            <a:r>
-              <a:rPr lang="en-US" dirty="0" err="1" smtClean="0"/>
-              <a:t>Apertura</a:t>
-            </a:r>
-            <a:endParaRPr lang="en-US" dirty="0" smtClean="0"/>
-          </a:p>
-          <a:p>
-            <a:pPr>
-              <a:buFont typeface="Arial" panose="020B0604020202020204" pitchFamily="34" charset="0"/>
-              <a:buChar char="•"/>
-            </a:pPr>
-            <a:r>
-              <a:rPr lang="en-US" dirty="0" smtClean="0"/>
-              <a:t> </a:t>
-            </a:r>
-            <a:r>
               <a:rPr lang="en-US" dirty="0" err="1" smtClean="0"/>
               <a:t>Bagaimana</a:t>
             </a:r>
@@ -26511,7 +27247,7 @@
         <p:spPr/>
         <p:txBody>
           <a:bodyPr>
-            <a:normAutofit lnSpcReduction="10000"/>
+            <a:normAutofit/>
           </a:bodyPr>
           <a:lstStyle/>
           <a:p>
@@ -26600,243 +27336,6 @@
               <a:t>lainnya</a:t>
             </a:r>
             <a:endParaRPr lang="en-US" dirty="0" smtClean="0"/>
-          </a:p>
-          <a:p>
-            <a:pPr>
-              <a:buFont typeface="Arial" panose="020B0604020202020204" pitchFamily="34" charset="0"/>
-              <a:buChar char="•"/>
-            </a:pPr>
-            <a:r>
-              <a:rPr lang="en-US" dirty="0" smtClean="0"/>
-              <a:t> </a:t>
-            </a:r>
-            <a:r>
-              <a:rPr lang="en-US" dirty="0" err="1" smtClean="0"/>
-              <a:t>Sebagian</a:t>
-            </a:r>
-            <a:r>
-              <a:rPr lang="en-US" dirty="0" smtClean="0"/>
-              <a:t> data yang </a:t>
-            </a:r>
-            <a:r>
-              <a:rPr lang="en-US" dirty="0" err="1" smtClean="0"/>
-              <a:t>digunakan</a:t>
-            </a:r>
-            <a:r>
-              <a:rPr lang="en-US" dirty="0" smtClean="0"/>
-              <a:t> </a:t>
-            </a:r>
-            <a:r>
-              <a:rPr lang="en-US" dirty="0" err="1" smtClean="0"/>
-              <a:t>dalam</a:t>
-            </a:r>
-            <a:r>
-              <a:rPr lang="en-US" dirty="0" smtClean="0"/>
-              <a:t> </a:t>
-            </a:r>
-            <a:r>
-              <a:rPr lang="en-US" dirty="0" err="1" smtClean="0"/>
-              <a:t>penelitian</a:t>
-            </a:r>
-            <a:r>
-              <a:rPr lang="en-US" dirty="0" smtClean="0"/>
-              <a:t> </a:t>
-            </a:r>
-            <a:r>
-              <a:rPr lang="en-US" dirty="0" err="1" smtClean="0"/>
-              <a:t>bersifat</a:t>
-            </a:r>
-            <a:r>
-              <a:rPr lang="en-US" dirty="0" smtClean="0"/>
-              <a:t> </a:t>
-            </a:r>
-            <a:r>
-              <a:rPr lang="en-US" dirty="0" err="1" smtClean="0"/>
-              <a:t>tertutup</a:t>
-            </a:r>
-            <a:r>
-              <a:rPr lang="en-US" dirty="0" smtClean="0"/>
-              <a:t> </a:t>
-            </a:r>
-            <a:r>
-              <a:rPr lang="en-US" dirty="0" err="1" smtClean="0"/>
-              <a:t>karena</a:t>
-            </a:r>
-            <a:r>
-              <a:rPr lang="en-US" dirty="0" smtClean="0"/>
-              <a:t> </a:t>
-            </a:r>
-            <a:r>
-              <a:rPr lang="en-US" dirty="0" err="1" smtClean="0"/>
-              <a:t>menyangkut</a:t>
-            </a:r>
-            <a:r>
-              <a:rPr lang="en-US" dirty="0" smtClean="0"/>
-              <a:t> </a:t>
-            </a:r>
-            <a:r>
-              <a:rPr lang="en-US" dirty="0" err="1" smtClean="0"/>
-              <a:t>hal</a:t>
-            </a:r>
-            <a:r>
-              <a:rPr lang="en-US" dirty="0" smtClean="0"/>
-              <a:t> </a:t>
-            </a:r>
-            <a:r>
-              <a:rPr lang="en-US" dirty="0" err="1" smtClean="0"/>
-              <a:t>privasi</a:t>
-            </a:r>
-            <a:r>
-              <a:rPr lang="en-US" dirty="0" smtClean="0"/>
-              <a:t> </a:t>
-            </a:r>
-            <a:r>
-              <a:rPr lang="en-US" dirty="0" err="1" smtClean="0"/>
-              <a:t>rumah</a:t>
-            </a:r>
-            <a:r>
-              <a:rPr lang="en-US" dirty="0" smtClean="0"/>
-              <a:t> </a:t>
-            </a:r>
-            <a:r>
-              <a:rPr lang="en-US" dirty="0" err="1" smtClean="0"/>
-              <a:t>sakit</a:t>
-            </a:r>
-            <a:r>
-              <a:rPr lang="en-US" dirty="0" smtClean="0"/>
-              <a:t>.</a:t>
-            </a:r>
-          </a:p>
-          <a:p>
-            <a:pPr>
-              <a:buFont typeface="Arial" panose="020B0604020202020204" pitchFamily="34" charset="0"/>
-              <a:buChar char="•"/>
-            </a:pPr>
-            <a:r>
-              <a:rPr lang="en-US" dirty="0" smtClean="0"/>
-              <a:t> </a:t>
-            </a:r>
-            <a:r>
-              <a:rPr lang="en-US" dirty="0" err="1" smtClean="0"/>
-              <a:t>Fokus</a:t>
-            </a:r>
-            <a:r>
-              <a:rPr lang="en-US" dirty="0" smtClean="0"/>
-              <a:t> </a:t>
-            </a:r>
-            <a:r>
-              <a:rPr lang="en-US" dirty="0" err="1" smtClean="0"/>
-              <a:t>utama</a:t>
-            </a:r>
-            <a:r>
-              <a:rPr lang="en-US" dirty="0" smtClean="0"/>
-              <a:t> </a:t>
-            </a:r>
-            <a:r>
-              <a:rPr lang="en-US" dirty="0" err="1" smtClean="0"/>
-              <a:t>penelitian</a:t>
-            </a:r>
-            <a:r>
-              <a:rPr lang="en-US" dirty="0" smtClean="0"/>
-              <a:t> </a:t>
-            </a:r>
-            <a:r>
-              <a:rPr lang="en-US" dirty="0" err="1" smtClean="0"/>
-              <a:t>berupa</a:t>
-            </a:r>
-            <a:r>
-              <a:rPr lang="en-US" dirty="0" smtClean="0"/>
-              <a:t> </a:t>
-            </a:r>
-            <a:r>
-              <a:rPr lang="en-US" dirty="0" err="1" smtClean="0"/>
-              <a:t>analisis</a:t>
-            </a:r>
-            <a:r>
-              <a:rPr lang="en-US" dirty="0"/>
-              <a:t> </a:t>
-            </a:r>
-            <a:r>
-              <a:rPr lang="en-US" dirty="0" err="1" smtClean="0"/>
-              <a:t>perancangan</a:t>
-            </a:r>
-            <a:r>
-              <a:rPr lang="en-US" dirty="0" smtClean="0"/>
-              <a:t> </a:t>
-            </a:r>
-            <a:r>
-              <a:rPr lang="en-US" dirty="0" err="1" smtClean="0"/>
-              <a:t>arsitektur</a:t>
-            </a:r>
-            <a:r>
-              <a:rPr lang="en-US" dirty="0" smtClean="0"/>
-              <a:t> </a:t>
-            </a:r>
-            <a:r>
-              <a:rPr lang="en-US" dirty="0" err="1" smtClean="0"/>
-              <a:t>dan</a:t>
-            </a:r>
-            <a:r>
-              <a:rPr lang="en-US" dirty="0" smtClean="0"/>
-              <a:t> </a:t>
-            </a:r>
-            <a:r>
-              <a:rPr lang="en-US" dirty="0" err="1" smtClean="0"/>
-              <a:t>uji</a:t>
-            </a:r>
-            <a:r>
-              <a:rPr lang="en-US" dirty="0" smtClean="0"/>
-              <a:t> </a:t>
-            </a:r>
-            <a:r>
-              <a:rPr lang="en-US" dirty="0" err="1" smtClean="0"/>
-              <a:t>coba</a:t>
-            </a:r>
-            <a:r>
-              <a:rPr lang="en-US" dirty="0" smtClean="0"/>
-              <a:t> </a:t>
-            </a:r>
-            <a:r>
-              <a:rPr lang="en-US" dirty="0" err="1" smtClean="0"/>
-              <a:t>perbandingan</a:t>
-            </a:r>
-            <a:r>
-              <a:rPr lang="en-US" dirty="0" smtClean="0"/>
-              <a:t> </a:t>
-            </a:r>
-            <a:r>
-              <a:rPr lang="en-US" dirty="0" err="1" smtClean="0"/>
-              <a:t>performa</a:t>
-            </a:r>
-            <a:r>
-              <a:rPr lang="en-US" dirty="0" smtClean="0"/>
-              <a:t> yang </a:t>
-            </a:r>
-            <a:r>
-              <a:rPr lang="en-US" dirty="0" err="1" smtClean="0"/>
-              <a:t>dibuat</a:t>
-            </a:r>
-            <a:r>
-              <a:rPr lang="en-US" dirty="0" smtClean="0"/>
-              <a:t> </a:t>
-            </a:r>
-            <a:r>
-              <a:rPr lang="en-US" dirty="0" err="1" smtClean="0"/>
-              <a:t>dalam</a:t>
-            </a:r>
-            <a:r>
-              <a:rPr lang="en-US" dirty="0" smtClean="0"/>
-              <a:t> </a:t>
-            </a:r>
-            <a:r>
-              <a:rPr lang="en-US" dirty="0" err="1" smtClean="0"/>
-              <a:t>bentuk</a:t>
-            </a:r>
-            <a:r>
-              <a:rPr lang="en-US" dirty="0" smtClean="0"/>
-              <a:t> prototype</a:t>
-            </a:r>
-            <a:endParaRPr lang="en-US" dirty="0"/>
           </a:p>
         </p:txBody>
       </p:sp>
@@ -26894,23 +27393,7 @@
           <a:p>
             <a:r>
               <a:rPr lang="en-US" dirty="0" err="1" smtClean="0"/>
-              <a:t>Kekurangan</a:t>
-            </a:r>
-            <a:r>
-              <a:rPr lang="en-US" dirty="0" smtClean="0"/>
-              <a:t> </a:t>
-            </a:r>
-            <a:r>
-              <a:rPr lang="en-US" dirty="0" err="1" smtClean="0"/>
-              <a:t>arsitektur</a:t>
-            </a:r>
-            <a:r>
-              <a:rPr lang="en-US" dirty="0" smtClean="0"/>
-              <a:t> </a:t>
-            </a:r>
-            <a:r>
-              <a:rPr lang="en-US" dirty="0" err="1" smtClean="0"/>
-              <a:t>monolitik</a:t>
+              <a:t>Perancangan</a:t>
             </a:r>
             <a:endParaRPr lang="en-US" dirty="0"/>
           </a:p>
@@ -26931,169 +27414,343 @@
           <a:bodyPr/>
           <a:lstStyle/>
           <a:p>
-            <a:pPr marL="457200" indent="-457200">
-              <a:buFont typeface="+mj-lt"/>
-              <a:buAutoNum type="arabicPeriod"/>
+            <a:pPr marL="0" indent="0">
+              <a:buNone/>
             </a:pPr>
             <a:r>
-              <a:rPr lang="en-US" dirty="0" smtClean="0"/>
-              <a:t>Tingkat coupling yang </a:t>
-            </a:r>
-            <a:r>
-              <a:rPr lang="en-US" dirty="0" err="1" smtClean="0"/>
-              <a:t>tinggi</a:t>
-            </a:r>
+              <a:rPr lang="en-US" dirty="0" err="1" smtClean="0"/>
+              <a:t>Perancangan</a:t>
+            </a:r>
+            <a:r>
+              <a:rPr lang="en-US" dirty="0" smtClean="0"/>
+              <a:t> </a:t>
+            </a:r>
+            <a:r>
+              <a:rPr lang="en-US" dirty="0" err="1" smtClean="0"/>
+              <a:t>arsitektur</a:t>
+            </a:r>
+            <a:r>
+              <a:rPr lang="en-US" dirty="0" smtClean="0"/>
+              <a:t> yang </a:t>
+            </a:r>
+            <a:r>
+              <a:rPr lang="en-US" dirty="0" err="1" smtClean="0"/>
+              <a:t>baru</a:t>
+            </a:r>
+            <a:r>
+              <a:rPr lang="en-US" dirty="0" smtClean="0"/>
+              <a:t> </a:t>
+            </a:r>
+            <a:r>
+              <a:rPr lang="en-US" dirty="0" err="1" smtClean="0"/>
+              <a:t>merupakan</a:t>
+            </a:r>
+            <a:r>
+              <a:rPr lang="en-US" dirty="0" smtClean="0"/>
+              <a:t> </a:t>
+            </a:r>
+            <a:r>
+              <a:rPr lang="en-US" dirty="0" err="1" smtClean="0"/>
+              <a:t>hasil</a:t>
+            </a:r>
+            <a:r>
+              <a:rPr lang="en-US" dirty="0" smtClean="0"/>
+              <a:t> </a:t>
+            </a:r>
+            <a:r>
+              <a:rPr lang="en-US" dirty="0" err="1" smtClean="0"/>
+              <a:t>analisa</a:t>
+            </a:r>
+            <a:r>
+              <a:rPr lang="en-US" dirty="0" smtClean="0"/>
+              <a:t> </a:t>
+            </a:r>
+            <a:r>
+              <a:rPr lang="en-US" dirty="0" err="1" smtClean="0"/>
+              <a:t>dari</a:t>
+            </a:r>
+            <a:r>
+              <a:rPr lang="en-US" dirty="0" smtClean="0"/>
+              <a:t> proses </a:t>
+            </a:r>
+            <a:r>
+              <a:rPr lang="en-US" dirty="0" err="1" smtClean="0"/>
+              <a:t>bisnis</a:t>
+            </a:r>
+            <a:r>
+              <a:rPr lang="en-US" dirty="0" smtClean="0"/>
+              <a:t> </a:t>
+            </a:r>
+            <a:r>
+              <a:rPr lang="en-US" dirty="0" err="1" smtClean="0"/>
+              <a:t>rawat</a:t>
+            </a:r>
+            <a:r>
+              <a:rPr lang="en-US" dirty="0" smtClean="0"/>
+              <a:t> </a:t>
+            </a:r>
+            <a:r>
+              <a:rPr lang="en-US" dirty="0" err="1" smtClean="0"/>
+              <a:t>jalan</a:t>
+            </a:r>
+            <a:r>
+              <a:rPr lang="en-US" dirty="0" smtClean="0"/>
+              <a:t> SIM RS </a:t>
+            </a:r>
+            <a:r>
+              <a:rPr lang="en-US" dirty="0" err="1" smtClean="0"/>
+              <a:t>seperti</a:t>
+            </a:r>
+            <a:r>
+              <a:rPr lang="en-US" dirty="0" smtClean="0"/>
+              <a:t> yang </a:t>
+            </a:r>
+            <a:r>
+              <a:rPr lang="en-US" dirty="0" err="1" smtClean="0"/>
+              <a:t>terlampir</a:t>
+            </a:r>
+            <a:r>
+              <a:rPr lang="en-US" dirty="0" smtClean="0"/>
+              <a:t> </a:t>
+            </a:r>
+            <a:r>
+              <a:rPr lang="en-US" dirty="0" err="1" smtClean="0"/>
+              <a:t>pada</a:t>
+            </a:r>
+            <a:r>
+              <a:rPr lang="en-US" dirty="0" smtClean="0"/>
+              <a:t> </a:t>
+            </a:r>
+            <a:r>
+              <a:rPr lang="en-US" dirty="0" err="1" smtClean="0"/>
+              <a:t>gambar</a:t>
+            </a:r>
+            <a:r>
+              <a:rPr lang="en-US" dirty="0" smtClean="0"/>
+              <a:t> 3.2.</a:t>
+            </a:r>
+          </a:p>
+          <a:p>
+            <a:pPr marL="0" indent="0">
+              <a:buNone/>
+            </a:pPr>
+            <a:r>
+              <a:rPr lang="en-US" dirty="0" smtClean="0"/>
+              <a:t>Dari </a:t>
+            </a:r>
+            <a:r>
+              <a:rPr lang="en-US" dirty="0" err="1" smtClean="0"/>
+              <a:t>hasil</a:t>
+            </a:r>
+            <a:r>
+              <a:rPr lang="en-US" dirty="0"/>
+              <a:t> </a:t>
+            </a:r>
+            <a:r>
+              <a:rPr lang="en-US" dirty="0" err="1" smtClean="0"/>
+              <a:t>analisis</a:t>
+            </a:r>
+            <a:r>
+              <a:rPr lang="en-US" dirty="0" smtClean="0"/>
+              <a:t> </a:t>
+            </a:r>
+            <a:r>
+              <a:rPr lang="en-US" dirty="0" err="1" smtClean="0"/>
+              <a:t>dihasilkan</a:t>
+            </a:r>
+            <a:r>
+              <a:rPr lang="en-US" dirty="0" smtClean="0"/>
+              <a:t> 5 </a:t>
+            </a:r>
+            <a:r>
+              <a:rPr lang="en-US" dirty="0" err="1" smtClean="0"/>
+              <a:t>modul</a:t>
+            </a:r>
+            <a:r>
+              <a:rPr lang="en-US" dirty="0" smtClean="0"/>
+              <a:t> yang </a:t>
+            </a:r>
+            <a:r>
+              <a:rPr lang="en-US" dirty="0" err="1" smtClean="0"/>
+              <a:t>membentuk</a:t>
+            </a:r>
+            <a:r>
+              <a:rPr lang="en-US" dirty="0" smtClean="0"/>
+              <a:t> proses </a:t>
+            </a:r>
+            <a:r>
+              <a:rPr lang="en-US" dirty="0" err="1" smtClean="0"/>
+              <a:t>rawat</a:t>
+            </a:r>
+            <a:r>
+              <a:rPr lang="en-US" dirty="0" smtClean="0"/>
+              <a:t> </a:t>
+            </a:r>
+            <a:r>
+              <a:rPr lang="en-US" dirty="0" err="1" smtClean="0"/>
+              <a:t>jalan</a:t>
+            </a:r>
+            <a:r>
+              <a:rPr lang="en-US" dirty="0" smtClean="0"/>
+              <a:t>, </a:t>
+            </a:r>
+            <a:r>
+              <a:rPr lang="en-US" dirty="0" err="1" smtClean="0"/>
+              <a:t>yaitu</a:t>
+            </a:r>
+            <a:r>
+              <a:rPr lang="en-US" dirty="0" smtClean="0"/>
+              <a:t> :</a:t>
+            </a:r>
+          </a:p>
+          <a:p>
+            <a:pPr marL="0" indent="0">
+              <a:buNone/>
+            </a:pPr>
+            <a:r>
+              <a:rPr lang="en-US" dirty="0" err="1" smtClean="0"/>
+              <a:t>Modul</a:t>
+            </a:r>
+            <a:r>
+              <a:rPr lang="en-US" dirty="0" smtClean="0"/>
+              <a:t> Customer, Human Resources, Unit </a:t>
+            </a:r>
+            <a:r>
+              <a:rPr lang="en-US" dirty="0" err="1" smtClean="0"/>
+              <a:t>Medis</a:t>
+            </a:r>
+            <a:r>
+              <a:rPr lang="en-US" dirty="0" smtClean="0"/>
+              <a:t>, </a:t>
+            </a:r>
+            <a:r>
+              <a:rPr lang="en-US" dirty="0" err="1" smtClean="0"/>
+              <a:t>Rekam</a:t>
+            </a:r>
+            <a:r>
+              <a:rPr lang="en-US" dirty="0" smtClean="0"/>
+              <a:t> </a:t>
+            </a:r>
+            <a:r>
+              <a:rPr lang="en-US" dirty="0" err="1" smtClean="0"/>
+              <a:t>Medis</a:t>
+            </a:r>
+            <a:r>
+              <a:rPr lang="en-US" dirty="0" smtClean="0"/>
+              <a:t>, </a:t>
+            </a:r>
+            <a:r>
+              <a:rPr lang="en-US" dirty="0" err="1" smtClean="0"/>
+              <a:t>dan</a:t>
+            </a:r>
+            <a:r>
+              <a:rPr lang="en-US" dirty="0" smtClean="0"/>
+              <a:t> </a:t>
+            </a:r>
+            <a:r>
+              <a:rPr lang="en-US" dirty="0" err="1" smtClean="0"/>
+              <a:t>Rawat</a:t>
+            </a:r>
+            <a:r>
+              <a:rPr lang="en-US" dirty="0" smtClean="0"/>
+              <a:t> </a:t>
+            </a:r>
+            <a:r>
+              <a:rPr lang="en-US" dirty="0" err="1" smtClean="0"/>
+              <a:t>Jalan</a:t>
+            </a:r>
+            <a:r>
+              <a:rPr lang="en-US" dirty="0" smtClean="0"/>
+              <a:t>.</a:t>
+            </a:r>
+          </a:p>
+          <a:p>
+            <a:pPr marL="0" indent="0">
+              <a:buNone/>
+            </a:pPr>
             <a:endParaRPr lang="en-US" dirty="0" smtClean="0"/>
           </a:p>
           <a:p>
-            <a:pPr marL="457200" indent="-457200">
-              <a:buFont typeface="+mj-lt"/>
-              <a:buAutoNum type="arabicPeriod"/>
+            <a:pPr marL="0" indent="0">
+              <a:buNone/>
             </a:pPr>
-            <a:r>
-              <a:rPr lang="en-US" dirty="0" smtClean="0"/>
-              <a:t>Model </a:t>
-            </a:r>
-            <a:r>
-              <a:rPr lang="en-US" dirty="0" err="1" smtClean="0"/>
-              <a:t>penyimpanan</a:t>
-            </a:r>
-            <a:r>
-              <a:rPr lang="en-US" dirty="0" smtClean="0"/>
-              <a:t> data yang </a:t>
-            </a:r>
-            <a:r>
-              <a:rPr lang="en-US" dirty="0" err="1" smtClean="0"/>
-              <a:t>tidak</a:t>
-            </a:r>
-            <a:r>
-              <a:rPr lang="en-US" dirty="0" smtClean="0"/>
-              <a:t> </a:t>
-            </a:r>
-            <a:r>
-              <a:rPr lang="en-US" dirty="0" err="1" smtClean="0"/>
-              <a:t>baik</a:t>
-            </a:r>
-            <a:endParaRPr lang="en-US" dirty="0" smtClean="0"/>
+            <a:endParaRPr lang="en-US" dirty="0"/>
           </a:p>
           <a:p>
-            <a:pPr marL="457200" indent="-457200">
-              <a:buFont typeface="+mj-lt"/>
-              <a:buAutoNum type="arabicPeriod"/>
+            <a:pPr marL="0" indent="0">
+              <a:buNone/>
             </a:pPr>
             <a:r>
               <a:rPr lang="en-US" dirty="0" err="1" smtClean="0"/>
-              <a:t>Isu</a:t>
-            </a:r>
-            <a:r>
-              <a:rPr lang="en-US" dirty="0" smtClean="0"/>
-              <a:t> </a:t>
-            </a:r>
-            <a:r>
-              <a:rPr lang="en-US" dirty="0" err="1" smtClean="0"/>
-              <a:t>keamanan</a:t>
-            </a:r>
-            <a:r>
-              <a:rPr lang="en-US" dirty="0" smtClean="0"/>
-              <a:t> yang </a:t>
-            </a:r>
-            <a:r>
-              <a:rPr lang="en-US" dirty="0" err="1" smtClean="0"/>
-              <a:t>tinggi</a:t>
-            </a:r>
-            <a:endParaRPr lang="en-US" dirty="0" smtClean="0"/>
+              <a:t>Berikut</a:t>
+            </a:r>
+            <a:r>
+              <a:rPr lang="en-US" dirty="0" smtClean="0"/>
+              <a:t> </a:t>
+            </a:r>
+            <a:r>
+              <a:rPr lang="en-US" dirty="0" err="1" smtClean="0"/>
+              <a:t>merupakan</a:t>
+            </a:r>
+            <a:r>
+              <a:rPr lang="en-US" dirty="0" smtClean="0"/>
+              <a:t> </a:t>
+            </a:r>
+            <a:r>
+              <a:rPr lang="en-US" dirty="0" err="1" smtClean="0"/>
+              <a:t>analisis</a:t>
+            </a:r>
+            <a:r>
+              <a:rPr lang="en-US" dirty="0" smtClean="0"/>
+              <a:t> </a:t>
+            </a:r>
+            <a:r>
+              <a:rPr lang="en-US" dirty="0" err="1" smtClean="0"/>
+              <a:t>pembentukan</a:t>
+            </a:r>
+            <a:r>
+              <a:rPr lang="en-US" dirty="0" smtClean="0"/>
+              <a:t> </a:t>
+            </a:r>
+            <a:r>
+              <a:rPr lang="en-US" dirty="0" err="1" smtClean="0"/>
+              <a:t>modul</a:t>
+            </a:r>
+            <a:r>
+              <a:rPr lang="en-US" dirty="0" smtClean="0"/>
+              <a:t> service yang </a:t>
+            </a:r>
+            <a:r>
+              <a:rPr lang="en-US" dirty="0" err="1" smtClean="0"/>
+              <a:t>baru</a:t>
+            </a:r>
+            <a:endParaRPr lang="en-US" dirty="0"/>
           </a:p>
           <a:p>
-            <a:pPr marL="457200" indent="-457200">
-              <a:buFont typeface="+mj-lt"/>
-              <a:buAutoNum type="arabicPeriod"/>
+            <a:pPr marL="0" indent="0">
+              <a:buNone/>
             </a:pPr>
-            <a:r>
-              <a:rPr lang="en-US" dirty="0" err="1" smtClean="0"/>
-              <a:t>Sistem</a:t>
-            </a:r>
-            <a:r>
-              <a:rPr lang="en-US" dirty="0" smtClean="0"/>
-              <a:t> </a:t>
-            </a:r>
-            <a:r>
-              <a:rPr lang="en-US" dirty="0" err="1" smtClean="0"/>
-              <a:t>tidak</a:t>
-            </a:r>
-            <a:r>
-              <a:rPr lang="en-US" dirty="0" smtClean="0"/>
-              <a:t> </a:t>
-            </a:r>
-            <a:r>
-              <a:rPr lang="en-US" dirty="0" err="1" smtClean="0"/>
-              <a:t>memberikan</a:t>
-            </a:r>
-            <a:r>
-              <a:rPr lang="en-US" dirty="0" smtClean="0"/>
-              <a:t> </a:t>
-            </a:r>
-            <a:r>
-              <a:rPr lang="en-US" dirty="0" err="1" smtClean="0"/>
-              <a:t>performa</a:t>
-            </a:r>
-            <a:r>
-              <a:rPr lang="en-US" dirty="0" smtClean="0"/>
-              <a:t> yang </a:t>
-            </a:r>
-            <a:r>
-              <a:rPr lang="en-US" dirty="0" err="1" smtClean="0"/>
-              <a:t>cukup</a:t>
-            </a:r>
-            <a:r>
-              <a:rPr lang="en-US" dirty="0" smtClean="0"/>
-              <a:t> </a:t>
-            </a:r>
-            <a:r>
-              <a:rPr lang="en-US" dirty="0" err="1" smtClean="0"/>
-              <a:t>baik</a:t>
-            </a:r>
-            <a:r>
-              <a:rPr lang="en-US" dirty="0" smtClean="0"/>
-              <a:t> </a:t>
-            </a:r>
-            <a:r>
-              <a:rPr lang="en-US" dirty="0" err="1" smtClean="0"/>
-              <a:t>ketika</a:t>
-            </a:r>
-            <a:r>
-              <a:rPr lang="en-US" dirty="0" smtClean="0"/>
-              <a:t> </a:t>
-            </a:r>
-            <a:r>
-              <a:rPr lang="en-US" dirty="0" err="1" smtClean="0"/>
-              <a:t>menangani</a:t>
-            </a:r>
-            <a:r>
-              <a:rPr lang="en-US" dirty="0" smtClean="0"/>
-              <a:t> </a:t>
-            </a:r>
-            <a:r>
-              <a:rPr lang="en-US" dirty="0" err="1" smtClean="0"/>
-              <a:t>banyak</a:t>
-            </a:r>
-            <a:r>
-              <a:rPr lang="en-US" dirty="0" smtClean="0"/>
-              <a:t> user</a:t>
-            </a:r>
-            <a:endParaRPr lang="en-US" dirty="0"/>
+            <a:endParaRPr lang="en-US" dirty="0" smtClean="0"/>
           </a:p>
         </p:txBody>
       </p:sp>
     </p:spTree>
     <p:extLst>
       <p:ext uri="{BB962C8B-B14F-4D97-AF65-F5344CB8AC3E}">
-        <p14:creationId xmlns:p14="http://schemas.microsoft.com/office/powerpoint/2010/main" val="3299405687"/>
+        <p14:creationId xmlns:p14="http://schemas.microsoft.com/office/powerpoint/2010/main" val="3123530275"/>
       </p:ext>
     </p:extLst>
   </p:cSld>
   <p:clrMapOvr>
     <a:masterClrMapping/>
   </p:clrMapOvr>
+  <p:timing>
+    <p:tnLst>
+      <p:par>
+        <p:cTn id="1" dur="indefinite" restart="never" nodeType="tmRoot"/>
+      </p:par>
+    </p:tnLst>
+  </p:timing>
 </p:sld>
 </file>
 
@@ -27130,305 +27787,62 @@
           <a:lstStyle/>
           <a:p>
             <a:r>
-              <a:rPr lang="en-US" dirty="0" err="1" smtClean="0"/>
+              <a:rPr lang="en-US" dirty="0" err="1"/>
               <a:t>Perancangan</a:t>
             </a:r>
-            <a:endParaRPr lang="en-US" dirty="0"/>
+            <a:r>
+              <a:rPr lang="en-US" dirty="0"/>
+              <a:t> Service Customer</a:t>
+            </a:r>
           </a:p>
         </p:txBody>
       </p:sp>
-      <p:sp>
-        <p:nvSpPr>
-          <p:cNvPr id="3" name="Content Placeholder 2"/>
-          <p:cNvSpPr>
-            <a:spLocks noGrp="1"/>
-          </p:cNvSpPr>
+      <p:pic>
+        <p:nvPicPr>
+          <p:cNvPr id="4" name="Content Placeholder 3"/>
+          <p:cNvPicPr>
+            <a:picLocks noGrp="1" noChangeAspect="1"/>
+          </p:cNvPicPr>
           <p:nvPr>
             <p:ph idx="1"/>
           </p:nvPr>
-        </p:nvSpPr>
-        <p:spPr/>
-        <p:txBody>
-          <a:bodyPr/>
-          <a:lstStyle/>
-          <a:p>
-            <a:pPr marL="0" indent="0">
-              <a:buNone/>
-            </a:pPr>
-            <a:r>
-              <a:rPr lang="en-US" dirty="0" err="1" smtClean="0"/>
-              <a:t>Perancangan</a:t>
-            </a:r>
-            <a:r>
-              <a:rPr lang="en-US" dirty="0" smtClean="0"/>
-              <a:t> </a:t>
-            </a:r>
-            <a:r>
-              <a:rPr lang="en-US" dirty="0" err="1" smtClean="0"/>
-              <a:t>arsitektur</a:t>
-            </a:r>
-            <a:r>
-              <a:rPr lang="en-US" dirty="0" smtClean="0"/>
-              <a:t> yang </a:t>
-            </a:r>
-            <a:r>
-              <a:rPr lang="en-US" dirty="0" err="1" smtClean="0"/>
-              <a:t>baru</a:t>
-            </a:r>
-            <a:r>
-              <a:rPr lang="en-US" dirty="0" smtClean="0"/>
-              <a:t> </a:t>
-            </a:r>
-            <a:r>
-              <a:rPr lang="en-US" dirty="0" err="1" smtClean="0"/>
-              <a:t>tidak</a:t>
-            </a:r>
-            <a:r>
-              <a:rPr lang="en-US" dirty="0" smtClean="0"/>
-              <a:t> </a:t>
-            </a:r>
-            <a:r>
-              <a:rPr lang="en-US" dirty="0" err="1" smtClean="0"/>
-              <a:t>sepenuhnya</a:t>
-            </a:r>
-            <a:r>
-              <a:rPr lang="en-US" dirty="0" smtClean="0"/>
-              <a:t> </a:t>
-            </a:r>
-            <a:r>
-              <a:rPr lang="en-US" dirty="0" err="1" smtClean="0"/>
-              <a:t>dibentuk</a:t>
-            </a:r>
-            <a:r>
-              <a:rPr lang="en-US" dirty="0" smtClean="0"/>
-              <a:t> </a:t>
-            </a:r>
-            <a:r>
-              <a:rPr lang="en-US" dirty="0" err="1" smtClean="0"/>
-              <a:t>kembali</a:t>
-            </a:r>
-            <a:r>
-              <a:rPr lang="en-US" dirty="0" smtClean="0"/>
-              <a:t> </a:t>
-            </a:r>
-            <a:r>
-              <a:rPr lang="en-US" dirty="0" err="1" smtClean="0"/>
-              <a:t>dari</a:t>
-            </a:r>
-            <a:r>
-              <a:rPr lang="en-US" dirty="0" smtClean="0"/>
-              <a:t> </a:t>
-            </a:r>
-            <a:r>
-              <a:rPr lang="en-US" dirty="0" err="1" smtClean="0"/>
-              <a:t>awal</a:t>
-            </a:r>
-            <a:r>
-              <a:rPr lang="en-US" dirty="0" smtClean="0"/>
-              <a:t>. Proses </a:t>
-            </a:r>
-            <a:r>
-              <a:rPr lang="en-US" dirty="0" err="1" smtClean="0"/>
-              <a:t>bisnis</a:t>
-            </a:r>
-            <a:r>
-              <a:rPr lang="en-US" dirty="0" smtClean="0"/>
-              <a:t> </a:t>
-            </a:r>
-            <a:r>
-              <a:rPr lang="en-US" dirty="0" err="1" smtClean="0"/>
-              <a:t>dan</a:t>
-            </a:r>
-            <a:r>
-              <a:rPr lang="en-US" dirty="0" smtClean="0"/>
-              <a:t> method yang </a:t>
-            </a:r>
-            <a:r>
-              <a:rPr lang="en-US" dirty="0" err="1" smtClean="0"/>
-              <a:t>digunakan</a:t>
-            </a:r>
-            <a:r>
-              <a:rPr lang="en-US" dirty="0" smtClean="0"/>
-              <a:t> </a:t>
-            </a:r>
-            <a:r>
-              <a:rPr lang="en-US" dirty="0" err="1" smtClean="0"/>
-              <a:t>adalah</a:t>
-            </a:r>
-            <a:r>
-              <a:rPr lang="en-US" dirty="0" smtClean="0"/>
-              <a:t> </a:t>
-            </a:r>
-            <a:r>
-              <a:rPr lang="en-US" dirty="0" err="1" smtClean="0"/>
-              <a:t>sama</a:t>
-            </a:r>
-            <a:r>
-              <a:rPr lang="en-US" dirty="0" smtClean="0"/>
-              <a:t> </a:t>
-            </a:r>
-            <a:r>
-              <a:rPr lang="en-US" dirty="0" err="1" smtClean="0"/>
-              <a:t>seperti</a:t>
-            </a:r>
-            <a:r>
-              <a:rPr lang="en-US" dirty="0" smtClean="0"/>
-              <a:t> yang </a:t>
-            </a:r>
-            <a:r>
-              <a:rPr lang="en-US" dirty="0" err="1" smtClean="0"/>
-              <a:t>ada</a:t>
-            </a:r>
-            <a:r>
-              <a:rPr lang="en-US" dirty="0" smtClean="0"/>
-              <a:t> </a:t>
-            </a:r>
-            <a:r>
-              <a:rPr lang="en-US" dirty="0" err="1" smtClean="0"/>
-              <a:t>pada</a:t>
-            </a:r>
-            <a:r>
-              <a:rPr lang="en-US" dirty="0" smtClean="0"/>
-              <a:t> </a:t>
-            </a:r>
-            <a:r>
-              <a:rPr lang="en-US" dirty="0" err="1" smtClean="0"/>
-              <a:t>arsitektur</a:t>
-            </a:r>
-            <a:r>
-              <a:rPr lang="en-US" dirty="0" smtClean="0"/>
-              <a:t> </a:t>
-            </a:r>
-            <a:r>
-              <a:rPr lang="en-US" dirty="0" err="1" smtClean="0"/>
-              <a:t>sebelumnya</a:t>
-            </a:r>
-            <a:r>
-              <a:rPr lang="en-US" dirty="0" smtClean="0"/>
-              <a:t>.</a:t>
-            </a:r>
-          </a:p>
-          <a:p>
-            <a:pPr marL="0" indent="0">
-              <a:buNone/>
-            </a:pPr>
-            <a:r>
-              <a:rPr lang="en-US" dirty="0" err="1" smtClean="0"/>
-              <a:t>Pada</a:t>
-            </a:r>
-            <a:r>
-              <a:rPr lang="en-US" dirty="0" smtClean="0"/>
-              <a:t> </a:t>
-            </a:r>
-            <a:r>
-              <a:rPr lang="en-US" dirty="0" err="1" smtClean="0"/>
-              <a:t>dekomposisi</a:t>
-            </a:r>
-            <a:r>
-              <a:rPr lang="en-US" dirty="0" smtClean="0"/>
-              <a:t> service, </a:t>
-            </a:r>
-            <a:r>
-              <a:rPr lang="en-US" dirty="0" err="1" smtClean="0"/>
-              <a:t>penyusunan</a:t>
-            </a:r>
-            <a:r>
-              <a:rPr lang="en-US" dirty="0" smtClean="0"/>
-              <a:t> service </a:t>
-            </a:r>
-            <a:r>
-              <a:rPr lang="en-US" dirty="0" err="1" smtClean="0"/>
-              <a:t>dapat</a:t>
-            </a:r>
-            <a:r>
-              <a:rPr lang="en-US" dirty="0" smtClean="0"/>
-              <a:t> </a:t>
-            </a:r>
-            <a:r>
-              <a:rPr lang="en-US" dirty="0" err="1" smtClean="0"/>
-              <a:t>dibentuk</a:t>
-            </a:r>
-            <a:r>
-              <a:rPr lang="en-US" dirty="0" smtClean="0"/>
-              <a:t> </a:t>
-            </a:r>
-            <a:r>
-              <a:rPr lang="en-US" dirty="0" err="1" smtClean="0"/>
-              <a:t>berdasarkan</a:t>
-            </a:r>
-            <a:r>
-              <a:rPr lang="en-US" dirty="0" smtClean="0"/>
-              <a:t> </a:t>
-            </a:r>
-            <a:r>
-              <a:rPr lang="en-US" dirty="0" err="1" smtClean="0"/>
-              <a:t>modul</a:t>
-            </a:r>
-            <a:r>
-              <a:rPr lang="en-US" dirty="0" smtClean="0"/>
-              <a:t> </a:t>
-            </a:r>
-            <a:r>
-              <a:rPr lang="en-US" dirty="0" err="1" smtClean="0"/>
-              <a:t>bisnis</a:t>
-            </a:r>
-            <a:r>
-              <a:rPr lang="en-US" dirty="0" smtClean="0"/>
-              <a:t> yang </a:t>
-            </a:r>
-            <a:r>
-              <a:rPr lang="en-US" dirty="0" err="1" smtClean="0"/>
-              <a:t>sudah</a:t>
-            </a:r>
-            <a:r>
-              <a:rPr lang="en-US" dirty="0" smtClean="0"/>
-              <a:t> </a:t>
-            </a:r>
-            <a:r>
-              <a:rPr lang="en-US" dirty="0" err="1" smtClean="0"/>
-              <a:t>ada</a:t>
-            </a:r>
-            <a:r>
-              <a:rPr lang="en-US" dirty="0" smtClean="0"/>
-              <a:t> </a:t>
-            </a:r>
-            <a:r>
-              <a:rPr lang="en-US" dirty="0" err="1" smtClean="0"/>
-              <a:t>pada</a:t>
-            </a:r>
-            <a:r>
-              <a:rPr lang="en-US" dirty="0" smtClean="0"/>
-              <a:t> </a:t>
-            </a:r>
-            <a:r>
-              <a:rPr lang="en-US" dirty="0" err="1" smtClean="0"/>
-              <a:t>arsitektur</a:t>
-            </a:r>
-            <a:r>
-              <a:rPr lang="en-US" dirty="0" smtClean="0"/>
-              <a:t> </a:t>
-            </a:r>
-            <a:r>
-              <a:rPr lang="en-US" dirty="0" err="1" smtClean="0"/>
-              <a:t>sebelumnya</a:t>
-            </a:r>
-            <a:r>
-              <a:rPr lang="en-US" dirty="0" smtClean="0"/>
-              <a:t>.</a:t>
-            </a:r>
-          </a:p>
-        </p:txBody>
-      </p:sp>
+        </p:nvPicPr>
+        <p:blipFill>
+          <a:blip r:embed="rId2">
+            <a:extLst>
+              <a:ext uri="{28A0092B-C50C-407E-A947-70E740481C1C}">
+                <a14:useLocalDpi xmlns:a14="http://schemas.microsoft.com/office/drawing/2010/main" val="0"/>
+              </a:ext>
+            </a:extLst>
+          </a:blip>
+          <a:stretch>
+            <a:fillRect/>
+          </a:stretch>
+        </p:blipFill>
+        <p:spPr>
+          <a:xfrm>
+            <a:off x="2259680" y="2084832"/>
+            <a:ext cx="7248968" cy="4440903"/>
+          </a:xfrm>
+        </p:spPr>
+      </p:pic>
     </p:spTree>
     <p:extLst>
       <p:ext uri="{BB962C8B-B14F-4D97-AF65-F5344CB8AC3E}">
-        <p14:creationId xmlns:p14="http://schemas.microsoft.com/office/powerpoint/2010/main" val="3123530275"/>
+        <p14:creationId xmlns:p14="http://schemas.microsoft.com/office/powerpoint/2010/main" val="2091022491"/>
       </p:ext>
     </p:extLst>
   </p:cSld>
   <p:clrMapOvr>
     <a:masterClrMapping/>
   </p:clrMapOvr>
+  <p:timing>
+    <p:tnLst>
+      <p:par>
+        <p:cTn id="1" dur="indefinite" restart="never" nodeType="tmRoot"/>
+      </p:par>
+    </p:tnLst>
+  </p:timing>
 </p:sld>
 </file>
 
@@ -27459,32 +27873,32 @@
             <p:ph type="title"/>
           </p:nvPr>
         </p:nvSpPr>
-        <p:spPr/>
+        <p:spPr>
+          <a:xfrm>
+            <a:off x="767455" y="-345226"/>
+            <a:ext cx="9720072" cy="1499616"/>
+          </a:xfrm>
+        </p:spPr>
         <p:txBody>
           <a:bodyPr/>
           <a:lstStyle/>
           <a:p>
             <a:r>
-              <a:rPr lang="en-US" dirty="0" err="1" smtClean="0"/>
+              <a:rPr lang="en-US" dirty="0" err="1"/>
               <a:t>Perancangan</a:t>
             </a:r>
             <a:r>
-              <a:rPr lang="en-US" dirty="0" smtClean="0"/>
-              <a:t> </a:t>
-            </a:r>
-            <a:r>
-              <a:rPr lang="en-US" dirty="0" err="1" smtClean="0"/>
-              <a:t>modul</a:t>
-            </a:r>
-            <a:endParaRPr lang="en-US" dirty="0"/>
+              <a:rPr lang="en-US" dirty="0"/>
+              <a:t> Service Human Resource</a:t>
+            </a:r>
           </a:p>
         </p:txBody>
       </p:sp>
       <p:pic>
         <p:nvPicPr>
-          <p:cNvPr id="5" name="Content Placeholder 4"/>
+          <p:cNvPr id="4" name="Content Placeholder 3"/>
           <p:cNvPicPr>
-            <a:picLocks noGrp="1"/>
+            <a:picLocks noGrp="1" noChangeAspect="1"/>
           </p:cNvPicPr>
           <p:nvPr>
             <p:ph idx="1"/>
@@ -27504,24 +27918,28 @@
         </p:blipFill>
         <p:spPr>
           <a:xfrm>
-            <a:off x="3274220" y="1676400"/>
-            <a:ext cx="5388517" cy="5029200"/>
+            <a:off x="911834" y="713876"/>
+            <a:ext cx="8328419" cy="6035604"/>
           </a:xfrm>
-          <a:prstGeom prst="rect">
-            <a:avLst/>
-          </a:prstGeom>
         </p:spPr>
       </p:pic>
     </p:spTree>
     <p:extLst>
       <p:ext uri="{BB962C8B-B14F-4D97-AF65-F5344CB8AC3E}">
-        <p14:creationId xmlns:p14="http://schemas.microsoft.com/office/powerpoint/2010/main" val="1833181741"/>
+        <p14:creationId xmlns:p14="http://schemas.microsoft.com/office/powerpoint/2010/main" val="3489039142"/>
       </p:ext>
     </p:extLst>
   </p:cSld>
   <p:clrMapOvr>
     <a:masterClrMapping/>
   </p:clrMapOvr>
+  <p:timing>
+    <p:tnLst>
+      <p:par>
+        <p:cTn id="1" dur="indefinite" restart="never" nodeType="tmRoot"/>
+      </p:par>
+    </p:tnLst>
+  </p:timing>
 </p:sld>
 </file>
 
@@ -27552,274 +27970,83 @@
             <p:ph type="title"/>
           </p:nvPr>
         </p:nvSpPr>
-        <p:spPr/>
+        <p:spPr>
+          <a:xfrm>
+            <a:off x="914399" y="349077"/>
+            <a:ext cx="3926305" cy="1499616"/>
+          </a:xfrm>
+        </p:spPr>
         <p:txBody>
-          <a:bodyPr/>
+          <a:bodyPr>
+            <a:normAutofit fontScale="90000"/>
+          </a:bodyPr>
           <a:lstStyle/>
           <a:p>
             <a:r>
-              <a:rPr lang="en-US" dirty="0" err="1" smtClean="0"/>
-              <a:t>perancangan</a:t>
-            </a:r>
-            <a:endParaRPr lang="en-US" dirty="0"/>
+              <a:rPr lang="en-US" dirty="0" err="1"/>
+              <a:t>Perancangan</a:t>
+            </a:r>
+            <a:r>
+              <a:rPr lang="en-US" dirty="0"/>
+              <a:t> Service Unit </a:t>
+            </a:r>
+            <a:r>
+              <a:rPr lang="en-US" dirty="0" err="1"/>
+              <a:t>Medis</a:t>
+            </a:r>
+            <a:r>
+              <a:rPr lang="en-US" dirty="0"/>
+              <a:t> </a:t>
+            </a:r>
           </a:p>
         </p:txBody>
       </p:sp>
-      <p:sp>
-        <p:nvSpPr>
-          <p:cNvPr id="3" name="Content Placeholder 2"/>
-          <p:cNvSpPr>
-            <a:spLocks noGrp="1"/>
-          </p:cNvSpPr>
+      <p:pic>
+        <p:nvPicPr>
+          <p:cNvPr id="4" name="Content Placeholder 3"/>
+          <p:cNvPicPr>
+            <a:picLocks noGrp="1" noChangeAspect="1"/>
+          </p:cNvPicPr>
           <p:nvPr>
             <p:ph idx="1"/>
           </p:nvPr>
-        </p:nvSpPr>
-        <p:spPr/>
-        <p:txBody>
-          <a:bodyPr/>
-          <a:lstStyle/>
-          <a:p>
-            <a:pPr marL="457200" indent="-457200">
-              <a:buFont typeface="+mj-lt"/>
-              <a:buAutoNum type="arabicPeriod"/>
-            </a:pPr>
-            <a:r>
-              <a:rPr lang="en-US" dirty="0" smtClean="0"/>
-              <a:t>Model </a:t>
-            </a:r>
-            <a:r>
-              <a:rPr lang="en-US" dirty="0" err="1" smtClean="0"/>
-              <a:t>penyimpanan</a:t>
-            </a:r>
-            <a:r>
-              <a:rPr lang="en-US" dirty="0" smtClean="0"/>
-              <a:t> data : Database per service.</a:t>
-            </a:r>
-          </a:p>
-          <a:p>
-            <a:pPr marL="457200" indent="-457200">
-              <a:buFont typeface="+mj-lt"/>
-              <a:buAutoNum type="arabicPeriod"/>
-            </a:pPr>
-            <a:r>
-              <a:rPr lang="en-US" dirty="0" err="1" smtClean="0"/>
-              <a:t>Pemilihan</a:t>
-            </a:r>
-            <a:r>
-              <a:rPr lang="en-US" dirty="0" smtClean="0"/>
-              <a:t> server basis data : PostgreSQL &amp; MongoDB (</a:t>
-            </a:r>
-            <a:r>
-              <a:rPr lang="en-US" dirty="0" err="1" smtClean="0"/>
-              <a:t>untuk</a:t>
-            </a:r>
-            <a:r>
-              <a:rPr lang="en-US" dirty="0" smtClean="0"/>
-              <a:t> </a:t>
-            </a:r>
-            <a:r>
-              <a:rPr lang="en-US" dirty="0" err="1" smtClean="0"/>
-              <a:t>kasus</a:t>
-            </a:r>
-            <a:r>
-              <a:rPr lang="en-US" dirty="0" smtClean="0"/>
-              <a:t> </a:t>
-            </a:r>
-            <a:r>
-              <a:rPr lang="en-US" dirty="0" err="1" smtClean="0"/>
-              <a:t>penyimpanan</a:t>
-            </a:r>
-            <a:r>
-              <a:rPr lang="en-US" dirty="0" smtClean="0"/>
-              <a:t> multimedia, </a:t>
-            </a:r>
-            <a:r>
-              <a:rPr lang="en-US" dirty="0" err="1" smtClean="0"/>
-              <a:t>karena</a:t>
-            </a:r>
-            <a:r>
-              <a:rPr lang="en-US" dirty="0" smtClean="0"/>
-              <a:t> </a:t>
-            </a:r>
-            <a:r>
-              <a:rPr lang="en-US" dirty="0" err="1" smtClean="0"/>
-              <a:t>dinilai</a:t>
-            </a:r>
-            <a:r>
-              <a:rPr lang="en-US" dirty="0" smtClean="0"/>
-              <a:t> </a:t>
-            </a:r>
-            <a:r>
-              <a:rPr lang="en-US" dirty="0" err="1" smtClean="0"/>
-              <a:t>mudah</a:t>
-            </a:r>
-            <a:r>
-              <a:rPr lang="en-US" dirty="0" smtClean="0"/>
-              <a:t>, </a:t>
-            </a:r>
-            <a:r>
-              <a:rPr lang="en-US" dirty="0" err="1" smtClean="0"/>
-              <a:t>cepat</a:t>
-            </a:r>
-            <a:r>
-              <a:rPr lang="en-US" dirty="0" smtClean="0"/>
-              <a:t>, </a:t>
-            </a:r>
-            <a:r>
-              <a:rPr lang="en-US" dirty="0" err="1" smtClean="0"/>
-              <a:t>dan</a:t>
-            </a:r>
-            <a:r>
-              <a:rPr lang="en-US" dirty="0" smtClean="0"/>
-              <a:t> </a:t>
-            </a:r>
-            <a:r>
-              <a:rPr lang="en-US" i="1" dirty="0" smtClean="0"/>
-              <a:t>open source</a:t>
-            </a:r>
-            <a:r>
-              <a:rPr lang="en-US" dirty="0" smtClean="0"/>
-              <a:t>).</a:t>
-            </a:r>
-            <a:endParaRPr lang="en-US" dirty="0" smtClean="0"/>
-          </a:p>
-          <a:p>
-            <a:pPr marL="457200" indent="-457200">
-              <a:buFont typeface="+mj-lt"/>
-              <a:buAutoNum type="arabicPeriod"/>
-            </a:pPr>
-            <a:r>
-              <a:rPr lang="en-US" dirty="0" err="1" smtClean="0"/>
-              <a:t>Komunikasi</a:t>
-            </a:r>
-            <a:r>
-              <a:rPr lang="en-US" dirty="0" smtClean="0"/>
-              <a:t> </a:t>
-            </a:r>
-            <a:r>
-              <a:rPr lang="en-US" dirty="0" err="1" smtClean="0"/>
-              <a:t>antar</a:t>
-            </a:r>
-            <a:r>
-              <a:rPr lang="en-US" dirty="0" smtClean="0"/>
-              <a:t> service : </a:t>
-            </a:r>
-            <a:r>
-              <a:rPr lang="en-US" i="1" dirty="0" smtClean="0"/>
-              <a:t>RESTful Web-service </a:t>
-            </a:r>
-            <a:r>
-              <a:rPr lang="en-US" dirty="0" err="1" smtClean="0"/>
-              <a:t>dengan</a:t>
-            </a:r>
-            <a:r>
-              <a:rPr lang="en-US" dirty="0" smtClean="0"/>
-              <a:t> </a:t>
-            </a:r>
-            <a:r>
-              <a:rPr lang="en-US" dirty="0" err="1" smtClean="0"/>
-              <a:t>fomat</a:t>
-            </a:r>
-            <a:r>
-              <a:rPr lang="en-US" dirty="0" smtClean="0"/>
-              <a:t> data JSON</a:t>
-            </a:r>
-            <a:r>
-              <a:rPr lang="en-US" i="1" dirty="0" smtClean="0"/>
-              <a:t>.</a:t>
-            </a:r>
-            <a:endParaRPr lang="en-US" dirty="0" smtClean="0"/>
-          </a:p>
-          <a:p>
-            <a:pPr marL="457200" indent="-457200">
-              <a:buFont typeface="+mj-lt"/>
-              <a:buAutoNum type="arabicPeriod"/>
-            </a:pPr>
-            <a:r>
-              <a:rPr lang="en-US" dirty="0" err="1" smtClean="0"/>
-              <a:t>Rancangan</a:t>
-            </a:r>
-            <a:r>
-              <a:rPr lang="en-US" dirty="0" smtClean="0"/>
-              <a:t> deployment : </a:t>
-            </a:r>
-            <a:r>
-              <a:rPr lang="en-US" dirty="0" err="1" smtClean="0"/>
-              <a:t>Mulitple</a:t>
-            </a:r>
-            <a:r>
-              <a:rPr lang="en-US" dirty="0" smtClean="0"/>
-              <a:t> service per host </a:t>
-            </a:r>
-            <a:r>
-              <a:rPr lang="en-US" dirty="0" err="1" smtClean="0"/>
-              <a:t>dalam</a:t>
-            </a:r>
-            <a:r>
-              <a:rPr lang="en-US" dirty="0" smtClean="0"/>
-              <a:t> </a:t>
-            </a:r>
-            <a:r>
-              <a:rPr lang="en-US" dirty="0" err="1" smtClean="0"/>
-              <a:t>beberapa</a:t>
-            </a:r>
-            <a:r>
-              <a:rPr lang="en-US" dirty="0" smtClean="0"/>
-              <a:t> host (server).</a:t>
-            </a:r>
-          </a:p>
-          <a:p>
-            <a:pPr marL="457200" indent="-457200">
-              <a:buFont typeface="+mj-lt"/>
-              <a:buAutoNum type="arabicPeriod"/>
-            </a:pPr>
-            <a:r>
-              <a:rPr lang="en-US" dirty="0" err="1" smtClean="0"/>
-              <a:t>Pengujian</a:t>
-            </a:r>
-            <a:r>
-              <a:rPr lang="en-US" dirty="0" smtClean="0"/>
-              <a:t> : Test-plan </a:t>
-            </a:r>
-            <a:r>
-              <a:rPr lang="en-US" dirty="0" err="1" smtClean="0"/>
-              <a:t>dan</a:t>
-            </a:r>
-            <a:r>
-              <a:rPr lang="en-US" dirty="0" smtClean="0"/>
-              <a:t> </a:t>
-            </a:r>
-            <a:r>
-              <a:rPr lang="en-US" dirty="0" err="1" smtClean="0"/>
-              <a:t>didokumentasikan</a:t>
-            </a:r>
-            <a:r>
-              <a:rPr lang="en-US" dirty="0" smtClean="0"/>
-              <a:t> </a:t>
-            </a:r>
-            <a:r>
-              <a:rPr lang="en-US" dirty="0" err="1" smtClean="0"/>
-              <a:t>dalam</a:t>
-            </a:r>
-            <a:r>
-              <a:rPr lang="en-US" dirty="0" smtClean="0"/>
-              <a:t> traceability matrix.</a:t>
-            </a:r>
-            <a:endParaRPr lang="en-US" dirty="0"/>
-          </a:p>
-        </p:txBody>
-      </p:sp>
+        </p:nvPicPr>
+        <p:blipFill>
+          <a:blip r:embed="rId2">
+            <a:extLst>
+              <a:ext uri="{28A0092B-C50C-407E-A947-70E740481C1C}">
+                <a14:useLocalDpi xmlns:a14="http://schemas.microsoft.com/office/drawing/2010/main" val="0"/>
+              </a:ext>
+            </a:extLst>
+          </a:blip>
+          <a:stretch>
+            <a:fillRect/>
+          </a:stretch>
+        </p:blipFill>
+        <p:spPr>
+          <a:xfrm>
+            <a:off x="4840704" y="120317"/>
+            <a:ext cx="6613359" cy="6721776"/>
+          </a:xfrm>
+        </p:spPr>
+      </p:pic>
     </p:spTree>
     <p:extLst>
       <p:ext uri="{BB962C8B-B14F-4D97-AF65-F5344CB8AC3E}">
-        <p14:creationId xmlns:p14="http://schemas.microsoft.com/office/powerpoint/2010/main" val="886435063"/>
+        <p14:creationId xmlns:p14="http://schemas.microsoft.com/office/powerpoint/2010/main" val="3910404213"/>
       </p:ext>
     </p:extLst>
   </p:cSld>
   <p:clrMapOvr>
     <a:masterClrMapping/>
   </p:clrMapOvr>
+  <p:timing>
+    <p:tnLst>
+      <p:par>
+        <p:cTn id="1" dur="indefinite" restart="never" nodeType="tmRoot"/>
+      </p:par>
+    </p:tnLst>
+  </p:timing>
 </p:sld>
 </file>
 
@@ -27850,174 +28077,89 @@
             <p:ph type="title"/>
           </p:nvPr>
         </p:nvSpPr>
-        <p:spPr/>
+        <p:spPr>
+          <a:xfrm>
+            <a:off x="1024128" y="-329184"/>
+            <a:ext cx="9720072" cy="1499616"/>
+          </a:xfrm>
+        </p:spPr>
         <p:txBody>
           <a:bodyPr/>
           <a:lstStyle/>
           <a:p>
             <a:r>
-              <a:rPr lang="en-US" dirty="0" err="1" smtClean="0"/>
-              <a:t>Batasan</a:t>
-            </a:r>
-            <a:r>
-              <a:rPr lang="en-US" dirty="0" smtClean="0"/>
-              <a:t> </a:t>
-            </a:r>
-            <a:r>
-              <a:rPr lang="en-US" dirty="0" err="1" smtClean="0"/>
-              <a:t>implementasi</a:t>
-            </a:r>
-            <a:endParaRPr lang="en-US" dirty="0"/>
+              <a:rPr lang="en-US" dirty="0" err="1"/>
+              <a:t>Perancangan</a:t>
+            </a:r>
+            <a:r>
+              <a:rPr lang="en-US" dirty="0"/>
+              <a:t> Service </a:t>
+            </a:r>
+            <a:r>
+              <a:rPr lang="en-US" dirty="0" err="1"/>
+              <a:t>Rawat</a:t>
+            </a:r>
+            <a:r>
+              <a:rPr lang="en-US" dirty="0"/>
+              <a:t> </a:t>
+            </a:r>
+            <a:r>
+              <a:rPr lang="en-US" dirty="0" err="1"/>
+              <a:t>Jalan</a:t>
+            </a:r>
+            <a:r>
+              <a:rPr lang="en-US" dirty="0"/>
+              <a:t> </a:t>
+            </a:r>
           </a:p>
         </p:txBody>
       </p:sp>
-      <p:sp>
-        <p:nvSpPr>
-          <p:cNvPr id="3" name="Content Placeholder 2"/>
-          <p:cNvSpPr>
-            <a:spLocks noGrp="1"/>
-          </p:cNvSpPr>
+      <p:pic>
+        <p:nvPicPr>
+          <p:cNvPr id="5" name="Content Placeholder 4"/>
+          <p:cNvPicPr>
+            <a:picLocks noGrp="1" noChangeAspect="1"/>
+          </p:cNvPicPr>
           <p:nvPr>
             <p:ph idx="1"/>
           </p:nvPr>
-        </p:nvSpPr>
-        <p:spPr/>
-        <p:txBody>
-          <a:bodyPr/>
-          <a:lstStyle/>
-          <a:p>
-            <a:pPr marL="457200" indent="-457200">
-              <a:buFont typeface="+mj-lt"/>
-              <a:buAutoNum type="arabicPeriod"/>
-            </a:pPr>
-            <a:r>
-              <a:rPr lang="en-US" dirty="0" smtClean="0"/>
-              <a:t>Server yang </a:t>
-            </a:r>
-            <a:r>
-              <a:rPr lang="en-US" dirty="0" err="1" smtClean="0"/>
-              <a:t>tersedia</a:t>
-            </a:r>
-            <a:r>
-              <a:rPr lang="en-US" dirty="0" smtClean="0"/>
-              <a:t> </a:t>
-            </a:r>
-            <a:r>
-              <a:rPr lang="en-US" dirty="0" err="1" smtClean="0"/>
-              <a:t>hanya</a:t>
-            </a:r>
-            <a:r>
-              <a:rPr lang="en-US" dirty="0" smtClean="0"/>
-              <a:t> </a:t>
-            </a:r>
-            <a:r>
-              <a:rPr lang="en-US" dirty="0" err="1" smtClean="0"/>
-              <a:t>terdapat</a:t>
-            </a:r>
-            <a:r>
-              <a:rPr lang="en-US" dirty="0" smtClean="0"/>
-              <a:t> 2 </a:t>
-            </a:r>
-            <a:r>
-              <a:rPr lang="en-US" dirty="0" err="1" smtClean="0"/>
-              <a:t>buah</a:t>
-            </a:r>
-            <a:endParaRPr lang="en-US" dirty="0" smtClean="0"/>
-          </a:p>
-          <a:p>
-            <a:pPr marL="457200" indent="-457200">
-              <a:buFont typeface="+mj-lt"/>
-              <a:buAutoNum type="arabicPeriod"/>
-            </a:pPr>
-            <a:r>
-              <a:rPr lang="en-US" dirty="0" smtClean="0"/>
-              <a:t>Deployment yang </a:t>
-            </a:r>
-            <a:r>
-              <a:rPr lang="en-US" dirty="0" err="1" smtClean="0"/>
-              <a:t>dilakukan</a:t>
-            </a:r>
-            <a:r>
-              <a:rPr lang="en-US" dirty="0" smtClean="0"/>
-              <a:t> </a:t>
-            </a:r>
-            <a:r>
-              <a:rPr lang="en-US" dirty="0" err="1" smtClean="0"/>
-              <a:t>dalam</a:t>
-            </a:r>
-            <a:r>
-              <a:rPr lang="en-US" dirty="0" smtClean="0"/>
-              <a:t> server local (</a:t>
-            </a:r>
-            <a:r>
-              <a:rPr lang="en-US" dirty="0" err="1" smtClean="0"/>
-              <a:t>komputer</a:t>
-            </a:r>
-            <a:r>
-              <a:rPr lang="en-US" dirty="0" smtClean="0"/>
-              <a:t> </a:t>
-            </a:r>
-            <a:r>
-              <a:rPr lang="en-US" dirty="0" err="1" smtClean="0"/>
-              <a:t>pribadi</a:t>
-            </a:r>
-            <a:r>
-              <a:rPr lang="en-US" dirty="0" smtClean="0"/>
-              <a:t>), </a:t>
-            </a:r>
-            <a:r>
-              <a:rPr lang="en-US" dirty="0" err="1" smtClean="0"/>
-              <a:t>harus</a:t>
-            </a:r>
-            <a:r>
-              <a:rPr lang="en-US" dirty="0" smtClean="0"/>
-              <a:t> </a:t>
-            </a:r>
-            <a:r>
-              <a:rPr lang="en-US" dirty="0" err="1" smtClean="0"/>
-              <a:t>dilakukan</a:t>
-            </a:r>
-            <a:r>
-              <a:rPr lang="en-US" dirty="0" smtClean="0"/>
-              <a:t> </a:t>
-            </a:r>
-            <a:r>
-              <a:rPr lang="en-US" dirty="0" err="1" smtClean="0"/>
-              <a:t>dibawah</a:t>
-            </a:r>
-            <a:r>
-              <a:rPr lang="en-US" dirty="0" smtClean="0"/>
-              <a:t> 1 </a:t>
-            </a:r>
-            <a:r>
-              <a:rPr lang="en-US" dirty="0" err="1" smtClean="0"/>
-              <a:t>jaringan</a:t>
-            </a:r>
-            <a:r>
-              <a:rPr lang="en-US" dirty="0" smtClean="0"/>
-              <a:t> yang </a:t>
-            </a:r>
-            <a:r>
-              <a:rPr lang="en-US" dirty="0" err="1" smtClean="0"/>
-              <a:t>sama</a:t>
-            </a:r>
-            <a:r>
-              <a:rPr lang="en-US" dirty="0" smtClean="0"/>
-              <a:t>.</a:t>
-            </a:r>
-          </a:p>
-        </p:txBody>
-      </p:sp>
+        </p:nvPicPr>
+        <p:blipFill>
+          <a:blip r:embed="rId2">
+            <a:extLst>
+              <a:ext uri="{28A0092B-C50C-407E-A947-70E740481C1C}">
+                <a14:useLocalDpi xmlns:a14="http://schemas.microsoft.com/office/drawing/2010/main" val="0"/>
+              </a:ext>
+            </a:extLst>
+          </a:blip>
+          <a:stretch>
+            <a:fillRect/>
+          </a:stretch>
+        </p:blipFill>
+        <p:spPr>
+          <a:xfrm>
+            <a:off x="1024128" y="762000"/>
+            <a:ext cx="9996798" cy="5931629"/>
+          </a:xfrm>
+        </p:spPr>
+      </p:pic>
     </p:spTree>
     <p:extLst>
       <p:ext uri="{BB962C8B-B14F-4D97-AF65-F5344CB8AC3E}">
-        <p14:creationId xmlns:p14="http://schemas.microsoft.com/office/powerpoint/2010/main" val="1721983042"/>
+        <p14:creationId xmlns:p14="http://schemas.microsoft.com/office/powerpoint/2010/main" val="3195078734"/>
       </p:ext>
     </p:extLst>
   </p:cSld>
   <p:clrMapOvr>
     <a:masterClrMapping/>
   </p:clrMapOvr>
+  <p:timing>
+    <p:tnLst>
+      <p:par>
+        <p:cTn id="1" dur="indefinite" restart="never" nodeType="tmRoot"/>
+      </p:par>
+    </p:tnLst>
+  </p:timing>
 </p:sld>
 </file>
 
@@ -28048,245 +28190,75 @@
             <p:ph type="title"/>
           </p:nvPr>
         </p:nvSpPr>
-        <p:spPr/>
+        <p:spPr>
+          <a:xfrm>
+            <a:off x="1171074" y="585216"/>
+            <a:ext cx="4379494" cy="1499616"/>
+          </a:xfrm>
+        </p:spPr>
         <p:txBody>
-          <a:bodyPr/>
+          <a:bodyPr>
+            <a:normAutofit fontScale="90000"/>
+          </a:bodyPr>
           <a:lstStyle/>
           <a:p>
             <a:r>
-              <a:rPr lang="en-US" dirty="0" err="1" smtClean="0"/>
-              <a:t>Lingkunan</a:t>
-            </a:r>
-            <a:r>
-              <a:rPr lang="en-US" dirty="0" smtClean="0"/>
-              <a:t> </a:t>
-            </a:r>
-            <a:r>
-              <a:rPr lang="en-US" dirty="0" err="1" smtClean="0"/>
-              <a:t>implementasi</a:t>
-            </a:r>
-            <a:endParaRPr lang="en-US" dirty="0"/>
+              <a:rPr lang="en-US" dirty="0" err="1"/>
+              <a:t>Perancangan</a:t>
+            </a:r>
+            <a:r>
+              <a:rPr lang="en-US" dirty="0"/>
+              <a:t> Service Medical Records </a:t>
+            </a:r>
           </a:p>
         </p:txBody>
       </p:sp>
-      <p:sp>
-        <p:nvSpPr>
-          <p:cNvPr id="3" name="Content Placeholder 2"/>
-          <p:cNvSpPr>
-            <a:spLocks noGrp="1"/>
-          </p:cNvSpPr>
+      <p:pic>
+        <p:nvPicPr>
+          <p:cNvPr id="4" name="Content Placeholder 3"/>
+          <p:cNvPicPr>
+            <a:picLocks noGrp="1" noChangeAspect="1"/>
+          </p:cNvPicPr>
           <p:nvPr>
             <p:ph idx="1"/>
           </p:nvPr>
-        </p:nvSpPr>
-        <p:spPr/>
-        <p:txBody>
-          <a:bodyPr>
-            <a:normAutofit lnSpcReduction="10000"/>
-          </a:bodyPr>
-          <a:lstStyle/>
-          <a:p>
-            <a:r>
-              <a:rPr lang="en-GB" dirty="0" err="1"/>
-              <a:t>Perangkat</a:t>
-            </a:r>
-            <a:r>
-              <a:rPr lang="en-GB" dirty="0"/>
-              <a:t> </a:t>
-            </a:r>
-            <a:r>
-              <a:rPr lang="en-GB" dirty="0" err="1"/>
-              <a:t>keras</a:t>
-            </a:r>
-            <a:r>
-              <a:rPr lang="en-GB" dirty="0"/>
-              <a:t>: 1 </a:t>
-            </a:r>
-            <a:r>
-              <a:rPr lang="en-GB" dirty="0" err="1"/>
-              <a:t>buah</a:t>
-            </a:r>
-            <a:r>
-              <a:rPr lang="en-GB" dirty="0"/>
-              <a:t> </a:t>
-            </a:r>
-            <a:r>
-              <a:rPr lang="en-GB" dirty="0" err="1"/>
-              <a:t>komputer</a:t>
-            </a:r>
-            <a:r>
-              <a:rPr lang="en-GB" dirty="0"/>
-              <a:t> </a:t>
-            </a:r>
-            <a:r>
-              <a:rPr lang="en-GB" dirty="0" err="1"/>
-              <a:t>sebagai</a:t>
-            </a:r>
-            <a:r>
-              <a:rPr lang="en-GB" dirty="0"/>
-              <a:t> server, 1 </a:t>
-            </a:r>
-            <a:r>
-              <a:rPr lang="en-GB" dirty="0" err="1"/>
-              <a:t>buah</a:t>
-            </a:r>
-            <a:r>
-              <a:rPr lang="en-GB" dirty="0"/>
-              <a:t> </a:t>
-            </a:r>
-            <a:r>
-              <a:rPr lang="en-GB" dirty="0" err="1"/>
-              <a:t>komputer</a:t>
-            </a:r>
-            <a:r>
-              <a:rPr lang="en-GB" dirty="0"/>
-              <a:t> </a:t>
-            </a:r>
-            <a:r>
-              <a:rPr lang="en-GB" dirty="0" err="1"/>
-              <a:t>sebagai</a:t>
-            </a:r>
-            <a:r>
-              <a:rPr lang="en-GB" dirty="0"/>
-              <a:t> </a:t>
-            </a:r>
-            <a:r>
-              <a:rPr lang="en-GB" i="1" dirty="0"/>
-              <a:t>client</a:t>
-            </a:r>
-            <a:r>
-              <a:rPr lang="en-GB" dirty="0"/>
-              <a:t>.</a:t>
-            </a:r>
-            <a:endParaRPr lang="en-US" dirty="0"/>
-          </a:p>
-          <a:p>
-            <a:r>
-              <a:rPr lang="en-GB" dirty="0" err="1"/>
-              <a:t>Spesifikasi</a:t>
-            </a:r>
-            <a:r>
-              <a:rPr lang="en-GB" dirty="0"/>
-              <a:t> </a:t>
-            </a:r>
-            <a:r>
-              <a:rPr lang="en-GB" dirty="0" err="1"/>
-              <a:t>komputer</a:t>
-            </a:r>
-            <a:r>
-              <a:rPr lang="en-GB" dirty="0"/>
-              <a:t>: 64-bit </a:t>
-            </a:r>
-            <a:r>
-              <a:rPr lang="en-GB" dirty="0" err="1"/>
-              <a:t>prosesor</a:t>
-            </a:r>
-            <a:r>
-              <a:rPr lang="en-GB" dirty="0"/>
-              <a:t> </a:t>
-            </a:r>
-            <a:r>
-              <a:rPr lang="en-GB" dirty="0" err="1"/>
-              <a:t>dan</a:t>
-            </a:r>
-            <a:r>
-              <a:rPr lang="en-GB" dirty="0"/>
-              <a:t> </a:t>
-            </a:r>
-            <a:r>
-              <a:rPr lang="en-GB" dirty="0" err="1"/>
-              <a:t>sistem</a:t>
-            </a:r>
-            <a:r>
-              <a:rPr lang="en-GB" dirty="0"/>
-              <a:t> </a:t>
-            </a:r>
-            <a:r>
-              <a:rPr lang="en-GB" dirty="0" err="1"/>
-              <a:t>operasi</a:t>
-            </a:r>
-            <a:r>
-              <a:rPr lang="en-GB" dirty="0"/>
-              <a:t>.</a:t>
-            </a:r>
-            <a:endParaRPr lang="en-US" dirty="0"/>
-          </a:p>
-          <a:p>
-            <a:r>
-              <a:rPr lang="en-GB" dirty="0"/>
-              <a:t>OS: Windows 10 Pro.</a:t>
-            </a:r>
-            <a:endParaRPr lang="en-US" dirty="0"/>
-          </a:p>
-          <a:p>
-            <a:r>
-              <a:rPr lang="en-GB" dirty="0"/>
-              <a:t>Processor: Intel(R) Core i3-4150 CPU, 3.50GHz</a:t>
-            </a:r>
-            <a:endParaRPr lang="en-US" dirty="0"/>
-          </a:p>
-          <a:p>
-            <a:r>
-              <a:rPr lang="en-GB" dirty="0"/>
-              <a:t>Memory: 8 GB RAM.</a:t>
-            </a:r>
-            <a:endParaRPr lang="en-US" dirty="0"/>
-          </a:p>
-          <a:p>
-            <a:r>
-              <a:rPr lang="en-GB" dirty="0"/>
-              <a:t>Storage: 50 MB.</a:t>
-            </a:r>
-            <a:endParaRPr lang="en-US" dirty="0"/>
-          </a:p>
-          <a:p>
-            <a:r>
-              <a:rPr lang="en-GB" i="1" dirty="0"/>
-              <a:t>Integrated Development Environment </a:t>
-            </a:r>
-            <a:r>
-              <a:rPr lang="en-GB" dirty="0"/>
-              <a:t>(IDE): </a:t>
-            </a:r>
-            <a:r>
-              <a:rPr lang="en-GB" dirty="0" err="1"/>
-              <a:t>Netbeans</a:t>
-            </a:r>
-            <a:r>
-              <a:rPr lang="en-GB" dirty="0"/>
-              <a:t> / Eclipse neon 3.</a:t>
-            </a:r>
-            <a:endParaRPr lang="en-US" dirty="0"/>
-          </a:p>
-          <a:p>
-            <a:r>
-              <a:rPr lang="en-GB" dirty="0"/>
-              <a:t>Java version: 1.8.0_60</a:t>
-            </a:r>
-            <a:endParaRPr lang="en-US" dirty="0"/>
-          </a:p>
-          <a:p>
-            <a:r>
-              <a:rPr lang="en-GB" dirty="0"/>
-              <a:t>DB : PostgreSQL 9.6</a:t>
-            </a:r>
-            <a:endParaRPr lang="en-US" dirty="0"/>
-          </a:p>
-          <a:p>
-            <a:endParaRPr lang="en-US" dirty="0"/>
-          </a:p>
-        </p:txBody>
-      </p:sp>
+        </p:nvPicPr>
+        <p:blipFill>
+          <a:blip r:embed="rId2">
+            <a:extLst>
+              <a:ext uri="{28A0092B-C50C-407E-A947-70E740481C1C}">
+                <a14:useLocalDpi xmlns:a14="http://schemas.microsoft.com/office/drawing/2010/main" val="0"/>
+              </a:ext>
+            </a:extLst>
+          </a:blip>
+          <a:stretch>
+            <a:fillRect/>
+          </a:stretch>
+        </p:blipFill>
+        <p:spPr>
+          <a:xfrm>
+            <a:off x="5550568" y="0"/>
+            <a:ext cx="5743074" cy="6791604"/>
+          </a:xfrm>
+        </p:spPr>
+      </p:pic>
     </p:spTree>
     <p:extLst>
       <p:ext uri="{BB962C8B-B14F-4D97-AF65-F5344CB8AC3E}">
-        <p14:creationId xmlns:p14="http://schemas.microsoft.com/office/powerpoint/2010/main" val="1013552250"/>
+        <p14:creationId xmlns:p14="http://schemas.microsoft.com/office/powerpoint/2010/main" val="3058583455"/>
       </p:ext>
     </p:extLst>
   </p:cSld>
   <p:clrMapOvr>
     <a:masterClrMapping/>
   </p:clrMapOvr>
+  <p:timing>
+    <p:tnLst>
+      <p:par>
+        <p:cTn id="1" dur="indefinite" restart="never" nodeType="tmRoot"/>
+      </p:par>
+    </p:tnLst>
+  </p:timing>
 </p:sld>
 </file>
 
@@ -28323,9 +28295,392 @@
           <a:lstStyle/>
           <a:p>
             <a:r>
-              <a:rPr lang="en-US" dirty="0" smtClean="0"/>
-              <a:t>4. </a:t>
-            </a:r>
+              <a:rPr lang="en-US" dirty="0" err="1" smtClean="0"/>
+              <a:t>perancangan</a:t>
+            </a:r>
+            <a:endParaRPr lang="en-US" dirty="0"/>
+          </a:p>
+        </p:txBody>
+      </p:sp>
+      <p:sp>
+        <p:nvSpPr>
+          <p:cNvPr id="3" name="Content Placeholder 2"/>
+          <p:cNvSpPr>
+            <a:spLocks noGrp="1"/>
+          </p:cNvSpPr>
+          <p:nvPr>
+            <p:ph idx="1"/>
+          </p:nvPr>
+        </p:nvSpPr>
+        <p:spPr/>
+        <p:txBody>
+          <a:bodyPr/>
+          <a:lstStyle/>
+          <a:p>
+            <a:pPr marL="457200" indent="-457200">
+              <a:buFont typeface="+mj-lt"/>
+              <a:buAutoNum type="arabicPeriod"/>
+            </a:pPr>
+            <a:r>
+              <a:rPr lang="en-US" dirty="0" smtClean="0"/>
+              <a:t>Model </a:t>
+            </a:r>
+            <a:r>
+              <a:rPr lang="en-US" dirty="0" err="1" smtClean="0"/>
+              <a:t>penyimpanan</a:t>
+            </a:r>
+            <a:r>
+              <a:rPr lang="en-US" dirty="0" smtClean="0"/>
+              <a:t> data : Database per service.</a:t>
+            </a:r>
+          </a:p>
+          <a:p>
+            <a:pPr marL="457200" indent="-457200">
+              <a:buFont typeface="+mj-lt"/>
+              <a:buAutoNum type="arabicPeriod"/>
+            </a:pPr>
+            <a:r>
+              <a:rPr lang="en-US" dirty="0" err="1" smtClean="0"/>
+              <a:t>Pemilihan</a:t>
+            </a:r>
+            <a:r>
+              <a:rPr lang="en-US" dirty="0" smtClean="0"/>
+              <a:t> server basis data : </a:t>
+            </a:r>
+            <a:r>
+              <a:rPr lang="en-US" dirty="0" smtClean="0"/>
+              <a:t>PostgreSQL</a:t>
+            </a:r>
+          </a:p>
+          <a:p>
+            <a:pPr marL="457200" indent="-457200">
+              <a:buFont typeface="+mj-lt"/>
+              <a:buAutoNum type="arabicPeriod"/>
+            </a:pPr>
+            <a:r>
+              <a:rPr lang="en-US" dirty="0" err="1" smtClean="0"/>
+              <a:t>Komunikasi</a:t>
+            </a:r>
+            <a:r>
+              <a:rPr lang="en-US" dirty="0" smtClean="0"/>
+              <a:t> </a:t>
+            </a:r>
+            <a:r>
+              <a:rPr lang="en-US" dirty="0" err="1" smtClean="0"/>
+              <a:t>antar</a:t>
+            </a:r>
+            <a:r>
+              <a:rPr lang="en-US" dirty="0" smtClean="0"/>
+              <a:t> service : </a:t>
+            </a:r>
+            <a:r>
+              <a:rPr lang="en-US" i="1" dirty="0" smtClean="0"/>
+              <a:t>RESTful Web-service </a:t>
+            </a:r>
+            <a:r>
+              <a:rPr lang="en-US" dirty="0" err="1" smtClean="0"/>
+              <a:t>dengan</a:t>
+            </a:r>
+            <a:r>
+              <a:rPr lang="en-US" dirty="0" smtClean="0"/>
+              <a:t> </a:t>
+            </a:r>
+            <a:r>
+              <a:rPr lang="en-US" dirty="0" err="1" smtClean="0"/>
+              <a:t>fomat</a:t>
+            </a:r>
+            <a:r>
+              <a:rPr lang="en-US" dirty="0" smtClean="0"/>
+              <a:t> data JSON</a:t>
+            </a:r>
+            <a:r>
+              <a:rPr lang="en-US" i="1" dirty="0" smtClean="0"/>
+              <a:t>.</a:t>
+            </a:r>
+            <a:endParaRPr lang="en-US" dirty="0" smtClean="0"/>
+          </a:p>
+          <a:p>
+            <a:pPr marL="457200" indent="-457200">
+              <a:buFont typeface="+mj-lt"/>
+              <a:buAutoNum type="arabicPeriod"/>
+            </a:pPr>
+            <a:r>
+              <a:rPr lang="en-US" dirty="0" err="1" smtClean="0"/>
+              <a:t>Rancangan</a:t>
+            </a:r>
+            <a:r>
+              <a:rPr lang="en-US" dirty="0" smtClean="0"/>
+              <a:t> deployment : </a:t>
+            </a:r>
+            <a:r>
+              <a:rPr lang="en-US" dirty="0" err="1" smtClean="0"/>
+              <a:t>Mulitple</a:t>
+            </a:r>
+            <a:r>
+              <a:rPr lang="en-US" dirty="0" smtClean="0"/>
+              <a:t> service per host </a:t>
+            </a:r>
+            <a:r>
+              <a:rPr lang="en-US" dirty="0" err="1" smtClean="0"/>
+              <a:t>dalam</a:t>
+            </a:r>
+            <a:r>
+              <a:rPr lang="en-US" dirty="0" smtClean="0"/>
+              <a:t> </a:t>
+            </a:r>
+            <a:r>
+              <a:rPr lang="en-US" dirty="0" err="1" smtClean="0"/>
+              <a:t>beberapa</a:t>
+            </a:r>
+            <a:r>
+              <a:rPr lang="en-US" dirty="0" smtClean="0"/>
+              <a:t> host (server).</a:t>
+            </a:r>
+          </a:p>
+          <a:p>
+            <a:pPr marL="457200" indent="-457200">
+              <a:buFont typeface="+mj-lt"/>
+              <a:buAutoNum type="arabicPeriod"/>
+            </a:pPr>
+            <a:r>
+              <a:rPr lang="en-US" dirty="0" err="1" smtClean="0"/>
+              <a:t>Pengujian</a:t>
+            </a:r>
+            <a:r>
+              <a:rPr lang="en-US" dirty="0" smtClean="0"/>
+              <a:t> : Test-plan </a:t>
+            </a:r>
+            <a:r>
+              <a:rPr lang="en-US" dirty="0" err="1" smtClean="0"/>
+              <a:t>dan</a:t>
+            </a:r>
+            <a:r>
+              <a:rPr lang="en-US" dirty="0" smtClean="0"/>
+              <a:t> </a:t>
+            </a:r>
+            <a:r>
+              <a:rPr lang="en-US" dirty="0" err="1" smtClean="0"/>
+              <a:t>didokumentasikan</a:t>
+            </a:r>
+            <a:r>
+              <a:rPr lang="en-US" dirty="0" smtClean="0"/>
+              <a:t> </a:t>
+            </a:r>
+            <a:r>
+              <a:rPr lang="en-US" dirty="0" err="1" smtClean="0"/>
+              <a:t>dalam</a:t>
+            </a:r>
+            <a:r>
+              <a:rPr lang="en-US" dirty="0" smtClean="0"/>
+              <a:t> </a:t>
+            </a:r>
+            <a:r>
+              <a:rPr lang="en-US" dirty="0" err="1" smtClean="0"/>
+              <a:t>tabel</a:t>
+            </a:r>
+            <a:r>
+              <a:rPr lang="en-US" dirty="0" smtClean="0"/>
+              <a:t> </a:t>
+            </a:r>
+            <a:r>
+              <a:rPr lang="en-US" dirty="0" err="1" smtClean="0"/>
+              <a:t>pengujian</a:t>
+            </a:r>
+            <a:r>
+              <a:rPr lang="en-US" dirty="0" smtClean="0"/>
+              <a:t>.</a:t>
+            </a:r>
+            <a:endParaRPr lang="en-US" dirty="0"/>
+          </a:p>
+        </p:txBody>
+      </p:sp>
+    </p:spTree>
+    <p:extLst>
+      <p:ext uri="{BB962C8B-B14F-4D97-AF65-F5344CB8AC3E}">
+        <p14:creationId xmlns:p14="http://schemas.microsoft.com/office/powerpoint/2010/main" val="886435063"/>
+      </p:ext>
+    </p:extLst>
+  </p:cSld>
+  <p:clrMapOvr>
+    <a:masterClrMapping/>
+  </p:clrMapOvr>
+  <p:timing>
+    <p:tnLst>
+      <p:par>
+        <p:cTn id="1" dur="indefinite" restart="never" nodeType="tmRoot"/>
+      </p:par>
+    </p:tnLst>
+  </p:timing>
+</p:sld>
+</file>
+
+<file path=ppt/slides/slide37.xml><?xml version="1.0" encoding="utf-8"?>
+<p:sld xmlns:a="http://schemas.openxmlformats.org/drawingml/2006/main" xmlns:r="http://schemas.openxmlformats.org/officeDocument/2006/relationships" xmlns:p="http://schemas.openxmlformats.org/presentationml/2006/main">
+  <p:cSld>
+    <p:spTree>
+      <p:nvGrpSpPr>
+        <p:cNvPr id="1" name=""/>
+        <p:cNvGrpSpPr/>
+        <p:nvPr/>
+      </p:nvGrpSpPr>
+      <p:grpSpPr>
+        <a:xfrm>
+          <a:off x="0" y="0"/>
+          <a:ext cx="0" cy="0"/>
+          <a:chOff x="0" y="0"/>
+          <a:chExt cx="0" cy="0"/>
+        </a:xfrm>
+      </p:grpSpPr>
+      <p:sp>
+        <p:nvSpPr>
+          <p:cNvPr id="2" name="Title 1"/>
+          <p:cNvSpPr>
+            <a:spLocks noGrp="1"/>
+          </p:cNvSpPr>
+          <p:nvPr>
+            <p:ph type="title"/>
+          </p:nvPr>
+        </p:nvSpPr>
+        <p:spPr/>
+        <p:txBody>
+          <a:bodyPr/>
+          <a:lstStyle/>
+          <a:p>
+            <a:r>
+              <a:rPr lang="en-US" dirty="0" err="1" smtClean="0"/>
+              <a:t>Ilustrasi</a:t>
+            </a:r>
+            <a:r>
+              <a:rPr lang="en-US" dirty="0" smtClean="0"/>
+              <a:t> </a:t>
+            </a:r>
+            <a:r>
+              <a:rPr lang="en-US" dirty="0" err="1" smtClean="0"/>
+              <a:t>perubahan</a:t>
+            </a:r>
+            <a:r>
+              <a:rPr lang="en-US" dirty="0" smtClean="0"/>
+              <a:t> </a:t>
+            </a:r>
+            <a:r>
+              <a:rPr lang="en-US" dirty="0" err="1" smtClean="0"/>
+              <a:t>arsitektur</a:t>
+            </a:r>
+            <a:endParaRPr lang="en-US" dirty="0"/>
+          </a:p>
+        </p:txBody>
+      </p:sp>
+      <p:pic>
+        <p:nvPicPr>
+          <p:cNvPr id="4" name="Content Placeholder 3"/>
+          <p:cNvPicPr>
+            <a:picLocks noGrp="1" noChangeAspect="1"/>
+          </p:cNvPicPr>
+          <p:nvPr>
+            <p:ph idx="1"/>
+          </p:nvPr>
+        </p:nvPicPr>
+        <p:blipFill>
+          <a:blip r:embed="rId2">
+            <a:extLst>
+              <a:ext uri="{28A0092B-C50C-407E-A947-70E740481C1C}">
+                <a14:useLocalDpi xmlns:a14="http://schemas.microsoft.com/office/drawing/2010/main" val="0"/>
+              </a:ext>
+            </a:extLst>
+          </a:blip>
+          <a:stretch>
+            <a:fillRect/>
+          </a:stretch>
+        </p:blipFill>
+        <p:spPr>
+          <a:xfrm>
+            <a:off x="249428" y="1805432"/>
+            <a:ext cx="4303312" cy="4544568"/>
+          </a:xfrm>
+        </p:spPr>
+      </p:pic>
+      <p:pic>
+        <p:nvPicPr>
+          <p:cNvPr id="5" name="Picture 4"/>
+          <p:cNvPicPr>
+            <a:picLocks noChangeAspect="1"/>
+          </p:cNvPicPr>
+          <p:nvPr/>
+        </p:nvPicPr>
+        <p:blipFill>
+          <a:blip r:embed="rId3">
+            <a:extLst>
+              <a:ext uri="{28A0092B-C50C-407E-A947-70E740481C1C}">
+                <a14:useLocalDpi xmlns:a14="http://schemas.microsoft.com/office/drawing/2010/main" val="0"/>
+              </a:ext>
+            </a:extLst>
+          </a:blip>
+          <a:stretch>
+            <a:fillRect/>
+          </a:stretch>
+        </p:blipFill>
+        <p:spPr>
+          <a:xfrm>
+            <a:off x="5230857" y="1805432"/>
+            <a:ext cx="4178019" cy="4265168"/>
+          </a:xfrm>
+          <a:prstGeom prst="rect">
+            <a:avLst/>
+          </a:prstGeom>
+        </p:spPr>
+      </p:pic>
+    </p:spTree>
+    <p:extLst>
+      <p:ext uri="{BB962C8B-B14F-4D97-AF65-F5344CB8AC3E}">
+        <p14:creationId xmlns:p14="http://schemas.microsoft.com/office/powerpoint/2010/main" val="3927601728"/>
+      </p:ext>
+    </p:extLst>
+  </p:cSld>
+  <p:clrMapOvr>
+    <a:masterClrMapping/>
+  </p:clrMapOvr>
+  <p:timing>
+    <p:tnLst>
+      <p:par>
+        <p:cTn id="1" dur="indefinite" restart="never" nodeType="tmRoot"/>
+      </p:par>
+    </p:tnLst>
+  </p:timing>
+</p:sld>
+</file>
+
+<file path=ppt/slides/slide38.xml><?xml version="1.0" encoding="utf-8"?>
+<p:sld xmlns:a="http://schemas.openxmlformats.org/drawingml/2006/main" xmlns:r="http://schemas.openxmlformats.org/officeDocument/2006/relationships" xmlns:p="http://schemas.openxmlformats.org/presentationml/2006/main">
+  <p:cSld>
+    <p:spTree>
+      <p:nvGrpSpPr>
+        <p:cNvPr id="1" name=""/>
+        <p:cNvGrpSpPr/>
+        <p:nvPr/>
+      </p:nvGrpSpPr>
+      <p:grpSpPr>
+        <a:xfrm>
+          <a:off x="0" y="0"/>
+          <a:ext cx="0" cy="0"/>
+          <a:chOff x="0" y="0"/>
+          <a:chExt cx="0" cy="0"/>
+        </a:xfrm>
+      </p:grpSpPr>
+      <p:sp>
+        <p:nvSpPr>
+          <p:cNvPr id="2" name="Title 1"/>
+          <p:cNvSpPr>
+            <a:spLocks noGrp="1"/>
+          </p:cNvSpPr>
+          <p:nvPr>
+            <p:ph type="title"/>
+          </p:nvPr>
+        </p:nvSpPr>
+        <p:spPr/>
+        <p:txBody>
+          <a:bodyPr/>
+          <a:lstStyle/>
+          <a:p>
             <a:r>
               <a:rPr lang="en-US" dirty="0" err="1" smtClean="0"/>
               <a:t>Implementasi</a:t>
@@ -28379,6 +28734,230 @@
   <p:clrMapOvr>
     <a:masterClrMapping/>
   </p:clrMapOvr>
+  <p:timing>
+    <p:tnLst>
+      <p:par>
+        <p:cTn id="1" dur="indefinite" restart="never" nodeType="tmRoot"/>
+      </p:par>
+    </p:tnLst>
+  </p:timing>
+</p:sld>
+</file>
+
+<file path=ppt/slides/slide39.xml><?xml version="1.0" encoding="utf-8"?>
+<p:sld xmlns:a="http://schemas.openxmlformats.org/drawingml/2006/main" xmlns:r="http://schemas.openxmlformats.org/officeDocument/2006/relationships" xmlns:p="http://schemas.openxmlformats.org/presentationml/2006/main">
+  <p:cSld>
+    <p:spTree>
+      <p:nvGrpSpPr>
+        <p:cNvPr id="1" name=""/>
+        <p:cNvGrpSpPr/>
+        <p:nvPr/>
+      </p:nvGrpSpPr>
+      <p:grpSpPr>
+        <a:xfrm>
+          <a:off x="0" y="0"/>
+          <a:ext cx="0" cy="0"/>
+          <a:chOff x="0" y="0"/>
+          <a:chExt cx="0" cy="0"/>
+        </a:xfrm>
+      </p:grpSpPr>
+      <p:sp>
+        <p:nvSpPr>
+          <p:cNvPr id="2" name="Title 1"/>
+          <p:cNvSpPr>
+            <a:spLocks noGrp="1"/>
+          </p:cNvSpPr>
+          <p:nvPr>
+            <p:ph type="title"/>
+          </p:nvPr>
+        </p:nvSpPr>
+        <p:spPr/>
+        <p:txBody>
+          <a:bodyPr/>
+          <a:lstStyle/>
+          <a:p>
+            <a:r>
+              <a:rPr lang="en-US" dirty="0" err="1" smtClean="0"/>
+              <a:t>Lingkunan</a:t>
+            </a:r>
+            <a:r>
+              <a:rPr lang="en-US" dirty="0" smtClean="0"/>
+              <a:t> </a:t>
+            </a:r>
+            <a:r>
+              <a:rPr lang="en-US" dirty="0" err="1" smtClean="0"/>
+              <a:t>implementasi</a:t>
+            </a:r>
+            <a:endParaRPr lang="en-US" dirty="0"/>
+          </a:p>
+        </p:txBody>
+      </p:sp>
+      <p:sp>
+        <p:nvSpPr>
+          <p:cNvPr id="3" name="Content Placeholder 2"/>
+          <p:cNvSpPr>
+            <a:spLocks noGrp="1"/>
+          </p:cNvSpPr>
+          <p:nvPr>
+            <p:ph idx="1"/>
+          </p:nvPr>
+        </p:nvSpPr>
+        <p:spPr/>
+        <p:txBody>
+          <a:bodyPr>
+            <a:normAutofit lnSpcReduction="10000"/>
+          </a:bodyPr>
+          <a:lstStyle/>
+          <a:p>
+            <a:r>
+              <a:rPr lang="en-GB" dirty="0" err="1" smtClean="0"/>
+              <a:t>Spesifikasi</a:t>
+            </a:r>
+            <a:r>
+              <a:rPr lang="en-GB" dirty="0" smtClean="0"/>
+              <a:t> </a:t>
+            </a:r>
+            <a:r>
+              <a:rPr lang="en-GB" dirty="0" err="1"/>
+              <a:t>komputer</a:t>
+            </a:r>
+            <a:r>
+              <a:rPr lang="en-GB" dirty="0"/>
+              <a:t>: 64-bit </a:t>
+            </a:r>
+            <a:r>
+              <a:rPr lang="en-GB" dirty="0" err="1"/>
+              <a:t>prosesor</a:t>
+            </a:r>
+            <a:r>
+              <a:rPr lang="en-GB" dirty="0"/>
+              <a:t> </a:t>
+            </a:r>
+            <a:r>
+              <a:rPr lang="en-GB" dirty="0" err="1"/>
+              <a:t>dan</a:t>
+            </a:r>
+            <a:r>
+              <a:rPr lang="en-GB" dirty="0"/>
+              <a:t> </a:t>
+            </a:r>
+            <a:r>
+              <a:rPr lang="en-GB" dirty="0" err="1"/>
+              <a:t>sistem</a:t>
+            </a:r>
+            <a:r>
+              <a:rPr lang="en-GB" dirty="0"/>
+              <a:t> </a:t>
+            </a:r>
+            <a:r>
+              <a:rPr lang="en-GB" dirty="0" err="1"/>
+              <a:t>operasi</a:t>
+            </a:r>
+            <a:r>
+              <a:rPr lang="en-GB" dirty="0"/>
+              <a:t>.</a:t>
+            </a:r>
+            <a:endParaRPr lang="en-US" dirty="0"/>
+          </a:p>
+          <a:p>
+            <a:r>
+              <a:rPr lang="en-GB" dirty="0" err="1" smtClean="0"/>
+              <a:t>Sistem</a:t>
+            </a:r>
+            <a:r>
+              <a:rPr lang="en-GB" dirty="0" smtClean="0"/>
+              <a:t> </a:t>
+            </a:r>
+            <a:r>
+              <a:rPr lang="en-GB" dirty="0" err="1" smtClean="0"/>
+              <a:t>Operasi</a:t>
+            </a:r>
+            <a:r>
+              <a:rPr lang="en-GB" dirty="0" smtClean="0"/>
+              <a:t>: </a:t>
+            </a:r>
+            <a:r>
+              <a:rPr lang="en-US" dirty="0"/>
+              <a:t>Windows 10 Enterprise 1709 64-bit.</a:t>
+            </a:r>
+            <a:endParaRPr lang="en-US" dirty="0" smtClean="0"/>
+          </a:p>
+          <a:p>
+            <a:r>
+              <a:rPr lang="en-GB" dirty="0" smtClean="0"/>
+              <a:t>Processor: Intel(R) Core i3-4150 CPU, 3.50GHz</a:t>
+            </a:r>
+            <a:endParaRPr lang="en-US" dirty="0" smtClean="0"/>
+          </a:p>
+          <a:p>
+            <a:r>
+              <a:rPr lang="en-GB" dirty="0" smtClean="0"/>
+              <a:t>Memory</a:t>
+            </a:r>
+            <a:r>
+              <a:rPr lang="en-GB" dirty="0"/>
+              <a:t>: 8 GB RAM.</a:t>
+            </a:r>
+            <a:endParaRPr lang="en-US" dirty="0"/>
+          </a:p>
+          <a:p>
+            <a:r>
+              <a:rPr lang="en-GB" dirty="0"/>
+              <a:t>Storage: 50 MB.</a:t>
+            </a:r>
+            <a:endParaRPr lang="en-US" dirty="0"/>
+          </a:p>
+          <a:p>
+            <a:r>
+              <a:rPr lang="en-GB" i="1" dirty="0"/>
+              <a:t>Integrated Development Environment </a:t>
+            </a:r>
+            <a:r>
+              <a:rPr lang="en-GB" dirty="0"/>
+              <a:t>(IDE): </a:t>
+            </a:r>
+            <a:r>
+              <a:rPr lang="en-US" dirty="0"/>
+              <a:t>Eclipse Java EE IDE for Web Developers, Neon.3 Release (4.6.3).</a:t>
+            </a:r>
+            <a:endParaRPr lang="en-US" dirty="0"/>
+          </a:p>
+          <a:p>
+            <a:r>
+              <a:rPr lang="en-GB" dirty="0"/>
+              <a:t>Java version: 1.8.0_60</a:t>
+            </a:r>
+            <a:endParaRPr lang="en-US" dirty="0"/>
+          </a:p>
+          <a:p>
+            <a:r>
+              <a:rPr lang="en-GB" dirty="0"/>
+              <a:t>DB : PostgreSQL 9.6</a:t>
+            </a:r>
+            <a:endParaRPr lang="en-US" dirty="0"/>
+          </a:p>
+          <a:p>
+            <a:endParaRPr lang="en-US" dirty="0"/>
+          </a:p>
+        </p:txBody>
+      </p:sp>
+    </p:spTree>
+    <p:extLst>
+      <p:ext uri="{BB962C8B-B14F-4D97-AF65-F5344CB8AC3E}">
+        <p14:creationId xmlns:p14="http://schemas.microsoft.com/office/powerpoint/2010/main" val="2037783860"/>
+      </p:ext>
+    </p:extLst>
+  </p:cSld>
+  <p:clrMapOvr>
+    <a:masterClrMapping/>
+  </p:clrMapOvr>
+  <p:timing>
+    <p:tnLst>
+      <p:par>
+        <p:cTn id="1" dur="indefinite" restart="never" nodeType="tmRoot"/>
+      </p:par>
+    </p:tnLst>
+  </p:timing>
 </p:sld>
 </file>
 
@@ -28479,43 +29058,67 @@
               <a:t> </a:t>
             </a:r>
             <a:r>
-              <a:rPr lang="en-US" dirty="0" err="1" smtClean="0"/>
+              <a:rPr lang="en-US" dirty="0" err="1"/>
               <a:t>Menentukan</a:t>
             </a:r>
             <a:r>
-              <a:rPr lang="en-US" dirty="0" smtClean="0"/>
-              <a:t> </a:t>
-            </a:r>
-            <a:r>
-              <a:rPr lang="en-US" dirty="0" err="1" smtClean="0"/>
+              <a:rPr lang="en-US" dirty="0"/>
+              <a:t> </a:t>
+            </a:r>
+            <a:r>
+              <a:rPr lang="en-US" dirty="0" err="1"/>
+              <a:t>bagaimana</a:t>
+            </a:r>
+            <a:r>
+              <a:rPr lang="en-US" dirty="0"/>
+              <a:t> </a:t>
+            </a:r>
+            <a:r>
+              <a:rPr lang="en-US" dirty="0" err="1"/>
               <a:t>tahap</a:t>
             </a:r>
             <a:r>
-              <a:rPr lang="en-US" dirty="0" smtClean="0"/>
-              <a:t> </a:t>
-            </a:r>
-            <a:r>
-              <a:rPr lang="en-US" dirty="0" err="1" smtClean="0"/>
+              <a:rPr lang="en-US" dirty="0"/>
+              <a:t> yang </a:t>
+            </a:r>
+            <a:r>
+              <a:rPr lang="en-US" dirty="0" err="1"/>
+              <a:t>benar</a:t>
+            </a:r>
+            <a:r>
+              <a:rPr lang="en-US" dirty="0"/>
+              <a:t> </a:t>
+            </a:r>
+            <a:r>
+              <a:rPr lang="en-US" dirty="0" err="1"/>
+              <a:t>untuk</a:t>
+            </a:r>
+            <a:r>
+              <a:rPr lang="en-US" dirty="0"/>
+              <a:t> </a:t>
+            </a:r>
+            <a:r>
+              <a:rPr lang="en-US" dirty="0" err="1"/>
+              <a:t>melakukan</a:t>
+            </a:r>
+            <a:r>
+              <a:rPr lang="en-US" dirty="0"/>
+              <a:t> </a:t>
+            </a:r>
+            <a:r>
+              <a:rPr lang="en-US" dirty="0" err="1"/>
               <a:t>migrasi</a:t>
             </a:r>
             <a:r>
-              <a:rPr lang="en-US" dirty="0" smtClean="0"/>
-              <a:t> yang </a:t>
-            </a:r>
-            <a:r>
-              <a:rPr lang="en-US" dirty="0" err="1" smtClean="0"/>
-              <a:t>benar</a:t>
-            </a:r>
-            <a:r>
-              <a:rPr lang="en-US" dirty="0" smtClean="0"/>
-              <a:t> </a:t>
-            </a:r>
-            <a:r>
-              <a:rPr lang="en-US" dirty="0" err="1" smtClean="0"/>
+              <a:rPr lang="en-US" dirty="0"/>
+              <a:t> </a:t>
+            </a:r>
+            <a:r>
+              <a:rPr lang="en-US" dirty="0" err="1"/>
               <a:t>dari</a:t>
             </a:r>
             <a:r>
-              <a:rPr lang="en-US" dirty="0" smtClean="0"/>
+              <a:rPr lang="en-US" dirty="0"/>
               <a:t> </a:t>
             </a:r>
             <a:r>
@@ -28536,7 +29139,7 @@
             </a:r>
             <a:r>
               <a:rPr lang="en-US" dirty="0" err="1"/>
-              <a:t>menjadi</a:t>
+              <a:t>ke</a:t>
             </a:r>
             <a:r>
               <a:rPr lang="en-US" dirty="0"/>
@@ -28544,73 +29147,15 @@
             </a:r>
             <a:r>
               <a:rPr lang="en-US" dirty="0" err="1"/>
+              <a:t>arsitektur</a:t>
+            </a:r>
+            <a:r>
+              <a:rPr lang="en-US" dirty="0"/>
+              <a:t> </a:t>
+            </a:r>
+            <a:r>
+              <a:rPr lang="en-US" dirty="0" err="1" smtClean="0"/>
               <a:t>microservice</a:t>
-            </a:r>
-            <a:r>
-              <a:rPr lang="en-US" dirty="0" smtClean="0"/>
-              <a:t>.</a:t>
-            </a:r>
-          </a:p>
-          <a:p>
-            <a:pPr>
-              <a:buFont typeface="Arial" panose="020B0604020202020204" pitchFamily="34" charset="0"/>
-              <a:buChar char="•"/>
-            </a:pPr>
-            <a:r>
-              <a:rPr lang="en-US" dirty="0"/>
-              <a:t> </a:t>
-            </a:r>
-            <a:r>
-              <a:rPr lang="en-US" dirty="0" err="1" smtClean="0"/>
-              <a:t>Membandingkan</a:t>
-            </a:r>
-            <a:r>
-              <a:rPr lang="en-US" dirty="0" smtClean="0"/>
-              <a:t> </a:t>
-            </a:r>
-            <a:r>
-              <a:rPr lang="en-US" dirty="0" err="1" smtClean="0"/>
-              <a:t>performa</a:t>
-            </a:r>
-            <a:r>
-              <a:rPr lang="en-US" dirty="0" smtClean="0"/>
-              <a:t> </a:t>
-            </a:r>
-            <a:r>
-              <a:rPr lang="en-US" dirty="0" err="1" smtClean="0"/>
-              <a:t>antara</a:t>
-            </a:r>
-            <a:r>
-              <a:rPr lang="en-US" dirty="0" smtClean="0"/>
-              <a:t> </a:t>
-            </a:r>
-            <a:r>
-              <a:rPr lang="en-US" dirty="0" err="1" smtClean="0"/>
-              <a:t>arsitektur</a:t>
-            </a:r>
-            <a:r>
-              <a:rPr lang="en-US" dirty="0" smtClean="0"/>
-              <a:t> </a:t>
-            </a:r>
-            <a:r>
-              <a:rPr lang="en-US" dirty="0" err="1" smtClean="0"/>
-              <a:t>microservice</a:t>
-            </a:r>
-            <a:r>
-              <a:rPr lang="en-US" dirty="0" smtClean="0"/>
-              <a:t> </a:t>
-            </a:r>
-            <a:r>
-              <a:rPr lang="en-US" dirty="0" err="1" smtClean="0"/>
-              <a:t>dan</a:t>
-            </a:r>
-            <a:r>
-              <a:rPr lang="en-US" dirty="0" smtClean="0"/>
-              <a:t> </a:t>
-            </a:r>
-            <a:r>
-              <a:rPr lang="en-US" dirty="0" err="1" smtClean="0"/>
-              <a:t>monolitik</a:t>
             </a:r>
             <a:r>
               <a:rPr lang="en-US" dirty="0" smtClean="0"/>
@@ -28624,87 +29169,61 @@
               <a:buChar char="•"/>
             </a:pPr>
             <a:r>
-              <a:rPr lang="en-US" dirty="0" smtClean="0"/>
-              <a:t> </a:t>
-            </a:r>
-            <a:r>
-              <a:rPr lang="en-US" dirty="0" err="1" smtClean="0"/>
-              <a:t>Mengetahui</a:t>
-            </a:r>
-            <a:r>
-              <a:rPr lang="en-US" dirty="0" smtClean="0"/>
-              <a:t> </a:t>
-            </a:r>
-            <a:r>
-              <a:rPr lang="en-US" dirty="0" err="1"/>
-              <a:t>cara</a:t>
-            </a:r>
-            <a:r>
-              <a:rPr lang="en-US" dirty="0"/>
-              <a:t> </a:t>
-            </a:r>
-            <a:r>
-              <a:rPr lang="en-US" dirty="0" err="1"/>
-              <a:t>menerapkan</a:t>
-            </a:r>
-            <a:r>
-              <a:rPr lang="en-US" dirty="0"/>
-              <a:t>, </a:t>
-            </a:r>
-            <a:r>
-              <a:rPr lang="en-US" dirty="0" err="1"/>
-              <a:t>melakukan</a:t>
-            </a:r>
-            <a:r>
-              <a:rPr lang="en-US" dirty="0"/>
-              <a:t> </a:t>
-            </a:r>
-            <a:r>
-              <a:rPr lang="en-US" i="1" dirty="0"/>
-              <a:t>deployment</a:t>
-            </a:r>
-            <a:r>
-              <a:rPr lang="en-US" dirty="0"/>
-              <a:t>, </a:t>
-            </a:r>
-            <a:r>
-              <a:rPr lang="en-US" dirty="0" err="1"/>
+              <a:rPr lang="en-US" dirty="0" err="1" smtClean="0"/>
+              <a:t>Membandingkan</a:t>
+            </a:r>
+            <a:r>
+              <a:rPr lang="en-US" dirty="0" smtClean="0"/>
+              <a:t> </a:t>
+            </a:r>
+            <a:r>
+              <a:rPr lang="en-US" dirty="0" err="1" smtClean="0"/>
+              <a:t>performa</a:t>
+            </a:r>
+            <a:r>
+              <a:rPr lang="en-US" dirty="0" smtClean="0"/>
+              <a:t> </a:t>
+            </a:r>
+            <a:r>
+              <a:rPr lang="en-US" dirty="0" err="1" smtClean="0"/>
+              <a:t>antara</a:t>
+            </a:r>
+            <a:r>
+              <a:rPr lang="en-US" dirty="0" smtClean="0"/>
+              <a:t> </a:t>
+            </a:r>
+            <a:r>
+              <a:rPr lang="en-US" dirty="0" err="1" smtClean="0"/>
+              <a:t>arsitektur</a:t>
+            </a:r>
+            <a:r>
+              <a:rPr lang="en-US" dirty="0" smtClean="0"/>
+              <a:t> </a:t>
+            </a:r>
+            <a:r>
+              <a:rPr lang="en-US" dirty="0" err="1" smtClean="0"/>
+              <a:t>microservice</a:t>
+            </a:r>
+            <a:r>
+              <a:rPr lang="en-US" dirty="0" smtClean="0"/>
+              <a:t> </a:t>
+            </a:r>
+            <a:r>
+              <a:rPr lang="en-US" dirty="0" err="1" smtClean="0"/>
               <a:t>dan</a:t>
             </a:r>
             <a:r>
-              <a:rPr lang="en-US" dirty="0"/>
-              <a:t> </a:t>
-            </a:r>
-            <a:r>
-              <a:rPr lang="en-US" dirty="0" err="1"/>
-              <a:t>mengkonsumsi</a:t>
-            </a:r>
-            <a:r>
-              <a:rPr lang="en-US" dirty="0"/>
-              <a:t> web service yang </a:t>
-            </a:r>
-            <a:r>
-              <a:rPr lang="en-US" dirty="0" err="1"/>
-              <a:t>telah</a:t>
-            </a:r>
-            <a:r>
-              <a:rPr lang="en-US" dirty="0"/>
-              <a:t> </a:t>
-            </a:r>
-            <a:r>
-              <a:rPr lang="en-US" dirty="0" err="1"/>
-              <a:t>dirancang</a:t>
-            </a:r>
-            <a:r>
-              <a:rPr lang="en-US" dirty="0"/>
+              <a:rPr lang="en-US" dirty="0" smtClean="0"/>
+              <a:t> </a:t>
+            </a:r>
+            <a:r>
+              <a:rPr lang="en-US" dirty="0" err="1" smtClean="0"/>
+              <a:t>monolitik</a:t>
+            </a:r>
+            <a:r>
+              <a:rPr lang="en-US" dirty="0" smtClean="0"/>
               <a:t>.</a:t>
             </a:r>
-          </a:p>
-          <a:p>
-            <a:pPr>
-              <a:buFont typeface="Arial" panose="020B0604020202020204" pitchFamily="34" charset="0"/>
-              <a:buChar char="•"/>
-            </a:pPr>
             <a:endParaRPr lang="en-US" dirty="0"/>
           </a:p>
         </p:txBody>
@@ -28764,11 +29283,19 @@
               <a:t> </a:t>
             </a:r>
             <a:r>
-              <a:rPr lang="en-US" dirty="0" err="1" smtClean="0"/>
+              <a:rPr lang="en-US" dirty="0" err="1"/>
               <a:t>Memberikan</a:t>
             </a:r>
             <a:r>
-              <a:rPr lang="en-US" dirty="0" smtClean="0"/>
+              <a:rPr lang="en-US" dirty="0"/>
+              <a:t> </a:t>
+            </a:r>
+            <a:r>
+              <a:rPr lang="en-US" dirty="0" err="1"/>
+              <a:t>contoh</a:t>
+            </a:r>
+            <a:r>
+              <a:rPr lang="en-US" dirty="0"/>
               <a:t> </a:t>
             </a:r>
             <a:r>
@@ -28781,6 +29308,22 @@
             </a:r>
             <a:r>
               <a:rPr lang="en-US" dirty="0" err="1"/>
+              <a:t>untuk</a:t>
+            </a:r>
+            <a:r>
+              <a:rPr lang="en-US" dirty="0"/>
+              <a:t> </a:t>
+            </a:r>
+            <a:r>
+              <a:rPr lang="en-US" dirty="0" err="1"/>
+              <a:t>melakukan</a:t>
+            </a:r>
+            <a:r>
+              <a:rPr lang="en-US" dirty="0"/>
+              <a:t> </a:t>
+            </a:r>
+            <a:r>
+              <a:rPr lang="en-US" dirty="0" err="1"/>
               <a:t>migrasi</a:t>
             </a:r>
             <a:r>
@@ -28813,7 +29356,7 @@
             </a:r>
             <a:r>
               <a:rPr lang="en-US" dirty="0" err="1"/>
-              <a:t>menjadi</a:t>
+              <a:t>ke</a:t>
             </a:r>
             <a:r>
               <a:rPr lang="en-US" dirty="0"/>
@@ -28830,6 +29373,58 @@
             <a:r>
               <a:rPr lang="en-US" dirty="0" err="1"/>
               <a:t>microservice</a:t>
+            </a:r>
+            <a:r>
+              <a:rPr lang="en-US" dirty="0"/>
+              <a:t> </a:t>
+            </a:r>
+            <a:r>
+              <a:rPr lang="en-US" dirty="0" err="1"/>
+              <a:t>pada</a:t>
+            </a:r>
+            <a:r>
+              <a:rPr lang="en-US" dirty="0"/>
+              <a:t> </a:t>
+            </a:r>
+            <a:r>
+              <a:rPr lang="en-US" dirty="0" err="1"/>
+              <a:t>sistem</a:t>
+            </a:r>
+            <a:r>
+              <a:rPr lang="en-US" dirty="0"/>
+              <a:t> </a:t>
+            </a:r>
+            <a:r>
+              <a:rPr lang="en-US" dirty="0" err="1"/>
+              <a:t>informasi</a:t>
+            </a:r>
+            <a:r>
+              <a:rPr lang="en-US" dirty="0"/>
+              <a:t> </a:t>
+            </a:r>
+            <a:r>
+              <a:rPr lang="en-US" dirty="0" err="1"/>
+              <a:t>manajemen</a:t>
+            </a:r>
+            <a:r>
+              <a:rPr lang="en-US" dirty="0"/>
+              <a:t> </a:t>
+            </a:r>
+            <a:r>
+              <a:rPr lang="en-US" dirty="0" err="1"/>
+              <a:t>rumah</a:t>
+            </a:r>
+            <a:r>
+              <a:rPr lang="en-US" dirty="0"/>
+              <a:t> </a:t>
+            </a:r>
+            <a:r>
+              <a:rPr lang="en-US" dirty="0" err="1" smtClean="0"/>
+              <a:t>sakit</a:t>
+            </a:r>
+            <a:r>
+              <a:rPr lang="en-US" dirty="0" smtClean="0"/>
+              <a:t>.</a:t>
             </a:r>
             <a:endParaRPr lang="en-US" dirty="0"/>
           </a:p>
@@ -28838,10 +29433,6 @@
               <a:buFont typeface="Arial" panose="020B0604020202020204" pitchFamily="34" charset="0"/>
               <a:buChar char="•"/>
             </a:pPr>
-            <a:r>
-              <a:rPr lang="en-US" dirty="0" smtClean="0"/>
-              <a:t> </a:t>
-            </a:r>
             <a:r>
               <a:rPr lang="en-US" dirty="0" err="1" smtClean="0"/>
               <a:t>Memberikan</a:t>
@@ -28909,6 +29500,2306 @@
     <p:extLst>
       <p:ext uri="{BB962C8B-B14F-4D97-AF65-F5344CB8AC3E}">
         <p14:creationId xmlns:p14="http://schemas.microsoft.com/office/powerpoint/2010/main" val="2898124563"/>
+      </p:ext>
+    </p:extLst>
+  </p:cSld>
+  <p:clrMapOvr>
+    <a:masterClrMapping/>
+  </p:clrMapOvr>
+  <p:timing>
+    <p:tnLst>
+      <p:par>
+        <p:cTn id="1" dur="indefinite" restart="never" nodeType="tmRoot"/>
+      </p:par>
+    </p:tnLst>
+  </p:timing>
+</p:sld>
+</file>
+
+<file path=ppt/slides/slide40.xml><?xml version="1.0" encoding="utf-8"?>
+<p:sld xmlns:a="http://schemas.openxmlformats.org/drawingml/2006/main" xmlns:r="http://schemas.openxmlformats.org/officeDocument/2006/relationships" xmlns:p="http://schemas.openxmlformats.org/presentationml/2006/main">
+  <p:cSld>
+    <p:spTree>
+      <p:nvGrpSpPr>
+        <p:cNvPr id="1" name=""/>
+        <p:cNvGrpSpPr/>
+        <p:nvPr/>
+      </p:nvGrpSpPr>
+      <p:grpSpPr>
+        <a:xfrm>
+          <a:off x="0" y="0"/>
+          <a:ext cx="0" cy="0"/>
+          <a:chOff x="0" y="0"/>
+          <a:chExt cx="0" cy="0"/>
+        </a:xfrm>
+      </p:grpSpPr>
+      <p:sp>
+        <p:nvSpPr>
+          <p:cNvPr id="2" name="Title 1"/>
+          <p:cNvSpPr>
+            <a:spLocks noGrp="1"/>
+          </p:cNvSpPr>
+          <p:nvPr>
+            <p:ph type="title"/>
+          </p:nvPr>
+        </p:nvSpPr>
+        <p:spPr/>
+        <p:txBody>
+          <a:bodyPr/>
+          <a:lstStyle/>
+          <a:p>
+            <a:r>
+              <a:rPr lang="en-US" dirty="0" smtClean="0"/>
+              <a:t>Class </a:t>
+            </a:r>
+            <a:r>
+              <a:rPr lang="en-US" dirty="0" err="1" smtClean="0"/>
+              <a:t>hasil</a:t>
+            </a:r>
+            <a:r>
+              <a:rPr lang="en-US" dirty="0" smtClean="0"/>
+              <a:t> </a:t>
+            </a:r>
+            <a:r>
+              <a:rPr lang="en-US" dirty="0" err="1" smtClean="0"/>
+              <a:t>implementasi</a:t>
+            </a:r>
+            <a:endParaRPr lang="en-US" dirty="0"/>
+          </a:p>
+        </p:txBody>
+      </p:sp>
+      <p:sp>
+        <p:nvSpPr>
+          <p:cNvPr id="3" name="Content Placeholder 2"/>
+          <p:cNvSpPr>
+            <a:spLocks noGrp="1"/>
+          </p:cNvSpPr>
+          <p:nvPr>
+            <p:ph idx="1"/>
+          </p:nvPr>
+        </p:nvSpPr>
+        <p:spPr/>
+        <p:txBody>
+          <a:bodyPr/>
+          <a:lstStyle/>
+          <a:p>
+            <a:r>
+              <a:rPr lang="en-US" dirty="0" err="1"/>
+              <a:t>Daftar</a:t>
+            </a:r>
+            <a:r>
+              <a:rPr lang="en-US" dirty="0"/>
+              <a:t> Class </a:t>
+            </a:r>
+            <a:r>
+              <a:rPr lang="en-US" dirty="0" err="1"/>
+              <a:t>pada</a:t>
+            </a:r>
+            <a:r>
+              <a:rPr lang="en-US" dirty="0"/>
+              <a:t> </a:t>
+            </a:r>
+            <a:r>
+              <a:rPr lang="en-US" dirty="0" err="1" smtClean="0"/>
+              <a:t>modul</a:t>
+            </a:r>
+            <a:r>
+              <a:rPr lang="en-US" dirty="0" smtClean="0"/>
+              <a:t> Customer</a:t>
+            </a:r>
+            <a:endParaRPr lang="en-US" dirty="0"/>
+          </a:p>
+        </p:txBody>
+      </p:sp>
+      <p:pic>
+        <p:nvPicPr>
+          <p:cNvPr id="4" name="Picture 3"/>
+          <p:cNvPicPr>
+            <a:picLocks noChangeAspect="1"/>
+          </p:cNvPicPr>
+          <p:nvPr/>
+        </p:nvPicPr>
+        <p:blipFill>
+          <a:blip r:embed="rId2">
+            <a:extLst>
+              <a:ext uri="{28A0092B-C50C-407E-A947-70E740481C1C}">
+                <a14:useLocalDpi xmlns:a14="http://schemas.microsoft.com/office/drawing/2010/main" val="0"/>
+              </a:ext>
+            </a:extLst>
+          </a:blip>
+          <a:stretch>
+            <a:fillRect/>
+          </a:stretch>
+        </p:blipFill>
+        <p:spPr>
+          <a:xfrm>
+            <a:off x="5467275" y="2084832"/>
+            <a:ext cx="5276925" cy="4715780"/>
+          </a:xfrm>
+          <a:prstGeom prst="rect">
+            <a:avLst/>
+          </a:prstGeom>
+        </p:spPr>
+      </p:pic>
+    </p:spTree>
+    <p:extLst>
+      <p:ext uri="{BB962C8B-B14F-4D97-AF65-F5344CB8AC3E}">
+        <p14:creationId xmlns:p14="http://schemas.microsoft.com/office/powerpoint/2010/main" val="1805072667"/>
+      </p:ext>
+    </p:extLst>
+  </p:cSld>
+  <p:clrMapOvr>
+    <a:masterClrMapping/>
+  </p:clrMapOvr>
+  <p:timing>
+    <p:tnLst>
+      <p:par>
+        <p:cTn id="1" dur="indefinite" restart="never" nodeType="tmRoot"/>
+      </p:par>
+    </p:tnLst>
+  </p:timing>
+</p:sld>
+</file>
+
+<file path=ppt/slides/slide41.xml><?xml version="1.0" encoding="utf-8"?>
+<p:sld xmlns:a="http://schemas.openxmlformats.org/drawingml/2006/main" xmlns:r="http://schemas.openxmlformats.org/officeDocument/2006/relationships" xmlns:p="http://schemas.openxmlformats.org/presentationml/2006/main">
+  <p:cSld>
+    <p:spTree>
+      <p:nvGrpSpPr>
+        <p:cNvPr id="1" name=""/>
+        <p:cNvGrpSpPr/>
+        <p:nvPr/>
+      </p:nvGrpSpPr>
+      <p:grpSpPr>
+        <a:xfrm>
+          <a:off x="0" y="0"/>
+          <a:ext cx="0" cy="0"/>
+          <a:chOff x="0" y="0"/>
+          <a:chExt cx="0" cy="0"/>
+        </a:xfrm>
+      </p:grpSpPr>
+      <p:sp>
+        <p:nvSpPr>
+          <p:cNvPr id="2" name="Title 1"/>
+          <p:cNvSpPr>
+            <a:spLocks noGrp="1"/>
+          </p:cNvSpPr>
+          <p:nvPr>
+            <p:ph type="title"/>
+          </p:nvPr>
+        </p:nvSpPr>
+        <p:spPr/>
+        <p:txBody>
+          <a:bodyPr/>
+          <a:lstStyle/>
+          <a:p>
+            <a:r>
+              <a:rPr lang="en-US" dirty="0"/>
+              <a:t>Class </a:t>
+            </a:r>
+            <a:r>
+              <a:rPr lang="en-US" dirty="0" err="1"/>
+              <a:t>hasil</a:t>
+            </a:r>
+            <a:r>
+              <a:rPr lang="en-US" dirty="0"/>
+              <a:t> </a:t>
+            </a:r>
+            <a:r>
+              <a:rPr lang="en-US" dirty="0" err="1"/>
+              <a:t>implementasi</a:t>
+            </a:r>
+            <a:endParaRPr lang="en-US" dirty="0"/>
+          </a:p>
+        </p:txBody>
+      </p:sp>
+      <p:sp>
+        <p:nvSpPr>
+          <p:cNvPr id="3" name="Content Placeholder 2"/>
+          <p:cNvSpPr>
+            <a:spLocks noGrp="1"/>
+          </p:cNvSpPr>
+          <p:nvPr>
+            <p:ph idx="1"/>
+          </p:nvPr>
+        </p:nvSpPr>
+        <p:spPr/>
+        <p:txBody>
+          <a:bodyPr/>
+          <a:lstStyle/>
+          <a:p>
+            <a:r>
+              <a:rPr lang="en-US" dirty="0" err="1"/>
+              <a:t>Daftar</a:t>
+            </a:r>
+            <a:r>
+              <a:rPr lang="en-US" dirty="0"/>
+              <a:t> Class </a:t>
+            </a:r>
+            <a:r>
+              <a:rPr lang="en-US" dirty="0" err="1"/>
+              <a:t>pada</a:t>
+            </a:r>
+            <a:r>
+              <a:rPr lang="en-US" dirty="0"/>
+              <a:t> </a:t>
+            </a:r>
+            <a:r>
+              <a:rPr lang="en-US" dirty="0" err="1"/>
+              <a:t>modul</a:t>
+            </a:r>
+            <a:r>
+              <a:rPr lang="en-US" dirty="0"/>
+              <a:t> </a:t>
+            </a:r>
+            <a:r>
+              <a:rPr lang="en-US" dirty="0" smtClean="0"/>
+              <a:t>HR</a:t>
+            </a:r>
+            <a:endParaRPr lang="en-US" dirty="0"/>
+          </a:p>
+        </p:txBody>
+      </p:sp>
+      <p:pic>
+        <p:nvPicPr>
+          <p:cNvPr id="4" name="Picture 3"/>
+          <p:cNvPicPr>
+            <a:picLocks noChangeAspect="1"/>
+          </p:cNvPicPr>
+          <p:nvPr/>
+        </p:nvPicPr>
+        <p:blipFill>
+          <a:blip r:embed="rId2">
+            <a:extLst>
+              <a:ext uri="{28A0092B-C50C-407E-A947-70E740481C1C}">
+                <a14:useLocalDpi xmlns:a14="http://schemas.microsoft.com/office/drawing/2010/main" val="0"/>
+              </a:ext>
+            </a:extLst>
+          </a:blip>
+          <a:stretch>
+            <a:fillRect/>
+          </a:stretch>
+        </p:blipFill>
+        <p:spPr>
+          <a:xfrm>
+            <a:off x="4917832" y="1944494"/>
+            <a:ext cx="5826368" cy="4706371"/>
+          </a:xfrm>
+          <a:prstGeom prst="rect">
+            <a:avLst/>
+          </a:prstGeom>
+        </p:spPr>
+      </p:pic>
+    </p:spTree>
+    <p:extLst>
+      <p:ext uri="{BB962C8B-B14F-4D97-AF65-F5344CB8AC3E}">
+        <p14:creationId xmlns:p14="http://schemas.microsoft.com/office/powerpoint/2010/main" val="9949847"/>
+      </p:ext>
+    </p:extLst>
+  </p:cSld>
+  <p:clrMapOvr>
+    <a:masterClrMapping/>
+  </p:clrMapOvr>
+  <p:timing>
+    <p:tnLst>
+      <p:par>
+        <p:cTn id="1" dur="indefinite" restart="never" nodeType="tmRoot"/>
+      </p:par>
+    </p:tnLst>
+  </p:timing>
+</p:sld>
+</file>
+
+<file path=ppt/slides/slide42.xml><?xml version="1.0" encoding="utf-8"?>
+<p:sld xmlns:a="http://schemas.openxmlformats.org/drawingml/2006/main" xmlns:r="http://schemas.openxmlformats.org/officeDocument/2006/relationships" xmlns:p="http://schemas.openxmlformats.org/presentationml/2006/main">
+  <p:cSld>
+    <p:spTree>
+      <p:nvGrpSpPr>
+        <p:cNvPr id="1" name=""/>
+        <p:cNvGrpSpPr/>
+        <p:nvPr/>
+      </p:nvGrpSpPr>
+      <p:grpSpPr>
+        <a:xfrm>
+          <a:off x="0" y="0"/>
+          <a:ext cx="0" cy="0"/>
+          <a:chOff x="0" y="0"/>
+          <a:chExt cx="0" cy="0"/>
+        </a:xfrm>
+      </p:grpSpPr>
+      <p:sp>
+        <p:nvSpPr>
+          <p:cNvPr id="2" name="Title 1"/>
+          <p:cNvSpPr>
+            <a:spLocks noGrp="1"/>
+          </p:cNvSpPr>
+          <p:nvPr>
+            <p:ph type="title"/>
+          </p:nvPr>
+        </p:nvSpPr>
+        <p:spPr/>
+        <p:txBody>
+          <a:bodyPr/>
+          <a:lstStyle/>
+          <a:p>
+            <a:r>
+              <a:rPr lang="en-US" dirty="0"/>
+              <a:t>Class </a:t>
+            </a:r>
+            <a:r>
+              <a:rPr lang="en-US" dirty="0" err="1"/>
+              <a:t>hasil</a:t>
+            </a:r>
+            <a:r>
+              <a:rPr lang="en-US" dirty="0"/>
+              <a:t> </a:t>
+            </a:r>
+            <a:r>
+              <a:rPr lang="en-US" dirty="0" err="1"/>
+              <a:t>implementasi</a:t>
+            </a:r>
+            <a:endParaRPr lang="en-US" dirty="0"/>
+          </a:p>
+        </p:txBody>
+      </p:sp>
+      <p:sp>
+        <p:nvSpPr>
+          <p:cNvPr id="3" name="Content Placeholder 2"/>
+          <p:cNvSpPr>
+            <a:spLocks noGrp="1"/>
+          </p:cNvSpPr>
+          <p:nvPr>
+            <p:ph idx="1"/>
+          </p:nvPr>
+        </p:nvSpPr>
+        <p:spPr/>
+        <p:txBody>
+          <a:bodyPr/>
+          <a:lstStyle/>
+          <a:p>
+            <a:r>
+              <a:rPr lang="en-US" dirty="0" err="1"/>
+              <a:t>Daftar</a:t>
+            </a:r>
+            <a:r>
+              <a:rPr lang="en-US" dirty="0"/>
+              <a:t> Class </a:t>
+            </a:r>
+            <a:r>
+              <a:rPr lang="en-US" dirty="0" err="1"/>
+              <a:t>pada</a:t>
+            </a:r>
+            <a:r>
+              <a:rPr lang="en-US" dirty="0"/>
+              <a:t> </a:t>
+            </a:r>
+            <a:r>
+              <a:rPr lang="en-US" dirty="0" err="1"/>
+              <a:t>modul</a:t>
+            </a:r>
+            <a:r>
+              <a:rPr lang="en-US" dirty="0"/>
+              <a:t> </a:t>
+            </a:r>
+            <a:r>
+              <a:rPr lang="en-US" dirty="0" smtClean="0"/>
+              <a:t>Unit </a:t>
+            </a:r>
+            <a:r>
+              <a:rPr lang="en-US" dirty="0" err="1" smtClean="0"/>
+              <a:t>Medis</a:t>
+            </a:r>
+            <a:endParaRPr lang="en-US" dirty="0"/>
+          </a:p>
+          <a:p>
+            <a:pPr marL="0" indent="0">
+              <a:buNone/>
+            </a:pPr>
+            <a:endParaRPr lang="en-US" dirty="0"/>
+          </a:p>
+        </p:txBody>
+      </p:sp>
+      <p:pic>
+        <p:nvPicPr>
+          <p:cNvPr id="5" name="Picture 4"/>
+          <p:cNvPicPr>
+            <a:picLocks noChangeAspect="1"/>
+          </p:cNvPicPr>
+          <p:nvPr/>
+        </p:nvPicPr>
+        <p:blipFill>
+          <a:blip r:embed="rId2">
+            <a:extLst>
+              <a:ext uri="{28A0092B-C50C-407E-A947-70E740481C1C}">
+                <a14:useLocalDpi xmlns:a14="http://schemas.microsoft.com/office/drawing/2010/main" val="0"/>
+              </a:ext>
+            </a:extLst>
+          </a:blip>
+          <a:stretch>
+            <a:fillRect/>
+          </a:stretch>
+        </p:blipFill>
+        <p:spPr>
+          <a:xfrm>
+            <a:off x="5292312" y="1552895"/>
+            <a:ext cx="4908462" cy="5305105"/>
+          </a:xfrm>
+          <a:prstGeom prst="rect">
+            <a:avLst/>
+          </a:prstGeom>
+        </p:spPr>
+      </p:pic>
+    </p:spTree>
+    <p:extLst>
+      <p:ext uri="{BB962C8B-B14F-4D97-AF65-F5344CB8AC3E}">
+        <p14:creationId xmlns:p14="http://schemas.microsoft.com/office/powerpoint/2010/main" val="1296703947"/>
+      </p:ext>
+    </p:extLst>
+  </p:cSld>
+  <p:clrMapOvr>
+    <a:masterClrMapping/>
+  </p:clrMapOvr>
+  <p:timing>
+    <p:tnLst>
+      <p:par>
+        <p:cTn id="1" dur="indefinite" restart="never" nodeType="tmRoot"/>
+      </p:par>
+    </p:tnLst>
+  </p:timing>
+</p:sld>
+</file>
+
+<file path=ppt/slides/slide43.xml><?xml version="1.0" encoding="utf-8"?>
+<p:sld xmlns:a="http://schemas.openxmlformats.org/drawingml/2006/main" xmlns:r="http://schemas.openxmlformats.org/officeDocument/2006/relationships" xmlns:p="http://schemas.openxmlformats.org/presentationml/2006/main">
+  <p:cSld>
+    <p:spTree>
+      <p:nvGrpSpPr>
+        <p:cNvPr id="1" name=""/>
+        <p:cNvGrpSpPr/>
+        <p:nvPr/>
+      </p:nvGrpSpPr>
+      <p:grpSpPr>
+        <a:xfrm>
+          <a:off x="0" y="0"/>
+          <a:ext cx="0" cy="0"/>
+          <a:chOff x="0" y="0"/>
+          <a:chExt cx="0" cy="0"/>
+        </a:xfrm>
+      </p:grpSpPr>
+      <p:sp>
+        <p:nvSpPr>
+          <p:cNvPr id="2" name="Title 1"/>
+          <p:cNvSpPr>
+            <a:spLocks noGrp="1"/>
+          </p:cNvSpPr>
+          <p:nvPr>
+            <p:ph type="title"/>
+          </p:nvPr>
+        </p:nvSpPr>
+        <p:spPr/>
+        <p:txBody>
+          <a:bodyPr/>
+          <a:lstStyle/>
+          <a:p>
+            <a:r>
+              <a:rPr lang="en-US" dirty="0"/>
+              <a:t>Class </a:t>
+            </a:r>
+            <a:r>
+              <a:rPr lang="en-US" dirty="0" err="1"/>
+              <a:t>hasil</a:t>
+            </a:r>
+            <a:r>
+              <a:rPr lang="en-US" dirty="0"/>
+              <a:t> </a:t>
+            </a:r>
+            <a:r>
+              <a:rPr lang="en-US" dirty="0" err="1"/>
+              <a:t>implementasi</a:t>
+            </a:r>
+            <a:endParaRPr lang="en-US" dirty="0"/>
+          </a:p>
+        </p:txBody>
+      </p:sp>
+      <p:sp>
+        <p:nvSpPr>
+          <p:cNvPr id="3" name="Content Placeholder 2"/>
+          <p:cNvSpPr>
+            <a:spLocks noGrp="1"/>
+          </p:cNvSpPr>
+          <p:nvPr>
+            <p:ph idx="1"/>
+          </p:nvPr>
+        </p:nvSpPr>
+        <p:spPr/>
+        <p:txBody>
+          <a:bodyPr/>
+          <a:lstStyle/>
+          <a:p>
+            <a:r>
+              <a:rPr lang="en-US" dirty="0" err="1"/>
+              <a:t>Daftar</a:t>
+            </a:r>
+            <a:r>
+              <a:rPr lang="en-US" dirty="0"/>
+              <a:t> Class </a:t>
+            </a:r>
+            <a:r>
+              <a:rPr lang="en-US" dirty="0" err="1"/>
+              <a:t>pada</a:t>
+            </a:r>
+            <a:r>
+              <a:rPr lang="en-US" dirty="0"/>
+              <a:t> </a:t>
+            </a:r>
+            <a:r>
+              <a:rPr lang="en-US" dirty="0" err="1"/>
+              <a:t>modul</a:t>
+            </a:r>
+            <a:r>
+              <a:rPr lang="en-US" dirty="0"/>
+              <a:t> </a:t>
+            </a:r>
+            <a:r>
+              <a:rPr lang="en-US" dirty="0" err="1" smtClean="0"/>
+              <a:t>Rawat</a:t>
+            </a:r>
+            <a:r>
+              <a:rPr lang="en-US" dirty="0" smtClean="0"/>
+              <a:t> </a:t>
+            </a:r>
+            <a:r>
+              <a:rPr lang="en-US" dirty="0" err="1" smtClean="0"/>
+              <a:t>Jalan</a:t>
+            </a:r>
+            <a:endParaRPr lang="en-US" dirty="0"/>
+          </a:p>
+        </p:txBody>
+      </p:sp>
+      <p:pic>
+        <p:nvPicPr>
+          <p:cNvPr id="5" name="Picture 4"/>
+          <p:cNvPicPr>
+            <a:picLocks noChangeAspect="1"/>
+          </p:cNvPicPr>
+          <p:nvPr/>
+        </p:nvPicPr>
+        <p:blipFill>
+          <a:blip r:embed="rId2">
+            <a:extLst>
+              <a:ext uri="{28A0092B-C50C-407E-A947-70E740481C1C}">
+                <a14:useLocalDpi xmlns:a14="http://schemas.microsoft.com/office/drawing/2010/main" val="0"/>
+              </a:ext>
+            </a:extLst>
+          </a:blip>
+          <a:stretch>
+            <a:fillRect/>
+          </a:stretch>
+        </p:blipFill>
+        <p:spPr>
+          <a:xfrm>
+            <a:off x="6935619" y="0"/>
+            <a:ext cx="4224255" cy="6858000"/>
+          </a:xfrm>
+          <a:prstGeom prst="rect">
+            <a:avLst/>
+          </a:prstGeom>
+        </p:spPr>
+      </p:pic>
+    </p:spTree>
+    <p:extLst>
+      <p:ext uri="{BB962C8B-B14F-4D97-AF65-F5344CB8AC3E}">
+        <p14:creationId xmlns:p14="http://schemas.microsoft.com/office/powerpoint/2010/main" val="3229013558"/>
+      </p:ext>
+    </p:extLst>
+  </p:cSld>
+  <p:clrMapOvr>
+    <a:masterClrMapping/>
+  </p:clrMapOvr>
+  <p:timing>
+    <p:tnLst>
+      <p:par>
+        <p:cTn id="1" dur="indefinite" restart="never" nodeType="tmRoot"/>
+      </p:par>
+    </p:tnLst>
+  </p:timing>
+</p:sld>
+</file>
+
+<file path=ppt/slides/slide44.xml><?xml version="1.0" encoding="utf-8"?>
+<p:sld xmlns:a="http://schemas.openxmlformats.org/drawingml/2006/main" xmlns:r="http://schemas.openxmlformats.org/officeDocument/2006/relationships" xmlns:p="http://schemas.openxmlformats.org/presentationml/2006/main">
+  <p:cSld>
+    <p:spTree>
+      <p:nvGrpSpPr>
+        <p:cNvPr id="1" name=""/>
+        <p:cNvGrpSpPr/>
+        <p:nvPr/>
+      </p:nvGrpSpPr>
+      <p:grpSpPr>
+        <a:xfrm>
+          <a:off x="0" y="0"/>
+          <a:ext cx="0" cy="0"/>
+          <a:chOff x="0" y="0"/>
+          <a:chExt cx="0" cy="0"/>
+        </a:xfrm>
+      </p:grpSpPr>
+      <p:sp>
+        <p:nvSpPr>
+          <p:cNvPr id="2" name="Title 1"/>
+          <p:cNvSpPr>
+            <a:spLocks noGrp="1"/>
+          </p:cNvSpPr>
+          <p:nvPr>
+            <p:ph type="title"/>
+          </p:nvPr>
+        </p:nvSpPr>
+        <p:spPr/>
+        <p:txBody>
+          <a:bodyPr/>
+          <a:lstStyle/>
+          <a:p>
+            <a:r>
+              <a:rPr lang="en-US" dirty="0"/>
+              <a:t>Class </a:t>
+            </a:r>
+            <a:r>
+              <a:rPr lang="en-US" dirty="0" err="1"/>
+              <a:t>hasil</a:t>
+            </a:r>
+            <a:r>
+              <a:rPr lang="en-US" dirty="0"/>
+              <a:t> </a:t>
+            </a:r>
+            <a:r>
+              <a:rPr lang="en-US" dirty="0" err="1"/>
+              <a:t>implementasi</a:t>
+            </a:r>
+            <a:endParaRPr lang="en-US" dirty="0"/>
+          </a:p>
+        </p:txBody>
+      </p:sp>
+      <p:sp>
+        <p:nvSpPr>
+          <p:cNvPr id="3" name="Content Placeholder 2"/>
+          <p:cNvSpPr>
+            <a:spLocks noGrp="1"/>
+          </p:cNvSpPr>
+          <p:nvPr>
+            <p:ph idx="1"/>
+          </p:nvPr>
+        </p:nvSpPr>
+        <p:spPr/>
+        <p:txBody>
+          <a:bodyPr/>
+          <a:lstStyle/>
+          <a:p>
+            <a:r>
+              <a:rPr lang="en-US" dirty="0" err="1"/>
+              <a:t>Daftar</a:t>
+            </a:r>
+            <a:r>
+              <a:rPr lang="en-US" dirty="0"/>
+              <a:t> Class </a:t>
+            </a:r>
+            <a:r>
+              <a:rPr lang="en-US" dirty="0" err="1"/>
+              <a:t>pada</a:t>
+            </a:r>
+            <a:r>
+              <a:rPr lang="en-US" dirty="0"/>
+              <a:t> </a:t>
+            </a:r>
+            <a:r>
+              <a:rPr lang="en-US" dirty="0" err="1"/>
+              <a:t>modul</a:t>
+            </a:r>
+            <a:r>
+              <a:rPr lang="en-US" dirty="0"/>
+              <a:t> </a:t>
+            </a:r>
+            <a:r>
+              <a:rPr lang="en-US" dirty="0" err="1" smtClean="0"/>
+              <a:t>Rekam</a:t>
+            </a:r>
+            <a:r>
+              <a:rPr lang="en-US" dirty="0" smtClean="0"/>
+              <a:t> </a:t>
+            </a:r>
+            <a:r>
+              <a:rPr lang="en-US" dirty="0" err="1" smtClean="0"/>
+              <a:t>Medis</a:t>
+            </a:r>
+            <a:endParaRPr lang="en-US" dirty="0"/>
+          </a:p>
+          <a:p>
+            <a:endParaRPr lang="en-US" dirty="0"/>
+          </a:p>
+        </p:txBody>
+      </p:sp>
+      <p:pic>
+        <p:nvPicPr>
+          <p:cNvPr id="5" name="Picture 4"/>
+          <p:cNvPicPr>
+            <a:picLocks noChangeAspect="1"/>
+          </p:cNvPicPr>
+          <p:nvPr/>
+        </p:nvPicPr>
+        <p:blipFill>
+          <a:blip r:embed="rId2">
+            <a:extLst>
+              <a:ext uri="{28A0092B-C50C-407E-A947-70E740481C1C}">
+                <a14:useLocalDpi xmlns:a14="http://schemas.microsoft.com/office/drawing/2010/main" val="0"/>
+              </a:ext>
+            </a:extLst>
+          </a:blip>
+          <a:stretch>
+            <a:fillRect/>
+          </a:stretch>
+        </p:blipFill>
+        <p:spPr>
+          <a:xfrm>
+            <a:off x="6725076" y="187037"/>
+            <a:ext cx="4677428" cy="6516009"/>
+          </a:xfrm>
+          <a:prstGeom prst="rect">
+            <a:avLst/>
+          </a:prstGeom>
+        </p:spPr>
+      </p:pic>
+    </p:spTree>
+    <p:extLst>
+      <p:ext uri="{BB962C8B-B14F-4D97-AF65-F5344CB8AC3E}">
+        <p14:creationId xmlns:p14="http://schemas.microsoft.com/office/powerpoint/2010/main" val="185352487"/>
+      </p:ext>
+    </p:extLst>
+  </p:cSld>
+  <p:clrMapOvr>
+    <a:masterClrMapping/>
+  </p:clrMapOvr>
+</p:sld>
+</file>
+
+<file path=ppt/slides/slide45.xml><?xml version="1.0" encoding="utf-8"?>
+<p:sld xmlns:a="http://schemas.openxmlformats.org/drawingml/2006/main" xmlns:r="http://schemas.openxmlformats.org/officeDocument/2006/relationships" xmlns:p="http://schemas.openxmlformats.org/presentationml/2006/main">
+  <p:cSld>
+    <p:spTree>
+      <p:nvGrpSpPr>
+        <p:cNvPr id="1" name=""/>
+        <p:cNvGrpSpPr/>
+        <p:nvPr/>
+      </p:nvGrpSpPr>
+      <p:grpSpPr>
+        <a:xfrm>
+          <a:off x="0" y="0"/>
+          <a:ext cx="0" cy="0"/>
+          <a:chOff x="0" y="0"/>
+          <a:chExt cx="0" cy="0"/>
+        </a:xfrm>
+      </p:grpSpPr>
+      <p:sp>
+        <p:nvSpPr>
+          <p:cNvPr id="2" name="Title 1"/>
+          <p:cNvSpPr>
+            <a:spLocks noGrp="1"/>
+          </p:cNvSpPr>
+          <p:nvPr>
+            <p:ph type="title"/>
+          </p:nvPr>
+        </p:nvSpPr>
+        <p:spPr/>
+        <p:txBody>
+          <a:bodyPr/>
+          <a:lstStyle/>
+          <a:p>
+            <a:r>
+              <a:rPr lang="en-US" dirty="0" err="1" smtClean="0"/>
+              <a:t>Pengujian</a:t>
+            </a:r>
+            <a:endParaRPr lang="en-US" dirty="0"/>
+          </a:p>
+        </p:txBody>
+      </p:sp>
+      <p:sp>
+        <p:nvSpPr>
+          <p:cNvPr id="3" name="Content Placeholder 2"/>
+          <p:cNvSpPr>
+            <a:spLocks noGrp="1"/>
+          </p:cNvSpPr>
+          <p:nvPr>
+            <p:ph idx="1"/>
+          </p:nvPr>
+        </p:nvSpPr>
+        <p:spPr/>
+        <p:txBody>
+          <a:bodyPr/>
+          <a:lstStyle/>
+          <a:p>
+            <a:r>
+              <a:rPr lang="en-US" dirty="0" err="1"/>
+              <a:t>Pada</a:t>
+            </a:r>
+            <a:r>
+              <a:rPr lang="en-US" dirty="0"/>
+              <a:t> </a:t>
+            </a:r>
+            <a:r>
+              <a:rPr lang="en-US" dirty="0" err="1"/>
+              <a:t>bagian</a:t>
+            </a:r>
+            <a:r>
+              <a:rPr lang="en-US" dirty="0"/>
+              <a:t> </a:t>
+            </a:r>
+            <a:r>
+              <a:rPr lang="en-US" dirty="0" err="1"/>
+              <a:t>ini</a:t>
+            </a:r>
+            <a:r>
+              <a:rPr lang="en-US" dirty="0"/>
+              <a:t> </a:t>
+            </a:r>
+            <a:r>
+              <a:rPr lang="en-US" dirty="0" err="1"/>
+              <a:t>akan</a:t>
+            </a:r>
+            <a:r>
+              <a:rPr lang="en-US" dirty="0"/>
+              <a:t> </a:t>
+            </a:r>
+            <a:r>
+              <a:rPr lang="en-US" dirty="0" err="1"/>
+              <a:t>dilakukan</a:t>
+            </a:r>
+            <a:r>
+              <a:rPr lang="en-US" dirty="0"/>
+              <a:t> </a:t>
+            </a:r>
+            <a:r>
+              <a:rPr lang="en-US" dirty="0" err="1"/>
+              <a:t>pengujian</a:t>
+            </a:r>
+            <a:r>
+              <a:rPr lang="en-US" dirty="0"/>
+              <a:t> </a:t>
+            </a:r>
+            <a:r>
+              <a:rPr lang="en-US" dirty="0" err="1"/>
+              <a:t>terhadap</a:t>
+            </a:r>
+            <a:r>
+              <a:rPr lang="en-US" dirty="0"/>
+              <a:t> </a:t>
+            </a:r>
+            <a:r>
+              <a:rPr lang="en-US" dirty="0" err="1"/>
+              <a:t>kedua</a:t>
+            </a:r>
+            <a:r>
+              <a:rPr lang="en-US" dirty="0"/>
+              <a:t> </a:t>
+            </a:r>
+            <a:r>
+              <a:rPr lang="en-US" dirty="0" err="1"/>
+              <a:t>jenis</a:t>
+            </a:r>
+            <a:r>
+              <a:rPr lang="en-US" dirty="0"/>
+              <a:t> model </a:t>
+            </a:r>
+            <a:r>
+              <a:rPr lang="en-US" dirty="0" err="1"/>
+              <a:t>arsitektur</a:t>
+            </a:r>
+            <a:r>
+              <a:rPr lang="en-US" dirty="0"/>
+              <a:t> yang </a:t>
+            </a:r>
+            <a:r>
+              <a:rPr lang="en-US" dirty="0" err="1"/>
+              <a:t>didokumentasikan</a:t>
+            </a:r>
+            <a:r>
+              <a:rPr lang="en-US" dirty="0"/>
+              <a:t> </a:t>
+            </a:r>
+            <a:r>
+              <a:rPr lang="en-US" dirty="0" err="1"/>
+              <a:t>ke</a:t>
+            </a:r>
+            <a:r>
+              <a:rPr lang="en-US" dirty="0"/>
+              <a:t> </a:t>
+            </a:r>
+            <a:r>
+              <a:rPr lang="en-US" dirty="0" err="1"/>
+              <a:t>dalam</a:t>
+            </a:r>
+            <a:r>
+              <a:rPr lang="en-US" dirty="0"/>
+              <a:t> </a:t>
+            </a:r>
+            <a:r>
+              <a:rPr lang="en-US" dirty="0" err="1" smtClean="0"/>
+              <a:t>tabel</a:t>
+            </a:r>
+            <a:r>
+              <a:rPr lang="en-US" dirty="0" smtClean="0"/>
+              <a:t> </a:t>
+            </a:r>
+            <a:r>
+              <a:rPr lang="en-US" dirty="0" err="1" smtClean="0"/>
+              <a:t>pengujian</a:t>
+            </a:r>
+            <a:r>
+              <a:rPr lang="en-US" dirty="0" smtClean="0"/>
+              <a:t>. </a:t>
+            </a:r>
+          </a:p>
+          <a:p>
+            <a:r>
+              <a:rPr lang="en-US" dirty="0" err="1" smtClean="0"/>
+              <a:t>Pengujian</a:t>
+            </a:r>
+            <a:r>
+              <a:rPr lang="en-US" dirty="0" smtClean="0"/>
+              <a:t> </a:t>
+            </a:r>
+            <a:r>
+              <a:rPr lang="en-US" dirty="0" err="1"/>
+              <a:t>akan</a:t>
+            </a:r>
+            <a:r>
+              <a:rPr lang="en-US" dirty="0"/>
+              <a:t> </a:t>
+            </a:r>
+            <a:r>
+              <a:rPr lang="en-US" dirty="0" err="1"/>
+              <a:t>dilakukan</a:t>
+            </a:r>
+            <a:r>
+              <a:rPr lang="en-US" dirty="0"/>
+              <a:t> </a:t>
+            </a:r>
+            <a:r>
+              <a:rPr lang="en-US" dirty="0" err="1"/>
+              <a:t>dengan</a:t>
+            </a:r>
+            <a:r>
+              <a:rPr lang="en-US" dirty="0"/>
+              <a:t> </a:t>
+            </a:r>
+            <a:r>
+              <a:rPr lang="en-US" dirty="0" err="1"/>
+              <a:t>membandingkan</a:t>
+            </a:r>
+            <a:r>
+              <a:rPr lang="en-US" dirty="0"/>
+              <a:t> </a:t>
+            </a:r>
+            <a:r>
+              <a:rPr lang="en-US" dirty="0" err="1"/>
+              <a:t>hasil</a:t>
+            </a:r>
+            <a:r>
+              <a:rPr lang="en-US" dirty="0"/>
+              <a:t> test plan yang </a:t>
+            </a:r>
+            <a:r>
+              <a:rPr lang="en-US" dirty="0" err="1"/>
+              <a:t>telah</a:t>
+            </a:r>
+            <a:r>
+              <a:rPr lang="en-US" dirty="0"/>
+              <a:t> </a:t>
+            </a:r>
+            <a:r>
+              <a:rPr lang="en-US" dirty="0" err="1"/>
+              <a:t>dibuat</a:t>
+            </a:r>
+            <a:r>
+              <a:rPr lang="en-US" dirty="0"/>
+              <a:t>. Test plan yang </a:t>
+            </a:r>
+            <a:r>
+              <a:rPr lang="en-US" dirty="0" err="1"/>
+              <a:t>dibuat</a:t>
+            </a:r>
+            <a:r>
+              <a:rPr lang="en-US" dirty="0"/>
+              <a:t> </a:t>
+            </a:r>
+            <a:r>
+              <a:rPr lang="en-US" dirty="0" err="1"/>
+              <a:t>akan</a:t>
+            </a:r>
+            <a:r>
+              <a:rPr lang="en-US" dirty="0"/>
+              <a:t> </a:t>
+            </a:r>
+            <a:r>
+              <a:rPr lang="en-US" dirty="0" err="1"/>
+              <a:t>mengacu</a:t>
+            </a:r>
+            <a:r>
+              <a:rPr lang="en-US" dirty="0"/>
+              <a:t> </a:t>
+            </a:r>
+            <a:r>
+              <a:rPr lang="en-US" dirty="0" err="1"/>
+              <a:t>pada</a:t>
+            </a:r>
+            <a:r>
+              <a:rPr lang="en-US" dirty="0"/>
+              <a:t> </a:t>
+            </a:r>
+            <a:r>
+              <a:rPr lang="en-US" dirty="0" err="1"/>
+              <a:t>masalah</a:t>
+            </a:r>
+            <a:r>
+              <a:rPr lang="en-US" dirty="0"/>
+              <a:t> </a:t>
+            </a:r>
+            <a:r>
+              <a:rPr lang="en-US" dirty="0" err="1"/>
+              <a:t>deployability</a:t>
+            </a:r>
+            <a:r>
+              <a:rPr lang="en-US" dirty="0"/>
+              <a:t>, reliability, availability, scalability, </a:t>
+            </a:r>
+            <a:r>
+              <a:rPr lang="en-US" dirty="0" err="1"/>
+              <a:t>dan</a:t>
+            </a:r>
+            <a:r>
+              <a:rPr lang="en-US" dirty="0"/>
+              <a:t> modifiability. </a:t>
+            </a:r>
+          </a:p>
+        </p:txBody>
+      </p:sp>
+    </p:spTree>
+    <p:extLst>
+      <p:ext uri="{BB962C8B-B14F-4D97-AF65-F5344CB8AC3E}">
+        <p14:creationId xmlns:p14="http://schemas.microsoft.com/office/powerpoint/2010/main" val="3410899679"/>
+      </p:ext>
+    </p:extLst>
+  </p:cSld>
+  <p:clrMapOvr>
+    <a:masterClrMapping/>
+  </p:clrMapOvr>
+  <p:timing>
+    <p:tnLst>
+      <p:par>
+        <p:cTn id="1" dur="indefinite" restart="never" nodeType="tmRoot"/>
+      </p:par>
+    </p:tnLst>
+  </p:timing>
+</p:sld>
+</file>
+
+<file path=ppt/slides/slide46.xml><?xml version="1.0" encoding="utf-8"?>
+<p:sld xmlns:a="http://schemas.openxmlformats.org/drawingml/2006/main" xmlns:r="http://schemas.openxmlformats.org/officeDocument/2006/relationships" xmlns:p="http://schemas.openxmlformats.org/presentationml/2006/main">
+  <p:cSld>
+    <p:spTree>
+      <p:nvGrpSpPr>
+        <p:cNvPr id="1" name=""/>
+        <p:cNvGrpSpPr/>
+        <p:nvPr/>
+      </p:nvGrpSpPr>
+      <p:grpSpPr>
+        <a:xfrm>
+          <a:off x="0" y="0"/>
+          <a:ext cx="0" cy="0"/>
+          <a:chOff x="0" y="0"/>
+          <a:chExt cx="0" cy="0"/>
+        </a:xfrm>
+      </p:grpSpPr>
+      <p:sp>
+        <p:nvSpPr>
+          <p:cNvPr id="2" name="Title 1"/>
+          <p:cNvSpPr>
+            <a:spLocks noGrp="1"/>
+          </p:cNvSpPr>
+          <p:nvPr>
+            <p:ph type="title"/>
+          </p:nvPr>
+        </p:nvSpPr>
+        <p:spPr/>
+        <p:txBody>
+          <a:bodyPr/>
+          <a:lstStyle/>
+          <a:p>
+            <a:r>
+              <a:rPr lang="en-US" dirty="0" err="1" smtClean="0"/>
+              <a:t>Pengujian</a:t>
+            </a:r>
+            <a:endParaRPr lang="en-US" dirty="0"/>
+          </a:p>
+        </p:txBody>
+      </p:sp>
+      <p:pic>
+        <p:nvPicPr>
+          <p:cNvPr id="4" name="Content Placeholder 3"/>
+          <p:cNvPicPr>
+            <a:picLocks noGrp="1" noChangeAspect="1"/>
+          </p:cNvPicPr>
+          <p:nvPr>
+            <p:ph idx="1"/>
+          </p:nvPr>
+        </p:nvPicPr>
+        <p:blipFill>
+          <a:blip r:embed="rId2">
+            <a:extLst>
+              <a:ext uri="{28A0092B-C50C-407E-A947-70E740481C1C}">
+                <a14:useLocalDpi xmlns:a14="http://schemas.microsoft.com/office/drawing/2010/main" val="0"/>
+              </a:ext>
+            </a:extLst>
+          </a:blip>
+          <a:stretch>
+            <a:fillRect/>
+          </a:stretch>
+        </p:blipFill>
+        <p:spPr>
+          <a:xfrm>
+            <a:off x="2948106" y="1708484"/>
+            <a:ext cx="6276103" cy="5011586"/>
+          </a:xfrm>
+        </p:spPr>
+      </p:pic>
+    </p:spTree>
+    <p:extLst>
+      <p:ext uri="{BB962C8B-B14F-4D97-AF65-F5344CB8AC3E}">
+        <p14:creationId xmlns:p14="http://schemas.microsoft.com/office/powerpoint/2010/main" val="912059152"/>
+      </p:ext>
+    </p:extLst>
+  </p:cSld>
+  <p:clrMapOvr>
+    <a:masterClrMapping/>
+  </p:clrMapOvr>
+  <p:timing>
+    <p:tnLst>
+      <p:par>
+        <p:cTn id="1" dur="indefinite" restart="never" nodeType="tmRoot"/>
+      </p:par>
+    </p:tnLst>
+  </p:timing>
+</p:sld>
+</file>
+
+<file path=ppt/slides/slide47.xml><?xml version="1.0" encoding="utf-8"?>
+<p:sld xmlns:a="http://schemas.openxmlformats.org/drawingml/2006/main" xmlns:r="http://schemas.openxmlformats.org/officeDocument/2006/relationships" xmlns:p="http://schemas.openxmlformats.org/presentationml/2006/main">
+  <p:cSld>
+    <p:spTree>
+      <p:nvGrpSpPr>
+        <p:cNvPr id="1" name=""/>
+        <p:cNvGrpSpPr/>
+        <p:nvPr/>
+      </p:nvGrpSpPr>
+      <p:grpSpPr>
+        <a:xfrm>
+          <a:off x="0" y="0"/>
+          <a:ext cx="0" cy="0"/>
+          <a:chOff x="0" y="0"/>
+          <a:chExt cx="0" cy="0"/>
+        </a:xfrm>
+      </p:grpSpPr>
+      <p:sp>
+        <p:nvSpPr>
+          <p:cNvPr id="2" name="Title 1"/>
+          <p:cNvSpPr>
+            <a:spLocks noGrp="1"/>
+          </p:cNvSpPr>
+          <p:nvPr>
+            <p:ph type="title"/>
+          </p:nvPr>
+        </p:nvSpPr>
+        <p:spPr/>
+        <p:txBody>
+          <a:bodyPr/>
+          <a:lstStyle/>
+          <a:p>
+            <a:r>
+              <a:rPr lang="en-US" dirty="0" err="1" smtClean="0"/>
+              <a:t>Pengujian</a:t>
+            </a:r>
+            <a:endParaRPr lang="en-US" dirty="0"/>
+          </a:p>
+        </p:txBody>
+      </p:sp>
+      <p:pic>
+        <p:nvPicPr>
+          <p:cNvPr id="4" name="Content Placeholder 3"/>
+          <p:cNvPicPr>
+            <a:picLocks noGrp="1" noChangeAspect="1"/>
+          </p:cNvPicPr>
+          <p:nvPr>
+            <p:ph idx="1"/>
+          </p:nvPr>
+        </p:nvPicPr>
+        <p:blipFill>
+          <a:blip r:embed="rId2">
+            <a:extLst>
+              <a:ext uri="{28A0092B-C50C-407E-A947-70E740481C1C}">
+                <a14:useLocalDpi xmlns:a14="http://schemas.microsoft.com/office/drawing/2010/main" val="0"/>
+              </a:ext>
+            </a:extLst>
+          </a:blip>
+          <a:stretch>
+            <a:fillRect/>
+          </a:stretch>
+        </p:blipFill>
+        <p:spPr>
+          <a:xfrm>
+            <a:off x="3491838" y="1335024"/>
+            <a:ext cx="5170899" cy="5400717"/>
+          </a:xfrm>
+        </p:spPr>
+      </p:pic>
+    </p:spTree>
+    <p:extLst>
+      <p:ext uri="{BB962C8B-B14F-4D97-AF65-F5344CB8AC3E}">
+        <p14:creationId xmlns:p14="http://schemas.microsoft.com/office/powerpoint/2010/main" val="1063116304"/>
+      </p:ext>
+    </p:extLst>
+  </p:cSld>
+  <p:clrMapOvr>
+    <a:masterClrMapping/>
+  </p:clrMapOvr>
+  <p:timing>
+    <p:tnLst>
+      <p:par>
+        <p:cTn id="1" dur="indefinite" restart="never" nodeType="tmRoot"/>
+      </p:par>
+    </p:tnLst>
+  </p:timing>
+</p:sld>
+</file>
+
+<file path=ppt/slides/slide48.xml><?xml version="1.0" encoding="utf-8"?>
+<p:sld xmlns:a="http://schemas.openxmlformats.org/drawingml/2006/main" xmlns:r="http://schemas.openxmlformats.org/officeDocument/2006/relationships" xmlns:p="http://schemas.openxmlformats.org/presentationml/2006/main">
+  <p:cSld>
+    <p:spTree>
+      <p:nvGrpSpPr>
+        <p:cNvPr id="1" name=""/>
+        <p:cNvGrpSpPr/>
+        <p:nvPr/>
+      </p:nvGrpSpPr>
+      <p:grpSpPr>
+        <a:xfrm>
+          <a:off x="0" y="0"/>
+          <a:ext cx="0" cy="0"/>
+          <a:chOff x="0" y="0"/>
+          <a:chExt cx="0" cy="0"/>
+        </a:xfrm>
+      </p:grpSpPr>
+      <p:sp>
+        <p:nvSpPr>
+          <p:cNvPr id="2" name="Title 1"/>
+          <p:cNvSpPr>
+            <a:spLocks noGrp="1"/>
+          </p:cNvSpPr>
+          <p:nvPr>
+            <p:ph type="title"/>
+          </p:nvPr>
+        </p:nvSpPr>
+        <p:spPr/>
+        <p:txBody>
+          <a:bodyPr/>
+          <a:lstStyle/>
+          <a:p>
+            <a:r>
+              <a:rPr lang="en-US" dirty="0" err="1" smtClean="0"/>
+              <a:t>Penutup</a:t>
+            </a:r>
+            <a:endParaRPr lang="en-US" dirty="0"/>
+          </a:p>
+        </p:txBody>
+      </p:sp>
+      <p:sp>
+        <p:nvSpPr>
+          <p:cNvPr id="3" name="Content Placeholder 2"/>
+          <p:cNvSpPr>
+            <a:spLocks noGrp="1"/>
+          </p:cNvSpPr>
+          <p:nvPr>
+            <p:ph idx="1"/>
+          </p:nvPr>
+        </p:nvSpPr>
+        <p:spPr>
+          <a:xfrm>
+            <a:off x="1024128" y="1780674"/>
+            <a:ext cx="9720073" cy="5213684"/>
+          </a:xfrm>
+        </p:spPr>
+        <p:txBody>
+          <a:bodyPr>
+            <a:normAutofit lnSpcReduction="10000"/>
+          </a:bodyPr>
+          <a:lstStyle/>
+          <a:p>
+            <a:r>
+              <a:rPr lang="en-US" dirty="0" err="1" smtClean="0"/>
+              <a:t>Kesimpulan</a:t>
+            </a:r>
+            <a:r>
+              <a:rPr lang="en-US" dirty="0" smtClean="0"/>
+              <a:t> :</a:t>
+            </a:r>
+          </a:p>
+          <a:p>
+            <a:pPr marL="457200" indent="-457200">
+              <a:buFont typeface="+mj-lt"/>
+              <a:buAutoNum type="arabicPeriod"/>
+            </a:pPr>
+            <a:r>
+              <a:rPr lang="en-US" dirty="0" err="1"/>
+              <a:t>Untuk</a:t>
+            </a:r>
+            <a:r>
+              <a:rPr lang="en-US" dirty="0"/>
+              <a:t> </a:t>
+            </a:r>
+            <a:r>
+              <a:rPr lang="en-US" dirty="0" err="1"/>
+              <a:t>dapat</a:t>
+            </a:r>
+            <a:r>
+              <a:rPr lang="en-US" dirty="0"/>
+              <a:t> </a:t>
+            </a:r>
+            <a:r>
+              <a:rPr lang="en-US" dirty="0" err="1"/>
+              <a:t>melakukan</a:t>
+            </a:r>
+            <a:r>
+              <a:rPr lang="en-US" dirty="0"/>
+              <a:t> </a:t>
+            </a:r>
+            <a:r>
+              <a:rPr lang="en-US" dirty="0" err="1"/>
+              <a:t>migrasi</a:t>
+            </a:r>
+            <a:r>
+              <a:rPr lang="en-US" dirty="0"/>
+              <a:t> </a:t>
+            </a:r>
+            <a:r>
+              <a:rPr lang="en-US" dirty="0" err="1"/>
+              <a:t>dari</a:t>
+            </a:r>
+            <a:r>
+              <a:rPr lang="en-US" dirty="0"/>
+              <a:t> </a:t>
+            </a:r>
+            <a:r>
+              <a:rPr lang="en-US" dirty="0" err="1"/>
+              <a:t>aplikasi</a:t>
+            </a:r>
+            <a:r>
+              <a:rPr lang="en-US" dirty="0"/>
+              <a:t> </a:t>
+            </a:r>
+            <a:r>
+              <a:rPr lang="en-US" dirty="0" err="1"/>
+              <a:t>monolitik</a:t>
+            </a:r>
+            <a:r>
+              <a:rPr lang="en-US" dirty="0"/>
+              <a:t> </a:t>
+            </a:r>
+            <a:r>
+              <a:rPr lang="en-US" dirty="0" err="1"/>
+              <a:t>menjadi</a:t>
+            </a:r>
+            <a:r>
+              <a:rPr lang="en-US" dirty="0"/>
+              <a:t> </a:t>
+            </a:r>
+            <a:r>
+              <a:rPr lang="en-US" dirty="0" err="1"/>
+              <a:t>microservice</a:t>
+            </a:r>
+            <a:r>
+              <a:rPr lang="en-US" dirty="0"/>
+              <a:t> </a:t>
+            </a:r>
+            <a:r>
+              <a:rPr lang="en-US" dirty="0" err="1"/>
+              <a:t>dibutuhkan</a:t>
+            </a:r>
+            <a:r>
+              <a:rPr lang="en-US" dirty="0"/>
+              <a:t> </a:t>
+            </a:r>
+            <a:r>
+              <a:rPr lang="en-US" dirty="0" err="1"/>
+              <a:t>perencanaan</a:t>
+            </a:r>
+            <a:r>
+              <a:rPr lang="en-US" dirty="0"/>
+              <a:t> yang </a:t>
+            </a:r>
+            <a:r>
+              <a:rPr lang="en-US" dirty="0" err="1"/>
+              <a:t>matang</a:t>
+            </a:r>
+            <a:r>
+              <a:rPr lang="en-US" dirty="0"/>
+              <a:t>, </a:t>
+            </a:r>
+            <a:r>
+              <a:rPr lang="en-US" dirty="0" err="1"/>
+              <a:t>dimulai</a:t>
+            </a:r>
+            <a:r>
+              <a:rPr lang="en-US" dirty="0"/>
+              <a:t> </a:t>
+            </a:r>
+            <a:r>
+              <a:rPr lang="en-US" dirty="0" err="1"/>
+              <a:t>dari</a:t>
+            </a:r>
+            <a:r>
+              <a:rPr lang="en-US" dirty="0"/>
+              <a:t> </a:t>
+            </a:r>
+            <a:r>
+              <a:rPr lang="en-US" dirty="0" err="1"/>
+              <a:t>analisis</a:t>
+            </a:r>
+            <a:r>
+              <a:rPr lang="en-US" dirty="0"/>
+              <a:t> proses </a:t>
+            </a:r>
+            <a:r>
+              <a:rPr lang="en-US" dirty="0" err="1"/>
+              <a:t>bisnis</a:t>
+            </a:r>
+            <a:r>
+              <a:rPr lang="en-US" dirty="0"/>
+              <a:t> </a:t>
+            </a:r>
+            <a:r>
+              <a:rPr lang="en-US" dirty="0" err="1"/>
+              <a:t>aplikasi</a:t>
+            </a:r>
+            <a:r>
+              <a:rPr lang="en-US" dirty="0"/>
+              <a:t>, </a:t>
+            </a:r>
+            <a:r>
+              <a:rPr lang="en-US" dirty="0" err="1"/>
+              <a:t>menentukan</a:t>
+            </a:r>
+            <a:r>
+              <a:rPr lang="en-US" dirty="0"/>
+              <a:t> service yang </a:t>
+            </a:r>
+            <a:r>
+              <a:rPr lang="en-US" dirty="0" err="1"/>
+              <a:t>akan</a:t>
+            </a:r>
+            <a:r>
+              <a:rPr lang="en-US" dirty="0"/>
+              <a:t> </a:t>
+            </a:r>
+            <a:r>
+              <a:rPr lang="en-US" dirty="0" err="1"/>
+              <a:t>terbentuk</a:t>
+            </a:r>
+            <a:r>
+              <a:rPr lang="en-US" dirty="0"/>
+              <a:t>, </a:t>
+            </a:r>
+            <a:r>
+              <a:rPr lang="en-US" dirty="0" err="1"/>
+              <a:t>memilih</a:t>
+            </a:r>
+            <a:r>
+              <a:rPr lang="en-US" dirty="0"/>
+              <a:t> </a:t>
+            </a:r>
+            <a:r>
+              <a:rPr lang="en-US" dirty="0" err="1"/>
+              <a:t>teknologi</a:t>
+            </a:r>
+            <a:r>
+              <a:rPr lang="en-US" dirty="0"/>
+              <a:t> yang </a:t>
+            </a:r>
+            <a:r>
+              <a:rPr lang="en-US" dirty="0" err="1"/>
+              <a:t>akan</a:t>
+            </a:r>
+            <a:r>
+              <a:rPr lang="en-US" dirty="0"/>
+              <a:t> </a:t>
+            </a:r>
+            <a:r>
+              <a:rPr lang="en-US" dirty="0" err="1"/>
+              <a:t>digunakan</a:t>
+            </a:r>
+            <a:r>
+              <a:rPr lang="en-US" dirty="0"/>
+              <a:t>, </a:t>
+            </a:r>
+            <a:r>
+              <a:rPr lang="en-US" dirty="0" err="1"/>
+              <a:t>memilih</a:t>
+            </a:r>
+            <a:r>
+              <a:rPr lang="en-US" dirty="0"/>
+              <a:t> </a:t>
+            </a:r>
+            <a:r>
+              <a:rPr lang="en-US" dirty="0" err="1"/>
+              <a:t>cara</a:t>
+            </a:r>
+            <a:r>
+              <a:rPr lang="en-US" dirty="0"/>
+              <a:t> </a:t>
+            </a:r>
+            <a:r>
+              <a:rPr lang="en-US" dirty="0" err="1"/>
+              <a:t>berkomunikasi</a:t>
+            </a:r>
+            <a:r>
+              <a:rPr lang="en-US" dirty="0"/>
+              <a:t>, </a:t>
+            </a:r>
+            <a:r>
+              <a:rPr lang="en-US" dirty="0" err="1"/>
+              <a:t>dan</a:t>
+            </a:r>
+            <a:r>
+              <a:rPr lang="en-US" dirty="0"/>
+              <a:t> </a:t>
+            </a:r>
+            <a:r>
+              <a:rPr lang="en-US" dirty="0" err="1"/>
+              <a:t>memilih</a:t>
+            </a:r>
+            <a:r>
+              <a:rPr lang="en-US" dirty="0"/>
+              <a:t> </a:t>
+            </a:r>
+            <a:r>
+              <a:rPr lang="en-US" dirty="0" err="1"/>
+              <a:t>metode</a:t>
+            </a:r>
+            <a:r>
+              <a:rPr lang="en-US" dirty="0"/>
+              <a:t> deployment yang </a:t>
+            </a:r>
+            <a:r>
+              <a:rPr lang="en-US" dirty="0" err="1" smtClean="0"/>
+              <a:t>tepat</a:t>
+            </a:r>
+            <a:r>
+              <a:rPr lang="en-US" dirty="0" smtClean="0"/>
+              <a:t>.</a:t>
+            </a:r>
+          </a:p>
+          <a:p>
+            <a:pPr marL="457200" indent="-457200">
+              <a:buFont typeface="+mj-lt"/>
+              <a:buAutoNum type="arabicPeriod"/>
+            </a:pPr>
+            <a:r>
+              <a:rPr lang="en-US" dirty="0" smtClean="0"/>
+              <a:t>Model </a:t>
+            </a:r>
+            <a:r>
+              <a:rPr lang="en-US" dirty="0" err="1"/>
+              <a:t>arsitektur</a:t>
+            </a:r>
+            <a:r>
+              <a:rPr lang="en-US" dirty="0"/>
+              <a:t> </a:t>
+            </a:r>
+            <a:r>
+              <a:rPr lang="en-US" dirty="0" err="1"/>
+              <a:t>microservice</a:t>
+            </a:r>
+            <a:r>
+              <a:rPr lang="en-US" dirty="0"/>
+              <a:t> </a:t>
+            </a:r>
+            <a:r>
+              <a:rPr lang="en-US" dirty="0" err="1"/>
+              <a:t>memberikan</a:t>
+            </a:r>
+            <a:r>
+              <a:rPr lang="en-US" dirty="0"/>
+              <a:t> </a:t>
+            </a:r>
+            <a:r>
+              <a:rPr lang="en-US" dirty="0" err="1"/>
+              <a:t>hasil</a:t>
+            </a:r>
+            <a:r>
+              <a:rPr lang="en-US" dirty="0"/>
+              <a:t> </a:t>
+            </a:r>
+            <a:r>
+              <a:rPr lang="en-US" dirty="0" err="1"/>
+              <a:t>uji</a:t>
+            </a:r>
+            <a:r>
+              <a:rPr lang="en-US" dirty="0"/>
+              <a:t> yang </a:t>
+            </a:r>
+            <a:r>
+              <a:rPr lang="en-US" dirty="0" err="1"/>
+              <a:t>lebih</a:t>
+            </a:r>
+            <a:r>
+              <a:rPr lang="en-US" dirty="0"/>
+              <a:t> </a:t>
+            </a:r>
+            <a:r>
+              <a:rPr lang="en-US" dirty="0" err="1"/>
+              <a:t>baik</a:t>
+            </a:r>
+            <a:r>
+              <a:rPr lang="en-US" dirty="0"/>
+              <a:t> </a:t>
+            </a:r>
+            <a:r>
+              <a:rPr lang="en-US" dirty="0" err="1"/>
+              <a:t>dari</a:t>
+            </a:r>
+            <a:r>
+              <a:rPr lang="en-US" dirty="0"/>
+              <a:t> </a:t>
+            </a:r>
+            <a:r>
+              <a:rPr lang="en-US" dirty="0" err="1"/>
+              <a:t>segi</a:t>
+            </a:r>
+            <a:r>
+              <a:rPr lang="en-US" dirty="0"/>
+              <a:t> </a:t>
+            </a:r>
+            <a:r>
+              <a:rPr lang="en-US" dirty="0" err="1"/>
+              <a:t>deployability</a:t>
+            </a:r>
+            <a:r>
+              <a:rPr lang="en-US" dirty="0"/>
+              <a:t>, reliability, availability, </a:t>
+            </a:r>
+            <a:r>
+              <a:rPr lang="en-US" dirty="0" err="1"/>
+              <a:t>scalibility</a:t>
+            </a:r>
+            <a:r>
+              <a:rPr lang="en-US" dirty="0"/>
+              <a:t>, </a:t>
+            </a:r>
+            <a:r>
+              <a:rPr lang="en-US" dirty="0" err="1"/>
+              <a:t>dan</a:t>
+            </a:r>
+            <a:r>
+              <a:rPr lang="en-US" dirty="0"/>
+              <a:t> modifiability. </a:t>
+            </a:r>
+            <a:r>
+              <a:rPr lang="en-US" dirty="0" err="1"/>
+              <a:t>Namun</a:t>
+            </a:r>
+            <a:r>
+              <a:rPr lang="en-US" dirty="0"/>
+              <a:t> </a:t>
+            </a:r>
+            <a:r>
+              <a:rPr lang="en-US" dirty="0" err="1"/>
+              <a:t>memiliki</a:t>
+            </a:r>
+            <a:r>
+              <a:rPr lang="en-US" dirty="0"/>
+              <a:t> </a:t>
+            </a:r>
+            <a:r>
+              <a:rPr lang="en-US" dirty="0" err="1"/>
+              <a:t>tingkat</a:t>
+            </a:r>
+            <a:r>
+              <a:rPr lang="en-US" dirty="0"/>
+              <a:t> </a:t>
+            </a:r>
+            <a:r>
+              <a:rPr lang="en-US" dirty="0" err="1"/>
+              <a:t>kesulitan</a:t>
+            </a:r>
+            <a:r>
+              <a:rPr lang="en-US" dirty="0"/>
+              <a:t> </a:t>
+            </a:r>
+            <a:r>
+              <a:rPr lang="en-US" dirty="0" err="1"/>
+              <a:t>implementasi</a:t>
+            </a:r>
+            <a:r>
+              <a:rPr lang="en-US" dirty="0"/>
+              <a:t> yang </a:t>
+            </a:r>
+            <a:r>
+              <a:rPr lang="en-US" dirty="0" err="1"/>
+              <a:t>lebih</a:t>
+            </a:r>
+            <a:r>
+              <a:rPr lang="en-US" dirty="0"/>
+              <a:t> </a:t>
+            </a:r>
+            <a:r>
+              <a:rPr lang="en-US" dirty="0" err="1"/>
+              <a:t>tinggi</a:t>
+            </a:r>
+            <a:r>
+              <a:rPr lang="en-US" dirty="0"/>
+              <a:t> </a:t>
+            </a:r>
+            <a:r>
+              <a:rPr lang="en-US" dirty="0" err="1"/>
+              <a:t>dibandingkan</a:t>
+            </a:r>
+            <a:r>
+              <a:rPr lang="en-US" dirty="0"/>
+              <a:t> </a:t>
+            </a:r>
+            <a:r>
+              <a:rPr lang="en-US" dirty="0" err="1"/>
+              <a:t>dengan</a:t>
+            </a:r>
+            <a:r>
+              <a:rPr lang="en-US" dirty="0"/>
+              <a:t> model </a:t>
+            </a:r>
+            <a:r>
+              <a:rPr lang="en-US" dirty="0" err="1"/>
+              <a:t>arsitektur</a:t>
+            </a:r>
+            <a:r>
+              <a:rPr lang="en-US" dirty="0"/>
+              <a:t> </a:t>
+            </a:r>
+            <a:r>
+              <a:rPr lang="en-US" dirty="0" err="1"/>
+              <a:t>monolitik</a:t>
+            </a:r>
+            <a:r>
+              <a:rPr lang="en-US" dirty="0"/>
+              <a:t>. </a:t>
+            </a:r>
+            <a:endParaRPr lang="en-US" dirty="0" smtClean="0"/>
+          </a:p>
+          <a:p>
+            <a:pPr marL="457200" indent="-457200">
+              <a:buFont typeface="+mj-lt"/>
+              <a:buAutoNum type="arabicPeriod"/>
+            </a:pPr>
+            <a:r>
+              <a:rPr lang="en-US" dirty="0" err="1" smtClean="0"/>
+              <a:t>Arsitektur</a:t>
+            </a:r>
+            <a:r>
+              <a:rPr lang="en-US" dirty="0" smtClean="0"/>
+              <a:t> </a:t>
+            </a:r>
+            <a:r>
+              <a:rPr lang="en-US" dirty="0" err="1"/>
+              <a:t>microservice</a:t>
+            </a:r>
+            <a:r>
+              <a:rPr lang="en-US" dirty="0"/>
+              <a:t> </a:t>
+            </a:r>
+            <a:r>
+              <a:rPr lang="en-US" dirty="0" err="1"/>
+              <a:t>lebih</a:t>
+            </a:r>
+            <a:r>
+              <a:rPr lang="en-US" dirty="0"/>
+              <a:t> </a:t>
+            </a:r>
+            <a:r>
+              <a:rPr lang="en-US" dirty="0" err="1"/>
+              <a:t>cocok</a:t>
+            </a:r>
+            <a:r>
+              <a:rPr lang="en-US" dirty="0"/>
+              <a:t> </a:t>
+            </a:r>
+            <a:r>
+              <a:rPr lang="en-US" dirty="0" err="1"/>
+              <a:t>untuk</a:t>
+            </a:r>
+            <a:r>
+              <a:rPr lang="en-US" dirty="0"/>
+              <a:t> </a:t>
+            </a:r>
+            <a:r>
+              <a:rPr lang="en-US" dirty="0" err="1"/>
+              <a:t>diimplementasi</a:t>
+            </a:r>
+            <a:r>
+              <a:rPr lang="en-US" dirty="0"/>
+              <a:t> </a:t>
+            </a:r>
+            <a:r>
+              <a:rPr lang="en-US" dirty="0" err="1"/>
+              <a:t>pada</a:t>
+            </a:r>
+            <a:r>
+              <a:rPr lang="en-US" dirty="0"/>
+              <a:t> </a:t>
+            </a:r>
+            <a:r>
+              <a:rPr lang="en-US" dirty="0" err="1"/>
+              <a:t>sistem</a:t>
+            </a:r>
+            <a:r>
+              <a:rPr lang="en-US" dirty="0"/>
+              <a:t> yang </a:t>
+            </a:r>
+            <a:r>
+              <a:rPr lang="en-US" dirty="0" err="1"/>
+              <a:t>membutuhkan</a:t>
+            </a:r>
+            <a:r>
+              <a:rPr lang="en-US" dirty="0"/>
+              <a:t> </a:t>
+            </a:r>
+            <a:r>
+              <a:rPr lang="en-US" dirty="0" err="1"/>
+              <a:t>landasan</a:t>
+            </a:r>
+            <a:r>
+              <a:rPr lang="en-US" dirty="0"/>
+              <a:t> yang </a:t>
+            </a:r>
+            <a:r>
+              <a:rPr lang="en-US" dirty="0" err="1"/>
+              <a:t>kuat</a:t>
+            </a:r>
+            <a:r>
+              <a:rPr lang="en-US" dirty="0"/>
+              <a:t> </a:t>
+            </a:r>
+            <a:r>
+              <a:rPr lang="en-US" dirty="0" err="1"/>
+              <a:t>dan</a:t>
+            </a:r>
+            <a:r>
+              <a:rPr lang="en-US" dirty="0"/>
+              <a:t> </a:t>
+            </a:r>
+            <a:r>
+              <a:rPr lang="en-US" dirty="0" err="1"/>
+              <a:t>siap</a:t>
+            </a:r>
+            <a:r>
+              <a:rPr lang="en-US" dirty="0"/>
+              <a:t> </a:t>
+            </a:r>
+            <a:r>
+              <a:rPr lang="en-US" dirty="0" err="1"/>
+              <a:t>untuk</a:t>
+            </a:r>
+            <a:r>
+              <a:rPr lang="en-US" dirty="0"/>
+              <a:t> </a:t>
+            </a:r>
+            <a:r>
+              <a:rPr lang="en-US" dirty="0" err="1"/>
+              <a:t>berkembang</a:t>
+            </a:r>
+            <a:r>
+              <a:rPr lang="en-US" dirty="0"/>
+              <a:t> </a:t>
+            </a:r>
+            <a:r>
+              <a:rPr lang="en-US" dirty="0" err="1"/>
+              <a:t>menjadi</a:t>
+            </a:r>
+            <a:r>
+              <a:rPr lang="en-US" dirty="0"/>
+              <a:t> </a:t>
+            </a:r>
+            <a:r>
+              <a:rPr lang="en-US" dirty="0" err="1"/>
+              <a:t>aplikasi</a:t>
+            </a:r>
+            <a:r>
+              <a:rPr lang="en-US" dirty="0"/>
+              <a:t> yang </a:t>
+            </a:r>
+            <a:r>
+              <a:rPr lang="en-US" dirty="0" err="1" smtClean="0"/>
+              <a:t>besar</a:t>
+            </a:r>
+            <a:r>
+              <a:rPr lang="en-US" dirty="0" smtClean="0"/>
+              <a:t>.</a:t>
+            </a:r>
+          </a:p>
+          <a:p>
+            <a:pPr marL="457200" indent="-457200">
+              <a:buFont typeface="+mj-lt"/>
+              <a:buAutoNum type="arabicPeriod"/>
+            </a:pPr>
+            <a:r>
+              <a:rPr lang="en-US" dirty="0" err="1" smtClean="0"/>
+              <a:t>Dibutuhkan</a:t>
+            </a:r>
+            <a:r>
+              <a:rPr lang="en-US" dirty="0" smtClean="0"/>
+              <a:t> </a:t>
+            </a:r>
+            <a:r>
+              <a:rPr lang="en-US" dirty="0"/>
+              <a:t>tools </a:t>
+            </a:r>
+            <a:r>
+              <a:rPr lang="en-US" dirty="0" err="1"/>
+              <a:t>automasi</a:t>
+            </a:r>
+            <a:r>
+              <a:rPr lang="en-US" dirty="0"/>
+              <a:t> yang </a:t>
+            </a:r>
+            <a:r>
+              <a:rPr lang="en-US" dirty="0" err="1"/>
+              <a:t>lebih</a:t>
+            </a:r>
+            <a:r>
+              <a:rPr lang="en-US" dirty="0"/>
+              <a:t> </a:t>
+            </a:r>
+            <a:r>
+              <a:rPr lang="en-US" dirty="0" err="1"/>
+              <a:t>banyak</a:t>
+            </a:r>
+            <a:r>
+              <a:rPr lang="en-US" dirty="0"/>
+              <a:t> </a:t>
+            </a:r>
+            <a:r>
+              <a:rPr lang="en-US" dirty="0" err="1"/>
+              <a:t>untuk</a:t>
+            </a:r>
+            <a:r>
+              <a:rPr lang="en-US" dirty="0"/>
+              <a:t> </a:t>
+            </a:r>
+            <a:r>
+              <a:rPr lang="en-US" dirty="0" err="1"/>
+              <a:t>diterapkan</a:t>
+            </a:r>
+            <a:r>
+              <a:rPr lang="en-US" dirty="0"/>
+              <a:t> </a:t>
+            </a:r>
+            <a:r>
+              <a:rPr lang="en-US" dirty="0" err="1"/>
+              <a:t>pada</a:t>
+            </a:r>
+            <a:r>
+              <a:rPr lang="en-US" dirty="0"/>
+              <a:t> </a:t>
+            </a:r>
+            <a:r>
+              <a:rPr lang="en-US" dirty="0" err="1"/>
+              <a:t>aplikasi</a:t>
+            </a:r>
+            <a:r>
+              <a:rPr lang="en-US" dirty="0"/>
+              <a:t> </a:t>
+            </a:r>
+            <a:r>
+              <a:rPr lang="en-US" dirty="0" err="1"/>
+              <a:t>berbasis</a:t>
+            </a:r>
+            <a:r>
+              <a:rPr lang="en-US" dirty="0"/>
+              <a:t> </a:t>
+            </a:r>
+            <a:r>
+              <a:rPr lang="en-US" dirty="0" err="1"/>
+              <a:t>microservice</a:t>
+            </a:r>
+            <a:r>
+              <a:rPr lang="en-US" dirty="0"/>
+              <a:t> agar </a:t>
+            </a:r>
+            <a:r>
+              <a:rPr lang="en-US" dirty="0" err="1"/>
+              <a:t>mencapai</a:t>
+            </a:r>
+            <a:r>
+              <a:rPr lang="en-US" dirty="0"/>
+              <a:t> </a:t>
+            </a:r>
+            <a:r>
+              <a:rPr lang="en-US" dirty="0" err="1"/>
+              <a:t>hasil</a:t>
+            </a:r>
+            <a:r>
+              <a:rPr lang="en-US" dirty="0"/>
+              <a:t> </a:t>
+            </a:r>
+            <a:r>
+              <a:rPr lang="en-US" dirty="0" err="1"/>
+              <a:t>performa</a:t>
+            </a:r>
+            <a:r>
+              <a:rPr lang="en-US" dirty="0"/>
+              <a:t> yang </a:t>
+            </a:r>
+            <a:r>
+              <a:rPr lang="en-US" dirty="0" err="1"/>
+              <a:t>maksimal</a:t>
+            </a:r>
+            <a:r>
+              <a:rPr lang="en-US" dirty="0"/>
+              <a:t>.</a:t>
+            </a:r>
+          </a:p>
+          <a:p>
+            <a:pPr marL="457200" indent="-457200">
+              <a:buFont typeface="+mj-lt"/>
+              <a:buAutoNum type="arabicPeriod"/>
+            </a:pPr>
+            <a:endParaRPr lang="en-US" dirty="0"/>
+          </a:p>
+        </p:txBody>
+      </p:sp>
+    </p:spTree>
+    <p:extLst>
+      <p:ext uri="{BB962C8B-B14F-4D97-AF65-F5344CB8AC3E}">
+        <p14:creationId xmlns:p14="http://schemas.microsoft.com/office/powerpoint/2010/main" val="1076603151"/>
+      </p:ext>
+    </p:extLst>
+  </p:cSld>
+  <p:clrMapOvr>
+    <a:masterClrMapping/>
+  </p:clrMapOvr>
+  <p:timing>
+    <p:tnLst>
+      <p:par>
+        <p:cTn id="1" dur="indefinite" restart="never" nodeType="tmRoot"/>
+      </p:par>
+    </p:tnLst>
+  </p:timing>
+</p:sld>
+</file>
+
+<file path=ppt/slides/slide49.xml><?xml version="1.0" encoding="utf-8"?>
+<p:sld xmlns:a="http://schemas.openxmlformats.org/drawingml/2006/main" xmlns:r="http://schemas.openxmlformats.org/officeDocument/2006/relationships" xmlns:p="http://schemas.openxmlformats.org/presentationml/2006/main">
+  <p:cSld>
+    <p:spTree>
+      <p:nvGrpSpPr>
+        <p:cNvPr id="1" name=""/>
+        <p:cNvGrpSpPr/>
+        <p:nvPr/>
+      </p:nvGrpSpPr>
+      <p:grpSpPr>
+        <a:xfrm>
+          <a:off x="0" y="0"/>
+          <a:ext cx="0" cy="0"/>
+          <a:chOff x="0" y="0"/>
+          <a:chExt cx="0" cy="0"/>
+        </a:xfrm>
+      </p:grpSpPr>
+      <p:sp>
+        <p:nvSpPr>
+          <p:cNvPr id="2" name="Title 1"/>
+          <p:cNvSpPr>
+            <a:spLocks noGrp="1"/>
+          </p:cNvSpPr>
+          <p:nvPr>
+            <p:ph type="title"/>
+          </p:nvPr>
+        </p:nvSpPr>
+        <p:spPr/>
+        <p:txBody>
+          <a:bodyPr/>
+          <a:lstStyle/>
+          <a:p>
+            <a:r>
+              <a:rPr lang="en-US" dirty="0" err="1" smtClean="0"/>
+              <a:t>Penutup</a:t>
+            </a:r>
+            <a:endParaRPr lang="en-US" dirty="0"/>
+          </a:p>
+        </p:txBody>
+      </p:sp>
+      <p:sp>
+        <p:nvSpPr>
+          <p:cNvPr id="3" name="Content Placeholder 2"/>
+          <p:cNvSpPr>
+            <a:spLocks noGrp="1"/>
+          </p:cNvSpPr>
+          <p:nvPr>
+            <p:ph idx="1"/>
+          </p:nvPr>
+        </p:nvSpPr>
+        <p:spPr/>
+        <p:txBody>
+          <a:bodyPr/>
+          <a:lstStyle/>
+          <a:p>
+            <a:r>
+              <a:rPr lang="en-US" dirty="0" smtClean="0"/>
+              <a:t>Saran :</a:t>
+            </a:r>
+          </a:p>
+          <a:p>
+            <a:pPr marL="457200" indent="-457200">
+              <a:buFont typeface="+mj-lt"/>
+              <a:buAutoNum type="arabicPeriod"/>
+            </a:pPr>
+            <a:r>
+              <a:rPr lang="en-US" dirty="0" err="1"/>
+              <a:t>Lebih</a:t>
+            </a:r>
+            <a:r>
+              <a:rPr lang="en-US" dirty="0"/>
+              <a:t> </a:t>
+            </a:r>
+            <a:r>
+              <a:rPr lang="en-US" dirty="0" err="1"/>
+              <a:t>banyak</a:t>
+            </a:r>
+            <a:r>
+              <a:rPr lang="en-US" dirty="0"/>
+              <a:t> </a:t>
+            </a:r>
+            <a:r>
+              <a:rPr lang="en-US" dirty="0" err="1"/>
+              <a:t>eksplorasi</a:t>
+            </a:r>
+            <a:r>
+              <a:rPr lang="en-US" dirty="0"/>
+              <a:t> </a:t>
+            </a:r>
+            <a:r>
+              <a:rPr lang="en-US" dirty="0" err="1"/>
+              <a:t>dan</a:t>
+            </a:r>
+            <a:r>
+              <a:rPr lang="en-US" dirty="0"/>
+              <a:t> </a:t>
+            </a:r>
+            <a:r>
+              <a:rPr lang="en-US" dirty="0" err="1"/>
+              <a:t>menggunakan</a:t>
+            </a:r>
+            <a:r>
+              <a:rPr lang="en-US" dirty="0"/>
+              <a:t> tools yang </a:t>
+            </a:r>
+            <a:r>
+              <a:rPr lang="en-US" dirty="0" err="1"/>
+              <a:t>dapat</a:t>
+            </a:r>
+            <a:r>
+              <a:rPr lang="en-US" dirty="0"/>
+              <a:t> </a:t>
+            </a:r>
+            <a:r>
+              <a:rPr lang="en-US" dirty="0" err="1"/>
+              <a:t>menunjang</a:t>
+            </a:r>
+            <a:r>
+              <a:rPr lang="en-US" dirty="0"/>
+              <a:t> </a:t>
+            </a:r>
+            <a:r>
+              <a:rPr lang="en-US" dirty="0" err="1"/>
+              <a:t>kemudahan</a:t>
+            </a:r>
+            <a:r>
+              <a:rPr lang="en-US" dirty="0"/>
+              <a:t> deployment </a:t>
+            </a:r>
+            <a:r>
+              <a:rPr lang="en-US" dirty="0" err="1"/>
+              <a:t>dari</a:t>
+            </a:r>
+            <a:r>
+              <a:rPr lang="en-US" dirty="0"/>
+              <a:t> </a:t>
+            </a:r>
+            <a:r>
+              <a:rPr lang="en-US" dirty="0" err="1"/>
+              <a:t>arsitektur</a:t>
+            </a:r>
+            <a:r>
+              <a:rPr lang="en-US" dirty="0"/>
+              <a:t> </a:t>
+            </a:r>
+            <a:r>
+              <a:rPr lang="en-US" dirty="0" err="1" smtClean="0"/>
+              <a:t>microservice</a:t>
+            </a:r>
+            <a:r>
+              <a:rPr lang="en-US" dirty="0" smtClean="0"/>
+              <a:t>.</a:t>
+            </a:r>
+          </a:p>
+          <a:p>
+            <a:pPr marL="457200" indent="-457200">
+              <a:buFont typeface="+mj-lt"/>
+              <a:buAutoNum type="arabicPeriod"/>
+            </a:pPr>
+            <a:r>
+              <a:rPr lang="en-US" dirty="0" err="1" smtClean="0"/>
+              <a:t>Menggunakan</a:t>
+            </a:r>
+            <a:r>
+              <a:rPr lang="en-US" dirty="0" smtClean="0"/>
+              <a:t> </a:t>
+            </a:r>
+            <a:r>
+              <a:rPr lang="en-US" dirty="0"/>
+              <a:t>framework </a:t>
+            </a:r>
+            <a:r>
+              <a:rPr lang="en-US" dirty="0" err="1"/>
+              <a:t>untuk</a:t>
+            </a:r>
+            <a:r>
+              <a:rPr lang="en-US" dirty="0"/>
+              <a:t> </a:t>
+            </a:r>
+            <a:r>
+              <a:rPr lang="en-US" dirty="0" err="1"/>
+              <a:t>penunjang</a:t>
+            </a:r>
+            <a:r>
+              <a:rPr lang="en-US" dirty="0"/>
+              <a:t> </a:t>
+            </a:r>
+            <a:r>
+              <a:rPr lang="en-US" dirty="0" err="1"/>
+              <a:t>integritas</a:t>
+            </a:r>
+            <a:r>
+              <a:rPr lang="en-US" dirty="0"/>
+              <a:t> data.</a:t>
+            </a:r>
+          </a:p>
+        </p:txBody>
+      </p:sp>
+    </p:spTree>
+    <p:extLst>
+      <p:ext uri="{BB962C8B-B14F-4D97-AF65-F5344CB8AC3E}">
+        <p14:creationId xmlns:p14="http://schemas.microsoft.com/office/powerpoint/2010/main" val="3622778059"/>
       </p:ext>
     </p:extLst>
   </p:cSld>
@@ -30498,4 +33389,265 @@
     </a:ext>
   </a:extLst>
 </a:theme>
+</file>
+
+<file path=ppt/theme/theme2.xml><?xml version="1.0" encoding="utf-8"?>
+<a:theme xmlns:a="http://schemas.openxmlformats.org/drawingml/2006/main" name="Office Theme">
+  <a:themeElements>
+    <a:clrScheme name="Office">
+      <a:dk1>
+        <a:sysClr val="windowText" lastClr="000000"/>
+      </a:dk1>
+      <a:lt1>
+        <a:sysClr val="window" lastClr="FFFFFF"/>
+      </a:lt1>
+      <a:dk2>
+        <a:srgbClr val="44546A"/>
+      </a:dk2>
+      <a:lt2>
+        <a:srgbClr val="E7E6E6"/>
+      </a:lt2>
+      <a:accent1>
+        <a:srgbClr val="5B9BD5"/>
+      </a:accent1>
+      <a:accent2>
+        <a:srgbClr val="ED7D31"/>
+      </a:accent2>
+      <a:accent3>
+        <a:srgbClr val="A5A5A5"/>
+      </a:accent3>
+      <a:accent4>
+        <a:srgbClr val="FFC000"/>
+      </a:accent4>
+      <a:accent5>
+        <a:srgbClr val="4472C4"/>
+      </a:accent5>
+      <a:accent6>
+        <a:srgbClr val="70AD47"/>
+      </a:accent6>
+      <a:hlink>
+        <a:srgbClr val="0563C1"/>
+      </a:hlink>
+      <a:folHlink>
+        <a:srgbClr val="954F72"/>
+      </a:folHlink>
+    </a:clrScheme>
+    <a:fontScheme name="Office">
+      <a:majorFont>
+        <a:latin typeface="Calibri Light" panose="020F0302020204030204"/>
+        <a:ea typeface=""/>
+        <a:cs typeface=""/>
+        <a:font script="Jpan" typeface="ＭＳ Ｐゴシック"/>
+        <a:font script="Hang" typeface="맑은 고딕"/>
+        <a:font script="Hans" typeface="宋体"/>
+        <a:font script="Hant" typeface="新細明體"/>
+        <a:font script="Arab" typeface="Times New Roman"/>
+        <a:font script="Hebr" typeface="Times New Roman"/>
+        <a:font script="Thai" typeface="Angsana New"/>
+        <a:font script="Ethi" typeface="Nyala"/>
+        <a:font script="Beng" typeface="Vrinda"/>
+        <a:font script="Gujr" typeface="Shruti"/>
+        <a:font script="Khmr" typeface="MoolBoran"/>
+        <a:font script="Knda" typeface="Tunga"/>
+        <a:font script="Guru" typeface="Raavi"/>
+        <a:font script="Cans" typeface="Euphemia"/>
+        <a:font script="Cher" typeface="Plantagenet Cherokee"/>
+        <a:font script="Yiii" typeface="Microsoft Yi Baiti"/>
+        <a:font script="Tibt" typeface="Microsoft Himalaya"/>
+        <a:font script="Thaa" typeface="MV Boli"/>
+        <a:font script="Deva" typeface="Mangal"/>
+        <a:font script="Telu" typeface="Gautami"/>
+        <a:font script="Taml" typeface="Latha"/>
+        <a:font script="Syrc" typeface="Estrangelo Edessa"/>
+        <a:font script="Orya" typeface="Kalinga"/>
+        <a:font script="Mlym" typeface="Kartika"/>
+        <a:font script="Laoo" typeface="DokChampa"/>
+        <a:font script="Sinh" typeface="Iskoola Pota"/>
+        <a:font script="Mong" typeface="Mongolian Baiti"/>
+        <a:font script="Viet" typeface="Times New Roman"/>
+        <a:font script="Uigh" typeface="Microsoft Uighur"/>
+        <a:font script="Geor" typeface="Sylfaen"/>
+      </a:majorFont>
+      <a:minorFont>
+        <a:latin typeface="Calibri" panose="020F0502020204030204"/>
+        <a:ea typeface=""/>
+        <a:cs typeface=""/>
+        <a:font script="Jpan" typeface="ＭＳ Ｐゴシック"/>
+        <a:font script="Hang" typeface="맑은 고딕"/>
+        <a:font script="Hans" typeface="宋体"/>
+        <a:font script="Hant" typeface="新細明體"/>
+        <a:font script="Arab" typeface="Arial"/>
+        <a:font script="Hebr" typeface="Arial"/>
+        <a:font script="Thai" typeface="Cordia New"/>
+        <a:font script="Ethi" typeface="Nyala"/>
+        <a:font script="Beng" typeface="Vrinda"/>
+        <a:font script="Gujr" typeface="Shruti"/>
+        <a:font script="Khmr" typeface="DaunPenh"/>
+        <a:font script="Knda" typeface="Tunga"/>
+        <a:font script="Guru" typeface="Raavi"/>
+        <a:font script="Cans" typeface="Euphemia"/>
+        <a:font script="Cher" typeface="Plantagenet Cherokee"/>
+        <a:font script="Yiii" typeface="Microsoft Yi Baiti"/>
+        <a:font script="Tibt" typeface="Microsoft Himalaya"/>
+        <a:font script="Thaa" typeface="MV Boli"/>
+        <a:font script="Deva" typeface="Mangal"/>
+        <a:font script="Telu" typeface="Gautami"/>
+        <a:font script="Taml" typeface="Latha"/>
+        <a:font script="Syrc" typeface="Estrangelo Edessa"/>
+        <a:font script="Orya" typeface="Kalinga"/>
+        <a:font script="Mlym" typeface="Kartika"/>
+        <a:font script="Laoo" typeface="DokChampa"/>
+        <a:font script="Sinh" typeface="Iskoola Pota"/>
+        <a:font script="Mong" typeface="Mongolian Baiti"/>
+        <a:font script="Viet" typeface="Arial"/>
+        <a:font script="Uigh" typeface="Microsoft Uighur"/>
+        <a:font script="Geor" typeface="Sylfaen"/>
+      </a:minorFont>
+    </a:fontScheme>
+    <a:fmtScheme name="Office">
+      <a:fillStyleLst>
+        <a:solidFill>
+          <a:schemeClr val="phClr"/>
+        </a:solidFill>
+        <a:gradFill rotWithShape="1">
+          <a:gsLst>
+            <a:gs pos="0">
+              <a:schemeClr val="phClr">
+                <a:lumMod val="110000"/>
+                <a:satMod val="105000"/>
+                <a:tint val="67000"/>
+              </a:schemeClr>
+            </a:gs>
+            <a:gs pos="50000">
+              <a:schemeClr val="phClr">
+                <a:lumMod val="105000"/>
+                <a:satMod val="103000"/>
+                <a:tint val="73000"/>
+              </a:schemeClr>
+            </a:gs>
+            <a:gs pos="100000">
+              <a:schemeClr val="phClr">
+                <a:lumMod val="105000"/>
+                <a:satMod val="109000"/>
+                <a:tint val="81000"/>
+              </a:schemeClr>
+            </a:gs>
+          </a:gsLst>
+          <a:lin ang="5400000" scaled="0"/>
+        </a:gradFill>
+        <a:gradFill rotWithShape="1">
+          <a:gsLst>
+            <a:gs pos="0">
+              <a:schemeClr val="phClr">
+                <a:satMod val="103000"/>
+                <a:lumMod val="102000"/>
+                <a:tint val="94000"/>
+              </a:schemeClr>
+            </a:gs>
+            <a:gs pos="50000">
+              <a:schemeClr val="phClr">
+                <a:satMod val="110000"/>
+                <a:lumMod val="100000"/>
+                <a:shade val="100000"/>
+              </a:schemeClr>
+            </a:gs>
+            <a:gs pos="100000">
+              <a:schemeClr val="phClr">
+                <a:lumMod val="99000"/>
+                <a:satMod val="120000"/>
+                <a:shade val="78000"/>
+              </a:schemeClr>
+            </a:gs>
+          </a:gsLst>
+          <a:lin ang="5400000" scaled="0"/>
+        </a:gradFill>
+      </a:fillStyleLst>
+      <a:lnStyleLst>
+        <a:ln w="6350" cap="flat" cmpd="sng" algn="ctr">
+          <a:solidFill>
+            <a:schemeClr val="phClr"/>
+          </a:solidFill>
+          <a:prstDash val="solid"/>
+          <a:miter lim="800000"/>
+        </a:ln>
+        <a:ln w="12700" cap="flat" cmpd="sng" algn="ctr">
+          <a:solidFill>
+            <a:schemeClr val="phClr"/>
+          </a:solidFill>
+          <a:prstDash val="solid"/>
+          <a:miter lim="800000"/>
+        </a:ln>
+        <a:ln w="19050" cap="flat" cmpd="sng" algn="ctr">
+          <a:solidFill>
+            <a:schemeClr val="phClr"/>
+          </a:solidFill>
+          <a:prstDash val="solid"/>
+          <a:miter lim="800000"/>
+        </a:ln>
+      </a:lnStyleLst>
+      <a:effectStyleLst>
+        <a:effectStyle>
+          <a:effectLst/>
+        </a:effectStyle>
+        <a:effectStyle>
+          <a:effectLst/>
+        </a:effectStyle>
+        <a:effectStyle>
+          <a:effectLst>
+            <a:outerShdw blurRad="57150" dist="19050" dir="5400000" algn="ctr" rotWithShape="0">
+              <a:srgbClr val="000000">
+                <a:alpha val="63000"/>
+              </a:srgbClr>
+            </a:outerShdw>
+          </a:effectLst>
+        </a:effectStyle>
+      </a:effectStyleLst>
+      <a:bgFillStyleLst>
+        <a:solidFill>
+          <a:schemeClr val="phClr"/>
+        </a:solidFill>
+        <a:solidFill>
+          <a:schemeClr val="phClr">
+            <a:tint val="95000"/>
+            <a:satMod val="170000"/>
+          </a:schemeClr>
+        </a:solidFill>
+        <a:gradFill rotWithShape="1">
+          <a:gsLst>
+            <a:gs pos="0">
+              <a:schemeClr val="phClr">
+                <a:tint val="93000"/>
+                <a:satMod val="150000"/>
+                <a:shade val="98000"/>
+                <a:lumMod val="102000"/>
+              </a:schemeClr>
+            </a:gs>
+            <a:gs pos="50000">
+              <a:schemeClr val="phClr">
+                <a:tint val="98000"/>
+                <a:satMod val="130000"/>
+                <a:shade val="90000"/>
+                <a:lumMod val="103000"/>
+              </a:schemeClr>
+            </a:gs>
+            <a:gs pos="100000">
+              <a:schemeClr val="phClr">
+                <a:shade val="63000"/>
+                <a:satMod val="120000"/>
+              </a:schemeClr>
+            </a:gs>
+          </a:gsLst>
+          <a:lin ang="5400000" scaled="0"/>
+        </a:gradFill>
+      </a:bgFillStyleLst>
+    </a:fmtScheme>
+  </a:themeElements>
+  <a:objectDefaults/>
+  <a:extraClrSchemeLst/>
+  <a:extLst>
+    <a:ext uri="{05A4C25C-085E-4340-85A3-A5531E510DB2}">
+      <thm15:themeFamily xmlns:thm15="http://schemas.microsoft.com/office/thememl/2012/main" name="Office Theme" id="{62F939B6-93AF-4DB8-9C6B-D6C7DFDC589F}" vid="{4A3C46E8-61CC-4603-A589-7422A47A8E4A}"/>
+    </a:ext>
+  </a:extLst>
+</a:theme>
 </file>